--- a/Soutenance.pptx
+++ b/Soutenance.pptx
@@ -8,6 +8,8 @@
     <p:sldId id="256" r:id="rId2"/>
     <p:sldId id="257" r:id="rId3"/>
     <p:sldId id="258" r:id="rId4"/>
+    <p:sldId id="259" r:id="rId5"/>
+    <p:sldId id="260" r:id="rId6"/>
   </p:sldIdLst>
   <p:sldSz cx="12192000" cy="6858000"/>
   <p:notesSz cx="6858000" cy="9144000"/>
@@ -5508,61 +5510,6 @@
             </a:r>
           </a:p>
           <a:p>
-            <a:r>
-              <a:rPr lang="fr-FR" dirty="0"/>
-              <a:t>L’implantation respecte la structure donnée (avec quelques légères modifications)</a:t>
-            </a:r>
-          </a:p>
-          <a:p>
-            <a:pPr lvl="1"/>
-            <a:r>
-              <a:rPr lang="fr-FR" dirty="0"/>
-              <a:t>Rajout des fonctions:</a:t>
-            </a:r>
-          </a:p>
-          <a:p>
-            <a:pPr lvl="3"/>
-            <a:r>
-              <a:rPr lang="fr-FR" dirty="0"/>
-              <a:t>deplacementGauche_sansCombi</a:t>
-            </a:r>
-          </a:p>
-          <a:p>
-            <a:pPr lvl="3"/>
-            <a:r>
-              <a:rPr lang="fr-FR" dirty="0"/>
-              <a:t>deplacementHaut_sansCombi</a:t>
-            </a:r>
-          </a:p>
-          <a:p>
-            <a:pPr lvl="3"/>
-            <a:r>
-              <a:rPr lang="fr-FR" dirty="0"/>
-              <a:t>combineCases_gauche</a:t>
-            </a:r>
-          </a:p>
-          <a:p>
-            <a:pPr lvl="3"/>
-            <a:r>
-              <a:rPr lang="fr-FR" dirty="0"/>
-              <a:t>combineCases_haut</a:t>
-            </a:r>
-          </a:p>
-          <a:p>
-            <a:pPr lvl="3"/>
-            <a:r>
-              <a:rPr lang="fr-FR" dirty="0"/>
-              <a:t>flip_horizontal</a:t>
-            </a:r>
-          </a:p>
-          <a:p>
-            <a:pPr lvl="3"/>
-            <a:r>
-              <a:rPr lang="fr-FR" dirty="0"/>
-              <a:t>flip_vertical </a:t>
-            </a:r>
-          </a:p>
-          <a:p>
             <a:pPr marL="1371600" lvl="3" indent="0">
               <a:buNone/>
             </a:pPr>
@@ -5646,8 +5593,65 @@
         </p:nvSpPr>
         <p:spPr/>
         <p:txBody>
-          <a:bodyPr/>
-          <a:lstStyle/>
+          <a:bodyPr>
+            <a:normAutofit/>
+          </a:bodyPr>
+          <a:lstStyle/>
+          <a:p>
+            <a:r>
+              <a:rPr lang="fr-FR" dirty="0"/>
+              <a:t>L’implantation respecte la structure donnée (avec quelques légères modifications)</a:t>
+            </a:r>
+          </a:p>
+          <a:p>
+            <a:pPr lvl="1"/>
+            <a:r>
+              <a:rPr lang="fr-FR" dirty="0"/>
+              <a:t>Rajout des fonctions:</a:t>
+            </a:r>
+          </a:p>
+          <a:p>
+            <a:pPr lvl="3"/>
+            <a:r>
+              <a:rPr lang="fr-FR" dirty="0"/>
+              <a:t>deplacementGauche_sansCombi</a:t>
+            </a:r>
+          </a:p>
+          <a:p>
+            <a:pPr lvl="3"/>
+            <a:r>
+              <a:rPr lang="fr-FR" dirty="0"/>
+              <a:t>deplacementHaut_sansCombi</a:t>
+            </a:r>
+          </a:p>
+          <a:p>
+            <a:pPr lvl="3"/>
+            <a:r>
+              <a:rPr lang="fr-FR" dirty="0"/>
+              <a:t>combineCases_gauche</a:t>
+            </a:r>
+          </a:p>
+          <a:p>
+            <a:pPr lvl="3"/>
+            <a:r>
+              <a:rPr lang="fr-FR" dirty="0"/>
+              <a:t>combineCases_haut</a:t>
+            </a:r>
+          </a:p>
+          <a:p>
+            <a:pPr lvl="3"/>
+            <a:r>
+              <a:rPr lang="fr-FR" dirty="0"/>
+              <a:t>flip_horizontal</a:t>
+            </a:r>
+          </a:p>
+          <a:p>
+            <a:pPr lvl="3"/>
+            <a:r>
+              <a:rPr lang="fr-FR" dirty="0"/>
+              <a:t>flip_vertical </a:t>
+            </a:r>
+          </a:p>
           <a:p>
             <a:r>
               <a:rPr lang="fr-FR" dirty="0"/>
@@ -5655,18 +5659,10 @@
             </a:r>
           </a:p>
           <a:p>
-            <a:endParaRPr lang="fr-FR" dirty="0"/>
-          </a:p>
-          <a:p>
             <a:r>
               <a:rPr lang="fr-FR" dirty="0"/>
-              <a:t>On dispose d’un bon affichage </a:t>
-            </a:r>
-            <a:r>
-              <a:rPr lang="fr-FR"/>
-              <a:t>du plateau de jeu.</a:t>
-            </a:r>
-            <a:endParaRPr lang="fr-FR" dirty="0"/>
+              <a:t>On dispose d’un bon affichage du plateau de jeu</a:t>
+            </a:r>
           </a:p>
         </p:txBody>
       </p:sp>
@@ -5674,6 +5670,194 @@
     <p:extLst>
       <p:ext uri="{BB962C8B-B14F-4D97-AF65-F5344CB8AC3E}">
         <p14:creationId xmlns:p14="http://schemas.microsoft.com/office/powerpoint/2010/main" val="3478660271"/>
+      </p:ext>
+    </p:extLst>
+  </p:cSld>
+  <p:clrMapOvr>
+    <a:masterClrMapping/>
+  </p:clrMapOvr>
+</p:sld>
+</file>
+
+<file path=ppt/slides/slide4.xml><?xml version="1.0" encoding="utf-8"?>
+<p:sld xmlns:a="http://schemas.openxmlformats.org/drawingml/2006/main" xmlns:r="http://schemas.openxmlformats.org/officeDocument/2006/relationships" xmlns:p="http://schemas.openxmlformats.org/presentationml/2006/main">
+  <p:cSld>
+    <p:spTree>
+      <p:nvGrpSpPr>
+        <p:cNvPr id="1" name=""/>
+        <p:cNvGrpSpPr/>
+        <p:nvPr/>
+      </p:nvGrpSpPr>
+      <p:grpSpPr>
+        <a:xfrm>
+          <a:off x="0" y="0"/>
+          <a:ext cx="0" cy="0"/>
+          <a:chOff x="0" y="0"/>
+          <a:chExt cx="0" cy="0"/>
+        </a:xfrm>
+      </p:grpSpPr>
+      <p:sp>
+        <p:nvSpPr>
+          <p:cNvPr id="2" name="Title 1">
+            <a:extLst>
+              <a:ext uri="{FF2B5EF4-FFF2-40B4-BE49-F238E27FC236}">
+                <a16:creationId xmlns:a16="http://schemas.microsoft.com/office/drawing/2014/main" id="{1E5A8199-6959-CA42-B906-2ED572DC8CBB}"/>
+              </a:ext>
+            </a:extLst>
+          </p:cNvPr>
+          <p:cNvSpPr>
+            <a:spLocks noGrp="1"/>
+          </p:cNvSpPr>
+          <p:nvPr>
+            <p:ph type="ctrTitle"/>
+          </p:nvPr>
+        </p:nvSpPr>
+        <p:spPr/>
+        <p:txBody>
+          <a:bodyPr/>
+          <a:lstStyle/>
+          <a:p>
+            <a:r>
+              <a:rPr lang="fr-FR" dirty="0"/>
+              <a:t>Niveau 1</a:t>
+            </a:r>
+          </a:p>
+        </p:txBody>
+      </p:sp>
+    </p:spTree>
+    <p:extLst>
+      <p:ext uri="{BB962C8B-B14F-4D97-AF65-F5344CB8AC3E}">
+        <p14:creationId xmlns:p14="http://schemas.microsoft.com/office/powerpoint/2010/main" val="3853121290"/>
+      </p:ext>
+    </p:extLst>
+  </p:cSld>
+  <p:clrMapOvr>
+    <a:masterClrMapping/>
+  </p:clrMapOvr>
+</p:sld>
+</file>
+
+<file path=ppt/slides/slide5.xml><?xml version="1.0" encoding="utf-8"?>
+<p:sld xmlns:a="http://schemas.openxmlformats.org/drawingml/2006/main" xmlns:r="http://schemas.openxmlformats.org/officeDocument/2006/relationships" xmlns:p="http://schemas.openxmlformats.org/presentationml/2006/main">
+  <p:cSld>
+    <p:spTree>
+      <p:nvGrpSpPr>
+        <p:cNvPr id="1" name=""/>
+        <p:cNvGrpSpPr/>
+        <p:nvPr/>
+      </p:nvGrpSpPr>
+      <p:grpSpPr>
+        <a:xfrm>
+          <a:off x="0" y="0"/>
+          <a:ext cx="0" cy="0"/>
+          <a:chOff x="0" y="0"/>
+          <a:chExt cx="0" cy="0"/>
+        </a:xfrm>
+      </p:grpSpPr>
+      <p:sp>
+        <p:nvSpPr>
+          <p:cNvPr id="2" name="Title 1">
+            <a:extLst>
+              <a:ext uri="{FF2B5EF4-FFF2-40B4-BE49-F238E27FC236}">
+                <a16:creationId xmlns:a16="http://schemas.microsoft.com/office/drawing/2014/main" id="{84574A78-8DD4-4A4A-8CEA-AC048042931B}"/>
+              </a:ext>
+            </a:extLst>
+          </p:cNvPr>
+          <p:cNvSpPr>
+            <a:spLocks noGrp="1"/>
+          </p:cNvSpPr>
+          <p:nvPr>
+            <p:ph type="title"/>
+          </p:nvPr>
+        </p:nvSpPr>
+        <p:spPr/>
+        <p:txBody>
+          <a:bodyPr/>
+          <a:lstStyle/>
+          <a:p>
+            <a:r>
+              <a:rPr lang="fr-FR" dirty="0"/>
+              <a:t>1.1 utilisation de la bibliothèque </a:t>
+            </a:r>
+            <a:r>
+              <a:rPr lang="fr-FR" dirty="0" err="1"/>
+              <a:t>ncurse</a:t>
+            </a:r>
+            <a:r>
+              <a:rPr lang="fr-FR" dirty="0"/>
+              <a:t>:</a:t>
+            </a:r>
+          </a:p>
+        </p:txBody>
+      </p:sp>
+      <p:sp>
+        <p:nvSpPr>
+          <p:cNvPr id="3" name="Content Placeholder 2">
+            <a:extLst>
+              <a:ext uri="{FF2B5EF4-FFF2-40B4-BE49-F238E27FC236}">
+                <a16:creationId xmlns:a16="http://schemas.microsoft.com/office/drawing/2014/main" id="{6B79532C-9214-9C42-8BFF-F42C717DF159}"/>
+              </a:ext>
+            </a:extLst>
+          </p:cNvPr>
+          <p:cNvSpPr>
+            <a:spLocks noGrp="1"/>
+          </p:cNvSpPr>
+          <p:nvPr>
+            <p:ph sz="half" idx="1"/>
+          </p:nvPr>
+        </p:nvSpPr>
+        <p:spPr/>
+        <p:txBody>
+          <a:bodyPr/>
+          <a:lstStyle/>
+          <a:p>
+            <a:r>
+              <a:rPr lang="fr-FR" dirty="0"/>
+              <a:t>Couleur jaune globale du plateau de jeu et le score.</a:t>
+            </a:r>
+          </a:p>
+          <a:p>
+            <a:r>
+              <a:rPr lang="fr-FR" dirty="0"/>
+              <a:t>Couleur blanche sur fond </a:t>
+            </a:r>
+            <a:r>
+              <a:rPr lang="fr-FR"/>
+              <a:t>rouge pour le texte de fin de jeu</a:t>
+            </a:r>
+            <a:endParaRPr lang="fr-FR" dirty="0"/>
+          </a:p>
+        </p:txBody>
+      </p:sp>
+      <p:sp>
+        <p:nvSpPr>
+          <p:cNvPr id="4" name="Content Placeholder 3">
+            <a:extLst>
+              <a:ext uri="{FF2B5EF4-FFF2-40B4-BE49-F238E27FC236}">
+                <a16:creationId xmlns:a16="http://schemas.microsoft.com/office/drawing/2014/main" id="{1E9AF836-7EB4-4B4D-9178-6D99AB1A745F}"/>
+              </a:ext>
+            </a:extLst>
+          </p:cNvPr>
+          <p:cNvSpPr>
+            <a:spLocks noGrp="1"/>
+          </p:cNvSpPr>
+          <p:nvPr>
+            <p:ph sz="half" idx="2"/>
+          </p:nvPr>
+        </p:nvSpPr>
+        <p:spPr/>
+        <p:txBody>
+          <a:bodyPr/>
+          <a:lstStyle/>
+          <a:p>
+            <a:endParaRPr lang="fr-FR"/>
+          </a:p>
+        </p:txBody>
+      </p:sp>
+    </p:spTree>
+    <p:extLst>
+      <p:ext uri="{BB962C8B-B14F-4D97-AF65-F5344CB8AC3E}">
+        <p14:creationId xmlns:p14="http://schemas.microsoft.com/office/powerpoint/2010/main" val="3528297022"/>
       </p:ext>
     </p:extLst>
   </p:cSld>

--- a/Soutenance.pptx
+++ b/Soutenance.pptx
@@ -10,6 +10,12 @@
     <p:sldId id="258" r:id="rId4"/>
     <p:sldId id="259" r:id="rId5"/>
     <p:sldId id="260" r:id="rId6"/>
+    <p:sldId id="262" r:id="rId7"/>
+    <p:sldId id="261" r:id="rId8"/>
+    <p:sldId id="263" r:id="rId9"/>
+    <p:sldId id="264" r:id="rId10"/>
+    <p:sldId id="265" r:id="rId11"/>
+    <p:sldId id="266" r:id="rId12"/>
   </p:sldIdLst>
   <p:sldSz cx="12192000" cy="6858000"/>
   <p:notesSz cx="6858000" cy="9144000"/>
@@ -109,6 +115,2568 @@
     </a:lvl9pPr>
   </p:defaultTextStyle>
 </p:presentation>
+</file>
+
+<file path=ppt/diagrams/colors1.xml><?xml version="1.0" encoding="utf-8"?>
+<dgm:colorsDef xmlns:dgm="http://schemas.openxmlformats.org/drawingml/2006/diagram" xmlns:a="http://schemas.openxmlformats.org/drawingml/2006/main" uniqueId="urn:microsoft.com/office/officeart/2005/8/colors/accent1_2">
+  <dgm:title val=""/>
+  <dgm:desc val=""/>
+  <dgm:catLst>
+    <dgm:cat type="accent1" pri="11200"/>
+  </dgm:catLst>
+  <dgm:styleLbl name="node0">
+    <dgm:fillClrLst meth="repeat">
+      <a:schemeClr val="accent1"/>
+    </dgm:fillClrLst>
+    <dgm:linClrLst meth="repeat">
+      <a:schemeClr val="lt1"/>
+    </dgm:linClrLst>
+    <dgm:effectClrLst/>
+    <dgm:txLinClrLst/>
+    <dgm:txFillClrLst/>
+    <dgm:txEffectClrLst/>
+  </dgm:styleLbl>
+  <dgm:styleLbl name="alignNode1">
+    <dgm:fillClrLst meth="repeat">
+      <a:schemeClr val="accent1"/>
+    </dgm:fillClrLst>
+    <dgm:linClrLst meth="repeat">
+      <a:schemeClr val="accent1"/>
+    </dgm:linClrLst>
+    <dgm:effectClrLst/>
+    <dgm:txLinClrLst/>
+    <dgm:txFillClrLst/>
+    <dgm:txEffectClrLst/>
+  </dgm:styleLbl>
+  <dgm:styleLbl name="node1">
+    <dgm:fillClrLst meth="repeat">
+      <a:schemeClr val="accent1"/>
+    </dgm:fillClrLst>
+    <dgm:linClrLst meth="repeat">
+      <a:schemeClr val="lt1"/>
+    </dgm:linClrLst>
+    <dgm:effectClrLst/>
+    <dgm:txLinClrLst/>
+    <dgm:txFillClrLst/>
+    <dgm:txEffectClrLst/>
+  </dgm:styleLbl>
+  <dgm:styleLbl name="lnNode1">
+    <dgm:fillClrLst meth="repeat">
+      <a:schemeClr val="accent1"/>
+    </dgm:fillClrLst>
+    <dgm:linClrLst meth="repeat">
+      <a:schemeClr val="lt1"/>
+    </dgm:linClrLst>
+    <dgm:effectClrLst/>
+    <dgm:txLinClrLst/>
+    <dgm:txFillClrLst/>
+    <dgm:txEffectClrLst/>
+  </dgm:styleLbl>
+  <dgm:styleLbl name="vennNode1">
+    <dgm:fillClrLst meth="repeat">
+      <a:schemeClr val="accent1">
+        <a:alpha val="50000"/>
+      </a:schemeClr>
+    </dgm:fillClrLst>
+    <dgm:linClrLst meth="repeat">
+      <a:schemeClr val="lt1"/>
+    </dgm:linClrLst>
+    <dgm:effectClrLst/>
+    <dgm:txLinClrLst/>
+    <dgm:txFillClrLst/>
+    <dgm:txEffectClrLst/>
+  </dgm:styleLbl>
+  <dgm:styleLbl name="node2">
+    <dgm:fillClrLst meth="repeat">
+      <a:schemeClr val="accent1"/>
+    </dgm:fillClrLst>
+    <dgm:linClrLst meth="repeat">
+      <a:schemeClr val="lt1"/>
+    </dgm:linClrLst>
+    <dgm:effectClrLst/>
+    <dgm:txLinClrLst/>
+    <dgm:txFillClrLst/>
+    <dgm:txEffectClrLst/>
+  </dgm:styleLbl>
+  <dgm:styleLbl name="node3">
+    <dgm:fillClrLst meth="repeat">
+      <a:schemeClr val="accent1"/>
+    </dgm:fillClrLst>
+    <dgm:linClrLst meth="repeat">
+      <a:schemeClr val="lt1"/>
+    </dgm:linClrLst>
+    <dgm:effectClrLst/>
+    <dgm:txLinClrLst/>
+    <dgm:txFillClrLst/>
+    <dgm:txEffectClrLst/>
+  </dgm:styleLbl>
+  <dgm:styleLbl name="node4">
+    <dgm:fillClrLst meth="repeat">
+      <a:schemeClr val="accent1"/>
+    </dgm:fillClrLst>
+    <dgm:linClrLst meth="repeat">
+      <a:schemeClr val="lt1"/>
+    </dgm:linClrLst>
+    <dgm:effectClrLst/>
+    <dgm:txLinClrLst/>
+    <dgm:txFillClrLst/>
+    <dgm:txEffectClrLst/>
+  </dgm:styleLbl>
+  <dgm:styleLbl name="fgImgPlace1">
+    <dgm:fillClrLst meth="repeat">
+      <a:schemeClr val="accent1">
+        <a:tint val="50000"/>
+      </a:schemeClr>
+    </dgm:fillClrLst>
+    <dgm:linClrLst meth="repeat">
+      <a:schemeClr val="lt1"/>
+    </dgm:linClrLst>
+    <dgm:effectClrLst/>
+    <dgm:txLinClrLst/>
+    <dgm:txFillClrLst meth="repeat">
+      <a:schemeClr val="lt1"/>
+    </dgm:txFillClrLst>
+    <dgm:txEffectClrLst/>
+  </dgm:styleLbl>
+  <dgm:styleLbl name="alignImgPlace1">
+    <dgm:fillClrLst meth="repeat">
+      <a:schemeClr val="accent1">
+        <a:tint val="50000"/>
+      </a:schemeClr>
+    </dgm:fillClrLst>
+    <dgm:linClrLst meth="repeat">
+      <a:schemeClr val="lt1"/>
+    </dgm:linClrLst>
+    <dgm:effectClrLst/>
+    <dgm:txLinClrLst/>
+    <dgm:txFillClrLst meth="repeat">
+      <a:schemeClr val="lt1"/>
+    </dgm:txFillClrLst>
+    <dgm:txEffectClrLst/>
+  </dgm:styleLbl>
+  <dgm:styleLbl name="bgImgPlace1">
+    <dgm:fillClrLst meth="repeat">
+      <a:schemeClr val="accent1">
+        <a:tint val="50000"/>
+      </a:schemeClr>
+    </dgm:fillClrLst>
+    <dgm:linClrLst meth="repeat">
+      <a:schemeClr val="lt1"/>
+    </dgm:linClrLst>
+    <dgm:effectClrLst/>
+    <dgm:txLinClrLst/>
+    <dgm:txFillClrLst meth="repeat">
+      <a:schemeClr val="lt1"/>
+    </dgm:txFillClrLst>
+    <dgm:txEffectClrLst/>
+  </dgm:styleLbl>
+  <dgm:styleLbl name="sibTrans2D1">
+    <dgm:fillClrLst meth="repeat">
+      <a:schemeClr val="accent1">
+        <a:tint val="60000"/>
+      </a:schemeClr>
+    </dgm:fillClrLst>
+    <dgm:linClrLst meth="repeat">
+      <a:schemeClr val="accent1">
+        <a:tint val="60000"/>
+      </a:schemeClr>
+    </dgm:linClrLst>
+    <dgm:effectClrLst/>
+    <dgm:txLinClrLst/>
+    <dgm:txFillClrLst/>
+    <dgm:txEffectClrLst/>
+  </dgm:styleLbl>
+  <dgm:styleLbl name="fgSibTrans2D1">
+    <dgm:fillClrLst meth="repeat">
+      <a:schemeClr val="accent1">
+        <a:tint val="60000"/>
+      </a:schemeClr>
+    </dgm:fillClrLst>
+    <dgm:linClrLst meth="repeat">
+      <a:schemeClr val="accent1">
+        <a:tint val="60000"/>
+      </a:schemeClr>
+    </dgm:linClrLst>
+    <dgm:effectClrLst/>
+    <dgm:txLinClrLst/>
+    <dgm:txFillClrLst/>
+    <dgm:txEffectClrLst/>
+  </dgm:styleLbl>
+  <dgm:styleLbl name="bgSibTrans2D1">
+    <dgm:fillClrLst meth="repeat">
+      <a:schemeClr val="accent1">
+        <a:tint val="60000"/>
+      </a:schemeClr>
+    </dgm:fillClrLst>
+    <dgm:linClrLst meth="repeat">
+      <a:schemeClr val="accent1">
+        <a:tint val="60000"/>
+      </a:schemeClr>
+    </dgm:linClrLst>
+    <dgm:effectClrLst/>
+    <dgm:txLinClrLst/>
+    <dgm:txFillClrLst/>
+    <dgm:txEffectClrLst/>
+  </dgm:styleLbl>
+  <dgm:styleLbl name="sibTrans1D1">
+    <dgm:fillClrLst meth="repeat">
+      <a:schemeClr val="accent1"/>
+    </dgm:fillClrLst>
+    <dgm:linClrLst meth="repeat">
+      <a:schemeClr val="accent1"/>
+    </dgm:linClrLst>
+    <dgm:effectClrLst/>
+    <dgm:txLinClrLst/>
+    <dgm:txFillClrLst meth="repeat">
+      <a:schemeClr val="tx1"/>
+    </dgm:txFillClrLst>
+    <dgm:txEffectClrLst/>
+  </dgm:styleLbl>
+  <dgm:styleLbl name="callout">
+    <dgm:fillClrLst meth="repeat">
+      <a:schemeClr val="accent1"/>
+    </dgm:fillClrLst>
+    <dgm:linClrLst meth="repeat">
+      <a:schemeClr val="accent1">
+        <a:tint val="50000"/>
+      </a:schemeClr>
+    </dgm:linClrLst>
+    <dgm:effectClrLst/>
+    <dgm:txLinClrLst/>
+    <dgm:txFillClrLst meth="repeat">
+      <a:schemeClr val="tx1"/>
+    </dgm:txFillClrLst>
+    <dgm:txEffectClrLst/>
+  </dgm:styleLbl>
+  <dgm:styleLbl name="asst0">
+    <dgm:fillClrLst meth="repeat">
+      <a:schemeClr val="accent1"/>
+    </dgm:fillClrLst>
+    <dgm:linClrLst meth="repeat">
+      <a:schemeClr val="lt1"/>
+    </dgm:linClrLst>
+    <dgm:effectClrLst/>
+    <dgm:txLinClrLst/>
+    <dgm:txFillClrLst/>
+    <dgm:txEffectClrLst/>
+  </dgm:styleLbl>
+  <dgm:styleLbl name="asst1">
+    <dgm:fillClrLst meth="repeat">
+      <a:schemeClr val="accent1"/>
+    </dgm:fillClrLst>
+    <dgm:linClrLst meth="repeat">
+      <a:schemeClr val="lt1"/>
+    </dgm:linClrLst>
+    <dgm:effectClrLst/>
+    <dgm:txLinClrLst/>
+    <dgm:txFillClrLst/>
+    <dgm:txEffectClrLst/>
+  </dgm:styleLbl>
+  <dgm:styleLbl name="asst2">
+    <dgm:fillClrLst meth="repeat">
+      <a:schemeClr val="accent1"/>
+    </dgm:fillClrLst>
+    <dgm:linClrLst meth="repeat">
+      <a:schemeClr val="lt1"/>
+    </dgm:linClrLst>
+    <dgm:effectClrLst/>
+    <dgm:txLinClrLst/>
+    <dgm:txFillClrLst/>
+    <dgm:txEffectClrLst/>
+  </dgm:styleLbl>
+  <dgm:styleLbl name="asst3">
+    <dgm:fillClrLst meth="repeat">
+      <a:schemeClr val="accent1"/>
+    </dgm:fillClrLst>
+    <dgm:linClrLst meth="repeat">
+      <a:schemeClr val="lt1"/>
+    </dgm:linClrLst>
+    <dgm:effectClrLst/>
+    <dgm:txLinClrLst/>
+    <dgm:txFillClrLst/>
+    <dgm:txEffectClrLst/>
+  </dgm:styleLbl>
+  <dgm:styleLbl name="asst4">
+    <dgm:fillClrLst meth="repeat">
+      <a:schemeClr val="accent1"/>
+    </dgm:fillClrLst>
+    <dgm:linClrLst meth="repeat">
+      <a:schemeClr val="lt1"/>
+    </dgm:linClrLst>
+    <dgm:effectClrLst/>
+    <dgm:txLinClrLst/>
+    <dgm:txFillClrLst/>
+    <dgm:txEffectClrLst/>
+  </dgm:styleLbl>
+  <dgm:styleLbl name="parChTrans2D1">
+    <dgm:fillClrLst meth="repeat">
+      <a:schemeClr val="accent1">
+        <a:tint val="60000"/>
+      </a:schemeClr>
+    </dgm:fillClrLst>
+    <dgm:linClrLst meth="repeat">
+      <a:schemeClr val="accent1">
+        <a:tint val="60000"/>
+      </a:schemeClr>
+    </dgm:linClrLst>
+    <dgm:effectClrLst/>
+    <dgm:txLinClrLst/>
+    <dgm:txFillClrLst meth="repeat">
+      <a:schemeClr val="lt1"/>
+    </dgm:txFillClrLst>
+    <dgm:txEffectClrLst/>
+  </dgm:styleLbl>
+  <dgm:styleLbl name="parChTrans2D2">
+    <dgm:fillClrLst meth="repeat">
+      <a:schemeClr val="accent1"/>
+    </dgm:fillClrLst>
+    <dgm:linClrLst meth="repeat">
+      <a:schemeClr val="accent1"/>
+    </dgm:linClrLst>
+    <dgm:effectClrLst/>
+    <dgm:txLinClrLst/>
+    <dgm:txFillClrLst meth="repeat">
+      <a:schemeClr val="lt1"/>
+    </dgm:txFillClrLst>
+    <dgm:txEffectClrLst/>
+  </dgm:styleLbl>
+  <dgm:styleLbl name="parChTrans2D3">
+    <dgm:fillClrLst meth="repeat">
+      <a:schemeClr val="accent1"/>
+    </dgm:fillClrLst>
+    <dgm:linClrLst meth="repeat">
+      <a:schemeClr val="accent1"/>
+    </dgm:linClrLst>
+    <dgm:effectClrLst/>
+    <dgm:txLinClrLst/>
+    <dgm:txFillClrLst meth="repeat">
+      <a:schemeClr val="lt1"/>
+    </dgm:txFillClrLst>
+    <dgm:txEffectClrLst/>
+  </dgm:styleLbl>
+  <dgm:styleLbl name="parChTrans2D4">
+    <dgm:fillClrLst meth="repeat">
+      <a:schemeClr val="accent1"/>
+    </dgm:fillClrLst>
+    <dgm:linClrLst meth="repeat">
+      <a:schemeClr val="accent1"/>
+    </dgm:linClrLst>
+    <dgm:effectClrLst/>
+    <dgm:txLinClrLst/>
+    <dgm:txFillClrLst meth="repeat">
+      <a:schemeClr val="lt1"/>
+    </dgm:txFillClrLst>
+    <dgm:txEffectClrLst/>
+  </dgm:styleLbl>
+  <dgm:styleLbl name="parChTrans1D1">
+    <dgm:fillClrLst meth="repeat">
+      <a:schemeClr val="accent1"/>
+    </dgm:fillClrLst>
+    <dgm:linClrLst meth="repeat">
+      <a:schemeClr val="accent1">
+        <a:shade val="60000"/>
+      </a:schemeClr>
+    </dgm:linClrLst>
+    <dgm:effectClrLst/>
+    <dgm:txLinClrLst/>
+    <dgm:txFillClrLst meth="repeat">
+      <a:schemeClr val="tx1"/>
+    </dgm:txFillClrLst>
+    <dgm:txEffectClrLst/>
+  </dgm:styleLbl>
+  <dgm:styleLbl name="parChTrans1D2">
+    <dgm:fillClrLst meth="repeat">
+      <a:schemeClr val="accent1"/>
+    </dgm:fillClrLst>
+    <dgm:linClrLst meth="repeat">
+      <a:schemeClr val="accent1">
+        <a:shade val="60000"/>
+      </a:schemeClr>
+    </dgm:linClrLst>
+    <dgm:effectClrLst/>
+    <dgm:txLinClrLst/>
+    <dgm:txFillClrLst meth="repeat">
+      <a:schemeClr val="tx1"/>
+    </dgm:txFillClrLst>
+    <dgm:txEffectClrLst/>
+  </dgm:styleLbl>
+  <dgm:styleLbl name="parChTrans1D3">
+    <dgm:fillClrLst meth="repeat">
+      <a:schemeClr val="accent1"/>
+    </dgm:fillClrLst>
+    <dgm:linClrLst meth="repeat">
+      <a:schemeClr val="accent1">
+        <a:shade val="80000"/>
+      </a:schemeClr>
+    </dgm:linClrLst>
+    <dgm:effectClrLst/>
+    <dgm:txLinClrLst/>
+    <dgm:txFillClrLst meth="repeat">
+      <a:schemeClr val="tx1"/>
+    </dgm:txFillClrLst>
+    <dgm:txEffectClrLst/>
+  </dgm:styleLbl>
+  <dgm:styleLbl name="parChTrans1D4">
+    <dgm:fillClrLst meth="repeat">
+      <a:schemeClr val="accent1"/>
+    </dgm:fillClrLst>
+    <dgm:linClrLst meth="repeat">
+      <a:schemeClr val="accent1">
+        <a:shade val="80000"/>
+      </a:schemeClr>
+    </dgm:linClrLst>
+    <dgm:effectClrLst/>
+    <dgm:txLinClrLst/>
+    <dgm:txFillClrLst meth="repeat">
+      <a:schemeClr val="tx1"/>
+    </dgm:txFillClrLst>
+    <dgm:txEffectClrLst/>
+  </dgm:styleLbl>
+  <dgm:styleLbl name="fgAcc1">
+    <dgm:fillClrLst meth="repeat">
+      <a:schemeClr val="lt1">
+        <a:alpha val="90000"/>
+      </a:schemeClr>
+    </dgm:fillClrLst>
+    <dgm:linClrLst meth="repeat">
+      <a:schemeClr val="accent1"/>
+    </dgm:linClrLst>
+    <dgm:effectClrLst/>
+    <dgm:txLinClrLst/>
+    <dgm:txFillClrLst meth="repeat">
+      <a:schemeClr val="dk1"/>
+    </dgm:txFillClrLst>
+    <dgm:txEffectClrLst/>
+  </dgm:styleLbl>
+  <dgm:styleLbl name="conFgAcc1">
+    <dgm:fillClrLst meth="repeat">
+      <a:schemeClr val="lt1">
+        <a:alpha val="90000"/>
+      </a:schemeClr>
+    </dgm:fillClrLst>
+    <dgm:linClrLst meth="repeat">
+      <a:schemeClr val="accent1"/>
+    </dgm:linClrLst>
+    <dgm:effectClrLst/>
+    <dgm:txLinClrLst/>
+    <dgm:txFillClrLst meth="repeat">
+      <a:schemeClr val="dk1"/>
+    </dgm:txFillClrLst>
+    <dgm:txEffectClrLst/>
+  </dgm:styleLbl>
+  <dgm:styleLbl name="alignAcc1">
+    <dgm:fillClrLst meth="repeat">
+      <a:schemeClr val="lt1">
+        <a:alpha val="90000"/>
+      </a:schemeClr>
+    </dgm:fillClrLst>
+    <dgm:linClrLst meth="repeat">
+      <a:schemeClr val="accent1"/>
+    </dgm:linClrLst>
+    <dgm:effectClrLst/>
+    <dgm:txLinClrLst/>
+    <dgm:txFillClrLst meth="repeat">
+      <a:schemeClr val="dk1"/>
+    </dgm:txFillClrLst>
+    <dgm:txEffectClrLst/>
+  </dgm:styleLbl>
+  <dgm:styleLbl name="trAlignAcc1">
+    <dgm:fillClrLst meth="repeat">
+      <a:schemeClr val="lt1">
+        <a:alpha val="40000"/>
+      </a:schemeClr>
+    </dgm:fillClrLst>
+    <dgm:linClrLst meth="repeat">
+      <a:schemeClr val="accent1"/>
+    </dgm:linClrLst>
+    <dgm:effectClrLst/>
+    <dgm:txLinClrLst/>
+    <dgm:txFillClrLst meth="repeat">
+      <a:schemeClr val="dk1"/>
+    </dgm:txFillClrLst>
+    <dgm:txEffectClrLst/>
+  </dgm:styleLbl>
+  <dgm:styleLbl name="bgAcc1">
+    <dgm:fillClrLst meth="repeat">
+      <a:schemeClr val="lt1">
+        <a:alpha val="90000"/>
+      </a:schemeClr>
+    </dgm:fillClrLst>
+    <dgm:linClrLst meth="repeat">
+      <a:schemeClr val="accent1"/>
+    </dgm:linClrLst>
+    <dgm:effectClrLst/>
+    <dgm:txLinClrLst/>
+    <dgm:txFillClrLst meth="repeat">
+      <a:schemeClr val="dk1"/>
+    </dgm:txFillClrLst>
+    <dgm:txEffectClrLst/>
+  </dgm:styleLbl>
+  <dgm:styleLbl name="solidFgAcc1">
+    <dgm:fillClrLst meth="repeat">
+      <a:schemeClr val="lt1"/>
+    </dgm:fillClrLst>
+    <dgm:linClrLst meth="repeat">
+      <a:schemeClr val="accent1"/>
+    </dgm:linClrLst>
+    <dgm:effectClrLst/>
+    <dgm:txLinClrLst/>
+    <dgm:txFillClrLst meth="repeat">
+      <a:schemeClr val="dk1"/>
+    </dgm:txFillClrLst>
+    <dgm:txEffectClrLst/>
+  </dgm:styleLbl>
+  <dgm:styleLbl name="solidAlignAcc1">
+    <dgm:fillClrLst meth="repeat">
+      <a:schemeClr val="lt1"/>
+    </dgm:fillClrLst>
+    <dgm:linClrLst meth="repeat">
+      <a:schemeClr val="accent1"/>
+    </dgm:linClrLst>
+    <dgm:effectClrLst/>
+    <dgm:txLinClrLst/>
+    <dgm:txFillClrLst meth="repeat">
+      <a:schemeClr val="dk1"/>
+    </dgm:txFillClrLst>
+    <dgm:txEffectClrLst/>
+  </dgm:styleLbl>
+  <dgm:styleLbl name="solidBgAcc1">
+    <dgm:fillClrLst meth="repeat">
+      <a:schemeClr val="lt1"/>
+    </dgm:fillClrLst>
+    <dgm:linClrLst meth="repeat">
+      <a:schemeClr val="accent1"/>
+    </dgm:linClrLst>
+    <dgm:effectClrLst/>
+    <dgm:txLinClrLst/>
+    <dgm:txFillClrLst meth="repeat">
+      <a:schemeClr val="dk1"/>
+    </dgm:txFillClrLst>
+    <dgm:txEffectClrLst/>
+  </dgm:styleLbl>
+  <dgm:styleLbl name="fgAccFollowNode1">
+    <dgm:fillClrLst meth="repeat">
+      <a:schemeClr val="accent1">
+        <a:alpha val="90000"/>
+        <a:tint val="40000"/>
+      </a:schemeClr>
+    </dgm:fillClrLst>
+    <dgm:linClrLst meth="repeat">
+      <a:schemeClr val="accent1">
+        <a:alpha val="90000"/>
+        <a:tint val="40000"/>
+      </a:schemeClr>
+    </dgm:linClrLst>
+    <dgm:effectClrLst/>
+    <dgm:txLinClrLst/>
+    <dgm:txFillClrLst meth="repeat">
+      <a:schemeClr val="dk1"/>
+    </dgm:txFillClrLst>
+    <dgm:txEffectClrLst/>
+  </dgm:styleLbl>
+  <dgm:styleLbl name="alignAccFollowNode1">
+    <dgm:fillClrLst meth="repeat">
+      <a:schemeClr val="accent1">
+        <a:alpha val="90000"/>
+        <a:tint val="40000"/>
+      </a:schemeClr>
+    </dgm:fillClrLst>
+    <dgm:linClrLst meth="repeat">
+      <a:schemeClr val="accent1">
+        <a:alpha val="90000"/>
+        <a:tint val="40000"/>
+      </a:schemeClr>
+    </dgm:linClrLst>
+    <dgm:effectClrLst/>
+    <dgm:txLinClrLst/>
+    <dgm:txFillClrLst meth="repeat">
+      <a:schemeClr val="dk1"/>
+    </dgm:txFillClrLst>
+    <dgm:txEffectClrLst/>
+  </dgm:styleLbl>
+  <dgm:styleLbl name="bgAccFollowNode1">
+    <dgm:fillClrLst meth="repeat">
+      <a:schemeClr val="accent1">
+        <a:alpha val="90000"/>
+        <a:tint val="40000"/>
+      </a:schemeClr>
+    </dgm:fillClrLst>
+    <dgm:linClrLst meth="repeat">
+      <a:schemeClr val="accent1">
+        <a:alpha val="90000"/>
+        <a:tint val="40000"/>
+      </a:schemeClr>
+    </dgm:linClrLst>
+    <dgm:effectClrLst/>
+    <dgm:txLinClrLst/>
+    <dgm:txFillClrLst meth="repeat">
+      <a:schemeClr val="dk1"/>
+    </dgm:txFillClrLst>
+    <dgm:txEffectClrLst/>
+  </dgm:styleLbl>
+  <dgm:styleLbl name="fgAcc0">
+    <dgm:fillClrLst meth="repeat">
+      <a:schemeClr val="lt1">
+        <a:alpha val="90000"/>
+      </a:schemeClr>
+    </dgm:fillClrLst>
+    <dgm:linClrLst meth="repeat">
+      <a:schemeClr val="accent1"/>
+    </dgm:linClrLst>
+    <dgm:effectClrLst/>
+    <dgm:txLinClrLst/>
+    <dgm:txFillClrLst meth="repeat">
+      <a:schemeClr val="dk1"/>
+    </dgm:txFillClrLst>
+    <dgm:txEffectClrLst/>
+  </dgm:styleLbl>
+  <dgm:styleLbl name="fgAcc2">
+    <dgm:fillClrLst meth="repeat">
+      <a:schemeClr val="lt1">
+        <a:alpha val="90000"/>
+      </a:schemeClr>
+    </dgm:fillClrLst>
+    <dgm:linClrLst meth="repeat">
+      <a:schemeClr val="accent1"/>
+    </dgm:linClrLst>
+    <dgm:effectClrLst/>
+    <dgm:txLinClrLst/>
+    <dgm:txFillClrLst meth="repeat">
+      <a:schemeClr val="dk1"/>
+    </dgm:txFillClrLst>
+    <dgm:txEffectClrLst/>
+  </dgm:styleLbl>
+  <dgm:styleLbl name="fgAcc3">
+    <dgm:fillClrLst meth="repeat">
+      <a:schemeClr val="lt1">
+        <a:alpha val="90000"/>
+      </a:schemeClr>
+    </dgm:fillClrLst>
+    <dgm:linClrLst meth="repeat">
+      <a:schemeClr val="accent1"/>
+    </dgm:linClrLst>
+    <dgm:effectClrLst/>
+    <dgm:txLinClrLst/>
+    <dgm:txFillClrLst meth="repeat">
+      <a:schemeClr val="dk1"/>
+    </dgm:txFillClrLst>
+    <dgm:txEffectClrLst/>
+  </dgm:styleLbl>
+  <dgm:styleLbl name="fgAcc4">
+    <dgm:fillClrLst meth="repeat">
+      <a:schemeClr val="lt1">
+        <a:alpha val="90000"/>
+      </a:schemeClr>
+    </dgm:fillClrLst>
+    <dgm:linClrLst meth="repeat">
+      <a:schemeClr val="accent1"/>
+    </dgm:linClrLst>
+    <dgm:effectClrLst/>
+    <dgm:txLinClrLst/>
+    <dgm:txFillClrLst meth="repeat">
+      <a:schemeClr val="dk1"/>
+    </dgm:txFillClrLst>
+    <dgm:txEffectClrLst/>
+  </dgm:styleLbl>
+  <dgm:styleLbl name="bgShp">
+    <dgm:fillClrLst meth="repeat">
+      <a:schemeClr val="accent1">
+        <a:tint val="40000"/>
+      </a:schemeClr>
+    </dgm:fillClrLst>
+    <dgm:linClrLst meth="repeat">
+      <a:schemeClr val="accent1"/>
+    </dgm:linClrLst>
+    <dgm:effectClrLst/>
+    <dgm:txLinClrLst/>
+    <dgm:txFillClrLst meth="repeat">
+      <a:schemeClr val="dk1"/>
+    </dgm:txFillClrLst>
+    <dgm:txEffectClrLst/>
+  </dgm:styleLbl>
+  <dgm:styleLbl name="dkBgShp">
+    <dgm:fillClrLst meth="repeat">
+      <a:schemeClr val="accent1">
+        <a:shade val="80000"/>
+      </a:schemeClr>
+    </dgm:fillClrLst>
+    <dgm:linClrLst meth="repeat">
+      <a:schemeClr val="accent1"/>
+    </dgm:linClrLst>
+    <dgm:effectClrLst/>
+    <dgm:txLinClrLst/>
+    <dgm:txFillClrLst meth="repeat">
+      <a:schemeClr val="lt1"/>
+    </dgm:txFillClrLst>
+    <dgm:txEffectClrLst/>
+  </dgm:styleLbl>
+  <dgm:styleLbl name="trBgShp">
+    <dgm:fillClrLst meth="repeat">
+      <a:schemeClr val="accent1">
+        <a:tint val="50000"/>
+        <a:alpha val="40000"/>
+      </a:schemeClr>
+    </dgm:fillClrLst>
+    <dgm:linClrLst meth="repeat">
+      <a:schemeClr val="accent1"/>
+    </dgm:linClrLst>
+    <dgm:effectClrLst/>
+    <dgm:txLinClrLst/>
+    <dgm:txFillClrLst meth="repeat">
+      <a:schemeClr val="lt1"/>
+    </dgm:txFillClrLst>
+    <dgm:txEffectClrLst/>
+  </dgm:styleLbl>
+  <dgm:styleLbl name="fgShp">
+    <dgm:fillClrLst meth="repeat">
+      <a:schemeClr val="accent1">
+        <a:tint val="60000"/>
+      </a:schemeClr>
+    </dgm:fillClrLst>
+    <dgm:linClrLst meth="repeat">
+      <a:schemeClr val="lt1"/>
+    </dgm:linClrLst>
+    <dgm:effectClrLst/>
+    <dgm:txLinClrLst/>
+    <dgm:txFillClrLst meth="repeat">
+      <a:schemeClr val="dk1"/>
+    </dgm:txFillClrLst>
+    <dgm:txEffectClrLst/>
+  </dgm:styleLbl>
+  <dgm:styleLbl name="revTx">
+    <dgm:fillClrLst meth="repeat">
+      <a:schemeClr val="lt1">
+        <a:alpha val="0"/>
+      </a:schemeClr>
+    </dgm:fillClrLst>
+    <dgm:linClrLst meth="repeat">
+      <a:schemeClr val="dk1">
+        <a:alpha val="0"/>
+      </a:schemeClr>
+    </dgm:linClrLst>
+    <dgm:effectClrLst/>
+    <dgm:txLinClrLst/>
+    <dgm:txFillClrLst meth="repeat">
+      <a:schemeClr val="tx1"/>
+    </dgm:txFillClrLst>
+    <dgm:txEffectClrLst/>
+  </dgm:styleLbl>
+</dgm:colorsDef>
+</file>
+
+<file path=ppt/diagrams/data1.xml><?xml version="1.0" encoding="utf-8"?>
+<dgm:dataModel xmlns:dgm="http://schemas.openxmlformats.org/drawingml/2006/diagram" xmlns:a="http://schemas.openxmlformats.org/drawingml/2006/main">
+  <dgm:ptLst>
+    <dgm:pt modelId="{D17CB667-4FD0-C640-B058-CBCA5A0F9623}" type="doc">
+      <dgm:prSet loTypeId="urn:microsoft.com/office/officeart/2005/8/layout/hProcess10" loCatId="" qsTypeId="urn:microsoft.com/office/officeart/2005/8/quickstyle/simple1" qsCatId="simple" csTypeId="urn:microsoft.com/office/officeart/2005/8/colors/accent1_2" csCatId="accent1" phldr="1"/>
+      <dgm:spPr/>
+      <dgm:t>
+        <a:bodyPr/>
+        <a:lstStyle/>
+        <a:p>
+          <a:endParaRPr lang="en-US"/>
+        </a:p>
+      </dgm:t>
+    </dgm:pt>
+    <dgm:pt modelId="{006E5E34-66FF-5145-98E7-8235740097E0}">
+      <dgm:prSet phldrT="[Text]"/>
+      <dgm:spPr/>
+      <dgm:t>
+        <a:bodyPr/>
+        <a:lstStyle/>
+        <a:p>
+          <a:r>
+            <a:rPr lang="en-US" dirty="0" err="1"/>
+            <a:t>avant</a:t>
+          </a:r>
+          <a:endParaRPr lang="en-US" dirty="0"/>
+        </a:p>
+      </dgm:t>
+    </dgm:pt>
+    <dgm:pt modelId="{8736AAA1-8E10-BC4E-9989-7B16213D21C9}" type="parTrans" cxnId="{A531ADD7-EE9F-D141-8EB5-8FA79E17E27F}">
+      <dgm:prSet/>
+      <dgm:spPr/>
+      <dgm:t>
+        <a:bodyPr/>
+        <a:lstStyle/>
+        <a:p>
+          <a:endParaRPr lang="en-US"/>
+        </a:p>
+      </dgm:t>
+    </dgm:pt>
+    <dgm:pt modelId="{C513D49C-DA00-9048-95B7-3AEEAF8FFB69}" type="sibTrans" cxnId="{A531ADD7-EE9F-D141-8EB5-8FA79E17E27F}">
+      <dgm:prSet/>
+      <dgm:spPr/>
+      <dgm:t>
+        <a:bodyPr/>
+        <a:lstStyle/>
+        <a:p>
+          <a:endParaRPr lang="en-US"/>
+        </a:p>
+      </dgm:t>
+    </dgm:pt>
+    <dgm:pt modelId="{BD774812-2706-1045-B57E-5CE92A0DC7D0}">
+      <dgm:prSet phldrT="[Text]"/>
+      <dgm:spPr/>
+      <dgm:t>
+        <a:bodyPr/>
+        <a:lstStyle/>
+        <a:p>
+          <a:r>
+            <a:rPr lang="en-US" dirty="0"/>
+            <a:t>après</a:t>
+          </a:r>
+        </a:p>
+      </dgm:t>
+    </dgm:pt>
+    <dgm:pt modelId="{F3A6B9D2-F07C-C84B-8528-63475A3986BF}" type="parTrans" cxnId="{C962A560-5002-0D4A-B08D-AE749120947E}">
+      <dgm:prSet/>
+      <dgm:spPr/>
+      <dgm:t>
+        <a:bodyPr/>
+        <a:lstStyle/>
+        <a:p>
+          <a:endParaRPr lang="en-US"/>
+        </a:p>
+      </dgm:t>
+    </dgm:pt>
+    <dgm:pt modelId="{6543FA8C-7CF9-5F4E-9FEB-5BC6C1A5BCAD}" type="sibTrans" cxnId="{C962A560-5002-0D4A-B08D-AE749120947E}">
+      <dgm:prSet/>
+      <dgm:spPr/>
+      <dgm:t>
+        <a:bodyPr/>
+        <a:lstStyle/>
+        <a:p>
+          <a:endParaRPr lang="en-US"/>
+        </a:p>
+      </dgm:t>
+    </dgm:pt>
+    <dgm:pt modelId="{ED8B9E3D-3012-2448-8D87-53806156484E}" type="pres">
+      <dgm:prSet presAssocID="{D17CB667-4FD0-C640-B058-CBCA5A0F9623}" presName="Name0" presStyleCnt="0">
+        <dgm:presLayoutVars>
+          <dgm:dir/>
+          <dgm:resizeHandles val="exact"/>
+        </dgm:presLayoutVars>
+      </dgm:prSet>
+      <dgm:spPr/>
+    </dgm:pt>
+    <dgm:pt modelId="{7D33C4AE-85BB-1B48-8338-D375E99CD682}" type="pres">
+      <dgm:prSet presAssocID="{006E5E34-66FF-5145-98E7-8235740097E0}" presName="composite" presStyleCnt="0"/>
+      <dgm:spPr/>
+    </dgm:pt>
+    <dgm:pt modelId="{D9EAE6E5-0EC2-8D46-A16D-967B834F16A4}" type="pres">
+      <dgm:prSet presAssocID="{006E5E34-66FF-5145-98E7-8235740097E0}" presName="imagSh" presStyleLbl="bgImgPlace1" presStyleIdx="0" presStyleCnt="2"/>
+      <dgm:spPr>
+        <a:blipFill>
+          <a:blip xmlns:r="http://schemas.openxmlformats.org/officeDocument/2006/relationships" r:embed="rId1">
+            <a:extLst>
+              <a:ext uri="{28A0092B-C50C-407E-A947-70E740481C1C}">
+                <a14:useLocalDpi xmlns:a14="http://schemas.microsoft.com/office/drawing/2010/main" val="0"/>
+              </a:ext>
+            </a:extLst>
+          </a:blip>
+          <a:srcRect/>
+          <a:stretch>
+            <a:fillRect l="-2000" r="-2000"/>
+          </a:stretch>
+        </a:blipFill>
+      </dgm:spPr>
+    </dgm:pt>
+    <dgm:pt modelId="{37497A61-768F-5547-BF45-7C9A4C494451}" type="pres">
+      <dgm:prSet presAssocID="{006E5E34-66FF-5145-98E7-8235740097E0}" presName="txNode" presStyleLbl="node1" presStyleIdx="0" presStyleCnt="2" custScaleX="62607" custScaleY="17505">
+        <dgm:presLayoutVars>
+          <dgm:bulletEnabled val="1"/>
+        </dgm:presLayoutVars>
+      </dgm:prSet>
+      <dgm:spPr/>
+    </dgm:pt>
+    <dgm:pt modelId="{E57BBD70-5D64-7D4F-B807-9FD8AC4585ED}" type="pres">
+      <dgm:prSet presAssocID="{C513D49C-DA00-9048-95B7-3AEEAF8FFB69}" presName="sibTrans" presStyleLbl="sibTrans2D1" presStyleIdx="0" presStyleCnt="1"/>
+      <dgm:spPr/>
+    </dgm:pt>
+    <dgm:pt modelId="{AF767F3D-4DF9-CB49-B399-A35141D4E111}" type="pres">
+      <dgm:prSet presAssocID="{C513D49C-DA00-9048-95B7-3AEEAF8FFB69}" presName="connTx" presStyleLbl="sibTrans2D1" presStyleIdx="0" presStyleCnt="1"/>
+      <dgm:spPr/>
+    </dgm:pt>
+    <dgm:pt modelId="{59F6908C-29A8-EA42-BA64-7C8E28427EED}" type="pres">
+      <dgm:prSet presAssocID="{BD774812-2706-1045-B57E-5CE92A0DC7D0}" presName="composite" presStyleCnt="0"/>
+      <dgm:spPr/>
+    </dgm:pt>
+    <dgm:pt modelId="{174EB484-3803-374D-ABC1-18F5F4E7E25A}" type="pres">
+      <dgm:prSet presAssocID="{BD774812-2706-1045-B57E-5CE92A0DC7D0}" presName="imagSh" presStyleLbl="bgImgPlace1" presStyleIdx="1" presStyleCnt="2"/>
+      <dgm:spPr>
+        <a:blipFill>
+          <a:blip xmlns:r="http://schemas.openxmlformats.org/officeDocument/2006/relationships" r:embed="rId2">
+            <a:extLst>
+              <a:ext uri="{28A0092B-C50C-407E-A947-70E740481C1C}">
+                <a14:useLocalDpi xmlns:a14="http://schemas.microsoft.com/office/drawing/2010/main" val="0"/>
+              </a:ext>
+            </a:extLst>
+          </a:blip>
+          <a:srcRect/>
+          <a:stretch>
+            <a:fillRect l="-3000" r="-3000"/>
+          </a:stretch>
+        </a:blipFill>
+      </dgm:spPr>
+    </dgm:pt>
+    <dgm:pt modelId="{F20AA592-C4E8-2645-887B-9FBE8F880814}" type="pres">
+      <dgm:prSet presAssocID="{BD774812-2706-1045-B57E-5CE92A0DC7D0}" presName="txNode" presStyleLbl="node1" presStyleIdx="1" presStyleCnt="2" custScaleX="72260" custScaleY="16553">
+        <dgm:presLayoutVars>
+          <dgm:bulletEnabled val="1"/>
+        </dgm:presLayoutVars>
+      </dgm:prSet>
+      <dgm:spPr/>
+    </dgm:pt>
+  </dgm:ptLst>
+  <dgm:cxnLst>
+    <dgm:cxn modelId="{8DD62202-2F87-8A44-9776-F6DC38838775}" type="presOf" srcId="{BD774812-2706-1045-B57E-5CE92A0DC7D0}" destId="{F20AA592-C4E8-2645-887B-9FBE8F880814}" srcOrd="0" destOrd="0" presId="urn:microsoft.com/office/officeart/2005/8/layout/hProcess10"/>
+    <dgm:cxn modelId="{CE16A928-0E6D-0045-8D4B-BFEF6F0E3371}" type="presOf" srcId="{C513D49C-DA00-9048-95B7-3AEEAF8FFB69}" destId="{AF767F3D-4DF9-CB49-B399-A35141D4E111}" srcOrd="1" destOrd="0" presId="urn:microsoft.com/office/officeart/2005/8/layout/hProcess10"/>
+    <dgm:cxn modelId="{C962A560-5002-0D4A-B08D-AE749120947E}" srcId="{D17CB667-4FD0-C640-B058-CBCA5A0F9623}" destId="{BD774812-2706-1045-B57E-5CE92A0DC7D0}" srcOrd="1" destOrd="0" parTransId="{F3A6B9D2-F07C-C84B-8528-63475A3986BF}" sibTransId="{6543FA8C-7CF9-5F4E-9FEB-5BC6C1A5BCAD}"/>
+    <dgm:cxn modelId="{4714DF80-16CE-084D-A9A9-BEC25057284B}" type="presOf" srcId="{D17CB667-4FD0-C640-B058-CBCA5A0F9623}" destId="{ED8B9E3D-3012-2448-8D87-53806156484E}" srcOrd="0" destOrd="0" presId="urn:microsoft.com/office/officeart/2005/8/layout/hProcess10"/>
+    <dgm:cxn modelId="{19B80C99-50C4-B548-9AEA-28BDEC3BA117}" type="presOf" srcId="{006E5E34-66FF-5145-98E7-8235740097E0}" destId="{37497A61-768F-5547-BF45-7C9A4C494451}" srcOrd="0" destOrd="0" presId="urn:microsoft.com/office/officeart/2005/8/layout/hProcess10"/>
+    <dgm:cxn modelId="{A531ADD7-EE9F-D141-8EB5-8FA79E17E27F}" srcId="{D17CB667-4FD0-C640-B058-CBCA5A0F9623}" destId="{006E5E34-66FF-5145-98E7-8235740097E0}" srcOrd="0" destOrd="0" parTransId="{8736AAA1-8E10-BC4E-9989-7B16213D21C9}" sibTransId="{C513D49C-DA00-9048-95B7-3AEEAF8FFB69}"/>
+    <dgm:cxn modelId="{57882FFF-E9FF-2947-859C-9A52FFDA9C2F}" type="presOf" srcId="{C513D49C-DA00-9048-95B7-3AEEAF8FFB69}" destId="{E57BBD70-5D64-7D4F-B807-9FD8AC4585ED}" srcOrd="0" destOrd="0" presId="urn:microsoft.com/office/officeart/2005/8/layout/hProcess10"/>
+    <dgm:cxn modelId="{22FD23CF-5955-7E46-B98B-B29B5EA924E9}" type="presParOf" srcId="{ED8B9E3D-3012-2448-8D87-53806156484E}" destId="{7D33C4AE-85BB-1B48-8338-D375E99CD682}" srcOrd="0" destOrd="0" presId="urn:microsoft.com/office/officeart/2005/8/layout/hProcess10"/>
+    <dgm:cxn modelId="{37CEAFFF-B740-3547-951C-44478BB44D17}" type="presParOf" srcId="{7D33C4AE-85BB-1B48-8338-D375E99CD682}" destId="{D9EAE6E5-0EC2-8D46-A16D-967B834F16A4}" srcOrd="0" destOrd="0" presId="urn:microsoft.com/office/officeart/2005/8/layout/hProcess10"/>
+    <dgm:cxn modelId="{4D0F949E-0D16-A742-8453-81E48802C284}" type="presParOf" srcId="{7D33C4AE-85BB-1B48-8338-D375E99CD682}" destId="{37497A61-768F-5547-BF45-7C9A4C494451}" srcOrd="1" destOrd="0" presId="urn:microsoft.com/office/officeart/2005/8/layout/hProcess10"/>
+    <dgm:cxn modelId="{CBE41939-4C19-FB4E-8F99-0B702B9AA60F}" type="presParOf" srcId="{ED8B9E3D-3012-2448-8D87-53806156484E}" destId="{E57BBD70-5D64-7D4F-B807-9FD8AC4585ED}" srcOrd="1" destOrd="0" presId="urn:microsoft.com/office/officeart/2005/8/layout/hProcess10"/>
+    <dgm:cxn modelId="{3415EE39-71E8-7C43-B12E-D1ACA0936F57}" type="presParOf" srcId="{E57BBD70-5D64-7D4F-B807-9FD8AC4585ED}" destId="{AF767F3D-4DF9-CB49-B399-A35141D4E111}" srcOrd="0" destOrd="0" presId="urn:microsoft.com/office/officeart/2005/8/layout/hProcess10"/>
+    <dgm:cxn modelId="{474BBE3C-96D9-1E4D-8122-553A98A8680E}" type="presParOf" srcId="{ED8B9E3D-3012-2448-8D87-53806156484E}" destId="{59F6908C-29A8-EA42-BA64-7C8E28427EED}" srcOrd="2" destOrd="0" presId="urn:microsoft.com/office/officeart/2005/8/layout/hProcess10"/>
+    <dgm:cxn modelId="{FAD1FA71-DC1D-714B-B414-1A7C04BAA59C}" type="presParOf" srcId="{59F6908C-29A8-EA42-BA64-7C8E28427EED}" destId="{174EB484-3803-374D-ABC1-18F5F4E7E25A}" srcOrd="0" destOrd="0" presId="urn:microsoft.com/office/officeart/2005/8/layout/hProcess10"/>
+    <dgm:cxn modelId="{31BD139C-E99E-E946-8987-058E2C5B4A5E}" type="presParOf" srcId="{59F6908C-29A8-EA42-BA64-7C8E28427EED}" destId="{F20AA592-C4E8-2645-887B-9FBE8F880814}" srcOrd="1" destOrd="0" presId="urn:microsoft.com/office/officeart/2005/8/layout/hProcess10"/>
+  </dgm:cxnLst>
+  <dgm:bg/>
+  <dgm:whole/>
+  <dgm:extLst>
+    <a:ext uri="http://schemas.microsoft.com/office/drawing/2008/diagram">
+      <dsp:dataModelExt xmlns:dsp="http://schemas.microsoft.com/office/drawing/2008/diagram" relId="rId6" minVer="http://schemas.openxmlformats.org/drawingml/2006/diagram"/>
+    </a:ext>
+  </dgm:extLst>
+</dgm:dataModel>
+</file>
+
+<file path=ppt/diagrams/drawing1.xml><?xml version="1.0" encoding="utf-8"?>
+<dsp:drawing xmlns:dgm="http://schemas.openxmlformats.org/drawingml/2006/diagram" xmlns:dsp="http://schemas.microsoft.com/office/drawing/2008/diagram" xmlns:a="http://schemas.openxmlformats.org/drawingml/2006/main">
+  <dsp:spTree>
+    <dsp:nvGrpSpPr>
+      <dsp:cNvPr id="0" name=""/>
+      <dsp:cNvGrpSpPr/>
+    </dsp:nvGrpSpPr>
+    <dsp:grpSpPr/>
+    <dsp:sp modelId="{D9EAE6E5-0EC2-8D46-A16D-967B834F16A4}">
+      <dsp:nvSpPr>
+        <dsp:cNvPr id="0" name=""/>
+        <dsp:cNvSpPr/>
+      </dsp:nvSpPr>
+      <dsp:spPr>
+        <a:xfrm>
+          <a:off x="1197" y="540996"/>
+          <a:ext cx="2152844" cy="2152844"/>
+        </a:xfrm>
+        <a:prstGeom prst="roundRect">
+          <a:avLst>
+            <a:gd name="adj" fmla="val 10000"/>
+          </a:avLst>
+        </a:prstGeom>
+        <a:blipFill>
+          <a:blip xmlns:r="http://schemas.openxmlformats.org/officeDocument/2006/relationships" r:embed="rId1">
+            <a:extLst>
+              <a:ext uri="{28A0092B-C50C-407E-A947-70E740481C1C}">
+                <a14:useLocalDpi xmlns:a14="http://schemas.microsoft.com/office/drawing/2010/main" val="0"/>
+              </a:ext>
+            </a:extLst>
+          </a:blip>
+          <a:srcRect/>
+          <a:stretch>
+            <a:fillRect l="-2000" r="-2000"/>
+          </a:stretch>
+        </a:blipFill>
+        <a:ln w="15875" cap="rnd" cmpd="sng" algn="ctr">
+          <a:solidFill>
+            <a:schemeClr val="lt1">
+              <a:hueOff val="0"/>
+              <a:satOff val="0"/>
+              <a:lumOff val="0"/>
+              <a:alphaOff val="0"/>
+            </a:schemeClr>
+          </a:solidFill>
+          <a:prstDash val="solid"/>
+        </a:ln>
+        <a:effectLst/>
+      </dsp:spPr>
+      <dsp:style>
+        <a:lnRef idx="2">
+          <a:scrgbClr r="0" g="0" b="0"/>
+        </a:lnRef>
+        <a:fillRef idx="1">
+          <a:scrgbClr r="0" g="0" b="0"/>
+        </a:fillRef>
+        <a:effectRef idx="0">
+          <a:scrgbClr r="0" g="0" b="0"/>
+        </a:effectRef>
+        <a:fontRef idx="minor"/>
+      </dsp:style>
+    </dsp:sp>
+    <dsp:sp modelId="{37497A61-768F-5547-BF45-7C9A4C494451}">
+      <dsp:nvSpPr>
+        <dsp:cNvPr id="0" name=""/>
+        <dsp:cNvSpPr/>
+      </dsp:nvSpPr>
+      <dsp:spPr>
+        <a:xfrm>
+          <a:off x="754167" y="2720697"/>
+          <a:ext cx="1347831" cy="376855"/>
+        </a:xfrm>
+        <a:prstGeom prst="roundRect">
+          <a:avLst>
+            <a:gd name="adj" fmla="val 10000"/>
+          </a:avLst>
+        </a:prstGeom>
+        <a:solidFill>
+          <a:schemeClr val="accent1">
+            <a:hueOff val="0"/>
+            <a:satOff val="0"/>
+            <a:lumOff val="0"/>
+            <a:alphaOff val="0"/>
+          </a:schemeClr>
+        </a:solidFill>
+        <a:ln w="15875" cap="rnd" cmpd="sng" algn="ctr">
+          <a:solidFill>
+            <a:schemeClr val="lt1">
+              <a:hueOff val="0"/>
+              <a:satOff val="0"/>
+              <a:lumOff val="0"/>
+              <a:alphaOff val="0"/>
+            </a:schemeClr>
+          </a:solidFill>
+          <a:prstDash val="solid"/>
+        </a:ln>
+        <a:effectLst/>
+      </dsp:spPr>
+      <dsp:style>
+        <a:lnRef idx="2">
+          <a:scrgbClr r="0" g="0" b="0"/>
+        </a:lnRef>
+        <a:fillRef idx="1">
+          <a:scrgbClr r="0" g="0" b="0"/>
+        </a:fillRef>
+        <a:effectRef idx="0">
+          <a:scrgbClr r="0" g="0" b="0"/>
+        </a:effectRef>
+        <a:fontRef idx="minor">
+          <a:schemeClr val="lt1"/>
+        </a:fontRef>
+      </dsp:style>
+      <dsp:txBody>
+        <a:bodyPr spcFirstLastPara="0" vert="horz" wrap="square" lIns="57150" tIns="57150" rIns="57150" bIns="57150" numCol="1" spcCol="1270" anchor="ctr" anchorCtr="0">
+          <a:noAutofit/>
+        </a:bodyPr>
+        <a:lstStyle/>
+        <a:p>
+          <a:pPr marL="0" lvl="0" indent="0" algn="ctr" defTabSz="666750">
+            <a:lnSpc>
+              <a:spcPct val="90000"/>
+            </a:lnSpc>
+            <a:spcBef>
+              <a:spcPct val="0"/>
+            </a:spcBef>
+            <a:spcAft>
+              <a:spcPct val="35000"/>
+            </a:spcAft>
+            <a:buNone/>
+          </a:pPr>
+          <a:r>
+            <a:rPr lang="en-US" sz="1500" kern="1200" dirty="0" err="1"/>
+            <a:t>avant</a:t>
+          </a:r>
+          <a:endParaRPr lang="en-US" sz="1500" kern="1200" dirty="0"/>
+        </a:p>
+      </dsp:txBody>
+      <dsp:txXfrm>
+        <a:off x="765205" y="2731735"/>
+        <a:ext cx="1325755" cy="354779"/>
+      </dsp:txXfrm>
+    </dsp:sp>
+    <dsp:sp modelId="{E57BBD70-5D64-7D4F-B807-9FD8AC4585ED}">
+      <dsp:nvSpPr>
+        <dsp:cNvPr id="0" name=""/>
+        <dsp:cNvSpPr/>
+      </dsp:nvSpPr>
+      <dsp:spPr>
+        <a:xfrm rot="5897">
+          <a:off x="2446065" y="1361367"/>
+          <a:ext cx="292023" cy="517298"/>
+        </a:xfrm>
+        <a:prstGeom prst="rightArrow">
+          <a:avLst>
+            <a:gd name="adj1" fmla="val 60000"/>
+            <a:gd name="adj2" fmla="val 50000"/>
+          </a:avLst>
+        </a:prstGeom>
+        <a:solidFill>
+          <a:schemeClr val="accent1">
+            <a:tint val="60000"/>
+            <a:hueOff val="0"/>
+            <a:satOff val="0"/>
+            <a:lumOff val="0"/>
+            <a:alphaOff val="0"/>
+          </a:schemeClr>
+        </a:solidFill>
+        <a:ln>
+          <a:noFill/>
+        </a:ln>
+        <a:effectLst/>
+      </dsp:spPr>
+      <dsp:style>
+        <a:lnRef idx="0">
+          <a:scrgbClr r="0" g="0" b="0"/>
+        </a:lnRef>
+        <a:fillRef idx="1">
+          <a:scrgbClr r="0" g="0" b="0"/>
+        </a:fillRef>
+        <a:effectRef idx="0">
+          <a:scrgbClr r="0" g="0" b="0"/>
+        </a:effectRef>
+        <a:fontRef idx="minor">
+          <a:schemeClr val="lt1"/>
+        </a:fontRef>
+      </dsp:style>
+      <dsp:txBody>
+        <a:bodyPr spcFirstLastPara="0" vert="horz" wrap="square" lIns="0" tIns="0" rIns="0" bIns="0" numCol="1" spcCol="1270" anchor="ctr" anchorCtr="0">
+          <a:noAutofit/>
+        </a:bodyPr>
+        <a:lstStyle/>
+        <a:p>
+          <a:pPr marL="0" lvl="0" indent="0" algn="ctr" defTabSz="533400">
+            <a:lnSpc>
+              <a:spcPct val="90000"/>
+            </a:lnSpc>
+            <a:spcBef>
+              <a:spcPct val="0"/>
+            </a:spcBef>
+            <a:spcAft>
+              <a:spcPct val="35000"/>
+            </a:spcAft>
+            <a:buNone/>
+          </a:pPr>
+          <a:endParaRPr lang="en-US" sz="1200" kern="1200"/>
+        </a:p>
+      </dsp:txBody>
+      <dsp:txXfrm>
+        <a:off x="2446065" y="1464752"/>
+        <a:ext cx="204416" cy="310378"/>
+      </dsp:txXfrm>
+    </dsp:sp>
+    <dsp:sp modelId="{174EB484-3803-374D-ABC1-18F5F4E7E25A}">
+      <dsp:nvSpPr>
+        <dsp:cNvPr id="0" name=""/>
+        <dsp:cNvSpPr/>
+      </dsp:nvSpPr>
+      <dsp:spPr>
+        <a:xfrm>
+          <a:off x="2988394" y="546120"/>
+          <a:ext cx="2152844" cy="2152844"/>
+        </a:xfrm>
+        <a:prstGeom prst="roundRect">
+          <a:avLst>
+            <a:gd name="adj" fmla="val 10000"/>
+          </a:avLst>
+        </a:prstGeom>
+        <a:blipFill>
+          <a:blip xmlns:r="http://schemas.openxmlformats.org/officeDocument/2006/relationships" r:embed="rId2">
+            <a:extLst>
+              <a:ext uri="{28A0092B-C50C-407E-A947-70E740481C1C}">
+                <a14:useLocalDpi xmlns:a14="http://schemas.microsoft.com/office/drawing/2010/main" val="0"/>
+              </a:ext>
+            </a:extLst>
+          </a:blip>
+          <a:srcRect/>
+          <a:stretch>
+            <a:fillRect l="-3000" r="-3000"/>
+          </a:stretch>
+        </a:blipFill>
+        <a:ln w="15875" cap="rnd" cmpd="sng" algn="ctr">
+          <a:solidFill>
+            <a:schemeClr val="lt1">
+              <a:hueOff val="0"/>
+              <a:satOff val="0"/>
+              <a:lumOff val="0"/>
+              <a:alphaOff val="0"/>
+            </a:schemeClr>
+          </a:solidFill>
+          <a:prstDash val="solid"/>
+        </a:ln>
+        <a:effectLst/>
+      </dsp:spPr>
+      <dsp:style>
+        <a:lnRef idx="2">
+          <a:scrgbClr r="0" g="0" b="0"/>
+        </a:lnRef>
+        <a:fillRef idx="1">
+          <a:scrgbClr r="0" g="0" b="0"/>
+        </a:fillRef>
+        <a:effectRef idx="0">
+          <a:scrgbClr r="0" g="0" b="0"/>
+        </a:effectRef>
+        <a:fontRef idx="minor"/>
+      </dsp:style>
+    </dsp:sp>
+    <dsp:sp modelId="{F20AA592-C4E8-2645-887B-9FBE8F880814}">
+      <dsp:nvSpPr>
+        <dsp:cNvPr id="0" name=""/>
+        <dsp:cNvSpPr/>
+      </dsp:nvSpPr>
+      <dsp:spPr>
+        <a:xfrm>
+          <a:off x="3637457" y="2736069"/>
+          <a:ext cx="1555645" cy="356360"/>
+        </a:xfrm>
+        <a:prstGeom prst="roundRect">
+          <a:avLst>
+            <a:gd name="adj" fmla="val 10000"/>
+          </a:avLst>
+        </a:prstGeom>
+        <a:solidFill>
+          <a:schemeClr val="accent1">
+            <a:hueOff val="0"/>
+            <a:satOff val="0"/>
+            <a:lumOff val="0"/>
+            <a:alphaOff val="0"/>
+          </a:schemeClr>
+        </a:solidFill>
+        <a:ln w="15875" cap="rnd" cmpd="sng" algn="ctr">
+          <a:solidFill>
+            <a:schemeClr val="lt1">
+              <a:hueOff val="0"/>
+              <a:satOff val="0"/>
+              <a:lumOff val="0"/>
+              <a:alphaOff val="0"/>
+            </a:schemeClr>
+          </a:solidFill>
+          <a:prstDash val="solid"/>
+        </a:ln>
+        <a:effectLst/>
+      </dsp:spPr>
+      <dsp:style>
+        <a:lnRef idx="2">
+          <a:scrgbClr r="0" g="0" b="0"/>
+        </a:lnRef>
+        <a:fillRef idx="1">
+          <a:scrgbClr r="0" g="0" b="0"/>
+        </a:fillRef>
+        <a:effectRef idx="0">
+          <a:scrgbClr r="0" g="0" b="0"/>
+        </a:effectRef>
+        <a:fontRef idx="minor">
+          <a:schemeClr val="lt1"/>
+        </a:fontRef>
+      </dsp:style>
+      <dsp:txBody>
+        <a:bodyPr spcFirstLastPara="0" vert="horz" wrap="square" lIns="57150" tIns="57150" rIns="57150" bIns="57150" numCol="1" spcCol="1270" anchor="ctr" anchorCtr="0">
+          <a:noAutofit/>
+        </a:bodyPr>
+        <a:lstStyle/>
+        <a:p>
+          <a:pPr marL="0" lvl="0" indent="0" algn="ctr" defTabSz="666750">
+            <a:lnSpc>
+              <a:spcPct val="90000"/>
+            </a:lnSpc>
+            <a:spcBef>
+              <a:spcPct val="0"/>
+            </a:spcBef>
+            <a:spcAft>
+              <a:spcPct val="35000"/>
+            </a:spcAft>
+            <a:buNone/>
+          </a:pPr>
+          <a:r>
+            <a:rPr lang="en-US" sz="1500" kern="1200" dirty="0"/>
+            <a:t>après</a:t>
+          </a:r>
+        </a:p>
+      </dsp:txBody>
+      <dsp:txXfrm>
+        <a:off x="3647894" y="2746506"/>
+        <a:ext cx="1534771" cy="335486"/>
+      </dsp:txXfrm>
+    </dsp:sp>
+  </dsp:spTree>
+</dsp:drawing>
+</file>
+
+<file path=ppt/diagrams/layout1.xml><?xml version="1.0" encoding="utf-8"?>
+<dgm:layoutDef xmlns:dgm="http://schemas.openxmlformats.org/drawingml/2006/diagram" xmlns:a="http://schemas.openxmlformats.org/drawingml/2006/main" uniqueId="urn:microsoft.com/office/officeart/2005/8/layout/hProcess10">
+  <dgm:title val=""/>
+  <dgm:desc val=""/>
+  <dgm:catLst>
+    <dgm:cat type="process" pri="3000"/>
+    <dgm:cat type="picture" pri="30000"/>
+    <dgm:cat type="pictureconvert" pri="30000"/>
+  </dgm:catLst>
+  <dgm:sampData>
+    <dgm:dataModel>
+      <dgm:ptLst>
+        <dgm:pt modelId="0" type="doc"/>
+        <dgm:pt modelId="1">
+          <dgm:prSet phldr="1"/>
+        </dgm:pt>
+        <dgm:pt modelId="11">
+          <dgm:prSet phldr="1"/>
+        </dgm:pt>
+        <dgm:pt modelId="12">
+          <dgm:prSet phldr="1"/>
+        </dgm:pt>
+        <dgm:pt modelId="2">
+          <dgm:prSet phldr="1"/>
+        </dgm:pt>
+        <dgm:pt modelId="21">
+          <dgm:prSet phldr="1"/>
+        </dgm:pt>
+        <dgm:pt modelId="22">
+          <dgm:prSet phldr="1"/>
+        </dgm:pt>
+        <dgm:pt modelId="3">
+          <dgm:prSet phldr="1"/>
+        </dgm:pt>
+        <dgm:pt modelId="31">
+          <dgm:prSet phldr="1"/>
+        </dgm:pt>
+        <dgm:pt modelId="32">
+          <dgm:prSet phldr="1"/>
+        </dgm:pt>
+      </dgm:ptLst>
+      <dgm:cxnLst>
+        <dgm:cxn modelId="4" srcId="0" destId="1" srcOrd="0" destOrd="0"/>
+        <dgm:cxn modelId="5" srcId="0" destId="2" srcOrd="1" destOrd="0"/>
+        <dgm:cxn modelId="6" srcId="0" destId="3" srcOrd="2" destOrd="0"/>
+        <dgm:cxn modelId="13" srcId="1" destId="11" srcOrd="0" destOrd="0"/>
+        <dgm:cxn modelId="14" srcId="1" destId="12" srcOrd="1" destOrd="0"/>
+        <dgm:cxn modelId="23" srcId="2" destId="21" srcOrd="0" destOrd="0"/>
+        <dgm:cxn modelId="24" srcId="2" destId="22" srcOrd="1" destOrd="0"/>
+        <dgm:cxn modelId="33" srcId="3" destId="31" srcOrd="0" destOrd="0"/>
+        <dgm:cxn modelId="34" srcId="3" destId="32" srcOrd="1" destOrd="0"/>
+      </dgm:cxnLst>
+      <dgm:bg/>
+      <dgm:whole/>
+    </dgm:dataModel>
+  </dgm:sampData>
+  <dgm:styleData>
+    <dgm:dataModel>
+      <dgm:ptLst>
+        <dgm:pt modelId="0" type="doc"/>
+        <dgm:pt modelId="1"/>
+        <dgm:pt modelId="11"/>
+        <dgm:pt modelId="2"/>
+        <dgm:pt modelId="21"/>
+      </dgm:ptLst>
+      <dgm:cxnLst>
+        <dgm:cxn modelId="4" srcId="0" destId="1" srcOrd="0" destOrd="0"/>
+        <dgm:cxn modelId="5" srcId="0" destId="2" srcOrd="1" destOrd="0"/>
+        <dgm:cxn modelId="13" srcId="1" destId="11" srcOrd="0" destOrd="0"/>
+        <dgm:cxn modelId="23" srcId="2" destId="21" srcOrd="0" destOrd="0"/>
+      </dgm:cxnLst>
+      <dgm:bg/>
+      <dgm:whole/>
+    </dgm:dataModel>
+  </dgm:styleData>
+  <dgm:clrData>
+    <dgm:dataModel>
+      <dgm:ptLst>
+        <dgm:pt modelId="0" type="doc"/>
+        <dgm:pt modelId="1"/>
+        <dgm:pt modelId="11"/>
+        <dgm:pt modelId="2"/>
+        <dgm:pt modelId="21"/>
+        <dgm:pt modelId="3"/>
+        <dgm:pt modelId="31"/>
+        <dgm:pt modelId="4"/>
+        <dgm:pt modelId="41"/>
+      </dgm:ptLst>
+      <dgm:cxnLst>
+        <dgm:cxn modelId="5" srcId="0" destId="1" srcOrd="0" destOrd="0"/>
+        <dgm:cxn modelId="6" srcId="0" destId="2" srcOrd="1" destOrd="0"/>
+        <dgm:cxn modelId="7" srcId="0" destId="3" srcOrd="2" destOrd="0"/>
+        <dgm:cxn modelId="8" srcId="0" destId="4" srcOrd="3" destOrd="0"/>
+        <dgm:cxn modelId="13" srcId="1" destId="11" srcOrd="0" destOrd="0"/>
+        <dgm:cxn modelId="23" srcId="2" destId="21" srcOrd="0" destOrd="0"/>
+        <dgm:cxn modelId="33" srcId="3" destId="31" srcOrd="0" destOrd="0"/>
+        <dgm:cxn modelId="43" srcId="4" destId="41" srcOrd="0" destOrd="0"/>
+      </dgm:cxnLst>
+      <dgm:bg/>
+      <dgm:whole/>
+    </dgm:dataModel>
+  </dgm:clrData>
+  <dgm:layoutNode name="Name0">
+    <dgm:varLst>
+      <dgm:dir/>
+      <dgm:resizeHandles val="exact"/>
+    </dgm:varLst>
+    <dgm:choose name="Name1">
+      <dgm:if name="Name2" func="var" arg="dir" op="equ" val="norm">
+        <dgm:alg type="lin"/>
+      </dgm:if>
+      <dgm:else name="Name3">
+        <dgm:alg type="lin">
+          <dgm:param type="linDir" val="fromR"/>
+        </dgm:alg>
+      </dgm:else>
+    </dgm:choose>
+    <dgm:shape xmlns:r="http://schemas.openxmlformats.org/officeDocument/2006/relationships" r:blip="">
+      <dgm:adjLst/>
+    </dgm:shape>
+    <dgm:presOf/>
+    <dgm:constrLst>
+      <dgm:constr type="w" for="ch" forName="composite" refType="w"/>
+      <dgm:constr type="w" for="ch" ptType="sibTrans" refType="w" refFor="ch" refForName="composite" op="equ" fact="0.3333"/>
+      <dgm:constr type="primFontSz" for="des" forName="txNode" op="equ" val="65"/>
+      <dgm:constr type="primFontSz" for="des" forName="connTx" op="equ" val="55"/>
+      <dgm:constr type="primFontSz" for="des" forName="connTx" refType="primFontSz" refFor="des" refForName="txNode" op="lte" fact="0.8"/>
+    </dgm:constrLst>
+    <dgm:ruleLst/>
+    <dgm:forEach name="Name4" axis="ch" ptType="node">
+      <dgm:layoutNode name="composite">
+        <dgm:alg type="composite"/>
+        <dgm:shape xmlns:r="http://schemas.openxmlformats.org/officeDocument/2006/relationships" r:blip="">
+          <dgm:adjLst/>
+        </dgm:shape>
+        <dgm:presOf/>
+        <dgm:choose name="Name5">
+          <dgm:if name="Name6" func="var" arg="dir" op="equ" val="norm">
+            <dgm:constrLst>
+              <dgm:constr type="l" for="ch" forName="imagSh"/>
+              <dgm:constr type="w" for="ch" forName="imagSh" refType="w" fact="0.86"/>
+              <dgm:constr type="t" for="ch" forName="imagSh"/>
+              <dgm:constr type="h" for="ch" forName="imagSh" refType="w" refFor="ch" refForName="imagSh"/>
+              <dgm:constr type="l" for="ch" forName="txNode" refType="w" fact="0.14"/>
+              <dgm:constr type="w" for="ch" forName="txNode" refType="w" refFor="ch" refForName="imagSh"/>
+              <dgm:constr type="t" for="ch" forName="txNode" refType="h" refFor="ch" refForName="imagSh" fact="0.6"/>
+              <dgm:constr type="h" for="ch" forName="txNode" refType="h" refFor="ch" refForName="imagSh"/>
+            </dgm:constrLst>
+          </dgm:if>
+          <dgm:else name="Name7">
+            <dgm:constrLst>
+              <dgm:constr type="l" for="ch" forName="imagSh" refType="w" fact="0.14"/>
+              <dgm:constr type="w" for="ch" forName="imagSh" refType="w" fact="0.86"/>
+              <dgm:constr type="t" for="ch" forName="imagSh"/>
+              <dgm:constr type="h" for="ch" forName="imagSh" refType="w" refFor="ch" refForName="imagSh"/>
+              <dgm:constr type="l" for="ch" forName="txNode"/>
+              <dgm:constr type="w" for="ch" forName="txNode" refType="w" refFor="ch" refForName="imagSh"/>
+              <dgm:constr type="t" for="ch" forName="txNode" refType="h" refFor="ch" refForName="imagSh" fact="0.6"/>
+              <dgm:constr type="h" for="ch" forName="txNode" refType="h" refFor="ch" refForName="imagSh"/>
+            </dgm:constrLst>
+          </dgm:else>
+        </dgm:choose>
+        <dgm:ruleLst/>
+        <dgm:layoutNode name="imagSh" styleLbl="bgImgPlace1">
+          <dgm:alg type="sp"/>
+          <dgm:shape xmlns:r="http://schemas.openxmlformats.org/officeDocument/2006/relationships" type="roundRect" r:blip="" blipPhldr="1">
+            <dgm:adjLst>
+              <dgm:adj idx="1" val="0.1"/>
+            </dgm:adjLst>
+          </dgm:shape>
+          <dgm:presOf/>
+          <dgm:constrLst/>
+          <dgm:ruleLst/>
+        </dgm:layoutNode>
+        <dgm:layoutNode name="txNode" styleLbl="node1">
+          <dgm:varLst>
+            <dgm:bulletEnabled val="1"/>
+          </dgm:varLst>
+          <dgm:alg type="tx"/>
+          <dgm:shape xmlns:r="http://schemas.openxmlformats.org/officeDocument/2006/relationships" type="roundRect" r:blip="">
+            <dgm:adjLst>
+              <dgm:adj idx="1" val="0.1"/>
+            </dgm:adjLst>
+          </dgm:shape>
+          <dgm:presOf axis="desOrSelf" ptType="node"/>
+          <dgm:constrLst>
+            <dgm:constr type="tMarg" refType="primFontSz" fact="0.3"/>
+            <dgm:constr type="bMarg" refType="primFontSz" fact="0.3"/>
+            <dgm:constr type="lMarg" refType="primFontSz" fact="0.3"/>
+            <dgm:constr type="rMarg" refType="primFontSz" fact="0.3"/>
+          </dgm:constrLst>
+          <dgm:ruleLst>
+            <dgm:rule type="primFontSz" val="5" fact="NaN" max="NaN"/>
+          </dgm:ruleLst>
+        </dgm:layoutNode>
+      </dgm:layoutNode>
+      <dgm:forEach name="sibTransForEach" axis="followSib" ptType="sibTrans" cnt="1">
+        <dgm:layoutNode name="sibTrans">
+          <dgm:alg type="conn">
+            <dgm:param type="begPts" val="auto"/>
+            <dgm:param type="endPts" val="auto"/>
+            <dgm:param type="srcNode" val="imagSh"/>
+            <dgm:param type="dstNode" val="imagSh"/>
+          </dgm:alg>
+          <dgm:shape xmlns:r="http://schemas.openxmlformats.org/officeDocument/2006/relationships" type="conn" r:blip="">
+            <dgm:adjLst/>
+          </dgm:shape>
+          <dgm:presOf axis="self"/>
+          <dgm:constrLst>
+            <dgm:constr type="h" refType="w" fact="0.62"/>
+            <dgm:constr type="connDist"/>
+            <dgm:constr type="begPad" refType="connDist" fact="0.35"/>
+            <dgm:constr type="endPad" refType="connDist" fact="0.3"/>
+          </dgm:constrLst>
+          <dgm:ruleLst/>
+          <dgm:layoutNode name="connTx">
+            <dgm:alg type="tx">
+              <dgm:param type="autoTxRot" val="grav"/>
+            </dgm:alg>
+            <dgm:shape xmlns:r="http://schemas.openxmlformats.org/officeDocument/2006/relationships" type="conn" r:blip="" hideGeom="1">
+              <dgm:adjLst/>
+            </dgm:shape>
+            <dgm:presOf axis="self"/>
+            <dgm:constrLst>
+              <dgm:constr type="lMarg"/>
+              <dgm:constr type="rMarg"/>
+              <dgm:constr type="tMarg"/>
+              <dgm:constr type="bMarg"/>
+            </dgm:constrLst>
+            <dgm:ruleLst>
+              <dgm:rule type="primFontSz" val="5" fact="NaN" max="NaN"/>
+            </dgm:ruleLst>
+          </dgm:layoutNode>
+        </dgm:layoutNode>
+      </dgm:forEach>
+    </dgm:forEach>
+  </dgm:layoutNode>
+</dgm:layoutDef>
+</file>
+
+<file path=ppt/diagrams/quickStyle1.xml><?xml version="1.0" encoding="utf-8"?>
+<dgm:styleDef xmlns:dgm="http://schemas.openxmlformats.org/drawingml/2006/diagram" xmlns:a="http://schemas.openxmlformats.org/drawingml/2006/main" uniqueId="urn:microsoft.com/office/officeart/2005/8/quickstyle/simple1">
+  <dgm:title val=""/>
+  <dgm:desc val=""/>
+  <dgm:catLst>
+    <dgm:cat type="simple" pri="10100"/>
+  </dgm:catLst>
+  <dgm:scene3d>
+    <a:camera prst="orthographicFront"/>
+    <a:lightRig rig="threePt" dir="t"/>
+  </dgm:scene3d>
+  <dgm:styleLbl name="node0">
+    <dgm:scene3d>
+      <a:camera prst="orthographicFront"/>
+      <a:lightRig rig="threePt" dir="t"/>
+    </dgm:scene3d>
+    <dgm:sp3d/>
+    <dgm:txPr/>
+    <dgm:style>
+      <a:lnRef idx="2">
+        <a:scrgbClr r="0" g="0" b="0"/>
+      </a:lnRef>
+      <a:fillRef idx="1">
+        <a:scrgbClr r="0" g="0" b="0"/>
+      </a:fillRef>
+      <a:effectRef idx="0">
+        <a:scrgbClr r="0" g="0" b="0"/>
+      </a:effectRef>
+      <a:fontRef idx="minor">
+        <a:schemeClr val="lt1"/>
+      </a:fontRef>
+    </dgm:style>
+  </dgm:styleLbl>
+  <dgm:styleLbl name="lnNode1">
+    <dgm:scene3d>
+      <a:camera prst="orthographicFront"/>
+      <a:lightRig rig="threePt" dir="t"/>
+    </dgm:scene3d>
+    <dgm:sp3d/>
+    <dgm:txPr/>
+    <dgm:style>
+      <a:lnRef idx="2">
+        <a:scrgbClr r="0" g="0" b="0"/>
+      </a:lnRef>
+      <a:fillRef idx="1">
+        <a:scrgbClr r="0" g="0" b="0"/>
+      </a:fillRef>
+      <a:effectRef idx="0">
+        <a:scrgbClr r="0" g="0" b="0"/>
+      </a:effectRef>
+      <a:fontRef idx="minor">
+        <a:schemeClr val="lt1"/>
+      </a:fontRef>
+    </dgm:style>
+  </dgm:styleLbl>
+  <dgm:styleLbl name="vennNode1">
+    <dgm:scene3d>
+      <a:camera prst="orthographicFront"/>
+      <a:lightRig rig="threePt" dir="t"/>
+    </dgm:scene3d>
+    <dgm:sp3d/>
+    <dgm:txPr/>
+    <dgm:style>
+      <a:lnRef idx="2">
+        <a:scrgbClr r="0" g="0" b="0"/>
+      </a:lnRef>
+      <a:fillRef idx="1">
+        <a:scrgbClr r="0" g="0" b="0"/>
+      </a:fillRef>
+      <a:effectRef idx="0">
+        <a:scrgbClr r="0" g="0" b="0"/>
+      </a:effectRef>
+      <a:fontRef idx="minor">
+        <a:schemeClr val="tx1"/>
+      </a:fontRef>
+    </dgm:style>
+  </dgm:styleLbl>
+  <dgm:styleLbl name="alignNode1">
+    <dgm:scene3d>
+      <a:camera prst="orthographicFront"/>
+      <a:lightRig rig="threePt" dir="t"/>
+    </dgm:scene3d>
+    <dgm:sp3d/>
+    <dgm:txPr/>
+    <dgm:style>
+      <a:lnRef idx="2">
+        <a:scrgbClr r="0" g="0" b="0"/>
+      </a:lnRef>
+      <a:fillRef idx="1">
+        <a:scrgbClr r="0" g="0" b="0"/>
+      </a:fillRef>
+      <a:effectRef idx="0">
+        <a:scrgbClr r="0" g="0" b="0"/>
+      </a:effectRef>
+      <a:fontRef idx="minor">
+        <a:schemeClr val="lt1"/>
+      </a:fontRef>
+    </dgm:style>
+  </dgm:styleLbl>
+  <dgm:styleLbl name="node1">
+    <dgm:scene3d>
+      <a:camera prst="orthographicFront"/>
+      <a:lightRig rig="threePt" dir="t"/>
+    </dgm:scene3d>
+    <dgm:sp3d/>
+    <dgm:txPr/>
+    <dgm:style>
+      <a:lnRef idx="2">
+        <a:scrgbClr r="0" g="0" b="0"/>
+      </a:lnRef>
+      <a:fillRef idx="1">
+        <a:scrgbClr r="0" g="0" b="0"/>
+      </a:fillRef>
+      <a:effectRef idx="0">
+        <a:scrgbClr r="0" g="0" b="0"/>
+      </a:effectRef>
+      <a:fontRef idx="minor">
+        <a:schemeClr val="lt1"/>
+      </a:fontRef>
+    </dgm:style>
+  </dgm:styleLbl>
+  <dgm:styleLbl name="node2">
+    <dgm:scene3d>
+      <a:camera prst="orthographicFront"/>
+      <a:lightRig rig="threePt" dir="t"/>
+    </dgm:scene3d>
+    <dgm:sp3d/>
+    <dgm:txPr/>
+    <dgm:style>
+      <a:lnRef idx="2">
+        <a:scrgbClr r="0" g="0" b="0"/>
+      </a:lnRef>
+      <a:fillRef idx="1">
+        <a:scrgbClr r="0" g="0" b="0"/>
+      </a:fillRef>
+      <a:effectRef idx="0">
+        <a:scrgbClr r="0" g="0" b="0"/>
+      </a:effectRef>
+      <a:fontRef idx="minor">
+        <a:schemeClr val="lt1"/>
+      </a:fontRef>
+    </dgm:style>
+  </dgm:styleLbl>
+  <dgm:styleLbl name="node3">
+    <dgm:scene3d>
+      <a:camera prst="orthographicFront"/>
+      <a:lightRig rig="threePt" dir="t"/>
+    </dgm:scene3d>
+    <dgm:sp3d/>
+    <dgm:txPr/>
+    <dgm:style>
+      <a:lnRef idx="2">
+        <a:scrgbClr r="0" g="0" b="0"/>
+      </a:lnRef>
+      <a:fillRef idx="1">
+        <a:scrgbClr r="0" g="0" b="0"/>
+      </a:fillRef>
+      <a:effectRef idx="0">
+        <a:scrgbClr r="0" g="0" b="0"/>
+      </a:effectRef>
+      <a:fontRef idx="minor">
+        <a:schemeClr val="lt1"/>
+      </a:fontRef>
+    </dgm:style>
+  </dgm:styleLbl>
+  <dgm:styleLbl name="node4">
+    <dgm:scene3d>
+      <a:camera prst="orthographicFront"/>
+      <a:lightRig rig="threePt" dir="t"/>
+    </dgm:scene3d>
+    <dgm:sp3d/>
+    <dgm:txPr/>
+    <dgm:style>
+      <a:lnRef idx="2">
+        <a:scrgbClr r="0" g="0" b="0"/>
+      </a:lnRef>
+      <a:fillRef idx="1">
+        <a:scrgbClr r="0" g="0" b="0"/>
+      </a:fillRef>
+      <a:effectRef idx="0">
+        <a:scrgbClr r="0" g="0" b="0"/>
+      </a:effectRef>
+      <a:fontRef idx="minor">
+        <a:schemeClr val="lt1"/>
+      </a:fontRef>
+    </dgm:style>
+  </dgm:styleLbl>
+  <dgm:styleLbl name="fgImgPlace1">
+    <dgm:scene3d>
+      <a:camera prst="orthographicFront"/>
+      <a:lightRig rig="threePt" dir="t"/>
+    </dgm:scene3d>
+    <dgm:sp3d/>
+    <dgm:txPr/>
+    <dgm:style>
+      <a:lnRef idx="2">
+        <a:scrgbClr r="0" g="0" b="0"/>
+      </a:lnRef>
+      <a:fillRef idx="1">
+        <a:scrgbClr r="0" g="0" b="0"/>
+      </a:fillRef>
+      <a:effectRef idx="0">
+        <a:scrgbClr r="0" g="0" b="0"/>
+      </a:effectRef>
+      <a:fontRef idx="minor"/>
+    </dgm:style>
+  </dgm:styleLbl>
+  <dgm:styleLbl name="alignImgPlace1">
+    <dgm:scene3d>
+      <a:camera prst="orthographicFront"/>
+      <a:lightRig rig="threePt" dir="t"/>
+    </dgm:scene3d>
+    <dgm:sp3d/>
+    <dgm:txPr/>
+    <dgm:style>
+      <a:lnRef idx="2">
+        <a:scrgbClr r="0" g="0" b="0"/>
+      </a:lnRef>
+      <a:fillRef idx="1">
+        <a:scrgbClr r="0" g="0" b="0"/>
+      </a:fillRef>
+      <a:effectRef idx="0">
+        <a:scrgbClr r="0" g="0" b="0"/>
+      </a:effectRef>
+      <a:fontRef idx="minor"/>
+    </dgm:style>
+  </dgm:styleLbl>
+  <dgm:styleLbl name="bgImgPlace1">
+    <dgm:scene3d>
+      <a:camera prst="orthographicFront"/>
+      <a:lightRig rig="threePt" dir="t"/>
+    </dgm:scene3d>
+    <dgm:sp3d/>
+    <dgm:txPr/>
+    <dgm:style>
+      <a:lnRef idx="2">
+        <a:scrgbClr r="0" g="0" b="0"/>
+      </a:lnRef>
+      <a:fillRef idx="1">
+        <a:scrgbClr r="0" g="0" b="0"/>
+      </a:fillRef>
+      <a:effectRef idx="0">
+        <a:scrgbClr r="0" g="0" b="0"/>
+      </a:effectRef>
+      <a:fontRef idx="minor"/>
+    </dgm:style>
+  </dgm:styleLbl>
+  <dgm:styleLbl name="sibTrans2D1">
+    <dgm:scene3d>
+      <a:camera prst="orthographicFront"/>
+      <a:lightRig rig="threePt" dir="t"/>
+    </dgm:scene3d>
+    <dgm:sp3d/>
+    <dgm:txPr/>
+    <dgm:style>
+      <a:lnRef idx="0">
+        <a:scrgbClr r="0" g="0" b="0"/>
+      </a:lnRef>
+      <a:fillRef idx="1">
+        <a:scrgbClr r="0" g="0" b="0"/>
+      </a:fillRef>
+      <a:effectRef idx="0">
+        <a:scrgbClr r="0" g="0" b="0"/>
+      </a:effectRef>
+      <a:fontRef idx="minor">
+        <a:schemeClr val="lt1"/>
+      </a:fontRef>
+    </dgm:style>
+  </dgm:styleLbl>
+  <dgm:styleLbl name="fgSibTrans2D1">
+    <dgm:scene3d>
+      <a:camera prst="orthographicFront"/>
+      <a:lightRig rig="threePt" dir="t"/>
+    </dgm:scene3d>
+    <dgm:sp3d/>
+    <dgm:txPr/>
+    <dgm:style>
+      <a:lnRef idx="0">
+        <a:scrgbClr r="0" g="0" b="0"/>
+      </a:lnRef>
+      <a:fillRef idx="1">
+        <a:scrgbClr r="0" g="0" b="0"/>
+      </a:fillRef>
+      <a:effectRef idx="0">
+        <a:scrgbClr r="0" g="0" b="0"/>
+      </a:effectRef>
+      <a:fontRef idx="minor">
+        <a:schemeClr val="lt1"/>
+      </a:fontRef>
+    </dgm:style>
+  </dgm:styleLbl>
+  <dgm:styleLbl name="bgSibTrans2D1">
+    <dgm:scene3d>
+      <a:camera prst="orthographicFront"/>
+      <a:lightRig rig="threePt" dir="t"/>
+    </dgm:scene3d>
+    <dgm:sp3d/>
+    <dgm:txPr/>
+    <dgm:style>
+      <a:lnRef idx="0">
+        <a:scrgbClr r="0" g="0" b="0"/>
+      </a:lnRef>
+      <a:fillRef idx="1">
+        <a:scrgbClr r="0" g="0" b="0"/>
+      </a:fillRef>
+      <a:effectRef idx="0">
+        <a:scrgbClr r="0" g="0" b="0"/>
+      </a:effectRef>
+      <a:fontRef idx="minor">
+        <a:schemeClr val="lt1"/>
+      </a:fontRef>
+    </dgm:style>
+  </dgm:styleLbl>
+  <dgm:styleLbl name="sibTrans1D1">
+    <dgm:scene3d>
+      <a:camera prst="orthographicFront"/>
+      <a:lightRig rig="threePt" dir="t"/>
+    </dgm:scene3d>
+    <dgm:sp3d/>
+    <dgm:txPr/>
+    <dgm:style>
+      <a:lnRef idx="1">
+        <a:scrgbClr r="0" g="0" b="0"/>
+      </a:lnRef>
+      <a:fillRef idx="0">
+        <a:scrgbClr r="0" g="0" b="0"/>
+      </a:fillRef>
+      <a:effectRef idx="0">
+        <a:scrgbClr r="0" g="0" b="0"/>
+      </a:effectRef>
+      <a:fontRef idx="minor"/>
+    </dgm:style>
+  </dgm:styleLbl>
+  <dgm:styleLbl name="callout">
+    <dgm:scene3d>
+      <a:camera prst="orthographicFront"/>
+      <a:lightRig rig="threePt" dir="t"/>
+    </dgm:scene3d>
+    <dgm:sp3d/>
+    <dgm:txPr/>
+    <dgm:style>
+      <a:lnRef idx="2">
+        <a:scrgbClr r="0" g="0" b="0"/>
+      </a:lnRef>
+      <a:fillRef idx="1">
+        <a:scrgbClr r="0" g="0" b="0"/>
+      </a:fillRef>
+      <a:effectRef idx="0">
+        <a:scrgbClr r="0" g="0" b="0"/>
+      </a:effectRef>
+      <a:fontRef idx="minor"/>
+    </dgm:style>
+  </dgm:styleLbl>
+  <dgm:styleLbl name="asst0">
+    <dgm:scene3d>
+      <a:camera prst="orthographicFront"/>
+      <a:lightRig rig="threePt" dir="t"/>
+    </dgm:scene3d>
+    <dgm:sp3d/>
+    <dgm:txPr/>
+    <dgm:style>
+      <a:lnRef idx="2">
+        <a:scrgbClr r="0" g="0" b="0"/>
+      </a:lnRef>
+      <a:fillRef idx="1">
+        <a:scrgbClr r="0" g="0" b="0"/>
+      </a:fillRef>
+      <a:effectRef idx="0">
+        <a:scrgbClr r="0" g="0" b="0"/>
+      </a:effectRef>
+      <a:fontRef idx="minor">
+        <a:schemeClr val="lt1"/>
+      </a:fontRef>
+    </dgm:style>
+  </dgm:styleLbl>
+  <dgm:styleLbl name="asst1">
+    <dgm:scene3d>
+      <a:camera prst="orthographicFront"/>
+      <a:lightRig rig="threePt" dir="t"/>
+    </dgm:scene3d>
+    <dgm:sp3d/>
+    <dgm:txPr/>
+    <dgm:style>
+      <a:lnRef idx="2">
+        <a:scrgbClr r="0" g="0" b="0"/>
+      </a:lnRef>
+      <a:fillRef idx="1">
+        <a:scrgbClr r="0" g="0" b="0"/>
+      </a:fillRef>
+      <a:effectRef idx="0">
+        <a:scrgbClr r="0" g="0" b="0"/>
+      </a:effectRef>
+      <a:fontRef idx="minor">
+        <a:schemeClr val="lt1"/>
+      </a:fontRef>
+    </dgm:style>
+  </dgm:styleLbl>
+  <dgm:styleLbl name="asst2">
+    <dgm:scene3d>
+      <a:camera prst="orthographicFront"/>
+      <a:lightRig rig="threePt" dir="t"/>
+    </dgm:scene3d>
+    <dgm:sp3d/>
+    <dgm:txPr/>
+    <dgm:style>
+      <a:lnRef idx="2">
+        <a:scrgbClr r="0" g="0" b="0"/>
+      </a:lnRef>
+      <a:fillRef idx="1">
+        <a:scrgbClr r="0" g="0" b="0"/>
+      </a:fillRef>
+      <a:effectRef idx="0">
+        <a:scrgbClr r="0" g="0" b="0"/>
+      </a:effectRef>
+      <a:fontRef idx="minor">
+        <a:schemeClr val="lt1"/>
+      </a:fontRef>
+    </dgm:style>
+  </dgm:styleLbl>
+  <dgm:styleLbl name="asst3">
+    <dgm:scene3d>
+      <a:camera prst="orthographicFront"/>
+      <a:lightRig rig="threePt" dir="t"/>
+    </dgm:scene3d>
+    <dgm:sp3d/>
+    <dgm:txPr/>
+    <dgm:style>
+      <a:lnRef idx="2">
+        <a:scrgbClr r="0" g="0" b="0"/>
+      </a:lnRef>
+      <a:fillRef idx="1">
+        <a:scrgbClr r="0" g="0" b="0"/>
+      </a:fillRef>
+      <a:effectRef idx="0">
+        <a:scrgbClr r="0" g="0" b="0"/>
+      </a:effectRef>
+      <a:fontRef idx="minor">
+        <a:schemeClr val="lt1"/>
+      </a:fontRef>
+    </dgm:style>
+  </dgm:styleLbl>
+  <dgm:styleLbl name="asst4">
+    <dgm:scene3d>
+      <a:camera prst="orthographicFront"/>
+      <a:lightRig rig="threePt" dir="t"/>
+    </dgm:scene3d>
+    <dgm:sp3d/>
+    <dgm:txPr/>
+    <dgm:style>
+      <a:lnRef idx="2">
+        <a:scrgbClr r="0" g="0" b="0"/>
+      </a:lnRef>
+      <a:fillRef idx="1">
+        <a:scrgbClr r="0" g="0" b="0"/>
+      </a:fillRef>
+      <a:effectRef idx="0">
+        <a:scrgbClr r="0" g="0" b="0"/>
+      </a:effectRef>
+      <a:fontRef idx="minor">
+        <a:schemeClr val="lt1"/>
+      </a:fontRef>
+    </dgm:style>
+  </dgm:styleLbl>
+  <dgm:styleLbl name="parChTrans2D1">
+    <dgm:scene3d>
+      <a:camera prst="orthographicFront"/>
+      <a:lightRig rig="threePt" dir="t"/>
+    </dgm:scene3d>
+    <dgm:sp3d/>
+    <dgm:txPr/>
+    <dgm:style>
+      <a:lnRef idx="2">
+        <a:scrgbClr r="0" g="0" b="0"/>
+      </a:lnRef>
+      <a:fillRef idx="1">
+        <a:scrgbClr r="0" g="0" b="0"/>
+      </a:fillRef>
+      <a:effectRef idx="0">
+        <a:scrgbClr r="0" g="0" b="0"/>
+      </a:effectRef>
+      <a:fontRef idx="minor">
+        <a:schemeClr val="lt1"/>
+      </a:fontRef>
+    </dgm:style>
+  </dgm:styleLbl>
+  <dgm:styleLbl name="parChTrans2D2">
+    <dgm:scene3d>
+      <a:camera prst="orthographicFront"/>
+      <a:lightRig rig="threePt" dir="t"/>
+    </dgm:scene3d>
+    <dgm:sp3d/>
+    <dgm:txPr/>
+    <dgm:style>
+      <a:lnRef idx="2">
+        <a:scrgbClr r="0" g="0" b="0"/>
+      </a:lnRef>
+      <a:fillRef idx="1">
+        <a:scrgbClr r="0" g="0" b="0"/>
+      </a:fillRef>
+      <a:effectRef idx="0">
+        <a:scrgbClr r="0" g="0" b="0"/>
+      </a:effectRef>
+      <a:fontRef idx="minor">
+        <a:schemeClr val="lt1"/>
+      </a:fontRef>
+    </dgm:style>
+  </dgm:styleLbl>
+  <dgm:styleLbl name="parChTrans2D3">
+    <dgm:scene3d>
+      <a:camera prst="orthographicFront"/>
+      <a:lightRig rig="threePt" dir="t"/>
+    </dgm:scene3d>
+    <dgm:sp3d/>
+    <dgm:txPr/>
+    <dgm:style>
+      <a:lnRef idx="2">
+        <a:scrgbClr r="0" g="0" b="0"/>
+      </a:lnRef>
+      <a:fillRef idx="1">
+        <a:scrgbClr r="0" g="0" b="0"/>
+      </a:fillRef>
+      <a:effectRef idx="0">
+        <a:scrgbClr r="0" g="0" b="0"/>
+      </a:effectRef>
+      <a:fontRef idx="minor">
+        <a:schemeClr val="lt1"/>
+      </a:fontRef>
+    </dgm:style>
+  </dgm:styleLbl>
+  <dgm:styleLbl name="parChTrans2D4">
+    <dgm:scene3d>
+      <a:camera prst="orthographicFront"/>
+      <a:lightRig rig="threePt" dir="t"/>
+    </dgm:scene3d>
+    <dgm:sp3d/>
+    <dgm:txPr/>
+    <dgm:style>
+      <a:lnRef idx="2">
+        <a:scrgbClr r="0" g="0" b="0"/>
+      </a:lnRef>
+      <a:fillRef idx="1">
+        <a:scrgbClr r="0" g="0" b="0"/>
+      </a:fillRef>
+      <a:effectRef idx="0">
+        <a:scrgbClr r="0" g="0" b="0"/>
+      </a:effectRef>
+      <a:fontRef idx="minor">
+        <a:schemeClr val="lt1"/>
+      </a:fontRef>
+    </dgm:style>
+  </dgm:styleLbl>
+  <dgm:styleLbl name="parChTrans1D1">
+    <dgm:scene3d>
+      <a:camera prst="orthographicFront"/>
+      <a:lightRig rig="threePt" dir="t"/>
+    </dgm:scene3d>
+    <dgm:sp3d/>
+    <dgm:txPr/>
+    <dgm:style>
+      <a:lnRef idx="2">
+        <a:scrgbClr r="0" g="0" b="0"/>
+      </a:lnRef>
+      <a:fillRef idx="0">
+        <a:scrgbClr r="0" g="0" b="0"/>
+      </a:fillRef>
+      <a:effectRef idx="0">
+        <a:scrgbClr r="0" g="0" b="0"/>
+      </a:effectRef>
+      <a:fontRef idx="minor"/>
+    </dgm:style>
+  </dgm:styleLbl>
+  <dgm:styleLbl name="parChTrans1D2">
+    <dgm:scene3d>
+      <a:camera prst="orthographicFront"/>
+      <a:lightRig rig="threePt" dir="t"/>
+    </dgm:scene3d>
+    <dgm:sp3d/>
+    <dgm:txPr/>
+    <dgm:style>
+      <a:lnRef idx="2">
+        <a:scrgbClr r="0" g="0" b="0"/>
+      </a:lnRef>
+      <a:fillRef idx="0">
+        <a:scrgbClr r="0" g="0" b="0"/>
+      </a:fillRef>
+      <a:effectRef idx="0">
+        <a:scrgbClr r="0" g="0" b="0"/>
+      </a:effectRef>
+      <a:fontRef idx="minor"/>
+    </dgm:style>
+  </dgm:styleLbl>
+  <dgm:styleLbl name="parChTrans1D3">
+    <dgm:scene3d>
+      <a:camera prst="orthographicFront"/>
+      <a:lightRig rig="threePt" dir="t"/>
+    </dgm:scene3d>
+    <dgm:sp3d/>
+    <dgm:txPr/>
+    <dgm:style>
+      <a:lnRef idx="2">
+        <a:scrgbClr r="0" g="0" b="0"/>
+      </a:lnRef>
+      <a:fillRef idx="0">
+        <a:scrgbClr r="0" g="0" b="0"/>
+      </a:fillRef>
+      <a:effectRef idx="0">
+        <a:scrgbClr r="0" g="0" b="0"/>
+      </a:effectRef>
+      <a:fontRef idx="minor"/>
+    </dgm:style>
+  </dgm:styleLbl>
+  <dgm:styleLbl name="parChTrans1D4">
+    <dgm:scene3d>
+      <a:camera prst="orthographicFront"/>
+      <a:lightRig rig="threePt" dir="t"/>
+    </dgm:scene3d>
+    <dgm:sp3d/>
+    <dgm:txPr/>
+    <dgm:style>
+      <a:lnRef idx="2">
+        <a:scrgbClr r="0" g="0" b="0"/>
+      </a:lnRef>
+      <a:fillRef idx="0">
+        <a:scrgbClr r="0" g="0" b="0"/>
+      </a:fillRef>
+      <a:effectRef idx="0">
+        <a:scrgbClr r="0" g="0" b="0"/>
+      </a:effectRef>
+      <a:fontRef idx="minor"/>
+    </dgm:style>
+  </dgm:styleLbl>
+  <dgm:styleLbl name="fgAcc1">
+    <dgm:scene3d>
+      <a:camera prst="orthographicFront"/>
+      <a:lightRig rig="threePt" dir="t"/>
+    </dgm:scene3d>
+    <dgm:sp3d/>
+    <dgm:txPr/>
+    <dgm:style>
+      <a:lnRef idx="2">
+        <a:scrgbClr r="0" g="0" b="0"/>
+      </a:lnRef>
+      <a:fillRef idx="1">
+        <a:scrgbClr r="0" g="0" b="0"/>
+      </a:fillRef>
+      <a:effectRef idx="0">
+        <a:scrgbClr r="0" g="0" b="0"/>
+      </a:effectRef>
+      <a:fontRef idx="minor"/>
+    </dgm:style>
+  </dgm:styleLbl>
+  <dgm:styleLbl name="conFgAcc1">
+    <dgm:scene3d>
+      <a:camera prst="orthographicFront"/>
+      <a:lightRig rig="threePt" dir="t"/>
+    </dgm:scene3d>
+    <dgm:sp3d/>
+    <dgm:txPr/>
+    <dgm:style>
+      <a:lnRef idx="2">
+        <a:scrgbClr r="0" g="0" b="0"/>
+      </a:lnRef>
+      <a:fillRef idx="1">
+        <a:scrgbClr r="0" g="0" b="0"/>
+      </a:fillRef>
+      <a:effectRef idx="0">
+        <a:scrgbClr r="0" g="0" b="0"/>
+      </a:effectRef>
+      <a:fontRef idx="minor"/>
+    </dgm:style>
+  </dgm:styleLbl>
+  <dgm:styleLbl name="alignAcc1">
+    <dgm:scene3d>
+      <a:camera prst="orthographicFront"/>
+      <a:lightRig rig="threePt" dir="t"/>
+    </dgm:scene3d>
+    <dgm:sp3d/>
+    <dgm:txPr/>
+    <dgm:style>
+      <a:lnRef idx="2">
+        <a:scrgbClr r="0" g="0" b="0"/>
+      </a:lnRef>
+      <a:fillRef idx="1">
+        <a:scrgbClr r="0" g="0" b="0"/>
+      </a:fillRef>
+      <a:effectRef idx="0">
+        <a:scrgbClr r="0" g="0" b="0"/>
+      </a:effectRef>
+      <a:fontRef idx="minor"/>
+    </dgm:style>
+  </dgm:styleLbl>
+  <dgm:styleLbl name="trAlignAcc1">
+    <dgm:scene3d>
+      <a:camera prst="orthographicFront"/>
+      <a:lightRig rig="threePt" dir="t"/>
+    </dgm:scene3d>
+    <dgm:sp3d/>
+    <dgm:txPr/>
+    <dgm:style>
+      <a:lnRef idx="1">
+        <a:scrgbClr r="0" g="0" b="0"/>
+      </a:lnRef>
+      <a:fillRef idx="1">
+        <a:scrgbClr r="0" g="0" b="0"/>
+      </a:fillRef>
+      <a:effectRef idx="0">
+        <a:scrgbClr r="0" g="0" b="0"/>
+      </a:effectRef>
+      <a:fontRef idx="minor"/>
+    </dgm:style>
+  </dgm:styleLbl>
+  <dgm:styleLbl name="bgAcc1">
+    <dgm:scene3d>
+      <a:camera prst="orthographicFront"/>
+      <a:lightRig rig="threePt" dir="t"/>
+    </dgm:scene3d>
+    <dgm:sp3d/>
+    <dgm:txPr/>
+    <dgm:style>
+      <a:lnRef idx="2">
+        <a:scrgbClr r="0" g="0" b="0"/>
+      </a:lnRef>
+      <a:fillRef idx="1">
+        <a:scrgbClr r="0" g="0" b="0"/>
+      </a:fillRef>
+      <a:effectRef idx="0">
+        <a:scrgbClr r="0" g="0" b="0"/>
+      </a:effectRef>
+      <a:fontRef idx="minor"/>
+    </dgm:style>
+  </dgm:styleLbl>
+  <dgm:styleLbl name="solidFgAcc1">
+    <dgm:scene3d>
+      <a:camera prst="orthographicFront"/>
+      <a:lightRig rig="threePt" dir="t"/>
+    </dgm:scene3d>
+    <dgm:sp3d/>
+    <dgm:txPr/>
+    <dgm:style>
+      <a:lnRef idx="2">
+        <a:scrgbClr r="0" g="0" b="0"/>
+      </a:lnRef>
+      <a:fillRef idx="1">
+        <a:scrgbClr r="0" g="0" b="0"/>
+      </a:fillRef>
+      <a:effectRef idx="0">
+        <a:scrgbClr r="0" g="0" b="0"/>
+      </a:effectRef>
+      <a:fontRef idx="minor"/>
+    </dgm:style>
+  </dgm:styleLbl>
+  <dgm:styleLbl name="solidAlignAcc1">
+    <dgm:scene3d>
+      <a:camera prst="orthographicFront"/>
+      <a:lightRig rig="threePt" dir="t"/>
+    </dgm:scene3d>
+    <dgm:sp3d/>
+    <dgm:txPr/>
+    <dgm:style>
+      <a:lnRef idx="2">
+        <a:scrgbClr r="0" g="0" b="0"/>
+      </a:lnRef>
+      <a:fillRef idx="1">
+        <a:scrgbClr r="0" g="0" b="0"/>
+      </a:fillRef>
+      <a:effectRef idx="0">
+        <a:scrgbClr r="0" g="0" b="0"/>
+      </a:effectRef>
+      <a:fontRef idx="minor"/>
+    </dgm:style>
+  </dgm:styleLbl>
+  <dgm:styleLbl name="solidBgAcc1">
+    <dgm:scene3d>
+      <a:camera prst="orthographicFront"/>
+      <a:lightRig rig="threePt" dir="t"/>
+    </dgm:scene3d>
+    <dgm:sp3d/>
+    <dgm:txPr/>
+    <dgm:style>
+      <a:lnRef idx="2">
+        <a:scrgbClr r="0" g="0" b="0"/>
+      </a:lnRef>
+      <a:fillRef idx="1">
+        <a:scrgbClr r="0" g="0" b="0"/>
+      </a:fillRef>
+      <a:effectRef idx="0">
+        <a:scrgbClr r="0" g="0" b="0"/>
+      </a:effectRef>
+      <a:fontRef idx="minor"/>
+    </dgm:style>
+  </dgm:styleLbl>
+  <dgm:styleLbl name="fgAccFollowNode1">
+    <dgm:scene3d>
+      <a:camera prst="orthographicFront"/>
+      <a:lightRig rig="threePt" dir="t"/>
+    </dgm:scene3d>
+    <dgm:sp3d/>
+    <dgm:txPr/>
+    <dgm:style>
+      <a:lnRef idx="2">
+        <a:scrgbClr r="0" g="0" b="0"/>
+      </a:lnRef>
+      <a:fillRef idx="1">
+        <a:scrgbClr r="0" g="0" b="0"/>
+      </a:fillRef>
+      <a:effectRef idx="0">
+        <a:scrgbClr r="0" g="0" b="0"/>
+      </a:effectRef>
+      <a:fontRef idx="minor"/>
+    </dgm:style>
+  </dgm:styleLbl>
+  <dgm:styleLbl name="alignAccFollowNode1">
+    <dgm:scene3d>
+      <a:camera prst="orthographicFront"/>
+      <a:lightRig rig="threePt" dir="t"/>
+    </dgm:scene3d>
+    <dgm:sp3d/>
+    <dgm:txPr/>
+    <dgm:style>
+      <a:lnRef idx="2">
+        <a:scrgbClr r="0" g="0" b="0"/>
+      </a:lnRef>
+      <a:fillRef idx="1">
+        <a:scrgbClr r="0" g="0" b="0"/>
+      </a:fillRef>
+      <a:effectRef idx="0">
+        <a:scrgbClr r="0" g="0" b="0"/>
+      </a:effectRef>
+      <a:fontRef idx="minor"/>
+    </dgm:style>
+  </dgm:styleLbl>
+  <dgm:styleLbl name="bgAccFollowNode1">
+    <dgm:scene3d>
+      <a:camera prst="orthographicFront"/>
+      <a:lightRig rig="threePt" dir="t"/>
+    </dgm:scene3d>
+    <dgm:sp3d/>
+    <dgm:txPr/>
+    <dgm:style>
+      <a:lnRef idx="2">
+        <a:scrgbClr r="0" g="0" b="0"/>
+      </a:lnRef>
+      <a:fillRef idx="1">
+        <a:scrgbClr r="0" g="0" b="0"/>
+      </a:fillRef>
+      <a:effectRef idx="0">
+        <a:scrgbClr r="0" g="0" b="0"/>
+      </a:effectRef>
+      <a:fontRef idx="minor"/>
+    </dgm:style>
+  </dgm:styleLbl>
+  <dgm:styleLbl name="fgAcc0">
+    <dgm:scene3d>
+      <a:camera prst="orthographicFront"/>
+      <a:lightRig rig="threePt" dir="t"/>
+    </dgm:scene3d>
+    <dgm:sp3d/>
+    <dgm:txPr/>
+    <dgm:style>
+      <a:lnRef idx="2">
+        <a:scrgbClr r="0" g="0" b="0"/>
+      </a:lnRef>
+      <a:fillRef idx="1">
+        <a:scrgbClr r="0" g="0" b="0"/>
+      </a:fillRef>
+      <a:effectRef idx="0">
+        <a:scrgbClr r="0" g="0" b="0"/>
+      </a:effectRef>
+      <a:fontRef idx="minor"/>
+    </dgm:style>
+  </dgm:styleLbl>
+  <dgm:styleLbl name="fgAcc2">
+    <dgm:scene3d>
+      <a:camera prst="orthographicFront"/>
+      <a:lightRig rig="threePt" dir="t"/>
+    </dgm:scene3d>
+    <dgm:sp3d/>
+    <dgm:txPr/>
+    <dgm:style>
+      <a:lnRef idx="2">
+        <a:scrgbClr r="0" g="0" b="0"/>
+      </a:lnRef>
+      <a:fillRef idx="1">
+        <a:scrgbClr r="0" g="0" b="0"/>
+      </a:fillRef>
+      <a:effectRef idx="0">
+        <a:scrgbClr r="0" g="0" b="0"/>
+      </a:effectRef>
+      <a:fontRef idx="minor"/>
+    </dgm:style>
+  </dgm:styleLbl>
+  <dgm:styleLbl name="fgAcc3">
+    <dgm:scene3d>
+      <a:camera prst="orthographicFront"/>
+      <a:lightRig rig="threePt" dir="t"/>
+    </dgm:scene3d>
+    <dgm:sp3d/>
+    <dgm:txPr/>
+    <dgm:style>
+      <a:lnRef idx="2">
+        <a:scrgbClr r="0" g="0" b="0"/>
+      </a:lnRef>
+      <a:fillRef idx="1">
+        <a:scrgbClr r="0" g="0" b="0"/>
+      </a:fillRef>
+      <a:effectRef idx="0">
+        <a:scrgbClr r="0" g="0" b="0"/>
+      </a:effectRef>
+      <a:fontRef idx="minor"/>
+    </dgm:style>
+  </dgm:styleLbl>
+  <dgm:styleLbl name="fgAcc4">
+    <dgm:scene3d>
+      <a:camera prst="orthographicFront"/>
+      <a:lightRig rig="threePt" dir="t"/>
+    </dgm:scene3d>
+    <dgm:sp3d/>
+    <dgm:txPr/>
+    <dgm:style>
+      <a:lnRef idx="2">
+        <a:scrgbClr r="0" g="0" b="0"/>
+      </a:lnRef>
+      <a:fillRef idx="1">
+        <a:scrgbClr r="0" g="0" b="0"/>
+      </a:fillRef>
+      <a:effectRef idx="0">
+        <a:scrgbClr r="0" g="0" b="0"/>
+      </a:effectRef>
+      <a:fontRef idx="minor"/>
+    </dgm:style>
+  </dgm:styleLbl>
+  <dgm:styleLbl name="bgShp">
+    <dgm:scene3d>
+      <a:camera prst="orthographicFront"/>
+      <a:lightRig rig="threePt" dir="t"/>
+    </dgm:scene3d>
+    <dgm:sp3d/>
+    <dgm:txPr/>
+    <dgm:style>
+      <a:lnRef idx="0">
+        <a:scrgbClr r="0" g="0" b="0"/>
+      </a:lnRef>
+      <a:fillRef idx="1">
+        <a:scrgbClr r="0" g="0" b="0"/>
+      </a:fillRef>
+      <a:effectRef idx="0">
+        <a:scrgbClr r="0" g="0" b="0"/>
+      </a:effectRef>
+      <a:fontRef idx="minor"/>
+    </dgm:style>
+  </dgm:styleLbl>
+  <dgm:styleLbl name="dkBgShp">
+    <dgm:scene3d>
+      <a:camera prst="orthographicFront"/>
+      <a:lightRig rig="threePt" dir="t"/>
+    </dgm:scene3d>
+    <dgm:sp3d/>
+    <dgm:txPr/>
+    <dgm:style>
+      <a:lnRef idx="0">
+        <a:scrgbClr r="0" g="0" b="0"/>
+      </a:lnRef>
+      <a:fillRef idx="1">
+        <a:scrgbClr r="0" g="0" b="0"/>
+      </a:fillRef>
+      <a:effectRef idx="0">
+        <a:scrgbClr r="0" g="0" b="0"/>
+      </a:effectRef>
+      <a:fontRef idx="minor"/>
+    </dgm:style>
+  </dgm:styleLbl>
+  <dgm:styleLbl name="trBgShp">
+    <dgm:scene3d>
+      <a:camera prst="orthographicFront"/>
+      <a:lightRig rig="threePt" dir="t"/>
+    </dgm:scene3d>
+    <dgm:sp3d/>
+    <dgm:txPr/>
+    <dgm:style>
+      <a:lnRef idx="0">
+        <a:scrgbClr r="0" g="0" b="0"/>
+      </a:lnRef>
+      <a:fillRef idx="1">
+        <a:scrgbClr r="0" g="0" b="0"/>
+      </a:fillRef>
+      <a:effectRef idx="0">
+        <a:scrgbClr r="0" g="0" b="0"/>
+      </a:effectRef>
+      <a:fontRef idx="minor"/>
+    </dgm:style>
+  </dgm:styleLbl>
+  <dgm:styleLbl name="fgShp">
+    <dgm:scene3d>
+      <a:camera prst="orthographicFront"/>
+      <a:lightRig rig="threePt" dir="t"/>
+    </dgm:scene3d>
+    <dgm:sp3d/>
+    <dgm:txPr/>
+    <dgm:style>
+      <a:lnRef idx="2">
+        <a:scrgbClr r="0" g="0" b="0"/>
+      </a:lnRef>
+      <a:fillRef idx="1">
+        <a:scrgbClr r="0" g="0" b="0"/>
+      </a:fillRef>
+      <a:effectRef idx="0">
+        <a:scrgbClr r="0" g="0" b="0"/>
+      </a:effectRef>
+      <a:fontRef idx="minor"/>
+    </dgm:style>
+  </dgm:styleLbl>
+  <dgm:styleLbl name="revTx">
+    <dgm:scene3d>
+      <a:camera prst="orthographicFront"/>
+      <a:lightRig rig="threePt" dir="t"/>
+    </dgm:scene3d>
+    <dgm:sp3d/>
+    <dgm:txPr/>
+    <dgm:style>
+      <a:lnRef idx="0">
+        <a:scrgbClr r="0" g="0" b="0"/>
+      </a:lnRef>
+      <a:fillRef idx="0">
+        <a:scrgbClr r="0" g="0" b="0"/>
+      </a:fillRef>
+      <a:effectRef idx="0">
+        <a:scrgbClr r="0" g="0" b="0"/>
+      </a:effectRef>
+      <a:fontRef idx="minor"/>
+    </dgm:style>
+  </dgm:styleLbl>
+</dgm:styleDef>
 </file>
 
 <file path=ppt/slideLayouts/slideLayout1.xml><?xml version="1.0" encoding="utf-8"?>
@@ -5413,6 +7981,750 @@
 </p:sld>
 </file>
 
+<file path=ppt/slides/slide10.xml><?xml version="1.0" encoding="utf-8"?>
+<p:sld xmlns:a="http://schemas.openxmlformats.org/drawingml/2006/main" xmlns:r="http://schemas.openxmlformats.org/officeDocument/2006/relationships" xmlns:p="http://schemas.openxmlformats.org/presentationml/2006/main">
+  <p:cSld>
+    <p:bg>
+      <p:bgPr>
+        <a:solidFill>
+          <a:schemeClr val="bg1"/>
+        </a:solidFill>
+        <a:effectLst/>
+      </p:bgPr>
+    </p:bg>
+    <p:spTree>
+      <p:nvGrpSpPr>
+        <p:cNvPr id="1" name=""/>
+        <p:cNvGrpSpPr/>
+        <p:nvPr/>
+      </p:nvGrpSpPr>
+      <p:grpSpPr>
+        <a:xfrm>
+          <a:off x="0" y="0"/>
+          <a:ext cx="0" cy="0"/>
+          <a:chOff x="0" y="0"/>
+          <a:chExt cx="0" cy="0"/>
+        </a:xfrm>
+      </p:grpSpPr>
+      <p:sp>
+        <p:nvSpPr>
+          <p:cNvPr id="11" name="Freeform 6">
+            <a:extLst>
+              <a:ext uri="{FF2B5EF4-FFF2-40B4-BE49-F238E27FC236}">
+                <a16:creationId xmlns:a16="http://schemas.microsoft.com/office/drawing/2014/main" id="{53576798-7F98-4C7F-B6C7-6D41B5A7E927}"/>
+              </a:ext>
+              <a:ext uri="{C183D7F6-B498-43B3-948B-1728B52AA6E4}">
+                <adec:decorative xmlns:adec="http://schemas.microsoft.com/office/drawing/2017/decorative" val="1"/>
+              </a:ext>
+            </a:extLst>
+          </p:cNvPr>
+          <p:cNvSpPr>
+            <a:spLocks noGrp="1" noRot="1" noChangeAspect="1" noMove="1" noResize="1" noEditPoints="1" noAdjustHandles="1" noChangeArrowheads="1" noChangeShapeType="1" noTextEdit="1"/>
+          </p:cNvSpPr>
+          <p:nvPr>
+            <p:extLst>
+              <p:ext uri="{386F3935-93C4-4BCD-93E2-E3B085C9AB24}">
+                <p16:designElem xmlns:p16="http://schemas.microsoft.com/office/powerpoint/2015/main" val="1"/>
+              </p:ext>
+            </p:extLst>
+          </p:nvPr>
+        </p:nvSpPr>
+        <p:spPr bwMode="auto">
+          <a:xfrm>
+            <a:off x="0" y="0"/>
+            <a:ext cx="12192000" cy="2185988"/>
+          </a:xfrm>
+          <a:custGeom>
+            <a:avLst/>
+            <a:gdLst/>
+            <a:ahLst/>
+            <a:cxnLst/>
+            <a:rect l="0" t="0" r="r" b="b"/>
+            <a:pathLst>
+              <a:path w="5760" h="1377">
+                <a:moveTo>
+                  <a:pt x="5760" y="0"/>
+                </a:moveTo>
+                <a:lnTo>
+                  <a:pt x="0" y="0"/>
+                </a:lnTo>
+                <a:lnTo>
+                  <a:pt x="0" y="1189"/>
+                </a:lnTo>
+                <a:lnTo>
+                  <a:pt x="943" y="1189"/>
+                </a:lnTo>
+                <a:lnTo>
+                  <a:pt x="1123" y="1369"/>
+                </a:lnTo>
+                <a:lnTo>
+                  <a:pt x="1123" y="1369"/>
+                </a:lnTo>
+                <a:lnTo>
+                  <a:pt x="1127" y="1371"/>
+                </a:lnTo>
+                <a:lnTo>
+                  <a:pt x="1133" y="1374"/>
+                </a:lnTo>
+                <a:lnTo>
+                  <a:pt x="1139" y="1377"/>
+                </a:lnTo>
+                <a:lnTo>
+                  <a:pt x="1144" y="1377"/>
+                </a:lnTo>
+                <a:lnTo>
+                  <a:pt x="1150" y="1377"/>
+                </a:lnTo>
+                <a:lnTo>
+                  <a:pt x="1155" y="1374"/>
+                </a:lnTo>
+                <a:lnTo>
+                  <a:pt x="1161" y="1371"/>
+                </a:lnTo>
+                <a:lnTo>
+                  <a:pt x="1165" y="1369"/>
+                </a:lnTo>
+                <a:lnTo>
+                  <a:pt x="1345" y="1189"/>
+                </a:lnTo>
+                <a:lnTo>
+                  <a:pt x="5760" y="1189"/>
+                </a:lnTo>
+                <a:lnTo>
+                  <a:pt x="5760" y="0"/>
+                </a:lnTo>
+                <a:close/>
+              </a:path>
+            </a:pathLst>
+          </a:custGeom>
+          <a:ln/>
+          <a:extLst>
+            <a:ext uri="{91240B29-F687-4f45-9708-019B960494DF}">
+              <a14:hiddenLine xmlns="" xmlns:a16="http://schemas.microsoft.com/office/drawing/2014/main" xmlns:p14="http://schemas.microsoft.com/office/powerpoint/2010/main" xmlns:a14="http://schemas.microsoft.com/office/drawing/2010/main" w="9525">
+                <a:solidFill>
+                  <a:srgbClr val="000000"/>
+                </a:solidFill>
+                <a:round/>
+                <a:headEnd/>
+                <a:tailEnd/>
+              </a14:hiddenLine>
+            </a:ext>
+          </a:extLst>
+        </p:spPr>
+        <p:style>
+          <a:lnRef idx="1">
+            <a:schemeClr val="accent1"/>
+          </a:lnRef>
+          <a:fillRef idx="3">
+            <a:schemeClr val="accent1"/>
+          </a:fillRef>
+          <a:effectRef idx="2">
+            <a:schemeClr val="accent1"/>
+          </a:effectRef>
+          <a:fontRef idx="minor">
+            <a:schemeClr val="lt1"/>
+          </a:fontRef>
+        </p:style>
+      </p:sp>
+      <p:sp>
+        <p:nvSpPr>
+          <p:cNvPr id="13" name="Rectangle 12">
+            <a:extLst>
+              <a:ext uri="{FF2B5EF4-FFF2-40B4-BE49-F238E27FC236}">
+                <a16:creationId xmlns:a16="http://schemas.microsoft.com/office/drawing/2014/main" id="{9D336D4B-F9C3-4167-9191-8DA896C803E6}"/>
+              </a:ext>
+              <a:ext uri="{C183D7F6-B498-43B3-948B-1728B52AA6E4}">
+                <adec:decorative xmlns:adec="http://schemas.microsoft.com/office/drawing/2017/decorative" val="1"/>
+              </a:ext>
+            </a:extLst>
+          </p:cNvPr>
+          <p:cNvSpPr>
+            <a:spLocks noGrp="1" noRot="1" noChangeAspect="1" noMove="1" noResize="1" noEditPoints="1" noAdjustHandles="1" noChangeArrowheads="1" noChangeShapeType="1" noTextEdit="1"/>
+          </p:cNvSpPr>
+          <p:nvPr>
+            <p:extLst>
+              <p:ext uri="{386F3935-93C4-4BCD-93E2-E3B085C9AB24}">
+                <p16:designElem xmlns:p16="http://schemas.microsoft.com/office/powerpoint/2015/main" val="1"/>
+              </p:ext>
+            </p:extLst>
+          </p:nvPr>
+        </p:nvSpPr>
+        <p:spPr>
+          <a:xfrm>
+            <a:off x="0" y="0"/>
+            <a:ext cx="12192000" cy="6858000"/>
+          </a:xfrm>
+          <a:prstGeom prst="rect">
+            <a:avLst/>
+          </a:prstGeom>
+          <a:solidFill>
+            <a:schemeClr val="bg1"/>
+          </a:solidFill>
+          <a:ln>
+            <a:noFill/>
+          </a:ln>
+        </p:spPr>
+        <p:style>
+          <a:lnRef idx="2">
+            <a:schemeClr val="accent1">
+              <a:shade val="50000"/>
+            </a:schemeClr>
+          </a:lnRef>
+          <a:fillRef idx="1">
+            <a:schemeClr val="accent1"/>
+          </a:fillRef>
+          <a:effectRef idx="0">
+            <a:schemeClr val="accent1"/>
+          </a:effectRef>
+          <a:fontRef idx="minor">
+            <a:schemeClr val="lt1"/>
+          </a:fontRef>
+        </p:style>
+        <p:txBody>
+          <a:bodyPr rtlCol="0" anchor="ctr"/>
+          <a:lstStyle/>
+          <a:p>
+            <a:pPr algn="ctr"/>
+            <a:endParaRPr lang="en-US"/>
+          </a:p>
+        </p:txBody>
+      </p:sp>
+      <p:sp>
+        <p:nvSpPr>
+          <p:cNvPr id="15" name="Freeform 6">
+            <a:extLst>
+              <a:ext uri="{FF2B5EF4-FFF2-40B4-BE49-F238E27FC236}">
+                <a16:creationId xmlns:a16="http://schemas.microsoft.com/office/drawing/2014/main" id="{069BF0B4-2BF1-40F2-8D8E-9CFCED97D981}"/>
+              </a:ext>
+              <a:ext uri="{C183D7F6-B498-43B3-948B-1728B52AA6E4}">
+                <adec:decorative xmlns:adec="http://schemas.microsoft.com/office/drawing/2017/decorative" val="1"/>
+              </a:ext>
+            </a:extLst>
+          </p:cNvPr>
+          <p:cNvSpPr>
+            <a:spLocks noGrp="1" noRot="1" noChangeAspect="1" noMove="1" noResize="1" noEditPoints="1" noAdjustHandles="1" noChangeArrowheads="1" noChangeShapeType="1" noTextEdit="1"/>
+          </p:cNvSpPr>
+          <p:nvPr>
+            <p:extLst>
+              <p:ext uri="{386F3935-93C4-4BCD-93E2-E3B085C9AB24}">
+                <p16:designElem xmlns:p16="http://schemas.microsoft.com/office/powerpoint/2015/main" val="1"/>
+              </p:ext>
+            </p:extLst>
+          </p:nvPr>
+        </p:nvSpPr>
+        <p:spPr bwMode="auto">
+          <a:xfrm flipV="1">
+            <a:off x="0" y="4672012"/>
+            <a:ext cx="12192000" cy="2185988"/>
+          </a:xfrm>
+          <a:custGeom>
+            <a:avLst/>
+            <a:gdLst/>
+            <a:ahLst/>
+            <a:cxnLst/>
+            <a:rect l="0" t="0" r="r" b="b"/>
+            <a:pathLst>
+              <a:path w="5760" h="1377">
+                <a:moveTo>
+                  <a:pt x="5760" y="0"/>
+                </a:moveTo>
+                <a:lnTo>
+                  <a:pt x="0" y="0"/>
+                </a:lnTo>
+                <a:lnTo>
+                  <a:pt x="0" y="1189"/>
+                </a:lnTo>
+                <a:lnTo>
+                  <a:pt x="943" y="1189"/>
+                </a:lnTo>
+                <a:lnTo>
+                  <a:pt x="1123" y="1369"/>
+                </a:lnTo>
+                <a:lnTo>
+                  <a:pt x="1123" y="1369"/>
+                </a:lnTo>
+                <a:lnTo>
+                  <a:pt x="1127" y="1371"/>
+                </a:lnTo>
+                <a:lnTo>
+                  <a:pt x="1133" y="1374"/>
+                </a:lnTo>
+                <a:lnTo>
+                  <a:pt x="1139" y="1377"/>
+                </a:lnTo>
+                <a:lnTo>
+                  <a:pt x="1144" y="1377"/>
+                </a:lnTo>
+                <a:lnTo>
+                  <a:pt x="1150" y="1377"/>
+                </a:lnTo>
+                <a:lnTo>
+                  <a:pt x="1155" y="1374"/>
+                </a:lnTo>
+                <a:lnTo>
+                  <a:pt x="1161" y="1371"/>
+                </a:lnTo>
+                <a:lnTo>
+                  <a:pt x="1165" y="1369"/>
+                </a:lnTo>
+                <a:lnTo>
+                  <a:pt x="1345" y="1189"/>
+                </a:lnTo>
+                <a:lnTo>
+                  <a:pt x="5760" y="1189"/>
+                </a:lnTo>
+                <a:lnTo>
+                  <a:pt x="5760" y="0"/>
+                </a:lnTo>
+                <a:close/>
+              </a:path>
+            </a:pathLst>
+          </a:custGeom>
+          <a:solidFill>
+            <a:srgbClr val="212121"/>
+          </a:solidFill>
+          <a:ln>
+            <a:noFill/>
+          </a:ln>
+          <a:extLst>
+            <a:ext uri="{91240B29-F687-4f45-9708-019B960494DF}">
+              <a14:hiddenLine xmlns="" xmlns:a16="http://schemas.microsoft.com/office/drawing/2014/main" xmlns:p14="http://schemas.microsoft.com/office/powerpoint/2010/main" xmlns:a14="http://schemas.microsoft.com/office/drawing/2010/main" w="9525">
+                <a:solidFill>
+                  <a:srgbClr val="000000"/>
+                </a:solidFill>
+                <a:round/>
+                <a:headEnd/>
+                <a:tailEnd/>
+              </a14:hiddenLine>
+            </a:ext>
+          </a:extLst>
+        </p:spPr>
+        <p:style>
+          <a:lnRef idx="1">
+            <a:schemeClr val="accent1"/>
+          </a:lnRef>
+          <a:fillRef idx="3">
+            <a:schemeClr val="accent1"/>
+          </a:fillRef>
+          <a:effectRef idx="2">
+            <a:schemeClr val="accent1"/>
+          </a:effectRef>
+          <a:fontRef idx="minor">
+            <a:schemeClr val="lt1"/>
+          </a:fontRef>
+        </p:style>
+      </p:sp>
+      <p:sp>
+        <p:nvSpPr>
+          <p:cNvPr id="2" name="Title 1">
+            <a:extLst>
+              <a:ext uri="{FF2B5EF4-FFF2-40B4-BE49-F238E27FC236}">
+                <a16:creationId xmlns:a16="http://schemas.microsoft.com/office/drawing/2014/main" id="{E3FD0E7C-CCC1-CF47-AA28-7A2F6F96027C}"/>
+              </a:ext>
+            </a:extLst>
+          </p:cNvPr>
+          <p:cNvSpPr>
+            <a:spLocks noGrp="1"/>
+          </p:cNvSpPr>
+          <p:nvPr>
+            <p:ph type="title"/>
+          </p:nvPr>
+        </p:nvSpPr>
+        <p:spPr>
+          <a:xfrm>
+            <a:off x="451513" y="5176569"/>
+            <a:ext cx="4589009" cy="970450"/>
+          </a:xfrm>
+        </p:spPr>
+        <p:txBody>
+          <a:bodyPr vert="horz" lIns="91440" tIns="45720" rIns="91440" bIns="45720" rtlCol="0" anchor="ctr">
+            <a:normAutofit/>
+          </a:bodyPr>
+          <a:lstStyle/>
+          <a:p>
+            <a:r>
+              <a:rPr lang="en-US" sz="2400" dirty="0"/>
+              <a:t>2.1 </a:t>
+            </a:r>
+            <a:r>
+              <a:rPr lang="en-US" sz="2400" dirty="0" err="1"/>
+              <a:t>Création</a:t>
+            </a:r>
+            <a:r>
+              <a:rPr lang="en-US" sz="2400" dirty="0"/>
+              <a:t> d’un Makefile</a:t>
+            </a:r>
+          </a:p>
+        </p:txBody>
+      </p:sp>
+      <p:pic>
+        <p:nvPicPr>
+          <p:cNvPr id="6" name="Content Placeholder 5">
+            <a:extLst>
+              <a:ext uri="{FF2B5EF4-FFF2-40B4-BE49-F238E27FC236}">
+                <a16:creationId xmlns:a16="http://schemas.microsoft.com/office/drawing/2014/main" id="{0E9FA3CC-1C80-2249-8E52-BA2079436D1A}"/>
+              </a:ext>
+            </a:extLst>
+          </p:cNvPr>
+          <p:cNvPicPr>
+            <a:picLocks noGrp="1" noChangeAspect="1"/>
+          </p:cNvPicPr>
+          <p:nvPr>
+            <p:ph sz="half" idx="2"/>
+          </p:nvPr>
+        </p:nvPicPr>
+        <p:blipFill>
+          <a:blip r:embed="rId2"/>
+          <a:stretch>
+            <a:fillRect/>
+          </a:stretch>
+        </p:blipFill>
+        <p:spPr>
+          <a:xfrm>
+            <a:off x="514351" y="514350"/>
+            <a:ext cx="8275668" cy="3930942"/>
+          </a:xfrm>
+          <a:prstGeom prst="roundRect">
+            <a:avLst>
+              <a:gd name="adj" fmla="val 3876"/>
+            </a:avLst>
+          </a:prstGeom>
+          <a:ln>
+            <a:solidFill>
+              <a:schemeClr val="accent1"/>
+            </a:solidFill>
+          </a:ln>
+          <a:effectLst/>
+        </p:spPr>
+      </p:pic>
+      <p:sp>
+        <p:nvSpPr>
+          <p:cNvPr id="3" name="Content Placeholder 2">
+            <a:extLst>
+              <a:ext uri="{FF2B5EF4-FFF2-40B4-BE49-F238E27FC236}">
+                <a16:creationId xmlns:a16="http://schemas.microsoft.com/office/drawing/2014/main" id="{CF9C774A-8CD0-CD43-84BF-EE9EE6843A1D}"/>
+              </a:ext>
+            </a:extLst>
+          </p:cNvPr>
+          <p:cNvSpPr>
+            <a:spLocks noGrp="1"/>
+          </p:cNvSpPr>
+          <p:nvPr>
+            <p:ph sz="half" idx="1"/>
+          </p:nvPr>
+        </p:nvSpPr>
+        <p:spPr>
+          <a:xfrm>
+            <a:off x="5344886" y="5176569"/>
+            <a:ext cx="6028400" cy="970450"/>
+          </a:xfrm>
+        </p:spPr>
+        <p:txBody>
+          <a:bodyPr vert="horz" lIns="91440" tIns="45720" rIns="91440" bIns="45720" rtlCol="0" anchor="ctr">
+            <a:normAutofit fontScale="77500" lnSpcReduction="20000"/>
+          </a:bodyPr>
+          <a:lstStyle/>
+          <a:p>
+            <a:r>
+              <a:rPr lang="en-US" sz="1600" dirty="0" err="1">
+                <a:solidFill>
+                  <a:srgbClr val="FEFEFE"/>
+                </a:solidFill>
+              </a:rPr>
+              <a:t>Utilisation</a:t>
+            </a:r>
+            <a:r>
+              <a:rPr lang="en-US" sz="1600" dirty="0">
+                <a:solidFill>
+                  <a:srgbClr val="FEFEFE"/>
+                </a:solidFill>
+              </a:rPr>
+              <a:t> des options de compilation -</a:t>
+            </a:r>
+            <a:r>
+              <a:rPr lang="en-US" sz="1600" dirty="0" err="1">
+                <a:solidFill>
+                  <a:srgbClr val="FEFEFE"/>
+                </a:solidFill>
+              </a:rPr>
+              <a:t>stc</a:t>
+            </a:r>
+            <a:r>
+              <a:rPr lang="en-US" sz="1600" dirty="0">
+                <a:solidFill>
+                  <a:srgbClr val="FEFEFE"/>
+                </a:solidFill>
+              </a:rPr>
+              <a:t>=c++11 et –lncurses.</a:t>
+            </a:r>
+          </a:p>
+          <a:p>
+            <a:r>
+              <a:rPr lang="en-US" sz="1600" dirty="0">
+                <a:solidFill>
+                  <a:srgbClr val="FEFEFE"/>
+                </a:solidFill>
+              </a:rPr>
+              <a:t>Un petit Makefile </a:t>
+            </a:r>
+            <a:r>
+              <a:rPr lang="en-US" sz="1600" dirty="0" err="1">
+                <a:solidFill>
+                  <a:srgbClr val="FEFEFE"/>
+                </a:solidFill>
+              </a:rPr>
+              <a:t>adapté</a:t>
+            </a:r>
+            <a:r>
+              <a:rPr lang="en-US" sz="1600" dirty="0">
+                <a:solidFill>
+                  <a:srgbClr val="FEFEFE"/>
+                </a:solidFill>
+              </a:rPr>
+              <a:t> </a:t>
+            </a:r>
+            <a:r>
+              <a:rPr lang="en-US" sz="1600" dirty="0" err="1">
+                <a:solidFill>
+                  <a:srgbClr val="FEFEFE"/>
+                </a:solidFill>
+              </a:rPr>
+              <a:t>uniquement</a:t>
+            </a:r>
+            <a:r>
+              <a:rPr lang="en-US" sz="1600" dirty="0">
+                <a:solidFill>
+                  <a:srgbClr val="FEFEFE"/>
+                </a:solidFill>
+              </a:rPr>
+              <a:t> au </a:t>
+            </a:r>
+            <a:r>
+              <a:rPr lang="en-US" sz="1600" dirty="0" err="1">
+                <a:solidFill>
+                  <a:srgbClr val="FEFEFE"/>
+                </a:solidFill>
+              </a:rPr>
+              <a:t>programme</a:t>
+            </a:r>
+            <a:r>
+              <a:rPr lang="en-US" sz="1600" dirty="0">
+                <a:solidFill>
+                  <a:srgbClr val="FEFEFE"/>
+                </a:solidFill>
+              </a:rPr>
+              <a:t> </a:t>
+            </a:r>
+          </a:p>
+          <a:p>
+            <a:r>
+              <a:rPr lang="en-US" sz="1600" dirty="0" err="1">
+                <a:solidFill>
+                  <a:srgbClr val="FEFEFE"/>
+                </a:solidFill>
+              </a:rPr>
+              <a:t>Ajout</a:t>
+            </a:r>
+            <a:r>
+              <a:rPr lang="en-US" sz="1600" dirty="0">
+                <a:solidFill>
+                  <a:srgbClr val="FEFEFE"/>
+                </a:solidFill>
+              </a:rPr>
+              <a:t> </a:t>
+            </a:r>
+            <a:r>
+              <a:rPr lang="en-US" sz="1600" dirty="0" err="1">
+                <a:solidFill>
+                  <a:srgbClr val="FEFEFE"/>
+                </a:solidFill>
+              </a:rPr>
+              <a:t>d’une</a:t>
+            </a:r>
+            <a:r>
+              <a:rPr lang="en-US" sz="1600" dirty="0">
+                <a:solidFill>
+                  <a:srgbClr val="FEFEFE"/>
+                </a:solidFill>
+              </a:rPr>
+              <a:t> option pour </a:t>
+            </a:r>
+            <a:r>
+              <a:rPr lang="en-US" sz="1600" dirty="0" err="1">
+                <a:solidFill>
+                  <a:srgbClr val="FEFEFE"/>
+                </a:solidFill>
+              </a:rPr>
+              <a:t>supprimer</a:t>
+            </a:r>
+            <a:r>
+              <a:rPr lang="en-US" sz="1600" dirty="0">
+                <a:solidFill>
+                  <a:srgbClr val="FEFEFE"/>
+                </a:solidFill>
+              </a:rPr>
+              <a:t> les </a:t>
+            </a:r>
+            <a:r>
+              <a:rPr lang="en-US" sz="1600" dirty="0" err="1">
+                <a:solidFill>
+                  <a:srgbClr val="FEFEFE"/>
+                </a:solidFill>
+              </a:rPr>
+              <a:t>fichiers</a:t>
+            </a:r>
+            <a:r>
+              <a:rPr lang="en-US" sz="1600" dirty="0">
+                <a:solidFill>
+                  <a:srgbClr val="FEFEFE"/>
+                </a:solidFill>
+              </a:rPr>
+              <a:t> </a:t>
+            </a:r>
+            <a:r>
+              <a:rPr lang="en-US" sz="1600" dirty="0" err="1">
+                <a:solidFill>
+                  <a:srgbClr val="FEFEFE"/>
+                </a:solidFill>
+              </a:rPr>
+              <a:t>créés</a:t>
+            </a:r>
+            <a:r>
+              <a:rPr lang="en-US" sz="1600" dirty="0">
+                <a:solidFill>
+                  <a:srgbClr val="FEFEFE"/>
+                </a:solidFill>
+              </a:rPr>
+              <a:t> après compilation.</a:t>
+            </a:r>
+          </a:p>
+        </p:txBody>
+      </p:sp>
+    </p:spTree>
+    <p:extLst>
+      <p:ext uri="{BB962C8B-B14F-4D97-AF65-F5344CB8AC3E}">
+        <p14:creationId xmlns:p14="http://schemas.microsoft.com/office/powerpoint/2010/main" val="567941545"/>
+      </p:ext>
+    </p:extLst>
+  </p:cSld>
+  <p:clrMapOvr>
+    <a:overrideClrMapping bg1="lt1" tx1="dk1" bg2="lt2" tx2="dk2" accent1="accent1" accent2="accent2" accent3="accent3" accent4="accent4" accent5="accent5" accent6="accent6" hlink="hlink" folHlink="folHlink"/>
+  </p:clrMapOvr>
+</p:sld>
+</file>
+
+<file path=ppt/slides/slide11.xml><?xml version="1.0" encoding="utf-8"?>
+<p:sld xmlns:a="http://schemas.openxmlformats.org/drawingml/2006/main" xmlns:r="http://schemas.openxmlformats.org/officeDocument/2006/relationships" xmlns:p="http://schemas.openxmlformats.org/presentationml/2006/main">
+  <p:cSld>
+    <p:spTree>
+      <p:nvGrpSpPr>
+        <p:cNvPr id="1" name=""/>
+        <p:cNvGrpSpPr/>
+        <p:nvPr/>
+      </p:nvGrpSpPr>
+      <p:grpSpPr>
+        <a:xfrm>
+          <a:off x="0" y="0"/>
+          <a:ext cx="0" cy="0"/>
+          <a:chOff x="0" y="0"/>
+          <a:chExt cx="0" cy="0"/>
+        </a:xfrm>
+      </p:grpSpPr>
+      <p:sp>
+        <p:nvSpPr>
+          <p:cNvPr id="2" name="Title 1">
+            <a:extLst>
+              <a:ext uri="{FF2B5EF4-FFF2-40B4-BE49-F238E27FC236}">
+                <a16:creationId xmlns:a16="http://schemas.microsoft.com/office/drawing/2014/main" id="{311D1067-5A3C-8745-95A2-EA3D41B60D8E}"/>
+              </a:ext>
+            </a:extLst>
+          </p:cNvPr>
+          <p:cNvSpPr>
+            <a:spLocks noGrp="1"/>
+          </p:cNvSpPr>
+          <p:nvPr>
+            <p:ph type="title"/>
+          </p:nvPr>
+        </p:nvSpPr>
+        <p:spPr/>
+        <p:txBody>
+          <a:bodyPr/>
+          <a:lstStyle/>
+          <a:p>
+            <a:r>
+              <a:rPr lang="fr-FR"/>
+              <a:t>2.2 Utilisation d’un </a:t>
+            </a:r>
+            <a:r>
+              <a:rPr lang="fr-FR" dirty="0"/>
+              <a:t>gestionnaire de version</a:t>
+            </a:r>
+          </a:p>
+        </p:txBody>
+      </p:sp>
+      <p:sp>
+        <p:nvSpPr>
+          <p:cNvPr id="3" name="Content Placeholder 2">
+            <a:extLst>
+              <a:ext uri="{FF2B5EF4-FFF2-40B4-BE49-F238E27FC236}">
+                <a16:creationId xmlns:a16="http://schemas.microsoft.com/office/drawing/2014/main" id="{381A6A0A-7DEE-3A44-83C7-FE6CBC6464F3}"/>
+              </a:ext>
+            </a:extLst>
+          </p:cNvPr>
+          <p:cNvSpPr>
+            <a:spLocks noGrp="1"/>
+          </p:cNvSpPr>
+          <p:nvPr>
+            <p:ph sz="half" idx="1"/>
+          </p:nvPr>
+        </p:nvSpPr>
+        <p:spPr/>
+        <p:txBody>
+          <a:bodyPr/>
+          <a:lstStyle/>
+          <a:p>
+            <a:endParaRPr lang="fr-FR"/>
+          </a:p>
+        </p:txBody>
+      </p:sp>
+      <p:sp>
+        <p:nvSpPr>
+          <p:cNvPr id="4" name="Content Placeholder 3">
+            <a:extLst>
+              <a:ext uri="{FF2B5EF4-FFF2-40B4-BE49-F238E27FC236}">
+                <a16:creationId xmlns:a16="http://schemas.microsoft.com/office/drawing/2014/main" id="{10F52C65-A59A-E743-AF27-0E26146191FC}"/>
+              </a:ext>
+            </a:extLst>
+          </p:cNvPr>
+          <p:cNvSpPr>
+            <a:spLocks noGrp="1"/>
+          </p:cNvSpPr>
+          <p:nvPr>
+            <p:ph sz="half" idx="2"/>
+          </p:nvPr>
+        </p:nvSpPr>
+        <p:spPr/>
+        <p:txBody>
+          <a:bodyPr/>
+          <a:lstStyle/>
+          <a:p>
+            <a:endParaRPr lang="fr-FR"/>
+          </a:p>
+        </p:txBody>
+      </p:sp>
+    </p:spTree>
+    <p:extLst>
+      <p:ext uri="{BB962C8B-B14F-4D97-AF65-F5344CB8AC3E}">
+        <p14:creationId xmlns:p14="http://schemas.microsoft.com/office/powerpoint/2010/main" val="3142547402"/>
+      </p:ext>
+    </p:extLst>
+  </p:cSld>
+  <p:clrMapOvr>
+    <a:masterClrMapping/>
+  </p:clrMapOvr>
+</p:sld>
+</file>
+
 <file path=ppt/slides/slide2.xml><?xml version="1.0" encoding="utf-8"?>
 <p:sld xmlns:a="http://schemas.openxmlformats.org/drawingml/2006/main" xmlns:r="http://schemas.openxmlformats.org/officeDocument/2006/relationships" xmlns:p="http://schemas.openxmlformats.org/presentationml/2006/main">
   <p:cSld>
@@ -5594,7 +8906,7 @@
         <p:spPr/>
         <p:txBody>
           <a:bodyPr>
-            <a:normAutofit/>
+            <a:normAutofit fontScale="92500" lnSpcReduction="20000"/>
           </a:bodyPr>
           <a:lstStyle/>
           <a:p>
@@ -5656,6 +8968,13 @@
             <a:r>
               <a:rPr lang="fr-FR" dirty="0"/>
               <a:t>Toutes les fonctions sont documentées, spécifiées et testées;</a:t>
+            </a:r>
+          </a:p>
+          <a:p>
+            <a:pPr lvl="1"/>
+            <a:r>
+              <a:rPr lang="fr-FR" dirty="0"/>
+              <a:t>Note: les fonctions de déplacement marchent tous sur tous tableaux avec le même nombre de colonnes sur chaque ligne et la fonction dessine marche affiche bien sur les plateau avec un nombre de colonnes égale a 4.</a:t>
             </a:r>
           </a:p>
           <a:p>
@@ -5740,6 +9059,14 @@
 <file path=ppt/slides/slide5.xml><?xml version="1.0" encoding="utf-8"?>
 <p:sld xmlns:a="http://schemas.openxmlformats.org/drawingml/2006/main" xmlns:r="http://schemas.openxmlformats.org/officeDocument/2006/relationships" xmlns:p="http://schemas.openxmlformats.org/presentationml/2006/main">
   <p:cSld>
+    <p:bg>
+      <p:bgPr>
+        <a:solidFill>
+          <a:schemeClr val="bg1"/>
+        </a:solidFill>
+        <a:effectLst/>
+      </p:bgPr>
+    </p:bg>
     <p:spTree>
       <p:nvGrpSpPr>
         <p:cNvPr id="1" name=""/>
@@ -5756,6 +9083,385 @@
       </p:grpSpPr>
       <p:sp>
         <p:nvSpPr>
+          <p:cNvPr id="24" name="Freeform 6">
+            <a:extLst>
+              <a:ext uri="{FF2B5EF4-FFF2-40B4-BE49-F238E27FC236}">
+                <a16:creationId xmlns:a16="http://schemas.microsoft.com/office/drawing/2014/main" id="{53576798-7F98-4C7F-B6C7-6D41B5A7E927}"/>
+              </a:ext>
+              <a:ext uri="{C183D7F6-B498-43B3-948B-1728B52AA6E4}">
+                <adec:decorative xmlns:adec="http://schemas.microsoft.com/office/drawing/2017/decorative" val="1"/>
+              </a:ext>
+            </a:extLst>
+          </p:cNvPr>
+          <p:cNvSpPr>
+            <a:spLocks noGrp="1" noRot="1" noChangeAspect="1" noMove="1" noResize="1" noEditPoints="1" noAdjustHandles="1" noChangeArrowheads="1" noChangeShapeType="1" noTextEdit="1"/>
+          </p:cNvSpPr>
+          <p:nvPr>
+            <p:extLst>
+              <p:ext uri="{386F3935-93C4-4BCD-93E2-E3B085C9AB24}">
+                <p16:designElem xmlns:p16="http://schemas.microsoft.com/office/powerpoint/2015/main" val="1"/>
+              </p:ext>
+            </p:extLst>
+          </p:nvPr>
+        </p:nvSpPr>
+        <p:spPr bwMode="auto">
+          <a:xfrm>
+            <a:off x="0" y="0"/>
+            <a:ext cx="12192000" cy="2185988"/>
+          </a:xfrm>
+          <a:custGeom>
+            <a:avLst/>
+            <a:gdLst/>
+            <a:ahLst/>
+            <a:cxnLst/>
+            <a:rect l="0" t="0" r="r" b="b"/>
+            <a:pathLst>
+              <a:path w="5760" h="1377">
+                <a:moveTo>
+                  <a:pt x="5760" y="0"/>
+                </a:moveTo>
+                <a:lnTo>
+                  <a:pt x="0" y="0"/>
+                </a:lnTo>
+                <a:lnTo>
+                  <a:pt x="0" y="1189"/>
+                </a:lnTo>
+                <a:lnTo>
+                  <a:pt x="943" y="1189"/>
+                </a:lnTo>
+                <a:lnTo>
+                  <a:pt x="1123" y="1369"/>
+                </a:lnTo>
+                <a:lnTo>
+                  <a:pt x="1123" y="1369"/>
+                </a:lnTo>
+                <a:lnTo>
+                  <a:pt x="1127" y="1371"/>
+                </a:lnTo>
+                <a:lnTo>
+                  <a:pt x="1133" y="1374"/>
+                </a:lnTo>
+                <a:lnTo>
+                  <a:pt x="1139" y="1377"/>
+                </a:lnTo>
+                <a:lnTo>
+                  <a:pt x="1144" y="1377"/>
+                </a:lnTo>
+                <a:lnTo>
+                  <a:pt x="1150" y="1377"/>
+                </a:lnTo>
+                <a:lnTo>
+                  <a:pt x="1155" y="1374"/>
+                </a:lnTo>
+                <a:lnTo>
+                  <a:pt x="1161" y="1371"/>
+                </a:lnTo>
+                <a:lnTo>
+                  <a:pt x="1165" y="1369"/>
+                </a:lnTo>
+                <a:lnTo>
+                  <a:pt x="1345" y="1189"/>
+                </a:lnTo>
+                <a:lnTo>
+                  <a:pt x="5760" y="1189"/>
+                </a:lnTo>
+                <a:lnTo>
+                  <a:pt x="5760" y="0"/>
+                </a:lnTo>
+                <a:close/>
+              </a:path>
+            </a:pathLst>
+          </a:custGeom>
+          <a:ln/>
+          <a:extLst>
+            <a:ext uri="{91240B29-F687-4f45-9708-019B960494DF}">
+              <a14:hiddenLine xmlns="" xmlns:a16="http://schemas.microsoft.com/office/drawing/2014/main" xmlns:p14="http://schemas.microsoft.com/office/powerpoint/2010/main" xmlns:a14="http://schemas.microsoft.com/office/drawing/2010/main" w="9525">
+                <a:solidFill>
+                  <a:srgbClr val="000000"/>
+                </a:solidFill>
+                <a:round/>
+                <a:headEnd/>
+                <a:tailEnd/>
+              </a14:hiddenLine>
+            </a:ext>
+          </a:extLst>
+        </p:spPr>
+        <p:style>
+          <a:lnRef idx="1">
+            <a:schemeClr val="accent1"/>
+          </a:lnRef>
+          <a:fillRef idx="3">
+            <a:schemeClr val="accent1"/>
+          </a:fillRef>
+          <a:effectRef idx="2">
+            <a:schemeClr val="accent1"/>
+          </a:effectRef>
+          <a:fontRef idx="minor">
+            <a:schemeClr val="lt1"/>
+          </a:fontRef>
+        </p:style>
+      </p:sp>
+      <p:sp>
+        <p:nvSpPr>
+          <p:cNvPr id="25" name="Rectangle 12">
+            <a:extLst>
+              <a:ext uri="{FF2B5EF4-FFF2-40B4-BE49-F238E27FC236}">
+                <a16:creationId xmlns:a16="http://schemas.microsoft.com/office/drawing/2014/main" id="{8C1FC8BA-94E6-44F7-B346-6A2215E66D2E}"/>
+              </a:ext>
+              <a:ext uri="{C183D7F6-B498-43B3-948B-1728B52AA6E4}">
+                <adec:decorative xmlns:adec="http://schemas.microsoft.com/office/drawing/2017/decorative" val="1"/>
+              </a:ext>
+            </a:extLst>
+          </p:cNvPr>
+          <p:cNvSpPr>
+            <a:spLocks noGrp="1" noRot="1" noChangeAspect="1" noMove="1" noResize="1" noEditPoints="1" noAdjustHandles="1" noChangeArrowheads="1" noChangeShapeType="1" noTextEdit="1"/>
+          </p:cNvSpPr>
+          <p:nvPr>
+            <p:extLst>
+              <p:ext uri="{386F3935-93C4-4BCD-93E2-E3B085C9AB24}">
+                <p16:designElem xmlns:p16="http://schemas.microsoft.com/office/powerpoint/2015/main" val="1"/>
+              </p:ext>
+            </p:extLst>
+          </p:nvPr>
+        </p:nvSpPr>
+        <p:spPr>
+          <a:xfrm>
+            <a:off x="0" y="0"/>
+            <a:ext cx="12188952" cy="6858000"/>
+          </a:xfrm>
+          <a:prstGeom prst="rect">
+            <a:avLst/>
+          </a:prstGeom>
+          <a:solidFill>
+            <a:schemeClr val="bg1"/>
+          </a:solidFill>
+          <a:ln>
+            <a:noFill/>
+          </a:ln>
+        </p:spPr>
+        <p:style>
+          <a:lnRef idx="2">
+            <a:schemeClr val="accent1">
+              <a:shade val="50000"/>
+            </a:schemeClr>
+          </a:lnRef>
+          <a:fillRef idx="1">
+            <a:schemeClr val="accent1"/>
+          </a:fillRef>
+          <a:effectRef idx="0">
+            <a:schemeClr val="accent1"/>
+          </a:effectRef>
+          <a:fontRef idx="minor">
+            <a:schemeClr val="lt1"/>
+          </a:fontRef>
+        </p:style>
+        <p:txBody>
+          <a:bodyPr rtlCol="0" anchor="ctr"/>
+          <a:lstStyle/>
+          <a:p>
+            <a:pPr algn="ctr"/>
+            <a:endParaRPr lang="en-US"/>
+          </a:p>
+        </p:txBody>
+      </p:sp>
+      <p:sp>
+        <p:nvSpPr>
+          <p:cNvPr id="26" name="Freeform 23">
+            <a:extLst>
+              <a:ext uri="{FF2B5EF4-FFF2-40B4-BE49-F238E27FC236}">
+                <a16:creationId xmlns:a16="http://schemas.microsoft.com/office/drawing/2014/main" id="{A8329D92-4903-43FF-90F4-878F5D3F1D22}"/>
+              </a:ext>
+              <a:ext uri="{C183D7F6-B498-43B3-948B-1728B52AA6E4}">
+                <adec:decorative xmlns:adec="http://schemas.microsoft.com/office/drawing/2017/decorative" val="1"/>
+              </a:ext>
+            </a:extLst>
+          </p:cNvPr>
+          <p:cNvSpPr>
+            <a:spLocks noGrp="1" noRot="1" noChangeAspect="1" noMove="1" noResize="1" noEditPoints="1" noAdjustHandles="1" noChangeArrowheads="1" noChangeShapeType="1" noTextEdit="1"/>
+          </p:cNvSpPr>
+          <p:nvPr>
+            <p:extLst>
+              <p:ext uri="{386F3935-93C4-4BCD-93E2-E3B085C9AB24}">
+                <p16:designElem xmlns:p16="http://schemas.microsoft.com/office/powerpoint/2015/main" val="1"/>
+              </p:ext>
+            </p:extLst>
+          </p:nvPr>
+        </p:nvSpPr>
+        <p:spPr bwMode="white">
+          <a:xfrm>
+            <a:off x="0" y="0"/>
+            <a:ext cx="4637005" cy="6858000"/>
+          </a:xfrm>
+          <a:custGeom>
+            <a:avLst/>
+            <a:gdLst>
+              <a:gd name="connsiteX0" fmla="*/ 0 w 4637005"/>
+              <a:gd name="connsiteY0" fmla="*/ 0 h 6858000"/>
+              <a:gd name="connsiteX1" fmla="*/ 4637005 w 4637005"/>
+              <a:gd name="connsiteY1" fmla="*/ 0 h 6858000"/>
+              <a:gd name="connsiteX2" fmla="*/ 4637005 w 4637005"/>
+              <a:gd name="connsiteY2" fmla="*/ 1900238 h 6858000"/>
+              <a:gd name="connsiteX3" fmla="*/ 4266589 w 4637005"/>
+              <a:gd name="connsiteY3" fmla="*/ 2178050 h 6858000"/>
+              <a:gd name="connsiteX4" fmla="*/ 4262355 w 4637005"/>
+              <a:gd name="connsiteY4" fmla="*/ 2184400 h 6858000"/>
+              <a:gd name="connsiteX5" fmla="*/ 4256005 w 4637005"/>
+              <a:gd name="connsiteY5" fmla="*/ 2193925 h 6858000"/>
+              <a:gd name="connsiteX6" fmla="*/ 4249655 w 4637005"/>
+              <a:gd name="connsiteY6" fmla="*/ 2201863 h 6858000"/>
+              <a:gd name="connsiteX7" fmla="*/ 4249655 w 4637005"/>
+              <a:gd name="connsiteY7" fmla="*/ 2211388 h 6858000"/>
+              <a:gd name="connsiteX8" fmla="*/ 4249655 w 4637005"/>
+              <a:gd name="connsiteY8" fmla="*/ 2220913 h 6858000"/>
+              <a:gd name="connsiteX9" fmla="*/ 4256005 w 4637005"/>
+              <a:gd name="connsiteY9" fmla="*/ 2228850 h 6858000"/>
+              <a:gd name="connsiteX10" fmla="*/ 4262355 w 4637005"/>
+              <a:gd name="connsiteY10" fmla="*/ 2238375 h 6858000"/>
+              <a:gd name="connsiteX11" fmla="*/ 4266589 w 4637005"/>
+              <a:gd name="connsiteY11" fmla="*/ 2244725 h 6858000"/>
+              <a:gd name="connsiteX12" fmla="*/ 4637005 w 4637005"/>
+              <a:gd name="connsiteY12" fmla="*/ 2522538 h 6858000"/>
+              <a:gd name="connsiteX13" fmla="*/ 4637005 w 4637005"/>
+              <a:gd name="connsiteY13" fmla="*/ 6858000 h 6858000"/>
+              <a:gd name="connsiteX14" fmla="*/ 0 w 4637005"/>
+              <a:gd name="connsiteY14" fmla="*/ 6858000 h 6858000"/>
+            </a:gdLst>
+            <a:ahLst/>
+            <a:cxnLst>
+              <a:cxn ang="0">
+                <a:pos x="connsiteX0" y="connsiteY0"/>
+              </a:cxn>
+              <a:cxn ang="0">
+                <a:pos x="connsiteX1" y="connsiteY1"/>
+              </a:cxn>
+              <a:cxn ang="0">
+                <a:pos x="connsiteX2" y="connsiteY2"/>
+              </a:cxn>
+              <a:cxn ang="0">
+                <a:pos x="connsiteX3" y="connsiteY3"/>
+              </a:cxn>
+              <a:cxn ang="0">
+                <a:pos x="connsiteX4" y="connsiteY4"/>
+              </a:cxn>
+              <a:cxn ang="0">
+                <a:pos x="connsiteX5" y="connsiteY5"/>
+              </a:cxn>
+              <a:cxn ang="0">
+                <a:pos x="connsiteX6" y="connsiteY6"/>
+              </a:cxn>
+              <a:cxn ang="0">
+                <a:pos x="connsiteX7" y="connsiteY7"/>
+              </a:cxn>
+              <a:cxn ang="0">
+                <a:pos x="connsiteX8" y="connsiteY8"/>
+              </a:cxn>
+              <a:cxn ang="0">
+                <a:pos x="connsiteX9" y="connsiteY9"/>
+              </a:cxn>
+              <a:cxn ang="0">
+                <a:pos x="connsiteX10" y="connsiteY10"/>
+              </a:cxn>
+              <a:cxn ang="0">
+                <a:pos x="connsiteX11" y="connsiteY11"/>
+              </a:cxn>
+              <a:cxn ang="0">
+                <a:pos x="connsiteX12" y="connsiteY12"/>
+              </a:cxn>
+              <a:cxn ang="0">
+                <a:pos x="connsiteX13" y="connsiteY13"/>
+              </a:cxn>
+              <a:cxn ang="0">
+                <a:pos x="connsiteX14" y="connsiteY14"/>
+              </a:cxn>
+            </a:cxnLst>
+            <a:rect l="l" t="t" r="r" b="b"/>
+            <a:pathLst>
+              <a:path w="4637005" h="6858000">
+                <a:moveTo>
+                  <a:pt x="0" y="0"/>
+                </a:moveTo>
+                <a:lnTo>
+                  <a:pt x="4637005" y="0"/>
+                </a:lnTo>
+                <a:lnTo>
+                  <a:pt x="4637005" y="1900238"/>
+                </a:lnTo>
+                <a:lnTo>
+                  <a:pt x="4266589" y="2178050"/>
+                </a:lnTo>
+                <a:lnTo>
+                  <a:pt x="4262355" y="2184400"/>
+                </a:lnTo>
+                <a:lnTo>
+                  <a:pt x="4256005" y="2193925"/>
+                </a:lnTo>
+                <a:lnTo>
+                  <a:pt x="4249655" y="2201863"/>
+                </a:lnTo>
+                <a:lnTo>
+                  <a:pt x="4249655" y="2211388"/>
+                </a:lnTo>
+                <a:lnTo>
+                  <a:pt x="4249655" y="2220913"/>
+                </a:lnTo>
+                <a:lnTo>
+                  <a:pt x="4256005" y="2228850"/>
+                </a:lnTo>
+                <a:lnTo>
+                  <a:pt x="4262355" y="2238375"/>
+                </a:lnTo>
+                <a:lnTo>
+                  <a:pt x="4266589" y="2244725"/>
+                </a:lnTo>
+                <a:lnTo>
+                  <a:pt x="4637005" y="2522538"/>
+                </a:lnTo>
+                <a:lnTo>
+                  <a:pt x="4637005" y="6858000"/>
+                </a:lnTo>
+                <a:lnTo>
+                  <a:pt x="0" y="6858000"/>
+                </a:lnTo>
+                <a:close/>
+              </a:path>
+            </a:pathLst>
+          </a:custGeom>
+          <a:solidFill>
+            <a:srgbClr val="262626"/>
+          </a:solidFill>
+          <a:ln>
+            <a:noFill/>
+          </a:ln>
+        </p:spPr>
+        <p:style>
+          <a:lnRef idx="2">
+            <a:schemeClr val="accent1">
+              <a:shade val="50000"/>
+            </a:schemeClr>
+          </a:lnRef>
+          <a:fillRef idx="1">
+            <a:schemeClr val="accent1"/>
+          </a:fillRef>
+          <a:effectRef idx="0">
+            <a:schemeClr val="accent1"/>
+          </a:effectRef>
+          <a:fontRef idx="minor">
+            <a:schemeClr val="lt1"/>
+          </a:fontRef>
+        </p:style>
+        <p:txBody>
+          <a:bodyPr wrap="square" rtlCol="0" anchor="ctr">
+            <a:noAutofit/>
+          </a:bodyPr>
+          <a:lstStyle/>
+          <a:p>
+            <a:pPr algn="ctr"/>
+            <a:endParaRPr lang="en-US"/>
+          </a:p>
+        </p:txBody>
+      </p:sp>
+      <p:sp>
+        <p:nvSpPr>
           <p:cNvPr id="2" name="Title 1">
             <a:extLst>
               <a:ext uri="{FF2B5EF4-FFF2-40B4-BE49-F238E27FC236}">
@@ -5770,22 +9476,21 @@
             <p:ph type="title"/>
           </p:nvPr>
         </p:nvSpPr>
-        <p:spPr/>
+        <p:spPr>
+          <a:xfrm>
+            <a:off x="810001" y="447188"/>
+            <a:ext cx="3413084" cy="1559412"/>
+          </a:xfrm>
+        </p:spPr>
         <p:txBody>
-          <a:bodyPr/>
+          <a:bodyPr vert="horz" lIns="91440" tIns="45720" rIns="91440" bIns="45720" rtlCol="0" anchor="b">
+            <a:normAutofit/>
+          </a:bodyPr>
           <a:lstStyle/>
           <a:p>
             <a:r>
-              <a:rPr lang="fr-FR" dirty="0"/>
-              <a:t>1.1 utilisation de la bibliothèque </a:t>
-            </a:r>
-            <a:r>
-              <a:rPr lang="fr-FR" dirty="0" err="1"/>
-              <a:t>ncurse</a:t>
-            </a:r>
-            <a:r>
-              <a:rPr lang="fr-FR" dirty="0"/>
-              <a:t>:</a:t>
+              <a:rPr lang="en-US" sz="3200"/>
+              <a:t>1.1 utilisation de la bibliothèque ncurse:</a:t>
             </a:r>
           </a:p>
         </p:txBody>
@@ -5806,6 +9511,195 @@
             <p:ph sz="half" idx="1"/>
           </p:nvPr>
         </p:nvSpPr>
+        <p:spPr>
+          <a:xfrm>
+            <a:off x="818713" y="2413000"/>
+            <a:ext cx="3404372" cy="3632200"/>
+          </a:xfrm>
+        </p:spPr>
+        <p:txBody>
+          <a:bodyPr vert="horz" lIns="91440" tIns="45720" rIns="91440" bIns="45720" rtlCol="0" anchor="ctr">
+            <a:normAutofit/>
+          </a:bodyPr>
+          <a:lstStyle/>
+          <a:p>
+            <a:r>
+              <a:rPr lang="en-US" sz="1600">
+                <a:solidFill>
+                  <a:srgbClr val="FFFFFF"/>
+                </a:solidFill>
+              </a:rPr>
+              <a:t>Couleur jaune globale du plateau de jeu et le score.</a:t>
+            </a:r>
+          </a:p>
+          <a:p>
+            <a:r>
+              <a:rPr lang="en-US" sz="1600">
+                <a:solidFill>
+                  <a:srgbClr val="FFFFFF"/>
+                </a:solidFill>
+              </a:rPr>
+              <a:t>Couleur blanche sur fond rouge pour le texte de fin de jeu</a:t>
+            </a:r>
+          </a:p>
+          <a:p>
+            <a:r>
+              <a:rPr lang="en-US" sz="1600">
+                <a:solidFill>
+                  <a:srgbClr val="FFFFFF"/>
+                </a:solidFill>
+              </a:rPr>
+              <a:t>Couleur noir sur fond blanc pour le score de fin de partie</a:t>
+            </a:r>
+          </a:p>
+        </p:txBody>
+      </p:sp>
+      <p:sp>
+        <p:nvSpPr>
+          <p:cNvPr id="17" name="Rounded Rectangle 17">
+            <a:extLst>
+              <a:ext uri="{FF2B5EF4-FFF2-40B4-BE49-F238E27FC236}">
+                <a16:creationId xmlns:a16="http://schemas.microsoft.com/office/drawing/2014/main" id="{567B1EEF-AB32-40F7-AD5F-41E0EA001EBE}"/>
+              </a:ext>
+              <a:ext uri="{C183D7F6-B498-43B3-948B-1728B52AA6E4}">
+                <adec:decorative xmlns:adec="http://schemas.microsoft.com/office/drawing/2017/decorative" val="1"/>
+              </a:ext>
+            </a:extLst>
+          </p:cNvPr>
+          <p:cNvSpPr>
+            <a:spLocks noGrp="1" noRot="1" noChangeAspect="1" noMove="1" noResize="1" noEditPoints="1" noAdjustHandles="1" noChangeArrowheads="1" noChangeShapeType="1" noTextEdit="1"/>
+          </p:cNvSpPr>
+          <p:nvPr>
+            <p:extLst>
+              <p:ext uri="{386F3935-93C4-4BCD-93E2-E3B085C9AB24}">
+                <p16:designElem xmlns:p16="http://schemas.microsoft.com/office/powerpoint/2015/main" val="1"/>
+              </p:ext>
+            </p:extLst>
+          </p:nvPr>
+        </p:nvSpPr>
+        <p:spPr>
+          <a:xfrm>
+            <a:off x="5278945" y="958640"/>
+            <a:ext cx="6269591" cy="4945244"/>
+          </a:xfrm>
+          <a:prstGeom prst="roundRect">
+            <a:avLst>
+              <a:gd name="adj" fmla="val 3513"/>
+            </a:avLst>
+          </a:prstGeom>
+          <a:solidFill>
+            <a:schemeClr val="bg1"/>
+          </a:solidFill>
+          <a:ln>
+            <a:solidFill>
+              <a:schemeClr val="accent1"/>
+            </a:solidFill>
+          </a:ln>
+          <a:effectLst/>
+        </p:spPr>
+        <p:style>
+          <a:lnRef idx="2">
+            <a:schemeClr val="accent1">
+              <a:shade val="50000"/>
+            </a:schemeClr>
+          </a:lnRef>
+          <a:fillRef idx="1">
+            <a:schemeClr val="accent1"/>
+          </a:fillRef>
+          <a:effectRef idx="0">
+            <a:schemeClr val="accent1"/>
+          </a:effectRef>
+          <a:fontRef idx="minor">
+            <a:schemeClr val="lt1"/>
+          </a:fontRef>
+        </p:style>
+        <p:txBody>
+          <a:bodyPr rtlCol="0" anchor="ctr"/>
+          <a:lstStyle/>
+          <a:p>
+            <a:pPr algn="ctr"/>
+            <a:endParaRPr lang="en-US"/>
+          </a:p>
+        </p:txBody>
+      </p:sp>
+      <p:pic>
+        <p:nvPicPr>
+          <p:cNvPr id="6" name="Content Placeholder 5">
+            <a:extLst>
+              <a:ext uri="{FF2B5EF4-FFF2-40B4-BE49-F238E27FC236}">
+                <a16:creationId xmlns:a16="http://schemas.microsoft.com/office/drawing/2014/main" id="{AEDCD27C-561A-FA41-9B76-33188141C53F}"/>
+              </a:ext>
+            </a:extLst>
+          </p:cNvPr>
+          <p:cNvPicPr>
+            <a:picLocks noGrp="1" noChangeAspect="1"/>
+          </p:cNvPicPr>
+          <p:nvPr>
+            <p:ph sz="half" idx="2"/>
+          </p:nvPr>
+        </p:nvPicPr>
+        <p:blipFill>
+          <a:blip r:embed="rId2"/>
+          <a:stretch>
+            <a:fillRect/>
+          </a:stretch>
+        </p:blipFill>
+        <p:spPr>
+          <a:xfrm>
+            <a:off x="6349605" y="1258529"/>
+            <a:ext cx="4147054" cy="4330205"/>
+          </a:xfrm>
+          <a:prstGeom prst="rect">
+            <a:avLst/>
+          </a:prstGeom>
+        </p:spPr>
+      </p:pic>
+    </p:spTree>
+    <p:extLst>
+      <p:ext uri="{BB962C8B-B14F-4D97-AF65-F5344CB8AC3E}">
+        <p14:creationId xmlns:p14="http://schemas.microsoft.com/office/powerpoint/2010/main" val="3528297022"/>
+      </p:ext>
+    </p:extLst>
+  </p:cSld>
+  <p:clrMapOvr>
+    <a:overrideClrMapping bg1="lt1" tx1="dk1" bg2="lt2" tx2="dk2" accent1="accent1" accent2="accent2" accent3="accent3" accent4="accent4" accent5="accent5" accent6="accent6" hlink="hlink" folHlink="folHlink"/>
+  </p:clrMapOvr>
+</p:sld>
+</file>
+
+<file path=ppt/slides/slide6.xml><?xml version="1.0" encoding="utf-8"?>
+<p:sld xmlns:a="http://schemas.openxmlformats.org/drawingml/2006/main" xmlns:r="http://schemas.openxmlformats.org/officeDocument/2006/relationships" xmlns:p="http://schemas.openxmlformats.org/presentationml/2006/main">
+  <p:cSld>
+    <p:spTree>
+      <p:nvGrpSpPr>
+        <p:cNvPr id="1" name=""/>
+        <p:cNvGrpSpPr/>
+        <p:nvPr/>
+      </p:nvGrpSpPr>
+      <p:grpSpPr>
+        <a:xfrm>
+          <a:off x="0" y="0"/>
+          <a:ext cx="0" cy="0"/>
+          <a:chOff x="0" y="0"/>
+          <a:chExt cx="0" cy="0"/>
+        </a:xfrm>
+      </p:grpSpPr>
+      <p:sp>
+        <p:nvSpPr>
+          <p:cNvPr id="2" name="Title 1">
+            <a:extLst>
+              <a:ext uri="{FF2B5EF4-FFF2-40B4-BE49-F238E27FC236}">
+                <a16:creationId xmlns:a16="http://schemas.microsoft.com/office/drawing/2014/main" id="{C8644A48-EAE2-C947-A588-E8E5DCB15018}"/>
+              </a:ext>
+            </a:extLst>
+          </p:cNvPr>
+          <p:cNvSpPr>
+            <a:spLocks noGrp="1"/>
+          </p:cNvSpPr>
+          <p:nvPr>
+            <p:ph type="title"/>
+          </p:nvPr>
+        </p:nvSpPr>
         <p:spPr/>
         <p:txBody>
           <a:bodyPr/>
@@ -5813,28 +9707,17 @@
           <a:p>
             <a:r>
               <a:rPr lang="fr-FR" dirty="0"/>
-              <a:t>Couleur jaune globale du plateau de jeu et le score.</a:t>
-            </a:r>
-          </a:p>
-          <a:p>
-            <a:r>
-              <a:rPr lang="fr-FR" dirty="0"/>
-              <a:t>Couleur blanche sur fond </a:t>
-            </a:r>
-            <a:r>
-              <a:rPr lang="fr-FR"/>
-              <a:t>rouge pour le texte de fin de jeu</a:t>
-            </a:r>
-            <a:endParaRPr lang="fr-FR" dirty="0"/>
+              <a:t>1.2 utilisation des touches du clavier pour jouer</a:t>
+            </a:r>
           </a:p>
         </p:txBody>
       </p:sp>
       <p:sp>
         <p:nvSpPr>
-          <p:cNvPr id="4" name="Content Placeholder 3">
+          <p:cNvPr id="3" name="Content Placeholder 2">
             <a:extLst>
               <a:ext uri="{FF2B5EF4-FFF2-40B4-BE49-F238E27FC236}">
-                <a16:creationId xmlns:a16="http://schemas.microsoft.com/office/drawing/2014/main" id="{1E9AF836-7EB4-4B4D-9178-6D99AB1A745F}"/>
+                <a16:creationId xmlns:a16="http://schemas.microsoft.com/office/drawing/2014/main" id="{E95DF393-D741-4E44-B7BA-826969993C8E}"/>
               </a:ext>
             </a:extLst>
           </p:cNvPr>
@@ -5842,7 +9725,7 @@
             <a:spLocks noGrp="1"/>
           </p:cNvSpPr>
           <p:nvPr>
-            <p:ph sz="half" idx="2"/>
+            <p:ph sz="half" idx="1"/>
           </p:nvPr>
         </p:nvSpPr>
         <p:spPr/>
@@ -5850,14 +9733,606 @@
           <a:bodyPr/>
           <a:lstStyle/>
           <a:p>
-            <a:endParaRPr lang="fr-FR"/>
+            <a:r>
+              <a:rPr lang="fr-FR" dirty="0"/>
+              <a:t>Utilisation de la bibliothèque ncurses </a:t>
+            </a:r>
+          </a:p>
+          <a:p>
+            <a:r>
+              <a:rPr lang="fr-FR" dirty="0"/>
+              <a:t>Fonction </a:t>
+            </a:r>
+            <a:r>
+              <a:rPr lang="fr-FR" dirty="0" err="1"/>
+              <a:t>keypad</a:t>
+            </a:r>
+            <a:r>
+              <a:rPr lang="fr-FR" dirty="0"/>
+              <a:t>(), associé à </a:t>
+            </a:r>
+            <a:r>
+              <a:rPr lang="fr-FR" dirty="0" err="1"/>
+              <a:t>getch</a:t>
+            </a:r>
+            <a:r>
+              <a:rPr lang="fr-FR" dirty="0"/>
+              <a:t>()</a:t>
+            </a:r>
+          </a:p>
+        </p:txBody>
+      </p:sp>
+      <p:sp>
+        <p:nvSpPr>
+          <p:cNvPr id="4" name="Content Placeholder 3">
+            <a:extLst>
+              <a:ext uri="{FF2B5EF4-FFF2-40B4-BE49-F238E27FC236}">
+                <a16:creationId xmlns:a16="http://schemas.microsoft.com/office/drawing/2014/main" id="{A4957D85-A67B-6142-B8E8-055FD3026D4B}"/>
+              </a:ext>
+            </a:extLst>
+          </p:cNvPr>
+          <p:cNvSpPr>
+            <a:spLocks noGrp="1"/>
+          </p:cNvSpPr>
+          <p:nvPr>
+            <p:ph sz="half" idx="2"/>
+          </p:nvPr>
+        </p:nvSpPr>
+        <p:spPr>
+          <a:xfrm>
+            <a:off x="6187415" y="2234987"/>
+            <a:ext cx="5194583" cy="3638764"/>
+          </a:xfrm>
+        </p:spPr>
+        <p:txBody>
+          <a:bodyPr/>
+          <a:lstStyle/>
+          <a:p>
+            <a:endParaRPr lang="fr-FR" dirty="0"/>
           </a:p>
         </p:txBody>
       </p:sp>
     </p:spTree>
     <p:extLst>
       <p:ext uri="{BB962C8B-B14F-4D97-AF65-F5344CB8AC3E}">
-        <p14:creationId xmlns:p14="http://schemas.microsoft.com/office/powerpoint/2010/main" val="3528297022"/>
+        <p14:creationId xmlns:p14="http://schemas.microsoft.com/office/powerpoint/2010/main" val="2168717498"/>
+      </p:ext>
+    </p:extLst>
+  </p:cSld>
+  <p:clrMapOvr>
+    <a:masterClrMapping/>
+  </p:clrMapOvr>
+</p:sld>
+</file>
+
+<file path=ppt/slides/slide7.xml><?xml version="1.0" encoding="utf-8"?>
+<p:sld xmlns:a="http://schemas.openxmlformats.org/drawingml/2006/main" xmlns:r="http://schemas.openxmlformats.org/officeDocument/2006/relationships" xmlns:p="http://schemas.openxmlformats.org/presentationml/2006/main">
+  <p:cSld>
+    <p:spTree>
+      <p:nvGrpSpPr>
+        <p:cNvPr id="1" name=""/>
+        <p:cNvGrpSpPr/>
+        <p:nvPr/>
+      </p:nvGrpSpPr>
+      <p:grpSpPr>
+        <a:xfrm>
+          <a:off x="0" y="0"/>
+          <a:ext cx="0" cy="0"/>
+          <a:chOff x="0" y="0"/>
+          <a:chExt cx="0" cy="0"/>
+        </a:xfrm>
+      </p:grpSpPr>
+      <p:sp>
+        <p:nvSpPr>
+          <p:cNvPr id="2" name="Title 1">
+            <a:extLst>
+              <a:ext uri="{FF2B5EF4-FFF2-40B4-BE49-F238E27FC236}">
+                <a16:creationId xmlns:a16="http://schemas.microsoft.com/office/drawing/2014/main" id="{DC3BA738-B51E-A448-BCF0-C9C3C9AC04AF}"/>
+              </a:ext>
+            </a:extLst>
+          </p:cNvPr>
+          <p:cNvSpPr>
+            <a:spLocks noGrp="1"/>
+          </p:cNvSpPr>
+          <p:nvPr>
+            <p:ph type="title"/>
+          </p:nvPr>
+        </p:nvSpPr>
+        <p:spPr/>
+        <p:txBody>
+          <a:bodyPr/>
+          <a:lstStyle/>
+          <a:p>
+            <a:r>
+              <a:rPr lang="fr-FR" dirty="0"/>
+              <a:t>1.3 Actualisation de la fenêtre après chaque déplacement</a:t>
+            </a:r>
+          </a:p>
+        </p:txBody>
+      </p:sp>
+      <p:sp>
+        <p:nvSpPr>
+          <p:cNvPr id="3" name="Content Placeholder 2">
+            <a:extLst>
+              <a:ext uri="{FF2B5EF4-FFF2-40B4-BE49-F238E27FC236}">
+                <a16:creationId xmlns:a16="http://schemas.microsoft.com/office/drawing/2014/main" id="{F1F99D3E-FB88-A74D-8238-EC1875003F83}"/>
+              </a:ext>
+            </a:extLst>
+          </p:cNvPr>
+          <p:cNvSpPr>
+            <a:spLocks noGrp="1"/>
+          </p:cNvSpPr>
+          <p:nvPr>
+            <p:ph sz="half" idx="1"/>
+          </p:nvPr>
+        </p:nvSpPr>
+        <p:spPr/>
+        <p:txBody>
+          <a:bodyPr/>
+          <a:lstStyle/>
+          <a:p>
+            <a:r>
+              <a:rPr lang="fr-FR" dirty="0"/>
+              <a:t>Grâce à la bibliothèque ncurses, il est possible de rafraichir une fenêtre après une action.</a:t>
+            </a:r>
+          </a:p>
+          <a:p>
+            <a:r>
+              <a:rPr lang="fr-FR" dirty="0"/>
+              <a:t>Ici, on utilise la fonction </a:t>
+            </a:r>
+            <a:r>
+              <a:rPr lang="fr-FR" dirty="0" err="1"/>
+              <a:t>clear</a:t>
+            </a:r>
+            <a:r>
+              <a:rPr lang="fr-FR" dirty="0"/>
+              <a:t>(), pour effacé tout affichage présent sur l’écran </a:t>
+            </a:r>
+          </a:p>
+        </p:txBody>
+      </p:sp>
+      <p:graphicFrame>
+        <p:nvGraphicFramePr>
+          <p:cNvPr id="6" name="Content Placeholder 5">
+            <a:extLst>
+              <a:ext uri="{FF2B5EF4-FFF2-40B4-BE49-F238E27FC236}">
+                <a16:creationId xmlns:a16="http://schemas.microsoft.com/office/drawing/2014/main" id="{DB4FDE65-187C-3746-8E42-9C5E2364A695}"/>
+              </a:ext>
+            </a:extLst>
+          </p:cNvPr>
+          <p:cNvGraphicFramePr>
+            <a:graphicFrameLocks noGrp="1"/>
+          </p:cNvGraphicFramePr>
+          <p:nvPr>
+            <p:ph sz="half" idx="2"/>
+            <p:extLst>
+              <p:ext uri="{D42A27DB-BD31-4B8C-83A1-F6EECF244321}">
+                <p14:modId xmlns:p14="http://schemas.microsoft.com/office/powerpoint/2010/main" val="3151256093"/>
+              </p:ext>
+            </p:extLst>
+          </p:nvPr>
+        </p:nvGraphicFramePr>
+        <p:xfrm>
+          <a:off x="6188075" y="2222500"/>
+          <a:ext cx="5194300" cy="3638550"/>
+        </p:xfrm>
+        <a:graphic>
+          <a:graphicData uri="http://schemas.openxmlformats.org/drawingml/2006/diagram">
+            <dgm:relIds xmlns:dgm="http://schemas.openxmlformats.org/drawingml/2006/diagram" xmlns:r="http://schemas.openxmlformats.org/officeDocument/2006/relationships" r:dm="rId2" r:lo="rId3" r:qs="rId4" r:cs="rId5"/>
+          </a:graphicData>
+        </a:graphic>
+      </p:graphicFrame>
+    </p:spTree>
+    <p:extLst>
+      <p:ext uri="{BB962C8B-B14F-4D97-AF65-F5344CB8AC3E}">
+        <p14:creationId xmlns:p14="http://schemas.microsoft.com/office/powerpoint/2010/main" val="2177185465"/>
+      </p:ext>
+    </p:extLst>
+  </p:cSld>
+  <p:clrMapOvr>
+    <a:masterClrMapping/>
+  </p:clrMapOvr>
+</p:sld>
+</file>
+
+<file path=ppt/slides/slide8.xml><?xml version="1.0" encoding="utf-8"?>
+<p:sld xmlns:a="http://schemas.openxmlformats.org/drawingml/2006/main" xmlns:r="http://schemas.openxmlformats.org/officeDocument/2006/relationships" xmlns:p="http://schemas.openxmlformats.org/presentationml/2006/main">
+  <p:cSld>
+    <p:bg>
+      <p:bgPr>
+        <a:solidFill>
+          <a:schemeClr val="bg2"/>
+        </a:solidFill>
+        <a:effectLst/>
+      </p:bgPr>
+    </p:bg>
+    <p:spTree>
+      <p:nvGrpSpPr>
+        <p:cNvPr id="1" name=""/>
+        <p:cNvGrpSpPr/>
+        <p:nvPr/>
+      </p:nvGrpSpPr>
+      <p:grpSpPr>
+        <a:xfrm>
+          <a:off x="0" y="0"/>
+          <a:ext cx="0" cy="0"/>
+          <a:chOff x="0" y="0"/>
+          <a:chExt cx="0" cy="0"/>
+        </a:xfrm>
+      </p:grpSpPr>
+      <p:sp>
+        <p:nvSpPr>
+          <p:cNvPr id="25" name="Freeform 6">
+            <a:extLst>
+              <a:ext uri="{FF2B5EF4-FFF2-40B4-BE49-F238E27FC236}">
+                <a16:creationId xmlns:a16="http://schemas.microsoft.com/office/drawing/2014/main" id="{70FFA424-278D-4545-90BA-07151469E528}"/>
+              </a:ext>
+              <a:ext uri="{C183D7F6-B498-43B3-948B-1728B52AA6E4}">
+                <adec:decorative xmlns:adec="http://schemas.microsoft.com/office/drawing/2017/decorative" val="1"/>
+              </a:ext>
+            </a:extLst>
+          </p:cNvPr>
+          <p:cNvSpPr>
+            <a:spLocks noGrp="1" noRot="1" noChangeAspect="1" noMove="1" noResize="1" noEditPoints="1" noAdjustHandles="1" noChangeArrowheads="1" noChangeShapeType="1" noTextEdit="1"/>
+          </p:cNvSpPr>
+          <p:nvPr>
+            <p:extLst>
+              <p:ext uri="{386F3935-93C4-4BCD-93E2-E3B085C9AB24}">
+                <p16:designElem xmlns:p16="http://schemas.microsoft.com/office/powerpoint/2015/main" val="1"/>
+              </p:ext>
+            </p:extLst>
+          </p:nvPr>
+        </p:nvSpPr>
+        <p:spPr bwMode="auto">
+          <a:xfrm>
+            <a:off x="0" y="-3175"/>
+            <a:ext cx="12192000" cy="5203825"/>
+          </a:xfrm>
+          <a:custGeom>
+            <a:avLst/>
+            <a:gdLst/>
+            <a:ahLst/>
+            <a:cxnLst/>
+            <a:rect l="0" t="0" r="r" b="b"/>
+            <a:pathLst>
+              <a:path w="5760" h="3278">
+                <a:moveTo>
+                  <a:pt x="5760" y="0"/>
+                </a:moveTo>
+                <a:lnTo>
+                  <a:pt x="0" y="0"/>
+                </a:lnTo>
+                <a:lnTo>
+                  <a:pt x="0" y="3090"/>
+                </a:lnTo>
+                <a:lnTo>
+                  <a:pt x="943" y="3090"/>
+                </a:lnTo>
+                <a:lnTo>
+                  <a:pt x="1123" y="3270"/>
+                </a:lnTo>
+                <a:lnTo>
+                  <a:pt x="1123" y="3270"/>
+                </a:lnTo>
+                <a:lnTo>
+                  <a:pt x="1127" y="3272"/>
+                </a:lnTo>
+                <a:lnTo>
+                  <a:pt x="1133" y="3275"/>
+                </a:lnTo>
+                <a:lnTo>
+                  <a:pt x="1139" y="3278"/>
+                </a:lnTo>
+                <a:lnTo>
+                  <a:pt x="1144" y="3278"/>
+                </a:lnTo>
+                <a:lnTo>
+                  <a:pt x="1150" y="3278"/>
+                </a:lnTo>
+                <a:lnTo>
+                  <a:pt x="1155" y="3275"/>
+                </a:lnTo>
+                <a:lnTo>
+                  <a:pt x="1161" y="3272"/>
+                </a:lnTo>
+                <a:lnTo>
+                  <a:pt x="1165" y="3270"/>
+                </a:lnTo>
+                <a:lnTo>
+                  <a:pt x="1345" y="3090"/>
+                </a:lnTo>
+                <a:lnTo>
+                  <a:pt x="5760" y="3090"/>
+                </a:lnTo>
+                <a:lnTo>
+                  <a:pt x="5760" y="0"/>
+                </a:lnTo>
+                <a:close/>
+              </a:path>
+            </a:pathLst>
+          </a:custGeom>
+          <a:ln/>
+          <a:effectLst/>
+          <a:extLst>
+            <a:ext uri="{91240B29-F687-4f45-9708-019B960494DF}">
+              <a14:hiddenLine xmlns="" xmlns:a16="http://schemas.microsoft.com/office/drawing/2014/main" xmlns:a14="http://schemas.microsoft.com/office/drawing/2010/main" xmlns:p14="http://schemas.microsoft.com/office/powerpoint/2010/main" w="9525">
+                <a:solidFill>
+                  <a:srgbClr val="000000"/>
+                </a:solidFill>
+                <a:round/>
+                <a:headEnd/>
+                <a:tailEnd/>
+              </a14:hiddenLine>
+            </a:ext>
+          </a:extLst>
+        </p:spPr>
+        <p:style>
+          <a:lnRef idx="1">
+            <a:schemeClr val="accent1"/>
+          </a:lnRef>
+          <a:fillRef idx="3">
+            <a:schemeClr val="accent1"/>
+          </a:fillRef>
+          <a:effectRef idx="2">
+            <a:schemeClr val="accent1"/>
+          </a:effectRef>
+          <a:fontRef idx="minor">
+            <a:schemeClr val="lt1"/>
+          </a:fontRef>
+        </p:style>
+      </p:sp>
+      <p:sp>
+        <p:nvSpPr>
+          <p:cNvPr id="2" name="Title 1">
+            <a:extLst>
+              <a:ext uri="{FF2B5EF4-FFF2-40B4-BE49-F238E27FC236}">
+                <a16:creationId xmlns:a16="http://schemas.microsoft.com/office/drawing/2014/main" id="{3E609DAC-464B-9B41-8C30-F80472001BC8}"/>
+              </a:ext>
+            </a:extLst>
+          </p:cNvPr>
+          <p:cNvSpPr>
+            <a:spLocks noGrp="1"/>
+          </p:cNvSpPr>
+          <p:nvPr>
+            <p:ph type="title"/>
+          </p:nvPr>
+        </p:nvSpPr>
+        <p:spPr>
+          <a:xfrm>
+            <a:off x="810002" y="639097"/>
+            <a:ext cx="4961534" cy="3781101"/>
+          </a:xfrm>
+        </p:spPr>
+        <p:txBody>
+          <a:bodyPr vert="horz" lIns="91440" tIns="45720" rIns="91440" bIns="45720" rtlCol="0" anchor="b">
+            <a:normAutofit/>
+          </a:bodyPr>
+          <a:lstStyle/>
+          <a:p>
+            <a:r>
+              <a:rPr lang="en-US" sz="6000"/>
+              <a:t>1.4 Le score via les structures de données</a:t>
+            </a:r>
+          </a:p>
+        </p:txBody>
+      </p:sp>
+      <p:sp>
+        <p:nvSpPr>
+          <p:cNvPr id="27" name="Rectangle 26">
+            <a:extLst>
+              <a:ext uri="{FF2B5EF4-FFF2-40B4-BE49-F238E27FC236}">
+                <a16:creationId xmlns:a16="http://schemas.microsoft.com/office/drawing/2014/main" id="{558680CB-633A-40EA-9BE4-A37269ABEC24}"/>
+              </a:ext>
+              <a:ext uri="{C183D7F6-B498-43B3-948B-1728B52AA6E4}">
+                <adec:decorative xmlns:adec="http://schemas.microsoft.com/office/drawing/2017/decorative" val="1"/>
+              </a:ext>
+            </a:extLst>
+          </p:cNvPr>
+          <p:cNvSpPr>
+            <a:spLocks noGrp="1" noRot="1" noChangeAspect="1" noMove="1" noResize="1" noEditPoints="1" noAdjustHandles="1" noChangeArrowheads="1" noChangeShapeType="1" noTextEdit="1"/>
+          </p:cNvSpPr>
+          <p:nvPr>
+            <p:extLst>
+              <p:ext uri="{386F3935-93C4-4BCD-93E2-E3B085C9AB24}">
+                <p16:designElem xmlns:p16="http://schemas.microsoft.com/office/powerpoint/2015/main" val="1"/>
+              </p:ext>
+            </p:extLst>
+          </p:nvPr>
+        </p:nvSpPr>
+        <p:spPr>
+          <a:xfrm>
+            <a:off x="7376836" y="0"/>
+            <a:ext cx="4815163" cy="6858000"/>
+          </a:xfrm>
+          <a:prstGeom prst="rect">
+            <a:avLst/>
+          </a:prstGeom>
+          <a:solidFill>
+            <a:schemeClr val="tx1"/>
+          </a:solidFill>
+          <a:ln>
+            <a:noFill/>
+          </a:ln>
+        </p:spPr>
+        <p:style>
+          <a:lnRef idx="2">
+            <a:schemeClr val="accent1">
+              <a:shade val="50000"/>
+            </a:schemeClr>
+          </a:lnRef>
+          <a:fillRef idx="1">
+            <a:schemeClr val="accent1"/>
+          </a:fillRef>
+          <a:effectRef idx="0">
+            <a:schemeClr val="accent1"/>
+          </a:effectRef>
+          <a:fontRef idx="minor">
+            <a:schemeClr val="lt1"/>
+          </a:fontRef>
+        </p:style>
+        <p:txBody>
+          <a:bodyPr rtlCol="0" anchor="ctr"/>
+          <a:lstStyle/>
+          <a:p>
+            <a:pPr algn="ctr"/>
+            <a:endParaRPr lang="en-US"/>
+          </a:p>
+        </p:txBody>
+      </p:sp>
+      <p:pic>
+        <p:nvPicPr>
+          <p:cNvPr id="8" name="Content Placeholder 7">
+            <a:extLst>
+              <a:ext uri="{FF2B5EF4-FFF2-40B4-BE49-F238E27FC236}">
+                <a16:creationId xmlns:a16="http://schemas.microsoft.com/office/drawing/2014/main" id="{370D12FF-0A1E-3E4F-A43B-6C6EF0649551}"/>
+              </a:ext>
+            </a:extLst>
+          </p:cNvPr>
+          <p:cNvPicPr>
+            <a:picLocks noGrp="1" noChangeAspect="1"/>
+          </p:cNvPicPr>
+          <p:nvPr>
+            <p:ph sz="half" idx="2"/>
+          </p:nvPr>
+        </p:nvPicPr>
+        <p:blipFill rotWithShape="1">
+          <a:blip r:embed="rId2"/>
+          <a:srcRect l="5558" r="27839" b="2"/>
+          <a:stretch/>
+        </p:blipFill>
+        <p:spPr>
+          <a:xfrm>
+            <a:off x="7534660" y="137477"/>
+            <a:ext cx="4496477" cy="2092832"/>
+          </a:xfrm>
+          <a:prstGeom prst="rect">
+            <a:avLst/>
+          </a:prstGeom>
+        </p:spPr>
+      </p:pic>
+      <p:pic>
+        <p:nvPicPr>
+          <p:cNvPr id="9" name="Content Placeholder 8">
+            <a:extLst>
+              <a:ext uri="{FF2B5EF4-FFF2-40B4-BE49-F238E27FC236}">
+                <a16:creationId xmlns:a16="http://schemas.microsoft.com/office/drawing/2014/main" id="{2F2593F3-D806-A241-A0C9-2A6EE2277AB5}"/>
+              </a:ext>
+            </a:extLst>
+          </p:cNvPr>
+          <p:cNvPicPr>
+            <a:picLocks noGrp="1" noChangeAspect="1"/>
+          </p:cNvPicPr>
+          <p:nvPr>
+            <p:ph sz="half" idx="1"/>
+          </p:nvPr>
+        </p:nvPicPr>
+        <p:blipFill rotWithShape="1">
+          <a:blip r:embed="rId3"/>
+          <a:srcRect t="3551" r="2" b="4191"/>
+          <a:stretch/>
+        </p:blipFill>
+        <p:spPr>
+          <a:xfrm>
+            <a:off x="7534655" y="2381550"/>
+            <a:ext cx="4496478" cy="2092832"/>
+          </a:xfrm>
+          <a:prstGeom prst="rect">
+            <a:avLst/>
+          </a:prstGeom>
+        </p:spPr>
+      </p:pic>
+      <p:pic>
+        <p:nvPicPr>
+          <p:cNvPr id="11" name="Content Placeholder 5">
+            <a:extLst>
+              <a:ext uri="{FF2B5EF4-FFF2-40B4-BE49-F238E27FC236}">
+                <a16:creationId xmlns:a16="http://schemas.microsoft.com/office/drawing/2014/main" id="{532D47D4-DE71-F745-9376-44D7108FFEFD}"/>
+              </a:ext>
+            </a:extLst>
+          </p:cNvPr>
+          <p:cNvPicPr>
+            <a:picLocks noChangeAspect="1"/>
+          </p:cNvPicPr>
+          <p:nvPr/>
+        </p:nvPicPr>
+        <p:blipFill rotWithShape="1">
+          <a:blip r:embed="rId4"/>
+          <a:srcRect r="1" b="12784"/>
+          <a:stretch/>
+        </p:blipFill>
+        <p:spPr>
+          <a:xfrm>
+            <a:off x="7542459" y="4625623"/>
+            <a:ext cx="4496478" cy="2092833"/>
+          </a:xfrm>
+          <a:prstGeom prst="rect">
+            <a:avLst/>
+          </a:prstGeom>
+        </p:spPr>
+      </p:pic>
+    </p:spTree>
+    <p:extLst>
+      <p:ext uri="{BB962C8B-B14F-4D97-AF65-F5344CB8AC3E}">
+        <p14:creationId xmlns:p14="http://schemas.microsoft.com/office/powerpoint/2010/main" val="63337937"/>
+      </p:ext>
+    </p:extLst>
+  </p:cSld>
+  <p:clrMapOvr>
+    <a:masterClrMapping/>
+  </p:clrMapOvr>
+</p:sld>
+</file>
+
+<file path=ppt/slides/slide9.xml><?xml version="1.0" encoding="utf-8"?>
+<p:sld xmlns:a="http://schemas.openxmlformats.org/drawingml/2006/main" xmlns:r="http://schemas.openxmlformats.org/officeDocument/2006/relationships" xmlns:p="http://schemas.openxmlformats.org/presentationml/2006/main">
+  <p:cSld>
+    <p:spTree>
+      <p:nvGrpSpPr>
+        <p:cNvPr id="1" name=""/>
+        <p:cNvGrpSpPr/>
+        <p:nvPr/>
+      </p:nvGrpSpPr>
+      <p:grpSpPr>
+        <a:xfrm>
+          <a:off x="0" y="0"/>
+          <a:ext cx="0" cy="0"/>
+          <a:chOff x="0" y="0"/>
+          <a:chExt cx="0" cy="0"/>
+        </a:xfrm>
+      </p:grpSpPr>
+      <p:sp>
+        <p:nvSpPr>
+          <p:cNvPr id="2" name="Title 1">
+            <a:extLst>
+              <a:ext uri="{FF2B5EF4-FFF2-40B4-BE49-F238E27FC236}">
+                <a16:creationId xmlns:a16="http://schemas.microsoft.com/office/drawing/2014/main" id="{3335E8FC-169E-F64C-A0CB-B0A7A087A39F}"/>
+              </a:ext>
+            </a:extLst>
+          </p:cNvPr>
+          <p:cNvSpPr>
+            <a:spLocks noGrp="1"/>
+          </p:cNvSpPr>
+          <p:nvPr>
+            <p:ph type="ctrTitle"/>
+          </p:nvPr>
+        </p:nvSpPr>
+        <p:spPr/>
+        <p:txBody>
+          <a:bodyPr/>
+          <a:lstStyle/>
+          <a:p>
+            <a:r>
+              <a:rPr lang="fr-FR" dirty="0"/>
+              <a:t>Niveau 2</a:t>
+            </a:r>
+          </a:p>
+        </p:txBody>
+      </p:sp>
+    </p:spTree>
+    <p:extLst>
+      <p:ext uri="{BB962C8B-B14F-4D97-AF65-F5344CB8AC3E}">
+        <p14:creationId xmlns:p14="http://schemas.microsoft.com/office/powerpoint/2010/main" val="1705030933"/>
       </p:ext>
     </p:extLst>
   </p:cSld>

--- a/Soutenance.pptx
+++ b/Soutenance.pptx
@@ -16,6 +16,7 @@
     <p:sldId id="264" r:id="rId10"/>
     <p:sldId id="265" r:id="rId11"/>
     <p:sldId id="266" r:id="rId12"/>
+    <p:sldId id="267" r:id="rId13"/>
   </p:sldIdLst>
   <p:sldSz cx="12192000" cy="6858000"/>
   <p:notesSz cx="6858000" cy="9144000"/>
@@ -7898,6 +7899,14 @@
 <file path=ppt/slides/slide1.xml><?xml version="1.0" encoding="utf-8"?>
 <p:sld xmlns:a="http://schemas.openxmlformats.org/drawingml/2006/main" xmlns:r="http://schemas.openxmlformats.org/officeDocument/2006/relationships" xmlns:p="http://schemas.openxmlformats.org/presentationml/2006/main">
   <p:cSld>
+    <p:bg>
+      <p:bgPr>
+        <a:solidFill>
+          <a:schemeClr val="bg1"/>
+        </a:solidFill>
+        <a:effectLst/>
+      </p:bgPr>
+    </p:bg>
     <p:spTree>
       <p:nvGrpSpPr>
         <p:cNvPr id="1" name=""/>
@@ -7912,6 +7921,313 @@
           <a:chExt cx="0" cy="0"/>
         </a:xfrm>
       </p:grpSpPr>
+      <p:sp useBgFill="1">
+        <p:nvSpPr>
+          <p:cNvPr id="8" name="Rectangle 7">
+            <a:extLst>
+              <a:ext uri="{FF2B5EF4-FFF2-40B4-BE49-F238E27FC236}">
+                <a16:creationId xmlns:a16="http://schemas.microsoft.com/office/drawing/2014/main" id="{2FE8DED1-24FF-4A79-873B-ECE3ABE73035}"/>
+              </a:ext>
+              <a:ext uri="{C183D7F6-B498-43B3-948B-1728B52AA6E4}">
+                <adec:decorative xmlns:adec="http://schemas.microsoft.com/office/drawing/2017/decorative" val="1"/>
+              </a:ext>
+            </a:extLst>
+          </p:cNvPr>
+          <p:cNvSpPr>
+            <a:spLocks noGrp="1" noRot="1" noChangeAspect="1" noMove="1" noResize="1" noEditPoints="1" noAdjustHandles="1" noChangeArrowheads="1" noChangeShapeType="1" noTextEdit="1"/>
+          </p:cNvSpPr>
+          <p:nvPr>
+            <p:extLst>
+              <p:ext uri="{386F3935-93C4-4BCD-93E2-E3B085C9AB24}">
+                <p16:designElem xmlns:p16="http://schemas.microsoft.com/office/powerpoint/2015/main" val="1"/>
+              </p:ext>
+            </p:extLst>
+          </p:nvPr>
+        </p:nvSpPr>
+        <p:spPr>
+          <a:xfrm>
+            <a:off x="0" y="0"/>
+            <a:ext cx="12192000" cy="6858000"/>
+          </a:xfrm>
+          <a:prstGeom prst="rect">
+            <a:avLst/>
+          </a:prstGeom>
+          <a:ln>
+            <a:noFill/>
+          </a:ln>
+        </p:spPr>
+        <p:style>
+          <a:lnRef idx="2">
+            <a:schemeClr val="accent1">
+              <a:shade val="50000"/>
+            </a:schemeClr>
+          </a:lnRef>
+          <a:fillRef idx="1">
+            <a:schemeClr val="accent1"/>
+          </a:fillRef>
+          <a:effectRef idx="0">
+            <a:schemeClr val="accent1"/>
+          </a:effectRef>
+          <a:fontRef idx="minor">
+            <a:schemeClr val="lt1"/>
+          </a:fontRef>
+        </p:style>
+        <p:txBody>
+          <a:bodyPr rtlCol="0" anchor="ctr"/>
+          <a:lstStyle/>
+          <a:p>
+            <a:pPr algn="ctr"/>
+            <a:endParaRPr lang="en-US"/>
+          </a:p>
+        </p:txBody>
+      </p:sp>
+      <p:sp>
+        <p:nvSpPr>
+          <p:cNvPr id="10" name="Freeform: Shape 9">
+            <a:extLst>
+              <a:ext uri="{FF2B5EF4-FFF2-40B4-BE49-F238E27FC236}">
+                <a16:creationId xmlns:a16="http://schemas.microsoft.com/office/drawing/2014/main" id="{0AA6A048-501A-4387-906B-B8A8543E7B11}"/>
+              </a:ext>
+              <a:ext uri="{C183D7F6-B498-43B3-948B-1728B52AA6E4}">
+                <adec:decorative xmlns:adec="http://schemas.microsoft.com/office/drawing/2017/decorative" val="1"/>
+              </a:ext>
+            </a:extLst>
+          </p:cNvPr>
+          <p:cNvSpPr>
+            <a:spLocks noGrp="1" noRot="1" noChangeAspect="1" noMove="1" noResize="1" noEditPoints="1" noAdjustHandles="1" noChangeArrowheads="1" noChangeShapeType="1" noTextEdit="1"/>
+          </p:cNvSpPr>
+          <p:nvPr>
+            <p:extLst>
+              <p:ext uri="{386F3935-93C4-4BCD-93E2-E3B085C9AB24}">
+                <p16:designElem xmlns:p16="http://schemas.microsoft.com/office/powerpoint/2015/main" val="1"/>
+              </p:ext>
+            </p:extLst>
+          </p:nvPr>
+        </p:nvSpPr>
+        <p:spPr>
+          <a:xfrm>
+            <a:off x="637093" y="643467"/>
+            <a:ext cx="10917814" cy="5571066"/>
+          </a:xfrm>
+          <a:custGeom>
+            <a:avLst/>
+            <a:gdLst>
+              <a:gd name="connsiteX0" fmla="*/ 195712 w 10917814"/>
+              <a:gd name="connsiteY0" fmla="*/ 0 h 5571066"/>
+              <a:gd name="connsiteX1" fmla="*/ 5062165 w 10917814"/>
+              <a:gd name="connsiteY1" fmla="*/ 0 h 5571066"/>
+              <a:gd name="connsiteX2" fmla="*/ 5419638 w 10917814"/>
+              <a:gd name="connsiteY2" fmla="*/ 268105 h 5571066"/>
+              <a:gd name="connsiteX3" fmla="*/ 5428105 w 10917814"/>
+              <a:gd name="connsiteY3" fmla="*/ 271280 h 5571066"/>
+              <a:gd name="connsiteX4" fmla="*/ 5440804 w 10917814"/>
+              <a:gd name="connsiteY4" fmla="*/ 276043 h 5571066"/>
+              <a:gd name="connsiteX5" fmla="*/ 5453505 w 10917814"/>
+              <a:gd name="connsiteY5" fmla="*/ 280805 h 5571066"/>
+              <a:gd name="connsiteX6" fmla="*/ 5464088 w 10917814"/>
+              <a:gd name="connsiteY6" fmla="*/ 280805 h 5571066"/>
+              <a:gd name="connsiteX7" fmla="*/ 5476788 w 10917814"/>
+              <a:gd name="connsiteY7" fmla="*/ 280805 h 5571066"/>
+              <a:gd name="connsiteX8" fmla="*/ 5487371 w 10917814"/>
+              <a:gd name="connsiteY8" fmla="*/ 276043 h 5571066"/>
+              <a:gd name="connsiteX9" fmla="*/ 5500071 w 10917814"/>
+              <a:gd name="connsiteY9" fmla="*/ 271280 h 5571066"/>
+              <a:gd name="connsiteX10" fmla="*/ 5508538 w 10917814"/>
+              <a:gd name="connsiteY10" fmla="*/ 268105 h 5571066"/>
+              <a:gd name="connsiteX11" fmla="*/ 5866011 w 10917814"/>
+              <a:gd name="connsiteY11" fmla="*/ 0 h 5571066"/>
+              <a:gd name="connsiteX12" fmla="*/ 10722102 w 10917814"/>
+              <a:gd name="connsiteY12" fmla="*/ 0 h 5571066"/>
+              <a:gd name="connsiteX13" fmla="*/ 10917814 w 10917814"/>
+              <a:gd name="connsiteY13" fmla="*/ 195712 h 5571066"/>
+              <a:gd name="connsiteX14" fmla="*/ 10917814 w 10917814"/>
+              <a:gd name="connsiteY14" fmla="*/ 5375354 h 5571066"/>
+              <a:gd name="connsiteX15" fmla="*/ 10722102 w 10917814"/>
+              <a:gd name="connsiteY15" fmla="*/ 5571066 h 5571066"/>
+              <a:gd name="connsiteX16" fmla="*/ 195712 w 10917814"/>
+              <a:gd name="connsiteY16" fmla="*/ 5571066 h 5571066"/>
+              <a:gd name="connsiteX17" fmla="*/ 0 w 10917814"/>
+              <a:gd name="connsiteY17" fmla="*/ 5375354 h 5571066"/>
+              <a:gd name="connsiteX18" fmla="*/ 0 w 10917814"/>
+              <a:gd name="connsiteY18" fmla="*/ 195712 h 5571066"/>
+              <a:gd name="connsiteX19" fmla="*/ 195712 w 10917814"/>
+              <a:gd name="connsiteY19" fmla="*/ 0 h 5571066"/>
+            </a:gdLst>
+            <a:ahLst/>
+            <a:cxnLst>
+              <a:cxn ang="0">
+                <a:pos x="connsiteX0" y="connsiteY0"/>
+              </a:cxn>
+              <a:cxn ang="0">
+                <a:pos x="connsiteX1" y="connsiteY1"/>
+              </a:cxn>
+              <a:cxn ang="0">
+                <a:pos x="connsiteX2" y="connsiteY2"/>
+              </a:cxn>
+              <a:cxn ang="0">
+                <a:pos x="connsiteX3" y="connsiteY3"/>
+              </a:cxn>
+              <a:cxn ang="0">
+                <a:pos x="connsiteX4" y="connsiteY4"/>
+              </a:cxn>
+              <a:cxn ang="0">
+                <a:pos x="connsiteX5" y="connsiteY5"/>
+              </a:cxn>
+              <a:cxn ang="0">
+                <a:pos x="connsiteX6" y="connsiteY6"/>
+              </a:cxn>
+              <a:cxn ang="0">
+                <a:pos x="connsiteX7" y="connsiteY7"/>
+              </a:cxn>
+              <a:cxn ang="0">
+                <a:pos x="connsiteX8" y="connsiteY8"/>
+              </a:cxn>
+              <a:cxn ang="0">
+                <a:pos x="connsiteX9" y="connsiteY9"/>
+              </a:cxn>
+              <a:cxn ang="0">
+                <a:pos x="connsiteX10" y="connsiteY10"/>
+              </a:cxn>
+              <a:cxn ang="0">
+                <a:pos x="connsiteX11" y="connsiteY11"/>
+              </a:cxn>
+              <a:cxn ang="0">
+                <a:pos x="connsiteX12" y="connsiteY12"/>
+              </a:cxn>
+              <a:cxn ang="0">
+                <a:pos x="connsiteX13" y="connsiteY13"/>
+              </a:cxn>
+              <a:cxn ang="0">
+                <a:pos x="connsiteX14" y="connsiteY14"/>
+              </a:cxn>
+              <a:cxn ang="0">
+                <a:pos x="connsiteX15" y="connsiteY15"/>
+              </a:cxn>
+              <a:cxn ang="0">
+                <a:pos x="connsiteX16" y="connsiteY16"/>
+              </a:cxn>
+              <a:cxn ang="0">
+                <a:pos x="connsiteX17" y="connsiteY17"/>
+              </a:cxn>
+              <a:cxn ang="0">
+                <a:pos x="connsiteX18" y="connsiteY18"/>
+              </a:cxn>
+              <a:cxn ang="0">
+                <a:pos x="connsiteX19" y="connsiteY19"/>
+              </a:cxn>
+            </a:cxnLst>
+            <a:rect l="l" t="t" r="r" b="b"/>
+            <a:pathLst>
+              <a:path w="10917814" h="5571066">
+                <a:moveTo>
+                  <a:pt x="195712" y="0"/>
+                </a:moveTo>
+                <a:lnTo>
+                  <a:pt x="5062165" y="0"/>
+                </a:lnTo>
+                <a:lnTo>
+                  <a:pt x="5419638" y="268105"/>
+                </a:lnTo>
+                <a:lnTo>
+                  <a:pt x="5428105" y="271280"/>
+                </a:lnTo>
+                <a:lnTo>
+                  <a:pt x="5440804" y="276043"/>
+                </a:lnTo>
+                <a:lnTo>
+                  <a:pt x="5453505" y="280805"/>
+                </a:lnTo>
+                <a:lnTo>
+                  <a:pt x="5464088" y="280805"/>
+                </a:lnTo>
+                <a:lnTo>
+                  <a:pt x="5476788" y="280805"/>
+                </a:lnTo>
+                <a:lnTo>
+                  <a:pt x="5487371" y="276043"/>
+                </a:lnTo>
+                <a:lnTo>
+                  <a:pt x="5500071" y="271280"/>
+                </a:lnTo>
+                <a:lnTo>
+                  <a:pt x="5508538" y="268105"/>
+                </a:lnTo>
+                <a:lnTo>
+                  <a:pt x="5866011" y="0"/>
+                </a:lnTo>
+                <a:lnTo>
+                  <a:pt x="10722102" y="0"/>
+                </a:lnTo>
+                <a:cubicBezTo>
+                  <a:pt x="10830191" y="0"/>
+                  <a:pt x="10917814" y="87623"/>
+                  <a:pt x="10917814" y="195712"/>
+                </a:cubicBezTo>
+                <a:lnTo>
+                  <a:pt x="10917814" y="5375354"/>
+                </a:lnTo>
+                <a:cubicBezTo>
+                  <a:pt x="10917814" y="5483443"/>
+                  <a:pt x="10830191" y="5571066"/>
+                  <a:pt x="10722102" y="5571066"/>
+                </a:cubicBezTo>
+                <a:lnTo>
+                  <a:pt x="195712" y="5571066"/>
+                </a:lnTo>
+                <a:cubicBezTo>
+                  <a:pt x="87623" y="5571066"/>
+                  <a:pt x="0" y="5483443"/>
+                  <a:pt x="0" y="5375354"/>
+                </a:cubicBezTo>
+                <a:lnTo>
+                  <a:pt x="0" y="195712"/>
+                </a:lnTo>
+                <a:cubicBezTo>
+                  <a:pt x="0" y="87623"/>
+                  <a:pt x="87623" y="0"/>
+                  <a:pt x="195712" y="0"/>
+                </a:cubicBezTo>
+                <a:close/>
+              </a:path>
+            </a:pathLst>
+          </a:custGeom>
+          <a:solidFill>
+            <a:schemeClr val="bg1"/>
+          </a:solidFill>
+          <a:ln w="38100">
+            <a:solidFill>
+              <a:schemeClr val="accent1"/>
+            </a:solidFill>
+          </a:ln>
+          <a:effectLst/>
+        </p:spPr>
+        <p:style>
+          <a:lnRef idx="2">
+            <a:schemeClr val="accent1">
+              <a:shade val="50000"/>
+            </a:schemeClr>
+          </a:lnRef>
+          <a:fillRef idx="1">
+            <a:schemeClr val="accent1"/>
+          </a:fillRef>
+          <a:effectRef idx="0">
+            <a:schemeClr val="accent1"/>
+          </a:effectRef>
+          <a:fontRef idx="minor">
+            <a:schemeClr val="lt1"/>
+          </a:fontRef>
+        </p:style>
+        <p:txBody>
+          <a:bodyPr wrap="square" rtlCol="0" anchor="ctr">
+            <a:noAutofit/>
+          </a:bodyPr>
+          <a:lstStyle/>
+          <a:p>
+            <a:pPr algn="ctr"/>
+            <a:endParaRPr lang="en-US"/>
+          </a:p>
+        </p:txBody>
+      </p:sp>
       <p:sp>
         <p:nvSpPr>
           <p:cNvPr id="2" name="Title 1">
@@ -7928,13 +8244,26 @@
             <p:ph type="ctrTitle"/>
           </p:nvPr>
         </p:nvSpPr>
-        <p:spPr/>
+        <p:spPr>
+          <a:xfrm>
+            <a:off x="1280559" y="1286935"/>
+            <a:ext cx="9638153" cy="2668377"/>
+          </a:xfrm>
+          <a:effectLst/>
+        </p:spPr>
         <p:txBody>
-          <a:bodyPr/>
+          <a:bodyPr>
+            <a:normAutofit/>
+          </a:bodyPr>
           <a:lstStyle/>
           <a:p>
-            <a:r>
-              <a:rPr lang="fr-FR" dirty="0"/>
+            <a:pPr algn="ctr"/>
+            <a:r>
+              <a:rPr lang="fr-FR">
+                <a:solidFill>
+                  <a:schemeClr val="tx1"/>
+                </a:solidFill>
+              </a:rPr>
               <a:t>Soutenance projet-2048</a:t>
             </a:r>
           </a:p>
@@ -7956,15 +8285,25 @@
             <p:ph type="subTitle" idx="1"/>
           </p:nvPr>
         </p:nvSpPr>
-        <p:spPr/>
+        <p:spPr>
+          <a:xfrm>
+            <a:off x="1280559" y="4116179"/>
+            <a:ext cx="9638153" cy="1599642"/>
+          </a:xfrm>
+          <a:effectLst/>
+        </p:spPr>
         <p:txBody>
-          <a:bodyPr/>
+          <a:bodyPr>
+            <a:normAutofit/>
+          </a:bodyPr>
           <a:lstStyle/>
           <a:p>
+            <a:pPr algn="ctr"/>
             <a:r>
               <a:rPr lang="fr-FR" dirty="0"/>
               <a:t>Ranaivo-Harisoa Mitia</a:t>
             </a:r>
+            <a:endParaRPr lang="fr-FR"/>
           </a:p>
         </p:txBody>
       </p:sp>
@@ -7976,7 +8315,7 @@
     </p:extLst>
   </p:cSld>
   <p:clrMapOvr>
-    <a:masterClrMapping/>
+    <a:overrideClrMapping bg1="lt1" tx1="dk1" bg2="lt2" tx2="dk2" accent1="accent1" accent2="accent2" accent3="accent3" accent4="accent4" accent5="accent5" accent6="accent6" hlink="hlink" folHlink="folHlink"/>
   </p:clrMapOvr>
 </p:sld>
 </file>
@@ -8616,6 +8955,14 @@
 <file path=ppt/slides/slide11.xml><?xml version="1.0" encoding="utf-8"?>
 <p:sld xmlns:a="http://schemas.openxmlformats.org/drawingml/2006/main" xmlns:r="http://schemas.openxmlformats.org/officeDocument/2006/relationships" xmlns:p="http://schemas.openxmlformats.org/presentationml/2006/main">
   <p:cSld>
+    <p:bg>
+      <p:bgPr>
+        <a:solidFill>
+          <a:schemeClr val="bg1"/>
+        </a:solidFill>
+        <a:effectLst/>
+      </p:bgPr>
+    </p:bg>
     <p:spTree>
       <p:nvGrpSpPr>
         <p:cNvPr id="1" name=""/>
@@ -8632,6 +8979,385 @@
       </p:grpSpPr>
       <p:sp>
         <p:nvSpPr>
+          <p:cNvPr id="22" name="Freeform 6">
+            <a:extLst>
+              <a:ext uri="{FF2B5EF4-FFF2-40B4-BE49-F238E27FC236}">
+                <a16:creationId xmlns:a16="http://schemas.microsoft.com/office/drawing/2014/main" id="{53576798-7F98-4C7F-B6C7-6D41B5A7E927}"/>
+              </a:ext>
+              <a:ext uri="{C183D7F6-B498-43B3-948B-1728B52AA6E4}">
+                <adec:decorative xmlns:adec="http://schemas.microsoft.com/office/drawing/2017/decorative" val="1"/>
+              </a:ext>
+            </a:extLst>
+          </p:cNvPr>
+          <p:cNvSpPr>
+            <a:spLocks noGrp="1" noRot="1" noChangeAspect="1" noMove="1" noResize="1" noEditPoints="1" noAdjustHandles="1" noChangeArrowheads="1" noChangeShapeType="1" noTextEdit="1"/>
+          </p:cNvSpPr>
+          <p:nvPr>
+            <p:extLst>
+              <p:ext uri="{386F3935-93C4-4BCD-93E2-E3B085C9AB24}">
+                <p16:designElem xmlns:p16="http://schemas.microsoft.com/office/powerpoint/2015/main" val="1"/>
+              </p:ext>
+            </p:extLst>
+          </p:nvPr>
+        </p:nvSpPr>
+        <p:spPr bwMode="auto">
+          <a:xfrm>
+            <a:off x="0" y="0"/>
+            <a:ext cx="12192000" cy="2185988"/>
+          </a:xfrm>
+          <a:custGeom>
+            <a:avLst/>
+            <a:gdLst/>
+            <a:ahLst/>
+            <a:cxnLst/>
+            <a:rect l="0" t="0" r="r" b="b"/>
+            <a:pathLst>
+              <a:path w="5760" h="1377">
+                <a:moveTo>
+                  <a:pt x="5760" y="0"/>
+                </a:moveTo>
+                <a:lnTo>
+                  <a:pt x="0" y="0"/>
+                </a:lnTo>
+                <a:lnTo>
+                  <a:pt x="0" y="1189"/>
+                </a:lnTo>
+                <a:lnTo>
+                  <a:pt x="943" y="1189"/>
+                </a:lnTo>
+                <a:lnTo>
+                  <a:pt x="1123" y="1369"/>
+                </a:lnTo>
+                <a:lnTo>
+                  <a:pt x="1123" y="1369"/>
+                </a:lnTo>
+                <a:lnTo>
+                  <a:pt x="1127" y="1371"/>
+                </a:lnTo>
+                <a:lnTo>
+                  <a:pt x="1133" y="1374"/>
+                </a:lnTo>
+                <a:lnTo>
+                  <a:pt x="1139" y="1377"/>
+                </a:lnTo>
+                <a:lnTo>
+                  <a:pt x="1144" y="1377"/>
+                </a:lnTo>
+                <a:lnTo>
+                  <a:pt x="1150" y="1377"/>
+                </a:lnTo>
+                <a:lnTo>
+                  <a:pt x="1155" y="1374"/>
+                </a:lnTo>
+                <a:lnTo>
+                  <a:pt x="1161" y="1371"/>
+                </a:lnTo>
+                <a:lnTo>
+                  <a:pt x="1165" y="1369"/>
+                </a:lnTo>
+                <a:lnTo>
+                  <a:pt x="1345" y="1189"/>
+                </a:lnTo>
+                <a:lnTo>
+                  <a:pt x="5760" y="1189"/>
+                </a:lnTo>
+                <a:lnTo>
+                  <a:pt x="5760" y="0"/>
+                </a:lnTo>
+                <a:close/>
+              </a:path>
+            </a:pathLst>
+          </a:custGeom>
+          <a:ln/>
+          <a:extLst>
+            <a:ext uri="{91240B29-F687-4f45-9708-019B960494DF}">
+              <a14:hiddenLine xmlns="" xmlns:a16="http://schemas.microsoft.com/office/drawing/2014/main" xmlns:p14="http://schemas.microsoft.com/office/powerpoint/2010/main" xmlns:a14="http://schemas.microsoft.com/office/drawing/2010/main" w="9525">
+                <a:solidFill>
+                  <a:srgbClr val="000000"/>
+                </a:solidFill>
+                <a:round/>
+                <a:headEnd/>
+                <a:tailEnd/>
+              </a14:hiddenLine>
+            </a:ext>
+          </a:extLst>
+        </p:spPr>
+        <p:style>
+          <a:lnRef idx="1">
+            <a:schemeClr val="accent1"/>
+          </a:lnRef>
+          <a:fillRef idx="3">
+            <a:schemeClr val="accent1"/>
+          </a:fillRef>
+          <a:effectRef idx="2">
+            <a:schemeClr val="accent1"/>
+          </a:effectRef>
+          <a:fontRef idx="minor">
+            <a:schemeClr val="lt1"/>
+          </a:fontRef>
+        </p:style>
+      </p:sp>
+      <p:sp>
+        <p:nvSpPr>
+          <p:cNvPr id="24" name="Rectangle 23">
+            <a:extLst>
+              <a:ext uri="{FF2B5EF4-FFF2-40B4-BE49-F238E27FC236}">
+                <a16:creationId xmlns:a16="http://schemas.microsoft.com/office/drawing/2014/main" id="{A416E3E5-5186-46A4-AFBD-337387D3163D}"/>
+              </a:ext>
+              <a:ext uri="{C183D7F6-B498-43B3-948B-1728B52AA6E4}">
+                <adec:decorative xmlns:adec="http://schemas.microsoft.com/office/drawing/2017/decorative" val="1"/>
+              </a:ext>
+            </a:extLst>
+          </p:cNvPr>
+          <p:cNvSpPr>
+            <a:spLocks noGrp="1" noRot="1" noChangeAspect="1" noMove="1" noResize="1" noEditPoints="1" noAdjustHandles="1" noChangeArrowheads="1" noChangeShapeType="1" noTextEdit="1"/>
+          </p:cNvSpPr>
+          <p:nvPr>
+            <p:extLst>
+              <p:ext uri="{386F3935-93C4-4BCD-93E2-E3B085C9AB24}">
+                <p16:designElem xmlns:p16="http://schemas.microsoft.com/office/powerpoint/2015/main" val="1"/>
+              </p:ext>
+            </p:extLst>
+          </p:nvPr>
+        </p:nvSpPr>
+        <p:spPr>
+          <a:xfrm>
+            <a:off x="4573" y="0"/>
+            <a:ext cx="12187427" cy="6858000"/>
+          </a:xfrm>
+          <a:prstGeom prst="rect">
+            <a:avLst/>
+          </a:prstGeom>
+          <a:solidFill>
+            <a:schemeClr val="bg1"/>
+          </a:solidFill>
+          <a:ln>
+            <a:noFill/>
+          </a:ln>
+        </p:spPr>
+        <p:style>
+          <a:lnRef idx="2">
+            <a:schemeClr val="accent1">
+              <a:shade val="50000"/>
+            </a:schemeClr>
+          </a:lnRef>
+          <a:fillRef idx="1">
+            <a:schemeClr val="accent1"/>
+          </a:fillRef>
+          <a:effectRef idx="0">
+            <a:schemeClr val="accent1"/>
+          </a:effectRef>
+          <a:fontRef idx="minor">
+            <a:schemeClr val="lt1"/>
+          </a:fontRef>
+        </p:style>
+        <p:txBody>
+          <a:bodyPr rtlCol="0" anchor="ctr"/>
+          <a:lstStyle/>
+          <a:p>
+            <a:pPr algn="ctr"/>
+            <a:endParaRPr lang="en-US"/>
+          </a:p>
+        </p:txBody>
+      </p:sp>
+      <p:sp>
+        <p:nvSpPr>
+          <p:cNvPr id="26" name="Freeform 23">
+            <a:extLst>
+              <a:ext uri="{FF2B5EF4-FFF2-40B4-BE49-F238E27FC236}">
+                <a16:creationId xmlns:a16="http://schemas.microsoft.com/office/drawing/2014/main" id="{7B8FAACC-353E-4F84-BA62-A5514185D9A9}"/>
+              </a:ext>
+              <a:ext uri="{C183D7F6-B498-43B3-948B-1728B52AA6E4}">
+                <adec:decorative xmlns:adec="http://schemas.microsoft.com/office/drawing/2017/decorative" val="1"/>
+              </a:ext>
+            </a:extLst>
+          </p:cNvPr>
+          <p:cNvSpPr>
+            <a:spLocks noGrp="1" noRot="1" noChangeAspect="1" noMove="1" noResize="1" noEditPoints="1" noAdjustHandles="1" noChangeArrowheads="1" noChangeShapeType="1" noTextEdit="1"/>
+          </p:cNvSpPr>
+          <p:nvPr>
+            <p:extLst>
+              <p:ext uri="{386F3935-93C4-4BCD-93E2-E3B085C9AB24}">
+                <p16:designElem xmlns:p16="http://schemas.microsoft.com/office/powerpoint/2015/main" val="1"/>
+              </p:ext>
+            </p:extLst>
+          </p:nvPr>
+        </p:nvSpPr>
+        <p:spPr bwMode="white">
+          <a:xfrm flipH="1">
+            <a:off x="7554995" y="0"/>
+            <a:ext cx="4637005" cy="6858000"/>
+          </a:xfrm>
+          <a:custGeom>
+            <a:avLst/>
+            <a:gdLst>
+              <a:gd name="connsiteX0" fmla="*/ 0 w 4637005"/>
+              <a:gd name="connsiteY0" fmla="*/ 0 h 6858000"/>
+              <a:gd name="connsiteX1" fmla="*/ 4637005 w 4637005"/>
+              <a:gd name="connsiteY1" fmla="*/ 0 h 6858000"/>
+              <a:gd name="connsiteX2" fmla="*/ 4637005 w 4637005"/>
+              <a:gd name="connsiteY2" fmla="*/ 1900238 h 6858000"/>
+              <a:gd name="connsiteX3" fmla="*/ 4266589 w 4637005"/>
+              <a:gd name="connsiteY3" fmla="*/ 2178050 h 6858000"/>
+              <a:gd name="connsiteX4" fmla="*/ 4262355 w 4637005"/>
+              <a:gd name="connsiteY4" fmla="*/ 2184400 h 6858000"/>
+              <a:gd name="connsiteX5" fmla="*/ 4256005 w 4637005"/>
+              <a:gd name="connsiteY5" fmla="*/ 2193925 h 6858000"/>
+              <a:gd name="connsiteX6" fmla="*/ 4249655 w 4637005"/>
+              <a:gd name="connsiteY6" fmla="*/ 2201863 h 6858000"/>
+              <a:gd name="connsiteX7" fmla="*/ 4249655 w 4637005"/>
+              <a:gd name="connsiteY7" fmla="*/ 2211388 h 6858000"/>
+              <a:gd name="connsiteX8" fmla="*/ 4249655 w 4637005"/>
+              <a:gd name="connsiteY8" fmla="*/ 2220913 h 6858000"/>
+              <a:gd name="connsiteX9" fmla="*/ 4256005 w 4637005"/>
+              <a:gd name="connsiteY9" fmla="*/ 2228850 h 6858000"/>
+              <a:gd name="connsiteX10" fmla="*/ 4262355 w 4637005"/>
+              <a:gd name="connsiteY10" fmla="*/ 2238375 h 6858000"/>
+              <a:gd name="connsiteX11" fmla="*/ 4266589 w 4637005"/>
+              <a:gd name="connsiteY11" fmla="*/ 2244725 h 6858000"/>
+              <a:gd name="connsiteX12" fmla="*/ 4637005 w 4637005"/>
+              <a:gd name="connsiteY12" fmla="*/ 2522538 h 6858000"/>
+              <a:gd name="connsiteX13" fmla="*/ 4637005 w 4637005"/>
+              <a:gd name="connsiteY13" fmla="*/ 6858000 h 6858000"/>
+              <a:gd name="connsiteX14" fmla="*/ 0 w 4637005"/>
+              <a:gd name="connsiteY14" fmla="*/ 6858000 h 6858000"/>
+            </a:gdLst>
+            <a:ahLst/>
+            <a:cxnLst>
+              <a:cxn ang="0">
+                <a:pos x="connsiteX0" y="connsiteY0"/>
+              </a:cxn>
+              <a:cxn ang="0">
+                <a:pos x="connsiteX1" y="connsiteY1"/>
+              </a:cxn>
+              <a:cxn ang="0">
+                <a:pos x="connsiteX2" y="connsiteY2"/>
+              </a:cxn>
+              <a:cxn ang="0">
+                <a:pos x="connsiteX3" y="connsiteY3"/>
+              </a:cxn>
+              <a:cxn ang="0">
+                <a:pos x="connsiteX4" y="connsiteY4"/>
+              </a:cxn>
+              <a:cxn ang="0">
+                <a:pos x="connsiteX5" y="connsiteY5"/>
+              </a:cxn>
+              <a:cxn ang="0">
+                <a:pos x="connsiteX6" y="connsiteY6"/>
+              </a:cxn>
+              <a:cxn ang="0">
+                <a:pos x="connsiteX7" y="connsiteY7"/>
+              </a:cxn>
+              <a:cxn ang="0">
+                <a:pos x="connsiteX8" y="connsiteY8"/>
+              </a:cxn>
+              <a:cxn ang="0">
+                <a:pos x="connsiteX9" y="connsiteY9"/>
+              </a:cxn>
+              <a:cxn ang="0">
+                <a:pos x="connsiteX10" y="connsiteY10"/>
+              </a:cxn>
+              <a:cxn ang="0">
+                <a:pos x="connsiteX11" y="connsiteY11"/>
+              </a:cxn>
+              <a:cxn ang="0">
+                <a:pos x="connsiteX12" y="connsiteY12"/>
+              </a:cxn>
+              <a:cxn ang="0">
+                <a:pos x="connsiteX13" y="connsiteY13"/>
+              </a:cxn>
+              <a:cxn ang="0">
+                <a:pos x="connsiteX14" y="connsiteY14"/>
+              </a:cxn>
+            </a:cxnLst>
+            <a:rect l="l" t="t" r="r" b="b"/>
+            <a:pathLst>
+              <a:path w="4637005" h="6858000">
+                <a:moveTo>
+                  <a:pt x="0" y="0"/>
+                </a:moveTo>
+                <a:lnTo>
+                  <a:pt x="4637005" y="0"/>
+                </a:lnTo>
+                <a:lnTo>
+                  <a:pt x="4637005" y="1900238"/>
+                </a:lnTo>
+                <a:lnTo>
+                  <a:pt x="4266589" y="2178050"/>
+                </a:lnTo>
+                <a:lnTo>
+                  <a:pt x="4262355" y="2184400"/>
+                </a:lnTo>
+                <a:lnTo>
+                  <a:pt x="4256005" y="2193925"/>
+                </a:lnTo>
+                <a:lnTo>
+                  <a:pt x="4249655" y="2201863"/>
+                </a:lnTo>
+                <a:lnTo>
+                  <a:pt x="4249655" y="2211388"/>
+                </a:lnTo>
+                <a:lnTo>
+                  <a:pt x="4249655" y="2220913"/>
+                </a:lnTo>
+                <a:lnTo>
+                  <a:pt x="4256005" y="2228850"/>
+                </a:lnTo>
+                <a:lnTo>
+                  <a:pt x="4262355" y="2238375"/>
+                </a:lnTo>
+                <a:lnTo>
+                  <a:pt x="4266589" y="2244725"/>
+                </a:lnTo>
+                <a:lnTo>
+                  <a:pt x="4637005" y="2522538"/>
+                </a:lnTo>
+                <a:lnTo>
+                  <a:pt x="4637005" y="6858000"/>
+                </a:lnTo>
+                <a:lnTo>
+                  <a:pt x="0" y="6858000"/>
+                </a:lnTo>
+                <a:close/>
+              </a:path>
+            </a:pathLst>
+          </a:custGeom>
+          <a:solidFill>
+            <a:srgbClr val="212121"/>
+          </a:solidFill>
+          <a:ln>
+            <a:noFill/>
+            <a:headEnd/>
+            <a:tailEnd/>
+          </a:ln>
+        </p:spPr>
+        <p:style>
+          <a:lnRef idx="1">
+            <a:schemeClr val="accent1"/>
+          </a:lnRef>
+          <a:fillRef idx="3">
+            <a:schemeClr val="accent1"/>
+          </a:fillRef>
+          <a:effectRef idx="2">
+            <a:schemeClr val="accent1"/>
+          </a:effectRef>
+          <a:fontRef idx="minor">
+            <a:schemeClr val="lt1"/>
+          </a:fontRef>
+        </p:style>
+        <p:txBody>
+          <a:bodyPr wrap="square" rtlCol="0" anchor="ctr">
+            <a:noAutofit/>
+          </a:bodyPr>
+          <a:lstStyle/>
+          <a:p>
+            <a:pPr algn="ctr"/>
+            <a:endParaRPr lang="en-US"/>
+          </a:p>
+        </p:txBody>
+      </p:sp>
+      <p:sp>
+        <p:nvSpPr>
           <p:cNvPr id="2" name="Title 1">
             <a:extLst>
               <a:ext uri="{FF2B5EF4-FFF2-40B4-BE49-F238E27FC236}">
@@ -8646,22 +9372,74 @@
             <p:ph type="title"/>
           </p:nvPr>
         </p:nvSpPr>
-        <p:spPr/>
+        <p:spPr>
+          <a:xfrm>
+            <a:off x="8164749" y="457201"/>
+            <a:ext cx="3575737" cy="1332688"/>
+          </a:xfrm>
+        </p:spPr>
         <p:txBody>
-          <a:bodyPr/>
+          <a:bodyPr vert="horz" lIns="91440" tIns="45720" rIns="91440" bIns="45720" rtlCol="0" anchor="b">
+            <a:normAutofit/>
+          </a:bodyPr>
           <a:lstStyle/>
           <a:p>
-            <a:r>
-              <a:rPr lang="fr-FR"/>
-              <a:t>2.2 Utilisation d’un </a:t>
-            </a:r>
-            <a:r>
-              <a:rPr lang="fr-FR" dirty="0"/>
-              <a:t>gestionnaire de version</a:t>
+            <a:pPr algn="ctr">
+              <a:lnSpc>
+                <a:spcPct val="90000"/>
+              </a:lnSpc>
+            </a:pPr>
+            <a:r>
+              <a:rPr lang="en-US" sz="3000">
+                <a:solidFill>
+                  <a:srgbClr val="FFFFFF"/>
+                </a:solidFill>
+              </a:rPr>
+              <a:t>2.2 Utilisation d’un gestionnaire de version</a:t>
             </a:r>
           </a:p>
         </p:txBody>
       </p:sp>
+      <p:pic>
+        <p:nvPicPr>
+          <p:cNvPr id="6" name="Content Placeholder 5">
+            <a:extLst>
+              <a:ext uri="{FF2B5EF4-FFF2-40B4-BE49-F238E27FC236}">
+                <a16:creationId xmlns:a16="http://schemas.microsoft.com/office/drawing/2014/main" id="{1739A288-2189-FB47-8C5A-3BDFE18CC055}"/>
+              </a:ext>
+            </a:extLst>
+          </p:cNvPr>
+          <p:cNvPicPr>
+            <a:picLocks noGrp="1" noChangeAspect="1"/>
+          </p:cNvPicPr>
+          <p:nvPr>
+            <p:ph sz="half" idx="2"/>
+          </p:nvPr>
+        </p:nvPicPr>
+        <p:blipFill>
+          <a:blip r:embed="rId2"/>
+          <a:stretch>
+            <a:fillRect/>
+          </a:stretch>
+        </p:blipFill>
+        <p:spPr>
+          <a:xfrm>
+            <a:off x="463961" y="893452"/>
+            <a:ext cx="6612856" cy="4711659"/>
+          </a:xfrm>
+          <a:prstGeom prst="roundRect">
+            <a:avLst>
+              <a:gd name="adj" fmla="val 3876"/>
+            </a:avLst>
+          </a:prstGeom>
+          <a:ln>
+            <a:solidFill>
+              <a:schemeClr val="accent1"/>
+            </a:solidFill>
+          </a:ln>
+          <a:effectLst/>
+        </p:spPr>
+      </p:pic>
       <p:sp>
         <p:nvSpPr>
           <p:cNvPr id="3" name="Content Placeholder 2">
@@ -8678,37 +9456,138 @@
             <p:ph sz="half" idx="1"/>
           </p:nvPr>
         </p:nvSpPr>
-        <p:spPr/>
+        <p:spPr>
+          <a:xfrm>
+            <a:off x="8164749" y="2024743"/>
+            <a:ext cx="3575737" cy="4016619"/>
+          </a:xfrm>
+        </p:spPr>
         <p:txBody>
-          <a:bodyPr/>
+          <a:bodyPr vert="horz" lIns="91440" tIns="45720" rIns="91440" bIns="45720" rtlCol="0" anchor="ctr">
+            <a:normAutofit/>
+          </a:bodyPr>
           <a:lstStyle/>
           <a:p>
-            <a:endParaRPr lang="fr-FR"/>
-          </a:p>
-        </p:txBody>
-      </p:sp>
-      <p:sp>
-        <p:nvSpPr>
-          <p:cNvPr id="4" name="Content Placeholder 3">
-            <a:extLst>
-              <a:ext uri="{FF2B5EF4-FFF2-40B4-BE49-F238E27FC236}">
-                <a16:creationId xmlns:a16="http://schemas.microsoft.com/office/drawing/2014/main" id="{10F52C65-A59A-E743-AF27-0E26146191FC}"/>
-              </a:ext>
-            </a:extLst>
-          </p:cNvPr>
-          <p:cNvSpPr>
-            <a:spLocks noGrp="1"/>
-          </p:cNvSpPr>
-          <p:nvPr>
-            <p:ph sz="half" idx="2"/>
-          </p:nvPr>
-        </p:nvSpPr>
-        <p:spPr/>
-        <p:txBody>
-          <a:bodyPr/>
-          <a:lstStyle/>
-          <a:p>
-            <a:endParaRPr lang="fr-FR"/>
+            <a:pPr>
+              <a:lnSpc>
+                <a:spcPct val="90000"/>
+              </a:lnSpc>
+            </a:pPr>
+            <a:r>
+              <a:rPr lang="en-US" sz="1600" b="1">
+                <a:solidFill>
+                  <a:srgbClr val="FFFFFF"/>
+                </a:solidFill>
+              </a:rPr>
+              <a:t>Méthode de sauvegarde des versions sur Github :</a:t>
+            </a:r>
+            <a:endParaRPr lang="en-US" sz="1600">
+              <a:solidFill>
+                <a:srgbClr val="FFFFFF"/>
+              </a:solidFill>
+            </a:endParaRPr>
+          </a:p>
+          <a:p>
+            <a:pPr lvl="0">
+              <a:lnSpc>
+                <a:spcPct val="90000"/>
+              </a:lnSpc>
+            </a:pPr>
+            <a:r>
+              <a:rPr lang="en-US" sz="1600">
+                <a:solidFill>
+                  <a:srgbClr val="FFFFFF"/>
+                </a:solidFill>
+              </a:rPr>
+              <a:t>Création d’un repository (privé) github sur le profile meethyrh.</a:t>
+            </a:r>
+          </a:p>
+          <a:p>
+            <a:pPr lvl="0">
+              <a:lnSpc>
+                <a:spcPct val="90000"/>
+              </a:lnSpc>
+            </a:pPr>
+            <a:r>
+              <a:rPr lang="en-US" sz="1600">
+                <a:solidFill>
+                  <a:srgbClr val="FFFFFF"/>
+                </a:solidFill>
+              </a:rPr>
+              <a:t>Mise en lien du nouveau repository avec le dossier contenant les fichiers en local.</a:t>
+            </a:r>
+          </a:p>
+          <a:p>
+            <a:pPr lvl="0">
+              <a:lnSpc>
+                <a:spcPct val="90000"/>
+              </a:lnSpc>
+            </a:pPr>
+            <a:r>
+              <a:rPr lang="en-US" sz="1600">
+                <a:solidFill>
+                  <a:srgbClr val="FFFFFF"/>
+                </a:solidFill>
+              </a:rPr>
+              <a:t>Commande pour sauvegarder ses fichiers : </a:t>
+            </a:r>
+          </a:p>
+          <a:p>
+            <a:pPr lvl="1">
+              <a:lnSpc>
+                <a:spcPct val="90000"/>
+              </a:lnSpc>
+            </a:pPr>
+            <a:r>
+              <a:rPr lang="en-US">
+                <a:solidFill>
+                  <a:srgbClr val="FFFFFF"/>
+                </a:solidFill>
+              </a:rPr>
+              <a:t>git add . </a:t>
+            </a:r>
+          </a:p>
+          <a:p>
+            <a:pPr lvl="1">
+              <a:lnSpc>
+                <a:spcPct val="90000"/>
+              </a:lnSpc>
+            </a:pPr>
+            <a:r>
+              <a:rPr lang="en-US">
+                <a:solidFill>
+                  <a:srgbClr val="FFFFFF"/>
+                </a:solidFill>
+              </a:rPr>
+              <a:t>git commit -m « label donné au commit »</a:t>
+            </a:r>
+          </a:p>
+          <a:p>
+            <a:pPr lvl="1">
+              <a:lnSpc>
+                <a:spcPct val="90000"/>
+              </a:lnSpc>
+            </a:pPr>
+            <a:r>
+              <a:rPr lang="en-US">
+                <a:solidFill>
+                  <a:srgbClr val="FFFFFF"/>
+                </a:solidFill>
+              </a:rPr>
+              <a:t>git push origin main</a:t>
+            </a:r>
+          </a:p>
+          <a:p>
+            <a:pPr>
+              <a:lnSpc>
+                <a:spcPct val="90000"/>
+              </a:lnSpc>
+            </a:pPr>
+            <a:endParaRPr lang="en-US" sz="1600">
+              <a:solidFill>
+                <a:srgbClr val="FFFFFF"/>
+              </a:solidFill>
+            </a:endParaRPr>
           </a:p>
         </p:txBody>
       </p:sp>
@@ -8720,14 +9599,22 @@
     </p:extLst>
   </p:cSld>
   <p:clrMapOvr>
-    <a:masterClrMapping/>
+    <a:overrideClrMapping bg1="lt1" tx1="dk1" bg2="lt2" tx2="dk2" accent1="accent1" accent2="accent2" accent3="accent3" accent4="accent4" accent5="accent5" accent6="accent6" hlink="hlink" folHlink="folHlink"/>
   </p:clrMapOvr>
 </p:sld>
 </file>
 
-<file path=ppt/slides/slide2.xml><?xml version="1.0" encoding="utf-8"?>
+<file path=ppt/slides/slide12.xml><?xml version="1.0" encoding="utf-8"?>
 <p:sld xmlns:a="http://schemas.openxmlformats.org/drawingml/2006/main" xmlns:r="http://schemas.openxmlformats.org/officeDocument/2006/relationships" xmlns:p="http://schemas.openxmlformats.org/presentationml/2006/main">
   <p:cSld>
+    <p:bg>
+      <p:bgPr>
+        <a:solidFill>
+          <a:schemeClr val="bg1"/>
+        </a:solidFill>
+        <a:effectLst/>
+      </p:bgPr>
+    </p:bg>
     <p:spTree>
       <p:nvGrpSpPr>
         <p:cNvPr id="1" name=""/>
@@ -8742,6 +9629,728 @@
           <a:chExt cx="0" cy="0"/>
         </a:xfrm>
       </p:grpSpPr>
+      <p:sp useBgFill="1">
+        <p:nvSpPr>
+          <p:cNvPr id="12" name="Rectangle 7">
+            <a:extLst>
+              <a:ext uri="{FF2B5EF4-FFF2-40B4-BE49-F238E27FC236}">
+                <a16:creationId xmlns:a16="http://schemas.microsoft.com/office/drawing/2014/main" id="{2FE8DED1-24FF-4A79-873B-ECE3ABE73035}"/>
+              </a:ext>
+              <a:ext uri="{C183D7F6-B498-43B3-948B-1728B52AA6E4}">
+                <adec:decorative xmlns:adec="http://schemas.microsoft.com/office/drawing/2017/decorative" val="1"/>
+              </a:ext>
+            </a:extLst>
+          </p:cNvPr>
+          <p:cNvSpPr>
+            <a:spLocks noGrp="1" noRot="1" noChangeAspect="1" noMove="1" noResize="1" noEditPoints="1" noAdjustHandles="1" noChangeArrowheads="1" noChangeShapeType="1" noTextEdit="1"/>
+          </p:cNvSpPr>
+          <p:nvPr>
+            <p:extLst>
+              <p:ext uri="{386F3935-93C4-4BCD-93E2-E3B085C9AB24}">
+                <p16:designElem xmlns:p16="http://schemas.microsoft.com/office/powerpoint/2015/main" val="1"/>
+              </p:ext>
+            </p:extLst>
+          </p:nvPr>
+        </p:nvSpPr>
+        <p:spPr>
+          <a:xfrm>
+            <a:off x="0" y="0"/>
+            <a:ext cx="12192000" cy="6858000"/>
+          </a:xfrm>
+          <a:prstGeom prst="rect">
+            <a:avLst/>
+          </a:prstGeom>
+          <a:ln>
+            <a:noFill/>
+          </a:ln>
+        </p:spPr>
+        <p:style>
+          <a:lnRef idx="2">
+            <a:schemeClr val="accent1">
+              <a:shade val="50000"/>
+            </a:schemeClr>
+          </a:lnRef>
+          <a:fillRef idx="1">
+            <a:schemeClr val="accent1"/>
+          </a:fillRef>
+          <a:effectRef idx="0">
+            <a:schemeClr val="accent1"/>
+          </a:effectRef>
+          <a:fontRef idx="minor">
+            <a:schemeClr val="lt1"/>
+          </a:fontRef>
+        </p:style>
+        <p:txBody>
+          <a:bodyPr rtlCol="0" anchor="ctr"/>
+          <a:lstStyle/>
+          <a:p>
+            <a:pPr algn="ctr"/>
+            <a:endParaRPr lang="en-US"/>
+          </a:p>
+        </p:txBody>
+      </p:sp>
+      <p:sp>
+        <p:nvSpPr>
+          <p:cNvPr id="13" name="Freeform: Shape 9">
+            <a:extLst>
+              <a:ext uri="{FF2B5EF4-FFF2-40B4-BE49-F238E27FC236}">
+                <a16:creationId xmlns:a16="http://schemas.microsoft.com/office/drawing/2014/main" id="{0AA6A048-501A-4387-906B-B8A8543E7B11}"/>
+              </a:ext>
+              <a:ext uri="{C183D7F6-B498-43B3-948B-1728B52AA6E4}">
+                <adec:decorative xmlns:adec="http://schemas.microsoft.com/office/drawing/2017/decorative" val="1"/>
+              </a:ext>
+            </a:extLst>
+          </p:cNvPr>
+          <p:cNvSpPr>
+            <a:spLocks noGrp="1" noRot="1" noChangeAspect="1" noMove="1" noResize="1" noEditPoints="1" noAdjustHandles="1" noChangeArrowheads="1" noChangeShapeType="1" noTextEdit="1"/>
+          </p:cNvSpPr>
+          <p:nvPr>
+            <p:extLst>
+              <p:ext uri="{386F3935-93C4-4BCD-93E2-E3B085C9AB24}">
+                <p16:designElem xmlns:p16="http://schemas.microsoft.com/office/powerpoint/2015/main" val="1"/>
+              </p:ext>
+            </p:extLst>
+          </p:nvPr>
+        </p:nvSpPr>
+        <p:spPr>
+          <a:xfrm>
+            <a:off x="637093" y="643467"/>
+            <a:ext cx="10917814" cy="5571066"/>
+          </a:xfrm>
+          <a:custGeom>
+            <a:avLst/>
+            <a:gdLst>
+              <a:gd name="connsiteX0" fmla="*/ 195712 w 10917814"/>
+              <a:gd name="connsiteY0" fmla="*/ 0 h 5571066"/>
+              <a:gd name="connsiteX1" fmla="*/ 5062165 w 10917814"/>
+              <a:gd name="connsiteY1" fmla="*/ 0 h 5571066"/>
+              <a:gd name="connsiteX2" fmla="*/ 5419638 w 10917814"/>
+              <a:gd name="connsiteY2" fmla="*/ 268105 h 5571066"/>
+              <a:gd name="connsiteX3" fmla="*/ 5428105 w 10917814"/>
+              <a:gd name="connsiteY3" fmla="*/ 271280 h 5571066"/>
+              <a:gd name="connsiteX4" fmla="*/ 5440804 w 10917814"/>
+              <a:gd name="connsiteY4" fmla="*/ 276043 h 5571066"/>
+              <a:gd name="connsiteX5" fmla="*/ 5453505 w 10917814"/>
+              <a:gd name="connsiteY5" fmla="*/ 280805 h 5571066"/>
+              <a:gd name="connsiteX6" fmla="*/ 5464088 w 10917814"/>
+              <a:gd name="connsiteY6" fmla="*/ 280805 h 5571066"/>
+              <a:gd name="connsiteX7" fmla="*/ 5476788 w 10917814"/>
+              <a:gd name="connsiteY7" fmla="*/ 280805 h 5571066"/>
+              <a:gd name="connsiteX8" fmla="*/ 5487371 w 10917814"/>
+              <a:gd name="connsiteY8" fmla="*/ 276043 h 5571066"/>
+              <a:gd name="connsiteX9" fmla="*/ 5500071 w 10917814"/>
+              <a:gd name="connsiteY9" fmla="*/ 271280 h 5571066"/>
+              <a:gd name="connsiteX10" fmla="*/ 5508538 w 10917814"/>
+              <a:gd name="connsiteY10" fmla="*/ 268105 h 5571066"/>
+              <a:gd name="connsiteX11" fmla="*/ 5866011 w 10917814"/>
+              <a:gd name="connsiteY11" fmla="*/ 0 h 5571066"/>
+              <a:gd name="connsiteX12" fmla="*/ 10722102 w 10917814"/>
+              <a:gd name="connsiteY12" fmla="*/ 0 h 5571066"/>
+              <a:gd name="connsiteX13" fmla="*/ 10917814 w 10917814"/>
+              <a:gd name="connsiteY13" fmla="*/ 195712 h 5571066"/>
+              <a:gd name="connsiteX14" fmla="*/ 10917814 w 10917814"/>
+              <a:gd name="connsiteY14" fmla="*/ 5375354 h 5571066"/>
+              <a:gd name="connsiteX15" fmla="*/ 10722102 w 10917814"/>
+              <a:gd name="connsiteY15" fmla="*/ 5571066 h 5571066"/>
+              <a:gd name="connsiteX16" fmla="*/ 195712 w 10917814"/>
+              <a:gd name="connsiteY16" fmla="*/ 5571066 h 5571066"/>
+              <a:gd name="connsiteX17" fmla="*/ 0 w 10917814"/>
+              <a:gd name="connsiteY17" fmla="*/ 5375354 h 5571066"/>
+              <a:gd name="connsiteX18" fmla="*/ 0 w 10917814"/>
+              <a:gd name="connsiteY18" fmla="*/ 195712 h 5571066"/>
+              <a:gd name="connsiteX19" fmla="*/ 195712 w 10917814"/>
+              <a:gd name="connsiteY19" fmla="*/ 0 h 5571066"/>
+            </a:gdLst>
+            <a:ahLst/>
+            <a:cxnLst>
+              <a:cxn ang="0">
+                <a:pos x="connsiteX0" y="connsiteY0"/>
+              </a:cxn>
+              <a:cxn ang="0">
+                <a:pos x="connsiteX1" y="connsiteY1"/>
+              </a:cxn>
+              <a:cxn ang="0">
+                <a:pos x="connsiteX2" y="connsiteY2"/>
+              </a:cxn>
+              <a:cxn ang="0">
+                <a:pos x="connsiteX3" y="connsiteY3"/>
+              </a:cxn>
+              <a:cxn ang="0">
+                <a:pos x="connsiteX4" y="connsiteY4"/>
+              </a:cxn>
+              <a:cxn ang="0">
+                <a:pos x="connsiteX5" y="connsiteY5"/>
+              </a:cxn>
+              <a:cxn ang="0">
+                <a:pos x="connsiteX6" y="connsiteY6"/>
+              </a:cxn>
+              <a:cxn ang="0">
+                <a:pos x="connsiteX7" y="connsiteY7"/>
+              </a:cxn>
+              <a:cxn ang="0">
+                <a:pos x="connsiteX8" y="connsiteY8"/>
+              </a:cxn>
+              <a:cxn ang="0">
+                <a:pos x="connsiteX9" y="connsiteY9"/>
+              </a:cxn>
+              <a:cxn ang="0">
+                <a:pos x="connsiteX10" y="connsiteY10"/>
+              </a:cxn>
+              <a:cxn ang="0">
+                <a:pos x="connsiteX11" y="connsiteY11"/>
+              </a:cxn>
+              <a:cxn ang="0">
+                <a:pos x="connsiteX12" y="connsiteY12"/>
+              </a:cxn>
+              <a:cxn ang="0">
+                <a:pos x="connsiteX13" y="connsiteY13"/>
+              </a:cxn>
+              <a:cxn ang="0">
+                <a:pos x="connsiteX14" y="connsiteY14"/>
+              </a:cxn>
+              <a:cxn ang="0">
+                <a:pos x="connsiteX15" y="connsiteY15"/>
+              </a:cxn>
+              <a:cxn ang="0">
+                <a:pos x="connsiteX16" y="connsiteY16"/>
+              </a:cxn>
+              <a:cxn ang="0">
+                <a:pos x="connsiteX17" y="connsiteY17"/>
+              </a:cxn>
+              <a:cxn ang="0">
+                <a:pos x="connsiteX18" y="connsiteY18"/>
+              </a:cxn>
+              <a:cxn ang="0">
+                <a:pos x="connsiteX19" y="connsiteY19"/>
+              </a:cxn>
+            </a:cxnLst>
+            <a:rect l="l" t="t" r="r" b="b"/>
+            <a:pathLst>
+              <a:path w="10917814" h="5571066">
+                <a:moveTo>
+                  <a:pt x="195712" y="0"/>
+                </a:moveTo>
+                <a:lnTo>
+                  <a:pt x="5062165" y="0"/>
+                </a:lnTo>
+                <a:lnTo>
+                  <a:pt x="5419638" y="268105"/>
+                </a:lnTo>
+                <a:lnTo>
+                  <a:pt x="5428105" y="271280"/>
+                </a:lnTo>
+                <a:lnTo>
+                  <a:pt x="5440804" y="276043"/>
+                </a:lnTo>
+                <a:lnTo>
+                  <a:pt x="5453505" y="280805"/>
+                </a:lnTo>
+                <a:lnTo>
+                  <a:pt x="5464088" y="280805"/>
+                </a:lnTo>
+                <a:lnTo>
+                  <a:pt x="5476788" y="280805"/>
+                </a:lnTo>
+                <a:lnTo>
+                  <a:pt x="5487371" y="276043"/>
+                </a:lnTo>
+                <a:lnTo>
+                  <a:pt x="5500071" y="271280"/>
+                </a:lnTo>
+                <a:lnTo>
+                  <a:pt x="5508538" y="268105"/>
+                </a:lnTo>
+                <a:lnTo>
+                  <a:pt x="5866011" y="0"/>
+                </a:lnTo>
+                <a:lnTo>
+                  <a:pt x="10722102" y="0"/>
+                </a:lnTo>
+                <a:cubicBezTo>
+                  <a:pt x="10830191" y="0"/>
+                  <a:pt x="10917814" y="87623"/>
+                  <a:pt x="10917814" y="195712"/>
+                </a:cubicBezTo>
+                <a:lnTo>
+                  <a:pt x="10917814" y="5375354"/>
+                </a:lnTo>
+                <a:cubicBezTo>
+                  <a:pt x="10917814" y="5483443"/>
+                  <a:pt x="10830191" y="5571066"/>
+                  <a:pt x="10722102" y="5571066"/>
+                </a:cubicBezTo>
+                <a:lnTo>
+                  <a:pt x="195712" y="5571066"/>
+                </a:lnTo>
+                <a:cubicBezTo>
+                  <a:pt x="87623" y="5571066"/>
+                  <a:pt x="0" y="5483443"/>
+                  <a:pt x="0" y="5375354"/>
+                </a:cubicBezTo>
+                <a:lnTo>
+                  <a:pt x="0" y="195712"/>
+                </a:lnTo>
+                <a:cubicBezTo>
+                  <a:pt x="0" y="87623"/>
+                  <a:pt x="87623" y="0"/>
+                  <a:pt x="195712" y="0"/>
+                </a:cubicBezTo>
+                <a:close/>
+              </a:path>
+            </a:pathLst>
+          </a:custGeom>
+          <a:solidFill>
+            <a:schemeClr val="bg1"/>
+          </a:solidFill>
+          <a:ln w="38100">
+            <a:solidFill>
+              <a:schemeClr val="accent1"/>
+            </a:solidFill>
+          </a:ln>
+          <a:effectLst/>
+        </p:spPr>
+        <p:style>
+          <a:lnRef idx="2">
+            <a:schemeClr val="accent1">
+              <a:shade val="50000"/>
+            </a:schemeClr>
+          </a:lnRef>
+          <a:fillRef idx="1">
+            <a:schemeClr val="accent1"/>
+          </a:fillRef>
+          <a:effectRef idx="0">
+            <a:schemeClr val="accent1"/>
+          </a:effectRef>
+          <a:fontRef idx="minor">
+            <a:schemeClr val="lt1"/>
+          </a:fontRef>
+        </p:style>
+        <p:txBody>
+          <a:bodyPr wrap="square" rtlCol="0" anchor="ctr">
+            <a:noAutofit/>
+          </a:bodyPr>
+          <a:lstStyle/>
+          <a:p>
+            <a:pPr algn="ctr"/>
+            <a:endParaRPr lang="en-US"/>
+          </a:p>
+        </p:txBody>
+      </p:sp>
+      <p:sp>
+        <p:nvSpPr>
+          <p:cNvPr id="2" name="Title 1">
+            <a:extLst>
+              <a:ext uri="{FF2B5EF4-FFF2-40B4-BE49-F238E27FC236}">
+                <a16:creationId xmlns:a16="http://schemas.microsoft.com/office/drawing/2014/main" id="{26645C86-83E5-A74D-A133-8E648AC657C0}"/>
+              </a:ext>
+            </a:extLst>
+          </p:cNvPr>
+          <p:cNvSpPr>
+            <a:spLocks noGrp="1"/>
+          </p:cNvSpPr>
+          <p:nvPr>
+            <p:ph type="ctrTitle"/>
+          </p:nvPr>
+        </p:nvSpPr>
+        <p:spPr>
+          <a:xfrm>
+            <a:off x="1280559" y="1286935"/>
+            <a:ext cx="9638153" cy="2668377"/>
+          </a:xfrm>
+          <a:effectLst/>
+        </p:spPr>
+        <p:txBody>
+          <a:bodyPr>
+            <a:normAutofit/>
+          </a:bodyPr>
+          <a:lstStyle/>
+          <a:p>
+            <a:pPr algn="ctr"/>
+            <a:r>
+              <a:rPr lang="fr-FR">
+                <a:solidFill>
+                  <a:schemeClr val="tx1"/>
+                </a:solidFill>
+              </a:rPr>
+              <a:t>Fin de la soutenance </a:t>
+            </a:r>
+          </a:p>
+        </p:txBody>
+      </p:sp>
+      <p:sp>
+        <p:nvSpPr>
+          <p:cNvPr id="3" name="Subtitle 2">
+            <a:extLst>
+              <a:ext uri="{FF2B5EF4-FFF2-40B4-BE49-F238E27FC236}">
+                <a16:creationId xmlns:a16="http://schemas.microsoft.com/office/drawing/2014/main" id="{6980AB6C-D892-AF45-8F84-7FA11E80AAE8}"/>
+              </a:ext>
+            </a:extLst>
+          </p:cNvPr>
+          <p:cNvSpPr>
+            <a:spLocks noGrp="1"/>
+          </p:cNvSpPr>
+          <p:nvPr>
+            <p:ph type="subTitle" idx="1"/>
+          </p:nvPr>
+        </p:nvSpPr>
+        <p:spPr>
+          <a:xfrm>
+            <a:off x="1280559" y="4116179"/>
+            <a:ext cx="9638153" cy="1599642"/>
+          </a:xfrm>
+          <a:effectLst/>
+        </p:spPr>
+        <p:txBody>
+          <a:bodyPr>
+            <a:normAutofit/>
+          </a:bodyPr>
+          <a:lstStyle/>
+          <a:p>
+            <a:pPr algn="ctr"/>
+            <a:r>
+              <a:rPr lang="fr-FR"/>
+              <a:t>Merci de votre attention</a:t>
+            </a:r>
+          </a:p>
+        </p:txBody>
+      </p:sp>
+    </p:spTree>
+    <p:extLst>
+      <p:ext uri="{BB962C8B-B14F-4D97-AF65-F5344CB8AC3E}">
+        <p14:creationId xmlns:p14="http://schemas.microsoft.com/office/powerpoint/2010/main" val="3666894655"/>
+      </p:ext>
+    </p:extLst>
+  </p:cSld>
+  <p:clrMapOvr>
+    <a:overrideClrMapping bg1="lt1" tx1="dk1" bg2="lt2" tx2="dk2" accent1="accent1" accent2="accent2" accent3="accent3" accent4="accent4" accent5="accent5" accent6="accent6" hlink="hlink" folHlink="folHlink"/>
+  </p:clrMapOvr>
+</p:sld>
+</file>
+
+<file path=ppt/slides/slide2.xml><?xml version="1.0" encoding="utf-8"?>
+<p:sld xmlns:a="http://schemas.openxmlformats.org/drawingml/2006/main" xmlns:r="http://schemas.openxmlformats.org/officeDocument/2006/relationships" xmlns:p="http://schemas.openxmlformats.org/presentationml/2006/main">
+  <p:cSld>
+    <p:bg>
+      <p:bgPr>
+        <a:solidFill>
+          <a:schemeClr val="bg2"/>
+        </a:solidFill>
+        <a:effectLst/>
+      </p:bgPr>
+    </p:bg>
+    <p:spTree>
+      <p:nvGrpSpPr>
+        <p:cNvPr id="1" name=""/>
+        <p:cNvGrpSpPr/>
+        <p:nvPr/>
+      </p:nvGrpSpPr>
+      <p:grpSpPr>
+        <a:xfrm>
+          <a:off x="0" y="0"/>
+          <a:ext cx="0" cy="0"/>
+          <a:chOff x="0" y="0"/>
+          <a:chExt cx="0" cy="0"/>
+        </a:xfrm>
+      </p:grpSpPr>
+      <p:sp useBgFill="1">
+        <p:nvSpPr>
+          <p:cNvPr id="15" name="Rectangle 14">
+            <a:extLst>
+              <a:ext uri="{FF2B5EF4-FFF2-40B4-BE49-F238E27FC236}">
+                <a16:creationId xmlns:a16="http://schemas.microsoft.com/office/drawing/2014/main" id="{089A69AF-D57B-49B4-886C-D4A5DC194421}"/>
+              </a:ext>
+              <a:ext uri="{C183D7F6-B498-43B3-948B-1728B52AA6E4}">
+                <adec:decorative xmlns:adec="http://schemas.microsoft.com/office/drawing/2017/decorative" val="1"/>
+              </a:ext>
+            </a:extLst>
+          </p:cNvPr>
+          <p:cNvSpPr>
+            <a:spLocks noGrp="1" noRot="1" noChangeAspect="1" noMove="1" noResize="1" noEditPoints="1" noAdjustHandles="1" noChangeArrowheads="1" noChangeShapeType="1" noTextEdit="1"/>
+          </p:cNvSpPr>
+          <p:nvPr>
+            <p:extLst>
+              <p:ext uri="{386F3935-93C4-4BCD-93E2-E3B085C9AB24}">
+                <p16:designElem xmlns:p16="http://schemas.microsoft.com/office/powerpoint/2015/main" val="1"/>
+              </p:ext>
+            </p:extLst>
+          </p:nvPr>
+        </p:nvSpPr>
+        <p:spPr>
+          <a:xfrm>
+            <a:off x="0" y="0"/>
+            <a:ext cx="12192000" cy="6858000"/>
+          </a:xfrm>
+          <a:prstGeom prst="rect">
+            <a:avLst/>
+          </a:prstGeom>
+          <a:ln>
+            <a:noFill/>
+          </a:ln>
+        </p:spPr>
+        <p:style>
+          <a:lnRef idx="2">
+            <a:schemeClr val="accent1">
+              <a:shade val="50000"/>
+            </a:schemeClr>
+          </a:lnRef>
+          <a:fillRef idx="1">
+            <a:schemeClr val="accent1"/>
+          </a:fillRef>
+          <a:effectRef idx="0">
+            <a:schemeClr val="accent1"/>
+          </a:effectRef>
+          <a:fontRef idx="minor">
+            <a:schemeClr val="lt1"/>
+          </a:fontRef>
+        </p:style>
+        <p:txBody>
+          <a:bodyPr rtlCol="0" anchor="ctr"/>
+          <a:lstStyle/>
+          <a:p>
+            <a:pPr algn="ctr"/>
+            <a:endParaRPr lang="en-US"/>
+          </a:p>
+        </p:txBody>
+      </p:sp>
+      <p:sp>
+        <p:nvSpPr>
+          <p:cNvPr id="17" name="Freeform: Shape 16">
+            <a:extLst>
+              <a:ext uri="{FF2B5EF4-FFF2-40B4-BE49-F238E27FC236}">
+                <a16:creationId xmlns:a16="http://schemas.microsoft.com/office/drawing/2014/main" id="{CABDC08D-6093-4397-92D4-54D00E2BB1C2}"/>
+              </a:ext>
+              <a:ext uri="{C183D7F6-B498-43B3-948B-1728B52AA6E4}">
+                <adec:decorative xmlns:adec="http://schemas.microsoft.com/office/drawing/2017/decorative" val="1"/>
+              </a:ext>
+            </a:extLst>
+          </p:cNvPr>
+          <p:cNvSpPr>
+            <a:spLocks noGrp="1" noRot="1" noChangeAspect="1" noMove="1" noResize="1" noEditPoints="1" noAdjustHandles="1" noChangeArrowheads="1" noChangeShapeType="1" noTextEdit="1"/>
+          </p:cNvSpPr>
+          <p:nvPr>
+            <p:extLst>
+              <p:ext uri="{386F3935-93C4-4BCD-93E2-E3B085C9AB24}">
+                <p16:designElem xmlns:p16="http://schemas.microsoft.com/office/powerpoint/2015/main" val="1"/>
+              </p:ext>
+            </p:extLst>
+          </p:nvPr>
+        </p:nvSpPr>
+        <p:spPr bwMode="auto">
+          <a:xfrm rot="16200000">
+            <a:off x="-650724" y="650724"/>
+            <a:ext cx="6858000" cy="5556552"/>
+          </a:xfrm>
+          <a:custGeom>
+            <a:avLst/>
+            <a:gdLst>
+              <a:gd name="connsiteX0" fmla="*/ 6858000 w 6858000"/>
+              <a:gd name="connsiteY0" fmla="*/ 3445704 h 5556552"/>
+              <a:gd name="connsiteX1" fmla="*/ 3829242 w 6858000"/>
+              <a:gd name="connsiteY1" fmla="*/ 5433322 h 5556552"/>
+              <a:gd name="connsiteX2" fmla="*/ 3827369 w 6858000"/>
+              <a:gd name="connsiteY2" fmla="*/ 5434867 h 5556552"/>
+              <a:gd name="connsiteX3" fmla="*/ 3824583 w 6858000"/>
+              <a:gd name="connsiteY3" fmla="*/ 5436378 h 5556552"/>
+              <a:gd name="connsiteX4" fmla="*/ 3798693 w 6858000"/>
+              <a:gd name="connsiteY4" fmla="*/ 5453370 h 5556552"/>
+              <a:gd name="connsiteX5" fmla="*/ 3785011 w 6858000"/>
+              <a:gd name="connsiteY5" fmla="*/ 5457858 h 5556552"/>
+              <a:gd name="connsiteX6" fmla="*/ 3706339 w 6858000"/>
+              <a:gd name="connsiteY6" fmla="*/ 5500559 h 5556552"/>
+              <a:gd name="connsiteX7" fmla="*/ 3428998 w 6858000"/>
+              <a:gd name="connsiteY7" fmla="*/ 5556552 h 5556552"/>
+              <a:gd name="connsiteX8" fmla="*/ 3151658 w 6858000"/>
+              <a:gd name="connsiteY8" fmla="*/ 5500559 h 5556552"/>
+              <a:gd name="connsiteX9" fmla="*/ 3072996 w 6858000"/>
+              <a:gd name="connsiteY9" fmla="*/ 5457863 h 5556552"/>
+              <a:gd name="connsiteX10" fmla="*/ 3059298 w 6858000"/>
+              <a:gd name="connsiteY10" fmla="*/ 5453370 h 5556552"/>
+              <a:gd name="connsiteX11" fmla="*/ 3033383 w 6858000"/>
+              <a:gd name="connsiteY11" fmla="*/ 5436362 h 5556552"/>
+              <a:gd name="connsiteX12" fmla="*/ 3030627 w 6858000"/>
+              <a:gd name="connsiteY12" fmla="*/ 5434867 h 5556552"/>
+              <a:gd name="connsiteX13" fmla="*/ 3028775 w 6858000"/>
+              <a:gd name="connsiteY13" fmla="*/ 5433338 h 5556552"/>
+              <a:gd name="connsiteX14" fmla="*/ 0 w 6858000"/>
+              <a:gd name="connsiteY14" fmla="*/ 3445704 h 5556552"/>
+              <a:gd name="connsiteX15" fmla="*/ 6858000 w 6858000"/>
+              <a:gd name="connsiteY15" fmla="*/ 0 h 5556552"/>
+              <a:gd name="connsiteX16" fmla="*/ 6858000 w 6858000"/>
+              <a:gd name="connsiteY16" fmla="*/ 349336 h 5556552"/>
+              <a:gd name="connsiteX17" fmla="*/ 6858000 w 6858000"/>
+              <a:gd name="connsiteY17" fmla="*/ 3445703 h 5556552"/>
+              <a:gd name="connsiteX18" fmla="*/ 0 w 6858000"/>
+              <a:gd name="connsiteY18" fmla="*/ 3445703 h 5556552"/>
+              <a:gd name="connsiteX19" fmla="*/ 0 w 6858000"/>
+              <a:gd name="connsiteY19" fmla="*/ 0 h 5556552"/>
+            </a:gdLst>
+            <a:ahLst/>
+            <a:cxnLst>
+              <a:cxn ang="0">
+                <a:pos x="connsiteX0" y="connsiteY0"/>
+              </a:cxn>
+              <a:cxn ang="0">
+                <a:pos x="connsiteX1" y="connsiteY1"/>
+              </a:cxn>
+              <a:cxn ang="0">
+                <a:pos x="connsiteX2" y="connsiteY2"/>
+              </a:cxn>
+              <a:cxn ang="0">
+                <a:pos x="connsiteX3" y="connsiteY3"/>
+              </a:cxn>
+              <a:cxn ang="0">
+                <a:pos x="connsiteX4" y="connsiteY4"/>
+              </a:cxn>
+              <a:cxn ang="0">
+                <a:pos x="connsiteX5" y="connsiteY5"/>
+              </a:cxn>
+              <a:cxn ang="0">
+                <a:pos x="connsiteX6" y="connsiteY6"/>
+              </a:cxn>
+              <a:cxn ang="0">
+                <a:pos x="connsiteX7" y="connsiteY7"/>
+              </a:cxn>
+              <a:cxn ang="0">
+                <a:pos x="connsiteX8" y="connsiteY8"/>
+              </a:cxn>
+              <a:cxn ang="0">
+                <a:pos x="connsiteX9" y="connsiteY9"/>
+              </a:cxn>
+              <a:cxn ang="0">
+                <a:pos x="connsiteX10" y="connsiteY10"/>
+              </a:cxn>
+              <a:cxn ang="0">
+                <a:pos x="connsiteX11" y="connsiteY11"/>
+              </a:cxn>
+              <a:cxn ang="0">
+                <a:pos x="connsiteX12" y="connsiteY12"/>
+              </a:cxn>
+              <a:cxn ang="0">
+                <a:pos x="connsiteX13" y="connsiteY13"/>
+              </a:cxn>
+              <a:cxn ang="0">
+                <a:pos x="connsiteX14" y="connsiteY14"/>
+              </a:cxn>
+              <a:cxn ang="0">
+                <a:pos x="connsiteX15" y="connsiteY15"/>
+              </a:cxn>
+              <a:cxn ang="0">
+                <a:pos x="connsiteX16" y="connsiteY16"/>
+              </a:cxn>
+              <a:cxn ang="0">
+                <a:pos x="connsiteX17" y="connsiteY17"/>
+              </a:cxn>
+              <a:cxn ang="0">
+                <a:pos x="connsiteX18" y="connsiteY18"/>
+              </a:cxn>
+              <a:cxn ang="0">
+                <a:pos x="connsiteX19" y="connsiteY19"/>
+              </a:cxn>
+            </a:cxnLst>
+            <a:rect l="l" t="t" r="r" b="b"/>
+            <a:pathLst>
+              <a:path w="6858000" h="5556552">
+                <a:moveTo>
+                  <a:pt x="6858000" y="3445704"/>
+                </a:moveTo>
+                <a:lnTo>
+                  <a:pt x="3829242" y="5433322"/>
+                </a:lnTo>
+                <a:lnTo>
+                  <a:pt x="3827369" y="5434867"/>
+                </a:lnTo>
+                <a:lnTo>
+                  <a:pt x="3824583" y="5436378"/>
+                </a:lnTo>
+                <a:lnTo>
+                  <a:pt x="3798693" y="5453370"/>
+                </a:lnTo>
+                <a:lnTo>
+                  <a:pt x="3785011" y="5457858"/>
+                </a:lnTo>
+                <a:lnTo>
+                  <a:pt x="3706339" y="5500559"/>
+                </a:lnTo>
+                <a:cubicBezTo>
+                  <a:pt x="3621096" y="5536614"/>
+                  <a:pt x="3527375" y="5556552"/>
+                  <a:pt x="3428998" y="5556552"/>
+                </a:cubicBezTo>
+                <a:cubicBezTo>
+                  <a:pt x="3330621" y="5556552"/>
+                  <a:pt x="3236901" y="5536614"/>
+                  <a:pt x="3151658" y="5500559"/>
+                </a:cubicBezTo>
+                <a:lnTo>
+                  <a:pt x="3072996" y="5457863"/>
+                </a:lnTo>
+                <a:lnTo>
+                  <a:pt x="3059298" y="5453370"/>
+                </a:lnTo>
+                <a:lnTo>
+                  <a:pt x="3033383" y="5436362"/>
+                </a:lnTo>
+                <a:lnTo>
+                  <a:pt x="3030627" y="5434867"/>
+                </a:lnTo>
+                <a:lnTo>
+                  <a:pt x="3028775" y="5433338"/>
+                </a:lnTo>
+                <a:lnTo>
+                  <a:pt x="0" y="3445704"/>
+                </a:lnTo>
+                <a:close/>
+                <a:moveTo>
+                  <a:pt x="6858000" y="0"/>
+                </a:moveTo>
+                <a:lnTo>
+                  <a:pt x="6858000" y="349336"/>
+                </a:lnTo>
+                <a:lnTo>
+                  <a:pt x="6858000" y="3445703"/>
+                </a:lnTo>
+                <a:lnTo>
+                  <a:pt x="0" y="3445703"/>
+                </a:lnTo>
+                <a:lnTo>
+                  <a:pt x="0" y="0"/>
+                </a:lnTo>
+                <a:close/>
+              </a:path>
+            </a:pathLst>
+          </a:custGeom>
+          <a:ln>
+            <a:noFill/>
+          </a:ln>
+          <a:effectLst/>
+          <a:extLst>
+            <a:ext uri="{91240B29-F687-4f45-9708-019B960494DF}">
+              <a14:hiddenLine xmlns="" xmlns:a14="http://schemas.microsoft.com/office/drawing/2010/main" xmlns:p14="http://schemas.microsoft.com/office/powerpoint/2010/main" xmlns:a16="http://schemas.microsoft.com/office/drawing/2014/main" w="9525">
+                <a:solidFill>
+                  <a:srgbClr val="000000"/>
+                </a:solidFill>
+                <a:round/>
+                <a:headEnd/>
+                <a:tailEnd/>
+              </a14:hiddenLine>
+            </a:ext>
+          </a:extLst>
+        </p:spPr>
+        <p:style>
+          <a:lnRef idx="1">
+            <a:schemeClr val="accent1"/>
+          </a:lnRef>
+          <a:fillRef idx="3">
+            <a:schemeClr val="accent1"/>
+          </a:fillRef>
+          <a:effectRef idx="2">
+            <a:schemeClr val="accent1"/>
+          </a:effectRef>
+          <a:fontRef idx="minor">
+            <a:schemeClr val="lt1"/>
+          </a:fontRef>
+        </p:style>
+      </p:sp>
       <p:sp>
         <p:nvSpPr>
           <p:cNvPr id="2" name="Title 1">
@@ -8758,9 +10367,16 @@
             <p:ph type="title"/>
           </p:nvPr>
         </p:nvSpPr>
-        <p:spPr/>
+        <p:spPr>
+          <a:xfrm>
+            <a:off x="451515" y="1734857"/>
+            <a:ext cx="3765483" cy="3388287"/>
+          </a:xfrm>
+        </p:spPr>
         <p:txBody>
-          <a:bodyPr/>
+          <a:bodyPr anchor="ctr">
+            <a:normAutofit/>
+          </a:bodyPr>
           <a:lstStyle/>
           <a:p>
             <a:r>
@@ -8788,9 +10404,10 @@
         </p:nvSpPr>
         <p:spPr>
           <a:xfrm>
-            <a:off x="818712" y="2222287"/>
-            <a:ext cx="10554574" cy="4326431"/>
+            <a:off x="6008068" y="978993"/>
+            <a:ext cx="5365218" cy="4900014"/>
           </a:xfrm>
+          <a:effectLst/>
         </p:spPr>
         <p:txBody>
           <a:bodyPr>
@@ -8799,25 +10416,25 @@
           <a:lstStyle/>
           <a:p>
             <a:r>
-              <a:rPr lang="fr-FR" dirty="0"/>
+              <a:rPr lang="fr-FR"/>
               <a:t>Les fichiers compilent</a:t>
             </a:r>
           </a:p>
           <a:p>
             <a:r>
-              <a:rPr lang="fr-FR" dirty="0"/>
+              <a:rPr lang="fr-FR"/>
               <a:t>Le jeu est fonctionnel</a:t>
             </a:r>
           </a:p>
           <a:p>
             <a:r>
-              <a:rPr lang="fr-FR" dirty="0"/>
+              <a:rPr lang="fr-FR"/>
               <a:t>Il respecte les règles du 2048</a:t>
             </a:r>
           </a:p>
           <a:p>
             <a:r>
-              <a:rPr lang="fr-FR" dirty="0"/>
+              <a:rPr lang="fr-FR"/>
               <a:t>Le score est mis à jour à chaque mouvement;</a:t>
             </a:r>
           </a:p>
@@ -8825,7 +10442,7 @@
             <a:pPr marL="1371600" lvl="3" indent="0">
               <a:buNone/>
             </a:pPr>
-            <a:endParaRPr lang="fr-FR" dirty="0"/>
+            <a:endParaRPr lang="fr-FR"/>
           </a:p>
         </p:txBody>
       </p:sp>
@@ -8845,6 +10462,14 @@
 <file path=ppt/slides/slide3.xml><?xml version="1.0" encoding="utf-8"?>
 <p:sld xmlns:a="http://schemas.openxmlformats.org/drawingml/2006/main" xmlns:r="http://schemas.openxmlformats.org/officeDocument/2006/relationships" xmlns:p="http://schemas.openxmlformats.org/presentationml/2006/main">
   <p:cSld>
+    <p:bg>
+      <p:bgPr>
+        <a:solidFill>
+          <a:schemeClr val="bg2"/>
+        </a:solidFill>
+        <a:effectLst/>
+      </p:bgPr>
+    </p:bg>
     <p:spTree>
       <p:nvGrpSpPr>
         <p:cNvPr id="1" name=""/>
@@ -8859,6 +10484,305 @@
           <a:chExt cx="0" cy="0"/>
         </a:xfrm>
       </p:grpSpPr>
+      <p:sp useBgFill="1">
+        <p:nvSpPr>
+          <p:cNvPr id="15" name="Rectangle 14">
+            <a:extLst>
+              <a:ext uri="{FF2B5EF4-FFF2-40B4-BE49-F238E27FC236}">
+                <a16:creationId xmlns:a16="http://schemas.microsoft.com/office/drawing/2014/main" id="{089A69AF-D57B-49B4-886C-D4A5DC194421}"/>
+              </a:ext>
+              <a:ext uri="{C183D7F6-B498-43B3-948B-1728B52AA6E4}">
+                <adec:decorative xmlns:adec="http://schemas.microsoft.com/office/drawing/2017/decorative" val="1"/>
+              </a:ext>
+            </a:extLst>
+          </p:cNvPr>
+          <p:cNvSpPr>
+            <a:spLocks noGrp="1" noRot="1" noChangeAspect="1" noMove="1" noResize="1" noEditPoints="1" noAdjustHandles="1" noChangeArrowheads="1" noChangeShapeType="1" noTextEdit="1"/>
+          </p:cNvSpPr>
+          <p:nvPr>
+            <p:extLst>
+              <p:ext uri="{386F3935-93C4-4BCD-93E2-E3B085C9AB24}">
+                <p16:designElem xmlns:p16="http://schemas.microsoft.com/office/powerpoint/2015/main" val="1"/>
+              </p:ext>
+            </p:extLst>
+          </p:nvPr>
+        </p:nvSpPr>
+        <p:spPr>
+          <a:xfrm>
+            <a:off x="0" y="0"/>
+            <a:ext cx="12192000" cy="6858000"/>
+          </a:xfrm>
+          <a:prstGeom prst="rect">
+            <a:avLst/>
+          </a:prstGeom>
+          <a:ln>
+            <a:noFill/>
+          </a:ln>
+        </p:spPr>
+        <p:style>
+          <a:lnRef idx="2">
+            <a:schemeClr val="accent1">
+              <a:shade val="50000"/>
+            </a:schemeClr>
+          </a:lnRef>
+          <a:fillRef idx="1">
+            <a:schemeClr val="accent1"/>
+          </a:fillRef>
+          <a:effectRef idx="0">
+            <a:schemeClr val="accent1"/>
+          </a:effectRef>
+          <a:fontRef idx="minor">
+            <a:schemeClr val="lt1"/>
+          </a:fontRef>
+        </p:style>
+        <p:txBody>
+          <a:bodyPr rtlCol="0" anchor="ctr"/>
+          <a:lstStyle/>
+          <a:p>
+            <a:pPr algn="ctr"/>
+            <a:endParaRPr lang="en-US"/>
+          </a:p>
+        </p:txBody>
+      </p:sp>
+      <p:sp>
+        <p:nvSpPr>
+          <p:cNvPr id="17" name="Freeform: Shape 16">
+            <a:extLst>
+              <a:ext uri="{FF2B5EF4-FFF2-40B4-BE49-F238E27FC236}">
+                <a16:creationId xmlns:a16="http://schemas.microsoft.com/office/drawing/2014/main" id="{CABDC08D-6093-4397-92D4-54D00E2BB1C2}"/>
+              </a:ext>
+              <a:ext uri="{C183D7F6-B498-43B3-948B-1728B52AA6E4}">
+                <adec:decorative xmlns:adec="http://schemas.microsoft.com/office/drawing/2017/decorative" val="1"/>
+              </a:ext>
+            </a:extLst>
+          </p:cNvPr>
+          <p:cNvSpPr>
+            <a:spLocks noGrp="1" noRot="1" noChangeAspect="1" noMove="1" noResize="1" noEditPoints="1" noAdjustHandles="1" noChangeArrowheads="1" noChangeShapeType="1" noTextEdit="1"/>
+          </p:cNvSpPr>
+          <p:nvPr>
+            <p:extLst>
+              <p:ext uri="{386F3935-93C4-4BCD-93E2-E3B085C9AB24}">
+                <p16:designElem xmlns:p16="http://schemas.microsoft.com/office/powerpoint/2015/main" val="1"/>
+              </p:ext>
+            </p:extLst>
+          </p:nvPr>
+        </p:nvSpPr>
+        <p:spPr bwMode="auto">
+          <a:xfrm rot="16200000">
+            <a:off x="-650724" y="650724"/>
+            <a:ext cx="6858000" cy="5556552"/>
+          </a:xfrm>
+          <a:custGeom>
+            <a:avLst/>
+            <a:gdLst>
+              <a:gd name="connsiteX0" fmla="*/ 6858000 w 6858000"/>
+              <a:gd name="connsiteY0" fmla="*/ 3445704 h 5556552"/>
+              <a:gd name="connsiteX1" fmla="*/ 3829242 w 6858000"/>
+              <a:gd name="connsiteY1" fmla="*/ 5433322 h 5556552"/>
+              <a:gd name="connsiteX2" fmla="*/ 3827369 w 6858000"/>
+              <a:gd name="connsiteY2" fmla="*/ 5434867 h 5556552"/>
+              <a:gd name="connsiteX3" fmla="*/ 3824583 w 6858000"/>
+              <a:gd name="connsiteY3" fmla="*/ 5436378 h 5556552"/>
+              <a:gd name="connsiteX4" fmla="*/ 3798693 w 6858000"/>
+              <a:gd name="connsiteY4" fmla="*/ 5453370 h 5556552"/>
+              <a:gd name="connsiteX5" fmla="*/ 3785011 w 6858000"/>
+              <a:gd name="connsiteY5" fmla="*/ 5457858 h 5556552"/>
+              <a:gd name="connsiteX6" fmla="*/ 3706339 w 6858000"/>
+              <a:gd name="connsiteY6" fmla="*/ 5500559 h 5556552"/>
+              <a:gd name="connsiteX7" fmla="*/ 3428998 w 6858000"/>
+              <a:gd name="connsiteY7" fmla="*/ 5556552 h 5556552"/>
+              <a:gd name="connsiteX8" fmla="*/ 3151658 w 6858000"/>
+              <a:gd name="connsiteY8" fmla="*/ 5500559 h 5556552"/>
+              <a:gd name="connsiteX9" fmla="*/ 3072996 w 6858000"/>
+              <a:gd name="connsiteY9" fmla="*/ 5457863 h 5556552"/>
+              <a:gd name="connsiteX10" fmla="*/ 3059298 w 6858000"/>
+              <a:gd name="connsiteY10" fmla="*/ 5453370 h 5556552"/>
+              <a:gd name="connsiteX11" fmla="*/ 3033383 w 6858000"/>
+              <a:gd name="connsiteY11" fmla="*/ 5436362 h 5556552"/>
+              <a:gd name="connsiteX12" fmla="*/ 3030627 w 6858000"/>
+              <a:gd name="connsiteY12" fmla="*/ 5434867 h 5556552"/>
+              <a:gd name="connsiteX13" fmla="*/ 3028775 w 6858000"/>
+              <a:gd name="connsiteY13" fmla="*/ 5433338 h 5556552"/>
+              <a:gd name="connsiteX14" fmla="*/ 0 w 6858000"/>
+              <a:gd name="connsiteY14" fmla="*/ 3445704 h 5556552"/>
+              <a:gd name="connsiteX15" fmla="*/ 6858000 w 6858000"/>
+              <a:gd name="connsiteY15" fmla="*/ 0 h 5556552"/>
+              <a:gd name="connsiteX16" fmla="*/ 6858000 w 6858000"/>
+              <a:gd name="connsiteY16" fmla="*/ 349336 h 5556552"/>
+              <a:gd name="connsiteX17" fmla="*/ 6858000 w 6858000"/>
+              <a:gd name="connsiteY17" fmla="*/ 3445703 h 5556552"/>
+              <a:gd name="connsiteX18" fmla="*/ 0 w 6858000"/>
+              <a:gd name="connsiteY18" fmla="*/ 3445703 h 5556552"/>
+              <a:gd name="connsiteX19" fmla="*/ 0 w 6858000"/>
+              <a:gd name="connsiteY19" fmla="*/ 0 h 5556552"/>
+            </a:gdLst>
+            <a:ahLst/>
+            <a:cxnLst>
+              <a:cxn ang="0">
+                <a:pos x="connsiteX0" y="connsiteY0"/>
+              </a:cxn>
+              <a:cxn ang="0">
+                <a:pos x="connsiteX1" y="connsiteY1"/>
+              </a:cxn>
+              <a:cxn ang="0">
+                <a:pos x="connsiteX2" y="connsiteY2"/>
+              </a:cxn>
+              <a:cxn ang="0">
+                <a:pos x="connsiteX3" y="connsiteY3"/>
+              </a:cxn>
+              <a:cxn ang="0">
+                <a:pos x="connsiteX4" y="connsiteY4"/>
+              </a:cxn>
+              <a:cxn ang="0">
+                <a:pos x="connsiteX5" y="connsiteY5"/>
+              </a:cxn>
+              <a:cxn ang="0">
+                <a:pos x="connsiteX6" y="connsiteY6"/>
+              </a:cxn>
+              <a:cxn ang="0">
+                <a:pos x="connsiteX7" y="connsiteY7"/>
+              </a:cxn>
+              <a:cxn ang="0">
+                <a:pos x="connsiteX8" y="connsiteY8"/>
+              </a:cxn>
+              <a:cxn ang="0">
+                <a:pos x="connsiteX9" y="connsiteY9"/>
+              </a:cxn>
+              <a:cxn ang="0">
+                <a:pos x="connsiteX10" y="connsiteY10"/>
+              </a:cxn>
+              <a:cxn ang="0">
+                <a:pos x="connsiteX11" y="connsiteY11"/>
+              </a:cxn>
+              <a:cxn ang="0">
+                <a:pos x="connsiteX12" y="connsiteY12"/>
+              </a:cxn>
+              <a:cxn ang="0">
+                <a:pos x="connsiteX13" y="connsiteY13"/>
+              </a:cxn>
+              <a:cxn ang="0">
+                <a:pos x="connsiteX14" y="connsiteY14"/>
+              </a:cxn>
+              <a:cxn ang="0">
+                <a:pos x="connsiteX15" y="connsiteY15"/>
+              </a:cxn>
+              <a:cxn ang="0">
+                <a:pos x="connsiteX16" y="connsiteY16"/>
+              </a:cxn>
+              <a:cxn ang="0">
+                <a:pos x="connsiteX17" y="connsiteY17"/>
+              </a:cxn>
+              <a:cxn ang="0">
+                <a:pos x="connsiteX18" y="connsiteY18"/>
+              </a:cxn>
+              <a:cxn ang="0">
+                <a:pos x="connsiteX19" y="connsiteY19"/>
+              </a:cxn>
+            </a:cxnLst>
+            <a:rect l="l" t="t" r="r" b="b"/>
+            <a:pathLst>
+              <a:path w="6858000" h="5556552">
+                <a:moveTo>
+                  <a:pt x="6858000" y="3445704"/>
+                </a:moveTo>
+                <a:lnTo>
+                  <a:pt x="3829242" y="5433322"/>
+                </a:lnTo>
+                <a:lnTo>
+                  <a:pt x="3827369" y="5434867"/>
+                </a:lnTo>
+                <a:lnTo>
+                  <a:pt x="3824583" y="5436378"/>
+                </a:lnTo>
+                <a:lnTo>
+                  <a:pt x="3798693" y="5453370"/>
+                </a:lnTo>
+                <a:lnTo>
+                  <a:pt x="3785011" y="5457858"/>
+                </a:lnTo>
+                <a:lnTo>
+                  <a:pt x="3706339" y="5500559"/>
+                </a:lnTo>
+                <a:cubicBezTo>
+                  <a:pt x="3621096" y="5536614"/>
+                  <a:pt x="3527375" y="5556552"/>
+                  <a:pt x="3428998" y="5556552"/>
+                </a:cubicBezTo>
+                <a:cubicBezTo>
+                  <a:pt x="3330621" y="5556552"/>
+                  <a:pt x="3236901" y="5536614"/>
+                  <a:pt x="3151658" y="5500559"/>
+                </a:cubicBezTo>
+                <a:lnTo>
+                  <a:pt x="3072996" y="5457863"/>
+                </a:lnTo>
+                <a:lnTo>
+                  <a:pt x="3059298" y="5453370"/>
+                </a:lnTo>
+                <a:lnTo>
+                  <a:pt x="3033383" y="5436362"/>
+                </a:lnTo>
+                <a:lnTo>
+                  <a:pt x="3030627" y="5434867"/>
+                </a:lnTo>
+                <a:lnTo>
+                  <a:pt x="3028775" y="5433338"/>
+                </a:lnTo>
+                <a:lnTo>
+                  <a:pt x="0" y="3445704"/>
+                </a:lnTo>
+                <a:close/>
+                <a:moveTo>
+                  <a:pt x="6858000" y="0"/>
+                </a:moveTo>
+                <a:lnTo>
+                  <a:pt x="6858000" y="349336"/>
+                </a:lnTo>
+                <a:lnTo>
+                  <a:pt x="6858000" y="3445703"/>
+                </a:lnTo>
+                <a:lnTo>
+                  <a:pt x="0" y="3445703"/>
+                </a:lnTo>
+                <a:lnTo>
+                  <a:pt x="0" y="0"/>
+                </a:lnTo>
+                <a:close/>
+              </a:path>
+            </a:pathLst>
+          </a:custGeom>
+          <a:ln>
+            <a:noFill/>
+          </a:ln>
+          <a:effectLst/>
+          <a:extLst>
+            <a:ext uri="{91240B29-F687-4f45-9708-019B960494DF}">
+              <a14:hiddenLine xmlns="" xmlns:a14="http://schemas.microsoft.com/office/drawing/2010/main" xmlns:p14="http://schemas.microsoft.com/office/powerpoint/2010/main" xmlns:a16="http://schemas.microsoft.com/office/drawing/2014/main" w="9525">
+                <a:solidFill>
+                  <a:srgbClr val="000000"/>
+                </a:solidFill>
+                <a:round/>
+                <a:headEnd/>
+                <a:tailEnd/>
+              </a14:hiddenLine>
+            </a:ext>
+          </a:extLst>
+        </p:spPr>
+        <p:style>
+          <a:lnRef idx="1">
+            <a:schemeClr val="accent1"/>
+          </a:lnRef>
+          <a:fillRef idx="3">
+            <a:schemeClr val="accent1"/>
+          </a:fillRef>
+          <a:effectRef idx="2">
+            <a:schemeClr val="accent1"/>
+          </a:effectRef>
+          <a:fontRef idx="minor">
+            <a:schemeClr val="lt1"/>
+          </a:fontRef>
+        </p:style>
+      </p:sp>
       <p:sp>
         <p:nvSpPr>
           <p:cNvPr id="2" name="Title 1">
@@ -8875,15 +10799,23 @@
             <p:ph type="title"/>
           </p:nvPr>
         </p:nvSpPr>
-        <p:spPr/>
+        <p:spPr>
+          <a:xfrm>
+            <a:off x="451515" y="1734857"/>
+            <a:ext cx="3765483" cy="3388287"/>
+          </a:xfrm>
+        </p:spPr>
         <p:txBody>
-          <a:bodyPr/>
+          <a:bodyPr anchor="ctr">
+            <a:normAutofit/>
+          </a:bodyPr>
           <a:lstStyle/>
           <a:p>
             <a:r>
-              <a:rPr lang="fr-FR" dirty="0"/>
+              <a:rPr lang="fr-FR"/>
               <a:t>Niveau 0:</a:t>
             </a:r>
+            <a:endParaRPr lang="fr-FR" dirty="0"/>
           </a:p>
         </p:txBody>
       </p:sp>
@@ -8903,83 +10835,136 @@
             <p:ph idx="1"/>
           </p:nvPr>
         </p:nvSpPr>
-        <p:spPr/>
+        <p:spPr>
+          <a:xfrm>
+            <a:off x="6008068" y="978993"/>
+            <a:ext cx="5365218" cy="4900014"/>
+          </a:xfrm>
+          <a:effectLst/>
+        </p:spPr>
         <p:txBody>
           <a:bodyPr>
             <a:normAutofit fontScale="92500" lnSpcReduction="20000"/>
           </a:bodyPr>
           <a:lstStyle/>
           <a:p>
-            <a:r>
-              <a:rPr lang="fr-FR" dirty="0"/>
+            <a:pPr>
+              <a:lnSpc>
+                <a:spcPct val="90000"/>
+              </a:lnSpc>
+            </a:pPr>
+            <a:r>
+              <a:rPr lang="fr-FR" sz="1700"/>
               <a:t>L’implantation respecte la structure donnée (avec quelques légères modifications)</a:t>
             </a:r>
           </a:p>
           <a:p>
-            <a:pPr lvl="1"/>
-            <a:r>
-              <a:rPr lang="fr-FR" dirty="0"/>
+            <a:pPr lvl="1">
+              <a:lnSpc>
+                <a:spcPct val="90000"/>
+              </a:lnSpc>
+            </a:pPr>
+            <a:r>
+              <a:rPr lang="fr-FR" sz="1700"/>
               <a:t>Rajout des fonctions:</a:t>
             </a:r>
           </a:p>
           <a:p>
-            <a:pPr lvl="3"/>
-            <a:r>
-              <a:rPr lang="fr-FR" dirty="0"/>
+            <a:pPr lvl="3">
+              <a:lnSpc>
+                <a:spcPct val="90000"/>
+              </a:lnSpc>
+            </a:pPr>
+            <a:r>
+              <a:rPr lang="fr-FR" sz="1700"/>
               <a:t>deplacementGauche_sansCombi</a:t>
             </a:r>
           </a:p>
           <a:p>
-            <a:pPr lvl="3"/>
-            <a:r>
-              <a:rPr lang="fr-FR" dirty="0"/>
+            <a:pPr lvl="3">
+              <a:lnSpc>
+                <a:spcPct val="90000"/>
+              </a:lnSpc>
+            </a:pPr>
+            <a:r>
+              <a:rPr lang="fr-FR" sz="1700"/>
               <a:t>deplacementHaut_sansCombi</a:t>
             </a:r>
           </a:p>
           <a:p>
-            <a:pPr lvl="3"/>
-            <a:r>
-              <a:rPr lang="fr-FR" dirty="0"/>
+            <a:pPr lvl="3">
+              <a:lnSpc>
+                <a:spcPct val="90000"/>
+              </a:lnSpc>
+            </a:pPr>
+            <a:r>
+              <a:rPr lang="fr-FR" sz="1700"/>
               <a:t>combineCases_gauche</a:t>
             </a:r>
           </a:p>
           <a:p>
-            <a:pPr lvl="3"/>
-            <a:r>
-              <a:rPr lang="fr-FR" dirty="0"/>
+            <a:pPr lvl="3">
+              <a:lnSpc>
+                <a:spcPct val="90000"/>
+              </a:lnSpc>
+            </a:pPr>
+            <a:r>
+              <a:rPr lang="fr-FR" sz="1700"/>
               <a:t>combineCases_haut</a:t>
             </a:r>
           </a:p>
           <a:p>
-            <a:pPr lvl="3"/>
-            <a:r>
-              <a:rPr lang="fr-FR" dirty="0"/>
+            <a:pPr lvl="3">
+              <a:lnSpc>
+                <a:spcPct val="90000"/>
+              </a:lnSpc>
+            </a:pPr>
+            <a:r>
+              <a:rPr lang="fr-FR" sz="1700"/>
               <a:t>flip_horizontal</a:t>
             </a:r>
           </a:p>
           <a:p>
-            <a:pPr lvl="3"/>
-            <a:r>
-              <a:rPr lang="fr-FR" dirty="0"/>
+            <a:pPr lvl="3">
+              <a:lnSpc>
+                <a:spcPct val="90000"/>
+              </a:lnSpc>
+            </a:pPr>
+            <a:r>
+              <a:rPr lang="fr-FR" sz="1700"/>
               <a:t>flip_vertical </a:t>
             </a:r>
           </a:p>
           <a:p>
-            <a:r>
-              <a:rPr lang="fr-FR" dirty="0"/>
+            <a:pPr>
+              <a:lnSpc>
+                <a:spcPct val="90000"/>
+              </a:lnSpc>
+            </a:pPr>
+            <a:r>
+              <a:rPr lang="fr-FR" sz="1700"/>
               <a:t>Toutes les fonctions sont documentées, spécifiées et testées;</a:t>
             </a:r>
           </a:p>
           <a:p>
-            <a:pPr lvl="1"/>
-            <a:r>
-              <a:rPr lang="fr-FR" dirty="0"/>
+            <a:pPr lvl="1">
+              <a:lnSpc>
+                <a:spcPct val="90000"/>
+              </a:lnSpc>
+            </a:pPr>
+            <a:r>
+              <a:rPr lang="fr-FR" sz="1700"/>
               <a:t>Note: les fonctions de déplacement marchent tous sur tous tableaux avec le même nombre de colonnes sur chaque ligne et la fonction dessine marche affiche bien sur les plateau avec un nombre de colonnes égale a 4.</a:t>
             </a:r>
           </a:p>
           <a:p>
-            <a:r>
-              <a:rPr lang="fr-FR" dirty="0"/>
+            <a:pPr>
+              <a:lnSpc>
+                <a:spcPct val="90000"/>
+              </a:lnSpc>
+            </a:pPr>
+            <a:r>
+              <a:rPr lang="fr-FR" sz="1700"/>
               <a:t>On dispose d’un bon affichage du plateau de jeu</a:t>
             </a:r>
           </a:p>
@@ -9670,6 +11655,14 @@
 <file path=ppt/slides/slide6.xml><?xml version="1.0" encoding="utf-8"?>
 <p:sld xmlns:a="http://schemas.openxmlformats.org/drawingml/2006/main" xmlns:r="http://schemas.openxmlformats.org/officeDocument/2006/relationships" xmlns:p="http://schemas.openxmlformats.org/presentationml/2006/main">
   <p:cSld>
+    <p:bg>
+      <p:bgPr>
+        <a:solidFill>
+          <a:schemeClr val="bg2"/>
+        </a:solidFill>
+        <a:effectLst/>
+      </p:bgPr>
+    </p:bg>
     <p:spTree>
       <p:nvGrpSpPr>
         <p:cNvPr id="1" name=""/>
@@ -9686,6 +11679,425 @@
       </p:grpSpPr>
       <p:sp>
         <p:nvSpPr>
+          <p:cNvPr id="8" name="Freeform 6">
+            <a:extLst>
+              <a:ext uri="{FF2B5EF4-FFF2-40B4-BE49-F238E27FC236}">
+                <a16:creationId xmlns:a16="http://schemas.microsoft.com/office/drawing/2014/main" id="{8EE457FF-670E-4EC1-ACD4-1173DA9A7975}"/>
+              </a:ext>
+              <a:ext uri="{C183D7F6-B498-43B3-948B-1728B52AA6E4}">
+                <adec:decorative xmlns:adec="http://schemas.microsoft.com/office/drawing/2017/decorative" val="1"/>
+              </a:ext>
+            </a:extLst>
+          </p:cNvPr>
+          <p:cNvSpPr>
+            <a:spLocks noGrp="1" noRot="1" noChangeAspect="1" noMove="1" noResize="1" noEditPoints="1" noAdjustHandles="1" noChangeArrowheads="1" noChangeShapeType="1" noTextEdit="1"/>
+          </p:cNvSpPr>
+          <p:nvPr>
+            <p:extLst>
+              <p:ext uri="{386F3935-93C4-4BCD-93E2-E3B085C9AB24}">
+                <p16:designElem xmlns:p16="http://schemas.microsoft.com/office/powerpoint/2015/main" val="1"/>
+              </p:ext>
+            </p:extLst>
+          </p:nvPr>
+        </p:nvSpPr>
+        <p:spPr bwMode="auto">
+          <a:xfrm>
+            <a:off x="0" y="0"/>
+            <a:ext cx="12192000" cy="2185988"/>
+          </a:xfrm>
+          <a:custGeom>
+            <a:avLst/>
+            <a:gdLst/>
+            <a:ahLst/>
+            <a:cxnLst/>
+            <a:rect l="0" t="0" r="r" b="b"/>
+            <a:pathLst>
+              <a:path w="5760" h="1377">
+                <a:moveTo>
+                  <a:pt x="5760" y="0"/>
+                </a:moveTo>
+                <a:lnTo>
+                  <a:pt x="0" y="0"/>
+                </a:lnTo>
+                <a:lnTo>
+                  <a:pt x="0" y="1189"/>
+                </a:lnTo>
+                <a:lnTo>
+                  <a:pt x="943" y="1189"/>
+                </a:lnTo>
+                <a:lnTo>
+                  <a:pt x="1123" y="1369"/>
+                </a:lnTo>
+                <a:lnTo>
+                  <a:pt x="1123" y="1369"/>
+                </a:lnTo>
+                <a:lnTo>
+                  <a:pt x="1127" y="1371"/>
+                </a:lnTo>
+                <a:lnTo>
+                  <a:pt x="1133" y="1374"/>
+                </a:lnTo>
+                <a:lnTo>
+                  <a:pt x="1139" y="1377"/>
+                </a:lnTo>
+                <a:lnTo>
+                  <a:pt x="1144" y="1377"/>
+                </a:lnTo>
+                <a:lnTo>
+                  <a:pt x="1150" y="1377"/>
+                </a:lnTo>
+                <a:lnTo>
+                  <a:pt x="1155" y="1374"/>
+                </a:lnTo>
+                <a:lnTo>
+                  <a:pt x="1161" y="1371"/>
+                </a:lnTo>
+                <a:lnTo>
+                  <a:pt x="1165" y="1369"/>
+                </a:lnTo>
+                <a:lnTo>
+                  <a:pt x="1345" y="1189"/>
+                </a:lnTo>
+                <a:lnTo>
+                  <a:pt x="5760" y="1189"/>
+                </a:lnTo>
+                <a:lnTo>
+                  <a:pt x="5760" y="0"/>
+                </a:lnTo>
+                <a:close/>
+              </a:path>
+            </a:pathLst>
+          </a:custGeom>
+          <a:ln/>
+          <a:extLst>
+            <a:ext uri="{91240B29-F687-4f45-9708-019B960494DF}">
+              <a14:hiddenLine xmlns="" xmlns:a14="http://schemas.microsoft.com/office/drawing/2010/main" xmlns:a16="http://schemas.microsoft.com/office/drawing/2014/main" w="9525">
+                <a:solidFill>
+                  <a:srgbClr val="000000"/>
+                </a:solidFill>
+                <a:round/>
+                <a:headEnd/>
+                <a:tailEnd/>
+              </a14:hiddenLine>
+            </a:ext>
+          </a:extLst>
+        </p:spPr>
+        <p:style>
+          <a:lnRef idx="1">
+            <a:schemeClr val="accent1"/>
+          </a:lnRef>
+          <a:fillRef idx="3">
+            <a:schemeClr val="accent1"/>
+          </a:fillRef>
+          <a:effectRef idx="2">
+            <a:schemeClr val="accent1"/>
+          </a:effectRef>
+          <a:fontRef idx="minor">
+            <a:schemeClr val="lt1"/>
+          </a:fontRef>
+        </p:style>
+      </p:sp>
+      <p:sp useBgFill="1">
+        <p:nvSpPr>
+          <p:cNvPr id="10" name="Rectangle 9">
+            <a:extLst>
+              <a:ext uri="{FF2B5EF4-FFF2-40B4-BE49-F238E27FC236}">
+                <a16:creationId xmlns:a16="http://schemas.microsoft.com/office/drawing/2014/main" id="{089A69AF-D57B-49B4-886C-D4A5DC194421}"/>
+              </a:ext>
+              <a:ext uri="{C183D7F6-B498-43B3-948B-1728B52AA6E4}">
+                <adec:decorative xmlns:adec="http://schemas.microsoft.com/office/drawing/2017/decorative" val="1"/>
+              </a:ext>
+            </a:extLst>
+          </p:cNvPr>
+          <p:cNvSpPr>
+            <a:spLocks noGrp="1" noRot="1" noChangeAspect="1" noMove="1" noResize="1" noEditPoints="1" noAdjustHandles="1" noChangeArrowheads="1" noChangeShapeType="1" noTextEdit="1"/>
+          </p:cNvSpPr>
+          <p:nvPr>
+            <p:extLst>
+              <p:ext uri="{386F3935-93C4-4BCD-93E2-E3B085C9AB24}">
+                <p16:designElem xmlns:p16="http://schemas.microsoft.com/office/powerpoint/2015/main" val="1"/>
+              </p:ext>
+            </p:extLst>
+          </p:nvPr>
+        </p:nvSpPr>
+        <p:spPr>
+          <a:xfrm>
+            <a:off x="0" y="0"/>
+            <a:ext cx="12192000" cy="6858000"/>
+          </a:xfrm>
+          <a:prstGeom prst="rect">
+            <a:avLst/>
+          </a:prstGeom>
+          <a:ln>
+            <a:noFill/>
+          </a:ln>
+        </p:spPr>
+        <p:style>
+          <a:lnRef idx="2">
+            <a:schemeClr val="accent1">
+              <a:shade val="50000"/>
+            </a:schemeClr>
+          </a:lnRef>
+          <a:fillRef idx="1">
+            <a:schemeClr val="accent1"/>
+          </a:fillRef>
+          <a:effectRef idx="0">
+            <a:schemeClr val="accent1"/>
+          </a:effectRef>
+          <a:fontRef idx="minor">
+            <a:schemeClr val="lt1"/>
+          </a:fontRef>
+        </p:style>
+        <p:txBody>
+          <a:bodyPr rtlCol="0" anchor="ctr"/>
+          <a:lstStyle/>
+          <a:p>
+            <a:pPr algn="ctr"/>
+            <a:endParaRPr lang="en-US"/>
+          </a:p>
+        </p:txBody>
+      </p:sp>
+      <p:sp>
+        <p:nvSpPr>
+          <p:cNvPr id="12" name="Freeform: Shape 11">
+            <a:extLst>
+              <a:ext uri="{FF2B5EF4-FFF2-40B4-BE49-F238E27FC236}">
+                <a16:creationId xmlns:a16="http://schemas.microsoft.com/office/drawing/2014/main" id="{CABDC08D-6093-4397-92D4-54D00E2BB1C2}"/>
+              </a:ext>
+              <a:ext uri="{C183D7F6-B498-43B3-948B-1728B52AA6E4}">
+                <adec:decorative xmlns:adec="http://schemas.microsoft.com/office/drawing/2017/decorative" val="1"/>
+              </a:ext>
+            </a:extLst>
+          </p:cNvPr>
+          <p:cNvSpPr>
+            <a:spLocks noGrp="1" noRot="1" noChangeAspect="1" noMove="1" noResize="1" noEditPoints="1" noAdjustHandles="1" noChangeArrowheads="1" noChangeShapeType="1" noTextEdit="1"/>
+          </p:cNvSpPr>
+          <p:nvPr>
+            <p:extLst>
+              <p:ext uri="{386F3935-93C4-4BCD-93E2-E3B085C9AB24}">
+                <p16:designElem xmlns:p16="http://schemas.microsoft.com/office/powerpoint/2015/main" val="1"/>
+              </p:ext>
+            </p:extLst>
+          </p:nvPr>
+        </p:nvSpPr>
+        <p:spPr bwMode="auto">
+          <a:xfrm rot="16200000">
+            <a:off x="-650724" y="650724"/>
+            <a:ext cx="6858000" cy="5556552"/>
+          </a:xfrm>
+          <a:custGeom>
+            <a:avLst/>
+            <a:gdLst>
+              <a:gd name="connsiteX0" fmla="*/ 6858000 w 6858000"/>
+              <a:gd name="connsiteY0" fmla="*/ 3445704 h 5556552"/>
+              <a:gd name="connsiteX1" fmla="*/ 3829242 w 6858000"/>
+              <a:gd name="connsiteY1" fmla="*/ 5433322 h 5556552"/>
+              <a:gd name="connsiteX2" fmla="*/ 3827369 w 6858000"/>
+              <a:gd name="connsiteY2" fmla="*/ 5434867 h 5556552"/>
+              <a:gd name="connsiteX3" fmla="*/ 3824583 w 6858000"/>
+              <a:gd name="connsiteY3" fmla="*/ 5436378 h 5556552"/>
+              <a:gd name="connsiteX4" fmla="*/ 3798693 w 6858000"/>
+              <a:gd name="connsiteY4" fmla="*/ 5453370 h 5556552"/>
+              <a:gd name="connsiteX5" fmla="*/ 3785011 w 6858000"/>
+              <a:gd name="connsiteY5" fmla="*/ 5457858 h 5556552"/>
+              <a:gd name="connsiteX6" fmla="*/ 3706339 w 6858000"/>
+              <a:gd name="connsiteY6" fmla="*/ 5500559 h 5556552"/>
+              <a:gd name="connsiteX7" fmla="*/ 3428998 w 6858000"/>
+              <a:gd name="connsiteY7" fmla="*/ 5556552 h 5556552"/>
+              <a:gd name="connsiteX8" fmla="*/ 3151658 w 6858000"/>
+              <a:gd name="connsiteY8" fmla="*/ 5500559 h 5556552"/>
+              <a:gd name="connsiteX9" fmla="*/ 3072996 w 6858000"/>
+              <a:gd name="connsiteY9" fmla="*/ 5457863 h 5556552"/>
+              <a:gd name="connsiteX10" fmla="*/ 3059298 w 6858000"/>
+              <a:gd name="connsiteY10" fmla="*/ 5453370 h 5556552"/>
+              <a:gd name="connsiteX11" fmla="*/ 3033383 w 6858000"/>
+              <a:gd name="connsiteY11" fmla="*/ 5436362 h 5556552"/>
+              <a:gd name="connsiteX12" fmla="*/ 3030627 w 6858000"/>
+              <a:gd name="connsiteY12" fmla="*/ 5434867 h 5556552"/>
+              <a:gd name="connsiteX13" fmla="*/ 3028775 w 6858000"/>
+              <a:gd name="connsiteY13" fmla="*/ 5433338 h 5556552"/>
+              <a:gd name="connsiteX14" fmla="*/ 0 w 6858000"/>
+              <a:gd name="connsiteY14" fmla="*/ 3445704 h 5556552"/>
+              <a:gd name="connsiteX15" fmla="*/ 6858000 w 6858000"/>
+              <a:gd name="connsiteY15" fmla="*/ 0 h 5556552"/>
+              <a:gd name="connsiteX16" fmla="*/ 6858000 w 6858000"/>
+              <a:gd name="connsiteY16" fmla="*/ 349336 h 5556552"/>
+              <a:gd name="connsiteX17" fmla="*/ 6858000 w 6858000"/>
+              <a:gd name="connsiteY17" fmla="*/ 3445703 h 5556552"/>
+              <a:gd name="connsiteX18" fmla="*/ 0 w 6858000"/>
+              <a:gd name="connsiteY18" fmla="*/ 3445703 h 5556552"/>
+              <a:gd name="connsiteX19" fmla="*/ 0 w 6858000"/>
+              <a:gd name="connsiteY19" fmla="*/ 0 h 5556552"/>
+            </a:gdLst>
+            <a:ahLst/>
+            <a:cxnLst>
+              <a:cxn ang="0">
+                <a:pos x="connsiteX0" y="connsiteY0"/>
+              </a:cxn>
+              <a:cxn ang="0">
+                <a:pos x="connsiteX1" y="connsiteY1"/>
+              </a:cxn>
+              <a:cxn ang="0">
+                <a:pos x="connsiteX2" y="connsiteY2"/>
+              </a:cxn>
+              <a:cxn ang="0">
+                <a:pos x="connsiteX3" y="connsiteY3"/>
+              </a:cxn>
+              <a:cxn ang="0">
+                <a:pos x="connsiteX4" y="connsiteY4"/>
+              </a:cxn>
+              <a:cxn ang="0">
+                <a:pos x="connsiteX5" y="connsiteY5"/>
+              </a:cxn>
+              <a:cxn ang="0">
+                <a:pos x="connsiteX6" y="connsiteY6"/>
+              </a:cxn>
+              <a:cxn ang="0">
+                <a:pos x="connsiteX7" y="connsiteY7"/>
+              </a:cxn>
+              <a:cxn ang="0">
+                <a:pos x="connsiteX8" y="connsiteY8"/>
+              </a:cxn>
+              <a:cxn ang="0">
+                <a:pos x="connsiteX9" y="connsiteY9"/>
+              </a:cxn>
+              <a:cxn ang="0">
+                <a:pos x="connsiteX10" y="connsiteY10"/>
+              </a:cxn>
+              <a:cxn ang="0">
+                <a:pos x="connsiteX11" y="connsiteY11"/>
+              </a:cxn>
+              <a:cxn ang="0">
+                <a:pos x="connsiteX12" y="connsiteY12"/>
+              </a:cxn>
+              <a:cxn ang="0">
+                <a:pos x="connsiteX13" y="connsiteY13"/>
+              </a:cxn>
+              <a:cxn ang="0">
+                <a:pos x="connsiteX14" y="connsiteY14"/>
+              </a:cxn>
+              <a:cxn ang="0">
+                <a:pos x="connsiteX15" y="connsiteY15"/>
+              </a:cxn>
+              <a:cxn ang="0">
+                <a:pos x="connsiteX16" y="connsiteY16"/>
+              </a:cxn>
+              <a:cxn ang="0">
+                <a:pos x="connsiteX17" y="connsiteY17"/>
+              </a:cxn>
+              <a:cxn ang="0">
+                <a:pos x="connsiteX18" y="connsiteY18"/>
+              </a:cxn>
+              <a:cxn ang="0">
+                <a:pos x="connsiteX19" y="connsiteY19"/>
+              </a:cxn>
+            </a:cxnLst>
+            <a:rect l="l" t="t" r="r" b="b"/>
+            <a:pathLst>
+              <a:path w="6858000" h="5556552">
+                <a:moveTo>
+                  <a:pt x="6858000" y="3445704"/>
+                </a:moveTo>
+                <a:lnTo>
+                  <a:pt x="3829242" y="5433322"/>
+                </a:lnTo>
+                <a:lnTo>
+                  <a:pt x="3827369" y="5434867"/>
+                </a:lnTo>
+                <a:lnTo>
+                  <a:pt x="3824583" y="5436378"/>
+                </a:lnTo>
+                <a:lnTo>
+                  <a:pt x="3798693" y="5453370"/>
+                </a:lnTo>
+                <a:lnTo>
+                  <a:pt x="3785011" y="5457858"/>
+                </a:lnTo>
+                <a:lnTo>
+                  <a:pt x="3706339" y="5500559"/>
+                </a:lnTo>
+                <a:cubicBezTo>
+                  <a:pt x="3621096" y="5536614"/>
+                  <a:pt x="3527375" y="5556552"/>
+                  <a:pt x="3428998" y="5556552"/>
+                </a:cubicBezTo>
+                <a:cubicBezTo>
+                  <a:pt x="3330621" y="5556552"/>
+                  <a:pt x="3236901" y="5536614"/>
+                  <a:pt x="3151658" y="5500559"/>
+                </a:cubicBezTo>
+                <a:lnTo>
+                  <a:pt x="3072996" y="5457863"/>
+                </a:lnTo>
+                <a:lnTo>
+                  <a:pt x="3059298" y="5453370"/>
+                </a:lnTo>
+                <a:lnTo>
+                  <a:pt x="3033383" y="5436362"/>
+                </a:lnTo>
+                <a:lnTo>
+                  <a:pt x="3030627" y="5434867"/>
+                </a:lnTo>
+                <a:lnTo>
+                  <a:pt x="3028775" y="5433338"/>
+                </a:lnTo>
+                <a:lnTo>
+                  <a:pt x="0" y="3445704"/>
+                </a:lnTo>
+                <a:close/>
+                <a:moveTo>
+                  <a:pt x="6858000" y="0"/>
+                </a:moveTo>
+                <a:lnTo>
+                  <a:pt x="6858000" y="349336"/>
+                </a:lnTo>
+                <a:lnTo>
+                  <a:pt x="6858000" y="3445703"/>
+                </a:lnTo>
+                <a:lnTo>
+                  <a:pt x="0" y="3445703"/>
+                </a:lnTo>
+                <a:lnTo>
+                  <a:pt x="0" y="0"/>
+                </a:lnTo>
+                <a:close/>
+              </a:path>
+            </a:pathLst>
+          </a:custGeom>
+          <a:ln>
+            <a:noFill/>
+          </a:ln>
+          <a:effectLst/>
+          <a:extLst>
+            <a:ext uri="{91240B29-F687-4f45-9708-019B960494DF}">
+              <a14:hiddenLine xmlns="" xmlns:a14="http://schemas.microsoft.com/office/drawing/2010/main" xmlns:p14="http://schemas.microsoft.com/office/powerpoint/2010/main" xmlns:a16="http://schemas.microsoft.com/office/drawing/2014/main" w="9525">
+                <a:solidFill>
+                  <a:srgbClr val="000000"/>
+                </a:solidFill>
+                <a:round/>
+                <a:headEnd/>
+                <a:tailEnd/>
+              </a14:hiddenLine>
+            </a:ext>
+          </a:extLst>
+        </p:spPr>
+        <p:style>
+          <a:lnRef idx="1">
+            <a:schemeClr val="accent1"/>
+          </a:lnRef>
+          <a:fillRef idx="3">
+            <a:schemeClr val="accent1"/>
+          </a:fillRef>
+          <a:effectRef idx="2">
+            <a:schemeClr val="accent1"/>
+          </a:effectRef>
+          <a:fontRef idx="minor">
+            <a:schemeClr val="lt1"/>
+          </a:fontRef>
+        </p:style>
+      </p:sp>
+      <p:sp>
+        <p:nvSpPr>
           <p:cNvPr id="2" name="Title 1">
             <a:extLst>
               <a:ext uri="{FF2B5EF4-FFF2-40B4-BE49-F238E27FC236}">
@@ -9700,13 +12112,20 @@
             <p:ph type="title"/>
           </p:nvPr>
         </p:nvSpPr>
-        <p:spPr/>
+        <p:spPr>
+          <a:xfrm>
+            <a:off x="451515" y="1734857"/>
+            <a:ext cx="3765483" cy="3388287"/>
+          </a:xfrm>
+        </p:spPr>
         <p:txBody>
-          <a:bodyPr/>
+          <a:bodyPr vert="horz" lIns="91440" tIns="45720" rIns="91440" bIns="45720" rtlCol="0" anchor="ctr">
+            <a:normAutofit/>
+          </a:bodyPr>
           <a:lstStyle/>
           <a:p>
             <a:r>
-              <a:rPr lang="fr-FR" dirty="0"/>
+              <a:rPr lang="en-US"/>
               <a:t>1.2 utilisation des touches du clavier pour jouer</a:t>
             </a:r>
           </a:p>
@@ -9728,67 +12147,29 @@
             <p:ph sz="half" idx="1"/>
           </p:nvPr>
         </p:nvSpPr>
-        <p:spPr/>
-        <p:txBody>
-          <a:bodyPr/>
-          <a:lstStyle/>
-          <a:p>
-            <a:r>
-              <a:rPr lang="fr-FR" dirty="0"/>
-              <a:t>Utilisation de la bibliothèque ncurses </a:t>
-            </a:r>
-          </a:p>
-          <a:p>
-            <a:r>
-              <a:rPr lang="fr-FR" dirty="0"/>
-              <a:t>Fonction </a:t>
-            </a:r>
-            <a:r>
-              <a:rPr lang="fr-FR" dirty="0" err="1"/>
-              <a:t>keypad</a:t>
-            </a:r>
-            <a:r>
-              <a:rPr lang="fr-FR" dirty="0"/>
-              <a:t>(), associé à </a:t>
-            </a:r>
-            <a:r>
-              <a:rPr lang="fr-FR" dirty="0" err="1"/>
-              <a:t>getch</a:t>
-            </a:r>
-            <a:r>
-              <a:rPr lang="fr-FR" dirty="0"/>
-              <a:t>()</a:t>
-            </a:r>
-          </a:p>
-        </p:txBody>
-      </p:sp>
-      <p:sp>
-        <p:nvSpPr>
-          <p:cNvPr id="4" name="Content Placeholder 3">
-            <a:extLst>
-              <a:ext uri="{FF2B5EF4-FFF2-40B4-BE49-F238E27FC236}">
-                <a16:creationId xmlns:a16="http://schemas.microsoft.com/office/drawing/2014/main" id="{A4957D85-A67B-6142-B8E8-055FD3026D4B}"/>
-              </a:ext>
-            </a:extLst>
-          </p:cNvPr>
-          <p:cNvSpPr>
-            <a:spLocks noGrp="1"/>
-          </p:cNvSpPr>
-          <p:nvPr>
-            <p:ph sz="half" idx="2"/>
-          </p:nvPr>
-        </p:nvSpPr>
         <p:spPr>
           <a:xfrm>
-            <a:off x="6187415" y="2234987"/>
-            <a:ext cx="5194583" cy="3638764"/>
+            <a:off x="6008068" y="978993"/>
+            <a:ext cx="5365218" cy="4900014"/>
           </a:xfrm>
+          <a:effectLst/>
         </p:spPr>
         <p:txBody>
-          <a:bodyPr/>
+          <a:bodyPr vert="horz" lIns="91440" tIns="45720" rIns="91440" bIns="45720" rtlCol="0" anchor="ctr">
+            <a:normAutofit/>
+          </a:bodyPr>
           <a:lstStyle/>
           <a:p>
-            <a:endParaRPr lang="fr-FR" dirty="0"/>
+            <a:r>
+              <a:rPr lang="en-US"/>
+              <a:t>Utilisation de la bibliothèque ncurses </a:t>
+            </a:r>
+          </a:p>
+          <a:p>
+            <a:r>
+              <a:rPr lang="en-US"/>
+              <a:t>Fonction keypad(), associé à getch()</a:t>
+            </a:r>
           </a:p>
         </p:txBody>
       </p:sp>

--- a/Soutenance.pptx
+++ b/Soutenance.pptx
@@ -8,15 +8,16 @@
     <p:sldId id="256" r:id="rId2"/>
     <p:sldId id="257" r:id="rId3"/>
     <p:sldId id="258" r:id="rId4"/>
-    <p:sldId id="259" r:id="rId5"/>
-    <p:sldId id="260" r:id="rId6"/>
-    <p:sldId id="262" r:id="rId7"/>
-    <p:sldId id="261" r:id="rId8"/>
-    <p:sldId id="263" r:id="rId9"/>
-    <p:sldId id="264" r:id="rId10"/>
-    <p:sldId id="265" r:id="rId11"/>
-    <p:sldId id="266" r:id="rId12"/>
-    <p:sldId id="267" r:id="rId13"/>
+    <p:sldId id="268" r:id="rId5"/>
+    <p:sldId id="259" r:id="rId6"/>
+    <p:sldId id="260" r:id="rId7"/>
+    <p:sldId id="262" r:id="rId8"/>
+    <p:sldId id="261" r:id="rId9"/>
+    <p:sldId id="263" r:id="rId10"/>
+    <p:sldId id="264" r:id="rId11"/>
+    <p:sldId id="265" r:id="rId12"/>
+    <p:sldId id="266" r:id="rId13"/>
+    <p:sldId id="267" r:id="rId14"/>
   </p:sldIdLst>
   <p:sldSz cx="12192000" cy="6858000"/>
   <p:notesSz cx="6858000" cy="9144000"/>
@@ -8323,6 +8324,64 @@
 <file path=ppt/slides/slide10.xml><?xml version="1.0" encoding="utf-8"?>
 <p:sld xmlns:a="http://schemas.openxmlformats.org/drawingml/2006/main" xmlns:r="http://schemas.openxmlformats.org/officeDocument/2006/relationships" xmlns:p="http://schemas.openxmlformats.org/presentationml/2006/main">
   <p:cSld>
+    <p:spTree>
+      <p:nvGrpSpPr>
+        <p:cNvPr id="1" name=""/>
+        <p:cNvGrpSpPr/>
+        <p:nvPr/>
+      </p:nvGrpSpPr>
+      <p:grpSpPr>
+        <a:xfrm>
+          <a:off x="0" y="0"/>
+          <a:ext cx="0" cy="0"/>
+          <a:chOff x="0" y="0"/>
+          <a:chExt cx="0" cy="0"/>
+        </a:xfrm>
+      </p:grpSpPr>
+      <p:sp>
+        <p:nvSpPr>
+          <p:cNvPr id="2" name="Title 1">
+            <a:extLst>
+              <a:ext uri="{FF2B5EF4-FFF2-40B4-BE49-F238E27FC236}">
+                <a16:creationId xmlns:a16="http://schemas.microsoft.com/office/drawing/2014/main" id="{3335E8FC-169E-F64C-A0CB-B0A7A087A39F}"/>
+              </a:ext>
+            </a:extLst>
+          </p:cNvPr>
+          <p:cNvSpPr>
+            <a:spLocks noGrp="1"/>
+          </p:cNvSpPr>
+          <p:nvPr>
+            <p:ph type="ctrTitle"/>
+          </p:nvPr>
+        </p:nvSpPr>
+        <p:spPr/>
+        <p:txBody>
+          <a:bodyPr/>
+          <a:lstStyle/>
+          <a:p>
+            <a:r>
+              <a:rPr lang="fr-FR" dirty="0"/>
+              <a:t>Niveau 2</a:t>
+            </a:r>
+          </a:p>
+        </p:txBody>
+      </p:sp>
+    </p:spTree>
+    <p:extLst>
+      <p:ext uri="{BB962C8B-B14F-4D97-AF65-F5344CB8AC3E}">
+        <p14:creationId xmlns:p14="http://schemas.microsoft.com/office/powerpoint/2010/main" val="1705030933"/>
+      </p:ext>
+    </p:extLst>
+  </p:cSld>
+  <p:clrMapOvr>
+    <a:masterClrMapping/>
+  </p:clrMapOvr>
+</p:sld>
+</file>
+
+<file path=ppt/slides/slide11.xml><?xml version="1.0" encoding="utf-8"?>
+<p:sld xmlns:a="http://schemas.openxmlformats.org/drawingml/2006/main" xmlns:r="http://schemas.openxmlformats.org/officeDocument/2006/relationships" xmlns:p="http://schemas.openxmlformats.org/presentationml/2006/main">
+  <p:cSld>
     <p:bg>
       <p:bgPr>
         <a:solidFill>
@@ -8952,7 +9011,7 @@
 </p:sld>
 </file>
 
-<file path=ppt/slides/slide11.xml><?xml version="1.0" encoding="utf-8"?>
+<file path=ppt/slides/slide12.xml><?xml version="1.0" encoding="utf-8"?>
 <p:sld xmlns:a="http://schemas.openxmlformats.org/drawingml/2006/main" xmlns:r="http://schemas.openxmlformats.org/officeDocument/2006/relationships" xmlns:p="http://schemas.openxmlformats.org/presentationml/2006/main">
   <p:cSld>
     <p:bg>
@@ -9604,7 +9663,7 @@
 </p:sld>
 </file>
 
-<file path=ppt/slides/slide12.xml><?xml version="1.0" encoding="utf-8"?>
+<file path=ppt/slides/slide13.xml><?xml version="1.0" encoding="utf-8"?>
 <p:sld xmlns:a="http://schemas.openxmlformats.org/drawingml/2006/main" xmlns:r="http://schemas.openxmlformats.org/officeDocument/2006/relationships" xmlns:p="http://schemas.openxmlformats.org/presentationml/2006/main">
   <p:cSld>
     <p:bg>
@@ -10838,13 +10897,13 @@
         <p:spPr>
           <a:xfrm>
             <a:off x="6008068" y="978993"/>
-            <a:ext cx="5365218" cy="4900014"/>
+            <a:ext cx="5625132" cy="4900014"/>
           </a:xfrm>
           <a:effectLst/>
         </p:spPr>
         <p:txBody>
           <a:bodyPr>
-            <a:normAutofit fontScale="92500" lnSpcReduction="20000"/>
+            <a:normAutofit/>
           </a:bodyPr>
           <a:lstStyle/>
           <a:p>
@@ -10854,7 +10913,7 @@
               </a:lnSpc>
             </a:pPr>
             <a:r>
-              <a:rPr lang="fr-FR" sz="1700"/>
+              <a:rPr lang="fr-FR" sz="1700" dirty="0"/>
               <a:t>L’implantation respecte la structure donnée (avec quelques légères modifications)</a:t>
             </a:r>
           </a:p>
@@ -10865,7 +10924,7 @@
               </a:lnSpc>
             </a:pPr>
             <a:r>
-              <a:rPr lang="fr-FR" sz="1700"/>
+              <a:rPr lang="fr-FR" sz="1700" dirty="0"/>
               <a:t>Rajout des fonctions:</a:t>
             </a:r>
           </a:p>
@@ -10876,7 +10935,7 @@
               </a:lnSpc>
             </a:pPr>
             <a:r>
-              <a:rPr lang="fr-FR" sz="1700"/>
+              <a:rPr lang="fr-FR" sz="1700" dirty="0"/>
               <a:t>deplacementGauche_sansCombi</a:t>
             </a:r>
           </a:p>
@@ -10887,7 +10946,7 @@
               </a:lnSpc>
             </a:pPr>
             <a:r>
-              <a:rPr lang="fr-FR" sz="1700"/>
+              <a:rPr lang="fr-FR" sz="1700" dirty="0"/>
               <a:t>deplacementHaut_sansCombi</a:t>
             </a:r>
           </a:p>
@@ -10898,7 +10957,7 @@
               </a:lnSpc>
             </a:pPr>
             <a:r>
-              <a:rPr lang="fr-FR" sz="1700"/>
+              <a:rPr lang="fr-FR" sz="1700" dirty="0"/>
               <a:t>combineCases_gauche</a:t>
             </a:r>
           </a:p>
@@ -10909,7 +10968,7 @@
               </a:lnSpc>
             </a:pPr>
             <a:r>
-              <a:rPr lang="fr-FR" sz="1700"/>
+              <a:rPr lang="fr-FR" sz="1700" dirty="0"/>
               <a:t>combineCases_haut</a:t>
             </a:r>
           </a:p>
@@ -10920,7 +10979,7 @@
               </a:lnSpc>
             </a:pPr>
             <a:r>
-              <a:rPr lang="fr-FR" sz="1700"/>
+              <a:rPr lang="fr-FR" sz="1700" dirty="0"/>
               <a:t>flip_horizontal</a:t>
             </a:r>
           </a:p>
@@ -10931,41 +10990,19 @@
               </a:lnSpc>
             </a:pPr>
             <a:r>
-              <a:rPr lang="fr-FR" sz="1700"/>
+              <a:rPr lang="fr-FR" sz="1700" dirty="0"/>
               <a:t>flip_vertical </a:t>
             </a:r>
           </a:p>
           <a:p>
-            <a:pPr>
+            <a:pPr lvl="3">
               <a:lnSpc>
                 <a:spcPct val="90000"/>
               </a:lnSpc>
             </a:pPr>
             <a:r>
-              <a:rPr lang="fr-FR" sz="1700"/>
-              <a:t>Toutes les fonctions sont documentées, spécifiées et testées;</a:t>
-            </a:r>
-          </a:p>
-          <a:p>
-            <a:pPr lvl="1">
-              <a:lnSpc>
-                <a:spcPct val="90000"/>
-              </a:lnSpc>
-            </a:pPr>
-            <a:r>
-              <a:rPr lang="fr-FR" sz="1700"/>
-              <a:t>Note: les fonctions de déplacement marchent tous sur tous tableaux avec le même nombre de colonnes sur chaque ligne et la fonction dessine marche affiche bien sur les plateau avec un nombre de colonnes égale a 4.</a:t>
-            </a:r>
-          </a:p>
-          <a:p>
-            <a:pPr>
-              <a:lnSpc>
-                <a:spcPct val="90000"/>
-              </a:lnSpc>
-            </a:pPr>
-            <a:r>
-              <a:rPr lang="fr-FR" sz="1700"/>
-              <a:t>On dispose d’un bon affichage du plateau de jeu</a:t>
+              <a:rPr lang="fr-FR" sz="1700" dirty="0"/>
+              <a:t>nouvelleCase</a:t>
             </a:r>
           </a:p>
         </p:txBody>
@@ -10984,675 +11021,6 @@
 </file>
 
 <file path=ppt/slides/slide4.xml><?xml version="1.0" encoding="utf-8"?>
-<p:sld xmlns:a="http://schemas.openxmlformats.org/drawingml/2006/main" xmlns:r="http://schemas.openxmlformats.org/officeDocument/2006/relationships" xmlns:p="http://schemas.openxmlformats.org/presentationml/2006/main">
-  <p:cSld>
-    <p:spTree>
-      <p:nvGrpSpPr>
-        <p:cNvPr id="1" name=""/>
-        <p:cNvGrpSpPr/>
-        <p:nvPr/>
-      </p:nvGrpSpPr>
-      <p:grpSpPr>
-        <a:xfrm>
-          <a:off x="0" y="0"/>
-          <a:ext cx="0" cy="0"/>
-          <a:chOff x="0" y="0"/>
-          <a:chExt cx="0" cy="0"/>
-        </a:xfrm>
-      </p:grpSpPr>
-      <p:sp>
-        <p:nvSpPr>
-          <p:cNvPr id="2" name="Title 1">
-            <a:extLst>
-              <a:ext uri="{FF2B5EF4-FFF2-40B4-BE49-F238E27FC236}">
-                <a16:creationId xmlns:a16="http://schemas.microsoft.com/office/drawing/2014/main" id="{1E5A8199-6959-CA42-B906-2ED572DC8CBB}"/>
-              </a:ext>
-            </a:extLst>
-          </p:cNvPr>
-          <p:cNvSpPr>
-            <a:spLocks noGrp="1"/>
-          </p:cNvSpPr>
-          <p:nvPr>
-            <p:ph type="ctrTitle"/>
-          </p:nvPr>
-        </p:nvSpPr>
-        <p:spPr/>
-        <p:txBody>
-          <a:bodyPr/>
-          <a:lstStyle/>
-          <a:p>
-            <a:r>
-              <a:rPr lang="fr-FR" dirty="0"/>
-              <a:t>Niveau 1</a:t>
-            </a:r>
-          </a:p>
-        </p:txBody>
-      </p:sp>
-    </p:spTree>
-    <p:extLst>
-      <p:ext uri="{BB962C8B-B14F-4D97-AF65-F5344CB8AC3E}">
-        <p14:creationId xmlns:p14="http://schemas.microsoft.com/office/powerpoint/2010/main" val="3853121290"/>
-      </p:ext>
-    </p:extLst>
-  </p:cSld>
-  <p:clrMapOvr>
-    <a:masterClrMapping/>
-  </p:clrMapOvr>
-</p:sld>
-</file>
-
-<file path=ppt/slides/slide5.xml><?xml version="1.0" encoding="utf-8"?>
-<p:sld xmlns:a="http://schemas.openxmlformats.org/drawingml/2006/main" xmlns:r="http://schemas.openxmlformats.org/officeDocument/2006/relationships" xmlns:p="http://schemas.openxmlformats.org/presentationml/2006/main">
-  <p:cSld>
-    <p:bg>
-      <p:bgPr>
-        <a:solidFill>
-          <a:schemeClr val="bg1"/>
-        </a:solidFill>
-        <a:effectLst/>
-      </p:bgPr>
-    </p:bg>
-    <p:spTree>
-      <p:nvGrpSpPr>
-        <p:cNvPr id="1" name=""/>
-        <p:cNvGrpSpPr/>
-        <p:nvPr/>
-      </p:nvGrpSpPr>
-      <p:grpSpPr>
-        <a:xfrm>
-          <a:off x="0" y="0"/>
-          <a:ext cx="0" cy="0"/>
-          <a:chOff x="0" y="0"/>
-          <a:chExt cx="0" cy="0"/>
-        </a:xfrm>
-      </p:grpSpPr>
-      <p:sp>
-        <p:nvSpPr>
-          <p:cNvPr id="24" name="Freeform 6">
-            <a:extLst>
-              <a:ext uri="{FF2B5EF4-FFF2-40B4-BE49-F238E27FC236}">
-                <a16:creationId xmlns:a16="http://schemas.microsoft.com/office/drawing/2014/main" id="{53576798-7F98-4C7F-B6C7-6D41B5A7E927}"/>
-              </a:ext>
-              <a:ext uri="{C183D7F6-B498-43B3-948B-1728B52AA6E4}">
-                <adec:decorative xmlns:adec="http://schemas.microsoft.com/office/drawing/2017/decorative" val="1"/>
-              </a:ext>
-            </a:extLst>
-          </p:cNvPr>
-          <p:cNvSpPr>
-            <a:spLocks noGrp="1" noRot="1" noChangeAspect="1" noMove="1" noResize="1" noEditPoints="1" noAdjustHandles="1" noChangeArrowheads="1" noChangeShapeType="1" noTextEdit="1"/>
-          </p:cNvSpPr>
-          <p:nvPr>
-            <p:extLst>
-              <p:ext uri="{386F3935-93C4-4BCD-93E2-E3B085C9AB24}">
-                <p16:designElem xmlns:p16="http://schemas.microsoft.com/office/powerpoint/2015/main" val="1"/>
-              </p:ext>
-            </p:extLst>
-          </p:nvPr>
-        </p:nvSpPr>
-        <p:spPr bwMode="auto">
-          <a:xfrm>
-            <a:off x="0" y="0"/>
-            <a:ext cx="12192000" cy="2185988"/>
-          </a:xfrm>
-          <a:custGeom>
-            <a:avLst/>
-            <a:gdLst/>
-            <a:ahLst/>
-            <a:cxnLst/>
-            <a:rect l="0" t="0" r="r" b="b"/>
-            <a:pathLst>
-              <a:path w="5760" h="1377">
-                <a:moveTo>
-                  <a:pt x="5760" y="0"/>
-                </a:moveTo>
-                <a:lnTo>
-                  <a:pt x="0" y="0"/>
-                </a:lnTo>
-                <a:lnTo>
-                  <a:pt x="0" y="1189"/>
-                </a:lnTo>
-                <a:lnTo>
-                  <a:pt x="943" y="1189"/>
-                </a:lnTo>
-                <a:lnTo>
-                  <a:pt x="1123" y="1369"/>
-                </a:lnTo>
-                <a:lnTo>
-                  <a:pt x="1123" y="1369"/>
-                </a:lnTo>
-                <a:lnTo>
-                  <a:pt x="1127" y="1371"/>
-                </a:lnTo>
-                <a:lnTo>
-                  <a:pt x="1133" y="1374"/>
-                </a:lnTo>
-                <a:lnTo>
-                  <a:pt x="1139" y="1377"/>
-                </a:lnTo>
-                <a:lnTo>
-                  <a:pt x="1144" y="1377"/>
-                </a:lnTo>
-                <a:lnTo>
-                  <a:pt x="1150" y="1377"/>
-                </a:lnTo>
-                <a:lnTo>
-                  <a:pt x="1155" y="1374"/>
-                </a:lnTo>
-                <a:lnTo>
-                  <a:pt x="1161" y="1371"/>
-                </a:lnTo>
-                <a:lnTo>
-                  <a:pt x="1165" y="1369"/>
-                </a:lnTo>
-                <a:lnTo>
-                  <a:pt x="1345" y="1189"/>
-                </a:lnTo>
-                <a:lnTo>
-                  <a:pt x="5760" y="1189"/>
-                </a:lnTo>
-                <a:lnTo>
-                  <a:pt x="5760" y="0"/>
-                </a:lnTo>
-                <a:close/>
-              </a:path>
-            </a:pathLst>
-          </a:custGeom>
-          <a:ln/>
-          <a:extLst>
-            <a:ext uri="{91240B29-F687-4f45-9708-019B960494DF}">
-              <a14:hiddenLine xmlns="" xmlns:a16="http://schemas.microsoft.com/office/drawing/2014/main" xmlns:p14="http://schemas.microsoft.com/office/powerpoint/2010/main" xmlns:a14="http://schemas.microsoft.com/office/drawing/2010/main" w="9525">
-                <a:solidFill>
-                  <a:srgbClr val="000000"/>
-                </a:solidFill>
-                <a:round/>
-                <a:headEnd/>
-                <a:tailEnd/>
-              </a14:hiddenLine>
-            </a:ext>
-          </a:extLst>
-        </p:spPr>
-        <p:style>
-          <a:lnRef idx="1">
-            <a:schemeClr val="accent1"/>
-          </a:lnRef>
-          <a:fillRef idx="3">
-            <a:schemeClr val="accent1"/>
-          </a:fillRef>
-          <a:effectRef idx="2">
-            <a:schemeClr val="accent1"/>
-          </a:effectRef>
-          <a:fontRef idx="minor">
-            <a:schemeClr val="lt1"/>
-          </a:fontRef>
-        </p:style>
-      </p:sp>
-      <p:sp>
-        <p:nvSpPr>
-          <p:cNvPr id="25" name="Rectangle 12">
-            <a:extLst>
-              <a:ext uri="{FF2B5EF4-FFF2-40B4-BE49-F238E27FC236}">
-                <a16:creationId xmlns:a16="http://schemas.microsoft.com/office/drawing/2014/main" id="{8C1FC8BA-94E6-44F7-B346-6A2215E66D2E}"/>
-              </a:ext>
-              <a:ext uri="{C183D7F6-B498-43B3-948B-1728B52AA6E4}">
-                <adec:decorative xmlns:adec="http://schemas.microsoft.com/office/drawing/2017/decorative" val="1"/>
-              </a:ext>
-            </a:extLst>
-          </p:cNvPr>
-          <p:cNvSpPr>
-            <a:spLocks noGrp="1" noRot="1" noChangeAspect="1" noMove="1" noResize="1" noEditPoints="1" noAdjustHandles="1" noChangeArrowheads="1" noChangeShapeType="1" noTextEdit="1"/>
-          </p:cNvSpPr>
-          <p:nvPr>
-            <p:extLst>
-              <p:ext uri="{386F3935-93C4-4BCD-93E2-E3B085C9AB24}">
-                <p16:designElem xmlns:p16="http://schemas.microsoft.com/office/powerpoint/2015/main" val="1"/>
-              </p:ext>
-            </p:extLst>
-          </p:nvPr>
-        </p:nvSpPr>
-        <p:spPr>
-          <a:xfrm>
-            <a:off x="0" y="0"/>
-            <a:ext cx="12188952" cy="6858000"/>
-          </a:xfrm>
-          <a:prstGeom prst="rect">
-            <a:avLst/>
-          </a:prstGeom>
-          <a:solidFill>
-            <a:schemeClr val="bg1"/>
-          </a:solidFill>
-          <a:ln>
-            <a:noFill/>
-          </a:ln>
-        </p:spPr>
-        <p:style>
-          <a:lnRef idx="2">
-            <a:schemeClr val="accent1">
-              <a:shade val="50000"/>
-            </a:schemeClr>
-          </a:lnRef>
-          <a:fillRef idx="1">
-            <a:schemeClr val="accent1"/>
-          </a:fillRef>
-          <a:effectRef idx="0">
-            <a:schemeClr val="accent1"/>
-          </a:effectRef>
-          <a:fontRef idx="minor">
-            <a:schemeClr val="lt1"/>
-          </a:fontRef>
-        </p:style>
-        <p:txBody>
-          <a:bodyPr rtlCol="0" anchor="ctr"/>
-          <a:lstStyle/>
-          <a:p>
-            <a:pPr algn="ctr"/>
-            <a:endParaRPr lang="en-US"/>
-          </a:p>
-        </p:txBody>
-      </p:sp>
-      <p:sp>
-        <p:nvSpPr>
-          <p:cNvPr id="26" name="Freeform 23">
-            <a:extLst>
-              <a:ext uri="{FF2B5EF4-FFF2-40B4-BE49-F238E27FC236}">
-                <a16:creationId xmlns:a16="http://schemas.microsoft.com/office/drawing/2014/main" id="{A8329D92-4903-43FF-90F4-878F5D3F1D22}"/>
-              </a:ext>
-              <a:ext uri="{C183D7F6-B498-43B3-948B-1728B52AA6E4}">
-                <adec:decorative xmlns:adec="http://schemas.microsoft.com/office/drawing/2017/decorative" val="1"/>
-              </a:ext>
-            </a:extLst>
-          </p:cNvPr>
-          <p:cNvSpPr>
-            <a:spLocks noGrp="1" noRot="1" noChangeAspect="1" noMove="1" noResize="1" noEditPoints="1" noAdjustHandles="1" noChangeArrowheads="1" noChangeShapeType="1" noTextEdit="1"/>
-          </p:cNvSpPr>
-          <p:nvPr>
-            <p:extLst>
-              <p:ext uri="{386F3935-93C4-4BCD-93E2-E3B085C9AB24}">
-                <p16:designElem xmlns:p16="http://schemas.microsoft.com/office/powerpoint/2015/main" val="1"/>
-              </p:ext>
-            </p:extLst>
-          </p:nvPr>
-        </p:nvSpPr>
-        <p:spPr bwMode="white">
-          <a:xfrm>
-            <a:off x="0" y="0"/>
-            <a:ext cx="4637005" cy="6858000"/>
-          </a:xfrm>
-          <a:custGeom>
-            <a:avLst/>
-            <a:gdLst>
-              <a:gd name="connsiteX0" fmla="*/ 0 w 4637005"/>
-              <a:gd name="connsiteY0" fmla="*/ 0 h 6858000"/>
-              <a:gd name="connsiteX1" fmla="*/ 4637005 w 4637005"/>
-              <a:gd name="connsiteY1" fmla="*/ 0 h 6858000"/>
-              <a:gd name="connsiteX2" fmla="*/ 4637005 w 4637005"/>
-              <a:gd name="connsiteY2" fmla="*/ 1900238 h 6858000"/>
-              <a:gd name="connsiteX3" fmla="*/ 4266589 w 4637005"/>
-              <a:gd name="connsiteY3" fmla="*/ 2178050 h 6858000"/>
-              <a:gd name="connsiteX4" fmla="*/ 4262355 w 4637005"/>
-              <a:gd name="connsiteY4" fmla="*/ 2184400 h 6858000"/>
-              <a:gd name="connsiteX5" fmla="*/ 4256005 w 4637005"/>
-              <a:gd name="connsiteY5" fmla="*/ 2193925 h 6858000"/>
-              <a:gd name="connsiteX6" fmla="*/ 4249655 w 4637005"/>
-              <a:gd name="connsiteY6" fmla="*/ 2201863 h 6858000"/>
-              <a:gd name="connsiteX7" fmla="*/ 4249655 w 4637005"/>
-              <a:gd name="connsiteY7" fmla="*/ 2211388 h 6858000"/>
-              <a:gd name="connsiteX8" fmla="*/ 4249655 w 4637005"/>
-              <a:gd name="connsiteY8" fmla="*/ 2220913 h 6858000"/>
-              <a:gd name="connsiteX9" fmla="*/ 4256005 w 4637005"/>
-              <a:gd name="connsiteY9" fmla="*/ 2228850 h 6858000"/>
-              <a:gd name="connsiteX10" fmla="*/ 4262355 w 4637005"/>
-              <a:gd name="connsiteY10" fmla="*/ 2238375 h 6858000"/>
-              <a:gd name="connsiteX11" fmla="*/ 4266589 w 4637005"/>
-              <a:gd name="connsiteY11" fmla="*/ 2244725 h 6858000"/>
-              <a:gd name="connsiteX12" fmla="*/ 4637005 w 4637005"/>
-              <a:gd name="connsiteY12" fmla="*/ 2522538 h 6858000"/>
-              <a:gd name="connsiteX13" fmla="*/ 4637005 w 4637005"/>
-              <a:gd name="connsiteY13" fmla="*/ 6858000 h 6858000"/>
-              <a:gd name="connsiteX14" fmla="*/ 0 w 4637005"/>
-              <a:gd name="connsiteY14" fmla="*/ 6858000 h 6858000"/>
-            </a:gdLst>
-            <a:ahLst/>
-            <a:cxnLst>
-              <a:cxn ang="0">
-                <a:pos x="connsiteX0" y="connsiteY0"/>
-              </a:cxn>
-              <a:cxn ang="0">
-                <a:pos x="connsiteX1" y="connsiteY1"/>
-              </a:cxn>
-              <a:cxn ang="0">
-                <a:pos x="connsiteX2" y="connsiteY2"/>
-              </a:cxn>
-              <a:cxn ang="0">
-                <a:pos x="connsiteX3" y="connsiteY3"/>
-              </a:cxn>
-              <a:cxn ang="0">
-                <a:pos x="connsiteX4" y="connsiteY4"/>
-              </a:cxn>
-              <a:cxn ang="0">
-                <a:pos x="connsiteX5" y="connsiteY5"/>
-              </a:cxn>
-              <a:cxn ang="0">
-                <a:pos x="connsiteX6" y="connsiteY6"/>
-              </a:cxn>
-              <a:cxn ang="0">
-                <a:pos x="connsiteX7" y="connsiteY7"/>
-              </a:cxn>
-              <a:cxn ang="0">
-                <a:pos x="connsiteX8" y="connsiteY8"/>
-              </a:cxn>
-              <a:cxn ang="0">
-                <a:pos x="connsiteX9" y="connsiteY9"/>
-              </a:cxn>
-              <a:cxn ang="0">
-                <a:pos x="connsiteX10" y="connsiteY10"/>
-              </a:cxn>
-              <a:cxn ang="0">
-                <a:pos x="connsiteX11" y="connsiteY11"/>
-              </a:cxn>
-              <a:cxn ang="0">
-                <a:pos x="connsiteX12" y="connsiteY12"/>
-              </a:cxn>
-              <a:cxn ang="0">
-                <a:pos x="connsiteX13" y="connsiteY13"/>
-              </a:cxn>
-              <a:cxn ang="0">
-                <a:pos x="connsiteX14" y="connsiteY14"/>
-              </a:cxn>
-            </a:cxnLst>
-            <a:rect l="l" t="t" r="r" b="b"/>
-            <a:pathLst>
-              <a:path w="4637005" h="6858000">
-                <a:moveTo>
-                  <a:pt x="0" y="0"/>
-                </a:moveTo>
-                <a:lnTo>
-                  <a:pt x="4637005" y="0"/>
-                </a:lnTo>
-                <a:lnTo>
-                  <a:pt x="4637005" y="1900238"/>
-                </a:lnTo>
-                <a:lnTo>
-                  <a:pt x="4266589" y="2178050"/>
-                </a:lnTo>
-                <a:lnTo>
-                  <a:pt x="4262355" y="2184400"/>
-                </a:lnTo>
-                <a:lnTo>
-                  <a:pt x="4256005" y="2193925"/>
-                </a:lnTo>
-                <a:lnTo>
-                  <a:pt x="4249655" y="2201863"/>
-                </a:lnTo>
-                <a:lnTo>
-                  <a:pt x="4249655" y="2211388"/>
-                </a:lnTo>
-                <a:lnTo>
-                  <a:pt x="4249655" y="2220913"/>
-                </a:lnTo>
-                <a:lnTo>
-                  <a:pt x="4256005" y="2228850"/>
-                </a:lnTo>
-                <a:lnTo>
-                  <a:pt x="4262355" y="2238375"/>
-                </a:lnTo>
-                <a:lnTo>
-                  <a:pt x="4266589" y="2244725"/>
-                </a:lnTo>
-                <a:lnTo>
-                  <a:pt x="4637005" y="2522538"/>
-                </a:lnTo>
-                <a:lnTo>
-                  <a:pt x="4637005" y="6858000"/>
-                </a:lnTo>
-                <a:lnTo>
-                  <a:pt x="0" y="6858000"/>
-                </a:lnTo>
-                <a:close/>
-              </a:path>
-            </a:pathLst>
-          </a:custGeom>
-          <a:solidFill>
-            <a:srgbClr val="262626"/>
-          </a:solidFill>
-          <a:ln>
-            <a:noFill/>
-          </a:ln>
-        </p:spPr>
-        <p:style>
-          <a:lnRef idx="2">
-            <a:schemeClr val="accent1">
-              <a:shade val="50000"/>
-            </a:schemeClr>
-          </a:lnRef>
-          <a:fillRef idx="1">
-            <a:schemeClr val="accent1"/>
-          </a:fillRef>
-          <a:effectRef idx="0">
-            <a:schemeClr val="accent1"/>
-          </a:effectRef>
-          <a:fontRef idx="minor">
-            <a:schemeClr val="lt1"/>
-          </a:fontRef>
-        </p:style>
-        <p:txBody>
-          <a:bodyPr wrap="square" rtlCol="0" anchor="ctr">
-            <a:noAutofit/>
-          </a:bodyPr>
-          <a:lstStyle/>
-          <a:p>
-            <a:pPr algn="ctr"/>
-            <a:endParaRPr lang="en-US"/>
-          </a:p>
-        </p:txBody>
-      </p:sp>
-      <p:sp>
-        <p:nvSpPr>
-          <p:cNvPr id="2" name="Title 1">
-            <a:extLst>
-              <a:ext uri="{FF2B5EF4-FFF2-40B4-BE49-F238E27FC236}">
-                <a16:creationId xmlns:a16="http://schemas.microsoft.com/office/drawing/2014/main" id="{84574A78-8DD4-4A4A-8CEA-AC048042931B}"/>
-              </a:ext>
-            </a:extLst>
-          </p:cNvPr>
-          <p:cNvSpPr>
-            <a:spLocks noGrp="1"/>
-          </p:cNvSpPr>
-          <p:nvPr>
-            <p:ph type="title"/>
-          </p:nvPr>
-        </p:nvSpPr>
-        <p:spPr>
-          <a:xfrm>
-            <a:off x="810001" y="447188"/>
-            <a:ext cx="3413084" cy="1559412"/>
-          </a:xfrm>
-        </p:spPr>
-        <p:txBody>
-          <a:bodyPr vert="horz" lIns="91440" tIns="45720" rIns="91440" bIns="45720" rtlCol="0" anchor="b">
-            <a:normAutofit/>
-          </a:bodyPr>
-          <a:lstStyle/>
-          <a:p>
-            <a:r>
-              <a:rPr lang="en-US" sz="3200"/>
-              <a:t>1.1 utilisation de la bibliothèque ncurse:</a:t>
-            </a:r>
-          </a:p>
-        </p:txBody>
-      </p:sp>
-      <p:sp>
-        <p:nvSpPr>
-          <p:cNvPr id="3" name="Content Placeholder 2">
-            <a:extLst>
-              <a:ext uri="{FF2B5EF4-FFF2-40B4-BE49-F238E27FC236}">
-                <a16:creationId xmlns:a16="http://schemas.microsoft.com/office/drawing/2014/main" id="{6B79532C-9214-9C42-8BFF-F42C717DF159}"/>
-              </a:ext>
-            </a:extLst>
-          </p:cNvPr>
-          <p:cNvSpPr>
-            <a:spLocks noGrp="1"/>
-          </p:cNvSpPr>
-          <p:nvPr>
-            <p:ph sz="half" idx="1"/>
-          </p:nvPr>
-        </p:nvSpPr>
-        <p:spPr>
-          <a:xfrm>
-            <a:off x="818713" y="2413000"/>
-            <a:ext cx="3404372" cy="3632200"/>
-          </a:xfrm>
-        </p:spPr>
-        <p:txBody>
-          <a:bodyPr vert="horz" lIns="91440" tIns="45720" rIns="91440" bIns="45720" rtlCol="0" anchor="ctr">
-            <a:normAutofit/>
-          </a:bodyPr>
-          <a:lstStyle/>
-          <a:p>
-            <a:r>
-              <a:rPr lang="en-US" sz="1600">
-                <a:solidFill>
-                  <a:srgbClr val="FFFFFF"/>
-                </a:solidFill>
-              </a:rPr>
-              <a:t>Couleur jaune globale du plateau de jeu et le score.</a:t>
-            </a:r>
-          </a:p>
-          <a:p>
-            <a:r>
-              <a:rPr lang="en-US" sz="1600">
-                <a:solidFill>
-                  <a:srgbClr val="FFFFFF"/>
-                </a:solidFill>
-              </a:rPr>
-              <a:t>Couleur blanche sur fond rouge pour le texte de fin de jeu</a:t>
-            </a:r>
-          </a:p>
-          <a:p>
-            <a:r>
-              <a:rPr lang="en-US" sz="1600">
-                <a:solidFill>
-                  <a:srgbClr val="FFFFFF"/>
-                </a:solidFill>
-              </a:rPr>
-              <a:t>Couleur noir sur fond blanc pour le score de fin de partie</a:t>
-            </a:r>
-          </a:p>
-        </p:txBody>
-      </p:sp>
-      <p:sp>
-        <p:nvSpPr>
-          <p:cNvPr id="17" name="Rounded Rectangle 17">
-            <a:extLst>
-              <a:ext uri="{FF2B5EF4-FFF2-40B4-BE49-F238E27FC236}">
-                <a16:creationId xmlns:a16="http://schemas.microsoft.com/office/drawing/2014/main" id="{567B1EEF-AB32-40F7-AD5F-41E0EA001EBE}"/>
-              </a:ext>
-              <a:ext uri="{C183D7F6-B498-43B3-948B-1728B52AA6E4}">
-                <adec:decorative xmlns:adec="http://schemas.microsoft.com/office/drawing/2017/decorative" val="1"/>
-              </a:ext>
-            </a:extLst>
-          </p:cNvPr>
-          <p:cNvSpPr>
-            <a:spLocks noGrp="1" noRot="1" noChangeAspect="1" noMove="1" noResize="1" noEditPoints="1" noAdjustHandles="1" noChangeArrowheads="1" noChangeShapeType="1" noTextEdit="1"/>
-          </p:cNvSpPr>
-          <p:nvPr>
-            <p:extLst>
-              <p:ext uri="{386F3935-93C4-4BCD-93E2-E3B085C9AB24}">
-                <p16:designElem xmlns:p16="http://schemas.microsoft.com/office/powerpoint/2015/main" val="1"/>
-              </p:ext>
-            </p:extLst>
-          </p:nvPr>
-        </p:nvSpPr>
-        <p:spPr>
-          <a:xfrm>
-            <a:off x="5278945" y="958640"/>
-            <a:ext cx="6269591" cy="4945244"/>
-          </a:xfrm>
-          <a:prstGeom prst="roundRect">
-            <a:avLst>
-              <a:gd name="adj" fmla="val 3513"/>
-            </a:avLst>
-          </a:prstGeom>
-          <a:solidFill>
-            <a:schemeClr val="bg1"/>
-          </a:solidFill>
-          <a:ln>
-            <a:solidFill>
-              <a:schemeClr val="accent1"/>
-            </a:solidFill>
-          </a:ln>
-          <a:effectLst/>
-        </p:spPr>
-        <p:style>
-          <a:lnRef idx="2">
-            <a:schemeClr val="accent1">
-              <a:shade val="50000"/>
-            </a:schemeClr>
-          </a:lnRef>
-          <a:fillRef idx="1">
-            <a:schemeClr val="accent1"/>
-          </a:fillRef>
-          <a:effectRef idx="0">
-            <a:schemeClr val="accent1"/>
-          </a:effectRef>
-          <a:fontRef idx="minor">
-            <a:schemeClr val="lt1"/>
-          </a:fontRef>
-        </p:style>
-        <p:txBody>
-          <a:bodyPr rtlCol="0" anchor="ctr"/>
-          <a:lstStyle/>
-          <a:p>
-            <a:pPr algn="ctr"/>
-            <a:endParaRPr lang="en-US"/>
-          </a:p>
-        </p:txBody>
-      </p:sp>
-      <p:pic>
-        <p:nvPicPr>
-          <p:cNvPr id="6" name="Content Placeholder 5">
-            <a:extLst>
-              <a:ext uri="{FF2B5EF4-FFF2-40B4-BE49-F238E27FC236}">
-                <a16:creationId xmlns:a16="http://schemas.microsoft.com/office/drawing/2014/main" id="{AEDCD27C-561A-FA41-9B76-33188141C53F}"/>
-              </a:ext>
-            </a:extLst>
-          </p:cNvPr>
-          <p:cNvPicPr>
-            <a:picLocks noGrp="1" noChangeAspect="1"/>
-          </p:cNvPicPr>
-          <p:nvPr>
-            <p:ph sz="half" idx="2"/>
-          </p:nvPr>
-        </p:nvPicPr>
-        <p:blipFill>
-          <a:blip r:embed="rId2"/>
-          <a:stretch>
-            <a:fillRect/>
-          </a:stretch>
-        </p:blipFill>
-        <p:spPr>
-          <a:xfrm>
-            <a:off x="6349605" y="1258529"/>
-            <a:ext cx="4147054" cy="4330205"/>
-          </a:xfrm>
-          <a:prstGeom prst="rect">
-            <a:avLst/>
-          </a:prstGeom>
-        </p:spPr>
-      </p:pic>
-    </p:spTree>
-    <p:extLst>
-      <p:ext uri="{BB962C8B-B14F-4D97-AF65-F5344CB8AC3E}">
-        <p14:creationId xmlns:p14="http://schemas.microsoft.com/office/powerpoint/2010/main" val="3528297022"/>
-      </p:ext>
-    </p:extLst>
-  </p:cSld>
-  <p:clrMapOvr>
-    <a:overrideClrMapping bg1="lt1" tx1="dk1" bg2="lt2" tx2="dk2" accent1="accent1" accent2="accent2" accent3="accent3" accent4="accent4" accent5="accent5" accent6="accent6" hlink="hlink" folHlink="folHlink"/>
-  </p:clrMapOvr>
-</p:sld>
-</file>
-
-<file path=ppt/slides/slide6.xml><?xml version="1.0" encoding="utf-8"?>
 <p:sld xmlns:a="http://schemas.openxmlformats.org/drawingml/2006/main" xmlns:r="http://schemas.openxmlformats.org/officeDocument/2006/relationships" xmlns:p="http://schemas.openxmlformats.org/presentationml/2006/main">
   <p:cSld>
     <p:bg>
@@ -11677,129 +11045,9 @@
           <a:chExt cx="0" cy="0"/>
         </a:xfrm>
       </p:grpSpPr>
-      <p:sp>
-        <p:nvSpPr>
-          <p:cNvPr id="8" name="Freeform 6">
-            <a:extLst>
-              <a:ext uri="{FF2B5EF4-FFF2-40B4-BE49-F238E27FC236}">
-                <a16:creationId xmlns:a16="http://schemas.microsoft.com/office/drawing/2014/main" id="{8EE457FF-670E-4EC1-ACD4-1173DA9A7975}"/>
-              </a:ext>
-              <a:ext uri="{C183D7F6-B498-43B3-948B-1728B52AA6E4}">
-                <adec:decorative xmlns:adec="http://schemas.microsoft.com/office/drawing/2017/decorative" val="1"/>
-              </a:ext>
-            </a:extLst>
-          </p:cNvPr>
-          <p:cNvSpPr>
-            <a:spLocks noGrp="1" noRot="1" noChangeAspect="1" noMove="1" noResize="1" noEditPoints="1" noAdjustHandles="1" noChangeArrowheads="1" noChangeShapeType="1" noTextEdit="1"/>
-          </p:cNvSpPr>
-          <p:nvPr>
-            <p:extLst>
-              <p:ext uri="{386F3935-93C4-4BCD-93E2-E3B085C9AB24}">
-                <p16:designElem xmlns:p16="http://schemas.microsoft.com/office/powerpoint/2015/main" val="1"/>
-              </p:ext>
-            </p:extLst>
-          </p:nvPr>
-        </p:nvSpPr>
-        <p:spPr bwMode="auto">
-          <a:xfrm>
-            <a:off x="0" y="0"/>
-            <a:ext cx="12192000" cy="2185988"/>
-          </a:xfrm>
-          <a:custGeom>
-            <a:avLst/>
-            <a:gdLst/>
-            <a:ahLst/>
-            <a:cxnLst/>
-            <a:rect l="0" t="0" r="r" b="b"/>
-            <a:pathLst>
-              <a:path w="5760" h="1377">
-                <a:moveTo>
-                  <a:pt x="5760" y="0"/>
-                </a:moveTo>
-                <a:lnTo>
-                  <a:pt x="0" y="0"/>
-                </a:lnTo>
-                <a:lnTo>
-                  <a:pt x="0" y="1189"/>
-                </a:lnTo>
-                <a:lnTo>
-                  <a:pt x="943" y="1189"/>
-                </a:lnTo>
-                <a:lnTo>
-                  <a:pt x="1123" y="1369"/>
-                </a:lnTo>
-                <a:lnTo>
-                  <a:pt x="1123" y="1369"/>
-                </a:lnTo>
-                <a:lnTo>
-                  <a:pt x="1127" y="1371"/>
-                </a:lnTo>
-                <a:lnTo>
-                  <a:pt x="1133" y="1374"/>
-                </a:lnTo>
-                <a:lnTo>
-                  <a:pt x="1139" y="1377"/>
-                </a:lnTo>
-                <a:lnTo>
-                  <a:pt x="1144" y="1377"/>
-                </a:lnTo>
-                <a:lnTo>
-                  <a:pt x="1150" y="1377"/>
-                </a:lnTo>
-                <a:lnTo>
-                  <a:pt x="1155" y="1374"/>
-                </a:lnTo>
-                <a:lnTo>
-                  <a:pt x="1161" y="1371"/>
-                </a:lnTo>
-                <a:lnTo>
-                  <a:pt x="1165" y="1369"/>
-                </a:lnTo>
-                <a:lnTo>
-                  <a:pt x="1345" y="1189"/>
-                </a:lnTo>
-                <a:lnTo>
-                  <a:pt x="5760" y="1189"/>
-                </a:lnTo>
-                <a:lnTo>
-                  <a:pt x="5760" y="0"/>
-                </a:lnTo>
-                <a:close/>
-              </a:path>
-            </a:pathLst>
-          </a:custGeom>
-          <a:ln/>
-          <a:extLst>
-            <a:ext uri="{91240B29-F687-4f45-9708-019B960494DF}">
-              <a14:hiddenLine xmlns="" xmlns:a14="http://schemas.microsoft.com/office/drawing/2010/main" xmlns:a16="http://schemas.microsoft.com/office/drawing/2014/main" w="9525">
-                <a:solidFill>
-                  <a:srgbClr val="000000"/>
-                </a:solidFill>
-                <a:round/>
-                <a:headEnd/>
-                <a:tailEnd/>
-              </a14:hiddenLine>
-            </a:ext>
-          </a:extLst>
-        </p:spPr>
-        <p:style>
-          <a:lnRef idx="1">
-            <a:schemeClr val="accent1"/>
-          </a:lnRef>
-          <a:fillRef idx="3">
-            <a:schemeClr val="accent1"/>
-          </a:fillRef>
-          <a:effectRef idx="2">
-            <a:schemeClr val="accent1"/>
-          </a:effectRef>
-          <a:fontRef idx="minor">
-            <a:schemeClr val="lt1"/>
-          </a:fontRef>
-        </p:style>
-      </p:sp>
       <p:sp useBgFill="1">
         <p:nvSpPr>
-          <p:cNvPr id="10" name="Rectangle 9">
+          <p:cNvPr id="8" name="Rectangle 7">
             <a:extLst>
               <a:ext uri="{FF2B5EF4-FFF2-40B4-BE49-F238E27FC236}">
                 <a16:creationId xmlns:a16="http://schemas.microsoft.com/office/drawing/2014/main" id="{089A69AF-D57B-49B4-886C-D4A5DC194421}"/>
@@ -11859,7 +11107,7 @@
       </p:sp>
       <p:sp>
         <p:nvSpPr>
-          <p:cNvPr id="12" name="Freeform: Shape 11">
+          <p:cNvPr id="10" name="Freeform: Shape 9">
             <a:extLst>
               <a:ext uri="{FF2B5EF4-FFF2-40B4-BE49-F238E27FC236}">
                 <a16:creationId xmlns:a16="http://schemas.microsoft.com/office/drawing/2014/main" id="{CABDC08D-6093-4397-92D4-54D00E2BB1C2}"/>
@@ -12101,6 +11349,1219 @@
           <p:cNvPr id="2" name="Title 1">
             <a:extLst>
               <a:ext uri="{FF2B5EF4-FFF2-40B4-BE49-F238E27FC236}">
+                <a16:creationId xmlns:a16="http://schemas.microsoft.com/office/drawing/2014/main" id="{0AECE786-78AC-174C-811B-1D1D2E737D71}"/>
+              </a:ext>
+            </a:extLst>
+          </p:cNvPr>
+          <p:cNvSpPr>
+            <a:spLocks noGrp="1"/>
+          </p:cNvSpPr>
+          <p:nvPr>
+            <p:ph type="title"/>
+          </p:nvPr>
+        </p:nvSpPr>
+        <p:spPr>
+          <a:xfrm>
+            <a:off x="451515" y="1734857"/>
+            <a:ext cx="3765483" cy="3388287"/>
+          </a:xfrm>
+        </p:spPr>
+        <p:txBody>
+          <a:bodyPr anchor="ctr">
+            <a:normAutofit/>
+          </a:bodyPr>
+          <a:lstStyle/>
+          <a:p>
+            <a:r>
+              <a:rPr lang="fr-FR" dirty="0"/>
+              <a:t>Niveau 0</a:t>
+            </a:r>
+          </a:p>
+        </p:txBody>
+      </p:sp>
+      <p:sp>
+        <p:nvSpPr>
+          <p:cNvPr id="3" name="Content Placeholder 2">
+            <a:extLst>
+              <a:ext uri="{FF2B5EF4-FFF2-40B4-BE49-F238E27FC236}">
+                <a16:creationId xmlns:a16="http://schemas.microsoft.com/office/drawing/2014/main" id="{873D9288-8360-3F4C-8EB6-2AB7BB77A39D}"/>
+              </a:ext>
+            </a:extLst>
+          </p:cNvPr>
+          <p:cNvSpPr>
+            <a:spLocks noGrp="1"/>
+          </p:cNvSpPr>
+          <p:nvPr>
+            <p:ph idx="1"/>
+          </p:nvPr>
+        </p:nvSpPr>
+        <p:spPr>
+          <a:xfrm>
+            <a:off x="6008068" y="978993"/>
+            <a:ext cx="5365218" cy="4900014"/>
+          </a:xfrm>
+          <a:effectLst/>
+        </p:spPr>
+        <p:txBody>
+          <a:bodyPr>
+            <a:normAutofit/>
+          </a:bodyPr>
+          <a:lstStyle/>
+          <a:p>
+            <a:r>
+              <a:rPr lang="fr-FR"/>
+              <a:t>Toutes les fonctions sont documentées, spécifiées et testées;</a:t>
+            </a:r>
+          </a:p>
+          <a:p>
+            <a:pPr lvl="1"/>
+            <a:r>
+              <a:rPr lang="fr-FR"/>
+              <a:t>Note: les fonctions de déplacement marchent tous sur tous tableaux avec le même nombre de colonnes sur chaque ligne et la fonction dessine marche affiche bien sur les plateau avec un nombre de colonnes égale a 4.</a:t>
+            </a:r>
+          </a:p>
+          <a:p>
+            <a:r>
+              <a:rPr lang="fr-FR"/>
+              <a:t>On dispose d’un bon affichage du plateau de jeu</a:t>
+            </a:r>
+          </a:p>
+          <a:p>
+            <a:endParaRPr lang="fr-FR" dirty="0"/>
+          </a:p>
+        </p:txBody>
+      </p:sp>
+    </p:spTree>
+    <p:extLst>
+      <p:ext uri="{BB962C8B-B14F-4D97-AF65-F5344CB8AC3E}">
+        <p14:creationId xmlns:p14="http://schemas.microsoft.com/office/powerpoint/2010/main" val="3595904135"/>
+      </p:ext>
+    </p:extLst>
+  </p:cSld>
+  <p:clrMapOvr>
+    <a:masterClrMapping/>
+  </p:clrMapOvr>
+</p:sld>
+</file>
+
+<file path=ppt/slides/slide5.xml><?xml version="1.0" encoding="utf-8"?>
+<p:sld xmlns:a="http://schemas.openxmlformats.org/drawingml/2006/main" xmlns:r="http://schemas.openxmlformats.org/officeDocument/2006/relationships" xmlns:p="http://schemas.openxmlformats.org/presentationml/2006/main">
+  <p:cSld>
+    <p:spTree>
+      <p:nvGrpSpPr>
+        <p:cNvPr id="1" name=""/>
+        <p:cNvGrpSpPr/>
+        <p:nvPr/>
+      </p:nvGrpSpPr>
+      <p:grpSpPr>
+        <a:xfrm>
+          <a:off x="0" y="0"/>
+          <a:ext cx="0" cy="0"/>
+          <a:chOff x="0" y="0"/>
+          <a:chExt cx="0" cy="0"/>
+        </a:xfrm>
+      </p:grpSpPr>
+      <p:sp>
+        <p:nvSpPr>
+          <p:cNvPr id="2" name="Title 1">
+            <a:extLst>
+              <a:ext uri="{FF2B5EF4-FFF2-40B4-BE49-F238E27FC236}">
+                <a16:creationId xmlns:a16="http://schemas.microsoft.com/office/drawing/2014/main" id="{1E5A8199-6959-CA42-B906-2ED572DC8CBB}"/>
+              </a:ext>
+            </a:extLst>
+          </p:cNvPr>
+          <p:cNvSpPr>
+            <a:spLocks noGrp="1"/>
+          </p:cNvSpPr>
+          <p:nvPr>
+            <p:ph type="ctrTitle"/>
+          </p:nvPr>
+        </p:nvSpPr>
+        <p:spPr/>
+        <p:txBody>
+          <a:bodyPr/>
+          <a:lstStyle/>
+          <a:p>
+            <a:r>
+              <a:rPr lang="fr-FR" dirty="0"/>
+              <a:t>Niveau 1</a:t>
+            </a:r>
+          </a:p>
+        </p:txBody>
+      </p:sp>
+    </p:spTree>
+    <p:extLst>
+      <p:ext uri="{BB962C8B-B14F-4D97-AF65-F5344CB8AC3E}">
+        <p14:creationId xmlns:p14="http://schemas.microsoft.com/office/powerpoint/2010/main" val="3853121290"/>
+      </p:ext>
+    </p:extLst>
+  </p:cSld>
+  <p:clrMapOvr>
+    <a:masterClrMapping/>
+  </p:clrMapOvr>
+</p:sld>
+</file>
+
+<file path=ppt/slides/slide6.xml><?xml version="1.0" encoding="utf-8"?>
+<p:sld xmlns:a="http://schemas.openxmlformats.org/drawingml/2006/main" xmlns:r="http://schemas.openxmlformats.org/officeDocument/2006/relationships" xmlns:p="http://schemas.openxmlformats.org/presentationml/2006/main">
+  <p:cSld>
+    <p:bg>
+      <p:bgPr>
+        <a:solidFill>
+          <a:schemeClr val="bg1"/>
+        </a:solidFill>
+        <a:effectLst/>
+      </p:bgPr>
+    </p:bg>
+    <p:spTree>
+      <p:nvGrpSpPr>
+        <p:cNvPr id="1" name=""/>
+        <p:cNvGrpSpPr/>
+        <p:nvPr/>
+      </p:nvGrpSpPr>
+      <p:grpSpPr>
+        <a:xfrm>
+          <a:off x="0" y="0"/>
+          <a:ext cx="0" cy="0"/>
+          <a:chOff x="0" y="0"/>
+          <a:chExt cx="0" cy="0"/>
+        </a:xfrm>
+      </p:grpSpPr>
+      <p:sp>
+        <p:nvSpPr>
+          <p:cNvPr id="24" name="Freeform 6">
+            <a:extLst>
+              <a:ext uri="{FF2B5EF4-FFF2-40B4-BE49-F238E27FC236}">
+                <a16:creationId xmlns:a16="http://schemas.microsoft.com/office/drawing/2014/main" id="{53576798-7F98-4C7F-B6C7-6D41B5A7E927}"/>
+              </a:ext>
+              <a:ext uri="{C183D7F6-B498-43B3-948B-1728B52AA6E4}">
+                <adec:decorative xmlns:adec="http://schemas.microsoft.com/office/drawing/2017/decorative" val="1"/>
+              </a:ext>
+            </a:extLst>
+          </p:cNvPr>
+          <p:cNvSpPr>
+            <a:spLocks noGrp="1" noRot="1" noChangeAspect="1" noMove="1" noResize="1" noEditPoints="1" noAdjustHandles="1" noChangeArrowheads="1" noChangeShapeType="1" noTextEdit="1"/>
+          </p:cNvSpPr>
+          <p:nvPr>
+            <p:extLst>
+              <p:ext uri="{386F3935-93C4-4BCD-93E2-E3B085C9AB24}">
+                <p16:designElem xmlns:p16="http://schemas.microsoft.com/office/powerpoint/2015/main" val="1"/>
+              </p:ext>
+            </p:extLst>
+          </p:nvPr>
+        </p:nvSpPr>
+        <p:spPr bwMode="auto">
+          <a:xfrm>
+            <a:off x="0" y="0"/>
+            <a:ext cx="12192000" cy="2185988"/>
+          </a:xfrm>
+          <a:custGeom>
+            <a:avLst/>
+            <a:gdLst/>
+            <a:ahLst/>
+            <a:cxnLst/>
+            <a:rect l="0" t="0" r="r" b="b"/>
+            <a:pathLst>
+              <a:path w="5760" h="1377">
+                <a:moveTo>
+                  <a:pt x="5760" y="0"/>
+                </a:moveTo>
+                <a:lnTo>
+                  <a:pt x="0" y="0"/>
+                </a:lnTo>
+                <a:lnTo>
+                  <a:pt x="0" y="1189"/>
+                </a:lnTo>
+                <a:lnTo>
+                  <a:pt x="943" y="1189"/>
+                </a:lnTo>
+                <a:lnTo>
+                  <a:pt x="1123" y="1369"/>
+                </a:lnTo>
+                <a:lnTo>
+                  <a:pt x="1123" y="1369"/>
+                </a:lnTo>
+                <a:lnTo>
+                  <a:pt x="1127" y="1371"/>
+                </a:lnTo>
+                <a:lnTo>
+                  <a:pt x="1133" y="1374"/>
+                </a:lnTo>
+                <a:lnTo>
+                  <a:pt x="1139" y="1377"/>
+                </a:lnTo>
+                <a:lnTo>
+                  <a:pt x="1144" y="1377"/>
+                </a:lnTo>
+                <a:lnTo>
+                  <a:pt x="1150" y="1377"/>
+                </a:lnTo>
+                <a:lnTo>
+                  <a:pt x="1155" y="1374"/>
+                </a:lnTo>
+                <a:lnTo>
+                  <a:pt x="1161" y="1371"/>
+                </a:lnTo>
+                <a:lnTo>
+                  <a:pt x="1165" y="1369"/>
+                </a:lnTo>
+                <a:lnTo>
+                  <a:pt x="1345" y="1189"/>
+                </a:lnTo>
+                <a:lnTo>
+                  <a:pt x="5760" y="1189"/>
+                </a:lnTo>
+                <a:lnTo>
+                  <a:pt x="5760" y="0"/>
+                </a:lnTo>
+                <a:close/>
+              </a:path>
+            </a:pathLst>
+          </a:custGeom>
+          <a:ln/>
+          <a:extLst>
+            <a:ext uri="{91240B29-F687-4f45-9708-019B960494DF}">
+              <a14:hiddenLine xmlns="" xmlns:a16="http://schemas.microsoft.com/office/drawing/2014/main" xmlns:p14="http://schemas.microsoft.com/office/powerpoint/2010/main" xmlns:a14="http://schemas.microsoft.com/office/drawing/2010/main" w="9525">
+                <a:solidFill>
+                  <a:srgbClr val="000000"/>
+                </a:solidFill>
+                <a:round/>
+                <a:headEnd/>
+                <a:tailEnd/>
+              </a14:hiddenLine>
+            </a:ext>
+          </a:extLst>
+        </p:spPr>
+        <p:style>
+          <a:lnRef idx="1">
+            <a:schemeClr val="accent1"/>
+          </a:lnRef>
+          <a:fillRef idx="3">
+            <a:schemeClr val="accent1"/>
+          </a:fillRef>
+          <a:effectRef idx="2">
+            <a:schemeClr val="accent1"/>
+          </a:effectRef>
+          <a:fontRef idx="minor">
+            <a:schemeClr val="lt1"/>
+          </a:fontRef>
+        </p:style>
+      </p:sp>
+      <p:sp>
+        <p:nvSpPr>
+          <p:cNvPr id="25" name="Rectangle 12">
+            <a:extLst>
+              <a:ext uri="{FF2B5EF4-FFF2-40B4-BE49-F238E27FC236}">
+                <a16:creationId xmlns:a16="http://schemas.microsoft.com/office/drawing/2014/main" id="{8C1FC8BA-94E6-44F7-B346-6A2215E66D2E}"/>
+              </a:ext>
+              <a:ext uri="{C183D7F6-B498-43B3-948B-1728B52AA6E4}">
+                <adec:decorative xmlns:adec="http://schemas.microsoft.com/office/drawing/2017/decorative" val="1"/>
+              </a:ext>
+            </a:extLst>
+          </p:cNvPr>
+          <p:cNvSpPr>
+            <a:spLocks noGrp="1" noRot="1" noChangeAspect="1" noMove="1" noResize="1" noEditPoints="1" noAdjustHandles="1" noChangeArrowheads="1" noChangeShapeType="1" noTextEdit="1"/>
+          </p:cNvSpPr>
+          <p:nvPr>
+            <p:extLst>
+              <p:ext uri="{386F3935-93C4-4BCD-93E2-E3B085C9AB24}">
+                <p16:designElem xmlns:p16="http://schemas.microsoft.com/office/powerpoint/2015/main" val="1"/>
+              </p:ext>
+            </p:extLst>
+          </p:nvPr>
+        </p:nvSpPr>
+        <p:spPr>
+          <a:xfrm>
+            <a:off x="0" y="0"/>
+            <a:ext cx="12188952" cy="6858000"/>
+          </a:xfrm>
+          <a:prstGeom prst="rect">
+            <a:avLst/>
+          </a:prstGeom>
+          <a:solidFill>
+            <a:schemeClr val="bg1"/>
+          </a:solidFill>
+          <a:ln>
+            <a:noFill/>
+          </a:ln>
+        </p:spPr>
+        <p:style>
+          <a:lnRef idx="2">
+            <a:schemeClr val="accent1">
+              <a:shade val="50000"/>
+            </a:schemeClr>
+          </a:lnRef>
+          <a:fillRef idx="1">
+            <a:schemeClr val="accent1"/>
+          </a:fillRef>
+          <a:effectRef idx="0">
+            <a:schemeClr val="accent1"/>
+          </a:effectRef>
+          <a:fontRef idx="minor">
+            <a:schemeClr val="lt1"/>
+          </a:fontRef>
+        </p:style>
+        <p:txBody>
+          <a:bodyPr rtlCol="0" anchor="ctr"/>
+          <a:lstStyle/>
+          <a:p>
+            <a:pPr algn="ctr"/>
+            <a:endParaRPr lang="en-US"/>
+          </a:p>
+        </p:txBody>
+      </p:sp>
+      <p:sp>
+        <p:nvSpPr>
+          <p:cNvPr id="26" name="Freeform 23">
+            <a:extLst>
+              <a:ext uri="{FF2B5EF4-FFF2-40B4-BE49-F238E27FC236}">
+                <a16:creationId xmlns:a16="http://schemas.microsoft.com/office/drawing/2014/main" id="{A8329D92-4903-43FF-90F4-878F5D3F1D22}"/>
+              </a:ext>
+              <a:ext uri="{C183D7F6-B498-43B3-948B-1728B52AA6E4}">
+                <adec:decorative xmlns:adec="http://schemas.microsoft.com/office/drawing/2017/decorative" val="1"/>
+              </a:ext>
+            </a:extLst>
+          </p:cNvPr>
+          <p:cNvSpPr>
+            <a:spLocks noGrp="1" noRot="1" noChangeAspect="1" noMove="1" noResize="1" noEditPoints="1" noAdjustHandles="1" noChangeArrowheads="1" noChangeShapeType="1" noTextEdit="1"/>
+          </p:cNvSpPr>
+          <p:nvPr>
+            <p:extLst>
+              <p:ext uri="{386F3935-93C4-4BCD-93E2-E3B085C9AB24}">
+                <p16:designElem xmlns:p16="http://schemas.microsoft.com/office/powerpoint/2015/main" val="1"/>
+              </p:ext>
+            </p:extLst>
+          </p:nvPr>
+        </p:nvSpPr>
+        <p:spPr bwMode="white">
+          <a:xfrm>
+            <a:off x="0" y="0"/>
+            <a:ext cx="4637005" cy="6858000"/>
+          </a:xfrm>
+          <a:custGeom>
+            <a:avLst/>
+            <a:gdLst>
+              <a:gd name="connsiteX0" fmla="*/ 0 w 4637005"/>
+              <a:gd name="connsiteY0" fmla="*/ 0 h 6858000"/>
+              <a:gd name="connsiteX1" fmla="*/ 4637005 w 4637005"/>
+              <a:gd name="connsiteY1" fmla="*/ 0 h 6858000"/>
+              <a:gd name="connsiteX2" fmla="*/ 4637005 w 4637005"/>
+              <a:gd name="connsiteY2" fmla="*/ 1900238 h 6858000"/>
+              <a:gd name="connsiteX3" fmla="*/ 4266589 w 4637005"/>
+              <a:gd name="connsiteY3" fmla="*/ 2178050 h 6858000"/>
+              <a:gd name="connsiteX4" fmla="*/ 4262355 w 4637005"/>
+              <a:gd name="connsiteY4" fmla="*/ 2184400 h 6858000"/>
+              <a:gd name="connsiteX5" fmla="*/ 4256005 w 4637005"/>
+              <a:gd name="connsiteY5" fmla="*/ 2193925 h 6858000"/>
+              <a:gd name="connsiteX6" fmla="*/ 4249655 w 4637005"/>
+              <a:gd name="connsiteY6" fmla="*/ 2201863 h 6858000"/>
+              <a:gd name="connsiteX7" fmla="*/ 4249655 w 4637005"/>
+              <a:gd name="connsiteY7" fmla="*/ 2211388 h 6858000"/>
+              <a:gd name="connsiteX8" fmla="*/ 4249655 w 4637005"/>
+              <a:gd name="connsiteY8" fmla="*/ 2220913 h 6858000"/>
+              <a:gd name="connsiteX9" fmla="*/ 4256005 w 4637005"/>
+              <a:gd name="connsiteY9" fmla="*/ 2228850 h 6858000"/>
+              <a:gd name="connsiteX10" fmla="*/ 4262355 w 4637005"/>
+              <a:gd name="connsiteY10" fmla="*/ 2238375 h 6858000"/>
+              <a:gd name="connsiteX11" fmla="*/ 4266589 w 4637005"/>
+              <a:gd name="connsiteY11" fmla="*/ 2244725 h 6858000"/>
+              <a:gd name="connsiteX12" fmla="*/ 4637005 w 4637005"/>
+              <a:gd name="connsiteY12" fmla="*/ 2522538 h 6858000"/>
+              <a:gd name="connsiteX13" fmla="*/ 4637005 w 4637005"/>
+              <a:gd name="connsiteY13" fmla="*/ 6858000 h 6858000"/>
+              <a:gd name="connsiteX14" fmla="*/ 0 w 4637005"/>
+              <a:gd name="connsiteY14" fmla="*/ 6858000 h 6858000"/>
+            </a:gdLst>
+            <a:ahLst/>
+            <a:cxnLst>
+              <a:cxn ang="0">
+                <a:pos x="connsiteX0" y="connsiteY0"/>
+              </a:cxn>
+              <a:cxn ang="0">
+                <a:pos x="connsiteX1" y="connsiteY1"/>
+              </a:cxn>
+              <a:cxn ang="0">
+                <a:pos x="connsiteX2" y="connsiteY2"/>
+              </a:cxn>
+              <a:cxn ang="0">
+                <a:pos x="connsiteX3" y="connsiteY3"/>
+              </a:cxn>
+              <a:cxn ang="0">
+                <a:pos x="connsiteX4" y="connsiteY4"/>
+              </a:cxn>
+              <a:cxn ang="0">
+                <a:pos x="connsiteX5" y="connsiteY5"/>
+              </a:cxn>
+              <a:cxn ang="0">
+                <a:pos x="connsiteX6" y="connsiteY6"/>
+              </a:cxn>
+              <a:cxn ang="0">
+                <a:pos x="connsiteX7" y="connsiteY7"/>
+              </a:cxn>
+              <a:cxn ang="0">
+                <a:pos x="connsiteX8" y="connsiteY8"/>
+              </a:cxn>
+              <a:cxn ang="0">
+                <a:pos x="connsiteX9" y="connsiteY9"/>
+              </a:cxn>
+              <a:cxn ang="0">
+                <a:pos x="connsiteX10" y="connsiteY10"/>
+              </a:cxn>
+              <a:cxn ang="0">
+                <a:pos x="connsiteX11" y="connsiteY11"/>
+              </a:cxn>
+              <a:cxn ang="0">
+                <a:pos x="connsiteX12" y="connsiteY12"/>
+              </a:cxn>
+              <a:cxn ang="0">
+                <a:pos x="connsiteX13" y="connsiteY13"/>
+              </a:cxn>
+              <a:cxn ang="0">
+                <a:pos x="connsiteX14" y="connsiteY14"/>
+              </a:cxn>
+            </a:cxnLst>
+            <a:rect l="l" t="t" r="r" b="b"/>
+            <a:pathLst>
+              <a:path w="4637005" h="6858000">
+                <a:moveTo>
+                  <a:pt x="0" y="0"/>
+                </a:moveTo>
+                <a:lnTo>
+                  <a:pt x="4637005" y="0"/>
+                </a:lnTo>
+                <a:lnTo>
+                  <a:pt x="4637005" y="1900238"/>
+                </a:lnTo>
+                <a:lnTo>
+                  <a:pt x="4266589" y="2178050"/>
+                </a:lnTo>
+                <a:lnTo>
+                  <a:pt x="4262355" y="2184400"/>
+                </a:lnTo>
+                <a:lnTo>
+                  <a:pt x="4256005" y="2193925"/>
+                </a:lnTo>
+                <a:lnTo>
+                  <a:pt x="4249655" y="2201863"/>
+                </a:lnTo>
+                <a:lnTo>
+                  <a:pt x="4249655" y="2211388"/>
+                </a:lnTo>
+                <a:lnTo>
+                  <a:pt x="4249655" y="2220913"/>
+                </a:lnTo>
+                <a:lnTo>
+                  <a:pt x="4256005" y="2228850"/>
+                </a:lnTo>
+                <a:lnTo>
+                  <a:pt x="4262355" y="2238375"/>
+                </a:lnTo>
+                <a:lnTo>
+                  <a:pt x="4266589" y="2244725"/>
+                </a:lnTo>
+                <a:lnTo>
+                  <a:pt x="4637005" y="2522538"/>
+                </a:lnTo>
+                <a:lnTo>
+                  <a:pt x="4637005" y="6858000"/>
+                </a:lnTo>
+                <a:lnTo>
+                  <a:pt x="0" y="6858000"/>
+                </a:lnTo>
+                <a:close/>
+              </a:path>
+            </a:pathLst>
+          </a:custGeom>
+          <a:solidFill>
+            <a:srgbClr val="262626"/>
+          </a:solidFill>
+          <a:ln>
+            <a:noFill/>
+          </a:ln>
+        </p:spPr>
+        <p:style>
+          <a:lnRef idx="2">
+            <a:schemeClr val="accent1">
+              <a:shade val="50000"/>
+            </a:schemeClr>
+          </a:lnRef>
+          <a:fillRef idx="1">
+            <a:schemeClr val="accent1"/>
+          </a:fillRef>
+          <a:effectRef idx="0">
+            <a:schemeClr val="accent1"/>
+          </a:effectRef>
+          <a:fontRef idx="minor">
+            <a:schemeClr val="lt1"/>
+          </a:fontRef>
+        </p:style>
+        <p:txBody>
+          <a:bodyPr wrap="square" rtlCol="0" anchor="ctr">
+            <a:noAutofit/>
+          </a:bodyPr>
+          <a:lstStyle/>
+          <a:p>
+            <a:pPr algn="ctr"/>
+            <a:endParaRPr lang="en-US"/>
+          </a:p>
+        </p:txBody>
+      </p:sp>
+      <p:sp>
+        <p:nvSpPr>
+          <p:cNvPr id="2" name="Title 1">
+            <a:extLst>
+              <a:ext uri="{FF2B5EF4-FFF2-40B4-BE49-F238E27FC236}">
+                <a16:creationId xmlns:a16="http://schemas.microsoft.com/office/drawing/2014/main" id="{84574A78-8DD4-4A4A-8CEA-AC048042931B}"/>
+              </a:ext>
+            </a:extLst>
+          </p:cNvPr>
+          <p:cNvSpPr>
+            <a:spLocks noGrp="1"/>
+          </p:cNvSpPr>
+          <p:nvPr>
+            <p:ph type="title"/>
+          </p:nvPr>
+        </p:nvSpPr>
+        <p:spPr>
+          <a:xfrm>
+            <a:off x="810001" y="447188"/>
+            <a:ext cx="3413084" cy="1559412"/>
+          </a:xfrm>
+        </p:spPr>
+        <p:txBody>
+          <a:bodyPr vert="horz" lIns="91440" tIns="45720" rIns="91440" bIns="45720" rtlCol="0" anchor="b">
+            <a:normAutofit/>
+          </a:bodyPr>
+          <a:lstStyle/>
+          <a:p>
+            <a:r>
+              <a:rPr lang="en-US" sz="3200"/>
+              <a:t>1.1 utilisation de la bibliothèque ncurse:</a:t>
+            </a:r>
+          </a:p>
+        </p:txBody>
+      </p:sp>
+      <p:sp>
+        <p:nvSpPr>
+          <p:cNvPr id="3" name="Content Placeholder 2">
+            <a:extLst>
+              <a:ext uri="{FF2B5EF4-FFF2-40B4-BE49-F238E27FC236}">
+                <a16:creationId xmlns:a16="http://schemas.microsoft.com/office/drawing/2014/main" id="{6B79532C-9214-9C42-8BFF-F42C717DF159}"/>
+              </a:ext>
+            </a:extLst>
+          </p:cNvPr>
+          <p:cNvSpPr>
+            <a:spLocks noGrp="1"/>
+          </p:cNvSpPr>
+          <p:nvPr>
+            <p:ph sz="half" idx="1"/>
+          </p:nvPr>
+        </p:nvSpPr>
+        <p:spPr>
+          <a:xfrm>
+            <a:off x="818713" y="2413000"/>
+            <a:ext cx="3404372" cy="3632200"/>
+          </a:xfrm>
+        </p:spPr>
+        <p:txBody>
+          <a:bodyPr vert="horz" lIns="91440" tIns="45720" rIns="91440" bIns="45720" rtlCol="0" anchor="ctr">
+            <a:normAutofit/>
+          </a:bodyPr>
+          <a:lstStyle/>
+          <a:p>
+            <a:r>
+              <a:rPr lang="en-US" sz="1600">
+                <a:solidFill>
+                  <a:srgbClr val="FFFFFF"/>
+                </a:solidFill>
+              </a:rPr>
+              <a:t>Couleur jaune globale du plateau de jeu et le score.</a:t>
+            </a:r>
+          </a:p>
+          <a:p>
+            <a:r>
+              <a:rPr lang="en-US" sz="1600">
+                <a:solidFill>
+                  <a:srgbClr val="FFFFFF"/>
+                </a:solidFill>
+              </a:rPr>
+              <a:t>Couleur blanche sur fond rouge pour le texte de fin de jeu</a:t>
+            </a:r>
+          </a:p>
+          <a:p>
+            <a:r>
+              <a:rPr lang="en-US" sz="1600">
+                <a:solidFill>
+                  <a:srgbClr val="FFFFFF"/>
+                </a:solidFill>
+              </a:rPr>
+              <a:t>Couleur noir sur fond blanc pour le score de fin de partie</a:t>
+            </a:r>
+          </a:p>
+        </p:txBody>
+      </p:sp>
+      <p:sp>
+        <p:nvSpPr>
+          <p:cNvPr id="17" name="Rounded Rectangle 17">
+            <a:extLst>
+              <a:ext uri="{FF2B5EF4-FFF2-40B4-BE49-F238E27FC236}">
+                <a16:creationId xmlns:a16="http://schemas.microsoft.com/office/drawing/2014/main" id="{567B1EEF-AB32-40F7-AD5F-41E0EA001EBE}"/>
+              </a:ext>
+              <a:ext uri="{C183D7F6-B498-43B3-948B-1728B52AA6E4}">
+                <adec:decorative xmlns:adec="http://schemas.microsoft.com/office/drawing/2017/decorative" val="1"/>
+              </a:ext>
+            </a:extLst>
+          </p:cNvPr>
+          <p:cNvSpPr>
+            <a:spLocks noGrp="1" noRot="1" noChangeAspect="1" noMove="1" noResize="1" noEditPoints="1" noAdjustHandles="1" noChangeArrowheads="1" noChangeShapeType="1" noTextEdit="1"/>
+          </p:cNvSpPr>
+          <p:nvPr>
+            <p:extLst>
+              <p:ext uri="{386F3935-93C4-4BCD-93E2-E3B085C9AB24}">
+                <p16:designElem xmlns:p16="http://schemas.microsoft.com/office/powerpoint/2015/main" val="1"/>
+              </p:ext>
+            </p:extLst>
+          </p:nvPr>
+        </p:nvSpPr>
+        <p:spPr>
+          <a:xfrm>
+            <a:off x="5278945" y="958640"/>
+            <a:ext cx="6269591" cy="4945244"/>
+          </a:xfrm>
+          <a:prstGeom prst="roundRect">
+            <a:avLst>
+              <a:gd name="adj" fmla="val 3513"/>
+            </a:avLst>
+          </a:prstGeom>
+          <a:solidFill>
+            <a:schemeClr val="bg1"/>
+          </a:solidFill>
+          <a:ln>
+            <a:solidFill>
+              <a:schemeClr val="accent1"/>
+            </a:solidFill>
+          </a:ln>
+          <a:effectLst/>
+        </p:spPr>
+        <p:style>
+          <a:lnRef idx="2">
+            <a:schemeClr val="accent1">
+              <a:shade val="50000"/>
+            </a:schemeClr>
+          </a:lnRef>
+          <a:fillRef idx="1">
+            <a:schemeClr val="accent1"/>
+          </a:fillRef>
+          <a:effectRef idx="0">
+            <a:schemeClr val="accent1"/>
+          </a:effectRef>
+          <a:fontRef idx="minor">
+            <a:schemeClr val="lt1"/>
+          </a:fontRef>
+        </p:style>
+        <p:txBody>
+          <a:bodyPr rtlCol="0" anchor="ctr"/>
+          <a:lstStyle/>
+          <a:p>
+            <a:pPr algn="ctr"/>
+            <a:endParaRPr lang="en-US"/>
+          </a:p>
+        </p:txBody>
+      </p:sp>
+      <p:pic>
+        <p:nvPicPr>
+          <p:cNvPr id="6" name="Content Placeholder 5">
+            <a:extLst>
+              <a:ext uri="{FF2B5EF4-FFF2-40B4-BE49-F238E27FC236}">
+                <a16:creationId xmlns:a16="http://schemas.microsoft.com/office/drawing/2014/main" id="{AEDCD27C-561A-FA41-9B76-33188141C53F}"/>
+              </a:ext>
+            </a:extLst>
+          </p:cNvPr>
+          <p:cNvPicPr>
+            <a:picLocks noGrp="1" noChangeAspect="1"/>
+          </p:cNvPicPr>
+          <p:nvPr>
+            <p:ph sz="half" idx="2"/>
+          </p:nvPr>
+        </p:nvPicPr>
+        <p:blipFill>
+          <a:blip r:embed="rId2"/>
+          <a:stretch>
+            <a:fillRect/>
+          </a:stretch>
+        </p:blipFill>
+        <p:spPr>
+          <a:xfrm>
+            <a:off x="6349605" y="1258529"/>
+            <a:ext cx="4147054" cy="4330205"/>
+          </a:xfrm>
+          <a:prstGeom prst="rect">
+            <a:avLst/>
+          </a:prstGeom>
+        </p:spPr>
+      </p:pic>
+    </p:spTree>
+    <p:extLst>
+      <p:ext uri="{BB962C8B-B14F-4D97-AF65-F5344CB8AC3E}">
+        <p14:creationId xmlns:p14="http://schemas.microsoft.com/office/powerpoint/2010/main" val="3528297022"/>
+      </p:ext>
+    </p:extLst>
+  </p:cSld>
+  <p:clrMapOvr>
+    <a:overrideClrMapping bg1="lt1" tx1="dk1" bg2="lt2" tx2="dk2" accent1="accent1" accent2="accent2" accent3="accent3" accent4="accent4" accent5="accent5" accent6="accent6" hlink="hlink" folHlink="folHlink"/>
+  </p:clrMapOvr>
+</p:sld>
+</file>
+
+<file path=ppt/slides/slide7.xml><?xml version="1.0" encoding="utf-8"?>
+<p:sld xmlns:a="http://schemas.openxmlformats.org/drawingml/2006/main" xmlns:r="http://schemas.openxmlformats.org/officeDocument/2006/relationships" xmlns:p="http://schemas.openxmlformats.org/presentationml/2006/main">
+  <p:cSld>
+    <p:bg>
+      <p:bgPr>
+        <a:solidFill>
+          <a:schemeClr val="bg2"/>
+        </a:solidFill>
+        <a:effectLst/>
+      </p:bgPr>
+    </p:bg>
+    <p:spTree>
+      <p:nvGrpSpPr>
+        <p:cNvPr id="1" name=""/>
+        <p:cNvGrpSpPr/>
+        <p:nvPr/>
+      </p:nvGrpSpPr>
+      <p:grpSpPr>
+        <a:xfrm>
+          <a:off x="0" y="0"/>
+          <a:ext cx="0" cy="0"/>
+          <a:chOff x="0" y="0"/>
+          <a:chExt cx="0" cy="0"/>
+        </a:xfrm>
+      </p:grpSpPr>
+      <p:sp>
+        <p:nvSpPr>
+          <p:cNvPr id="8" name="Freeform 6">
+            <a:extLst>
+              <a:ext uri="{FF2B5EF4-FFF2-40B4-BE49-F238E27FC236}">
+                <a16:creationId xmlns:a16="http://schemas.microsoft.com/office/drawing/2014/main" id="{8EE457FF-670E-4EC1-ACD4-1173DA9A7975}"/>
+              </a:ext>
+              <a:ext uri="{C183D7F6-B498-43B3-948B-1728B52AA6E4}">
+                <adec:decorative xmlns:adec="http://schemas.microsoft.com/office/drawing/2017/decorative" val="1"/>
+              </a:ext>
+            </a:extLst>
+          </p:cNvPr>
+          <p:cNvSpPr>
+            <a:spLocks noGrp="1" noRot="1" noChangeAspect="1" noMove="1" noResize="1" noEditPoints="1" noAdjustHandles="1" noChangeArrowheads="1" noChangeShapeType="1" noTextEdit="1"/>
+          </p:cNvSpPr>
+          <p:nvPr>
+            <p:extLst>
+              <p:ext uri="{386F3935-93C4-4BCD-93E2-E3B085C9AB24}">
+                <p16:designElem xmlns:p16="http://schemas.microsoft.com/office/powerpoint/2015/main" val="1"/>
+              </p:ext>
+            </p:extLst>
+          </p:nvPr>
+        </p:nvSpPr>
+        <p:spPr bwMode="auto">
+          <a:xfrm>
+            <a:off x="0" y="0"/>
+            <a:ext cx="12192000" cy="2185988"/>
+          </a:xfrm>
+          <a:custGeom>
+            <a:avLst/>
+            <a:gdLst/>
+            <a:ahLst/>
+            <a:cxnLst/>
+            <a:rect l="0" t="0" r="r" b="b"/>
+            <a:pathLst>
+              <a:path w="5760" h="1377">
+                <a:moveTo>
+                  <a:pt x="5760" y="0"/>
+                </a:moveTo>
+                <a:lnTo>
+                  <a:pt x="0" y="0"/>
+                </a:lnTo>
+                <a:lnTo>
+                  <a:pt x="0" y="1189"/>
+                </a:lnTo>
+                <a:lnTo>
+                  <a:pt x="943" y="1189"/>
+                </a:lnTo>
+                <a:lnTo>
+                  <a:pt x="1123" y="1369"/>
+                </a:lnTo>
+                <a:lnTo>
+                  <a:pt x="1123" y="1369"/>
+                </a:lnTo>
+                <a:lnTo>
+                  <a:pt x="1127" y="1371"/>
+                </a:lnTo>
+                <a:lnTo>
+                  <a:pt x="1133" y="1374"/>
+                </a:lnTo>
+                <a:lnTo>
+                  <a:pt x="1139" y="1377"/>
+                </a:lnTo>
+                <a:lnTo>
+                  <a:pt x="1144" y="1377"/>
+                </a:lnTo>
+                <a:lnTo>
+                  <a:pt x="1150" y="1377"/>
+                </a:lnTo>
+                <a:lnTo>
+                  <a:pt x="1155" y="1374"/>
+                </a:lnTo>
+                <a:lnTo>
+                  <a:pt x="1161" y="1371"/>
+                </a:lnTo>
+                <a:lnTo>
+                  <a:pt x="1165" y="1369"/>
+                </a:lnTo>
+                <a:lnTo>
+                  <a:pt x="1345" y="1189"/>
+                </a:lnTo>
+                <a:lnTo>
+                  <a:pt x="5760" y="1189"/>
+                </a:lnTo>
+                <a:lnTo>
+                  <a:pt x="5760" y="0"/>
+                </a:lnTo>
+                <a:close/>
+              </a:path>
+            </a:pathLst>
+          </a:custGeom>
+          <a:ln/>
+          <a:extLst>
+            <a:ext uri="{91240B29-F687-4f45-9708-019B960494DF}">
+              <a14:hiddenLine xmlns="" xmlns:a14="http://schemas.microsoft.com/office/drawing/2010/main" xmlns:a16="http://schemas.microsoft.com/office/drawing/2014/main" w="9525">
+                <a:solidFill>
+                  <a:srgbClr val="000000"/>
+                </a:solidFill>
+                <a:round/>
+                <a:headEnd/>
+                <a:tailEnd/>
+              </a14:hiddenLine>
+            </a:ext>
+          </a:extLst>
+        </p:spPr>
+        <p:style>
+          <a:lnRef idx="1">
+            <a:schemeClr val="accent1"/>
+          </a:lnRef>
+          <a:fillRef idx="3">
+            <a:schemeClr val="accent1"/>
+          </a:fillRef>
+          <a:effectRef idx="2">
+            <a:schemeClr val="accent1"/>
+          </a:effectRef>
+          <a:fontRef idx="minor">
+            <a:schemeClr val="lt1"/>
+          </a:fontRef>
+        </p:style>
+      </p:sp>
+      <p:sp useBgFill="1">
+        <p:nvSpPr>
+          <p:cNvPr id="10" name="Rectangle 9">
+            <a:extLst>
+              <a:ext uri="{FF2B5EF4-FFF2-40B4-BE49-F238E27FC236}">
+                <a16:creationId xmlns:a16="http://schemas.microsoft.com/office/drawing/2014/main" id="{089A69AF-D57B-49B4-886C-D4A5DC194421}"/>
+              </a:ext>
+              <a:ext uri="{C183D7F6-B498-43B3-948B-1728B52AA6E4}">
+                <adec:decorative xmlns:adec="http://schemas.microsoft.com/office/drawing/2017/decorative" val="1"/>
+              </a:ext>
+            </a:extLst>
+          </p:cNvPr>
+          <p:cNvSpPr>
+            <a:spLocks noGrp="1" noRot="1" noChangeAspect="1" noMove="1" noResize="1" noEditPoints="1" noAdjustHandles="1" noChangeArrowheads="1" noChangeShapeType="1" noTextEdit="1"/>
+          </p:cNvSpPr>
+          <p:nvPr>
+            <p:extLst>
+              <p:ext uri="{386F3935-93C4-4BCD-93E2-E3B085C9AB24}">
+                <p16:designElem xmlns:p16="http://schemas.microsoft.com/office/powerpoint/2015/main" val="1"/>
+              </p:ext>
+            </p:extLst>
+          </p:nvPr>
+        </p:nvSpPr>
+        <p:spPr>
+          <a:xfrm>
+            <a:off x="0" y="0"/>
+            <a:ext cx="12192000" cy="6858000"/>
+          </a:xfrm>
+          <a:prstGeom prst="rect">
+            <a:avLst/>
+          </a:prstGeom>
+          <a:ln>
+            <a:noFill/>
+          </a:ln>
+        </p:spPr>
+        <p:style>
+          <a:lnRef idx="2">
+            <a:schemeClr val="accent1">
+              <a:shade val="50000"/>
+            </a:schemeClr>
+          </a:lnRef>
+          <a:fillRef idx="1">
+            <a:schemeClr val="accent1"/>
+          </a:fillRef>
+          <a:effectRef idx="0">
+            <a:schemeClr val="accent1"/>
+          </a:effectRef>
+          <a:fontRef idx="minor">
+            <a:schemeClr val="lt1"/>
+          </a:fontRef>
+        </p:style>
+        <p:txBody>
+          <a:bodyPr rtlCol="0" anchor="ctr"/>
+          <a:lstStyle/>
+          <a:p>
+            <a:pPr algn="ctr"/>
+            <a:endParaRPr lang="en-US"/>
+          </a:p>
+        </p:txBody>
+      </p:sp>
+      <p:sp>
+        <p:nvSpPr>
+          <p:cNvPr id="12" name="Freeform: Shape 11">
+            <a:extLst>
+              <a:ext uri="{FF2B5EF4-FFF2-40B4-BE49-F238E27FC236}">
+                <a16:creationId xmlns:a16="http://schemas.microsoft.com/office/drawing/2014/main" id="{CABDC08D-6093-4397-92D4-54D00E2BB1C2}"/>
+              </a:ext>
+              <a:ext uri="{C183D7F6-B498-43B3-948B-1728B52AA6E4}">
+                <adec:decorative xmlns:adec="http://schemas.microsoft.com/office/drawing/2017/decorative" val="1"/>
+              </a:ext>
+            </a:extLst>
+          </p:cNvPr>
+          <p:cNvSpPr>
+            <a:spLocks noGrp="1" noRot="1" noChangeAspect="1" noMove="1" noResize="1" noEditPoints="1" noAdjustHandles="1" noChangeArrowheads="1" noChangeShapeType="1" noTextEdit="1"/>
+          </p:cNvSpPr>
+          <p:nvPr>
+            <p:extLst>
+              <p:ext uri="{386F3935-93C4-4BCD-93E2-E3B085C9AB24}">
+                <p16:designElem xmlns:p16="http://schemas.microsoft.com/office/powerpoint/2015/main" val="1"/>
+              </p:ext>
+            </p:extLst>
+          </p:nvPr>
+        </p:nvSpPr>
+        <p:spPr bwMode="auto">
+          <a:xfrm rot="16200000">
+            <a:off x="-650724" y="650724"/>
+            <a:ext cx="6858000" cy="5556552"/>
+          </a:xfrm>
+          <a:custGeom>
+            <a:avLst/>
+            <a:gdLst>
+              <a:gd name="connsiteX0" fmla="*/ 6858000 w 6858000"/>
+              <a:gd name="connsiteY0" fmla="*/ 3445704 h 5556552"/>
+              <a:gd name="connsiteX1" fmla="*/ 3829242 w 6858000"/>
+              <a:gd name="connsiteY1" fmla="*/ 5433322 h 5556552"/>
+              <a:gd name="connsiteX2" fmla="*/ 3827369 w 6858000"/>
+              <a:gd name="connsiteY2" fmla="*/ 5434867 h 5556552"/>
+              <a:gd name="connsiteX3" fmla="*/ 3824583 w 6858000"/>
+              <a:gd name="connsiteY3" fmla="*/ 5436378 h 5556552"/>
+              <a:gd name="connsiteX4" fmla="*/ 3798693 w 6858000"/>
+              <a:gd name="connsiteY4" fmla="*/ 5453370 h 5556552"/>
+              <a:gd name="connsiteX5" fmla="*/ 3785011 w 6858000"/>
+              <a:gd name="connsiteY5" fmla="*/ 5457858 h 5556552"/>
+              <a:gd name="connsiteX6" fmla="*/ 3706339 w 6858000"/>
+              <a:gd name="connsiteY6" fmla="*/ 5500559 h 5556552"/>
+              <a:gd name="connsiteX7" fmla="*/ 3428998 w 6858000"/>
+              <a:gd name="connsiteY7" fmla="*/ 5556552 h 5556552"/>
+              <a:gd name="connsiteX8" fmla="*/ 3151658 w 6858000"/>
+              <a:gd name="connsiteY8" fmla="*/ 5500559 h 5556552"/>
+              <a:gd name="connsiteX9" fmla="*/ 3072996 w 6858000"/>
+              <a:gd name="connsiteY9" fmla="*/ 5457863 h 5556552"/>
+              <a:gd name="connsiteX10" fmla="*/ 3059298 w 6858000"/>
+              <a:gd name="connsiteY10" fmla="*/ 5453370 h 5556552"/>
+              <a:gd name="connsiteX11" fmla="*/ 3033383 w 6858000"/>
+              <a:gd name="connsiteY11" fmla="*/ 5436362 h 5556552"/>
+              <a:gd name="connsiteX12" fmla="*/ 3030627 w 6858000"/>
+              <a:gd name="connsiteY12" fmla="*/ 5434867 h 5556552"/>
+              <a:gd name="connsiteX13" fmla="*/ 3028775 w 6858000"/>
+              <a:gd name="connsiteY13" fmla="*/ 5433338 h 5556552"/>
+              <a:gd name="connsiteX14" fmla="*/ 0 w 6858000"/>
+              <a:gd name="connsiteY14" fmla="*/ 3445704 h 5556552"/>
+              <a:gd name="connsiteX15" fmla="*/ 6858000 w 6858000"/>
+              <a:gd name="connsiteY15" fmla="*/ 0 h 5556552"/>
+              <a:gd name="connsiteX16" fmla="*/ 6858000 w 6858000"/>
+              <a:gd name="connsiteY16" fmla="*/ 349336 h 5556552"/>
+              <a:gd name="connsiteX17" fmla="*/ 6858000 w 6858000"/>
+              <a:gd name="connsiteY17" fmla="*/ 3445703 h 5556552"/>
+              <a:gd name="connsiteX18" fmla="*/ 0 w 6858000"/>
+              <a:gd name="connsiteY18" fmla="*/ 3445703 h 5556552"/>
+              <a:gd name="connsiteX19" fmla="*/ 0 w 6858000"/>
+              <a:gd name="connsiteY19" fmla="*/ 0 h 5556552"/>
+            </a:gdLst>
+            <a:ahLst/>
+            <a:cxnLst>
+              <a:cxn ang="0">
+                <a:pos x="connsiteX0" y="connsiteY0"/>
+              </a:cxn>
+              <a:cxn ang="0">
+                <a:pos x="connsiteX1" y="connsiteY1"/>
+              </a:cxn>
+              <a:cxn ang="0">
+                <a:pos x="connsiteX2" y="connsiteY2"/>
+              </a:cxn>
+              <a:cxn ang="0">
+                <a:pos x="connsiteX3" y="connsiteY3"/>
+              </a:cxn>
+              <a:cxn ang="0">
+                <a:pos x="connsiteX4" y="connsiteY4"/>
+              </a:cxn>
+              <a:cxn ang="0">
+                <a:pos x="connsiteX5" y="connsiteY5"/>
+              </a:cxn>
+              <a:cxn ang="0">
+                <a:pos x="connsiteX6" y="connsiteY6"/>
+              </a:cxn>
+              <a:cxn ang="0">
+                <a:pos x="connsiteX7" y="connsiteY7"/>
+              </a:cxn>
+              <a:cxn ang="0">
+                <a:pos x="connsiteX8" y="connsiteY8"/>
+              </a:cxn>
+              <a:cxn ang="0">
+                <a:pos x="connsiteX9" y="connsiteY9"/>
+              </a:cxn>
+              <a:cxn ang="0">
+                <a:pos x="connsiteX10" y="connsiteY10"/>
+              </a:cxn>
+              <a:cxn ang="0">
+                <a:pos x="connsiteX11" y="connsiteY11"/>
+              </a:cxn>
+              <a:cxn ang="0">
+                <a:pos x="connsiteX12" y="connsiteY12"/>
+              </a:cxn>
+              <a:cxn ang="0">
+                <a:pos x="connsiteX13" y="connsiteY13"/>
+              </a:cxn>
+              <a:cxn ang="0">
+                <a:pos x="connsiteX14" y="connsiteY14"/>
+              </a:cxn>
+              <a:cxn ang="0">
+                <a:pos x="connsiteX15" y="connsiteY15"/>
+              </a:cxn>
+              <a:cxn ang="0">
+                <a:pos x="connsiteX16" y="connsiteY16"/>
+              </a:cxn>
+              <a:cxn ang="0">
+                <a:pos x="connsiteX17" y="connsiteY17"/>
+              </a:cxn>
+              <a:cxn ang="0">
+                <a:pos x="connsiteX18" y="connsiteY18"/>
+              </a:cxn>
+              <a:cxn ang="0">
+                <a:pos x="connsiteX19" y="connsiteY19"/>
+              </a:cxn>
+            </a:cxnLst>
+            <a:rect l="l" t="t" r="r" b="b"/>
+            <a:pathLst>
+              <a:path w="6858000" h="5556552">
+                <a:moveTo>
+                  <a:pt x="6858000" y="3445704"/>
+                </a:moveTo>
+                <a:lnTo>
+                  <a:pt x="3829242" y="5433322"/>
+                </a:lnTo>
+                <a:lnTo>
+                  <a:pt x="3827369" y="5434867"/>
+                </a:lnTo>
+                <a:lnTo>
+                  <a:pt x="3824583" y="5436378"/>
+                </a:lnTo>
+                <a:lnTo>
+                  <a:pt x="3798693" y="5453370"/>
+                </a:lnTo>
+                <a:lnTo>
+                  <a:pt x="3785011" y="5457858"/>
+                </a:lnTo>
+                <a:lnTo>
+                  <a:pt x="3706339" y="5500559"/>
+                </a:lnTo>
+                <a:cubicBezTo>
+                  <a:pt x="3621096" y="5536614"/>
+                  <a:pt x="3527375" y="5556552"/>
+                  <a:pt x="3428998" y="5556552"/>
+                </a:cubicBezTo>
+                <a:cubicBezTo>
+                  <a:pt x="3330621" y="5556552"/>
+                  <a:pt x="3236901" y="5536614"/>
+                  <a:pt x="3151658" y="5500559"/>
+                </a:cubicBezTo>
+                <a:lnTo>
+                  <a:pt x="3072996" y="5457863"/>
+                </a:lnTo>
+                <a:lnTo>
+                  <a:pt x="3059298" y="5453370"/>
+                </a:lnTo>
+                <a:lnTo>
+                  <a:pt x="3033383" y="5436362"/>
+                </a:lnTo>
+                <a:lnTo>
+                  <a:pt x="3030627" y="5434867"/>
+                </a:lnTo>
+                <a:lnTo>
+                  <a:pt x="3028775" y="5433338"/>
+                </a:lnTo>
+                <a:lnTo>
+                  <a:pt x="0" y="3445704"/>
+                </a:lnTo>
+                <a:close/>
+                <a:moveTo>
+                  <a:pt x="6858000" y="0"/>
+                </a:moveTo>
+                <a:lnTo>
+                  <a:pt x="6858000" y="349336"/>
+                </a:lnTo>
+                <a:lnTo>
+                  <a:pt x="6858000" y="3445703"/>
+                </a:lnTo>
+                <a:lnTo>
+                  <a:pt x="0" y="3445703"/>
+                </a:lnTo>
+                <a:lnTo>
+                  <a:pt x="0" y="0"/>
+                </a:lnTo>
+                <a:close/>
+              </a:path>
+            </a:pathLst>
+          </a:custGeom>
+          <a:ln>
+            <a:noFill/>
+          </a:ln>
+          <a:effectLst/>
+          <a:extLst>
+            <a:ext uri="{91240B29-F687-4f45-9708-019B960494DF}">
+              <a14:hiddenLine xmlns="" xmlns:a14="http://schemas.microsoft.com/office/drawing/2010/main" xmlns:p14="http://schemas.microsoft.com/office/powerpoint/2010/main" xmlns:a16="http://schemas.microsoft.com/office/drawing/2014/main" w="9525">
+                <a:solidFill>
+                  <a:srgbClr val="000000"/>
+                </a:solidFill>
+                <a:round/>
+                <a:headEnd/>
+                <a:tailEnd/>
+              </a14:hiddenLine>
+            </a:ext>
+          </a:extLst>
+        </p:spPr>
+        <p:style>
+          <a:lnRef idx="1">
+            <a:schemeClr val="accent1"/>
+          </a:lnRef>
+          <a:fillRef idx="3">
+            <a:schemeClr val="accent1"/>
+          </a:fillRef>
+          <a:effectRef idx="2">
+            <a:schemeClr val="accent1"/>
+          </a:effectRef>
+          <a:fontRef idx="minor">
+            <a:schemeClr val="lt1"/>
+          </a:fontRef>
+        </p:style>
+      </p:sp>
+      <p:sp>
+        <p:nvSpPr>
+          <p:cNvPr id="2" name="Title 1">
+            <a:extLst>
+              <a:ext uri="{FF2B5EF4-FFF2-40B4-BE49-F238E27FC236}">
                 <a16:creationId xmlns:a16="http://schemas.microsoft.com/office/drawing/2014/main" id="{C8644A48-EAE2-C947-A588-E8E5DCB15018}"/>
               </a:ext>
             </a:extLst>
@@ -12186,7 +12647,7 @@
 </p:sld>
 </file>
 
-<file path=ppt/slides/slide7.xml><?xml version="1.0" encoding="utf-8"?>
+<file path=ppt/slides/slide8.xml><?xml version="1.0" encoding="utf-8"?>
 <p:sld xmlns:a="http://schemas.openxmlformats.org/drawingml/2006/main" xmlns:r="http://schemas.openxmlformats.org/officeDocument/2006/relationships" xmlns:p="http://schemas.openxmlformats.org/presentationml/2006/main">
   <p:cSld>
     <p:spTree>
@@ -12317,7 +12778,7 @@
 </p:sld>
 </file>
 
-<file path=ppt/slides/slide8.xml><?xml version="1.0" encoding="utf-8"?>
+<file path=ppt/slides/slide9.xml><?xml version="1.0" encoding="utf-8"?>
 <p:sld xmlns:a="http://schemas.openxmlformats.org/drawingml/2006/main" xmlns:r="http://schemas.openxmlformats.org/officeDocument/2006/relationships" xmlns:p="http://schemas.openxmlformats.org/presentationml/2006/main">
   <p:cSld>
     <p:bg>
@@ -12656,64 +13117,6 @@
     <p:extLst>
       <p:ext uri="{BB962C8B-B14F-4D97-AF65-F5344CB8AC3E}">
         <p14:creationId xmlns:p14="http://schemas.microsoft.com/office/powerpoint/2010/main" val="63337937"/>
-      </p:ext>
-    </p:extLst>
-  </p:cSld>
-  <p:clrMapOvr>
-    <a:masterClrMapping/>
-  </p:clrMapOvr>
-</p:sld>
-</file>
-
-<file path=ppt/slides/slide9.xml><?xml version="1.0" encoding="utf-8"?>
-<p:sld xmlns:a="http://schemas.openxmlformats.org/drawingml/2006/main" xmlns:r="http://schemas.openxmlformats.org/officeDocument/2006/relationships" xmlns:p="http://schemas.openxmlformats.org/presentationml/2006/main">
-  <p:cSld>
-    <p:spTree>
-      <p:nvGrpSpPr>
-        <p:cNvPr id="1" name=""/>
-        <p:cNvGrpSpPr/>
-        <p:nvPr/>
-      </p:nvGrpSpPr>
-      <p:grpSpPr>
-        <a:xfrm>
-          <a:off x="0" y="0"/>
-          <a:ext cx="0" cy="0"/>
-          <a:chOff x="0" y="0"/>
-          <a:chExt cx="0" cy="0"/>
-        </a:xfrm>
-      </p:grpSpPr>
-      <p:sp>
-        <p:nvSpPr>
-          <p:cNvPr id="2" name="Title 1">
-            <a:extLst>
-              <a:ext uri="{FF2B5EF4-FFF2-40B4-BE49-F238E27FC236}">
-                <a16:creationId xmlns:a16="http://schemas.microsoft.com/office/drawing/2014/main" id="{3335E8FC-169E-F64C-A0CB-B0A7A087A39F}"/>
-              </a:ext>
-            </a:extLst>
-          </p:cNvPr>
-          <p:cNvSpPr>
-            <a:spLocks noGrp="1"/>
-          </p:cNvSpPr>
-          <p:nvPr>
-            <p:ph type="ctrTitle"/>
-          </p:nvPr>
-        </p:nvSpPr>
-        <p:spPr/>
-        <p:txBody>
-          <a:bodyPr/>
-          <a:lstStyle/>
-          <a:p>
-            <a:r>
-              <a:rPr lang="fr-FR" dirty="0"/>
-              <a:t>Niveau 2</a:t>
-            </a:r>
-          </a:p>
-        </p:txBody>
-      </p:sp>
-    </p:spTree>
-    <p:extLst>
-      <p:ext uri="{BB962C8B-B14F-4D97-AF65-F5344CB8AC3E}">
-        <p14:creationId xmlns:p14="http://schemas.microsoft.com/office/powerpoint/2010/main" val="1705030933"/>
       </p:ext>
     </p:extLst>
   </p:cSld>

--- a/Soutenance.pptx
+++ b/Soutenance.pptx
@@ -6,18 +6,19 @@
   </p:sldMasterIdLst>
   <p:sldIdLst>
     <p:sldId id="256" r:id="rId2"/>
-    <p:sldId id="257" r:id="rId3"/>
-    <p:sldId id="258" r:id="rId4"/>
-    <p:sldId id="268" r:id="rId5"/>
-    <p:sldId id="259" r:id="rId6"/>
-    <p:sldId id="260" r:id="rId7"/>
-    <p:sldId id="262" r:id="rId8"/>
-    <p:sldId id="261" r:id="rId9"/>
-    <p:sldId id="263" r:id="rId10"/>
-    <p:sldId id="264" r:id="rId11"/>
-    <p:sldId id="265" r:id="rId12"/>
-    <p:sldId id="266" r:id="rId13"/>
-    <p:sldId id="267" r:id="rId14"/>
+    <p:sldId id="269" r:id="rId3"/>
+    <p:sldId id="257" r:id="rId4"/>
+    <p:sldId id="258" r:id="rId5"/>
+    <p:sldId id="268" r:id="rId6"/>
+    <p:sldId id="259" r:id="rId7"/>
+    <p:sldId id="260" r:id="rId8"/>
+    <p:sldId id="262" r:id="rId9"/>
+    <p:sldId id="261" r:id="rId10"/>
+    <p:sldId id="263" r:id="rId11"/>
+    <p:sldId id="264" r:id="rId12"/>
+    <p:sldId id="265" r:id="rId13"/>
+    <p:sldId id="266" r:id="rId14"/>
+    <p:sldId id="267" r:id="rId15"/>
   </p:sldIdLst>
   <p:sldSz cx="12192000" cy="6858000"/>
   <p:notesSz cx="6858000" cy="9144000"/>
@@ -8324,6 +8325,14 @@
 <file path=ppt/slides/slide10.xml><?xml version="1.0" encoding="utf-8"?>
 <p:sld xmlns:a="http://schemas.openxmlformats.org/drawingml/2006/main" xmlns:r="http://schemas.openxmlformats.org/officeDocument/2006/relationships" xmlns:p="http://schemas.openxmlformats.org/presentationml/2006/main">
   <p:cSld>
+    <p:bg>
+      <p:bgPr>
+        <a:solidFill>
+          <a:schemeClr val="bg2"/>
+        </a:solidFill>
+        <a:effectLst/>
+      </p:bgPr>
+    </p:bg>
     <p:spTree>
       <p:nvGrpSpPr>
         <p:cNvPr id="1" name=""/>
@@ -8340,6 +8349,346 @@
       </p:grpSpPr>
       <p:sp>
         <p:nvSpPr>
+          <p:cNvPr id="25" name="Freeform 6">
+            <a:extLst>
+              <a:ext uri="{FF2B5EF4-FFF2-40B4-BE49-F238E27FC236}">
+                <a16:creationId xmlns:a16="http://schemas.microsoft.com/office/drawing/2014/main" id="{70FFA424-278D-4545-90BA-07151469E528}"/>
+              </a:ext>
+              <a:ext uri="{C183D7F6-B498-43B3-948B-1728B52AA6E4}">
+                <adec:decorative xmlns:adec="http://schemas.microsoft.com/office/drawing/2017/decorative" val="1"/>
+              </a:ext>
+            </a:extLst>
+          </p:cNvPr>
+          <p:cNvSpPr>
+            <a:spLocks noGrp="1" noRot="1" noChangeAspect="1" noMove="1" noResize="1" noEditPoints="1" noAdjustHandles="1" noChangeArrowheads="1" noChangeShapeType="1" noTextEdit="1"/>
+          </p:cNvSpPr>
+          <p:nvPr>
+            <p:extLst>
+              <p:ext uri="{386F3935-93C4-4BCD-93E2-E3B085C9AB24}">
+                <p16:designElem xmlns:p16="http://schemas.microsoft.com/office/powerpoint/2015/main" val="1"/>
+              </p:ext>
+            </p:extLst>
+          </p:nvPr>
+        </p:nvSpPr>
+        <p:spPr bwMode="auto">
+          <a:xfrm>
+            <a:off x="0" y="-3175"/>
+            <a:ext cx="12192000" cy="5203825"/>
+          </a:xfrm>
+          <a:custGeom>
+            <a:avLst/>
+            <a:gdLst/>
+            <a:ahLst/>
+            <a:cxnLst/>
+            <a:rect l="0" t="0" r="r" b="b"/>
+            <a:pathLst>
+              <a:path w="5760" h="3278">
+                <a:moveTo>
+                  <a:pt x="5760" y="0"/>
+                </a:moveTo>
+                <a:lnTo>
+                  <a:pt x="0" y="0"/>
+                </a:lnTo>
+                <a:lnTo>
+                  <a:pt x="0" y="3090"/>
+                </a:lnTo>
+                <a:lnTo>
+                  <a:pt x="943" y="3090"/>
+                </a:lnTo>
+                <a:lnTo>
+                  <a:pt x="1123" y="3270"/>
+                </a:lnTo>
+                <a:lnTo>
+                  <a:pt x="1123" y="3270"/>
+                </a:lnTo>
+                <a:lnTo>
+                  <a:pt x="1127" y="3272"/>
+                </a:lnTo>
+                <a:lnTo>
+                  <a:pt x="1133" y="3275"/>
+                </a:lnTo>
+                <a:lnTo>
+                  <a:pt x="1139" y="3278"/>
+                </a:lnTo>
+                <a:lnTo>
+                  <a:pt x="1144" y="3278"/>
+                </a:lnTo>
+                <a:lnTo>
+                  <a:pt x="1150" y="3278"/>
+                </a:lnTo>
+                <a:lnTo>
+                  <a:pt x="1155" y="3275"/>
+                </a:lnTo>
+                <a:lnTo>
+                  <a:pt x="1161" y="3272"/>
+                </a:lnTo>
+                <a:lnTo>
+                  <a:pt x="1165" y="3270"/>
+                </a:lnTo>
+                <a:lnTo>
+                  <a:pt x="1345" y="3090"/>
+                </a:lnTo>
+                <a:lnTo>
+                  <a:pt x="5760" y="3090"/>
+                </a:lnTo>
+                <a:lnTo>
+                  <a:pt x="5760" y="0"/>
+                </a:lnTo>
+                <a:close/>
+              </a:path>
+            </a:pathLst>
+          </a:custGeom>
+          <a:ln/>
+          <a:effectLst/>
+          <a:extLst>
+            <a:ext uri="{91240B29-F687-4f45-9708-019B960494DF}">
+              <a14:hiddenLine xmlns="" xmlns:a16="http://schemas.microsoft.com/office/drawing/2014/main" xmlns:a14="http://schemas.microsoft.com/office/drawing/2010/main" xmlns:p14="http://schemas.microsoft.com/office/powerpoint/2010/main" w="9525">
+                <a:solidFill>
+                  <a:srgbClr val="000000"/>
+                </a:solidFill>
+                <a:round/>
+                <a:headEnd/>
+                <a:tailEnd/>
+              </a14:hiddenLine>
+            </a:ext>
+          </a:extLst>
+        </p:spPr>
+        <p:style>
+          <a:lnRef idx="1">
+            <a:schemeClr val="accent1"/>
+          </a:lnRef>
+          <a:fillRef idx="3">
+            <a:schemeClr val="accent1"/>
+          </a:fillRef>
+          <a:effectRef idx="2">
+            <a:schemeClr val="accent1"/>
+          </a:effectRef>
+          <a:fontRef idx="minor">
+            <a:schemeClr val="lt1"/>
+          </a:fontRef>
+        </p:style>
+      </p:sp>
+      <p:sp>
+        <p:nvSpPr>
+          <p:cNvPr id="2" name="Title 1">
+            <a:extLst>
+              <a:ext uri="{FF2B5EF4-FFF2-40B4-BE49-F238E27FC236}">
+                <a16:creationId xmlns:a16="http://schemas.microsoft.com/office/drawing/2014/main" id="{3E609DAC-464B-9B41-8C30-F80472001BC8}"/>
+              </a:ext>
+            </a:extLst>
+          </p:cNvPr>
+          <p:cNvSpPr>
+            <a:spLocks noGrp="1"/>
+          </p:cNvSpPr>
+          <p:nvPr>
+            <p:ph type="title"/>
+          </p:nvPr>
+        </p:nvSpPr>
+        <p:spPr>
+          <a:xfrm>
+            <a:off x="810002" y="639097"/>
+            <a:ext cx="4961534" cy="3781101"/>
+          </a:xfrm>
+        </p:spPr>
+        <p:txBody>
+          <a:bodyPr vert="horz" lIns="91440" tIns="45720" rIns="91440" bIns="45720" rtlCol="0" anchor="b">
+            <a:normAutofit/>
+          </a:bodyPr>
+          <a:lstStyle/>
+          <a:p>
+            <a:r>
+              <a:rPr lang="en-US" sz="6000"/>
+              <a:t>1.4 Le score via les structures de données</a:t>
+            </a:r>
+          </a:p>
+        </p:txBody>
+      </p:sp>
+      <p:sp>
+        <p:nvSpPr>
+          <p:cNvPr id="27" name="Rectangle 26">
+            <a:extLst>
+              <a:ext uri="{FF2B5EF4-FFF2-40B4-BE49-F238E27FC236}">
+                <a16:creationId xmlns:a16="http://schemas.microsoft.com/office/drawing/2014/main" id="{558680CB-633A-40EA-9BE4-A37269ABEC24}"/>
+              </a:ext>
+              <a:ext uri="{C183D7F6-B498-43B3-948B-1728B52AA6E4}">
+                <adec:decorative xmlns:adec="http://schemas.microsoft.com/office/drawing/2017/decorative" val="1"/>
+              </a:ext>
+            </a:extLst>
+          </p:cNvPr>
+          <p:cNvSpPr>
+            <a:spLocks noGrp="1" noRot="1" noChangeAspect="1" noMove="1" noResize="1" noEditPoints="1" noAdjustHandles="1" noChangeArrowheads="1" noChangeShapeType="1" noTextEdit="1"/>
+          </p:cNvSpPr>
+          <p:nvPr>
+            <p:extLst>
+              <p:ext uri="{386F3935-93C4-4BCD-93E2-E3B085C9AB24}">
+                <p16:designElem xmlns:p16="http://schemas.microsoft.com/office/powerpoint/2015/main" val="1"/>
+              </p:ext>
+            </p:extLst>
+          </p:nvPr>
+        </p:nvSpPr>
+        <p:spPr>
+          <a:xfrm>
+            <a:off x="7376836" y="0"/>
+            <a:ext cx="4815163" cy="6858000"/>
+          </a:xfrm>
+          <a:prstGeom prst="rect">
+            <a:avLst/>
+          </a:prstGeom>
+          <a:solidFill>
+            <a:schemeClr val="tx1"/>
+          </a:solidFill>
+          <a:ln>
+            <a:noFill/>
+          </a:ln>
+        </p:spPr>
+        <p:style>
+          <a:lnRef idx="2">
+            <a:schemeClr val="accent1">
+              <a:shade val="50000"/>
+            </a:schemeClr>
+          </a:lnRef>
+          <a:fillRef idx="1">
+            <a:schemeClr val="accent1"/>
+          </a:fillRef>
+          <a:effectRef idx="0">
+            <a:schemeClr val="accent1"/>
+          </a:effectRef>
+          <a:fontRef idx="minor">
+            <a:schemeClr val="lt1"/>
+          </a:fontRef>
+        </p:style>
+        <p:txBody>
+          <a:bodyPr rtlCol="0" anchor="ctr"/>
+          <a:lstStyle/>
+          <a:p>
+            <a:pPr algn="ctr"/>
+            <a:endParaRPr lang="en-US"/>
+          </a:p>
+        </p:txBody>
+      </p:sp>
+      <p:pic>
+        <p:nvPicPr>
+          <p:cNvPr id="8" name="Content Placeholder 7">
+            <a:extLst>
+              <a:ext uri="{FF2B5EF4-FFF2-40B4-BE49-F238E27FC236}">
+                <a16:creationId xmlns:a16="http://schemas.microsoft.com/office/drawing/2014/main" id="{370D12FF-0A1E-3E4F-A43B-6C6EF0649551}"/>
+              </a:ext>
+            </a:extLst>
+          </p:cNvPr>
+          <p:cNvPicPr>
+            <a:picLocks noGrp="1" noChangeAspect="1"/>
+          </p:cNvPicPr>
+          <p:nvPr>
+            <p:ph sz="half" idx="2"/>
+          </p:nvPr>
+        </p:nvPicPr>
+        <p:blipFill rotWithShape="1">
+          <a:blip r:embed="rId2"/>
+          <a:srcRect l="5558" r="27839" b="2"/>
+          <a:stretch/>
+        </p:blipFill>
+        <p:spPr>
+          <a:xfrm>
+            <a:off x="7534660" y="137477"/>
+            <a:ext cx="4496477" cy="2092832"/>
+          </a:xfrm>
+          <a:prstGeom prst="rect">
+            <a:avLst/>
+          </a:prstGeom>
+        </p:spPr>
+      </p:pic>
+      <p:pic>
+        <p:nvPicPr>
+          <p:cNvPr id="9" name="Content Placeholder 8">
+            <a:extLst>
+              <a:ext uri="{FF2B5EF4-FFF2-40B4-BE49-F238E27FC236}">
+                <a16:creationId xmlns:a16="http://schemas.microsoft.com/office/drawing/2014/main" id="{2F2593F3-D806-A241-A0C9-2A6EE2277AB5}"/>
+              </a:ext>
+            </a:extLst>
+          </p:cNvPr>
+          <p:cNvPicPr>
+            <a:picLocks noGrp="1" noChangeAspect="1"/>
+          </p:cNvPicPr>
+          <p:nvPr>
+            <p:ph sz="half" idx="1"/>
+          </p:nvPr>
+        </p:nvPicPr>
+        <p:blipFill rotWithShape="1">
+          <a:blip r:embed="rId3"/>
+          <a:srcRect t="3551" r="2" b="4191"/>
+          <a:stretch/>
+        </p:blipFill>
+        <p:spPr>
+          <a:xfrm>
+            <a:off x="7534655" y="2381550"/>
+            <a:ext cx="4496478" cy="2092832"/>
+          </a:xfrm>
+          <a:prstGeom prst="rect">
+            <a:avLst/>
+          </a:prstGeom>
+        </p:spPr>
+      </p:pic>
+      <p:pic>
+        <p:nvPicPr>
+          <p:cNvPr id="11" name="Content Placeholder 5">
+            <a:extLst>
+              <a:ext uri="{FF2B5EF4-FFF2-40B4-BE49-F238E27FC236}">
+                <a16:creationId xmlns:a16="http://schemas.microsoft.com/office/drawing/2014/main" id="{532D47D4-DE71-F745-9376-44D7108FFEFD}"/>
+              </a:ext>
+            </a:extLst>
+          </p:cNvPr>
+          <p:cNvPicPr>
+            <a:picLocks noChangeAspect="1"/>
+          </p:cNvPicPr>
+          <p:nvPr/>
+        </p:nvPicPr>
+        <p:blipFill rotWithShape="1">
+          <a:blip r:embed="rId4"/>
+          <a:srcRect r="1" b="12784"/>
+          <a:stretch/>
+        </p:blipFill>
+        <p:spPr>
+          <a:xfrm>
+            <a:off x="7542459" y="4625623"/>
+            <a:ext cx="4496478" cy="2092833"/>
+          </a:xfrm>
+          <a:prstGeom prst="rect">
+            <a:avLst/>
+          </a:prstGeom>
+        </p:spPr>
+      </p:pic>
+    </p:spTree>
+    <p:extLst>
+      <p:ext uri="{BB962C8B-B14F-4D97-AF65-F5344CB8AC3E}">
+        <p14:creationId xmlns:p14="http://schemas.microsoft.com/office/powerpoint/2010/main" val="63337937"/>
+      </p:ext>
+    </p:extLst>
+  </p:cSld>
+  <p:clrMapOvr>
+    <a:masterClrMapping/>
+  </p:clrMapOvr>
+</p:sld>
+</file>
+
+<file path=ppt/slides/slide11.xml><?xml version="1.0" encoding="utf-8"?>
+<p:sld xmlns:a="http://schemas.openxmlformats.org/drawingml/2006/main" xmlns:r="http://schemas.openxmlformats.org/officeDocument/2006/relationships" xmlns:p="http://schemas.openxmlformats.org/presentationml/2006/main">
+  <p:cSld>
+    <p:spTree>
+      <p:nvGrpSpPr>
+        <p:cNvPr id="1" name=""/>
+        <p:cNvGrpSpPr/>
+        <p:nvPr/>
+      </p:nvGrpSpPr>
+      <p:grpSpPr>
+        <a:xfrm>
+          <a:off x="0" y="0"/>
+          <a:ext cx="0" cy="0"/>
+          <a:chOff x="0" y="0"/>
+          <a:chExt cx="0" cy="0"/>
+        </a:xfrm>
+      </p:grpSpPr>
+      <p:sp>
+        <p:nvSpPr>
           <p:cNvPr id="2" name="Title 1">
             <a:extLst>
               <a:ext uri="{FF2B5EF4-FFF2-40B4-BE49-F238E27FC236}">
@@ -8379,7 +8728,7 @@
 </p:sld>
 </file>
 
-<file path=ppt/slides/slide11.xml><?xml version="1.0" encoding="utf-8"?>
+<file path=ppt/slides/slide12.xml><?xml version="1.0" encoding="utf-8"?>
 <p:sld xmlns:a="http://schemas.openxmlformats.org/drawingml/2006/main" xmlns:r="http://schemas.openxmlformats.org/officeDocument/2006/relationships" xmlns:p="http://schemas.openxmlformats.org/presentationml/2006/main">
   <p:cSld>
     <p:bg>
@@ -9011,7 +9360,7 @@
 </p:sld>
 </file>
 
-<file path=ppt/slides/slide12.xml><?xml version="1.0" encoding="utf-8"?>
+<file path=ppt/slides/slide13.xml><?xml version="1.0" encoding="utf-8"?>
 <p:sld xmlns:a="http://schemas.openxmlformats.org/drawingml/2006/main" xmlns:r="http://schemas.openxmlformats.org/officeDocument/2006/relationships" xmlns:p="http://schemas.openxmlformats.org/presentationml/2006/main">
   <p:cSld>
     <p:bg>
@@ -9663,7 +10012,7 @@
 </p:sld>
 </file>
 
-<file path=ppt/slides/slide13.xml><?xml version="1.0" encoding="utf-8"?>
+<file path=ppt/slides/slide14.xml><?xml version="1.0" encoding="utf-8"?>
 <p:sld xmlns:a="http://schemas.openxmlformats.org/drawingml/2006/main" xmlns:r="http://schemas.openxmlformats.org/officeDocument/2006/relationships" xmlns:p="http://schemas.openxmlformats.org/presentationml/2006/main">
   <p:cSld>
     <p:bg>
@@ -10089,6 +10438,108 @@
 <file path=ppt/slides/slide2.xml><?xml version="1.0" encoding="utf-8"?>
 <p:sld xmlns:a="http://schemas.openxmlformats.org/drawingml/2006/main" xmlns:r="http://schemas.openxmlformats.org/officeDocument/2006/relationships" xmlns:p="http://schemas.openxmlformats.org/presentationml/2006/main">
   <p:cSld>
+    <p:spTree>
+      <p:nvGrpSpPr>
+        <p:cNvPr id="1" name=""/>
+        <p:cNvGrpSpPr/>
+        <p:nvPr/>
+      </p:nvGrpSpPr>
+      <p:grpSpPr>
+        <a:xfrm>
+          <a:off x="0" y="0"/>
+          <a:ext cx="0" cy="0"/>
+          <a:chOff x="0" y="0"/>
+          <a:chExt cx="0" cy="0"/>
+        </a:xfrm>
+      </p:grpSpPr>
+      <p:sp>
+        <p:nvSpPr>
+          <p:cNvPr id="2" name="Title 1">
+            <a:extLst>
+              <a:ext uri="{FF2B5EF4-FFF2-40B4-BE49-F238E27FC236}">
+                <a16:creationId xmlns:a16="http://schemas.microsoft.com/office/drawing/2014/main" id="{48369A8F-0BF0-1C44-A231-130FF8240756}"/>
+              </a:ext>
+            </a:extLst>
+          </p:cNvPr>
+          <p:cNvSpPr>
+            <a:spLocks noGrp="1"/>
+          </p:cNvSpPr>
+          <p:nvPr>
+            <p:ph type="title"/>
+          </p:nvPr>
+        </p:nvSpPr>
+        <p:spPr/>
+        <p:txBody>
+          <a:bodyPr/>
+          <a:lstStyle/>
+          <a:p>
+            <a:r>
+              <a:rPr lang="fr-FR" dirty="0"/>
+              <a:t>Sommaire:</a:t>
+            </a:r>
+          </a:p>
+        </p:txBody>
+      </p:sp>
+      <p:sp>
+        <p:nvSpPr>
+          <p:cNvPr id="3" name="Content Placeholder 2">
+            <a:extLst>
+              <a:ext uri="{FF2B5EF4-FFF2-40B4-BE49-F238E27FC236}">
+                <a16:creationId xmlns:a16="http://schemas.microsoft.com/office/drawing/2014/main" id="{DB78DC9D-DBD7-8E48-B9D0-64CEA839FC45}"/>
+              </a:ext>
+            </a:extLst>
+          </p:cNvPr>
+          <p:cNvSpPr>
+            <a:spLocks noGrp="1"/>
+          </p:cNvSpPr>
+          <p:nvPr>
+            <p:ph idx="1"/>
+          </p:nvPr>
+        </p:nvSpPr>
+        <p:spPr/>
+        <p:txBody>
+          <a:bodyPr/>
+          <a:lstStyle/>
+          <a:p>
+            <a:r>
+              <a:rPr lang="fr-FR" dirty="0"/>
+              <a:t>Niveau 0; présentation et démonstration</a:t>
+            </a:r>
+          </a:p>
+          <a:p>
+            <a:r>
+              <a:rPr lang="fr-FR" dirty="0"/>
+              <a:t>Niveau 1; présentation et démonstration </a:t>
+            </a:r>
+          </a:p>
+          <a:p>
+            <a:r>
+              <a:rPr lang="fr-FR" dirty="0"/>
+              <a:t>Niveau 2; présentation </a:t>
+            </a:r>
+            <a:r>
+              <a:rPr lang="fr-FR"/>
+              <a:t>et démonstration </a:t>
+            </a:r>
+          </a:p>
+        </p:txBody>
+      </p:sp>
+    </p:spTree>
+    <p:extLst>
+      <p:ext uri="{BB962C8B-B14F-4D97-AF65-F5344CB8AC3E}">
+        <p14:creationId xmlns:p14="http://schemas.microsoft.com/office/powerpoint/2010/main" val="815788741"/>
+      </p:ext>
+    </p:extLst>
+  </p:cSld>
+  <p:clrMapOvr>
+    <a:masterClrMapping/>
+  </p:clrMapOvr>
+</p:sld>
+</file>
+
+<file path=ppt/slides/slide3.xml><?xml version="1.0" encoding="utf-8"?>
+<p:sld xmlns:a="http://schemas.openxmlformats.org/drawingml/2006/main" xmlns:r="http://schemas.openxmlformats.org/officeDocument/2006/relationships" xmlns:p="http://schemas.openxmlformats.org/presentationml/2006/main">
+  <p:cSld>
     <p:bg>
       <p:bgPr>
         <a:solidFill>
@@ -10518,7 +10969,7 @@
 </p:sld>
 </file>
 
-<file path=ppt/slides/slide3.xml><?xml version="1.0" encoding="utf-8"?>
+<file path=ppt/slides/slide4.xml><?xml version="1.0" encoding="utf-8"?>
 <p:sld xmlns:a="http://schemas.openxmlformats.org/drawingml/2006/main" xmlns:r="http://schemas.openxmlformats.org/officeDocument/2006/relationships" xmlns:p="http://schemas.openxmlformats.org/presentationml/2006/main">
   <p:cSld>
     <p:bg>
@@ -11020,7 +11471,7 @@
 </p:sld>
 </file>
 
-<file path=ppt/slides/slide4.xml><?xml version="1.0" encoding="utf-8"?>
+<file path=ppt/slides/slide5.xml><?xml version="1.0" encoding="utf-8"?>
 <p:sld xmlns:a="http://schemas.openxmlformats.org/drawingml/2006/main" xmlns:r="http://schemas.openxmlformats.org/officeDocument/2006/relationships" xmlns:p="http://schemas.openxmlformats.org/presentationml/2006/main">
   <p:cSld>
     <p:bg>
@@ -11444,7 +11895,7 @@
 </p:sld>
 </file>
 
-<file path=ppt/slides/slide5.xml><?xml version="1.0" encoding="utf-8"?>
+<file path=ppt/slides/slide6.xml><?xml version="1.0" encoding="utf-8"?>
 <p:sld xmlns:a="http://schemas.openxmlformats.org/drawingml/2006/main" xmlns:r="http://schemas.openxmlformats.org/officeDocument/2006/relationships" xmlns:p="http://schemas.openxmlformats.org/presentationml/2006/main">
   <p:cSld>
     <p:spTree>
@@ -11502,7 +11953,7 @@
 </p:sld>
 </file>
 
-<file path=ppt/slides/slide6.xml><?xml version="1.0" encoding="utf-8"?>
+<file path=ppt/slides/slide7.xml><?xml version="1.0" encoding="utf-8"?>
 <p:sld xmlns:a="http://schemas.openxmlformats.org/drawingml/2006/main" xmlns:r="http://schemas.openxmlformats.org/officeDocument/2006/relationships" xmlns:p="http://schemas.openxmlformats.org/presentationml/2006/main">
   <p:cSld>
     <p:bg>
@@ -12113,7 +12564,7 @@
 </p:sld>
 </file>
 
-<file path=ppt/slides/slide7.xml><?xml version="1.0" encoding="utf-8"?>
+<file path=ppt/slides/slide8.xml><?xml version="1.0" encoding="utf-8"?>
 <p:sld xmlns:a="http://schemas.openxmlformats.org/drawingml/2006/main" xmlns:r="http://schemas.openxmlformats.org/officeDocument/2006/relationships" xmlns:p="http://schemas.openxmlformats.org/presentationml/2006/main">
   <p:cSld>
     <p:bg>
@@ -12647,7 +13098,7 @@
 </p:sld>
 </file>
 
-<file path=ppt/slides/slide8.xml><?xml version="1.0" encoding="utf-8"?>
+<file path=ppt/slides/slide9.xml><?xml version="1.0" encoding="utf-8"?>
 <p:sld xmlns:a="http://schemas.openxmlformats.org/drawingml/2006/main" xmlns:r="http://schemas.openxmlformats.org/officeDocument/2006/relationships" xmlns:p="http://schemas.openxmlformats.org/presentationml/2006/main">
   <p:cSld>
     <p:spTree>
@@ -12769,354 +13220,6 @@
     <p:extLst>
       <p:ext uri="{BB962C8B-B14F-4D97-AF65-F5344CB8AC3E}">
         <p14:creationId xmlns:p14="http://schemas.microsoft.com/office/powerpoint/2010/main" val="2177185465"/>
-      </p:ext>
-    </p:extLst>
-  </p:cSld>
-  <p:clrMapOvr>
-    <a:masterClrMapping/>
-  </p:clrMapOvr>
-</p:sld>
-</file>
-
-<file path=ppt/slides/slide9.xml><?xml version="1.0" encoding="utf-8"?>
-<p:sld xmlns:a="http://schemas.openxmlformats.org/drawingml/2006/main" xmlns:r="http://schemas.openxmlformats.org/officeDocument/2006/relationships" xmlns:p="http://schemas.openxmlformats.org/presentationml/2006/main">
-  <p:cSld>
-    <p:bg>
-      <p:bgPr>
-        <a:solidFill>
-          <a:schemeClr val="bg2"/>
-        </a:solidFill>
-        <a:effectLst/>
-      </p:bgPr>
-    </p:bg>
-    <p:spTree>
-      <p:nvGrpSpPr>
-        <p:cNvPr id="1" name=""/>
-        <p:cNvGrpSpPr/>
-        <p:nvPr/>
-      </p:nvGrpSpPr>
-      <p:grpSpPr>
-        <a:xfrm>
-          <a:off x="0" y="0"/>
-          <a:ext cx="0" cy="0"/>
-          <a:chOff x="0" y="0"/>
-          <a:chExt cx="0" cy="0"/>
-        </a:xfrm>
-      </p:grpSpPr>
-      <p:sp>
-        <p:nvSpPr>
-          <p:cNvPr id="25" name="Freeform 6">
-            <a:extLst>
-              <a:ext uri="{FF2B5EF4-FFF2-40B4-BE49-F238E27FC236}">
-                <a16:creationId xmlns:a16="http://schemas.microsoft.com/office/drawing/2014/main" id="{70FFA424-278D-4545-90BA-07151469E528}"/>
-              </a:ext>
-              <a:ext uri="{C183D7F6-B498-43B3-948B-1728B52AA6E4}">
-                <adec:decorative xmlns:adec="http://schemas.microsoft.com/office/drawing/2017/decorative" val="1"/>
-              </a:ext>
-            </a:extLst>
-          </p:cNvPr>
-          <p:cNvSpPr>
-            <a:spLocks noGrp="1" noRot="1" noChangeAspect="1" noMove="1" noResize="1" noEditPoints="1" noAdjustHandles="1" noChangeArrowheads="1" noChangeShapeType="1" noTextEdit="1"/>
-          </p:cNvSpPr>
-          <p:nvPr>
-            <p:extLst>
-              <p:ext uri="{386F3935-93C4-4BCD-93E2-E3B085C9AB24}">
-                <p16:designElem xmlns:p16="http://schemas.microsoft.com/office/powerpoint/2015/main" val="1"/>
-              </p:ext>
-            </p:extLst>
-          </p:nvPr>
-        </p:nvSpPr>
-        <p:spPr bwMode="auto">
-          <a:xfrm>
-            <a:off x="0" y="-3175"/>
-            <a:ext cx="12192000" cy="5203825"/>
-          </a:xfrm>
-          <a:custGeom>
-            <a:avLst/>
-            <a:gdLst/>
-            <a:ahLst/>
-            <a:cxnLst/>
-            <a:rect l="0" t="0" r="r" b="b"/>
-            <a:pathLst>
-              <a:path w="5760" h="3278">
-                <a:moveTo>
-                  <a:pt x="5760" y="0"/>
-                </a:moveTo>
-                <a:lnTo>
-                  <a:pt x="0" y="0"/>
-                </a:lnTo>
-                <a:lnTo>
-                  <a:pt x="0" y="3090"/>
-                </a:lnTo>
-                <a:lnTo>
-                  <a:pt x="943" y="3090"/>
-                </a:lnTo>
-                <a:lnTo>
-                  <a:pt x="1123" y="3270"/>
-                </a:lnTo>
-                <a:lnTo>
-                  <a:pt x="1123" y="3270"/>
-                </a:lnTo>
-                <a:lnTo>
-                  <a:pt x="1127" y="3272"/>
-                </a:lnTo>
-                <a:lnTo>
-                  <a:pt x="1133" y="3275"/>
-                </a:lnTo>
-                <a:lnTo>
-                  <a:pt x="1139" y="3278"/>
-                </a:lnTo>
-                <a:lnTo>
-                  <a:pt x="1144" y="3278"/>
-                </a:lnTo>
-                <a:lnTo>
-                  <a:pt x="1150" y="3278"/>
-                </a:lnTo>
-                <a:lnTo>
-                  <a:pt x="1155" y="3275"/>
-                </a:lnTo>
-                <a:lnTo>
-                  <a:pt x="1161" y="3272"/>
-                </a:lnTo>
-                <a:lnTo>
-                  <a:pt x="1165" y="3270"/>
-                </a:lnTo>
-                <a:lnTo>
-                  <a:pt x="1345" y="3090"/>
-                </a:lnTo>
-                <a:lnTo>
-                  <a:pt x="5760" y="3090"/>
-                </a:lnTo>
-                <a:lnTo>
-                  <a:pt x="5760" y="0"/>
-                </a:lnTo>
-                <a:close/>
-              </a:path>
-            </a:pathLst>
-          </a:custGeom>
-          <a:ln/>
-          <a:effectLst/>
-          <a:extLst>
-            <a:ext uri="{91240B29-F687-4f45-9708-019B960494DF}">
-              <a14:hiddenLine xmlns="" xmlns:a16="http://schemas.microsoft.com/office/drawing/2014/main" xmlns:a14="http://schemas.microsoft.com/office/drawing/2010/main" xmlns:p14="http://schemas.microsoft.com/office/powerpoint/2010/main" w="9525">
-                <a:solidFill>
-                  <a:srgbClr val="000000"/>
-                </a:solidFill>
-                <a:round/>
-                <a:headEnd/>
-                <a:tailEnd/>
-              </a14:hiddenLine>
-            </a:ext>
-          </a:extLst>
-        </p:spPr>
-        <p:style>
-          <a:lnRef idx="1">
-            <a:schemeClr val="accent1"/>
-          </a:lnRef>
-          <a:fillRef idx="3">
-            <a:schemeClr val="accent1"/>
-          </a:fillRef>
-          <a:effectRef idx="2">
-            <a:schemeClr val="accent1"/>
-          </a:effectRef>
-          <a:fontRef idx="minor">
-            <a:schemeClr val="lt1"/>
-          </a:fontRef>
-        </p:style>
-      </p:sp>
-      <p:sp>
-        <p:nvSpPr>
-          <p:cNvPr id="2" name="Title 1">
-            <a:extLst>
-              <a:ext uri="{FF2B5EF4-FFF2-40B4-BE49-F238E27FC236}">
-                <a16:creationId xmlns:a16="http://schemas.microsoft.com/office/drawing/2014/main" id="{3E609DAC-464B-9B41-8C30-F80472001BC8}"/>
-              </a:ext>
-            </a:extLst>
-          </p:cNvPr>
-          <p:cNvSpPr>
-            <a:spLocks noGrp="1"/>
-          </p:cNvSpPr>
-          <p:nvPr>
-            <p:ph type="title"/>
-          </p:nvPr>
-        </p:nvSpPr>
-        <p:spPr>
-          <a:xfrm>
-            <a:off x="810002" y="639097"/>
-            <a:ext cx="4961534" cy="3781101"/>
-          </a:xfrm>
-        </p:spPr>
-        <p:txBody>
-          <a:bodyPr vert="horz" lIns="91440" tIns="45720" rIns="91440" bIns="45720" rtlCol="0" anchor="b">
-            <a:normAutofit/>
-          </a:bodyPr>
-          <a:lstStyle/>
-          <a:p>
-            <a:r>
-              <a:rPr lang="en-US" sz="6000"/>
-              <a:t>1.4 Le score via les structures de données</a:t>
-            </a:r>
-          </a:p>
-        </p:txBody>
-      </p:sp>
-      <p:sp>
-        <p:nvSpPr>
-          <p:cNvPr id="27" name="Rectangle 26">
-            <a:extLst>
-              <a:ext uri="{FF2B5EF4-FFF2-40B4-BE49-F238E27FC236}">
-                <a16:creationId xmlns:a16="http://schemas.microsoft.com/office/drawing/2014/main" id="{558680CB-633A-40EA-9BE4-A37269ABEC24}"/>
-              </a:ext>
-              <a:ext uri="{C183D7F6-B498-43B3-948B-1728B52AA6E4}">
-                <adec:decorative xmlns:adec="http://schemas.microsoft.com/office/drawing/2017/decorative" val="1"/>
-              </a:ext>
-            </a:extLst>
-          </p:cNvPr>
-          <p:cNvSpPr>
-            <a:spLocks noGrp="1" noRot="1" noChangeAspect="1" noMove="1" noResize="1" noEditPoints="1" noAdjustHandles="1" noChangeArrowheads="1" noChangeShapeType="1" noTextEdit="1"/>
-          </p:cNvSpPr>
-          <p:nvPr>
-            <p:extLst>
-              <p:ext uri="{386F3935-93C4-4BCD-93E2-E3B085C9AB24}">
-                <p16:designElem xmlns:p16="http://schemas.microsoft.com/office/powerpoint/2015/main" val="1"/>
-              </p:ext>
-            </p:extLst>
-          </p:nvPr>
-        </p:nvSpPr>
-        <p:spPr>
-          <a:xfrm>
-            <a:off x="7376836" y="0"/>
-            <a:ext cx="4815163" cy="6858000"/>
-          </a:xfrm>
-          <a:prstGeom prst="rect">
-            <a:avLst/>
-          </a:prstGeom>
-          <a:solidFill>
-            <a:schemeClr val="tx1"/>
-          </a:solidFill>
-          <a:ln>
-            <a:noFill/>
-          </a:ln>
-        </p:spPr>
-        <p:style>
-          <a:lnRef idx="2">
-            <a:schemeClr val="accent1">
-              <a:shade val="50000"/>
-            </a:schemeClr>
-          </a:lnRef>
-          <a:fillRef idx="1">
-            <a:schemeClr val="accent1"/>
-          </a:fillRef>
-          <a:effectRef idx="0">
-            <a:schemeClr val="accent1"/>
-          </a:effectRef>
-          <a:fontRef idx="minor">
-            <a:schemeClr val="lt1"/>
-          </a:fontRef>
-        </p:style>
-        <p:txBody>
-          <a:bodyPr rtlCol="0" anchor="ctr"/>
-          <a:lstStyle/>
-          <a:p>
-            <a:pPr algn="ctr"/>
-            <a:endParaRPr lang="en-US"/>
-          </a:p>
-        </p:txBody>
-      </p:sp>
-      <p:pic>
-        <p:nvPicPr>
-          <p:cNvPr id="8" name="Content Placeholder 7">
-            <a:extLst>
-              <a:ext uri="{FF2B5EF4-FFF2-40B4-BE49-F238E27FC236}">
-                <a16:creationId xmlns:a16="http://schemas.microsoft.com/office/drawing/2014/main" id="{370D12FF-0A1E-3E4F-A43B-6C6EF0649551}"/>
-              </a:ext>
-            </a:extLst>
-          </p:cNvPr>
-          <p:cNvPicPr>
-            <a:picLocks noGrp="1" noChangeAspect="1"/>
-          </p:cNvPicPr>
-          <p:nvPr>
-            <p:ph sz="half" idx="2"/>
-          </p:nvPr>
-        </p:nvPicPr>
-        <p:blipFill rotWithShape="1">
-          <a:blip r:embed="rId2"/>
-          <a:srcRect l="5558" r="27839" b="2"/>
-          <a:stretch/>
-        </p:blipFill>
-        <p:spPr>
-          <a:xfrm>
-            <a:off x="7534660" y="137477"/>
-            <a:ext cx="4496477" cy="2092832"/>
-          </a:xfrm>
-          <a:prstGeom prst="rect">
-            <a:avLst/>
-          </a:prstGeom>
-        </p:spPr>
-      </p:pic>
-      <p:pic>
-        <p:nvPicPr>
-          <p:cNvPr id="9" name="Content Placeholder 8">
-            <a:extLst>
-              <a:ext uri="{FF2B5EF4-FFF2-40B4-BE49-F238E27FC236}">
-                <a16:creationId xmlns:a16="http://schemas.microsoft.com/office/drawing/2014/main" id="{2F2593F3-D806-A241-A0C9-2A6EE2277AB5}"/>
-              </a:ext>
-            </a:extLst>
-          </p:cNvPr>
-          <p:cNvPicPr>
-            <a:picLocks noGrp="1" noChangeAspect="1"/>
-          </p:cNvPicPr>
-          <p:nvPr>
-            <p:ph sz="half" idx="1"/>
-          </p:nvPr>
-        </p:nvPicPr>
-        <p:blipFill rotWithShape="1">
-          <a:blip r:embed="rId3"/>
-          <a:srcRect t="3551" r="2" b="4191"/>
-          <a:stretch/>
-        </p:blipFill>
-        <p:spPr>
-          <a:xfrm>
-            <a:off x="7534655" y="2381550"/>
-            <a:ext cx="4496478" cy="2092832"/>
-          </a:xfrm>
-          <a:prstGeom prst="rect">
-            <a:avLst/>
-          </a:prstGeom>
-        </p:spPr>
-      </p:pic>
-      <p:pic>
-        <p:nvPicPr>
-          <p:cNvPr id="11" name="Content Placeholder 5">
-            <a:extLst>
-              <a:ext uri="{FF2B5EF4-FFF2-40B4-BE49-F238E27FC236}">
-                <a16:creationId xmlns:a16="http://schemas.microsoft.com/office/drawing/2014/main" id="{532D47D4-DE71-F745-9376-44D7108FFEFD}"/>
-              </a:ext>
-            </a:extLst>
-          </p:cNvPr>
-          <p:cNvPicPr>
-            <a:picLocks noChangeAspect="1"/>
-          </p:cNvPicPr>
-          <p:nvPr/>
-        </p:nvPicPr>
-        <p:blipFill rotWithShape="1">
-          <a:blip r:embed="rId4"/>
-          <a:srcRect r="1" b="12784"/>
-          <a:stretch/>
-        </p:blipFill>
-        <p:spPr>
-          <a:xfrm>
-            <a:off x="7542459" y="4625623"/>
-            <a:ext cx="4496478" cy="2092833"/>
-          </a:xfrm>
-          <a:prstGeom prst="rect">
-            <a:avLst/>
-          </a:prstGeom>
-        </p:spPr>
-      </p:pic>
-    </p:spTree>
-    <p:extLst>
-      <p:ext uri="{BB962C8B-B14F-4D97-AF65-F5344CB8AC3E}">
-        <p14:creationId xmlns:p14="http://schemas.microsoft.com/office/powerpoint/2010/main" val="63337937"/>
       </p:ext>
     </p:extLst>
   </p:cSld>

--- a/Soutenance.pptx
+++ b/Soutenance.pptx
@@ -18,7 +18,8 @@
     <p:sldId id="264" r:id="rId12"/>
     <p:sldId id="265" r:id="rId13"/>
     <p:sldId id="266" r:id="rId14"/>
-    <p:sldId id="267" r:id="rId15"/>
+    <p:sldId id="270" r:id="rId15"/>
+    <p:sldId id="267" r:id="rId16"/>
   </p:sldIdLst>
   <p:sldSz cx="12192000" cy="6858000"/>
   <p:notesSz cx="6858000" cy="9144000"/>
@@ -121,6 +122,925 @@
 </file>
 
 <file path=ppt/diagrams/colors1.xml><?xml version="1.0" encoding="utf-8"?>
+<dgm:colorsDef xmlns:dgm="http://schemas.openxmlformats.org/drawingml/2006/diagram" xmlns:a="http://schemas.openxmlformats.org/drawingml/2006/main" uniqueId="urn:microsoft.com/office/officeart/2005/8/colors/colorful1">
+  <dgm:title val=""/>
+  <dgm:desc val=""/>
+  <dgm:catLst>
+    <dgm:cat type="colorful" pri="10100"/>
+  </dgm:catLst>
+  <dgm:styleLbl name="node0">
+    <dgm:fillClrLst meth="repeat">
+      <a:schemeClr val="accent1"/>
+    </dgm:fillClrLst>
+    <dgm:linClrLst meth="repeat">
+      <a:schemeClr val="lt1"/>
+    </dgm:linClrLst>
+    <dgm:effectClrLst/>
+    <dgm:txLinClrLst/>
+    <dgm:txFillClrLst/>
+    <dgm:txEffectClrLst/>
+  </dgm:styleLbl>
+  <dgm:styleLbl name="node1">
+    <dgm:fillClrLst meth="repeat">
+      <a:schemeClr val="accent2"/>
+      <a:schemeClr val="accent3"/>
+      <a:schemeClr val="accent4"/>
+      <a:schemeClr val="accent5"/>
+      <a:schemeClr val="accent6"/>
+    </dgm:fillClrLst>
+    <dgm:linClrLst meth="repeat">
+      <a:schemeClr val="lt1"/>
+    </dgm:linClrLst>
+    <dgm:effectClrLst/>
+    <dgm:txLinClrLst/>
+    <dgm:txFillClrLst/>
+    <dgm:txEffectClrLst/>
+  </dgm:styleLbl>
+  <dgm:styleLbl name="alignNode1">
+    <dgm:fillClrLst meth="repeat">
+      <a:schemeClr val="accent2"/>
+      <a:schemeClr val="accent3"/>
+      <a:schemeClr val="accent4"/>
+      <a:schemeClr val="accent5"/>
+      <a:schemeClr val="accent6"/>
+    </dgm:fillClrLst>
+    <dgm:linClrLst meth="repeat">
+      <a:schemeClr val="accent2"/>
+      <a:schemeClr val="accent3"/>
+      <a:schemeClr val="accent4"/>
+      <a:schemeClr val="accent5"/>
+      <a:schemeClr val="accent6"/>
+    </dgm:linClrLst>
+    <dgm:effectClrLst/>
+    <dgm:txLinClrLst/>
+    <dgm:txFillClrLst/>
+    <dgm:txEffectClrLst/>
+  </dgm:styleLbl>
+  <dgm:styleLbl name="lnNode1">
+    <dgm:fillClrLst meth="repeat">
+      <a:schemeClr val="accent2"/>
+      <a:schemeClr val="accent3"/>
+      <a:schemeClr val="accent4"/>
+      <a:schemeClr val="accent5"/>
+      <a:schemeClr val="accent6"/>
+    </dgm:fillClrLst>
+    <dgm:linClrLst meth="repeat">
+      <a:schemeClr val="lt1"/>
+    </dgm:linClrLst>
+    <dgm:effectClrLst/>
+    <dgm:txLinClrLst/>
+    <dgm:txFillClrLst/>
+    <dgm:txEffectClrLst/>
+  </dgm:styleLbl>
+  <dgm:styleLbl name="vennNode1">
+    <dgm:fillClrLst meth="repeat">
+      <a:schemeClr val="accent2">
+        <a:alpha val="50000"/>
+      </a:schemeClr>
+      <a:schemeClr val="accent3">
+        <a:alpha val="50000"/>
+      </a:schemeClr>
+      <a:schemeClr val="accent4">
+        <a:alpha val="50000"/>
+      </a:schemeClr>
+      <a:schemeClr val="accent5">
+        <a:alpha val="50000"/>
+      </a:schemeClr>
+      <a:schemeClr val="accent6">
+        <a:alpha val="50000"/>
+      </a:schemeClr>
+    </dgm:fillClrLst>
+    <dgm:linClrLst meth="repeat">
+      <a:schemeClr val="lt1"/>
+    </dgm:linClrLst>
+    <dgm:effectClrLst/>
+    <dgm:txLinClrLst/>
+    <dgm:txFillClrLst/>
+    <dgm:txEffectClrLst/>
+  </dgm:styleLbl>
+  <dgm:styleLbl name="node2">
+    <dgm:fillClrLst>
+      <a:schemeClr val="accent2"/>
+    </dgm:fillClrLst>
+    <dgm:linClrLst meth="repeat">
+      <a:schemeClr val="lt1"/>
+    </dgm:linClrLst>
+    <dgm:effectClrLst/>
+    <dgm:txLinClrLst/>
+    <dgm:txFillClrLst/>
+    <dgm:txEffectClrLst/>
+  </dgm:styleLbl>
+  <dgm:styleLbl name="node3">
+    <dgm:fillClrLst>
+      <a:schemeClr val="accent3"/>
+    </dgm:fillClrLst>
+    <dgm:linClrLst meth="repeat">
+      <a:schemeClr val="lt1"/>
+    </dgm:linClrLst>
+    <dgm:effectClrLst/>
+    <dgm:txLinClrLst/>
+    <dgm:txFillClrLst/>
+    <dgm:txEffectClrLst/>
+  </dgm:styleLbl>
+  <dgm:styleLbl name="node4">
+    <dgm:fillClrLst>
+      <a:schemeClr val="accent4"/>
+    </dgm:fillClrLst>
+    <dgm:linClrLst meth="repeat">
+      <a:schemeClr val="lt1"/>
+    </dgm:linClrLst>
+    <dgm:effectClrLst/>
+    <dgm:txLinClrLst/>
+    <dgm:txFillClrLst/>
+    <dgm:txEffectClrLst/>
+  </dgm:styleLbl>
+  <dgm:styleLbl name="fgImgPlace1">
+    <dgm:fillClrLst meth="repeat">
+      <a:schemeClr val="accent2">
+        <a:tint val="50000"/>
+      </a:schemeClr>
+      <a:schemeClr val="accent3">
+        <a:tint val="50000"/>
+      </a:schemeClr>
+      <a:schemeClr val="accent4">
+        <a:tint val="50000"/>
+      </a:schemeClr>
+      <a:schemeClr val="accent5">
+        <a:tint val="50000"/>
+      </a:schemeClr>
+      <a:schemeClr val="accent6">
+        <a:tint val="50000"/>
+      </a:schemeClr>
+    </dgm:fillClrLst>
+    <dgm:linClrLst meth="repeat">
+      <a:schemeClr val="lt1"/>
+    </dgm:linClrLst>
+    <dgm:effectClrLst/>
+    <dgm:txLinClrLst/>
+    <dgm:txFillClrLst meth="repeat">
+      <a:schemeClr val="lt1"/>
+    </dgm:txFillClrLst>
+    <dgm:txEffectClrLst/>
+  </dgm:styleLbl>
+  <dgm:styleLbl name="alignImgPlace1">
+    <dgm:fillClrLst>
+      <a:schemeClr val="accent1">
+        <a:tint val="50000"/>
+      </a:schemeClr>
+      <a:schemeClr val="accent2">
+        <a:tint val="20000"/>
+      </a:schemeClr>
+    </dgm:fillClrLst>
+    <dgm:linClrLst meth="repeat">
+      <a:schemeClr val="lt1"/>
+    </dgm:linClrLst>
+    <dgm:effectClrLst/>
+    <dgm:txLinClrLst/>
+    <dgm:txFillClrLst meth="repeat">
+      <a:schemeClr val="lt1"/>
+    </dgm:txFillClrLst>
+    <dgm:txEffectClrLst/>
+  </dgm:styleLbl>
+  <dgm:styleLbl name="bgImgPlace1">
+    <dgm:fillClrLst>
+      <a:schemeClr val="accent1">
+        <a:tint val="50000"/>
+      </a:schemeClr>
+      <a:schemeClr val="accent2">
+        <a:tint val="20000"/>
+      </a:schemeClr>
+    </dgm:fillClrLst>
+    <dgm:linClrLst meth="repeat">
+      <a:schemeClr val="lt1"/>
+    </dgm:linClrLst>
+    <dgm:effectClrLst/>
+    <dgm:txLinClrLst/>
+    <dgm:txFillClrLst meth="repeat">
+      <a:schemeClr val="lt1"/>
+    </dgm:txFillClrLst>
+    <dgm:txEffectClrLst/>
+  </dgm:styleLbl>
+  <dgm:styleLbl name="sibTrans2D1">
+    <dgm:fillClrLst meth="repeat">
+      <a:schemeClr val="accent2"/>
+      <a:schemeClr val="accent3"/>
+      <a:schemeClr val="accent4"/>
+      <a:schemeClr val="accent5"/>
+      <a:schemeClr val="accent6"/>
+    </dgm:fillClrLst>
+    <dgm:linClrLst meth="cycle">
+      <a:schemeClr val="lt1"/>
+    </dgm:linClrLst>
+    <dgm:effectClrLst/>
+    <dgm:txLinClrLst/>
+    <dgm:txFillClrLst/>
+    <dgm:txEffectClrLst/>
+  </dgm:styleLbl>
+  <dgm:styleLbl name="fgSibTrans2D1">
+    <dgm:fillClrLst meth="repeat">
+      <a:schemeClr val="accent2"/>
+      <a:schemeClr val="accent3"/>
+      <a:schemeClr val="accent4"/>
+      <a:schemeClr val="accent5"/>
+      <a:schemeClr val="accent6"/>
+    </dgm:fillClrLst>
+    <dgm:linClrLst meth="cycle">
+      <a:schemeClr val="lt1"/>
+    </dgm:linClrLst>
+    <dgm:effectClrLst/>
+    <dgm:txLinClrLst/>
+    <dgm:txFillClrLst meth="repeat">
+      <a:schemeClr val="lt1"/>
+    </dgm:txFillClrLst>
+    <dgm:txEffectClrLst/>
+  </dgm:styleLbl>
+  <dgm:styleLbl name="bgSibTrans2D1">
+    <dgm:fillClrLst meth="repeat">
+      <a:schemeClr val="accent2"/>
+      <a:schemeClr val="accent3"/>
+      <a:schemeClr val="accent4"/>
+      <a:schemeClr val="accent5"/>
+      <a:schemeClr val="accent6"/>
+    </dgm:fillClrLst>
+    <dgm:linClrLst meth="cycle">
+      <a:schemeClr val="lt1"/>
+    </dgm:linClrLst>
+    <dgm:effectClrLst/>
+    <dgm:txLinClrLst/>
+    <dgm:txFillClrLst meth="repeat">
+      <a:schemeClr val="lt1"/>
+    </dgm:txFillClrLst>
+    <dgm:txEffectClrLst/>
+  </dgm:styleLbl>
+  <dgm:styleLbl name="sibTrans1D1">
+    <dgm:fillClrLst meth="repeat">
+      <a:schemeClr val="accent2"/>
+      <a:schemeClr val="accent3"/>
+      <a:schemeClr val="accent4"/>
+      <a:schemeClr val="accent5"/>
+      <a:schemeClr val="accent6"/>
+    </dgm:fillClrLst>
+    <dgm:linClrLst meth="repeat">
+      <a:schemeClr val="accent2"/>
+      <a:schemeClr val="accent3"/>
+      <a:schemeClr val="accent4"/>
+      <a:schemeClr val="accent5"/>
+      <a:schemeClr val="accent6"/>
+    </dgm:linClrLst>
+    <dgm:effectClrLst/>
+    <dgm:txLinClrLst/>
+    <dgm:txFillClrLst meth="repeat">
+      <a:schemeClr val="tx1"/>
+    </dgm:txFillClrLst>
+    <dgm:txEffectClrLst/>
+  </dgm:styleLbl>
+  <dgm:styleLbl name="callout">
+    <dgm:fillClrLst meth="repeat">
+      <a:schemeClr val="accent2"/>
+    </dgm:fillClrLst>
+    <dgm:linClrLst meth="repeat">
+      <a:schemeClr val="accent2">
+        <a:tint val="50000"/>
+      </a:schemeClr>
+    </dgm:linClrLst>
+    <dgm:effectClrLst/>
+    <dgm:txLinClrLst/>
+    <dgm:txFillClrLst meth="repeat">
+      <a:schemeClr val="tx1"/>
+    </dgm:txFillClrLst>
+    <dgm:txEffectClrLst/>
+  </dgm:styleLbl>
+  <dgm:styleLbl name="asst0">
+    <dgm:fillClrLst meth="repeat">
+      <a:schemeClr val="accent1"/>
+    </dgm:fillClrLst>
+    <dgm:linClrLst meth="repeat">
+      <a:schemeClr val="lt1"/>
+    </dgm:linClrLst>
+    <dgm:effectClrLst/>
+    <dgm:txLinClrLst/>
+    <dgm:txFillClrLst/>
+    <dgm:txEffectClrLst/>
+  </dgm:styleLbl>
+  <dgm:styleLbl name="asst1">
+    <dgm:fillClrLst meth="repeat">
+      <a:schemeClr val="accent2"/>
+    </dgm:fillClrLst>
+    <dgm:linClrLst meth="repeat">
+      <a:schemeClr val="lt1"/>
+    </dgm:linClrLst>
+    <dgm:effectClrLst/>
+    <dgm:txLinClrLst/>
+    <dgm:txFillClrLst/>
+    <dgm:txEffectClrLst/>
+  </dgm:styleLbl>
+  <dgm:styleLbl name="asst2">
+    <dgm:fillClrLst>
+      <a:schemeClr val="accent3"/>
+    </dgm:fillClrLst>
+    <dgm:linClrLst meth="repeat">
+      <a:schemeClr val="lt1"/>
+    </dgm:linClrLst>
+    <dgm:effectClrLst/>
+    <dgm:txLinClrLst/>
+    <dgm:txFillClrLst/>
+    <dgm:txEffectClrLst/>
+  </dgm:styleLbl>
+  <dgm:styleLbl name="asst3">
+    <dgm:fillClrLst>
+      <a:schemeClr val="accent4"/>
+    </dgm:fillClrLst>
+    <dgm:linClrLst meth="repeat">
+      <a:schemeClr val="lt1"/>
+    </dgm:linClrLst>
+    <dgm:effectClrLst/>
+    <dgm:txLinClrLst/>
+    <dgm:txFillClrLst/>
+    <dgm:txEffectClrLst/>
+  </dgm:styleLbl>
+  <dgm:styleLbl name="asst4">
+    <dgm:fillClrLst>
+      <a:schemeClr val="accent5"/>
+    </dgm:fillClrLst>
+    <dgm:linClrLst meth="repeat">
+      <a:schemeClr val="lt1"/>
+    </dgm:linClrLst>
+    <dgm:effectClrLst/>
+    <dgm:txLinClrLst/>
+    <dgm:txFillClrLst/>
+    <dgm:txEffectClrLst/>
+  </dgm:styleLbl>
+  <dgm:styleLbl name="parChTrans2D1">
+    <dgm:fillClrLst meth="repeat">
+      <a:schemeClr val="accent2"/>
+    </dgm:fillClrLst>
+    <dgm:linClrLst meth="repeat">
+      <a:schemeClr val="lt1"/>
+    </dgm:linClrLst>
+    <dgm:effectClrLst/>
+    <dgm:txLinClrLst/>
+    <dgm:txFillClrLst meth="repeat">
+      <a:schemeClr val="lt1"/>
+    </dgm:txFillClrLst>
+    <dgm:txEffectClrLst/>
+  </dgm:styleLbl>
+  <dgm:styleLbl name="parChTrans2D2">
+    <dgm:fillClrLst meth="repeat">
+      <a:schemeClr val="accent3"/>
+    </dgm:fillClrLst>
+    <dgm:linClrLst meth="repeat">
+      <a:schemeClr val="lt1"/>
+    </dgm:linClrLst>
+    <dgm:effectClrLst/>
+    <dgm:txLinClrLst/>
+    <dgm:txFillClrLst/>
+    <dgm:txEffectClrLst/>
+  </dgm:styleLbl>
+  <dgm:styleLbl name="parChTrans2D3">
+    <dgm:fillClrLst meth="repeat">
+      <a:schemeClr val="accent4"/>
+    </dgm:fillClrLst>
+    <dgm:linClrLst meth="repeat">
+      <a:schemeClr val="lt1"/>
+    </dgm:linClrLst>
+    <dgm:effectClrLst/>
+    <dgm:txLinClrLst/>
+    <dgm:txFillClrLst/>
+    <dgm:txEffectClrLst/>
+  </dgm:styleLbl>
+  <dgm:styleLbl name="parChTrans2D4">
+    <dgm:fillClrLst meth="repeat">
+      <a:schemeClr val="accent5"/>
+    </dgm:fillClrLst>
+    <dgm:linClrLst meth="repeat">
+      <a:schemeClr val="lt1"/>
+    </dgm:linClrLst>
+    <dgm:effectClrLst/>
+    <dgm:txLinClrLst/>
+    <dgm:txFillClrLst meth="repeat">
+      <a:schemeClr val="lt1"/>
+    </dgm:txFillClrLst>
+    <dgm:txEffectClrLst/>
+  </dgm:styleLbl>
+  <dgm:styleLbl name="parChTrans1D1">
+    <dgm:fillClrLst meth="repeat">
+      <a:schemeClr val="accent2"/>
+    </dgm:fillClrLst>
+    <dgm:linClrLst meth="repeat">
+      <a:schemeClr val="accent1"/>
+    </dgm:linClrLst>
+    <dgm:effectClrLst/>
+    <dgm:txLinClrLst/>
+    <dgm:txFillClrLst meth="repeat">
+      <a:schemeClr val="tx1"/>
+    </dgm:txFillClrLst>
+    <dgm:txEffectClrLst/>
+  </dgm:styleLbl>
+  <dgm:styleLbl name="parChTrans1D2">
+    <dgm:fillClrLst meth="repeat">
+      <a:schemeClr val="accent3">
+        <a:tint val="90000"/>
+      </a:schemeClr>
+    </dgm:fillClrLst>
+    <dgm:linClrLst meth="repeat">
+      <a:schemeClr val="accent2"/>
+    </dgm:linClrLst>
+    <dgm:effectClrLst/>
+    <dgm:txLinClrLst/>
+    <dgm:txFillClrLst meth="repeat">
+      <a:schemeClr val="tx1"/>
+    </dgm:txFillClrLst>
+    <dgm:txEffectClrLst/>
+  </dgm:styleLbl>
+  <dgm:styleLbl name="parChTrans1D3">
+    <dgm:fillClrLst meth="repeat">
+      <a:schemeClr val="accent4">
+        <a:tint val="70000"/>
+      </a:schemeClr>
+    </dgm:fillClrLst>
+    <dgm:linClrLst meth="repeat">
+      <a:schemeClr val="accent3"/>
+    </dgm:linClrLst>
+    <dgm:effectClrLst/>
+    <dgm:txLinClrLst/>
+    <dgm:txFillClrLst meth="repeat">
+      <a:schemeClr val="tx1"/>
+    </dgm:txFillClrLst>
+    <dgm:txEffectClrLst/>
+  </dgm:styleLbl>
+  <dgm:styleLbl name="parChTrans1D4">
+    <dgm:fillClrLst meth="repeat">
+      <a:schemeClr val="accent5">
+        <a:tint val="50000"/>
+      </a:schemeClr>
+    </dgm:fillClrLst>
+    <dgm:linClrLst meth="repeat">
+      <a:schemeClr val="accent4"/>
+    </dgm:linClrLst>
+    <dgm:effectClrLst/>
+    <dgm:txLinClrLst/>
+    <dgm:txFillClrLst meth="repeat">
+      <a:schemeClr val="tx1"/>
+    </dgm:txFillClrLst>
+    <dgm:txEffectClrLst/>
+  </dgm:styleLbl>
+  <dgm:styleLbl name="fgAcc1">
+    <dgm:fillClrLst meth="repeat">
+      <a:schemeClr val="lt1">
+        <a:alpha val="90000"/>
+      </a:schemeClr>
+    </dgm:fillClrLst>
+    <dgm:linClrLst meth="repeat">
+      <a:schemeClr val="accent2"/>
+      <a:schemeClr val="accent3"/>
+      <a:schemeClr val="accent4"/>
+      <a:schemeClr val="accent5"/>
+      <a:schemeClr val="accent6"/>
+    </dgm:linClrLst>
+    <dgm:effectClrLst/>
+    <dgm:txLinClrLst/>
+    <dgm:txFillClrLst meth="repeat">
+      <a:schemeClr val="dk1"/>
+    </dgm:txFillClrLst>
+    <dgm:txEffectClrLst/>
+  </dgm:styleLbl>
+  <dgm:styleLbl name="conFgAcc1">
+    <dgm:fillClrLst meth="repeat">
+      <a:schemeClr val="lt1">
+        <a:alpha val="90000"/>
+      </a:schemeClr>
+    </dgm:fillClrLst>
+    <dgm:linClrLst meth="repeat">
+      <a:schemeClr val="accent2"/>
+      <a:schemeClr val="accent3"/>
+      <a:schemeClr val="accent4"/>
+      <a:schemeClr val="accent5"/>
+      <a:schemeClr val="accent6"/>
+    </dgm:linClrLst>
+    <dgm:effectClrLst/>
+    <dgm:txLinClrLst/>
+    <dgm:txFillClrLst meth="repeat">
+      <a:schemeClr val="dk1"/>
+    </dgm:txFillClrLst>
+    <dgm:txEffectClrLst/>
+  </dgm:styleLbl>
+  <dgm:styleLbl name="alignAcc1">
+    <dgm:fillClrLst meth="repeat">
+      <a:schemeClr val="lt1">
+        <a:alpha val="90000"/>
+      </a:schemeClr>
+    </dgm:fillClrLst>
+    <dgm:linClrLst meth="repeat">
+      <a:schemeClr val="accent2"/>
+      <a:schemeClr val="accent3"/>
+      <a:schemeClr val="accent4"/>
+      <a:schemeClr val="accent5"/>
+      <a:schemeClr val="accent6"/>
+    </dgm:linClrLst>
+    <dgm:effectClrLst/>
+    <dgm:txLinClrLst/>
+    <dgm:txFillClrLst meth="repeat">
+      <a:schemeClr val="dk1"/>
+    </dgm:txFillClrLst>
+    <dgm:txEffectClrLst/>
+  </dgm:styleLbl>
+  <dgm:styleLbl name="trAlignAcc1">
+    <dgm:fillClrLst meth="repeat">
+      <a:schemeClr val="lt1">
+        <a:alpha val="40000"/>
+      </a:schemeClr>
+    </dgm:fillClrLst>
+    <dgm:linClrLst meth="repeat">
+      <a:schemeClr val="accent1"/>
+    </dgm:linClrLst>
+    <dgm:effectClrLst/>
+    <dgm:txLinClrLst/>
+    <dgm:txFillClrLst meth="repeat">
+      <a:schemeClr val="dk1"/>
+    </dgm:txFillClrLst>
+    <dgm:txEffectClrLst/>
+  </dgm:styleLbl>
+  <dgm:styleLbl name="bgAcc1">
+    <dgm:fillClrLst meth="repeat">
+      <a:schemeClr val="lt1">
+        <a:alpha val="90000"/>
+      </a:schemeClr>
+    </dgm:fillClrLst>
+    <dgm:linClrLst meth="repeat">
+      <a:schemeClr val="accent2"/>
+      <a:schemeClr val="accent3"/>
+      <a:schemeClr val="accent4"/>
+      <a:schemeClr val="accent5"/>
+      <a:schemeClr val="accent6"/>
+    </dgm:linClrLst>
+    <dgm:effectClrLst/>
+    <dgm:txLinClrLst/>
+    <dgm:txFillClrLst meth="repeat">
+      <a:schemeClr val="dk1"/>
+    </dgm:txFillClrLst>
+    <dgm:txEffectClrLst/>
+  </dgm:styleLbl>
+  <dgm:styleLbl name="solidFgAcc1">
+    <dgm:fillClrLst meth="repeat">
+      <a:schemeClr val="lt1"/>
+    </dgm:fillClrLst>
+    <dgm:linClrLst meth="repeat">
+      <a:schemeClr val="accent2"/>
+      <a:schemeClr val="accent3"/>
+      <a:schemeClr val="accent4"/>
+      <a:schemeClr val="accent5"/>
+      <a:schemeClr val="accent6"/>
+    </dgm:linClrLst>
+    <dgm:effectClrLst/>
+    <dgm:txLinClrLst/>
+    <dgm:txFillClrLst meth="repeat">
+      <a:schemeClr val="dk1"/>
+    </dgm:txFillClrLst>
+    <dgm:txEffectClrLst/>
+  </dgm:styleLbl>
+  <dgm:styleLbl name="solidAlignAcc1">
+    <dgm:fillClrLst meth="repeat">
+      <a:schemeClr val="lt1"/>
+    </dgm:fillClrLst>
+    <dgm:linClrLst meth="repeat">
+      <a:schemeClr val="accent2"/>
+      <a:schemeClr val="accent3"/>
+      <a:schemeClr val="accent4"/>
+      <a:schemeClr val="accent5"/>
+      <a:schemeClr val="accent6"/>
+    </dgm:linClrLst>
+    <dgm:effectClrLst/>
+    <dgm:txLinClrLst/>
+    <dgm:txFillClrLst meth="repeat">
+      <a:schemeClr val="dk1"/>
+    </dgm:txFillClrLst>
+    <dgm:txEffectClrLst/>
+  </dgm:styleLbl>
+  <dgm:styleLbl name="solidBgAcc1">
+    <dgm:fillClrLst meth="repeat">
+      <a:schemeClr val="lt1"/>
+    </dgm:fillClrLst>
+    <dgm:linClrLst meth="repeat">
+      <a:schemeClr val="accent2"/>
+      <a:schemeClr val="accent3"/>
+      <a:schemeClr val="accent4"/>
+      <a:schemeClr val="accent5"/>
+      <a:schemeClr val="accent6"/>
+    </dgm:linClrLst>
+    <dgm:effectClrLst/>
+    <dgm:txLinClrLst/>
+    <dgm:txFillClrLst meth="repeat">
+      <a:schemeClr val="dk1"/>
+    </dgm:txFillClrLst>
+    <dgm:txEffectClrLst/>
+  </dgm:styleLbl>
+  <dgm:styleLbl name="fgAccFollowNode1">
+    <dgm:fillClrLst meth="repeat">
+      <a:schemeClr val="accent2">
+        <a:tint val="40000"/>
+        <a:alpha val="90000"/>
+      </a:schemeClr>
+      <a:schemeClr val="accent3">
+        <a:tint val="40000"/>
+        <a:alpha val="90000"/>
+      </a:schemeClr>
+      <a:schemeClr val="accent4">
+        <a:tint val="40000"/>
+        <a:alpha val="90000"/>
+      </a:schemeClr>
+      <a:schemeClr val="accent5">
+        <a:tint val="40000"/>
+        <a:alpha val="90000"/>
+      </a:schemeClr>
+      <a:schemeClr val="accent6">
+        <a:tint val="40000"/>
+        <a:alpha val="90000"/>
+      </a:schemeClr>
+    </dgm:fillClrLst>
+    <dgm:linClrLst meth="repeat">
+      <a:schemeClr val="accent2">
+        <a:tint val="40000"/>
+        <a:alpha val="90000"/>
+      </a:schemeClr>
+      <a:schemeClr val="accent3">
+        <a:tint val="40000"/>
+        <a:alpha val="90000"/>
+      </a:schemeClr>
+      <a:schemeClr val="accent4">
+        <a:tint val="40000"/>
+        <a:alpha val="90000"/>
+      </a:schemeClr>
+      <a:schemeClr val="accent5">
+        <a:tint val="40000"/>
+        <a:alpha val="90000"/>
+      </a:schemeClr>
+      <a:schemeClr val="accent6">
+        <a:tint val="40000"/>
+        <a:alpha val="90000"/>
+      </a:schemeClr>
+    </dgm:linClrLst>
+    <dgm:effectClrLst/>
+    <dgm:txLinClrLst/>
+    <dgm:txFillClrLst meth="repeat">
+      <a:schemeClr val="dk1"/>
+    </dgm:txFillClrLst>
+    <dgm:txEffectClrLst/>
+  </dgm:styleLbl>
+  <dgm:styleLbl name="alignAccFollowNode1">
+    <dgm:fillClrLst meth="repeat">
+      <a:schemeClr val="accent2">
+        <a:tint val="40000"/>
+        <a:alpha val="90000"/>
+      </a:schemeClr>
+      <a:schemeClr val="accent3">
+        <a:tint val="40000"/>
+        <a:alpha val="90000"/>
+      </a:schemeClr>
+      <a:schemeClr val="accent4">
+        <a:tint val="40000"/>
+        <a:alpha val="90000"/>
+      </a:schemeClr>
+      <a:schemeClr val="accent5">
+        <a:tint val="40000"/>
+        <a:alpha val="90000"/>
+      </a:schemeClr>
+      <a:schemeClr val="accent6">
+        <a:tint val="40000"/>
+        <a:alpha val="90000"/>
+      </a:schemeClr>
+    </dgm:fillClrLst>
+    <dgm:linClrLst meth="repeat">
+      <a:schemeClr val="accent2">
+        <a:tint val="40000"/>
+        <a:alpha val="90000"/>
+      </a:schemeClr>
+      <a:schemeClr val="accent3">
+        <a:tint val="40000"/>
+        <a:alpha val="90000"/>
+      </a:schemeClr>
+      <a:schemeClr val="accent4">
+        <a:tint val="40000"/>
+        <a:alpha val="90000"/>
+      </a:schemeClr>
+      <a:schemeClr val="accent5">
+        <a:tint val="40000"/>
+        <a:alpha val="90000"/>
+      </a:schemeClr>
+      <a:schemeClr val="accent6">
+        <a:tint val="40000"/>
+        <a:alpha val="90000"/>
+      </a:schemeClr>
+    </dgm:linClrLst>
+    <dgm:effectClrLst/>
+    <dgm:txLinClrLst/>
+    <dgm:txFillClrLst meth="repeat">
+      <a:schemeClr val="dk1"/>
+    </dgm:txFillClrLst>
+    <dgm:txEffectClrLst/>
+  </dgm:styleLbl>
+  <dgm:styleLbl name="bgAccFollowNode1">
+    <dgm:fillClrLst meth="repeat">
+      <a:schemeClr val="accent2">
+        <a:tint val="40000"/>
+        <a:alpha val="90000"/>
+      </a:schemeClr>
+      <a:schemeClr val="accent3">
+        <a:tint val="40000"/>
+        <a:alpha val="90000"/>
+      </a:schemeClr>
+      <a:schemeClr val="accent4">
+        <a:tint val="40000"/>
+        <a:alpha val="90000"/>
+      </a:schemeClr>
+      <a:schemeClr val="accent5">
+        <a:tint val="40000"/>
+        <a:alpha val="90000"/>
+      </a:schemeClr>
+      <a:schemeClr val="accent6">
+        <a:tint val="40000"/>
+        <a:alpha val="90000"/>
+      </a:schemeClr>
+    </dgm:fillClrLst>
+    <dgm:linClrLst meth="repeat">
+      <a:schemeClr val="accent2">
+        <a:tint val="40000"/>
+        <a:alpha val="90000"/>
+      </a:schemeClr>
+      <a:schemeClr val="accent3">
+        <a:tint val="40000"/>
+        <a:alpha val="90000"/>
+      </a:schemeClr>
+      <a:schemeClr val="accent4">
+        <a:tint val="40000"/>
+        <a:alpha val="90000"/>
+      </a:schemeClr>
+      <a:schemeClr val="accent5">
+        <a:tint val="40000"/>
+        <a:alpha val="90000"/>
+      </a:schemeClr>
+      <a:schemeClr val="accent6">
+        <a:tint val="40000"/>
+        <a:alpha val="90000"/>
+      </a:schemeClr>
+    </dgm:linClrLst>
+    <dgm:effectClrLst/>
+    <dgm:txLinClrLst/>
+    <dgm:txFillClrLst meth="repeat">
+      <a:schemeClr val="dk1"/>
+    </dgm:txFillClrLst>
+    <dgm:txEffectClrLst/>
+  </dgm:styleLbl>
+  <dgm:styleLbl name="fgAcc0">
+    <dgm:fillClrLst meth="repeat">
+      <a:schemeClr val="lt1">
+        <a:alpha val="90000"/>
+      </a:schemeClr>
+    </dgm:fillClrLst>
+    <dgm:linClrLst>
+      <a:schemeClr val="accent1"/>
+    </dgm:linClrLst>
+    <dgm:effectClrLst/>
+    <dgm:txLinClrLst/>
+    <dgm:txFillClrLst meth="repeat">
+      <a:schemeClr val="dk1"/>
+    </dgm:txFillClrLst>
+    <dgm:txEffectClrLst/>
+  </dgm:styleLbl>
+  <dgm:styleLbl name="fgAcc2">
+    <dgm:fillClrLst meth="repeat">
+      <a:schemeClr val="lt1">
+        <a:alpha val="90000"/>
+      </a:schemeClr>
+    </dgm:fillClrLst>
+    <dgm:linClrLst>
+      <a:schemeClr val="accent2"/>
+    </dgm:linClrLst>
+    <dgm:effectClrLst/>
+    <dgm:txLinClrLst/>
+    <dgm:txFillClrLst meth="repeat">
+      <a:schemeClr val="dk1"/>
+    </dgm:txFillClrLst>
+    <dgm:txEffectClrLst/>
+  </dgm:styleLbl>
+  <dgm:styleLbl name="fgAcc3">
+    <dgm:fillClrLst meth="repeat">
+      <a:schemeClr val="lt1">
+        <a:alpha val="90000"/>
+      </a:schemeClr>
+    </dgm:fillClrLst>
+    <dgm:linClrLst>
+      <a:schemeClr val="accent3"/>
+    </dgm:linClrLst>
+    <dgm:effectClrLst/>
+    <dgm:txLinClrLst/>
+    <dgm:txFillClrLst meth="repeat">
+      <a:schemeClr val="dk1"/>
+    </dgm:txFillClrLst>
+    <dgm:txEffectClrLst/>
+  </dgm:styleLbl>
+  <dgm:styleLbl name="fgAcc4">
+    <dgm:fillClrLst meth="repeat">
+      <a:schemeClr val="lt1">
+        <a:alpha val="90000"/>
+      </a:schemeClr>
+    </dgm:fillClrLst>
+    <dgm:linClrLst>
+      <a:schemeClr val="accent4"/>
+    </dgm:linClrLst>
+    <dgm:effectClrLst/>
+    <dgm:txLinClrLst/>
+    <dgm:txFillClrLst meth="repeat">
+      <a:schemeClr val="dk1"/>
+    </dgm:txFillClrLst>
+    <dgm:txEffectClrLst/>
+  </dgm:styleLbl>
+  <dgm:styleLbl name="bgShp">
+    <dgm:fillClrLst meth="repeat">
+      <a:schemeClr val="accent2">
+        <a:tint val="40000"/>
+      </a:schemeClr>
+    </dgm:fillClrLst>
+    <dgm:linClrLst meth="repeat">
+      <a:schemeClr val="dk1"/>
+    </dgm:linClrLst>
+    <dgm:effectClrLst/>
+    <dgm:txLinClrLst/>
+    <dgm:txFillClrLst meth="repeat">
+      <a:schemeClr val="dk1"/>
+    </dgm:txFillClrLst>
+    <dgm:txEffectClrLst/>
+  </dgm:styleLbl>
+  <dgm:styleLbl name="dkBgShp">
+    <dgm:fillClrLst meth="repeat">
+      <a:schemeClr val="accent2">
+        <a:shade val="90000"/>
+      </a:schemeClr>
+    </dgm:fillClrLst>
+    <dgm:linClrLst meth="repeat">
+      <a:schemeClr val="dk1"/>
+    </dgm:linClrLst>
+    <dgm:effectClrLst/>
+    <dgm:txLinClrLst/>
+    <dgm:txFillClrLst meth="repeat">
+      <a:schemeClr val="lt1"/>
+    </dgm:txFillClrLst>
+    <dgm:txEffectClrLst/>
+  </dgm:styleLbl>
+  <dgm:styleLbl name="trBgShp">
+    <dgm:fillClrLst meth="repeat">
+      <a:schemeClr val="accent1">
+        <a:tint val="50000"/>
+        <a:alpha val="40000"/>
+      </a:schemeClr>
+    </dgm:fillClrLst>
+    <dgm:linClrLst meth="repeat">
+      <a:schemeClr val="accent2"/>
+    </dgm:linClrLst>
+    <dgm:effectClrLst/>
+    <dgm:txLinClrLst/>
+    <dgm:txFillClrLst meth="repeat">
+      <a:schemeClr val="lt1"/>
+    </dgm:txFillClrLst>
+    <dgm:txEffectClrLst/>
+  </dgm:styleLbl>
+  <dgm:styleLbl name="fgShp">
+    <dgm:fillClrLst meth="repeat">
+      <a:schemeClr val="accent2">
+        <a:tint val="40000"/>
+      </a:schemeClr>
+    </dgm:fillClrLst>
+    <dgm:linClrLst meth="repeat">
+      <a:schemeClr val="lt1"/>
+    </dgm:linClrLst>
+    <dgm:effectClrLst/>
+    <dgm:txLinClrLst/>
+    <dgm:txFillClrLst meth="repeat">
+      <a:schemeClr val="dk1"/>
+    </dgm:txFillClrLst>
+    <dgm:txEffectClrLst/>
+  </dgm:styleLbl>
+  <dgm:styleLbl name="revTx">
+    <dgm:fillClrLst meth="repeat">
+      <a:schemeClr val="lt1">
+        <a:alpha val="0"/>
+      </a:schemeClr>
+    </dgm:fillClrLst>
+    <dgm:linClrLst meth="repeat">
+      <a:schemeClr val="dk1">
+        <a:alpha val="0"/>
+      </a:schemeClr>
+    </dgm:linClrLst>
+    <dgm:effectClrLst/>
+    <dgm:txLinClrLst/>
+    <dgm:txFillClrLst meth="repeat">
+      <a:schemeClr val="tx1"/>
+    </dgm:txFillClrLst>
+    <dgm:txEffectClrLst/>
+  </dgm:styleLbl>
+</dgm:colorsDef>
+</file>
+
+<file path=ppt/diagrams/colors2.xml><?xml version="1.0" encoding="utf-8"?>
 <dgm:colorsDef xmlns:dgm="http://schemas.openxmlformats.org/drawingml/2006/diagram" xmlns:a="http://schemas.openxmlformats.org/drawingml/2006/main" uniqueId="urn:microsoft.com/office/officeart/2005/8/colors/accent1_2">
   <dgm:title val=""/>
   <dgm:desc val=""/>
@@ -868,6 +1788,284 @@
 </file>
 
 <file path=ppt/diagrams/data1.xml><?xml version="1.0" encoding="utf-8"?>
+<dgm:dataModel xmlns:dgm="http://schemas.openxmlformats.org/drawingml/2006/diagram" xmlns:a="http://schemas.openxmlformats.org/drawingml/2006/main">
+  <dgm:ptLst>
+    <dgm:pt modelId="{18A5D090-1208-4A5A-B0DD-D8F9EBC3BBAA}" type="doc">
+      <dgm:prSet loTypeId="urn:microsoft.com/office/officeart/2016/7/layout/LinearBlockProcessNumbered" loCatId="process" qsTypeId="urn:microsoft.com/office/officeart/2005/8/quickstyle/simple4" qsCatId="simple" csTypeId="urn:microsoft.com/office/officeart/2005/8/colors/colorful1" csCatId="colorful"/>
+      <dgm:spPr/>
+      <dgm:t>
+        <a:bodyPr/>
+        <a:lstStyle/>
+        <a:p>
+          <a:endParaRPr lang="en-US"/>
+        </a:p>
+      </dgm:t>
+    </dgm:pt>
+    <dgm:pt modelId="{D93A1884-5EC4-4568-8272-82AC7C8EBFED}">
+      <dgm:prSet/>
+      <dgm:spPr/>
+      <dgm:t>
+        <a:bodyPr/>
+        <a:lstStyle/>
+        <a:p>
+          <a:r>
+            <a:rPr lang="fr-FR"/>
+            <a:t>Niveau 0; présentation et démonstration</a:t>
+          </a:r>
+          <a:endParaRPr lang="en-US"/>
+        </a:p>
+      </dgm:t>
+    </dgm:pt>
+    <dgm:pt modelId="{DC467C63-A4B1-4170-9201-5E01432B53DA}" type="parTrans" cxnId="{3BCC6DA6-79E6-490A-9BF0-D775F9C4E985}">
+      <dgm:prSet/>
+      <dgm:spPr/>
+      <dgm:t>
+        <a:bodyPr/>
+        <a:lstStyle/>
+        <a:p>
+          <a:endParaRPr lang="en-US"/>
+        </a:p>
+      </dgm:t>
+    </dgm:pt>
+    <dgm:pt modelId="{74A4E16F-D0C2-4A62-9BC0-72CC37E28B40}" type="sibTrans" cxnId="{3BCC6DA6-79E6-490A-9BF0-D775F9C4E985}">
+      <dgm:prSet phldrT="01" phldr="0"/>
+      <dgm:spPr/>
+      <dgm:t>
+        <a:bodyPr/>
+        <a:lstStyle/>
+        <a:p>
+          <a:r>
+            <a:rPr lang="en-US"/>
+            <a:t>01</a:t>
+          </a:r>
+        </a:p>
+      </dgm:t>
+    </dgm:pt>
+    <dgm:pt modelId="{76135EA1-CF43-4EA7-9B2F-AA1E59EE6A50}">
+      <dgm:prSet/>
+      <dgm:spPr/>
+      <dgm:t>
+        <a:bodyPr/>
+        <a:lstStyle/>
+        <a:p>
+          <a:r>
+            <a:rPr lang="fr-FR"/>
+            <a:t>Niveau 1; présentation et démonstration </a:t>
+          </a:r>
+          <a:endParaRPr lang="en-US"/>
+        </a:p>
+      </dgm:t>
+    </dgm:pt>
+    <dgm:pt modelId="{50A559E4-B4B8-4744-AC32-CC90989C1FA2}" type="parTrans" cxnId="{1EF02DAE-8B17-4DFC-8577-7382B5354C78}">
+      <dgm:prSet/>
+      <dgm:spPr/>
+      <dgm:t>
+        <a:bodyPr/>
+        <a:lstStyle/>
+        <a:p>
+          <a:endParaRPr lang="en-US"/>
+        </a:p>
+      </dgm:t>
+    </dgm:pt>
+    <dgm:pt modelId="{B3592C7D-020C-4A9A-A825-EFE623A9A7A0}" type="sibTrans" cxnId="{1EF02DAE-8B17-4DFC-8577-7382B5354C78}">
+      <dgm:prSet phldrT="02" phldr="0"/>
+      <dgm:spPr/>
+      <dgm:t>
+        <a:bodyPr/>
+        <a:lstStyle/>
+        <a:p>
+          <a:r>
+            <a:rPr lang="en-US"/>
+            <a:t>02</a:t>
+          </a:r>
+        </a:p>
+      </dgm:t>
+    </dgm:pt>
+    <dgm:pt modelId="{20FE9720-8AF5-49D8-A26D-AE0D32B9784F}">
+      <dgm:prSet/>
+      <dgm:spPr/>
+      <dgm:t>
+        <a:bodyPr/>
+        <a:lstStyle/>
+        <a:p>
+          <a:r>
+            <a:rPr lang="fr-FR"/>
+            <a:t>Niveau 2; présentation et démonstration </a:t>
+          </a:r>
+          <a:endParaRPr lang="en-US"/>
+        </a:p>
+      </dgm:t>
+    </dgm:pt>
+    <dgm:pt modelId="{5DB2581F-F7BF-41D1-BDEF-4CF891BA9D50}" type="parTrans" cxnId="{95DC45C3-E7B1-4273-B2A9-156660132BE3}">
+      <dgm:prSet/>
+      <dgm:spPr/>
+      <dgm:t>
+        <a:bodyPr/>
+        <a:lstStyle/>
+        <a:p>
+          <a:endParaRPr lang="en-US"/>
+        </a:p>
+      </dgm:t>
+    </dgm:pt>
+    <dgm:pt modelId="{09A675EB-981C-43DF-A474-37D83E60AAB9}" type="sibTrans" cxnId="{95DC45C3-E7B1-4273-B2A9-156660132BE3}">
+      <dgm:prSet phldrT="03" phldr="0"/>
+      <dgm:spPr/>
+      <dgm:t>
+        <a:bodyPr/>
+        <a:lstStyle/>
+        <a:p>
+          <a:r>
+            <a:rPr lang="en-US"/>
+            <a:t>03</a:t>
+          </a:r>
+        </a:p>
+      </dgm:t>
+    </dgm:pt>
+    <dgm:pt modelId="{91B1E859-ED6A-4E4E-8FF2-4DB35A43D711}" type="pres">
+      <dgm:prSet presAssocID="{18A5D090-1208-4A5A-B0DD-D8F9EBC3BBAA}" presName="Name0" presStyleCnt="0">
+        <dgm:presLayoutVars>
+          <dgm:animLvl val="lvl"/>
+          <dgm:resizeHandles val="exact"/>
+        </dgm:presLayoutVars>
+      </dgm:prSet>
+      <dgm:spPr/>
+    </dgm:pt>
+    <dgm:pt modelId="{A707A466-5032-FC47-A18B-A179E0A91004}" type="pres">
+      <dgm:prSet presAssocID="{D93A1884-5EC4-4568-8272-82AC7C8EBFED}" presName="compositeNode" presStyleCnt="0">
+        <dgm:presLayoutVars>
+          <dgm:bulletEnabled val="1"/>
+        </dgm:presLayoutVars>
+      </dgm:prSet>
+      <dgm:spPr/>
+    </dgm:pt>
+    <dgm:pt modelId="{362A8BD8-D2E9-2B4A-BD2C-F5A804CA48DA}" type="pres">
+      <dgm:prSet presAssocID="{D93A1884-5EC4-4568-8272-82AC7C8EBFED}" presName="bgRect" presStyleLbl="alignNode1" presStyleIdx="0" presStyleCnt="3"/>
+      <dgm:spPr/>
+    </dgm:pt>
+    <dgm:pt modelId="{782A22B8-083B-B545-B8A4-A00604A8FF38}" type="pres">
+      <dgm:prSet presAssocID="{74A4E16F-D0C2-4A62-9BC0-72CC37E28B40}" presName="sibTransNodeRect" presStyleLbl="alignNode1" presStyleIdx="0" presStyleCnt="3">
+        <dgm:presLayoutVars>
+          <dgm:chMax val="0"/>
+          <dgm:bulletEnabled val="1"/>
+        </dgm:presLayoutVars>
+      </dgm:prSet>
+      <dgm:spPr/>
+    </dgm:pt>
+    <dgm:pt modelId="{DEA31BE9-3185-4748-92F8-903DF1510B04}" type="pres">
+      <dgm:prSet presAssocID="{D93A1884-5EC4-4568-8272-82AC7C8EBFED}" presName="nodeRect" presStyleLbl="alignNode1" presStyleIdx="0" presStyleCnt="3">
+        <dgm:presLayoutVars>
+          <dgm:bulletEnabled val="1"/>
+        </dgm:presLayoutVars>
+      </dgm:prSet>
+      <dgm:spPr/>
+    </dgm:pt>
+    <dgm:pt modelId="{0993F9AF-3AA9-A849-B9A5-B7EC03B4D7B5}" type="pres">
+      <dgm:prSet presAssocID="{74A4E16F-D0C2-4A62-9BC0-72CC37E28B40}" presName="sibTrans" presStyleCnt="0"/>
+      <dgm:spPr/>
+    </dgm:pt>
+    <dgm:pt modelId="{6767C93F-6CD9-EA42-A061-175D2DCED719}" type="pres">
+      <dgm:prSet presAssocID="{76135EA1-CF43-4EA7-9B2F-AA1E59EE6A50}" presName="compositeNode" presStyleCnt="0">
+        <dgm:presLayoutVars>
+          <dgm:bulletEnabled val="1"/>
+        </dgm:presLayoutVars>
+      </dgm:prSet>
+      <dgm:spPr/>
+    </dgm:pt>
+    <dgm:pt modelId="{B56A911D-4F70-2043-9B39-5350BA3A381B}" type="pres">
+      <dgm:prSet presAssocID="{76135EA1-CF43-4EA7-9B2F-AA1E59EE6A50}" presName="bgRect" presStyleLbl="alignNode1" presStyleIdx="1" presStyleCnt="3"/>
+      <dgm:spPr/>
+    </dgm:pt>
+    <dgm:pt modelId="{80AAA251-CD54-2E41-8A72-8AE7C40A9E2B}" type="pres">
+      <dgm:prSet presAssocID="{B3592C7D-020C-4A9A-A825-EFE623A9A7A0}" presName="sibTransNodeRect" presStyleLbl="alignNode1" presStyleIdx="1" presStyleCnt="3">
+        <dgm:presLayoutVars>
+          <dgm:chMax val="0"/>
+          <dgm:bulletEnabled val="1"/>
+        </dgm:presLayoutVars>
+      </dgm:prSet>
+      <dgm:spPr/>
+    </dgm:pt>
+    <dgm:pt modelId="{C3F168AE-5D87-8A4B-9BE9-BC6D1BAF2AF4}" type="pres">
+      <dgm:prSet presAssocID="{76135EA1-CF43-4EA7-9B2F-AA1E59EE6A50}" presName="nodeRect" presStyleLbl="alignNode1" presStyleIdx="1" presStyleCnt="3">
+        <dgm:presLayoutVars>
+          <dgm:bulletEnabled val="1"/>
+        </dgm:presLayoutVars>
+      </dgm:prSet>
+      <dgm:spPr/>
+    </dgm:pt>
+    <dgm:pt modelId="{F1163637-86F1-DF48-87B6-F35D1829A7D2}" type="pres">
+      <dgm:prSet presAssocID="{B3592C7D-020C-4A9A-A825-EFE623A9A7A0}" presName="sibTrans" presStyleCnt="0"/>
+      <dgm:spPr/>
+    </dgm:pt>
+    <dgm:pt modelId="{9B0169C5-7751-754E-AA30-6001AEA00419}" type="pres">
+      <dgm:prSet presAssocID="{20FE9720-8AF5-49D8-A26D-AE0D32B9784F}" presName="compositeNode" presStyleCnt="0">
+        <dgm:presLayoutVars>
+          <dgm:bulletEnabled val="1"/>
+        </dgm:presLayoutVars>
+      </dgm:prSet>
+      <dgm:spPr/>
+    </dgm:pt>
+    <dgm:pt modelId="{D7D85B4D-EFD8-0B47-95BD-334183E97DE6}" type="pres">
+      <dgm:prSet presAssocID="{20FE9720-8AF5-49D8-A26D-AE0D32B9784F}" presName="bgRect" presStyleLbl="alignNode1" presStyleIdx="2" presStyleCnt="3"/>
+      <dgm:spPr/>
+    </dgm:pt>
+    <dgm:pt modelId="{50F28923-A48B-B54C-AB6F-2194D0E5B1FE}" type="pres">
+      <dgm:prSet presAssocID="{09A675EB-981C-43DF-A474-37D83E60AAB9}" presName="sibTransNodeRect" presStyleLbl="alignNode1" presStyleIdx="2" presStyleCnt="3">
+        <dgm:presLayoutVars>
+          <dgm:chMax val="0"/>
+          <dgm:bulletEnabled val="1"/>
+        </dgm:presLayoutVars>
+      </dgm:prSet>
+      <dgm:spPr/>
+    </dgm:pt>
+    <dgm:pt modelId="{16E6A7F6-1466-E445-AD64-D51BFBD7A969}" type="pres">
+      <dgm:prSet presAssocID="{20FE9720-8AF5-49D8-A26D-AE0D32B9784F}" presName="nodeRect" presStyleLbl="alignNode1" presStyleIdx="2" presStyleCnt="3">
+        <dgm:presLayoutVars>
+          <dgm:bulletEnabled val="1"/>
+        </dgm:presLayoutVars>
+      </dgm:prSet>
+      <dgm:spPr/>
+    </dgm:pt>
+  </dgm:ptLst>
+  <dgm:cxnLst>
+    <dgm:cxn modelId="{B99EE30F-5029-1943-9B76-587840F69777}" type="presOf" srcId="{09A675EB-981C-43DF-A474-37D83E60AAB9}" destId="{50F28923-A48B-B54C-AB6F-2194D0E5B1FE}" srcOrd="0" destOrd="0" presId="urn:microsoft.com/office/officeart/2016/7/layout/LinearBlockProcessNumbered"/>
+    <dgm:cxn modelId="{41BA2F2D-DBA1-3744-BBE8-2FE34C1A1FF6}" type="presOf" srcId="{76135EA1-CF43-4EA7-9B2F-AA1E59EE6A50}" destId="{B56A911D-4F70-2043-9B39-5350BA3A381B}" srcOrd="0" destOrd="0" presId="urn:microsoft.com/office/officeart/2016/7/layout/LinearBlockProcessNumbered"/>
+    <dgm:cxn modelId="{8E5E0D3C-1E46-A944-A1B0-1F0D2E8591C1}" type="presOf" srcId="{20FE9720-8AF5-49D8-A26D-AE0D32B9784F}" destId="{D7D85B4D-EFD8-0B47-95BD-334183E97DE6}" srcOrd="0" destOrd="0" presId="urn:microsoft.com/office/officeart/2016/7/layout/LinearBlockProcessNumbered"/>
+    <dgm:cxn modelId="{C6AC813C-64DD-2146-98E4-88C897EB67FA}" type="presOf" srcId="{76135EA1-CF43-4EA7-9B2F-AA1E59EE6A50}" destId="{C3F168AE-5D87-8A4B-9BE9-BC6D1BAF2AF4}" srcOrd="1" destOrd="0" presId="urn:microsoft.com/office/officeart/2016/7/layout/LinearBlockProcessNumbered"/>
+    <dgm:cxn modelId="{54EFD763-E031-A743-9CA0-EA35F9608731}" type="presOf" srcId="{18A5D090-1208-4A5A-B0DD-D8F9EBC3BBAA}" destId="{91B1E859-ED6A-4E4E-8FF2-4DB35A43D711}" srcOrd="0" destOrd="0" presId="urn:microsoft.com/office/officeart/2016/7/layout/LinearBlockProcessNumbered"/>
+    <dgm:cxn modelId="{4F68E792-4438-DD40-9455-9FEC3AED5439}" type="presOf" srcId="{B3592C7D-020C-4A9A-A825-EFE623A9A7A0}" destId="{80AAA251-CD54-2E41-8A72-8AE7C40A9E2B}" srcOrd="0" destOrd="0" presId="urn:microsoft.com/office/officeart/2016/7/layout/LinearBlockProcessNumbered"/>
+    <dgm:cxn modelId="{48E02D9E-4FE9-484B-BA88-B79831176629}" type="presOf" srcId="{D93A1884-5EC4-4568-8272-82AC7C8EBFED}" destId="{362A8BD8-D2E9-2B4A-BD2C-F5A804CA48DA}" srcOrd="0" destOrd="0" presId="urn:microsoft.com/office/officeart/2016/7/layout/LinearBlockProcessNumbered"/>
+    <dgm:cxn modelId="{04E8F0A0-38B5-464F-A1B8-0A02F7D3547B}" type="presOf" srcId="{74A4E16F-D0C2-4A62-9BC0-72CC37E28B40}" destId="{782A22B8-083B-B545-B8A4-A00604A8FF38}" srcOrd="0" destOrd="0" presId="urn:microsoft.com/office/officeart/2016/7/layout/LinearBlockProcessNumbered"/>
+    <dgm:cxn modelId="{3BCC6DA6-79E6-490A-9BF0-D775F9C4E985}" srcId="{18A5D090-1208-4A5A-B0DD-D8F9EBC3BBAA}" destId="{D93A1884-5EC4-4568-8272-82AC7C8EBFED}" srcOrd="0" destOrd="0" parTransId="{DC467C63-A4B1-4170-9201-5E01432B53DA}" sibTransId="{74A4E16F-D0C2-4A62-9BC0-72CC37E28B40}"/>
+    <dgm:cxn modelId="{1EF02DAE-8B17-4DFC-8577-7382B5354C78}" srcId="{18A5D090-1208-4A5A-B0DD-D8F9EBC3BBAA}" destId="{76135EA1-CF43-4EA7-9B2F-AA1E59EE6A50}" srcOrd="1" destOrd="0" parTransId="{50A559E4-B4B8-4744-AC32-CC90989C1FA2}" sibTransId="{B3592C7D-020C-4A9A-A825-EFE623A9A7A0}"/>
+    <dgm:cxn modelId="{95DC45C3-E7B1-4273-B2A9-156660132BE3}" srcId="{18A5D090-1208-4A5A-B0DD-D8F9EBC3BBAA}" destId="{20FE9720-8AF5-49D8-A26D-AE0D32B9784F}" srcOrd="2" destOrd="0" parTransId="{5DB2581F-F7BF-41D1-BDEF-4CF891BA9D50}" sibTransId="{09A675EB-981C-43DF-A474-37D83E60AAB9}"/>
+    <dgm:cxn modelId="{5C8BEBE9-483C-F44E-A1BD-42D187149A0E}" type="presOf" srcId="{20FE9720-8AF5-49D8-A26D-AE0D32B9784F}" destId="{16E6A7F6-1466-E445-AD64-D51BFBD7A969}" srcOrd="1" destOrd="0" presId="urn:microsoft.com/office/officeart/2016/7/layout/LinearBlockProcessNumbered"/>
+    <dgm:cxn modelId="{BE885FED-061D-CA46-9D18-01D70FC036E5}" type="presOf" srcId="{D93A1884-5EC4-4568-8272-82AC7C8EBFED}" destId="{DEA31BE9-3185-4748-92F8-903DF1510B04}" srcOrd="1" destOrd="0" presId="urn:microsoft.com/office/officeart/2016/7/layout/LinearBlockProcessNumbered"/>
+    <dgm:cxn modelId="{21C434D6-16E8-D542-B6E2-78A483EE3B4E}" type="presParOf" srcId="{91B1E859-ED6A-4E4E-8FF2-4DB35A43D711}" destId="{A707A466-5032-FC47-A18B-A179E0A91004}" srcOrd="0" destOrd="0" presId="urn:microsoft.com/office/officeart/2016/7/layout/LinearBlockProcessNumbered"/>
+    <dgm:cxn modelId="{9BCAA3EB-7098-134D-B0A2-8975306EF35B}" type="presParOf" srcId="{A707A466-5032-FC47-A18B-A179E0A91004}" destId="{362A8BD8-D2E9-2B4A-BD2C-F5A804CA48DA}" srcOrd="0" destOrd="0" presId="urn:microsoft.com/office/officeart/2016/7/layout/LinearBlockProcessNumbered"/>
+    <dgm:cxn modelId="{5DC97C34-FB20-7F44-B4B5-DF51680527B9}" type="presParOf" srcId="{A707A466-5032-FC47-A18B-A179E0A91004}" destId="{782A22B8-083B-B545-B8A4-A00604A8FF38}" srcOrd="1" destOrd="0" presId="urn:microsoft.com/office/officeart/2016/7/layout/LinearBlockProcessNumbered"/>
+    <dgm:cxn modelId="{88339155-1A9C-854F-BBE8-8412429C9F12}" type="presParOf" srcId="{A707A466-5032-FC47-A18B-A179E0A91004}" destId="{DEA31BE9-3185-4748-92F8-903DF1510B04}" srcOrd="2" destOrd="0" presId="urn:microsoft.com/office/officeart/2016/7/layout/LinearBlockProcessNumbered"/>
+    <dgm:cxn modelId="{4CC91CB7-005D-8E4A-B03A-8A3D064B141D}" type="presParOf" srcId="{91B1E859-ED6A-4E4E-8FF2-4DB35A43D711}" destId="{0993F9AF-3AA9-A849-B9A5-B7EC03B4D7B5}" srcOrd="1" destOrd="0" presId="urn:microsoft.com/office/officeart/2016/7/layout/LinearBlockProcessNumbered"/>
+    <dgm:cxn modelId="{FC5BEAEC-D7F3-A64A-BC35-875ACC736F8D}" type="presParOf" srcId="{91B1E859-ED6A-4E4E-8FF2-4DB35A43D711}" destId="{6767C93F-6CD9-EA42-A061-175D2DCED719}" srcOrd="2" destOrd="0" presId="urn:microsoft.com/office/officeart/2016/7/layout/LinearBlockProcessNumbered"/>
+    <dgm:cxn modelId="{991CAE18-1DCF-5542-9E2D-33D6A0A573D0}" type="presParOf" srcId="{6767C93F-6CD9-EA42-A061-175D2DCED719}" destId="{B56A911D-4F70-2043-9B39-5350BA3A381B}" srcOrd="0" destOrd="0" presId="urn:microsoft.com/office/officeart/2016/7/layout/LinearBlockProcessNumbered"/>
+    <dgm:cxn modelId="{F3867B5C-1A0A-BE4F-B2D9-E048950F3277}" type="presParOf" srcId="{6767C93F-6CD9-EA42-A061-175D2DCED719}" destId="{80AAA251-CD54-2E41-8A72-8AE7C40A9E2B}" srcOrd="1" destOrd="0" presId="urn:microsoft.com/office/officeart/2016/7/layout/LinearBlockProcessNumbered"/>
+    <dgm:cxn modelId="{1E33FBDC-4F26-E74B-B14F-57D6A4B10F1A}" type="presParOf" srcId="{6767C93F-6CD9-EA42-A061-175D2DCED719}" destId="{C3F168AE-5D87-8A4B-9BE9-BC6D1BAF2AF4}" srcOrd="2" destOrd="0" presId="urn:microsoft.com/office/officeart/2016/7/layout/LinearBlockProcessNumbered"/>
+    <dgm:cxn modelId="{B22B93F1-6370-8545-9B12-0CCA233C22D6}" type="presParOf" srcId="{91B1E859-ED6A-4E4E-8FF2-4DB35A43D711}" destId="{F1163637-86F1-DF48-87B6-F35D1829A7D2}" srcOrd="3" destOrd="0" presId="urn:microsoft.com/office/officeart/2016/7/layout/LinearBlockProcessNumbered"/>
+    <dgm:cxn modelId="{7443E573-14FA-2D4D-8D30-02B25180EC4D}" type="presParOf" srcId="{91B1E859-ED6A-4E4E-8FF2-4DB35A43D711}" destId="{9B0169C5-7751-754E-AA30-6001AEA00419}" srcOrd="4" destOrd="0" presId="urn:microsoft.com/office/officeart/2016/7/layout/LinearBlockProcessNumbered"/>
+    <dgm:cxn modelId="{2556BC46-A372-BD44-B668-89C281ADE54B}" type="presParOf" srcId="{9B0169C5-7751-754E-AA30-6001AEA00419}" destId="{D7D85B4D-EFD8-0B47-95BD-334183E97DE6}" srcOrd="0" destOrd="0" presId="urn:microsoft.com/office/officeart/2016/7/layout/LinearBlockProcessNumbered"/>
+    <dgm:cxn modelId="{F53EB57B-3B2D-E141-A6FA-34C93427F072}" type="presParOf" srcId="{9B0169C5-7751-754E-AA30-6001AEA00419}" destId="{50F28923-A48B-B54C-AB6F-2194D0E5B1FE}" srcOrd="1" destOrd="0" presId="urn:microsoft.com/office/officeart/2016/7/layout/LinearBlockProcessNumbered"/>
+    <dgm:cxn modelId="{1AE021E4-FC41-9C41-9A38-F569438A80E0}" type="presParOf" srcId="{9B0169C5-7751-754E-AA30-6001AEA00419}" destId="{16E6A7F6-1466-E445-AD64-D51BFBD7A969}" srcOrd="2" destOrd="0" presId="urn:microsoft.com/office/officeart/2016/7/layout/LinearBlockProcessNumbered"/>
+  </dgm:cxnLst>
+  <dgm:bg/>
+  <dgm:whole/>
+  <dgm:extLst>
+    <a:ext uri="http://schemas.microsoft.com/office/drawing/2008/diagram">
+      <dsp:dataModelExt xmlns:dsp="http://schemas.microsoft.com/office/drawing/2008/diagram" relId="rId6" minVer="http://schemas.openxmlformats.org/drawingml/2006/diagram"/>
+    </a:ext>
+  </dgm:extLst>
+</dgm:dataModel>
+</file>
+
+<file path=ppt/diagrams/data2.xml><?xml version="1.0" encoding="utf-8"?>
 <dgm:dataModel xmlns:dgm="http://schemas.openxmlformats.org/drawingml/2006/diagram" xmlns:a="http://schemas.openxmlformats.org/drawingml/2006/main">
   <dgm:ptLst>
     <dgm:pt modelId="{D17CB667-4FD0-C640-B058-CBCA5A0F9623}" type="doc">
@@ -1060,6 +2258,489 @@
 </file>
 
 <file path=ppt/diagrams/drawing1.xml><?xml version="1.0" encoding="utf-8"?>
+<dsp:drawing xmlns:dgm="http://schemas.openxmlformats.org/drawingml/2006/diagram" xmlns:dsp="http://schemas.microsoft.com/office/drawing/2008/diagram" xmlns:a="http://schemas.openxmlformats.org/drawingml/2006/main">
+  <dsp:spTree>
+    <dsp:nvGrpSpPr>
+      <dsp:cNvPr id="0" name=""/>
+      <dsp:cNvGrpSpPr/>
+    </dsp:nvGrpSpPr>
+    <dsp:grpSpPr/>
+    <dsp:sp modelId="{362A8BD8-D2E9-2B4A-BD2C-F5A804CA48DA}">
+      <dsp:nvSpPr>
+        <dsp:cNvPr id="0" name=""/>
+        <dsp:cNvSpPr/>
+      </dsp:nvSpPr>
+      <dsp:spPr>
+        <a:xfrm>
+          <a:off x="824" y="0"/>
+          <a:ext cx="3339256" cy="3364741"/>
+        </a:xfrm>
+        <a:prstGeom prst="rect">
+          <a:avLst/>
+        </a:prstGeom>
+        <a:blipFill rotWithShape="1">
+          <a:blip xmlns:r="http://schemas.openxmlformats.org/officeDocument/2006/relationships" r:embed="rId1">
+            <a:duotone>
+              <a:schemeClr val="accent2">
+                <a:hueOff val="0"/>
+                <a:satOff val="0"/>
+                <a:lumOff val="0"/>
+                <a:alphaOff val="0"/>
+                <a:tint val="98000"/>
+                <a:lumMod val="102000"/>
+              </a:schemeClr>
+              <a:schemeClr val="accent2">
+                <a:hueOff val="0"/>
+                <a:satOff val="0"/>
+                <a:lumOff val="0"/>
+                <a:alphaOff val="0"/>
+                <a:shade val="98000"/>
+                <a:lumMod val="98000"/>
+              </a:schemeClr>
+            </a:duotone>
+          </a:blip>
+          <a:tile tx="0" ty="0" sx="100000" sy="100000" flip="none" algn="tl"/>
+        </a:blipFill>
+        <a:ln w="9525" cap="rnd" cmpd="sng" algn="ctr">
+          <a:solidFill>
+            <a:schemeClr val="accent2">
+              <a:hueOff val="0"/>
+              <a:satOff val="0"/>
+              <a:lumOff val="0"/>
+              <a:alphaOff val="0"/>
+            </a:schemeClr>
+          </a:solidFill>
+          <a:prstDash val="solid"/>
+        </a:ln>
+        <a:effectLst/>
+      </dsp:spPr>
+      <dsp:style>
+        <a:lnRef idx="1">
+          <a:scrgbClr r="0" g="0" b="0"/>
+        </a:lnRef>
+        <a:fillRef idx="3">
+          <a:scrgbClr r="0" g="0" b="0"/>
+        </a:fillRef>
+        <a:effectRef idx="2">
+          <a:scrgbClr r="0" g="0" b="0"/>
+        </a:effectRef>
+        <a:fontRef idx="minor">
+          <a:schemeClr val="lt1"/>
+        </a:fontRef>
+      </dsp:style>
+      <dsp:txBody>
+        <a:bodyPr spcFirstLastPara="0" vert="horz" wrap="square" lIns="329844" tIns="0" rIns="329844" bIns="330200" numCol="1" spcCol="1270" anchor="t" anchorCtr="0">
+          <a:noAutofit/>
+        </a:bodyPr>
+        <a:lstStyle/>
+        <a:p>
+          <a:pPr marL="0" lvl="0" indent="0" algn="l" defTabSz="1155700">
+            <a:lnSpc>
+              <a:spcPct val="90000"/>
+            </a:lnSpc>
+            <a:spcBef>
+              <a:spcPct val="0"/>
+            </a:spcBef>
+            <a:spcAft>
+              <a:spcPct val="35000"/>
+            </a:spcAft>
+            <a:buNone/>
+          </a:pPr>
+          <a:r>
+            <a:rPr lang="fr-FR" sz="2600" kern="1200"/>
+            <a:t>Niveau 0; présentation et démonstration</a:t>
+          </a:r>
+          <a:endParaRPr lang="en-US" sz="2600" kern="1200"/>
+        </a:p>
+      </dsp:txBody>
+      <dsp:txXfrm>
+        <a:off x="824" y="1345896"/>
+        <a:ext cx="3339256" cy="2018844"/>
+      </dsp:txXfrm>
+    </dsp:sp>
+    <dsp:sp modelId="{782A22B8-083B-B545-B8A4-A00604A8FF38}">
+      <dsp:nvSpPr>
+        <dsp:cNvPr id="0" name=""/>
+        <dsp:cNvSpPr/>
+      </dsp:nvSpPr>
+      <dsp:spPr>
+        <a:xfrm>
+          <a:off x="824" y="0"/>
+          <a:ext cx="3339256" cy="1345896"/>
+        </a:xfrm>
+        <a:prstGeom prst="rect">
+          <a:avLst/>
+        </a:prstGeom>
+        <a:noFill/>
+        <a:ln w="9525" cap="rnd" cmpd="sng" algn="ctr">
+          <a:noFill/>
+          <a:prstDash val="solid"/>
+        </a:ln>
+        <a:effectLst/>
+        <a:sp3d/>
+      </dsp:spPr>
+      <dsp:style>
+        <a:lnRef idx="1">
+          <a:scrgbClr r="0" g="0" b="0"/>
+        </a:lnRef>
+        <a:fillRef idx="3">
+          <a:scrgbClr r="0" g="0" b="0"/>
+        </a:fillRef>
+        <a:effectRef idx="2">
+          <a:scrgbClr r="0" g="0" b="0"/>
+        </a:effectRef>
+        <a:fontRef idx="minor">
+          <a:schemeClr val="lt1"/>
+        </a:fontRef>
+      </dsp:style>
+      <dsp:txBody>
+        <a:bodyPr spcFirstLastPara="0" vert="horz" wrap="square" lIns="329844" tIns="165100" rIns="329844" bIns="165100" numCol="1" spcCol="1270" anchor="ctr" anchorCtr="0">
+          <a:noAutofit/>
+        </a:bodyPr>
+        <a:lstStyle/>
+        <a:p>
+          <a:pPr marL="0" lvl="0" indent="0" algn="l" defTabSz="2933700">
+            <a:lnSpc>
+              <a:spcPct val="90000"/>
+            </a:lnSpc>
+            <a:spcBef>
+              <a:spcPct val="0"/>
+            </a:spcBef>
+            <a:spcAft>
+              <a:spcPct val="35000"/>
+            </a:spcAft>
+            <a:buNone/>
+          </a:pPr>
+          <a:r>
+            <a:rPr lang="en-US" sz="6600" kern="1200"/>
+            <a:t>01</a:t>
+          </a:r>
+        </a:p>
+      </dsp:txBody>
+      <dsp:txXfrm>
+        <a:off x="824" y="0"/>
+        <a:ext cx="3339256" cy="1345896"/>
+      </dsp:txXfrm>
+    </dsp:sp>
+    <dsp:sp modelId="{B56A911D-4F70-2043-9B39-5350BA3A381B}">
+      <dsp:nvSpPr>
+        <dsp:cNvPr id="0" name=""/>
+        <dsp:cNvSpPr/>
+      </dsp:nvSpPr>
+      <dsp:spPr>
+        <a:xfrm>
+          <a:off x="3607221" y="0"/>
+          <a:ext cx="3339256" cy="3364741"/>
+        </a:xfrm>
+        <a:prstGeom prst="rect">
+          <a:avLst/>
+        </a:prstGeom>
+        <a:blipFill rotWithShape="1">
+          <a:blip xmlns:r="http://schemas.openxmlformats.org/officeDocument/2006/relationships" r:embed="rId1">
+            <a:duotone>
+              <a:schemeClr val="accent3">
+                <a:hueOff val="0"/>
+                <a:satOff val="0"/>
+                <a:lumOff val="0"/>
+                <a:alphaOff val="0"/>
+                <a:tint val="98000"/>
+                <a:lumMod val="102000"/>
+              </a:schemeClr>
+              <a:schemeClr val="accent3">
+                <a:hueOff val="0"/>
+                <a:satOff val="0"/>
+                <a:lumOff val="0"/>
+                <a:alphaOff val="0"/>
+                <a:shade val="98000"/>
+                <a:lumMod val="98000"/>
+              </a:schemeClr>
+            </a:duotone>
+          </a:blip>
+          <a:tile tx="0" ty="0" sx="100000" sy="100000" flip="none" algn="tl"/>
+        </a:blipFill>
+        <a:ln w="9525" cap="rnd" cmpd="sng" algn="ctr">
+          <a:solidFill>
+            <a:schemeClr val="accent3">
+              <a:hueOff val="0"/>
+              <a:satOff val="0"/>
+              <a:lumOff val="0"/>
+              <a:alphaOff val="0"/>
+            </a:schemeClr>
+          </a:solidFill>
+          <a:prstDash val="solid"/>
+        </a:ln>
+        <a:effectLst/>
+      </dsp:spPr>
+      <dsp:style>
+        <a:lnRef idx="1">
+          <a:scrgbClr r="0" g="0" b="0"/>
+        </a:lnRef>
+        <a:fillRef idx="3">
+          <a:scrgbClr r="0" g="0" b="0"/>
+        </a:fillRef>
+        <a:effectRef idx="2">
+          <a:scrgbClr r="0" g="0" b="0"/>
+        </a:effectRef>
+        <a:fontRef idx="minor">
+          <a:schemeClr val="lt1"/>
+        </a:fontRef>
+      </dsp:style>
+      <dsp:txBody>
+        <a:bodyPr spcFirstLastPara="0" vert="horz" wrap="square" lIns="329844" tIns="0" rIns="329844" bIns="330200" numCol="1" spcCol="1270" anchor="t" anchorCtr="0">
+          <a:noAutofit/>
+        </a:bodyPr>
+        <a:lstStyle/>
+        <a:p>
+          <a:pPr marL="0" lvl="0" indent="0" algn="l" defTabSz="1155700">
+            <a:lnSpc>
+              <a:spcPct val="90000"/>
+            </a:lnSpc>
+            <a:spcBef>
+              <a:spcPct val="0"/>
+            </a:spcBef>
+            <a:spcAft>
+              <a:spcPct val="35000"/>
+            </a:spcAft>
+            <a:buNone/>
+          </a:pPr>
+          <a:r>
+            <a:rPr lang="fr-FR" sz="2600" kern="1200"/>
+            <a:t>Niveau 1; présentation et démonstration </a:t>
+          </a:r>
+          <a:endParaRPr lang="en-US" sz="2600" kern="1200"/>
+        </a:p>
+      </dsp:txBody>
+      <dsp:txXfrm>
+        <a:off x="3607221" y="1345896"/>
+        <a:ext cx="3339256" cy="2018844"/>
+      </dsp:txXfrm>
+    </dsp:sp>
+    <dsp:sp modelId="{80AAA251-CD54-2E41-8A72-8AE7C40A9E2B}">
+      <dsp:nvSpPr>
+        <dsp:cNvPr id="0" name=""/>
+        <dsp:cNvSpPr/>
+      </dsp:nvSpPr>
+      <dsp:spPr>
+        <a:xfrm>
+          <a:off x="3607221" y="0"/>
+          <a:ext cx="3339256" cy="1345896"/>
+        </a:xfrm>
+        <a:prstGeom prst="rect">
+          <a:avLst/>
+        </a:prstGeom>
+        <a:noFill/>
+        <a:ln w="9525" cap="rnd" cmpd="sng" algn="ctr">
+          <a:noFill/>
+          <a:prstDash val="solid"/>
+        </a:ln>
+        <a:effectLst/>
+        <a:sp3d/>
+      </dsp:spPr>
+      <dsp:style>
+        <a:lnRef idx="1">
+          <a:scrgbClr r="0" g="0" b="0"/>
+        </a:lnRef>
+        <a:fillRef idx="3">
+          <a:scrgbClr r="0" g="0" b="0"/>
+        </a:fillRef>
+        <a:effectRef idx="2">
+          <a:scrgbClr r="0" g="0" b="0"/>
+        </a:effectRef>
+        <a:fontRef idx="minor">
+          <a:schemeClr val="lt1"/>
+        </a:fontRef>
+      </dsp:style>
+      <dsp:txBody>
+        <a:bodyPr spcFirstLastPara="0" vert="horz" wrap="square" lIns="329844" tIns="165100" rIns="329844" bIns="165100" numCol="1" spcCol="1270" anchor="ctr" anchorCtr="0">
+          <a:noAutofit/>
+        </a:bodyPr>
+        <a:lstStyle/>
+        <a:p>
+          <a:pPr marL="0" lvl="0" indent="0" algn="l" defTabSz="2933700">
+            <a:lnSpc>
+              <a:spcPct val="90000"/>
+            </a:lnSpc>
+            <a:spcBef>
+              <a:spcPct val="0"/>
+            </a:spcBef>
+            <a:spcAft>
+              <a:spcPct val="35000"/>
+            </a:spcAft>
+            <a:buNone/>
+          </a:pPr>
+          <a:r>
+            <a:rPr lang="en-US" sz="6600" kern="1200"/>
+            <a:t>02</a:t>
+          </a:r>
+        </a:p>
+      </dsp:txBody>
+      <dsp:txXfrm>
+        <a:off x="3607221" y="0"/>
+        <a:ext cx="3339256" cy="1345896"/>
+      </dsp:txXfrm>
+    </dsp:sp>
+    <dsp:sp modelId="{D7D85B4D-EFD8-0B47-95BD-334183E97DE6}">
+      <dsp:nvSpPr>
+        <dsp:cNvPr id="0" name=""/>
+        <dsp:cNvSpPr/>
+      </dsp:nvSpPr>
+      <dsp:spPr>
+        <a:xfrm>
+          <a:off x="7213618" y="0"/>
+          <a:ext cx="3339256" cy="3364741"/>
+        </a:xfrm>
+        <a:prstGeom prst="rect">
+          <a:avLst/>
+        </a:prstGeom>
+        <a:blipFill rotWithShape="1">
+          <a:blip xmlns:r="http://schemas.openxmlformats.org/officeDocument/2006/relationships" r:embed="rId1">
+            <a:duotone>
+              <a:schemeClr val="accent4">
+                <a:hueOff val="0"/>
+                <a:satOff val="0"/>
+                <a:lumOff val="0"/>
+                <a:alphaOff val="0"/>
+                <a:tint val="98000"/>
+                <a:lumMod val="102000"/>
+              </a:schemeClr>
+              <a:schemeClr val="accent4">
+                <a:hueOff val="0"/>
+                <a:satOff val="0"/>
+                <a:lumOff val="0"/>
+                <a:alphaOff val="0"/>
+                <a:shade val="98000"/>
+                <a:lumMod val="98000"/>
+              </a:schemeClr>
+            </a:duotone>
+          </a:blip>
+          <a:tile tx="0" ty="0" sx="100000" sy="100000" flip="none" algn="tl"/>
+        </a:blipFill>
+        <a:ln w="9525" cap="rnd" cmpd="sng" algn="ctr">
+          <a:solidFill>
+            <a:schemeClr val="accent4">
+              <a:hueOff val="0"/>
+              <a:satOff val="0"/>
+              <a:lumOff val="0"/>
+              <a:alphaOff val="0"/>
+            </a:schemeClr>
+          </a:solidFill>
+          <a:prstDash val="solid"/>
+        </a:ln>
+        <a:effectLst/>
+      </dsp:spPr>
+      <dsp:style>
+        <a:lnRef idx="1">
+          <a:scrgbClr r="0" g="0" b="0"/>
+        </a:lnRef>
+        <a:fillRef idx="3">
+          <a:scrgbClr r="0" g="0" b="0"/>
+        </a:fillRef>
+        <a:effectRef idx="2">
+          <a:scrgbClr r="0" g="0" b="0"/>
+        </a:effectRef>
+        <a:fontRef idx="minor">
+          <a:schemeClr val="lt1"/>
+        </a:fontRef>
+      </dsp:style>
+      <dsp:txBody>
+        <a:bodyPr spcFirstLastPara="0" vert="horz" wrap="square" lIns="329844" tIns="0" rIns="329844" bIns="330200" numCol="1" spcCol="1270" anchor="t" anchorCtr="0">
+          <a:noAutofit/>
+        </a:bodyPr>
+        <a:lstStyle/>
+        <a:p>
+          <a:pPr marL="0" lvl="0" indent="0" algn="l" defTabSz="1155700">
+            <a:lnSpc>
+              <a:spcPct val="90000"/>
+            </a:lnSpc>
+            <a:spcBef>
+              <a:spcPct val="0"/>
+            </a:spcBef>
+            <a:spcAft>
+              <a:spcPct val="35000"/>
+            </a:spcAft>
+            <a:buNone/>
+          </a:pPr>
+          <a:r>
+            <a:rPr lang="fr-FR" sz="2600" kern="1200"/>
+            <a:t>Niveau 2; présentation et démonstration </a:t>
+          </a:r>
+          <a:endParaRPr lang="en-US" sz="2600" kern="1200"/>
+        </a:p>
+      </dsp:txBody>
+      <dsp:txXfrm>
+        <a:off x="7213618" y="1345896"/>
+        <a:ext cx="3339256" cy="2018844"/>
+      </dsp:txXfrm>
+    </dsp:sp>
+    <dsp:sp modelId="{50F28923-A48B-B54C-AB6F-2194D0E5B1FE}">
+      <dsp:nvSpPr>
+        <dsp:cNvPr id="0" name=""/>
+        <dsp:cNvSpPr/>
+      </dsp:nvSpPr>
+      <dsp:spPr>
+        <a:xfrm>
+          <a:off x="7213618" y="0"/>
+          <a:ext cx="3339256" cy="1345896"/>
+        </a:xfrm>
+        <a:prstGeom prst="rect">
+          <a:avLst/>
+        </a:prstGeom>
+        <a:noFill/>
+        <a:ln w="9525" cap="rnd" cmpd="sng" algn="ctr">
+          <a:noFill/>
+          <a:prstDash val="solid"/>
+        </a:ln>
+        <a:effectLst/>
+        <a:sp3d/>
+      </dsp:spPr>
+      <dsp:style>
+        <a:lnRef idx="1">
+          <a:scrgbClr r="0" g="0" b="0"/>
+        </a:lnRef>
+        <a:fillRef idx="3">
+          <a:scrgbClr r="0" g="0" b="0"/>
+        </a:fillRef>
+        <a:effectRef idx="2">
+          <a:scrgbClr r="0" g="0" b="0"/>
+        </a:effectRef>
+        <a:fontRef idx="minor">
+          <a:schemeClr val="lt1"/>
+        </a:fontRef>
+      </dsp:style>
+      <dsp:txBody>
+        <a:bodyPr spcFirstLastPara="0" vert="horz" wrap="square" lIns="329844" tIns="165100" rIns="329844" bIns="165100" numCol="1" spcCol="1270" anchor="ctr" anchorCtr="0">
+          <a:noAutofit/>
+        </a:bodyPr>
+        <a:lstStyle/>
+        <a:p>
+          <a:pPr marL="0" lvl="0" indent="0" algn="l" defTabSz="2933700">
+            <a:lnSpc>
+              <a:spcPct val="90000"/>
+            </a:lnSpc>
+            <a:spcBef>
+              <a:spcPct val="0"/>
+            </a:spcBef>
+            <a:spcAft>
+              <a:spcPct val="35000"/>
+            </a:spcAft>
+            <a:buNone/>
+          </a:pPr>
+          <a:r>
+            <a:rPr lang="en-US" sz="6600" kern="1200"/>
+            <a:t>03</a:t>
+          </a:r>
+        </a:p>
+      </dsp:txBody>
+      <dsp:txXfrm>
+        <a:off x="7213618" y="0"/>
+        <a:ext cx="3339256" cy="1345896"/>
+      </dsp:txXfrm>
+    </dsp:sp>
+  </dsp:spTree>
+</dsp:drawing>
+</file>
+
+<file path=ppt/diagrams/drawing2.xml><?xml version="1.0" encoding="utf-8"?>
 <dsp:drawing xmlns:dgm="http://schemas.openxmlformats.org/drawingml/2006/diagram" xmlns:dsp="http://schemas.microsoft.com/office/drawing/2008/diagram" xmlns:a="http://schemas.openxmlformats.org/drawingml/2006/main">
   <dsp:spTree>
     <dsp:nvGrpSpPr>
@@ -1409,6 +3090,272 @@
 </file>
 
 <file path=ppt/diagrams/layout1.xml><?xml version="1.0" encoding="utf-8"?>
+<dgm:layoutDef xmlns:dgm="http://schemas.openxmlformats.org/drawingml/2006/diagram" xmlns:a="http://schemas.openxmlformats.org/drawingml/2006/main" uniqueId="urn:microsoft.com/office/officeart/2016/7/layout/LinearBlockProcessNumbered">
+  <dgm:title val="Linear Block Process Numbered"/>
+  <dgm:desc val="Used to show a progression; a timeline; sequential steps in a task, process, or workflow; or to emphasize movement or direction. Automatic numbers have been introduced to show the steps of the process. Level 1 text and Level 2 text both appears in a rectangle."/>
+  <dgm:catLst>
+    <dgm:cat type="process" pri="500"/>
+  </dgm:catLst>
+  <dgm:sampData>
+    <dgm:dataModel>
+      <dgm:ptLst>
+        <dgm:pt modelId="0" type="doc"/>
+        <dgm:pt modelId="1">
+          <dgm:prSet phldr="1"/>
+        </dgm:pt>
+        <dgm:pt modelId="11">
+          <dgm:prSet phldr="1"/>
+        </dgm:pt>
+        <dgm:pt modelId="2">
+          <dgm:prSet phldr="1"/>
+        </dgm:pt>
+        <dgm:pt modelId="21">
+          <dgm:prSet phldr="1"/>
+        </dgm:pt>
+        <dgm:pt modelId="3">
+          <dgm:prSet phldr="1"/>
+        </dgm:pt>
+        <dgm:pt modelId="31">
+          <dgm:prSet phldr="1"/>
+        </dgm:pt>
+        <dgm:pt modelId="101" type="sibTrans" cxnId="4">
+          <dgm:prSet phldrT="1"/>
+          <dgm:t>
+            <a:bodyPr/>
+            <a:lstStyle/>
+            <a:p>
+              <a:r>
+                <a:t>01</a:t>
+              </a:r>
+            </a:p>
+          </dgm:t>
+        </dgm:pt>
+        <dgm:pt modelId="201" type="sibTrans" cxnId="5">
+          <dgm:prSet phldrT="2"/>
+          <dgm:t>
+            <a:bodyPr/>
+            <a:lstStyle/>
+            <a:p>
+              <a:r>
+                <a:t>02</a:t>
+              </a:r>
+            </a:p>
+          </dgm:t>
+        </dgm:pt>
+        <dgm:pt modelId="301" type="sibTrans" cxnId="6">
+          <dgm:prSet phldrT="3"/>
+          <dgm:t>
+            <a:bodyPr/>
+            <a:lstStyle/>
+            <a:p>
+              <a:r>
+                <a:t>03</a:t>
+              </a:r>
+            </a:p>
+          </dgm:t>
+        </dgm:pt>
+      </dgm:ptLst>
+      <dgm:cxnLst>
+        <dgm:cxn modelId="4" srcId="0" destId="1" srcOrd="0" destOrd="0" sibTransId="101"/>
+        <dgm:cxn modelId="5" srcId="0" destId="2" srcOrd="1" destOrd="0" sibTransId="201"/>
+        <dgm:cxn modelId="6" srcId="0" destId="3" srcOrd="2" destOrd="0" sibTransId="301"/>
+        <dgm:cxn modelId="13" srcId="1" destId="11" srcOrd="0" destOrd="0"/>
+        <dgm:cxn modelId="23" srcId="2" destId="21" srcOrd="0" destOrd="0"/>
+        <dgm:cxn modelId="33" srcId="3" destId="31" srcOrd="0" destOrd="0"/>
+      </dgm:cxnLst>
+      <dgm:bg/>
+      <dgm:whole/>
+    </dgm:dataModel>
+  </dgm:sampData>
+  <dgm:styleData>
+    <dgm:dataModel>
+      <dgm:ptLst>
+        <dgm:pt modelId="0" type="doc"/>
+        <dgm:pt modelId="1"/>
+        <dgm:pt modelId="11"/>
+        <dgm:pt modelId="2"/>
+        <dgm:pt modelId="21"/>
+      </dgm:ptLst>
+      <dgm:cxnLst>
+        <dgm:cxn modelId="4" srcId="0" destId="1" srcOrd="0" destOrd="0"/>
+        <dgm:cxn modelId="5" srcId="0" destId="2" srcOrd="1" destOrd="0"/>
+        <dgm:cxn modelId="13" srcId="1" destId="11" srcOrd="0" destOrd="0"/>
+        <dgm:cxn modelId="23" srcId="2" destId="21" srcOrd="0" destOrd="0"/>
+      </dgm:cxnLst>
+      <dgm:bg/>
+      <dgm:whole/>
+    </dgm:dataModel>
+  </dgm:styleData>
+  <dgm:clrData>
+    <dgm:dataModel>
+      <dgm:ptLst>
+        <dgm:pt modelId="0" type="doc"/>
+        <dgm:pt modelId="1"/>
+        <dgm:pt modelId="11"/>
+        <dgm:pt modelId="2"/>
+        <dgm:pt modelId="21"/>
+        <dgm:pt modelId="3"/>
+        <dgm:pt modelId="31"/>
+        <dgm:pt modelId="4"/>
+        <dgm:pt modelId="41"/>
+      </dgm:ptLst>
+      <dgm:cxnLst>
+        <dgm:cxn modelId="5" srcId="0" destId="1" srcOrd="0" destOrd="0"/>
+        <dgm:cxn modelId="6" srcId="0" destId="2" srcOrd="1" destOrd="0"/>
+        <dgm:cxn modelId="7" srcId="0" destId="3" srcOrd="2" destOrd="0"/>
+        <dgm:cxn modelId="8" srcId="0" destId="4" srcOrd="3" destOrd="0"/>
+        <dgm:cxn modelId="13" srcId="1" destId="11" srcOrd="0" destOrd="0"/>
+        <dgm:cxn modelId="23" srcId="2" destId="21" srcOrd="0" destOrd="0"/>
+        <dgm:cxn modelId="33" srcId="3" destId="31" srcOrd="0" destOrd="0"/>
+        <dgm:cxn modelId="43" srcId="4" destId="41" srcOrd="0" destOrd="0"/>
+      </dgm:cxnLst>
+      <dgm:bg/>
+      <dgm:whole/>
+    </dgm:dataModel>
+  </dgm:clrData>
+  <dgm:layoutNode name="Name0">
+    <dgm:varLst>
+      <dgm:animLvl val="lvl"/>
+      <dgm:resizeHandles val="exact"/>
+    </dgm:varLst>
+    <dgm:alg type="lin">
+      <dgm:param type="linDir" val="fromL"/>
+      <dgm:param type="nodeVertAlign" val="t"/>
+    </dgm:alg>
+    <dgm:shape xmlns:r="http://schemas.openxmlformats.org/officeDocument/2006/relationships" r:blip="">
+      <dgm:adjLst/>
+    </dgm:shape>
+    <dgm:presOf/>
+    <dgm:constrLst>
+      <dgm:constr type="h" for="ch" forName="compositeNode" refType="h"/>
+      <dgm:constr type="w" for="ch" forName="compositeNode" refType="w"/>
+      <dgm:constr type="w" for="des" forName="simulatedConn" refType="w" refFor="ch" refForName="compositeNode" fact="0.15"/>
+      <dgm:constr type="h" for="des" forName="simulatedConn" refType="w" refFor="des" refForName="simulatedConn"/>
+      <dgm:constr type="h" for="des" forName="vSp1" refType="w" refFor="ch" refForName="compositeNode" fact="0.8"/>
+      <dgm:constr type="h" for="des" forName="vSp2" refType="w" refFor="ch" refForName="compositeNode" fact="0.07"/>
+      <dgm:constr type="w" for="ch" forName="vProcSp" refType="w" refFor="des" refForName="simulatedConn" op="equ"/>
+      <dgm:constr type="h" for="ch" forName="vProcSp" refType="h" refFor="ch" refForName="compositeNode" op="equ"/>
+      <dgm:constr type="w" for="ch" forName="sibTrans" refType="w" refFor="ch" refForName="compositeNode" fact="0.08"/>
+      <dgm:constr type="primFontSz" for="des" forName="sibTransNodeRect" op="equ"/>
+      <dgm:constr type="primFontSz" for="des" forName="nodeRect" op="equ"/>
+    </dgm:constrLst>
+    <dgm:ruleLst/>
+    <dgm:forEach name="Name4" axis="ch" ptType="node">
+      <dgm:layoutNode name="compositeNode">
+        <dgm:varLst>
+          <dgm:bulletEnabled val="1"/>
+        </dgm:varLst>
+        <dgm:alg type="composite"/>
+        <dgm:constrLst>
+          <dgm:constr type="h" refType="w" op="lte" fact="1.2"/>
+          <dgm:constr type="w" for="ch" forName="bgRect" refType="w"/>
+          <dgm:constr type="h" for="ch" forName="bgRect" refType="h"/>
+          <dgm:constr type="t" for="ch" forName="bgRect"/>
+          <dgm:constr type="l" for="ch" forName="bgRect"/>
+          <dgm:constr type="w" for="ch" forName="sibTransNodeRect" refType="w" refFor="ch" refForName="bgRect"/>
+          <dgm:constr type="h" for="ch" forName="sibTransNodeRect" refType="h" refFor="ch" refForName="bgRect" fact="0.4"/>
+          <dgm:constr type="t" for="ch" forName="sibTransNodeRect"/>
+          <dgm:constr type="l" for="ch" forName="sibTransNodeRect"/>
+          <dgm:constr type="r" for="ch" forName="nodeRect" refType="r" refFor="ch" refForName="bgRect"/>
+          <dgm:constr type="h" for="ch" forName="nodeRect" refType="h" refFor="ch" refForName="bgRect" fact="0.6"/>
+          <dgm:constr type="t" for="ch" forName="nodeRect" refType="b" refFor="ch" refForName="sibTransNodeRect"/>
+          <dgm:constr type="l" for="ch" forName="nodeRect" refType="l" refFor="ch" refForName="bgRect"/>
+        </dgm:constrLst>
+        <dgm:ruleLst>
+          <dgm:rule type="w" for="ch" forName="nodeRect" val="NaN" fact="NaN" max="30"/>
+        </dgm:ruleLst>
+        <dgm:layoutNode name="bgRect" styleLbl="alignNode1">
+          <dgm:alg type="sp"/>
+          <dgm:shape xmlns:r="http://schemas.openxmlformats.org/officeDocument/2006/relationships" type="rect" r:blip="">
+            <dgm:adjLst>
+              <dgm:adj idx="1" val="0.05"/>
+            </dgm:adjLst>
+          </dgm:shape>
+          <dgm:presOf axis="self"/>
+          <dgm:constrLst/>
+          <dgm:ruleLst/>
+        </dgm:layoutNode>
+        <dgm:forEach name="Name19" axis="followSib" ptType="sibTrans" hideLastTrans="0" cnt="1">
+          <dgm:layoutNode name="sibTransNodeRect" styleLbl="alignNode1">
+            <dgm:varLst>
+              <dgm:chMax val="0"/>
+              <dgm:bulletEnabled val="1"/>
+            </dgm:varLst>
+            <dgm:presOf axis="self"/>
+            <dgm:alg type="tx">
+              <dgm:param type="parTxLTRAlign" val="l"/>
+              <dgm:param type="parTxRTLAlign" val="l"/>
+            </dgm:alg>
+            <dgm:shape xmlns:r="http://schemas.openxmlformats.org/officeDocument/2006/relationships" type="rect" r:blip="" hideGeom="1">
+              <dgm:adjLst/>
+            </dgm:shape>
+            <dgm:constrLst>
+              <dgm:constr type="primFontSz" val="66"/>
+              <dgm:constr type="tMarg" val="13"/>
+              <dgm:constr type="lMarg" refType="w" fact="0.28"/>
+              <dgm:constr type="rMarg" refType="w" fact="0.28"/>
+              <dgm:constr type="bMarg" val="13"/>
+            </dgm:constrLst>
+            <dgm:ruleLst>
+              <dgm:rule type="primFontSz" val="14" fact="NaN" max="NaN"/>
+              <dgm:rule type="tMarg" val="13" fact="NaN" max="NaN"/>
+            </dgm:ruleLst>
+          </dgm:layoutNode>
+        </dgm:forEach>
+        <dgm:layoutNode name="nodeRect" styleLbl="alignNode1" moveWith="bgRect">
+          <dgm:varLst>
+            <dgm:bulletEnabled val="1"/>
+          </dgm:varLst>
+          <dgm:alg type="tx">
+            <dgm:param type="parTxLTRAlign" val="l"/>
+            <dgm:param type="parTxRTLAlign" val="r"/>
+            <dgm:param type="txAnchorVert" val="t"/>
+            <dgm:param type="stBulletLvl" val="2"/>
+          </dgm:alg>
+          <dgm:shape xmlns:r="http://schemas.openxmlformats.org/officeDocument/2006/relationships" type="rect" r:blip="" hideGeom="1">
+            <dgm:adjLst/>
+          </dgm:shape>
+          <dgm:presOf axis="desOrSelf" ptType="node"/>
+          <dgm:constrLst>
+            <dgm:constr type="primFontSz" val="26"/>
+            <dgm:constr type="tMarg"/>
+            <dgm:constr type="lMarg" refType="w" fact="0.28"/>
+            <dgm:constr type="rMarg" refType="w" fact="0.28"/>
+            <dgm:constr type="bMarg" val="26"/>
+          </dgm:constrLst>
+          <dgm:ruleLst>
+            <dgm:rule type="primFontSz" val="11" fact="NaN" max="NaN"/>
+          </dgm:ruleLst>
+        </dgm:layoutNode>
+      </dgm:layoutNode>
+      <dgm:forEach name="Name14" axis="followSib" ptType="sibTrans" cnt="1">
+        <dgm:layoutNode name="sibTrans">
+          <dgm:alg type="sp"/>
+          <dgm:shape xmlns:r="http://schemas.openxmlformats.org/officeDocument/2006/relationships" r:blip="">
+            <dgm:adjLst/>
+          </dgm:shape>
+          <dgm:presOf/>
+          <dgm:constrLst/>
+          <dgm:ruleLst/>
+        </dgm:layoutNode>
+      </dgm:forEach>
+    </dgm:forEach>
+  </dgm:layoutNode>
+  <dgm:extLst>
+    <a:ext uri="{4F341089-5ED1-44EC-B178-C955D00A3D55}">
+      <dgm1611:autoBuNodeInfoLst xmlns:dgm1611="http://schemas.microsoft.com/office/drawing/2016/11/diagram">
+        <dgm1611:autoBuNodeInfo lvl="1" ptType="sibTrans">
+          <dgm1611:buPr prefix="" leadZeros="1">
+            <a:buAutoNum type="arabicParenBoth"/>
+          </dgm1611:buPr>
+        </dgm1611:autoBuNodeInfo>
+      </dgm1611:autoBuNodeInfoLst>
+    </a:ext>
+  </dgm:extLst>
+</dgm:layoutDef>
+</file>
+
+<file path=ppt/diagrams/layout2.xml><?xml version="1.0" encoding="utf-8"?>
 <dgm:layoutDef xmlns:dgm="http://schemas.openxmlformats.org/drawingml/2006/diagram" xmlns:a="http://schemas.openxmlformats.org/drawingml/2006/main" uniqueId="urn:microsoft.com/office/officeart/2005/8/layout/hProcess10">
   <dgm:title val=""/>
   <dgm:desc val=""/>
@@ -1649,6 +3596,1040 @@
 </file>
 
 <file path=ppt/diagrams/quickStyle1.xml><?xml version="1.0" encoding="utf-8"?>
+<dgm:styleDef xmlns:dgm="http://schemas.openxmlformats.org/drawingml/2006/diagram" xmlns:a="http://schemas.openxmlformats.org/drawingml/2006/main" uniqueId="urn:microsoft.com/office/officeart/2005/8/quickstyle/simple4">
+  <dgm:title val=""/>
+  <dgm:desc val=""/>
+  <dgm:catLst>
+    <dgm:cat type="simple" pri="10400"/>
+  </dgm:catLst>
+  <dgm:scene3d>
+    <a:camera prst="orthographicFront"/>
+    <a:lightRig rig="threePt" dir="t"/>
+  </dgm:scene3d>
+  <dgm:styleLbl name="node0">
+    <dgm:scene3d>
+      <a:camera prst="orthographicFront"/>
+      <a:lightRig rig="threePt" dir="t"/>
+    </dgm:scene3d>
+    <dgm:sp3d/>
+    <dgm:txPr/>
+    <dgm:style>
+      <a:lnRef idx="0">
+        <a:scrgbClr r="0" g="0" b="0"/>
+      </a:lnRef>
+      <a:fillRef idx="3">
+        <a:scrgbClr r="0" g="0" b="0"/>
+      </a:fillRef>
+      <a:effectRef idx="2">
+        <a:scrgbClr r="0" g="0" b="0"/>
+      </a:effectRef>
+      <a:fontRef idx="minor">
+        <a:schemeClr val="lt1"/>
+      </a:fontRef>
+    </dgm:style>
+  </dgm:styleLbl>
+  <dgm:styleLbl name="lnNode1">
+    <dgm:scene3d>
+      <a:camera prst="orthographicFront"/>
+      <a:lightRig rig="threePt" dir="t"/>
+    </dgm:scene3d>
+    <dgm:sp3d/>
+    <dgm:txPr/>
+    <dgm:style>
+      <a:lnRef idx="1">
+        <a:scrgbClr r="0" g="0" b="0"/>
+      </a:lnRef>
+      <a:fillRef idx="3">
+        <a:scrgbClr r="0" g="0" b="0"/>
+      </a:fillRef>
+      <a:effectRef idx="2">
+        <a:scrgbClr r="0" g="0" b="0"/>
+      </a:effectRef>
+      <a:fontRef idx="minor">
+        <a:schemeClr val="lt1"/>
+      </a:fontRef>
+    </dgm:style>
+  </dgm:styleLbl>
+  <dgm:styleLbl name="vennNode1">
+    <dgm:scene3d>
+      <a:camera prst="orthographicFront"/>
+      <a:lightRig rig="threePt" dir="t"/>
+    </dgm:scene3d>
+    <dgm:sp3d/>
+    <dgm:txPr/>
+    <dgm:style>
+      <a:lnRef idx="0">
+        <a:scrgbClr r="0" g="0" b="0"/>
+      </a:lnRef>
+      <a:fillRef idx="3">
+        <a:scrgbClr r="0" g="0" b="0"/>
+      </a:fillRef>
+      <a:effectRef idx="0">
+        <a:scrgbClr r="0" g="0" b="0"/>
+      </a:effectRef>
+      <a:fontRef idx="minor">
+        <a:schemeClr val="tx1"/>
+      </a:fontRef>
+    </dgm:style>
+  </dgm:styleLbl>
+  <dgm:styleLbl name="alignNode1">
+    <dgm:scene3d>
+      <a:camera prst="orthographicFront"/>
+      <a:lightRig rig="threePt" dir="t"/>
+    </dgm:scene3d>
+    <dgm:sp3d/>
+    <dgm:txPr/>
+    <dgm:style>
+      <a:lnRef idx="1">
+        <a:scrgbClr r="0" g="0" b="0"/>
+      </a:lnRef>
+      <a:fillRef idx="3">
+        <a:scrgbClr r="0" g="0" b="0"/>
+      </a:fillRef>
+      <a:effectRef idx="2">
+        <a:scrgbClr r="0" g="0" b="0"/>
+      </a:effectRef>
+      <a:fontRef idx="minor">
+        <a:schemeClr val="lt1"/>
+      </a:fontRef>
+    </dgm:style>
+  </dgm:styleLbl>
+  <dgm:styleLbl name="node1">
+    <dgm:scene3d>
+      <a:camera prst="orthographicFront"/>
+      <a:lightRig rig="threePt" dir="t"/>
+    </dgm:scene3d>
+    <dgm:sp3d/>
+    <dgm:txPr/>
+    <dgm:style>
+      <a:lnRef idx="0">
+        <a:scrgbClr r="0" g="0" b="0"/>
+      </a:lnRef>
+      <a:fillRef idx="3">
+        <a:scrgbClr r="0" g="0" b="0"/>
+      </a:fillRef>
+      <a:effectRef idx="2">
+        <a:scrgbClr r="0" g="0" b="0"/>
+      </a:effectRef>
+      <a:fontRef idx="minor">
+        <a:schemeClr val="lt1"/>
+      </a:fontRef>
+    </dgm:style>
+  </dgm:styleLbl>
+  <dgm:styleLbl name="node2">
+    <dgm:scene3d>
+      <a:camera prst="orthographicFront"/>
+      <a:lightRig rig="threePt" dir="t"/>
+    </dgm:scene3d>
+    <dgm:sp3d/>
+    <dgm:txPr/>
+    <dgm:style>
+      <a:lnRef idx="0">
+        <a:scrgbClr r="0" g="0" b="0"/>
+      </a:lnRef>
+      <a:fillRef idx="3">
+        <a:scrgbClr r="0" g="0" b="0"/>
+      </a:fillRef>
+      <a:effectRef idx="2">
+        <a:scrgbClr r="0" g="0" b="0"/>
+      </a:effectRef>
+      <a:fontRef idx="minor">
+        <a:schemeClr val="lt1"/>
+      </a:fontRef>
+    </dgm:style>
+  </dgm:styleLbl>
+  <dgm:styleLbl name="node3">
+    <dgm:scene3d>
+      <a:camera prst="orthographicFront"/>
+      <a:lightRig rig="threePt" dir="t"/>
+    </dgm:scene3d>
+    <dgm:sp3d/>
+    <dgm:txPr/>
+    <dgm:style>
+      <a:lnRef idx="0">
+        <a:scrgbClr r="0" g="0" b="0"/>
+      </a:lnRef>
+      <a:fillRef idx="3">
+        <a:scrgbClr r="0" g="0" b="0"/>
+      </a:fillRef>
+      <a:effectRef idx="2">
+        <a:scrgbClr r="0" g="0" b="0"/>
+      </a:effectRef>
+      <a:fontRef idx="minor">
+        <a:schemeClr val="lt1"/>
+      </a:fontRef>
+    </dgm:style>
+  </dgm:styleLbl>
+  <dgm:styleLbl name="node4">
+    <dgm:scene3d>
+      <a:camera prst="orthographicFront"/>
+      <a:lightRig rig="threePt" dir="t"/>
+    </dgm:scene3d>
+    <dgm:sp3d/>
+    <dgm:txPr/>
+    <dgm:style>
+      <a:lnRef idx="0">
+        <a:scrgbClr r="0" g="0" b="0"/>
+      </a:lnRef>
+      <a:fillRef idx="3">
+        <a:scrgbClr r="0" g="0" b="0"/>
+      </a:fillRef>
+      <a:effectRef idx="2">
+        <a:scrgbClr r="0" g="0" b="0"/>
+      </a:effectRef>
+      <a:fontRef idx="minor">
+        <a:schemeClr val="lt1"/>
+      </a:fontRef>
+    </dgm:style>
+  </dgm:styleLbl>
+  <dgm:styleLbl name="fgImgPlace1">
+    <dgm:scene3d>
+      <a:camera prst="orthographicFront"/>
+      <a:lightRig rig="threePt" dir="t"/>
+    </dgm:scene3d>
+    <dgm:sp3d/>
+    <dgm:txPr/>
+    <dgm:style>
+      <a:lnRef idx="0">
+        <a:scrgbClr r="0" g="0" b="0"/>
+      </a:lnRef>
+      <a:fillRef idx="1">
+        <a:scrgbClr r="0" g="0" b="0"/>
+      </a:fillRef>
+      <a:effectRef idx="2">
+        <a:scrgbClr r="0" g="0" b="0"/>
+      </a:effectRef>
+      <a:fontRef idx="minor"/>
+    </dgm:style>
+  </dgm:styleLbl>
+  <dgm:styleLbl name="alignImgPlace1">
+    <dgm:scene3d>
+      <a:camera prst="orthographicFront"/>
+      <a:lightRig rig="threePt" dir="t"/>
+    </dgm:scene3d>
+    <dgm:sp3d/>
+    <dgm:txPr/>
+    <dgm:style>
+      <a:lnRef idx="0">
+        <a:scrgbClr r="0" g="0" b="0"/>
+      </a:lnRef>
+      <a:fillRef idx="1">
+        <a:scrgbClr r="0" g="0" b="0"/>
+      </a:fillRef>
+      <a:effectRef idx="2">
+        <a:scrgbClr r="0" g="0" b="0"/>
+      </a:effectRef>
+      <a:fontRef idx="minor"/>
+    </dgm:style>
+  </dgm:styleLbl>
+  <dgm:styleLbl name="bgImgPlace1">
+    <dgm:scene3d>
+      <a:camera prst="orthographicFront"/>
+      <a:lightRig rig="threePt" dir="t"/>
+    </dgm:scene3d>
+    <dgm:sp3d/>
+    <dgm:txPr/>
+    <dgm:style>
+      <a:lnRef idx="0">
+        <a:scrgbClr r="0" g="0" b="0"/>
+      </a:lnRef>
+      <a:fillRef idx="1">
+        <a:scrgbClr r="0" g="0" b="0"/>
+      </a:fillRef>
+      <a:effectRef idx="2">
+        <a:scrgbClr r="0" g="0" b="0"/>
+      </a:effectRef>
+      <a:fontRef idx="minor"/>
+    </dgm:style>
+  </dgm:styleLbl>
+  <dgm:styleLbl name="sibTrans2D1">
+    <dgm:scene3d>
+      <a:camera prst="orthographicFront"/>
+      <a:lightRig rig="threePt" dir="t"/>
+    </dgm:scene3d>
+    <dgm:sp3d/>
+    <dgm:txPr/>
+    <dgm:style>
+      <a:lnRef idx="0">
+        <a:scrgbClr r="0" g="0" b="0"/>
+      </a:lnRef>
+      <a:fillRef idx="3">
+        <a:scrgbClr r="0" g="0" b="0"/>
+      </a:fillRef>
+      <a:effectRef idx="2">
+        <a:scrgbClr r="0" g="0" b="0"/>
+      </a:effectRef>
+      <a:fontRef idx="minor">
+        <a:schemeClr val="lt1"/>
+      </a:fontRef>
+    </dgm:style>
+  </dgm:styleLbl>
+  <dgm:styleLbl name="fgSibTrans2D1">
+    <dgm:scene3d>
+      <a:camera prst="orthographicFront"/>
+      <a:lightRig rig="threePt" dir="t"/>
+    </dgm:scene3d>
+    <dgm:sp3d/>
+    <dgm:txPr/>
+    <dgm:style>
+      <a:lnRef idx="0">
+        <a:scrgbClr r="0" g="0" b="0"/>
+      </a:lnRef>
+      <a:fillRef idx="3">
+        <a:scrgbClr r="0" g="0" b="0"/>
+      </a:fillRef>
+      <a:effectRef idx="2">
+        <a:scrgbClr r="0" g="0" b="0"/>
+      </a:effectRef>
+      <a:fontRef idx="minor">
+        <a:schemeClr val="lt1"/>
+      </a:fontRef>
+    </dgm:style>
+  </dgm:styleLbl>
+  <dgm:styleLbl name="bgSibTrans2D1">
+    <dgm:scene3d>
+      <a:camera prst="orthographicFront"/>
+      <a:lightRig rig="threePt" dir="t"/>
+    </dgm:scene3d>
+    <dgm:sp3d/>
+    <dgm:txPr/>
+    <dgm:style>
+      <a:lnRef idx="0">
+        <a:scrgbClr r="0" g="0" b="0"/>
+      </a:lnRef>
+      <a:fillRef idx="3">
+        <a:scrgbClr r="0" g="0" b="0"/>
+      </a:fillRef>
+      <a:effectRef idx="2">
+        <a:scrgbClr r="0" g="0" b="0"/>
+      </a:effectRef>
+      <a:fontRef idx="minor">
+        <a:schemeClr val="lt1"/>
+      </a:fontRef>
+    </dgm:style>
+  </dgm:styleLbl>
+  <dgm:styleLbl name="sibTrans1D1">
+    <dgm:scene3d>
+      <a:camera prst="orthographicFront"/>
+      <a:lightRig rig="threePt" dir="t"/>
+    </dgm:scene3d>
+    <dgm:sp3d/>
+    <dgm:txPr/>
+    <dgm:style>
+      <a:lnRef idx="1">
+        <a:scrgbClr r="0" g="0" b="0"/>
+      </a:lnRef>
+      <a:fillRef idx="0">
+        <a:scrgbClr r="0" g="0" b="0"/>
+      </a:fillRef>
+      <a:effectRef idx="0">
+        <a:scrgbClr r="0" g="0" b="0"/>
+      </a:effectRef>
+      <a:fontRef idx="minor"/>
+    </dgm:style>
+  </dgm:styleLbl>
+  <dgm:styleLbl name="callout">
+    <dgm:scene3d>
+      <a:camera prst="orthographicFront"/>
+      <a:lightRig rig="threePt" dir="t"/>
+    </dgm:scene3d>
+    <dgm:sp3d/>
+    <dgm:txPr/>
+    <dgm:style>
+      <a:lnRef idx="2">
+        <a:scrgbClr r="0" g="0" b="0"/>
+      </a:lnRef>
+      <a:fillRef idx="1">
+        <a:scrgbClr r="0" g="0" b="0"/>
+      </a:fillRef>
+      <a:effectRef idx="1">
+        <a:scrgbClr r="0" g="0" b="0"/>
+      </a:effectRef>
+      <a:fontRef idx="minor"/>
+    </dgm:style>
+  </dgm:styleLbl>
+  <dgm:styleLbl name="asst0">
+    <dgm:scene3d>
+      <a:camera prst="orthographicFront"/>
+      <a:lightRig rig="threePt" dir="t"/>
+    </dgm:scene3d>
+    <dgm:sp3d/>
+    <dgm:txPr/>
+    <dgm:style>
+      <a:lnRef idx="0">
+        <a:scrgbClr r="0" g="0" b="0"/>
+      </a:lnRef>
+      <a:fillRef idx="3">
+        <a:scrgbClr r="0" g="0" b="0"/>
+      </a:fillRef>
+      <a:effectRef idx="2">
+        <a:scrgbClr r="0" g="0" b="0"/>
+      </a:effectRef>
+      <a:fontRef idx="minor">
+        <a:schemeClr val="lt1"/>
+      </a:fontRef>
+    </dgm:style>
+  </dgm:styleLbl>
+  <dgm:styleLbl name="asst1">
+    <dgm:scene3d>
+      <a:camera prst="orthographicFront"/>
+      <a:lightRig rig="threePt" dir="t"/>
+    </dgm:scene3d>
+    <dgm:sp3d/>
+    <dgm:txPr/>
+    <dgm:style>
+      <a:lnRef idx="0">
+        <a:scrgbClr r="0" g="0" b="0"/>
+      </a:lnRef>
+      <a:fillRef idx="3">
+        <a:scrgbClr r="0" g="0" b="0"/>
+      </a:fillRef>
+      <a:effectRef idx="2">
+        <a:scrgbClr r="0" g="0" b="0"/>
+      </a:effectRef>
+      <a:fontRef idx="minor">
+        <a:schemeClr val="lt1"/>
+      </a:fontRef>
+    </dgm:style>
+  </dgm:styleLbl>
+  <dgm:styleLbl name="asst2">
+    <dgm:scene3d>
+      <a:camera prst="orthographicFront"/>
+      <a:lightRig rig="threePt" dir="t"/>
+    </dgm:scene3d>
+    <dgm:sp3d/>
+    <dgm:txPr/>
+    <dgm:style>
+      <a:lnRef idx="0">
+        <a:scrgbClr r="0" g="0" b="0"/>
+      </a:lnRef>
+      <a:fillRef idx="3">
+        <a:scrgbClr r="0" g="0" b="0"/>
+      </a:fillRef>
+      <a:effectRef idx="2">
+        <a:scrgbClr r="0" g="0" b="0"/>
+      </a:effectRef>
+      <a:fontRef idx="minor">
+        <a:schemeClr val="lt1"/>
+      </a:fontRef>
+    </dgm:style>
+  </dgm:styleLbl>
+  <dgm:styleLbl name="asst3">
+    <dgm:scene3d>
+      <a:camera prst="orthographicFront"/>
+      <a:lightRig rig="threePt" dir="t"/>
+    </dgm:scene3d>
+    <dgm:sp3d/>
+    <dgm:txPr/>
+    <dgm:style>
+      <a:lnRef idx="0">
+        <a:scrgbClr r="0" g="0" b="0"/>
+      </a:lnRef>
+      <a:fillRef idx="3">
+        <a:scrgbClr r="0" g="0" b="0"/>
+      </a:fillRef>
+      <a:effectRef idx="2">
+        <a:scrgbClr r="0" g="0" b="0"/>
+      </a:effectRef>
+      <a:fontRef idx="minor">
+        <a:schemeClr val="lt1"/>
+      </a:fontRef>
+    </dgm:style>
+  </dgm:styleLbl>
+  <dgm:styleLbl name="asst4">
+    <dgm:scene3d>
+      <a:camera prst="orthographicFront"/>
+      <a:lightRig rig="threePt" dir="t"/>
+    </dgm:scene3d>
+    <dgm:sp3d/>
+    <dgm:txPr/>
+    <dgm:style>
+      <a:lnRef idx="0">
+        <a:scrgbClr r="0" g="0" b="0"/>
+      </a:lnRef>
+      <a:fillRef idx="3">
+        <a:scrgbClr r="0" g="0" b="0"/>
+      </a:fillRef>
+      <a:effectRef idx="2">
+        <a:scrgbClr r="0" g="0" b="0"/>
+      </a:effectRef>
+      <a:fontRef idx="minor">
+        <a:schemeClr val="lt1"/>
+      </a:fontRef>
+    </dgm:style>
+  </dgm:styleLbl>
+  <dgm:styleLbl name="parChTrans2D1">
+    <dgm:scene3d>
+      <a:camera prst="orthographicFront"/>
+      <a:lightRig rig="threePt" dir="t"/>
+    </dgm:scene3d>
+    <dgm:sp3d/>
+    <dgm:txPr/>
+    <dgm:style>
+      <a:lnRef idx="0">
+        <a:scrgbClr r="0" g="0" b="0"/>
+      </a:lnRef>
+      <a:fillRef idx="3">
+        <a:scrgbClr r="0" g="0" b="0"/>
+      </a:fillRef>
+      <a:effectRef idx="2">
+        <a:scrgbClr r="0" g="0" b="0"/>
+      </a:effectRef>
+      <a:fontRef idx="minor">
+        <a:schemeClr val="lt1"/>
+      </a:fontRef>
+    </dgm:style>
+  </dgm:styleLbl>
+  <dgm:styleLbl name="parChTrans2D2">
+    <dgm:scene3d>
+      <a:camera prst="orthographicFront"/>
+      <a:lightRig rig="threePt" dir="t"/>
+    </dgm:scene3d>
+    <dgm:sp3d/>
+    <dgm:txPr/>
+    <dgm:style>
+      <a:lnRef idx="0">
+        <a:scrgbClr r="0" g="0" b="0"/>
+      </a:lnRef>
+      <a:fillRef idx="3">
+        <a:scrgbClr r="0" g="0" b="0"/>
+      </a:fillRef>
+      <a:effectRef idx="2">
+        <a:scrgbClr r="0" g="0" b="0"/>
+      </a:effectRef>
+      <a:fontRef idx="minor">
+        <a:schemeClr val="lt1"/>
+      </a:fontRef>
+    </dgm:style>
+  </dgm:styleLbl>
+  <dgm:styleLbl name="parChTrans2D3">
+    <dgm:scene3d>
+      <a:camera prst="orthographicFront"/>
+      <a:lightRig rig="threePt" dir="t"/>
+    </dgm:scene3d>
+    <dgm:sp3d/>
+    <dgm:txPr/>
+    <dgm:style>
+      <a:lnRef idx="1">
+        <a:scrgbClr r="0" g="0" b="0"/>
+      </a:lnRef>
+      <a:fillRef idx="3">
+        <a:scrgbClr r="0" g="0" b="0"/>
+      </a:fillRef>
+      <a:effectRef idx="2">
+        <a:scrgbClr r="0" g="0" b="0"/>
+      </a:effectRef>
+      <a:fontRef idx="minor">
+        <a:schemeClr val="lt1"/>
+      </a:fontRef>
+    </dgm:style>
+  </dgm:styleLbl>
+  <dgm:styleLbl name="parChTrans2D4">
+    <dgm:scene3d>
+      <a:camera prst="orthographicFront"/>
+      <a:lightRig rig="threePt" dir="t"/>
+    </dgm:scene3d>
+    <dgm:sp3d/>
+    <dgm:txPr/>
+    <dgm:style>
+      <a:lnRef idx="1">
+        <a:scrgbClr r="0" g="0" b="0"/>
+      </a:lnRef>
+      <a:fillRef idx="3">
+        <a:scrgbClr r="0" g="0" b="0"/>
+      </a:fillRef>
+      <a:effectRef idx="2">
+        <a:scrgbClr r="0" g="0" b="0"/>
+      </a:effectRef>
+      <a:fontRef idx="minor">
+        <a:schemeClr val="lt1"/>
+      </a:fontRef>
+    </dgm:style>
+  </dgm:styleLbl>
+  <dgm:styleLbl name="parChTrans1D1">
+    <dgm:scene3d>
+      <a:camera prst="orthographicFront"/>
+      <a:lightRig rig="threePt" dir="t"/>
+    </dgm:scene3d>
+    <dgm:sp3d/>
+    <dgm:txPr/>
+    <dgm:style>
+      <a:lnRef idx="1">
+        <a:scrgbClr r="0" g="0" b="0"/>
+      </a:lnRef>
+      <a:fillRef idx="0">
+        <a:scrgbClr r="0" g="0" b="0"/>
+      </a:fillRef>
+      <a:effectRef idx="0">
+        <a:scrgbClr r="0" g="0" b="0"/>
+      </a:effectRef>
+      <a:fontRef idx="minor"/>
+    </dgm:style>
+  </dgm:styleLbl>
+  <dgm:styleLbl name="parChTrans1D2">
+    <dgm:scene3d>
+      <a:camera prst="orthographicFront"/>
+      <a:lightRig rig="threePt" dir="t"/>
+    </dgm:scene3d>
+    <dgm:sp3d/>
+    <dgm:txPr/>
+    <dgm:style>
+      <a:lnRef idx="1">
+        <a:scrgbClr r="0" g="0" b="0"/>
+      </a:lnRef>
+      <a:fillRef idx="0">
+        <a:scrgbClr r="0" g="0" b="0"/>
+      </a:fillRef>
+      <a:effectRef idx="0">
+        <a:scrgbClr r="0" g="0" b="0"/>
+      </a:effectRef>
+      <a:fontRef idx="minor"/>
+    </dgm:style>
+  </dgm:styleLbl>
+  <dgm:styleLbl name="parChTrans1D3">
+    <dgm:scene3d>
+      <a:camera prst="orthographicFront"/>
+      <a:lightRig rig="threePt" dir="t"/>
+    </dgm:scene3d>
+    <dgm:sp3d/>
+    <dgm:txPr/>
+    <dgm:style>
+      <a:lnRef idx="1">
+        <a:scrgbClr r="0" g="0" b="0"/>
+      </a:lnRef>
+      <a:fillRef idx="0">
+        <a:scrgbClr r="0" g="0" b="0"/>
+      </a:fillRef>
+      <a:effectRef idx="0">
+        <a:scrgbClr r="0" g="0" b="0"/>
+      </a:effectRef>
+      <a:fontRef idx="minor"/>
+    </dgm:style>
+  </dgm:styleLbl>
+  <dgm:styleLbl name="parChTrans1D4">
+    <dgm:scene3d>
+      <a:camera prst="orthographicFront"/>
+      <a:lightRig rig="threePt" dir="t"/>
+    </dgm:scene3d>
+    <dgm:sp3d/>
+    <dgm:txPr/>
+    <dgm:style>
+      <a:lnRef idx="1">
+        <a:scrgbClr r="0" g="0" b="0"/>
+      </a:lnRef>
+      <a:fillRef idx="0">
+        <a:scrgbClr r="0" g="0" b="0"/>
+      </a:fillRef>
+      <a:effectRef idx="0">
+        <a:scrgbClr r="0" g="0" b="0"/>
+      </a:effectRef>
+      <a:fontRef idx="minor"/>
+    </dgm:style>
+  </dgm:styleLbl>
+  <dgm:styleLbl name="fgAcc1">
+    <dgm:scene3d>
+      <a:camera prst="orthographicFront"/>
+      <a:lightRig rig="threePt" dir="t"/>
+    </dgm:scene3d>
+    <dgm:sp3d/>
+    <dgm:txPr/>
+    <dgm:style>
+      <a:lnRef idx="1">
+        <a:scrgbClr r="0" g="0" b="0"/>
+      </a:lnRef>
+      <a:fillRef idx="1">
+        <a:scrgbClr r="0" g="0" b="0"/>
+      </a:fillRef>
+      <a:effectRef idx="0">
+        <a:scrgbClr r="0" g="0" b="0"/>
+      </a:effectRef>
+      <a:fontRef idx="minor"/>
+    </dgm:style>
+  </dgm:styleLbl>
+  <dgm:styleLbl name="conFgAcc1">
+    <dgm:scene3d>
+      <a:camera prst="orthographicFront"/>
+      <a:lightRig rig="threePt" dir="t"/>
+    </dgm:scene3d>
+    <dgm:sp3d/>
+    <dgm:txPr/>
+    <dgm:style>
+      <a:lnRef idx="1">
+        <a:scrgbClr r="0" g="0" b="0"/>
+      </a:lnRef>
+      <a:fillRef idx="1">
+        <a:scrgbClr r="0" g="0" b="0"/>
+      </a:fillRef>
+      <a:effectRef idx="0">
+        <a:scrgbClr r="0" g="0" b="0"/>
+      </a:effectRef>
+      <a:fontRef idx="minor"/>
+    </dgm:style>
+  </dgm:styleLbl>
+  <dgm:styleLbl name="alignAcc1">
+    <dgm:scene3d>
+      <a:camera prst="orthographicFront"/>
+      <a:lightRig rig="threePt" dir="t"/>
+    </dgm:scene3d>
+    <dgm:sp3d/>
+    <dgm:txPr/>
+    <dgm:style>
+      <a:lnRef idx="1">
+        <a:scrgbClr r="0" g="0" b="0"/>
+      </a:lnRef>
+      <a:fillRef idx="1">
+        <a:scrgbClr r="0" g="0" b="0"/>
+      </a:fillRef>
+      <a:effectRef idx="0">
+        <a:scrgbClr r="0" g="0" b="0"/>
+      </a:effectRef>
+      <a:fontRef idx="minor"/>
+    </dgm:style>
+  </dgm:styleLbl>
+  <dgm:styleLbl name="trAlignAcc1">
+    <dgm:scene3d>
+      <a:camera prst="orthographicFront"/>
+      <a:lightRig rig="threePt" dir="t"/>
+    </dgm:scene3d>
+    <dgm:sp3d/>
+    <dgm:txPr/>
+    <dgm:style>
+      <a:lnRef idx="1">
+        <a:scrgbClr r="0" g="0" b="0"/>
+      </a:lnRef>
+      <a:fillRef idx="1">
+        <a:scrgbClr r="0" g="0" b="0"/>
+      </a:fillRef>
+      <a:effectRef idx="0">
+        <a:scrgbClr r="0" g="0" b="0"/>
+      </a:effectRef>
+      <a:fontRef idx="minor"/>
+    </dgm:style>
+  </dgm:styleLbl>
+  <dgm:styleLbl name="bgAcc1">
+    <dgm:scene3d>
+      <a:camera prst="orthographicFront"/>
+      <a:lightRig rig="threePt" dir="t"/>
+    </dgm:scene3d>
+    <dgm:sp3d/>
+    <dgm:txPr/>
+    <dgm:style>
+      <a:lnRef idx="1">
+        <a:scrgbClr r="0" g="0" b="0"/>
+      </a:lnRef>
+      <a:fillRef idx="1">
+        <a:scrgbClr r="0" g="0" b="0"/>
+      </a:fillRef>
+      <a:effectRef idx="0">
+        <a:scrgbClr r="0" g="0" b="0"/>
+      </a:effectRef>
+      <a:fontRef idx="minor"/>
+    </dgm:style>
+  </dgm:styleLbl>
+  <dgm:styleLbl name="solidFgAcc1">
+    <dgm:scene3d>
+      <a:camera prst="orthographicFront"/>
+      <a:lightRig rig="threePt" dir="t"/>
+    </dgm:scene3d>
+    <dgm:sp3d/>
+    <dgm:txPr/>
+    <dgm:style>
+      <a:lnRef idx="1">
+        <a:scrgbClr r="0" g="0" b="0"/>
+      </a:lnRef>
+      <a:fillRef idx="1">
+        <a:scrgbClr r="0" g="0" b="0"/>
+      </a:fillRef>
+      <a:effectRef idx="0">
+        <a:scrgbClr r="0" g="0" b="0"/>
+      </a:effectRef>
+      <a:fontRef idx="minor"/>
+    </dgm:style>
+  </dgm:styleLbl>
+  <dgm:styleLbl name="solidAlignAcc1">
+    <dgm:scene3d>
+      <a:camera prst="orthographicFront"/>
+      <a:lightRig rig="threePt" dir="t"/>
+    </dgm:scene3d>
+    <dgm:sp3d/>
+    <dgm:txPr/>
+    <dgm:style>
+      <a:lnRef idx="1">
+        <a:scrgbClr r="0" g="0" b="0"/>
+      </a:lnRef>
+      <a:fillRef idx="1">
+        <a:scrgbClr r="0" g="0" b="0"/>
+      </a:fillRef>
+      <a:effectRef idx="0">
+        <a:scrgbClr r="0" g="0" b="0"/>
+      </a:effectRef>
+      <a:fontRef idx="minor"/>
+    </dgm:style>
+  </dgm:styleLbl>
+  <dgm:styleLbl name="solidBgAcc1">
+    <dgm:scene3d>
+      <a:camera prst="orthographicFront"/>
+      <a:lightRig rig="threePt" dir="t"/>
+    </dgm:scene3d>
+    <dgm:sp3d/>
+    <dgm:txPr/>
+    <dgm:style>
+      <a:lnRef idx="1">
+        <a:scrgbClr r="0" g="0" b="0"/>
+      </a:lnRef>
+      <a:fillRef idx="1">
+        <a:scrgbClr r="0" g="0" b="0"/>
+      </a:fillRef>
+      <a:effectRef idx="0">
+        <a:scrgbClr r="0" g="0" b="0"/>
+      </a:effectRef>
+      <a:fontRef idx="minor"/>
+    </dgm:style>
+  </dgm:styleLbl>
+  <dgm:styleLbl name="fgAccFollowNode1">
+    <dgm:scene3d>
+      <a:camera prst="orthographicFront"/>
+      <a:lightRig rig="threePt" dir="t"/>
+    </dgm:scene3d>
+    <dgm:sp3d/>
+    <dgm:txPr/>
+    <dgm:style>
+      <a:lnRef idx="1">
+        <a:scrgbClr r="0" g="0" b="0"/>
+      </a:lnRef>
+      <a:fillRef idx="1">
+        <a:scrgbClr r="0" g="0" b="0"/>
+      </a:fillRef>
+      <a:effectRef idx="0">
+        <a:scrgbClr r="0" g="0" b="0"/>
+      </a:effectRef>
+      <a:fontRef idx="minor"/>
+    </dgm:style>
+  </dgm:styleLbl>
+  <dgm:styleLbl name="alignAccFollowNode1">
+    <dgm:scene3d>
+      <a:camera prst="orthographicFront"/>
+      <a:lightRig rig="threePt" dir="t"/>
+    </dgm:scene3d>
+    <dgm:sp3d/>
+    <dgm:txPr/>
+    <dgm:style>
+      <a:lnRef idx="1">
+        <a:scrgbClr r="0" g="0" b="0"/>
+      </a:lnRef>
+      <a:fillRef idx="1">
+        <a:scrgbClr r="0" g="0" b="0"/>
+      </a:fillRef>
+      <a:effectRef idx="0">
+        <a:scrgbClr r="0" g="0" b="0"/>
+      </a:effectRef>
+      <a:fontRef idx="minor"/>
+    </dgm:style>
+  </dgm:styleLbl>
+  <dgm:styleLbl name="bgAccFollowNode1">
+    <dgm:scene3d>
+      <a:camera prst="orthographicFront"/>
+      <a:lightRig rig="threePt" dir="t"/>
+    </dgm:scene3d>
+    <dgm:sp3d/>
+    <dgm:txPr/>
+    <dgm:style>
+      <a:lnRef idx="1">
+        <a:scrgbClr r="0" g="0" b="0"/>
+      </a:lnRef>
+      <a:fillRef idx="1">
+        <a:scrgbClr r="0" g="0" b="0"/>
+      </a:fillRef>
+      <a:effectRef idx="0">
+        <a:scrgbClr r="0" g="0" b="0"/>
+      </a:effectRef>
+      <a:fontRef idx="minor"/>
+    </dgm:style>
+  </dgm:styleLbl>
+  <dgm:styleLbl name="fgAcc0">
+    <dgm:scene3d>
+      <a:camera prst="orthographicFront"/>
+      <a:lightRig rig="threePt" dir="t"/>
+    </dgm:scene3d>
+    <dgm:sp3d/>
+    <dgm:txPr/>
+    <dgm:style>
+      <a:lnRef idx="1">
+        <a:scrgbClr r="0" g="0" b="0"/>
+      </a:lnRef>
+      <a:fillRef idx="1">
+        <a:scrgbClr r="0" g="0" b="0"/>
+      </a:fillRef>
+      <a:effectRef idx="0">
+        <a:scrgbClr r="0" g="0" b="0"/>
+      </a:effectRef>
+      <a:fontRef idx="minor"/>
+    </dgm:style>
+  </dgm:styleLbl>
+  <dgm:styleLbl name="fgAcc2">
+    <dgm:scene3d>
+      <a:camera prst="orthographicFront"/>
+      <a:lightRig rig="threePt" dir="t"/>
+    </dgm:scene3d>
+    <dgm:sp3d/>
+    <dgm:txPr/>
+    <dgm:style>
+      <a:lnRef idx="1">
+        <a:scrgbClr r="0" g="0" b="0"/>
+      </a:lnRef>
+      <a:fillRef idx="1">
+        <a:scrgbClr r="0" g="0" b="0"/>
+      </a:fillRef>
+      <a:effectRef idx="0">
+        <a:scrgbClr r="0" g="0" b="0"/>
+      </a:effectRef>
+      <a:fontRef idx="minor"/>
+    </dgm:style>
+  </dgm:styleLbl>
+  <dgm:styleLbl name="fgAcc3">
+    <dgm:scene3d>
+      <a:camera prst="orthographicFront"/>
+      <a:lightRig rig="threePt" dir="t"/>
+    </dgm:scene3d>
+    <dgm:sp3d/>
+    <dgm:txPr/>
+    <dgm:style>
+      <a:lnRef idx="1">
+        <a:scrgbClr r="0" g="0" b="0"/>
+      </a:lnRef>
+      <a:fillRef idx="1">
+        <a:scrgbClr r="0" g="0" b="0"/>
+      </a:fillRef>
+      <a:effectRef idx="0">
+        <a:scrgbClr r="0" g="0" b="0"/>
+      </a:effectRef>
+      <a:fontRef idx="minor"/>
+    </dgm:style>
+  </dgm:styleLbl>
+  <dgm:styleLbl name="fgAcc4">
+    <dgm:scene3d>
+      <a:camera prst="orthographicFront"/>
+      <a:lightRig rig="threePt" dir="t"/>
+    </dgm:scene3d>
+    <dgm:sp3d/>
+    <dgm:txPr/>
+    <dgm:style>
+      <a:lnRef idx="1">
+        <a:scrgbClr r="0" g="0" b="0"/>
+      </a:lnRef>
+      <a:fillRef idx="1">
+        <a:scrgbClr r="0" g="0" b="0"/>
+      </a:fillRef>
+      <a:effectRef idx="0">
+        <a:scrgbClr r="0" g="0" b="0"/>
+      </a:effectRef>
+      <a:fontRef idx="minor"/>
+    </dgm:style>
+  </dgm:styleLbl>
+  <dgm:styleLbl name="bgShp">
+    <dgm:scene3d>
+      <a:camera prst="orthographicFront"/>
+      <a:lightRig rig="threePt" dir="t"/>
+    </dgm:scene3d>
+    <dgm:sp3d/>
+    <dgm:txPr/>
+    <dgm:style>
+      <a:lnRef idx="0">
+        <a:scrgbClr r="0" g="0" b="0"/>
+      </a:lnRef>
+      <a:fillRef idx="1">
+        <a:scrgbClr r="0" g="0" b="0"/>
+      </a:fillRef>
+      <a:effectRef idx="2">
+        <a:scrgbClr r="0" g="0" b="0"/>
+      </a:effectRef>
+      <a:fontRef idx="minor"/>
+    </dgm:style>
+  </dgm:styleLbl>
+  <dgm:styleLbl name="dkBgShp">
+    <dgm:scene3d>
+      <a:camera prst="orthographicFront"/>
+      <a:lightRig rig="threePt" dir="t"/>
+    </dgm:scene3d>
+    <dgm:sp3d/>
+    <dgm:txPr/>
+    <dgm:style>
+      <a:lnRef idx="0">
+        <a:scrgbClr r="0" g="0" b="0"/>
+      </a:lnRef>
+      <a:fillRef idx="1">
+        <a:scrgbClr r="0" g="0" b="0"/>
+      </a:fillRef>
+      <a:effectRef idx="2">
+        <a:scrgbClr r="0" g="0" b="0"/>
+      </a:effectRef>
+      <a:fontRef idx="minor"/>
+    </dgm:style>
+  </dgm:styleLbl>
+  <dgm:styleLbl name="trBgShp">
+    <dgm:scene3d>
+      <a:camera prst="orthographicFront"/>
+      <a:lightRig rig="threePt" dir="t"/>
+    </dgm:scene3d>
+    <dgm:sp3d/>
+    <dgm:txPr/>
+    <dgm:style>
+      <a:lnRef idx="0">
+        <a:scrgbClr r="0" g="0" b="0"/>
+      </a:lnRef>
+      <a:fillRef idx="1">
+        <a:scrgbClr r="0" g="0" b="0"/>
+      </a:fillRef>
+      <a:effectRef idx="0">
+        <a:scrgbClr r="0" g="0" b="0"/>
+      </a:effectRef>
+      <a:fontRef idx="minor"/>
+    </dgm:style>
+  </dgm:styleLbl>
+  <dgm:styleLbl name="fgShp">
+    <dgm:scene3d>
+      <a:camera prst="orthographicFront"/>
+      <a:lightRig rig="threePt" dir="t"/>
+    </dgm:scene3d>
+    <dgm:sp3d/>
+    <dgm:txPr/>
+    <dgm:style>
+      <a:lnRef idx="0">
+        <a:scrgbClr r="0" g="0" b="0"/>
+      </a:lnRef>
+      <a:fillRef idx="3">
+        <a:scrgbClr r="0" g="0" b="0"/>
+      </a:fillRef>
+      <a:effectRef idx="2">
+        <a:scrgbClr r="0" g="0" b="0"/>
+      </a:effectRef>
+      <a:fontRef idx="minor"/>
+    </dgm:style>
+  </dgm:styleLbl>
+  <dgm:styleLbl name="revTx">
+    <dgm:scene3d>
+      <a:camera prst="orthographicFront"/>
+      <a:lightRig rig="threePt" dir="t"/>
+    </dgm:scene3d>
+    <dgm:sp3d/>
+    <dgm:txPr/>
+    <dgm:style>
+      <a:lnRef idx="0">
+        <a:scrgbClr r="0" g="0" b="0"/>
+      </a:lnRef>
+      <a:fillRef idx="0">
+        <a:scrgbClr r="0" g="0" b="0"/>
+      </a:fillRef>
+      <a:effectRef idx="0">
+        <a:scrgbClr r="0" g="0" b="0"/>
+      </a:effectRef>
+      <a:fontRef idx="minor"/>
+    </dgm:style>
+  </dgm:styleLbl>
+</dgm:styleDef>
+</file>
+
+<file path=ppt/diagrams/quickStyle2.xml><?xml version="1.0" encoding="utf-8"?>
 <dgm:styleDef xmlns:dgm="http://schemas.openxmlformats.org/drawingml/2006/diagram" xmlns:a="http://schemas.openxmlformats.org/drawingml/2006/main" uniqueId="urn:microsoft.com/office/officeart/2005/8/quickstyle/simple1">
   <dgm:title val=""/>
   <dgm:desc val=""/>
@@ -10015,6 +12996,151 @@
 <file path=ppt/slides/slide14.xml><?xml version="1.0" encoding="utf-8"?>
 <p:sld xmlns:a="http://schemas.openxmlformats.org/drawingml/2006/main" xmlns:r="http://schemas.openxmlformats.org/officeDocument/2006/relationships" xmlns:p="http://schemas.openxmlformats.org/presentationml/2006/main">
   <p:cSld>
+    <p:spTree>
+      <p:nvGrpSpPr>
+        <p:cNvPr id="1" name=""/>
+        <p:cNvGrpSpPr/>
+        <p:nvPr/>
+      </p:nvGrpSpPr>
+      <p:grpSpPr>
+        <a:xfrm>
+          <a:off x="0" y="0"/>
+          <a:ext cx="0" cy="0"/>
+          <a:chOff x="0" y="0"/>
+          <a:chExt cx="0" cy="0"/>
+        </a:xfrm>
+      </p:grpSpPr>
+      <p:sp>
+        <p:nvSpPr>
+          <p:cNvPr id="2" name="Title 1">
+            <a:extLst>
+              <a:ext uri="{FF2B5EF4-FFF2-40B4-BE49-F238E27FC236}">
+                <a16:creationId xmlns:a16="http://schemas.microsoft.com/office/drawing/2014/main" id="{36586724-356A-9F40-949C-9B47F4D1A0D3}"/>
+              </a:ext>
+            </a:extLst>
+          </p:cNvPr>
+          <p:cNvSpPr>
+            <a:spLocks noGrp="1"/>
+          </p:cNvSpPr>
+          <p:nvPr>
+            <p:ph type="title"/>
+          </p:nvPr>
+        </p:nvSpPr>
+        <p:spPr/>
+        <p:txBody>
+          <a:bodyPr/>
+          <a:lstStyle/>
+          <a:p>
+            <a:r>
+              <a:rPr lang="fr-FR" dirty="0"/>
+              <a:t>Bilan des difficultés rencontrées;</a:t>
+            </a:r>
+          </a:p>
+        </p:txBody>
+      </p:sp>
+      <p:sp>
+        <p:nvSpPr>
+          <p:cNvPr id="3" name="Content Placeholder 2">
+            <a:extLst>
+              <a:ext uri="{FF2B5EF4-FFF2-40B4-BE49-F238E27FC236}">
+                <a16:creationId xmlns:a16="http://schemas.microsoft.com/office/drawing/2014/main" id="{5DFE66CA-AC5A-7344-8B63-9BE1FC32C75B}"/>
+              </a:ext>
+            </a:extLst>
+          </p:cNvPr>
+          <p:cNvSpPr>
+            <a:spLocks noGrp="1"/>
+          </p:cNvSpPr>
+          <p:nvPr>
+            <p:ph sz="half" idx="1"/>
+          </p:nvPr>
+        </p:nvSpPr>
+        <p:spPr/>
+        <p:txBody>
+          <a:bodyPr/>
+          <a:lstStyle/>
+          <a:p>
+            <a:r>
+              <a:rPr lang="fr-FR" dirty="0"/>
+              <a:t>Une quantité de travaille assez conséquente dans un temps assez court</a:t>
+            </a:r>
+          </a:p>
+          <a:p>
+            <a:r>
+              <a:rPr lang="fr-FR" dirty="0"/>
+              <a:t>L’utilisation de nouvelles </a:t>
+            </a:r>
+            <a:r>
+              <a:rPr lang="fr-FR" dirty="0" err="1"/>
+              <a:t>biblioteques</a:t>
+            </a:r>
+            <a:r>
+              <a:rPr lang="fr-FR" dirty="0"/>
+              <a:t> et </a:t>
+            </a:r>
+            <a:r>
+              <a:rPr lang="fr-FR"/>
+              <a:t>de nouveaux </a:t>
+            </a:r>
+            <a:r>
+              <a:rPr lang="fr-FR" dirty="0" err="1"/>
+              <a:t>conceptes</a:t>
+            </a:r>
+            <a:r>
+              <a:rPr lang="fr-FR" dirty="0"/>
+              <a:t> (git et </a:t>
+            </a:r>
+            <a:r>
+              <a:rPr lang="fr-FR" dirty="0" err="1"/>
+              <a:t>makefile</a:t>
+            </a:r>
+            <a:r>
+              <a:rPr lang="fr-FR" dirty="0"/>
+              <a:t>)</a:t>
+            </a:r>
+          </a:p>
+        </p:txBody>
+      </p:sp>
+      <p:sp>
+        <p:nvSpPr>
+          <p:cNvPr id="4" name="Content Placeholder 3">
+            <a:extLst>
+              <a:ext uri="{FF2B5EF4-FFF2-40B4-BE49-F238E27FC236}">
+                <a16:creationId xmlns:a16="http://schemas.microsoft.com/office/drawing/2014/main" id="{F4A96F61-3CEC-5146-9734-5D4C3BAB3C85}"/>
+              </a:ext>
+            </a:extLst>
+          </p:cNvPr>
+          <p:cNvSpPr>
+            <a:spLocks noGrp="1"/>
+          </p:cNvSpPr>
+          <p:nvPr>
+            <p:ph sz="half" idx="2"/>
+          </p:nvPr>
+        </p:nvSpPr>
+        <p:spPr/>
+        <p:txBody>
+          <a:bodyPr/>
+          <a:lstStyle/>
+          <a:p>
+            <a:endParaRPr lang="fr-FR"/>
+          </a:p>
+        </p:txBody>
+      </p:sp>
+    </p:spTree>
+    <p:extLst>
+      <p:ext uri="{BB962C8B-B14F-4D97-AF65-F5344CB8AC3E}">
+        <p14:creationId xmlns:p14="http://schemas.microsoft.com/office/powerpoint/2010/main" val="2354534621"/>
+      </p:ext>
+    </p:extLst>
+  </p:cSld>
+  <p:clrMapOvr>
+    <a:masterClrMapping/>
+  </p:clrMapOvr>
+</p:sld>
+</file>
+
+<file path=ppt/slides/slide15.xml><?xml version="1.0" encoding="utf-8"?>
+<p:sld xmlns:a="http://schemas.openxmlformats.org/drawingml/2006/main" xmlns:r="http://schemas.openxmlformats.org/officeDocument/2006/relationships" xmlns:p="http://schemas.openxmlformats.org/presentationml/2006/main">
+  <p:cSld>
     <p:bg>
       <p:bgPr>
         <a:solidFill>
@@ -10438,6 +13564,14 @@
 <file path=ppt/slides/slide2.xml><?xml version="1.0" encoding="utf-8"?>
 <p:sld xmlns:a="http://schemas.openxmlformats.org/drawingml/2006/main" xmlns:r="http://schemas.openxmlformats.org/officeDocument/2006/relationships" xmlns:p="http://schemas.openxmlformats.org/presentationml/2006/main">
   <p:cSld>
+    <p:bg>
+      <p:bgPr>
+        <a:solidFill>
+          <a:schemeClr val="bg1"/>
+        </a:solidFill>
+        <a:effectLst/>
+      </p:bgPr>
+    </p:bg>
     <p:spTree>
       <p:nvGrpSpPr>
         <p:cNvPr id="1" name=""/>
@@ -10452,6 +13586,191 @@
           <a:chExt cx="0" cy="0"/>
         </a:xfrm>
       </p:grpSpPr>
+      <p:sp useBgFill="1">
+        <p:nvSpPr>
+          <p:cNvPr id="9" name="Rectangle 8">
+            <a:extLst>
+              <a:ext uri="{FF2B5EF4-FFF2-40B4-BE49-F238E27FC236}">
+                <a16:creationId xmlns:a16="http://schemas.microsoft.com/office/drawing/2014/main" id="{056824CE-083D-4ED5-94A5-655345BBE75E}"/>
+              </a:ext>
+              <a:ext uri="{C183D7F6-B498-43B3-948B-1728B52AA6E4}">
+                <adec:decorative xmlns:adec="http://schemas.microsoft.com/office/drawing/2017/decorative" val="1"/>
+              </a:ext>
+            </a:extLst>
+          </p:cNvPr>
+          <p:cNvSpPr>
+            <a:spLocks noGrp="1" noRot="1" noChangeAspect="1" noMove="1" noResize="1" noEditPoints="1" noAdjustHandles="1" noChangeArrowheads="1" noChangeShapeType="1" noTextEdit="1"/>
+          </p:cNvSpPr>
+          <p:nvPr>
+            <p:extLst>
+              <p:ext uri="{386F3935-93C4-4BCD-93E2-E3B085C9AB24}">
+                <p16:designElem xmlns:p16="http://schemas.microsoft.com/office/powerpoint/2015/main" val="1"/>
+              </p:ext>
+            </p:extLst>
+          </p:nvPr>
+        </p:nvSpPr>
+        <p:spPr>
+          <a:xfrm>
+            <a:off x="0" y="0"/>
+            <a:ext cx="12192000" cy="6858000"/>
+          </a:xfrm>
+          <a:prstGeom prst="rect">
+            <a:avLst/>
+          </a:prstGeom>
+          <a:ln>
+            <a:noFill/>
+          </a:ln>
+        </p:spPr>
+        <p:style>
+          <a:lnRef idx="2">
+            <a:schemeClr val="accent1">
+              <a:shade val="50000"/>
+            </a:schemeClr>
+          </a:lnRef>
+          <a:fillRef idx="1">
+            <a:schemeClr val="accent1"/>
+          </a:fillRef>
+          <a:effectRef idx="0">
+            <a:schemeClr val="accent1"/>
+          </a:effectRef>
+          <a:fontRef idx="minor">
+            <a:schemeClr val="lt1"/>
+          </a:fontRef>
+        </p:style>
+        <p:txBody>
+          <a:bodyPr rtlCol="0" anchor="ctr"/>
+          <a:lstStyle/>
+          <a:p>
+            <a:pPr algn="ctr"/>
+            <a:endParaRPr lang="en-US"/>
+          </a:p>
+        </p:txBody>
+      </p:sp>
+      <p:sp>
+        <p:nvSpPr>
+          <p:cNvPr id="11" name="Freeform 6">
+            <a:extLst>
+              <a:ext uri="{FF2B5EF4-FFF2-40B4-BE49-F238E27FC236}">
+                <a16:creationId xmlns:a16="http://schemas.microsoft.com/office/drawing/2014/main" id="{0785D83B-2124-40CD-9E29-811BC2B7CE64}"/>
+              </a:ext>
+              <a:ext uri="{C183D7F6-B498-43B3-948B-1728B52AA6E4}">
+                <adec:decorative xmlns:adec="http://schemas.microsoft.com/office/drawing/2017/decorative" val="1"/>
+              </a:ext>
+            </a:extLst>
+          </p:cNvPr>
+          <p:cNvSpPr>
+            <a:spLocks noGrp="1" noRot="1" noChangeAspect="1" noMove="1" noResize="1" noEditPoints="1" noAdjustHandles="1" noChangeArrowheads="1" noChangeShapeType="1" noTextEdit="1"/>
+          </p:cNvSpPr>
+          <p:nvPr>
+            <p:extLst>
+              <p:ext uri="{386F3935-93C4-4BCD-93E2-E3B085C9AB24}">
+                <p16:designElem xmlns:p16="http://schemas.microsoft.com/office/powerpoint/2015/main" val="1"/>
+              </p:ext>
+            </p:extLst>
+          </p:nvPr>
+        </p:nvSpPr>
+        <p:spPr bwMode="auto">
+          <a:xfrm>
+            <a:off x="0" y="0"/>
+            <a:ext cx="12192000" cy="2185988"/>
+          </a:xfrm>
+          <a:custGeom>
+            <a:avLst/>
+            <a:gdLst/>
+            <a:ahLst/>
+            <a:cxnLst/>
+            <a:rect l="0" t="0" r="r" b="b"/>
+            <a:pathLst>
+              <a:path w="5760" h="1377">
+                <a:moveTo>
+                  <a:pt x="5760" y="0"/>
+                </a:moveTo>
+                <a:lnTo>
+                  <a:pt x="0" y="0"/>
+                </a:lnTo>
+                <a:lnTo>
+                  <a:pt x="0" y="1189"/>
+                </a:lnTo>
+                <a:lnTo>
+                  <a:pt x="943" y="1189"/>
+                </a:lnTo>
+                <a:lnTo>
+                  <a:pt x="1123" y="1369"/>
+                </a:lnTo>
+                <a:lnTo>
+                  <a:pt x="1123" y="1369"/>
+                </a:lnTo>
+                <a:lnTo>
+                  <a:pt x="1127" y="1371"/>
+                </a:lnTo>
+                <a:lnTo>
+                  <a:pt x="1133" y="1374"/>
+                </a:lnTo>
+                <a:lnTo>
+                  <a:pt x="1139" y="1377"/>
+                </a:lnTo>
+                <a:lnTo>
+                  <a:pt x="1144" y="1377"/>
+                </a:lnTo>
+                <a:lnTo>
+                  <a:pt x="1150" y="1377"/>
+                </a:lnTo>
+                <a:lnTo>
+                  <a:pt x="1155" y="1374"/>
+                </a:lnTo>
+                <a:lnTo>
+                  <a:pt x="1161" y="1371"/>
+                </a:lnTo>
+                <a:lnTo>
+                  <a:pt x="1165" y="1369"/>
+                </a:lnTo>
+                <a:lnTo>
+                  <a:pt x="1345" y="1189"/>
+                </a:lnTo>
+                <a:lnTo>
+                  <a:pt x="5760" y="1189"/>
+                </a:lnTo>
+                <a:lnTo>
+                  <a:pt x="5760" y="0"/>
+                </a:lnTo>
+                <a:close/>
+              </a:path>
+            </a:pathLst>
+          </a:custGeom>
+          <a:solidFill>
+            <a:schemeClr val="tx1"/>
+          </a:solidFill>
+          <a:ln>
+            <a:noFill/>
+          </a:ln>
+          <a:extLst>
+            <a:ext uri="{91240B29-F687-4f45-9708-019B960494DF}">
+              <a14:hiddenLine xmlns="" xmlns:a16="http://schemas.microsoft.com/office/drawing/2014/main" xmlns:p14="http://schemas.microsoft.com/office/powerpoint/2010/main" xmlns:dgm="http://schemas.openxmlformats.org/drawingml/2006/diagram" xmlns:a14="http://schemas.microsoft.com/office/drawing/2010/main" w="9525">
+                <a:solidFill>
+                  <a:srgbClr val="000000"/>
+                </a:solidFill>
+                <a:round/>
+                <a:headEnd/>
+                <a:tailEnd/>
+              </a14:hiddenLine>
+            </a:ext>
+          </a:extLst>
+        </p:spPr>
+        <p:style>
+          <a:lnRef idx="1">
+            <a:schemeClr val="accent1"/>
+          </a:lnRef>
+          <a:fillRef idx="3">
+            <a:schemeClr val="accent1"/>
+          </a:fillRef>
+          <a:effectRef idx="2">
+            <a:schemeClr val="accent1"/>
+          </a:effectRef>
+          <a:fontRef idx="minor">
+            <a:schemeClr val="lt1"/>
+          </a:fontRef>
+        </p:style>
+      </p:sp>
       <p:sp>
         <p:nvSpPr>
           <p:cNvPr id="2" name="Title 1">
@@ -10468,9 +13787,16 @@
             <p:ph type="title"/>
           </p:nvPr>
         </p:nvSpPr>
-        <p:spPr/>
+        <p:spPr>
+          <a:xfrm>
+            <a:off x="810000" y="447188"/>
+            <a:ext cx="10571998" cy="970450"/>
+          </a:xfrm>
+        </p:spPr>
         <p:txBody>
-          <a:bodyPr/>
+          <a:bodyPr>
+            <a:normAutofit/>
+          </a:bodyPr>
           <a:lstStyle/>
           <a:p>
             <a:r>
@@ -10480,50 +13806,37 @@
           </a:p>
         </p:txBody>
       </p:sp>
-      <p:sp>
-        <p:nvSpPr>
-          <p:cNvPr id="3" name="Content Placeholder 2">
+      <p:graphicFrame>
+        <p:nvGraphicFramePr>
+          <p:cNvPr id="5" name="Content Placeholder 2">
             <a:extLst>
               <a:ext uri="{FF2B5EF4-FFF2-40B4-BE49-F238E27FC236}">
-                <a16:creationId xmlns:a16="http://schemas.microsoft.com/office/drawing/2014/main" id="{DB78DC9D-DBD7-8E48-B9D0-64CEA839FC45}"/>
+                <a16:creationId xmlns:a16="http://schemas.microsoft.com/office/drawing/2014/main" id="{E5656B03-4144-4CC4-A72D-E60EA3E152C3}"/>
               </a:ext>
             </a:extLst>
           </p:cNvPr>
-          <p:cNvSpPr>
-            <a:spLocks noGrp="1"/>
-          </p:cNvSpPr>
+          <p:cNvGraphicFramePr>
+            <a:graphicFrameLocks noGrp="1"/>
+          </p:cNvGraphicFramePr>
           <p:nvPr>
             <p:ph idx="1"/>
+            <p:extLst>
+              <p:ext uri="{D42A27DB-BD31-4B8C-83A1-F6EECF244321}">
+                <p14:modId xmlns:p14="http://schemas.microsoft.com/office/powerpoint/2010/main" val="667418882"/>
+              </p:ext>
+            </p:extLst>
           </p:nvPr>
-        </p:nvSpPr>
-        <p:spPr/>
-        <p:txBody>
-          <a:bodyPr/>
-          <a:lstStyle/>
-          <a:p>
-            <a:r>
-              <a:rPr lang="fr-FR" dirty="0"/>
-              <a:t>Niveau 0; présentation et démonstration</a:t>
-            </a:r>
-          </a:p>
-          <a:p>
-            <a:r>
-              <a:rPr lang="fr-FR" dirty="0"/>
-              <a:t>Niveau 1; présentation et démonstration </a:t>
-            </a:r>
-          </a:p>
-          <a:p>
-            <a:r>
-              <a:rPr lang="fr-FR" dirty="0"/>
-              <a:t>Niveau 2; présentation </a:t>
-            </a:r>
-            <a:r>
-              <a:rPr lang="fr-FR"/>
-              <a:t>et démonstration </a:t>
-            </a:r>
-          </a:p>
-        </p:txBody>
-      </p:sp>
+        </p:nvGraphicFramePr>
+        <p:xfrm>
+          <a:off x="819150" y="2494722"/>
+          <a:ext cx="10553700" cy="3364741"/>
+        </p:xfrm>
+        <a:graphic>
+          <a:graphicData uri="http://schemas.openxmlformats.org/drawingml/2006/diagram">
+            <dgm:relIds xmlns:dgm="http://schemas.openxmlformats.org/drawingml/2006/diagram" xmlns:r="http://schemas.openxmlformats.org/officeDocument/2006/relationships" r:dm="rId2" r:lo="rId3" r:qs="rId4" r:cs="rId5"/>
+          </a:graphicData>
+        </a:graphic>
+      </p:graphicFrame>
     </p:spTree>
     <p:extLst>
       <p:ext uri="{BB962C8B-B14F-4D97-AF65-F5344CB8AC3E}">
@@ -10532,7 +13845,7 @@
     </p:extLst>
   </p:cSld>
   <p:clrMapOvr>
-    <a:masterClrMapping/>
+    <a:overrideClrMapping bg1="lt1" tx1="dk1" bg2="lt2" tx2="dk2" accent1="accent1" accent2="accent2" accent3="accent3" accent4="accent4" accent5="accent5" accent6="accent6" hlink="hlink" folHlink="folHlink"/>
   </p:clrMapOvr>
 </p:sld>
 </file>

--- a/Soutenance.pptx
+++ b/Soutenance.pptx
@@ -6,7 +6,7 @@
   </p:sldMasterIdLst>
   <p:sldIdLst>
     <p:sldId id="256" r:id="rId2"/>
-    <p:sldId id="269" r:id="rId3"/>
+    <p:sldId id="271" r:id="rId3"/>
     <p:sldId id="257" r:id="rId4"/>
     <p:sldId id="258" r:id="rId5"/>
     <p:sldId id="268" r:id="rId6"/>
@@ -122,15 +122,15 @@
 </file>
 
 <file path=ppt/diagrams/colors1.xml><?xml version="1.0" encoding="utf-8"?>
-<dgm:colorsDef xmlns:dgm="http://schemas.openxmlformats.org/drawingml/2006/diagram" xmlns:a="http://schemas.openxmlformats.org/drawingml/2006/main" uniqueId="urn:microsoft.com/office/officeart/2005/8/colors/colorful1">
+<dgm:colorsDef xmlns:dgm="http://schemas.openxmlformats.org/drawingml/2006/diagram" xmlns:a="http://schemas.openxmlformats.org/drawingml/2006/main" uniqueId="urn:microsoft.com/office/officeart/2005/8/colors/colorful5">
   <dgm:title val=""/>
   <dgm:desc val=""/>
   <dgm:catLst>
-    <dgm:cat type="colorful" pri="10100"/>
+    <dgm:cat type="colorful" pri="10500"/>
   </dgm:catLst>
   <dgm:styleLbl name="node0">
     <dgm:fillClrLst meth="repeat">
-      <a:schemeClr val="accent1"/>
+      <a:schemeClr val="accent4"/>
     </dgm:fillClrLst>
     <dgm:linClrLst meth="repeat">
       <a:schemeClr val="lt1"/>
@@ -141,10 +141,7 @@
     <dgm:txEffectClrLst/>
   </dgm:styleLbl>
   <dgm:styleLbl name="node1">
-    <dgm:fillClrLst meth="repeat">
-      <a:schemeClr val="accent2"/>
-      <a:schemeClr val="accent3"/>
-      <a:schemeClr val="accent4"/>
+    <dgm:fillClrLst>
       <a:schemeClr val="accent5"/>
       <a:schemeClr val="accent6"/>
     </dgm:fillClrLst>
@@ -157,17 +154,11 @@
     <dgm:txEffectClrLst/>
   </dgm:styleLbl>
   <dgm:styleLbl name="alignNode1">
-    <dgm:fillClrLst meth="repeat">
-      <a:schemeClr val="accent2"/>
-      <a:schemeClr val="accent3"/>
-      <a:schemeClr val="accent4"/>
+    <dgm:fillClrLst>
       <a:schemeClr val="accent5"/>
       <a:schemeClr val="accent6"/>
     </dgm:fillClrLst>
-    <dgm:linClrLst meth="repeat">
-      <a:schemeClr val="accent2"/>
-      <a:schemeClr val="accent3"/>
-      <a:schemeClr val="accent4"/>
+    <dgm:linClrLst>
       <a:schemeClr val="accent5"/>
       <a:schemeClr val="accent6"/>
     </dgm:linClrLst>
@@ -177,10 +168,7 @@
     <dgm:txEffectClrLst/>
   </dgm:styleLbl>
   <dgm:styleLbl name="lnNode1">
-    <dgm:fillClrLst meth="repeat">
-      <a:schemeClr val="accent2"/>
-      <a:schemeClr val="accent3"/>
-      <a:schemeClr val="accent4"/>
+    <dgm:fillClrLst>
       <a:schemeClr val="accent5"/>
       <a:schemeClr val="accent6"/>
     </dgm:fillClrLst>
@@ -193,16 +181,7 @@
     <dgm:txEffectClrLst/>
   </dgm:styleLbl>
   <dgm:styleLbl name="vennNode1">
-    <dgm:fillClrLst meth="repeat">
-      <a:schemeClr val="accent2">
-        <a:alpha val="50000"/>
-      </a:schemeClr>
-      <a:schemeClr val="accent3">
-        <a:alpha val="50000"/>
-      </a:schemeClr>
-      <a:schemeClr val="accent4">
-        <a:alpha val="50000"/>
-      </a:schemeClr>
+    <dgm:fillClrLst>
       <a:schemeClr val="accent5">
         <a:alpha val="50000"/>
       </a:schemeClr>
@@ -220,6 +199,30 @@
   </dgm:styleLbl>
   <dgm:styleLbl name="node2">
     <dgm:fillClrLst>
+      <a:schemeClr val="accent6"/>
+    </dgm:fillClrLst>
+    <dgm:linClrLst meth="repeat">
+      <a:schemeClr val="lt1"/>
+    </dgm:linClrLst>
+    <dgm:effectClrLst/>
+    <dgm:txLinClrLst/>
+    <dgm:txFillClrLst/>
+    <dgm:txEffectClrLst/>
+  </dgm:styleLbl>
+  <dgm:styleLbl name="node3">
+    <dgm:fillClrLst>
+      <a:schemeClr val="accent1"/>
+    </dgm:fillClrLst>
+    <dgm:linClrLst meth="repeat">
+      <a:schemeClr val="lt1"/>
+    </dgm:linClrLst>
+    <dgm:effectClrLst/>
+    <dgm:txLinClrLst/>
+    <dgm:txFillClrLst/>
+    <dgm:txEffectClrLst/>
+  </dgm:styleLbl>
+  <dgm:styleLbl name="node4">
+    <dgm:fillClrLst>
       <a:schemeClr val="accent2"/>
     </dgm:fillClrLst>
     <dgm:linClrLst meth="repeat">
@@ -230,41 +233,8 @@
     <dgm:txFillClrLst/>
     <dgm:txEffectClrLst/>
   </dgm:styleLbl>
-  <dgm:styleLbl name="node3">
+  <dgm:styleLbl name="fgImgPlace1">
     <dgm:fillClrLst>
-      <a:schemeClr val="accent3"/>
-    </dgm:fillClrLst>
-    <dgm:linClrLst meth="repeat">
-      <a:schemeClr val="lt1"/>
-    </dgm:linClrLst>
-    <dgm:effectClrLst/>
-    <dgm:txLinClrLst/>
-    <dgm:txFillClrLst/>
-    <dgm:txEffectClrLst/>
-  </dgm:styleLbl>
-  <dgm:styleLbl name="node4">
-    <dgm:fillClrLst>
-      <a:schemeClr val="accent4"/>
-    </dgm:fillClrLst>
-    <dgm:linClrLst meth="repeat">
-      <a:schemeClr val="lt1"/>
-    </dgm:linClrLst>
-    <dgm:effectClrLst/>
-    <dgm:txLinClrLst/>
-    <dgm:txFillClrLst/>
-    <dgm:txEffectClrLst/>
-  </dgm:styleLbl>
-  <dgm:styleLbl name="fgImgPlace1">
-    <dgm:fillClrLst meth="repeat">
-      <a:schemeClr val="accent2">
-        <a:tint val="50000"/>
-      </a:schemeClr>
-      <a:schemeClr val="accent3">
-        <a:tint val="50000"/>
-      </a:schemeClr>
-      <a:schemeClr val="accent4">
-        <a:tint val="50000"/>
-      </a:schemeClr>
       <a:schemeClr val="accent5">
         <a:tint val="50000"/>
       </a:schemeClr>
@@ -284,10 +254,10 @@
   </dgm:styleLbl>
   <dgm:styleLbl name="alignImgPlace1">
     <dgm:fillClrLst>
-      <a:schemeClr val="accent1">
+      <a:schemeClr val="accent5">
         <a:tint val="50000"/>
       </a:schemeClr>
-      <a:schemeClr val="accent2">
+      <a:schemeClr val="accent6">
         <a:tint val="20000"/>
       </a:schemeClr>
     </dgm:fillClrLst>
@@ -303,10 +273,10 @@
   </dgm:styleLbl>
   <dgm:styleLbl name="bgImgPlace1">
     <dgm:fillClrLst>
-      <a:schemeClr val="accent1">
+      <a:schemeClr val="accent5">
         <a:tint val="50000"/>
       </a:schemeClr>
-      <a:schemeClr val="accent2">
+      <a:schemeClr val="accent6">
         <a:tint val="20000"/>
       </a:schemeClr>
     </dgm:fillClrLst>
@@ -321,14 +291,11 @@
     <dgm:txEffectClrLst/>
   </dgm:styleLbl>
   <dgm:styleLbl name="sibTrans2D1">
-    <dgm:fillClrLst meth="repeat">
-      <a:schemeClr val="accent2"/>
-      <a:schemeClr val="accent3"/>
-      <a:schemeClr val="accent4"/>
+    <dgm:fillClrLst>
       <a:schemeClr val="accent5"/>
       <a:schemeClr val="accent6"/>
     </dgm:fillClrLst>
-    <dgm:linClrLst meth="cycle">
+    <dgm:linClrLst meth="repeat">
       <a:schemeClr val="lt1"/>
     </dgm:linClrLst>
     <dgm:effectClrLst/>
@@ -337,14 +304,11 @@
     <dgm:txEffectClrLst/>
   </dgm:styleLbl>
   <dgm:styleLbl name="fgSibTrans2D1">
-    <dgm:fillClrLst meth="repeat">
-      <a:schemeClr val="accent2"/>
-      <a:schemeClr val="accent3"/>
-      <a:schemeClr val="accent4"/>
+    <dgm:fillClrLst>
       <a:schemeClr val="accent5"/>
       <a:schemeClr val="accent6"/>
     </dgm:fillClrLst>
-    <dgm:linClrLst meth="cycle">
+    <dgm:linClrLst meth="repeat">
       <a:schemeClr val="lt1"/>
     </dgm:linClrLst>
     <dgm:effectClrLst/>
@@ -355,14 +319,11 @@
     <dgm:txEffectClrLst/>
   </dgm:styleLbl>
   <dgm:styleLbl name="bgSibTrans2D1">
-    <dgm:fillClrLst meth="repeat">
-      <a:schemeClr val="accent2"/>
-      <a:schemeClr val="accent3"/>
-      <a:schemeClr val="accent4"/>
+    <dgm:fillClrLst>
       <a:schemeClr val="accent5"/>
       <a:schemeClr val="accent6"/>
     </dgm:fillClrLst>
-    <dgm:linClrLst meth="cycle">
+    <dgm:linClrLst meth="repeat">
       <a:schemeClr val="lt1"/>
     </dgm:linClrLst>
     <dgm:effectClrLst/>
@@ -373,17 +334,8 @@
     <dgm:txEffectClrLst/>
   </dgm:styleLbl>
   <dgm:styleLbl name="sibTrans1D1">
-    <dgm:fillClrLst meth="repeat">
-      <a:schemeClr val="accent2"/>
-      <a:schemeClr val="accent3"/>
-      <a:schemeClr val="accent4"/>
-      <a:schemeClr val="accent5"/>
-      <a:schemeClr val="accent6"/>
-    </dgm:fillClrLst>
-    <dgm:linClrLst meth="repeat">
-      <a:schemeClr val="accent2"/>
-      <a:schemeClr val="accent3"/>
-      <a:schemeClr val="accent4"/>
+    <dgm:fillClrLst/>
+    <dgm:linClrLst>
       <a:schemeClr val="accent5"/>
       <a:schemeClr val="accent6"/>
     </dgm:linClrLst>
@@ -396,10 +348,10 @@
   </dgm:styleLbl>
   <dgm:styleLbl name="callout">
     <dgm:fillClrLst meth="repeat">
-      <a:schemeClr val="accent2"/>
+      <a:schemeClr val="accent5"/>
     </dgm:fillClrLst>
     <dgm:linClrLst meth="repeat">
-      <a:schemeClr val="accent2">
+      <a:schemeClr val="accent5">
         <a:tint val="50000"/>
       </a:schemeClr>
     </dgm:linClrLst>
@@ -412,6 +364,34 @@
   </dgm:styleLbl>
   <dgm:styleLbl name="asst0">
     <dgm:fillClrLst meth="repeat">
+      <a:schemeClr val="accent5"/>
+    </dgm:fillClrLst>
+    <dgm:linClrLst meth="repeat">
+      <a:schemeClr val="lt1">
+        <a:shade val="80000"/>
+      </a:schemeClr>
+    </dgm:linClrLst>
+    <dgm:effectClrLst/>
+    <dgm:txLinClrLst/>
+    <dgm:txFillClrLst/>
+    <dgm:txEffectClrLst/>
+  </dgm:styleLbl>
+  <dgm:styleLbl name="asst1">
+    <dgm:fillClrLst meth="repeat">
+      <a:schemeClr val="accent6"/>
+    </dgm:fillClrLst>
+    <dgm:linClrLst meth="repeat">
+      <a:schemeClr val="lt1">
+        <a:shade val="80000"/>
+      </a:schemeClr>
+    </dgm:linClrLst>
+    <dgm:effectClrLst/>
+    <dgm:txLinClrLst/>
+    <dgm:txFillClrLst/>
+    <dgm:txEffectClrLst/>
+  </dgm:styleLbl>
+  <dgm:styleLbl name="asst2">
+    <dgm:fillClrLst>
       <a:schemeClr val="accent1"/>
     </dgm:fillClrLst>
     <dgm:linClrLst meth="repeat">
@@ -422,8 +402,8 @@
     <dgm:txFillClrLst/>
     <dgm:txEffectClrLst/>
   </dgm:styleLbl>
-  <dgm:styleLbl name="asst1">
-    <dgm:fillClrLst meth="repeat">
+  <dgm:styleLbl name="asst3">
+    <dgm:fillClrLst>
       <a:schemeClr val="accent2"/>
     </dgm:fillClrLst>
     <dgm:linClrLst meth="repeat">
@@ -434,7 +414,7 @@
     <dgm:txFillClrLst/>
     <dgm:txEffectClrLst/>
   </dgm:styleLbl>
-  <dgm:styleLbl name="asst2">
+  <dgm:styleLbl name="asst4">
     <dgm:fillClrLst>
       <a:schemeClr val="accent3"/>
     </dgm:fillClrLst>
@@ -446,69 +426,7 @@
     <dgm:txFillClrLst/>
     <dgm:txEffectClrLst/>
   </dgm:styleLbl>
-  <dgm:styleLbl name="asst3">
-    <dgm:fillClrLst>
-      <a:schemeClr val="accent4"/>
-    </dgm:fillClrLst>
-    <dgm:linClrLst meth="repeat">
-      <a:schemeClr val="lt1"/>
-    </dgm:linClrLst>
-    <dgm:effectClrLst/>
-    <dgm:txLinClrLst/>
-    <dgm:txFillClrLst/>
-    <dgm:txEffectClrLst/>
-  </dgm:styleLbl>
-  <dgm:styleLbl name="asst4">
-    <dgm:fillClrLst>
-      <a:schemeClr val="accent5"/>
-    </dgm:fillClrLst>
-    <dgm:linClrLst meth="repeat">
-      <a:schemeClr val="lt1"/>
-    </dgm:linClrLst>
-    <dgm:effectClrLst/>
-    <dgm:txLinClrLst/>
-    <dgm:txFillClrLst/>
-    <dgm:txEffectClrLst/>
-  </dgm:styleLbl>
   <dgm:styleLbl name="parChTrans2D1">
-    <dgm:fillClrLst meth="repeat">
-      <a:schemeClr val="accent2"/>
-    </dgm:fillClrLst>
-    <dgm:linClrLst meth="repeat">
-      <a:schemeClr val="lt1"/>
-    </dgm:linClrLst>
-    <dgm:effectClrLst/>
-    <dgm:txLinClrLst/>
-    <dgm:txFillClrLst meth="repeat">
-      <a:schemeClr val="lt1"/>
-    </dgm:txFillClrLst>
-    <dgm:txEffectClrLst/>
-  </dgm:styleLbl>
-  <dgm:styleLbl name="parChTrans2D2">
-    <dgm:fillClrLst meth="repeat">
-      <a:schemeClr val="accent3"/>
-    </dgm:fillClrLst>
-    <dgm:linClrLst meth="repeat">
-      <a:schemeClr val="lt1"/>
-    </dgm:linClrLst>
-    <dgm:effectClrLst/>
-    <dgm:txLinClrLst/>
-    <dgm:txFillClrLst/>
-    <dgm:txEffectClrLst/>
-  </dgm:styleLbl>
-  <dgm:styleLbl name="parChTrans2D3">
-    <dgm:fillClrLst meth="repeat">
-      <a:schemeClr val="accent4"/>
-    </dgm:fillClrLst>
-    <dgm:linClrLst meth="repeat">
-      <a:schemeClr val="lt1"/>
-    </dgm:linClrLst>
-    <dgm:effectClrLst/>
-    <dgm:txLinClrLst/>
-    <dgm:txFillClrLst/>
-    <dgm:txEffectClrLst/>
-  </dgm:styleLbl>
-  <dgm:styleLbl name="parChTrans2D4">
     <dgm:fillClrLst meth="repeat">
       <a:schemeClr val="accent5"/>
     </dgm:fillClrLst>
@@ -522,9 +440,79 @@
     </dgm:txFillClrLst>
     <dgm:txEffectClrLst/>
   </dgm:styleLbl>
+  <dgm:styleLbl name="parChTrans2D2">
+    <dgm:fillClrLst meth="repeat">
+      <a:schemeClr val="accent6"/>
+    </dgm:fillClrLst>
+    <dgm:linClrLst meth="repeat">
+      <a:schemeClr val="lt1"/>
+    </dgm:linClrLst>
+    <dgm:effectClrLst/>
+    <dgm:txLinClrLst/>
+    <dgm:txFillClrLst/>
+    <dgm:txEffectClrLst/>
+  </dgm:styleLbl>
+  <dgm:styleLbl name="parChTrans2D3">
+    <dgm:fillClrLst meth="repeat">
+      <a:schemeClr val="accent6"/>
+    </dgm:fillClrLst>
+    <dgm:linClrLst meth="repeat">
+      <a:schemeClr val="lt1"/>
+    </dgm:linClrLst>
+    <dgm:effectClrLst/>
+    <dgm:txLinClrLst/>
+    <dgm:txFillClrLst/>
+    <dgm:txEffectClrLst/>
+  </dgm:styleLbl>
+  <dgm:styleLbl name="parChTrans2D4">
+    <dgm:fillClrLst meth="repeat">
+      <a:schemeClr val="accent1"/>
+    </dgm:fillClrLst>
+    <dgm:linClrLst meth="repeat">
+      <a:schemeClr val="lt1"/>
+    </dgm:linClrLst>
+    <dgm:effectClrLst/>
+    <dgm:txLinClrLst/>
+    <dgm:txFillClrLst meth="repeat">
+      <a:schemeClr val="lt1"/>
+    </dgm:txFillClrLst>
+    <dgm:txEffectClrLst/>
+  </dgm:styleLbl>
   <dgm:styleLbl name="parChTrans1D1">
     <dgm:fillClrLst meth="repeat">
-      <a:schemeClr val="accent2"/>
+      <a:schemeClr val="accent5"/>
+    </dgm:fillClrLst>
+    <dgm:linClrLst meth="repeat">
+      <a:schemeClr val="accent5"/>
+    </dgm:linClrLst>
+    <dgm:effectClrLst/>
+    <dgm:txLinClrLst/>
+    <dgm:txFillClrLst meth="repeat">
+      <a:schemeClr val="tx1"/>
+    </dgm:txFillClrLst>
+    <dgm:txEffectClrLst/>
+  </dgm:styleLbl>
+  <dgm:styleLbl name="parChTrans1D2">
+    <dgm:fillClrLst meth="repeat">
+      <a:schemeClr val="accent6">
+        <a:tint val="90000"/>
+      </a:schemeClr>
+    </dgm:fillClrLst>
+    <dgm:linClrLst meth="repeat">
+      <a:schemeClr val="accent6"/>
+    </dgm:linClrLst>
+    <dgm:effectClrLst/>
+    <dgm:txLinClrLst/>
+    <dgm:txFillClrLst meth="repeat">
+      <a:schemeClr val="tx1"/>
+    </dgm:txFillClrLst>
+    <dgm:txEffectClrLst/>
+  </dgm:styleLbl>
+  <dgm:styleLbl name="parChTrans1D3">
+    <dgm:fillClrLst meth="repeat">
+      <a:schemeClr val="accent6">
+        <a:tint val="70000"/>
+      </a:schemeClr>
     </dgm:fillClrLst>
     <dgm:linClrLst meth="repeat">
       <a:schemeClr val="accent1"/>
@@ -536,10 +524,10 @@
     </dgm:txFillClrLst>
     <dgm:txEffectClrLst/>
   </dgm:styleLbl>
-  <dgm:styleLbl name="parChTrans1D2">
+  <dgm:styleLbl name="parChTrans1D4">
     <dgm:fillClrLst meth="repeat">
-      <a:schemeClr val="accent3">
-        <a:tint val="90000"/>
+      <a:schemeClr val="accent6">
+        <a:tint val="50000"/>
       </a:schemeClr>
     </dgm:fillClrLst>
     <dgm:linClrLst meth="repeat">
@@ -552,48 +540,13 @@
     </dgm:txFillClrLst>
     <dgm:txEffectClrLst/>
   </dgm:styleLbl>
-  <dgm:styleLbl name="parChTrans1D3">
-    <dgm:fillClrLst meth="repeat">
-      <a:schemeClr val="accent4">
-        <a:tint val="70000"/>
-      </a:schemeClr>
-    </dgm:fillClrLst>
-    <dgm:linClrLst meth="repeat">
-      <a:schemeClr val="accent3"/>
-    </dgm:linClrLst>
-    <dgm:effectClrLst/>
-    <dgm:txLinClrLst/>
-    <dgm:txFillClrLst meth="repeat">
-      <a:schemeClr val="tx1"/>
-    </dgm:txFillClrLst>
-    <dgm:txEffectClrLst/>
-  </dgm:styleLbl>
-  <dgm:styleLbl name="parChTrans1D4">
-    <dgm:fillClrLst meth="repeat">
-      <a:schemeClr val="accent5">
-        <a:tint val="50000"/>
-      </a:schemeClr>
-    </dgm:fillClrLst>
-    <dgm:linClrLst meth="repeat">
-      <a:schemeClr val="accent4"/>
-    </dgm:linClrLst>
-    <dgm:effectClrLst/>
-    <dgm:txLinClrLst/>
-    <dgm:txFillClrLst meth="repeat">
-      <a:schemeClr val="tx1"/>
-    </dgm:txFillClrLst>
-    <dgm:txEffectClrLst/>
-  </dgm:styleLbl>
   <dgm:styleLbl name="fgAcc1">
     <dgm:fillClrLst meth="repeat">
       <a:schemeClr val="lt1">
         <a:alpha val="90000"/>
       </a:schemeClr>
     </dgm:fillClrLst>
-    <dgm:linClrLst meth="repeat">
-      <a:schemeClr val="accent2"/>
-      <a:schemeClr val="accent3"/>
-      <a:schemeClr val="accent4"/>
+    <dgm:linClrLst>
       <a:schemeClr val="accent5"/>
       <a:schemeClr val="accent6"/>
     </dgm:linClrLst>
@@ -610,10 +563,7 @@
         <a:alpha val="90000"/>
       </a:schemeClr>
     </dgm:fillClrLst>
-    <dgm:linClrLst meth="repeat">
-      <a:schemeClr val="accent2"/>
-      <a:schemeClr val="accent3"/>
-      <a:schemeClr val="accent4"/>
+    <dgm:linClrLst>
       <a:schemeClr val="accent5"/>
       <a:schemeClr val="accent6"/>
     </dgm:linClrLst>
@@ -630,10 +580,7 @@
         <a:alpha val="90000"/>
       </a:schemeClr>
     </dgm:fillClrLst>
-    <dgm:linClrLst meth="repeat">
-      <a:schemeClr val="accent2"/>
-      <a:schemeClr val="accent3"/>
-      <a:schemeClr val="accent4"/>
+    <dgm:linClrLst>
       <a:schemeClr val="accent5"/>
       <a:schemeClr val="accent6"/>
     </dgm:linClrLst>
@@ -651,7 +598,7 @@
       </a:schemeClr>
     </dgm:fillClrLst>
     <dgm:linClrLst meth="repeat">
-      <a:schemeClr val="accent1"/>
+      <a:schemeClr val="accent5"/>
     </dgm:linClrLst>
     <dgm:effectClrLst/>
     <dgm:txLinClrLst/>
@@ -666,10 +613,7 @@
         <a:alpha val="90000"/>
       </a:schemeClr>
     </dgm:fillClrLst>
-    <dgm:linClrLst meth="repeat">
-      <a:schemeClr val="accent2"/>
-      <a:schemeClr val="accent3"/>
-      <a:schemeClr val="accent4"/>
+    <dgm:linClrLst>
       <a:schemeClr val="accent5"/>
       <a:schemeClr val="accent6"/>
     </dgm:linClrLst>
@@ -684,10 +628,7 @@
     <dgm:fillClrLst meth="repeat">
       <a:schemeClr val="lt1"/>
     </dgm:fillClrLst>
-    <dgm:linClrLst meth="repeat">
-      <a:schemeClr val="accent2"/>
-      <a:schemeClr val="accent3"/>
-      <a:schemeClr val="accent4"/>
+    <dgm:linClrLst>
       <a:schemeClr val="accent5"/>
       <a:schemeClr val="accent6"/>
     </dgm:linClrLst>
@@ -702,10 +643,7 @@
     <dgm:fillClrLst meth="repeat">
       <a:schemeClr val="lt1"/>
     </dgm:fillClrLst>
-    <dgm:linClrLst meth="repeat">
-      <a:schemeClr val="accent2"/>
-      <a:schemeClr val="accent3"/>
-      <a:schemeClr val="accent4"/>
+    <dgm:linClrLst>
       <a:schemeClr val="accent5"/>
       <a:schemeClr val="accent6"/>
     </dgm:linClrLst>
@@ -720,10 +658,7 @@
     <dgm:fillClrLst meth="repeat">
       <a:schemeClr val="lt1"/>
     </dgm:fillClrLst>
-    <dgm:linClrLst meth="repeat">
-      <a:schemeClr val="accent2"/>
-      <a:schemeClr val="accent3"/>
-      <a:schemeClr val="accent4"/>
+    <dgm:linClrLst>
       <a:schemeClr val="accent5"/>
       <a:schemeClr val="accent6"/>
     </dgm:linClrLst>
@@ -735,19 +670,7 @@
     <dgm:txEffectClrLst/>
   </dgm:styleLbl>
   <dgm:styleLbl name="fgAccFollowNode1">
-    <dgm:fillClrLst meth="repeat">
-      <a:schemeClr val="accent2">
-        <a:tint val="40000"/>
-        <a:alpha val="90000"/>
-      </a:schemeClr>
-      <a:schemeClr val="accent3">
-        <a:tint val="40000"/>
-        <a:alpha val="90000"/>
-      </a:schemeClr>
-      <a:schemeClr val="accent4">
-        <a:tint val="40000"/>
-        <a:alpha val="90000"/>
-      </a:schemeClr>
+    <dgm:fillClrLst>
       <a:schemeClr val="accent5">
         <a:tint val="40000"/>
         <a:alpha val="90000"/>
@@ -757,19 +680,35 @@
         <a:alpha val="90000"/>
       </a:schemeClr>
     </dgm:fillClrLst>
-    <dgm:linClrLst meth="repeat">
-      <a:schemeClr val="accent2">
+    <dgm:linClrLst>
+      <a:schemeClr val="accent5">
         <a:tint val="40000"/>
         <a:alpha val="90000"/>
       </a:schemeClr>
-      <a:schemeClr val="accent3">
+      <a:schemeClr val="accent5">
         <a:tint val="40000"/>
         <a:alpha val="90000"/>
       </a:schemeClr>
-      <a:schemeClr val="accent4">
+    </dgm:linClrLst>
+    <dgm:effectClrLst/>
+    <dgm:txLinClrLst/>
+    <dgm:txFillClrLst meth="repeat">
+      <a:schemeClr val="dk1"/>
+    </dgm:txFillClrLst>
+    <dgm:txEffectClrLst/>
+  </dgm:styleLbl>
+  <dgm:styleLbl name="alignAccFollowNode1">
+    <dgm:fillClrLst>
+      <a:schemeClr val="accent5">
         <a:tint val="40000"/>
         <a:alpha val="90000"/>
       </a:schemeClr>
+      <a:schemeClr val="accent6">
+        <a:tint val="40000"/>
+        <a:alpha val="90000"/>
+      </a:schemeClr>
+    </dgm:fillClrLst>
+    <dgm:linClrLst>
       <a:schemeClr val="accent5">
         <a:tint val="40000"/>
         <a:alpha val="90000"/>
@@ -786,20 +725,8 @@
     </dgm:txFillClrLst>
     <dgm:txEffectClrLst/>
   </dgm:styleLbl>
-  <dgm:styleLbl name="alignAccFollowNode1">
-    <dgm:fillClrLst meth="repeat">
-      <a:schemeClr val="accent2">
-        <a:tint val="40000"/>
-        <a:alpha val="90000"/>
-      </a:schemeClr>
-      <a:schemeClr val="accent3">
-        <a:tint val="40000"/>
-        <a:alpha val="90000"/>
-      </a:schemeClr>
-      <a:schemeClr val="accent4">
-        <a:tint val="40000"/>
-        <a:alpha val="90000"/>
-      </a:schemeClr>
+  <dgm:styleLbl name="bgAccFollowNode1">
+    <dgm:fillClrLst>
       <a:schemeClr val="accent5">
         <a:tint val="40000"/>
         <a:alpha val="90000"/>
@@ -809,19 +736,7 @@
         <a:alpha val="90000"/>
       </a:schemeClr>
     </dgm:fillClrLst>
-    <dgm:linClrLst meth="repeat">
-      <a:schemeClr val="accent2">
-        <a:tint val="40000"/>
-        <a:alpha val="90000"/>
-      </a:schemeClr>
-      <a:schemeClr val="accent3">
-        <a:tint val="40000"/>
-        <a:alpha val="90000"/>
-      </a:schemeClr>
-      <a:schemeClr val="accent4">
-        <a:tint val="40000"/>
-        <a:alpha val="90000"/>
-      </a:schemeClr>
+    <dgm:linClrLst>
       <a:schemeClr val="accent5">
         <a:tint val="40000"/>
         <a:alpha val="90000"/>
@@ -838,50 +753,14 @@
     </dgm:txFillClrLst>
     <dgm:txEffectClrLst/>
   </dgm:styleLbl>
-  <dgm:styleLbl name="bgAccFollowNode1">
+  <dgm:styleLbl name="fgAcc0">
     <dgm:fillClrLst meth="repeat">
-      <a:schemeClr val="accent2">
-        <a:tint val="40000"/>
-        <a:alpha val="90000"/>
-      </a:schemeClr>
-      <a:schemeClr val="accent3">
-        <a:tint val="40000"/>
-        <a:alpha val="90000"/>
-      </a:schemeClr>
-      <a:schemeClr val="accent4">
-        <a:tint val="40000"/>
-        <a:alpha val="90000"/>
-      </a:schemeClr>
-      <a:schemeClr val="accent5">
-        <a:tint val="40000"/>
-        <a:alpha val="90000"/>
-      </a:schemeClr>
-      <a:schemeClr val="accent6">
-        <a:tint val="40000"/>
+      <a:schemeClr val="lt1">
         <a:alpha val="90000"/>
       </a:schemeClr>
     </dgm:fillClrLst>
-    <dgm:linClrLst meth="repeat">
-      <a:schemeClr val="accent2">
-        <a:tint val="40000"/>
-        <a:alpha val="90000"/>
-      </a:schemeClr>
-      <a:schemeClr val="accent3">
-        <a:tint val="40000"/>
-        <a:alpha val="90000"/>
-      </a:schemeClr>
-      <a:schemeClr val="accent4">
-        <a:tint val="40000"/>
-        <a:alpha val="90000"/>
-      </a:schemeClr>
-      <a:schemeClr val="accent5">
-        <a:tint val="40000"/>
-        <a:alpha val="90000"/>
-      </a:schemeClr>
-      <a:schemeClr val="accent6">
-        <a:tint val="40000"/>
-        <a:alpha val="90000"/>
-      </a:schemeClr>
+    <dgm:linClrLst>
+      <a:schemeClr val="accent4"/>
     </dgm:linClrLst>
     <dgm:effectClrLst/>
     <dgm:txLinClrLst/>
@@ -890,7 +769,23 @@
     </dgm:txFillClrLst>
     <dgm:txEffectClrLst/>
   </dgm:styleLbl>
-  <dgm:styleLbl name="fgAcc0">
+  <dgm:styleLbl name="fgAcc2">
+    <dgm:fillClrLst meth="repeat">
+      <a:schemeClr val="lt1">
+        <a:alpha val="90000"/>
+      </a:schemeClr>
+    </dgm:fillClrLst>
+    <dgm:linClrLst>
+      <a:schemeClr val="accent6"/>
+    </dgm:linClrLst>
+    <dgm:effectClrLst/>
+    <dgm:txLinClrLst/>
+    <dgm:txFillClrLst meth="repeat">
+      <a:schemeClr val="dk1"/>
+    </dgm:txFillClrLst>
+    <dgm:txEffectClrLst/>
+  </dgm:styleLbl>
+  <dgm:styleLbl name="fgAcc3">
     <dgm:fillClrLst meth="repeat">
       <a:schemeClr val="lt1">
         <a:alpha val="90000"/>
@@ -906,7 +801,7 @@
     </dgm:txFillClrLst>
     <dgm:txEffectClrLst/>
   </dgm:styleLbl>
-  <dgm:styleLbl name="fgAcc2">
+  <dgm:styleLbl name="fgAcc4">
     <dgm:fillClrLst meth="repeat">
       <a:schemeClr val="lt1">
         <a:alpha val="90000"/>
@@ -922,41 +817,9 @@
     </dgm:txFillClrLst>
     <dgm:txEffectClrLst/>
   </dgm:styleLbl>
-  <dgm:styleLbl name="fgAcc3">
-    <dgm:fillClrLst meth="repeat">
-      <a:schemeClr val="lt1">
-        <a:alpha val="90000"/>
-      </a:schemeClr>
-    </dgm:fillClrLst>
-    <dgm:linClrLst>
-      <a:schemeClr val="accent3"/>
-    </dgm:linClrLst>
-    <dgm:effectClrLst/>
-    <dgm:txLinClrLst/>
-    <dgm:txFillClrLst meth="repeat">
-      <a:schemeClr val="dk1"/>
-    </dgm:txFillClrLst>
-    <dgm:txEffectClrLst/>
-  </dgm:styleLbl>
-  <dgm:styleLbl name="fgAcc4">
-    <dgm:fillClrLst meth="repeat">
-      <a:schemeClr val="lt1">
-        <a:alpha val="90000"/>
-      </a:schemeClr>
-    </dgm:fillClrLst>
-    <dgm:linClrLst>
-      <a:schemeClr val="accent4"/>
-    </dgm:linClrLst>
-    <dgm:effectClrLst/>
-    <dgm:txLinClrLst/>
-    <dgm:txFillClrLst meth="repeat">
-      <a:schemeClr val="dk1"/>
-    </dgm:txFillClrLst>
-    <dgm:txEffectClrLst/>
-  </dgm:styleLbl>
   <dgm:styleLbl name="bgShp">
     <dgm:fillClrLst meth="repeat">
-      <a:schemeClr val="accent2">
+      <a:schemeClr val="accent5">
         <a:tint val="40000"/>
       </a:schemeClr>
     </dgm:fillClrLst>
@@ -972,7 +835,7 @@
   </dgm:styleLbl>
   <dgm:styleLbl name="dkBgShp">
     <dgm:fillClrLst meth="repeat">
-      <a:schemeClr val="accent2">
+      <a:schemeClr val="accent5">
         <a:shade val="90000"/>
       </a:schemeClr>
     </dgm:fillClrLst>
@@ -988,13 +851,13 @@
   </dgm:styleLbl>
   <dgm:styleLbl name="trBgShp">
     <dgm:fillClrLst meth="repeat">
-      <a:schemeClr val="accent1">
+      <a:schemeClr val="accent5">
         <a:tint val="50000"/>
         <a:alpha val="40000"/>
       </a:schemeClr>
     </dgm:fillClrLst>
     <dgm:linClrLst meth="repeat">
-      <a:schemeClr val="accent2"/>
+      <a:schemeClr val="accent5"/>
     </dgm:linClrLst>
     <dgm:effectClrLst/>
     <dgm:txLinClrLst/>
@@ -1005,7 +868,7 @@
   </dgm:styleLbl>
   <dgm:styleLbl name="fgShp">
     <dgm:fillClrLst meth="repeat">
-      <a:schemeClr val="accent2">
+      <a:schemeClr val="accent5">
         <a:tint val="40000"/>
       </a:schemeClr>
     </dgm:fillClrLst>
@@ -1787,11 +1650,793 @@
 </dgm:colorsDef>
 </file>
 
+<file path=ppt/diagrams/colors3.xml><?xml version="1.0" encoding="utf-8"?>
+<dgm:colorsDef xmlns:dgm="http://schemas.openxmlformats.org/drawingml/2006/diagram" xmlns:a="http://schemas.openxmlformats.org/drawingml/2006/main" uniqueId="urn:microsoft.com/office/officeart/2005/8/colors/colorful2">
+  <dgm:title val=""/>
+  <dgm:desc val=""/>
+  <dgm:catLst>
+    <dgm:cat type="colorful" pri="10200"/>
+  </dgm:catLst>
+  <dgm:styleLbl name="node0">
+    <dgm:fillClrLst meth="repeat">
+      <a:schemeClr val="accent1"/>
+    </dgm:fillClrLst>
+    <dgm:linClrLst meth="repeat">
+      <a:schemeClr val="lt1"/>
+    </dgm:linClrLst>
+    <dgm:effectClrLst/>
+    <dgm:txLinClrLst/>
+    <dgm:txFillClrLst/>
+    <dgm:txEffectClrLst/>
+  </dgm:styleLbl>
+  <dgm:styleLbl name="node1">
+    <dgm:fillClrLst>
+      <a:schemeClr val="accent2"/>
+      <a:schemeClr val="accent3"/>
+    </dgm:fillClrLst>
+    <dgm:linClrLst meth="repeat">
+      <a:schemeClr val="lt1"/>
+    </dgm:linClrLst>
+    <dgm:effectClrLst/>
+    <dgm:txLinClrLst/>
+    <dgm:txFillClrLst/>
+    <dgm:txEffectClrLst/>
+  </dgm:styleLbl>
+  <dgm:styleLbl name="alignNode1">
+    <dgm:fillClrLst>
+      <a:schemeClr val="accent2"/>
+      <a:schemeClr val="accent3"/>
+    </dgm:fillClrLst>
+    <dgm:linClrLst>
+      <a:schemeClr val="accent2"/>
+      <a:schemeClr val="accent3"/>
+    </dgm:linClrLst>
+    <dgm:effectClrLst/>
+    <dgm:txLinClrLst/>
+    <dgm:txFillClrLst/>
+    <dgm:txEffectClrLst/>
+  </dgm:styleLbl>
+  <dgm:styleLbl name="lnNode1">
+    <dgm:fillClrLst>
+      <a:schemeClr val="accent2"/>
+      <a:schemeClr val="accent3"/>
+    </dgm:fillClrLst>
+    <dgm:linClrLst meth="repeat">
+      <a:schemeClr val="lt1"/>
+    </dgm:linClrLst>
+    <dgm:effectClrLst/>
+    <dgm:txLinClrLst/>
+    <dgm:txFillClrLst/>
+    <dgm:txEffectClrLst/>
+  </dgm:styleLbl>
+  <dgm:styleLbl name="vennNode1">
+    <dgm:fillClrLst>
+      <a:schemeClr val="accent2">
+        <a:alpha val="50000"/>
+      </a:schemeClr>
+      <a:schemeClr val="accent3">
+        <a:alpha val="50000"/>
+      </a:schemeClr>
+    </dgm:fillClrLst>
+    <dgm:linClrLst meth="repeat">
+      <a:schemeClr val="lt1"/>
+    </dgm:linClrLst>
+    <dgm:effectClrLst/>
+    <dgm:txLinClrLst/>
+    <dgm:txFillClrLst/>
+    <dgm:txEffectClrLst/>
+  </dgm:styleLbl>
+  <dgm:styleLbl name="node2">
+    <dgm:fillClrLst>
+      <a:schemeClr val="accent3"/>
+    </dgm:fillClrLst>
+    <dgm:linClrLst meth="repeat">
+      <a:schemeClr val="lt1"/>
+    </dgm:linClrLst>
+    <dgm:effectClrLst/>
+    <dgm:txLinClrLst/>
+    <dgm:txFillClrLst/>
+    <dgm:txEffectClrLst/>
+  </dgm:styleLbl>
+  <dgm:styleLbl name="node3">
+    <dgm:fillClrLst>
+      <a:schemeClr val="accent4"/>
+    </dgm:fillClrLst>
+    <dgm:linClrLst meth="repeat">
+      <a:schemeClr val="lt1"/>
+    </dgm:linClrLst>
+    <dgm:effectClrLst/>
+    <dgm:txLinClrLst/>
+    <dgm:txFillClrLst/>
+    <dgm:txEffectClrLst/>
+  </dgm:styleLbl>
+  <dgm:styleLbl name="node4">
+    <dgm:fillClrLst>
+      <a:schemeClr val="accent5"/>
+    </dgm:fillClrLst>
+    <dgm:linClrLst meth="repeat">
+      <a:schemeClr val="lt1"/>
+    </dgm:linClrLst>
+    <dgm:effectClrLst/>
+    <dgm:txLinClrLst/>
+    <dgm:txFillClrLst/>
+    <dgm:txEffectClrLst/>
+  </dgm:styleLbl>
+  <dgm:styleLbl name="fgImgPlace1">
+    <dgm:fillClrLst>
+      <a:schemeClr val="accent2">
+        <a:tint val="50000"/>
+      </a:schemeClr>
+      <a:schemeClr val="accent3">
+        <a:tint val="50000"/>
+      </a:schemeClr>
+    </dgm:fillClrLst>
+    <dgm:linClrLst meth="repeat">
+      <a:schemeClr val="lt1"/>
+    </dgm:linClrLst>
+    <dgm:effectClrLst/>
+    <dgm:txLinClrLst/>
+    <dgm:txFillClrLst meth="repeat">
+      <a:schemeClr val="lt1"/>
+    </dgm:txFillClrLst>
+    <dgm:txEffectClrLst/>
+  </dgm:styleLbl>
+  <dgm:styleLbl name="alignImgPlace1">
+    <dgm:fillClrLst>
+      <a:schemeClr val="accent2">
+        <a:tint val="50000"/>
+      </a:schemeClr>
+      <a:schemeClr val="accent3">
+        <a:tint val="20000"/>
+      </a:schemeClr>
+    </dgm:fillClrLst>
+    <dgm:linClrLst meth="repeat">
+      <a:schemeClr val="lt1"/>
+    </dgm:linClrLst>
+    <dgm:effectClrLst/>
+    <dgm:txLinClrLst/>
+    <dgm:txFillClrLst meth="repeat">
+      <a:schemeClr val="lt1"/>
+    </dgm:txFillClrLst>
+    <dgm:txEffectClrLst/>
+  </dgm:styleLbl>
+  <dgm:styleLbl name="bgImgPlace1">
+    <dgm:fillClrLst>
+      <a:schemeClr val="accent2">
+        <a:tint val="50000"/>
+      </a:schemeClr>
+      <a:schemeClr val="accent3">
+        <a:tint val="20000"/>
+      </a:schemeClr>
+    </dgm:fillClrLst>
+    <dgm:linClrLst meth="repeat">
+      <a:schemeClr val="lt1"/>
+    </dgm:linClrLst>
+    <dgm:effectClrLst/>
+    <dgm:txLinClrLst/>
+    <dgm:txFillClrLst meth="repeat">
+      <a:schemeClr val="lt1"/>
+    </dgm:txFillClrLst>
+    <dgm:txEffectClrLst/>
+  </dgm:styleLbl>
+  <dgm:styleLbl name="sibTrans2D1">
+    <dgm:fillClrLst>
+      <a:schemeClr val="accent2"/>
+      <a:schemeClr val="accent3"/>
+    </dgm:fillClrLst>
+    <dgm:linClrLst meth="repeat">
+      <a:schemeClr val="lt1"/>
+    </dgm:linClrLst>
+    <dgm:effectClrLst/>
+    <dgm:txLinClrLst/>
+    <dgm:txFillClrLst/>
+    <dgm:txEffectClrLst/>
+  </dgm:styleLbl>
+  <dgm:styleLbl name="fgSibTrans2D1">
+    <dgm:fillClrLst>
+      <a:schemeClr val="accent2"/>
+      <a:schemeClr val="accent3"/>
+    </dgm:fillClrLst>
+    <dgm:linClrLst meth="repeat">
+      <a:schemeClr val="lt1"/>
+    </dgm:linClrLst>
+    <dgm:effectClrLst/>
+    <dgm:txLinClrLst/>
+    <dgm:txFillClrLst meth="repeat">
+      <a:schemeClr val="lt1"/>
+    </dgm:txFillClrLst>
+    <dgm:txEffectClrLst/>
+  </dgm:styleLbl>
+  <dgm:styleLbl name="bgSibTrans2D1">
+    <dgm:fillClrLst>
+      <a:schemeClr val="accent2"/>
+      <a:schemeClr val="accent3"/>
+    </dgm:fillClrLst>
+    <dgm:linClrLst meth="repeat">
+      <a:schemeClr val="lt1"/>
+    </dgm:linClrLst>
+    <dgm:effectClrLst/>
+    <dgm:txLinClrLst/>
+    <dgm:txFillClrLst meth="repeat">
+      <a:schemeClr val="lt1"/>
+    </dgm:txFillClrLst>
+    <dgm:txEffectClrLst/>
+  </dgm:styleLbl>
+  <dgm:styleLbl name="sibTrans1D1">
+    <dgm:fillClrLst/>
+    <dgm:linClrLst>
+      <a:schemeClr val="accent2"/>
+      <a:schemeClr val="accent3"/>
+    </dgm:linClrLst>
+    <dgm:effectClrLst/>
+    <dgm:txLinClrLst/>
+    <dgm:txFillClrLst meth="repeat">
+      <a:schemeClr val="tx1"/>
+    </dgm:txFillClrLst>
+    <dgm:txEffectClrLst/>
+  </dgm:styleLbl>
+  <dgm:styleLbl name="callout">
+    <dgm:fillClrLst meth="repeat">
+      <a:schemeClr val="accent2"/>
+    </dgm:fillClrLst>
+    <dgm:linClrLst meth="repeat">
+      <a:schemeClr val="accent2">
+        <a:tint val="50000"/>
+      </a:schemeClr>
+    </dgm:linClrLst>
+    <dgm:effectClrLst/>
+    <dgm:txLinClrLst/>
+    <dgm:txFillClrLst meth="repeat">
+      <a:schemeClr val="tx1"/>
+    </dgm:txFillClrLst>
+    <dgm:txEffectClrLst/>
+  </dgm:styleLbl>
+  <dgm:styleLbl name="asst0">
+    <dgm:fillClrLst meth="repeat">
+      <a:schemeClr val="accent2"/>
+    </dgm:fillClrLst>
+    <dgm:linClrLst meth="repeat">
+      <a:schemeClr val="lt1">
+        <a:shade val="80000"/>
+      </a:schemeClr>
+    </dgm:linClrLst>
+    <dgm:effectClrLst/>
+    <dgm:txLinClrLst/>
+    <dgm:txFillClrLst/>
+    <dgm:txEffectClrLst/>
+  </dgm:styleLbl>
+  <dgm:styleLbl name="asst1">
+    <dgm:fillClrLst meth="repeat">
+      <a:schemeClr val="accent3"/>
+    </dgm:fillClrLst>
+    <dgm:linClrLst meth="repeat">
+      <a:schemeClr val="lt1">
+        <a:shade val="80000"/>
+      </a:schemeClr>
+    </dgm:linClrLst>
+    <dgm:effectClrLst/>
+    <dgm:txLinClrLst/>
+    <dgm:txFillClrLst/>
+    <dgm:txEffectClrLst/>
+  </dgm:styleLbl>
+  <dgm:styleLbl name="asst2">
+    <dgm:fillClrLst>
+      <a:schemeClr val="accent4"/>
+    </dgm:fillClrLst>
+    <dgm:linClrLst meth="repeat">
+      <a:schemeClr val="lt1"/>
+    </dgm:linClrLst>
+    <dgm:effectClrLst/>
+    <dgm:txLinClrLst/>
+    <dgm:txFillClrLst/>
+    <dgm:txEffectClrLst/>
+  </dgm:styleLbl>
+  <dgm:styleLbl name="asst3">
+    <dgm:fillClrLst>
+      <a:schemeClr val="accent5"/>
+    </dgm:fillClrLst>
+    <dgm:linClrLst meth="repeat">
+      <a:schemeClr val="lt1"/>
+    </dgm:linClrLst>
+    <dgm:effectClrLst/>
+    <dgm:txLinClrLst/>
+    <dgm:txFillClrLst/>
+    <dgm:txEffectClrLst/>
+  </dgm:styleLbl>
+  <dgm:styleLbl name="asst4">
+    <dgm:fillClrLst>
+      <a:schemeClr val="accent6"/>
+    </dgm:fillClrLst>
+    <dgm:linClrLst meth="repeat">
+      <a:schemeClr val="lt1"/>
+    </dgm:linClrLst>
+    <dgm:effectClrLst/>
+    <dgm:txLinClrLst/>
+    <dgm:txFillClrLst/>
+    <dgm:txEffectClrLst/>
+  </dgm:styleLbl>
+  <dgm:styleLbl name="parChTrans2D1">
+    <dgm:fillClrLst meth="repeat">
+      <a:schemeClr val="accent2"/>
+    </dgm:fillClrLst>
+    <dgm:linClrLst meth="repeat">
+      <a:schemeClr val="lt1"/>
+    </dgm:linClrLst>
+    <dgm:effectClrLst/>
+    <dgm:txLinClrLst/>
+    <dgm:txFillClrLst meth="repeat">
+      <a:schemeClr val="lt1"/>
+    </dgm:txFillClrLst>
+    <dgm:txEffectClrLst/>
+  </dgm:styleLbl>
+  <dgm:styleLbl name="parChTrans2D2">
+    <dgm:fillClrLst meth="repeat">
+      <a:schemeClr val="accent3"/>
+    </dgm:fillClrLst>
+    <dgm:linClrLst meth="repeat">
+      <a:schemeClr val="lt1"/>
+    </dgm:linClrLst>
+    <dgm:effectClrLst/>
+    <dgm:txLinClrLst/>
+    <dgm:txFillClrLst/>
+    <dgm:txEffectClrLst/>
+  </dgm:styleLbl>
+  <dgm:styleLbl name="parChTrans2D3">
+    <dgm:fillClrLst meth="repeat">
+      <a:schemeClr val="accent4"/>
+    </dgm:fillClrLst>
+    <dgm:linClrLst meth="repeat">
+      <a:schemeClr val="lt1"/>
+    </dgm:linClrLst>
+    <dgm:effectClrLst/>
+    <dgm:txLinClrLst/>
+    <dgm:txFillClrLst/>
+    <dgm:txEffectClrLst/>
+  </dgm:styleLbl>
+  <dgm:styleLbl name="parChTrans2D4">
+    <dgm:fillClrLst meth="repeat">
+      <a:schemeClr val="accent5"/>
+    </dgm:fillClrLst>
+    <dgm:linClrLst meth="repeat">
+      <a:schemeClr val="lt1"/>
+    </dgm:linClrLst>
+    <dgm:effectClrLst/>
+    <dgm:txLinClrLst/>
+    <dgm:txFillClrLst meth="repeat">
+      <a:schemeClr val="lt1"/>
+    </dgm:txFillClrLst>
+    <dgm:txEffectClrLst/>
+  </dgm:styleLbl>
+  <dgm:styleLbl name="parChTrans1D1">
+    <dgm:fillClrLst meth="repeat">
+      <a:schemeClr val="accent2"/>
+    </dgm:fillClrLst>
+    <dgm:linClrLst meth="repeat">
+      <a:schemeClr val="accent2"/>
+    </dgm:linClrLst>
+    <dgm:effectClrLst/>
+    <dgm:txLinClrLst/>
+    <dgm:txFillClrLst meth="repeat">
+      <a:schemeClr val="tx1"/>
+    </dgm:txFillClrLst>
+    <dgm:txEffectClrLst/>
+  </dgm:styleLbl>
+  <dgm:styleLbl name="parChTrans1D2">
+    <dgm:fillClrLst meth="repeat">
+      <a:schemeClr val="accent2">
+        <a:tint val="90000"/>
+      </a:schemeClr>
+    </dgm:fillClrLst>
+    <dgm:linClrLst meth="repeat">
+      <a:schemeClr val="accent3"/>
+    </dgm:linClrLst>
+    <dgm:effectClrLst/>
+    <dgm:txLinClrLst/>
+    <dgm:txFillClrLst meth="repeat">
+      <a:schemeClr val="tx1"/>
+    </dgm:txFillClrLst>
+    <dgm:txEffectClrLst/>
+  </dgm:styleLbl>
+  <dgm:styleLbl name="parChTrans1D3">
+    <dgm:fillClrLst meth="repeat">
+      <a:schemeClr val="accent2">
+        <a:tint val="70000"/>
+      </a:schemeClr>
+    </dgm:fillClrLst>
+    <dgm:linClrLst meth="repeat">
+      <a:schemeClr val="accent4"/>
+    </dgm:linClrLst>
+    <dgm:effectClrLst/>
+    <dgm:txLinClrLst/>
+    <dgm:txFillClrLst meth="repeat">
+      <a:schemeClr val="tx1"/>
+    </dgm:txFillClrLst>
+    <dgm:txEffectClrLst/>
+  </dgm:styleLbl>
+  <dgm:styleLbl name="parChTrans1D4">
+    <dgm:fillClrLst meth="repeat">
+      <a:schemeClr val="accent2">
+        <a:tint val="50000"/>
+      </a:schemeClr>
+    </dgm:fillClrLst>
+    <dgm:linClrLst meth="repeat">
+      <a:schemeClr val="accent5"/>
+    </dgm:linClrLst>
+    <dgm:effectClrLst/>
+    <dgm:txLinClrLst/>
+    <dgm:txFillClrLst meth="repeat">
+      <a:schemeClr val="tx1"/>
+    </dgm:txFillClrLst>
+    <dgm:txEffectClrLst/>
+  </dgm:styleLbl>
+  <dgm:styleLbl name="fgAcc1">
+    <dgm:fillClrLst meth="repeat">
+      <a:schemeClr val="lt1">
+        <a:alpha val="90000"/>
+      </a:schemeClr>
+    </dgm:fillClrLst>
+    <dgm:linClrLst>
+      <a:schemeClr val="accent2"/>
+      <a:schemeClr val="accent3"/>
+    </dgm:linClrLst>
+    <dgm:effectClrLst/>
+    <dgm:txLinClrLst/>
+    <dgm:txFillClrLst meth="repeat">
+      <a:schemeClr val="dk1"/>
+    </dgm:txFillClrLst>
+    <dgm:txEffectClrLst/>
+  </dgm:styleLbl>
+  <dgm:styleLbl name="conFgAcc1">
+    <dgm:fillClrLst meth="repeat">
+      <a:schemeClr val="lt1">
+        <a:alpha val="90000"/>
+      </a:schemeClr>
+    </dgm:fillClrLst>
+    <dgm:linClrLst>
+      <a:schemeClr val="accent2"/>
+      <a:schemeClr val="accent3"/>
+    </dgm:linClrLst>
+    <dgm:effectClrLst/>
+    <dgm:txLinClrLst/>
+    <dgm:txFillClrLst meth="repeat">
+      <a:schemeClr val="dk1"/>
+    </dgm:txFillClrLst>
+    <dgm:txEffectClrLst/>
+  </dgm:styleLbl>
+  <dgm:styleLbl name="alignAcc1">
+    <dgm:fillClrLst meth="repeat">
+      <a:schemeClr val="lt1">
+        <a:alpha val="90000"/>
+      </a:schemeClr>
+    </dgm:fillClrLst>
+    <dgm:linClrLst>
+      <a:schemeClr val="accent2"/>
+      <a:schemeClr val="accent3"/>
+    </dgm:linClrLst>
+    <dgm:effectClrLst/>
+    <dgm:txLinClrLst/>
+    <dgm:txFillClrLst meth="repeat">
+      <a:schemeClr val="dk1"/>
+    </dgm:txFillClrLst>
+    <dgm:txEffectClrLst/>
+  </dgm:styleLbl>
+  <dgm:styleLbl name="trAlignAcc1">
+    <dgm:fillClrLst meth="repeat">
+      <a:schemeClr val="lt1">
+        <a:alpha val="40000"/>
+      </a:schemeClr>
+    </dgm:fillClrLst>
+    <dgm:linClrLst meth="repeat">
+      <a:schemeClr val="accent2"/>
+    </dgm:linClrLst>
+    <dgm:effectClrLst/>
+    <dgm:txLinClrLst/>
+    <dgm:txFillClrLst meth="repeat">
+      <a:schemeClr val="dk1"/>
+    </dgm:txFillClrLst>
+    <dgm:txEffectClrLst/>
+  </dgm:styleLbl>
+  <dgm:styleLbl name="bgAcc1">
+    <dgm:fillClrLst meth="repeat">
+      <a:schemeClr val="lt1">
+        <a:alpha val="90000"/>
+      </a:schemeClr>
+    </dgm:fillClrLst>
+    <dgm:linClrLst>
+      <a:schemeClr val="accent2"/>
+      <a:schemeClr val="accent3"/>
+    </dgm:linClrLst>
+    <dgm:effectClrLst/>
+    <dgm:txLinClrLst/>
+    <dgm:txFillClrLst meth="repeat">
+      <a:schemeClr val="dk1"/>
+    </dgm:txFillClrLst>
+    <dgm:txEffectClrLst/>
+  </dgm:styleLbl>
+  <dgm:styleLbl name="solidFgAcc1">
+    <dgm:fillClrLst meth="repeat">
+      <a:schemeClr val="lt1"/>
+    </dgm:fillClrLst>
+    <dgm:linClrLst>
+      <a:schemeClr val="accent2"/>
+      <a:schemeClr val="accent3"/>
+    </dgm:linClrLst>
+    <dgm:effectClrLst/>
+    <dgm:txLinClrLst/>
+    <dgm:txFillClrLst meth="repeat">
+      <a:schemeClr val="dk1"/>
+    </dgm:txFillClrLst>
+    <dgm:txEffectClrLst/>
+  </dgm:styleLbl>
+  <dgm:styleLbl name="solidAlignAcc1">
+    <dgm:fillClrLst meth="repeat">
+      <a:schemeClr val="lt1"/>
+    </dgm:fillClrLst>
+    <dgm:linClrLst>
+      <a:schemeClr val="accent2"/>
+      <a:schemeClr val="accent3"/>
+    </dgm:linClrLst>
+    <dgm:effectClrLst/>
+    <dgm:txLinClrLst/>
+    <dgm:txFillClrLst meth="repeat">
+      <a:schemeClr val="dk1"/>
+    </dgm:txFillClrLst>
+    <dgm:txEffectClrLst/>
+  </dgm:styleLbl>
+  <dgm:styleLbl name="solidBgAcc1">
+    <dgm:fillClrLst meth="repeat">
+      <a:schemeClr val="lt1"/>
+    </dgm:fillClrLst>
+    <dgm:linClrLst>
+      <a:schemeClr val="accent2"/>
+      <a:schemeClr val="accent3"/>
+    </dgm:linClrLst>
+    <dgm:effectClrLst/>
+    <dgm:txLinClrLst/>
+    <dgm:txFillClrLst meth="repeat">
+      <a:schemeClr val="dk1"/>
+    </dgm:txFillClrLst>
+    <dgm:txEffectClrLst/>
+  </dgm:styleLbl>
+  <dgm:styleLbl name="fgAccFollowNode1">
+    <dgm:fillClrLst>
+      <a:schemeClr val="accent2">
+        <a:tint val="40000"/>
+        <a:alpha val="90000"/>
+      </a:schemeClr>
+      <a:schemeClr val="accent3">
+        <a:tint val="40000"/>
+        <a:alpha val="90000"/>
+      </a:schemeClr>
+    </dgm:fillClrLst>
+    <dgm:linClrLst>
+      <a:schemeClr val="accent2">
+        <a:tint val="40000"/>
+        <a:alpha val="90000"/>
+      </a:schemeClr>
+      <a:schemeClr val="accent3">
+        <a:tint val="40000"/>
+        <a:alpha val="90000"/>
+      </a:schemeClr>
+    </dgm:linClrLst>
+    <dgm:effectClrLst/>
+    <dgm:txLinClrLst/>
+    <dgm:txFillClrLst meth="repeat">
+      <a:schemeClr val="dk1"/>
+    </dgm:txFillClrLst>
+    <dgm:txEffectClrLst/>
+  </dgm:styleLbl>
+  <dgm:styleLbl name="alignAccFollowNode1">
+    <dgm:fillClrLst>
+      <a:schemeClr val="accent2">
+        <a:tint val="40000"/>
+        <a:alpha val="90000"/>
+      </a:schemeClr>
+      <a:schemeClr val="accent3">
+        <a:tint val="40000"/>
+        <a:alpha val="90000"/>
+      </a:schemeClr>
+    </dgm:fillClrLst>
+    <dgm:linClrLst>
+      <a:schemeClr val="accent2">
+        <a:tint val="40000"/>
+        <a:alpha val="90000"/>
+      </a:schemeClr>
+      <a:schemeClr val="accent3">
+        <a:tint val="40000"/>
+        <a:alpha val="90000"/>
+      </a:schemeClr>
+    </dgm:linClrLst>
+    <dgm:effectClrLst/>
+    <dgm:txLinClrLst/>
+    <dgm:txFillClrLst meth="repeat">
+      <a:schemeClr val="dk1"/>
+    </dgm:txFillClrLst>
+    <dgm:txEffectClrLst/>
+  </dgm:styleLbl>
+  <dgm:styleLbl name="bgAccFollowNode1">
+    <dgm:fillClrLst>
+      <a:schemeClr val="accent2">
+        <a:tint val="40000"/>
+        <a:alpha val="90000"/>
+      </a:schemeClr>
+      <a:schemeClr val="accent3">
+        <a:tint val="40000"/>
+        <a:alpha val="90000"/>
+      </a:schemeClr>
+    </dgm:fillClrLst>
+    <dgm:linClrLst>
+      <a:schemeClr val="accent2">
+        <a:tint val="40000"/>
+        <a:alpha val="90000"/>
+      </a:schemeClr>
+      <a:schemeClr val="accent3">
+        <a:tint val="40000"/>
+        <a:alpha val="90000"/>
+      </a:schemeClr>
+    </dgm:linClrLst>
+    <dgm:effectClrLst/>
+    <dgm:txLinClrLst/>
+    <dgm:txFillClrLst meth="repeat">
+      <a:schemeClr val="dk1"/>
+    </dgm:txFillClrLst>
+    <dgm:txEffectClrLst/>
+  </dgm:styleLbl>
+  <dgm:styleLbl name="fgAcc0">
+    <dgm:fillClrLst meth="repeat">
+      <a:schemeClr val="lt1">
+        <a:alpha val="90000"/>
+      </a:schemeClr>
+    </dgm:fillClrLst>
+    <dgm:linClrLst>
+      <a:schemeClr val="accent1"/>
+    </dgm:linClrLst>
+    <dgm:effectClrLst/>
+    <dgm:txLinClrLst/>
+    <dgm:txFillClrLst meth="repeat">
+      <a:schemeClr val="dk1"/>
+    </dgm:txFillClrLst>
+    <dgm:txEffectClrLst/>
+  </dgm:styleLbl>
+  <dgm:styleLbl name="fgAcc2">
+    <dgm:fillClrLst meth="repeat">
+      <a:schemeClr val="lt1">
+        <a:alpha val="90000"/>
+      </a:schemeClr>
+    </dgm:fillClrLst>
+    <dgm:linClrLst>
+      <a:schemeClr val="accent3"/>
+    </dgm:linClrLst>
+    <dgm:effectClrLst/>
+    <dgm:txLinClrLst/>
+    <dgm:txFillClrLst meth="repeat">
+      <a:schemeClr val="dk1"/>
+    </dgm:txFillClrLst>
+    <dgm:txEffectClrLst/>
+  </dgm:styleLbl>
+  <dgm:styleLbl name="fgAcc3">
+    <dgm:fillClrLst meth="repeat">
+      <a:schemeClr val="lt1">
+        <a:alpha val="90000"/>
+      </a:schemeClr>
+    </dgm:fillClrLst>
+    <dgm:linClrLst>
+      <a:schemeClr val="accent4"/>
+    </dgm:linClrLst>
+    <dgm:effectClrLst/>
+    <dgm:txLinClrLst/>
+    <dgm:txFillClrLst meth="repeat">
+      <a:schemeClr val="dk1"/>
+    </dgm:txFillClrLst>
+    <dgm:txEffectClrLst/>
+  </dgm:styleLbl>
+  <dgm:styleLbl name="fgAcc4">
+    <dgm:fillClrLst meth="repeat">
+      <a:schemeClr val="lt1">
+        <a:alpha val="90000"/>
+      </a:schemeClr>
+    </dgm:fillClrLst>
+    <dgm:linClrLst>
+      <a:schemeClr val="accent5"/>
+    </dgm:linClrLst>
+    <dgm:effectClrLst/>
+    <dgm:txLinClrLst/>
+    <dgm:txFillClrLst meth="repeat">
+      <a:schemeClr val="dk1"/>
+    </dgm:txFillClrLst>
+    <dgm:txEffectClrLst/>
+  </dgm:styleLbl>
+  <dgm:styleLbl name="bgShp">
+    <dgm:fillClrLst meth="repeat">
+      <a:schemeClr val="accent2">
+        <a:tint val="40000"/>
+      </a:schemeClr>
+    </dgm:fillClrLst>
+    <dgm:linClrLst meth="repeat">
+      <a:schemeClr val="dk1"/>
+    </dgm:linClrLst>
+    <dgm:effectClrLst/>
+    <dgm:txLinClrLst/>
+    <dgm:txFillClrLst meth="repeat">
+      <a:schemeClr val="dk1"/>
+    </dgm:txFillClrLst>
+    <dgm:txEffectClrLst/>
+  </dgm:styleLbl>
+  <dgm:styleLbl name="dkBgShp">
+    <dgm:fillClrLst meth="repeat">
+      <a:schemeClr val="accent2">
+        <a:shade val="90000"/>
+      </a:schemeClr>
+    </dgm:fillClrLst>
+    <dgm:linClrLst meth="repeat">
+      <a:schemeClr val="dk1"/>
+    </dgm:linClrLst>
+    <dgm:effectClrLst/>
+    <dgm:txLinClrLst/>
+    <dgm:txFillClrLst meth="repeat">
+      <a:schemeClr val="lt1"/>
+    </dgm:txFillClrLst>
+    <dgm:txEffectClrLst/>
+  </dgm:styleLbl>
+  <dgm:styleLbl name="trBgShp">
+    <dgm:fillClrLst meth="repeat">
+      <a:schemeClr val="accent2">
+        <a:tint val="50000"/>
+        <a:alpha val="40000"/>
+      </a:schemeClr>
+    </dgm:fillClrLst>
+    <dgm:linClrLst meth="repeat">
+      <a:schemeClr val="accent2"/>
+    </dgm:linClrLst>
+    <dgm:effectClrLst/>
+    <dgm:txLinClrLst/>
+    <dgm:txFillClrLst meth="repeat">
+      <a:schemeClr val="lt1"/>
+    </dgm:txFillClrLst>
+    <dgm:txEffectClrLst/>
+  </dgm:styleLbl>
+  <dgm:styleLbl name="fgShp">
+    <dgm:fillClrLst meth="repeat">
+      <a:schemeClr val="accent2">
+        <a:tint val="40000"/>
+      </a:schemeClr>
+    </dgm:fillClrLst>
+    <dgm:linClrLst meth="repeat">
+      <a:schemeClr val="lt1"/>
+    </dgm:linClrLst>
+    <dgm:effectClrLst/>
+    <dgm:txLinClrLst/>
+    <dgm:txFillClrLst meth="repeat">
+      <a:schemeClr val="dk1"/>
+    </dgm:txFillClrLst>
+    <dgm:txEffectClrLst/>
+  </dgm:styleLbl>
+  <dgm:styleLbl name="revTx">
+    <dgm:fillClrLst meth="repeat">
+      <a:schemeClr val="lt1">
+        <a:alpha val="0"/>
+      </a:schemeClr>
+    </dgm:fillClrLst>
+    <dgm:linClrLst meth="repeat">
+      <a:schemeClr val="dk1">
+        <a:alpha val="0"/>
+      </a:schemeClr>
+    </dgm:linClrLst>
+    <dgm:effectClrLst/>
+    <dgm:txLinClrLst/>
+    <dgm:txFillClrLst meth="repeat">
+      <a:schemeClr val="tx1"/>
+    </dgm:txFillClrLst>
+    <dgm:txEffectClrLst/>
+  </dgm:styleLbl>
+</dgm:colorsDef>
+</file>
+
 <file path=ppt/diagrams/data1.xml><?xml version="1.0" encoding="utf-8"?>
 <dgm:dataModel xmlns:dgm="http://schemas.openxmlformats.org/drawingml/2006/diagram" xmlns:a="http://schemas.openxmlformats.org/drawingml/2006/main">
   <dgm:ptLst>
-    <dgm:pt modelId="{18A5D090-1208-4A5A-B0DD-D8F9EBC3BBAA}" type="doc">
-      <dgm:prSet loTypeId="urn:microsoft.com/office/officeart/2016/7/layout/LinearBlockProcessNumbered" loCatId="process" qsTypeId="urn:microsoft.com/office/officeart/2005/8/quickstyle/simple4" qsCatId="simple" csTypeId="urn:microsoft.com/office/officeart/2005/8/colors/colorful1" csCatId="colorful"/>
+    <dgm:pt modelId="{13633C42-E58B-4747-8BD2-58F3018B6BBD}" type="doc">
+      <dgm:prSet loTypeId="urn:microsoft.com/office/officeart/2016/7/layout/LinearBlockProcessNumbered" loCatId="process" qsTypeId="urn:microsoft.com/office/officeart/2005/8/quickstyle/simple2" qsCatId="simple" csTypeId="urn:microsoft.com/office/officeart/2005/8/colors/colorful5" csCatId="colorful" phldr="1"/>
       <dgm:spPr/>
       <dgm:t>
         <a:bodyPr/>
@@ -1801,7 +2446,7 @@
         </a:p>
       </dgm:t>
     </dgm:pt>
-    <dgm:pt modelId="{D93A1884-5EC4-4568-8272-82AC7C8EBFED}">
+    <dgm:pt modelId="{D4A32B39-C976-41F2-B710-B8F9DB32993B}">
       <dgm:prSet/>
       <dgm:spPr/>
       <dgm:t>
@@ -1809,14 +2454,14 @@
         <a:lstStyle/>
         <a:p>
           <a:r>
-            <a:rPr lang="fr-FR"/>
-            <a:t>Niveau 0; présentation et démonstration</a:t>
+            <a:rPr lang="fr-FR" dirty="0"/>
+            <a:t>Niveau 0; présentation, démonstration </a:t>
           </a:r>
-          <a:endParaRPr lang="en-US"/>
+          <a:endParaRPr lang="en-US" dirty="0"/>
         </a:p>
       </dgm:t>
     </dgm:pt>
-    <dgm:pt modelId="{DC467C63-A4B1-4170-9201-5E01432B53DA}" type="parTrans" cxnId="{3BCC6DA6-79E6-490A-9BF0-D775F9C4E985}">
+    <dgm:pt modelId="{9091345E-F2F0-4972-8F2B-B6369C2ADD76}" type="parTrans" cxnId="{EC0B1344-D23F-4884-8610-3B0D31FF65E3}">
       <dgm:prSet/>
       <dgm:spPr/>
       <dgm:t>
@@ -1827,7 +2472,7 @@
         </a:p>
       </dgm:t>
     </dgm:pt>
-    <dgm:pt modelId="{74A4E16F-D0C2-4A62-9BC0-72CC37E28B40}" type="sibTrans" cxnId="{3BCC6DA6-79E6-490A-9BF0-D775F9C4E985}">
+    <dgm:pt modelId="{B03A89E4-7CDC-4D6B-BB57-06DB46A7BB6D}" type="sibTrans" cxnId="{EC0B1344-D23F-4884-8610-3B0D31FF65E3}">
       <dgm:prSet phldrT="01" phldr="0"/>
       <dgm:spPr/>
       <dgm:t>
@@ -1841,7 +2486,7 @@
         </a:p>
       </dgm:t>
     </dgm:pt>
-    <dgm:pt modelId="{76135EA1-CF43-4EA7-9B2F-AA1E59EE6A50}">
+    <dgm:pt modelId="{F23CF6B5-E958-4D02-9636-E5A84E4F1FB6}">
       <dgm:prSet/>
       <dgm:spPr/>
       <dgm:t>
@@ -1849,14 +2494,14 @@
         <a:lstStyle/>
         <a:p>
           <a:r>
-            <a:rPr lang="fr-FR"/>
-            <a:t>Niveau 1; présentation et démonstration </a:t>
+            <a:rPr lang="fr-FR" dirty="0"/>
+            <a:t>Niveau 1; présentation, démonstration</a:t>
           </a:r>
-          <a:endParaRPr lang="en-US"/>
+          <a:endParaRPr lang="en-US" dirty="0"/>
         </a:p>
       </dgm:t>
     </dgm:pt>
-    <dgm:pt modelId="{50A559E4-B4B8-4744-AC32-CC90989C1FA2}" type="parTrans" cxnId="{1EF02DAE-8B17-4DFC-8577-7382B5354C78}">
+    <dgm:pt modelId="{F953E7B0-E01A-4E62-B025-203E5F7A56AF}" type="parTrans" cxnId="{8806F822-AFF8-4E03-A3AA-A7DF941554B8}">
       <dgm:prSet/>
       <dgm:spPr/>
       <dgm:t>
@@ -1867,7 +2512,7 @@
         </a:p>
       </dgm:t>
     </dgm:pt>
-    <dgm:pt modelId="{B3592C7D-020C-4A9A-A825-EFE623A9A7A0}" type="sibTrans" cxnId="{1EF02DAE-8B17-4DFC-8577-7382B5354C78}">
+    <dgm:pt modelId="{97FCBCD1-8D53-4A9A-91D2-A5EE27A1305E}" type="sibTrans" cxnId="{8806F822-AFF8-4E03-A3AA-A7DF941554B8}">
       <dgm:prSet phldrT="02" phldr="0"/>
       <dgm:spPr/>
       <dgm:t>
@@ -1881,7 +2526,7 @@
         </a:p>
       </dgm:t>
     </dgm:pt>
-    <dgm:pt modelId="{20FE9720-8AF5-49D8-A26D-AE0D32B9784F}">
+    <dgm:pt modelId="{4D232123-62A5-415A-9E8C-61570258A3F6}">
       <dgm:prSet/>
       <dgm:spPr/>
       <dgm:t>
@@ -1890,13 +2535,13 @@
         <a:p>
           <a:r>
             <a:rPr lang="fr-FR"/>
-            <a:t>Niveau 2; présentation et démonstration </a:t>
+            <a:t>Niveau 2; présentation, démonstration </a:t>
           </a:r>
-          <a:endParaRPr lang="en-US"/>
+          <a:endParaRPr lang="en-US" dirty="0"/>
         </a:p>
       </dgm:t>
     </dgm:pt>
-    <dgm:pt modelId="{5DB2581F-F7BF-41D1-BDEF-4CF891BA9D50}" type="parTrans" cxnId="{95DC45C3-E7B1-4273-B2A9-156660132BE3}">
+    <dgm:pt modelId="{AC417C2E-26FC-4B67-94F9-C503A5DF59CB}" type="parTrans" cxnId="{F18F4407-B5E3-4767-8189-DD26415EC609}">
       <dgm:prSet/>
       <dgm:spPr/>
       <dgm:t>
@@ -1907,7 +2552,7 @@
         </a:p>
       </dgm:t>
     </dgm:pt>
-    <dgm:pt modelId="{09A675EB-981C-43DF-A474-37D83E60AAB9}" type="sibTrans" cxnId="{95DC45C3-E7B1-4273-B2A9-156660132BE3}">
+    <dgm:pt modelId="{AE20E72D-849D-404A-B2AC-C67FC6118998}" type="sibTrans" cxnId="{F18F4407-B5E3-4767-8189-DD26415EC609}">
       <dgm:prSet phldrT="03" phldr="0"/>
       <dgm:spPr/>
       <dgm:t>
@@ -1921,8 +2566,48 @@
         </a:p>
       </dgm:t>
     </dgm:pt>
-    <dgm:pt modelId="{91B1E859-ED6A-4E4E-8FF2-4DB35A43D711}" type="pres">
-      <dgm:prSet presAssocID="{18A5D090-1208-4A5A-B0DD-D8F9EBC3BBAA}" presName="Name0" presStyleCnt="0">
+    <dgm:pt modelId="{5EED481F-0671-44D5-80E7-DCD7D381EF39}">
+      <dgm:prSet/>
+      <dgm:spPr/>
+      <dgm:t>
+        <a:bodyPr/>
+        <a:lstStyle/>
+        <a:p>
+          <a:r>
+            <a:rPr lang="fr-FR"/>
+            <a:t>Bilan des difficultées</a:t>
+          </a:r>
+          <a:endParaRPr lang="en-US"/>
+        </a:p>
+      </dgm:t>
+    </dgm:pt>
+    <dgm:pt modelId="{F2BFFF99-C74F-4A14-9961-F166A5758487}" type="parTrans" cxnId="{F6C945A9-534E-4721-97B7-4A6FCD607364}">
+      <dgm:prSet/>
+      <dgm:spPr/>
+      <dgm:t>
+        <a:bodyPr/>
+        <a:lstStyle/>
+        <a:p>
+          <a:endParaRPr lang="en-US"/>
+        </a:p>
+      </dgm:t>
+    </dgm:pt>
+    <dgm:pt modelId="{06B42726-AAC8-49EC-8686-9441AAF3AE21}" type="sibTrans" cxnId="{F6C945A9-534E-4721-97B7-4A6FCD607364}">
+      <dgm:prSet phldrT="04" phldr="0"/>
+      <dgm:spPr/>
+      <dgm:t>
+        <a:bodyPr/>
+        <a:lstStyle/>
+        <a:p>
+          <a:r>
+            <a:rPr lang="en-US"/>
+            <a:t>04</a:t>
+          </a:r>
+        </a:p>
+      </dgm:t>
+    </dgm:pt>
+    <dgm:pt modelId="{2DA98367-587A-EF4E-B1B1-EB62452A358D}" type="pres">
+      <dgm:prSet presAssocID="{13633C42-E58B-4747-8BD2-58F3018B6BBD}" presName="Name0" presStyleCnt="0">
         <dgm:presLayoutVars>
           <dgm:animLvl val="lvl"/>
           <dgm:resizeHandles val="exact"/>
@@ -1930,20 +2615,20 @@
       </dgm:prSet>
       <dgm:spPr/>
     </dgm:pt>
-    <dgm:pt modelId="{A707A466-5032-FC47-A18B-A179E0A91004}" type="pres">
-      <dgm:prSet presAssocID="{D93A1884-5EC4-4568-8272-82AC7C8EBFED}" presName="compositeNode" presStyleCnt="0">
+    <dgm:pt modelId="{95C9E568-0F2F-3349-902B-612189115906}" type="pres">
+      <dgm:prSet presAssocID="{D4A32B39-C976-41F2-B710-B8F9DB32993B}" presName="compositeNode" presStyleCnt="0">
         <dgm:presLayoutVars>
           <dgm:bulletEnabled val="1"/>
         </dgm:presLayoutVars>
       </dgm:prSet>
       <dgm:spPr/>
     </dgm:pt>
-    <dgm:pt modelId="{362A8BD8-D2E9-2B4A-BD2C-F5A804CA48DA}" type="pres">
-      <dgm:prSet presAssocID="{D93A1884-5EC4-4568-8272-82AC7C8EBFED}" presName="bgRect" presStyleLbl="alignNode1" presStyleIdx="0" presStyleCnt="3"/>
+    <dgm:pt modelId="{EC1C8368-D48B-D24C-B02F-38198FEC03B7}" type="pres">
+      <dgm:prSet presAssocID="{D4A32B39-C976-41F2-B710-B8F9DB32993B}" presName="bgRect" presStyleLbl="alignNode1" presStyleIdx="0" presStyleCnt="4"/>
       <dgm:spPr/>
     </dgm:pt>
-    <dgm:pt modelId="{782A22B8-083B-B545-B8A4-A00604A8FF38}" type="pres">
-      <dgm:prSet presAssocID="{74A4E16F-D0C2-4A62-9BC0-72CC37E28B40}" presName="sibTransNodeRect" presStyleLbl="alignNode1" presStyleIdx="0" presStyleCnt="3">
+    <dgm:pt modelId="{409F2D0E-DE2E-D546-BB41-E9E95EAC4DB5}" type="pres">
+      <dgm:prSet presAssocID="{B03A89E4-7CDC-4D6B-BB57-06DB46A7BB6D}" presName="sibTransNodeRect" presStyleLbl="alignNode1" presStyleIdx="0" presStyleCnt="4">
         <dgm:presLayoutVars>
           <dgm:chMax val="0"/>
           <dgm:bulletEnabled val="1"/>
@@ -1951,32 +2636,32 @@
       </dgm:prSet>
       <dgm:spPr/>
     </dgm:pt>
-    <dgm:pt modelId="{DEA31BE9-3185-4748-92F8-903DF1510B04}" type="pres">
-      <dgm:prSet presAssocID="{D93A1884-5EC4-4568-8272-82AC7C8EBFED}" presName="nodeRect" presStyleLbl="alignNode1" presStyleIdx="0" presStyleCnt="3">
+    <dgm:pt modelId="{477B5A41-FDD1-394B-954C-3656DF05EACE}" type="pres">
+      <dgm:prSet presAssocID="{D4A32B39-C976-41F2-B710-B8F9DB32993B}" presName="nodeRect" presStyleLbl="alignNode1" presStyleIdx="0" presStyleCnt="4">
         <dgm:presLayoutVars>
           <dgm:bulletEnabled val="1"/>
         </dgm:presLayoutVars>
       </dgm:prSet>
       <dgm:spPr/>
     </dgm:pt>
-    <dgm:pt modelId="{0993F9AF-3AA9-A849-B9A5-B7EC03B4D7B5}" type="pres">
-      <dgm:prSet presAssocID="{74A4E16F-D0C2-4A62-9BC0-72CC37E28B40}" presName="sibTrans" presStyleCnt="0"/>
+    <dgm:pt modelId="{C0A30DAA-2EDA-C149-8110-1A71940B93DA}" type="pres">
+      <dgm:prSet presAssocID="{B03A89E4-7CDC-4D6B-BB57-06DB46A7BB6D}" presName="sibTrans" presStyleCnt="0"/>
       <dgm:spPr/>
     </dgm:pt>
-    <dgm:pt modelId="{6767C93F-6CD9-EA42-A061-175D2DCED719}" type="pres">
-      <dgm:prSet presAssocID="{76135EA1-CF43-4EA7-9B2F-AA1E59EE6A50}" presName="compositeNode" presStyleCnt="0">
+    <dgm:pt modelId="{59BDA8C6-3B71-F64E-9494-0816B603CDE9}" type="pres">
+      <dgm:prSet presAssocID="{F23CF6B5-E958-4D02-9636-E5A84E4F1FB6}" presName="compositeNode" presStyleCnt="0">
         <dgm:presLayoutVars>
           <dgm:bulletEnabled val="1"/>
         </dgm:presLayoutVars>
       </dgm:prSet>
       <dgm:spPr/>
     </dgm:pt>
-    <dgm:pt modelId="{B56A911D-4F70-2043-9B39-5350BA3A381B}" type="pres">
-      <dgm:prSet presAssocID="{76135EA1-CF43-4EA7-9B2F-AA1E59EE6A50}" presName="bgRect" presStyleLbl="alignNode1" presStyleIdx="1" presStyleCnt="3"/>
+    <dgm:pt modelId="{64D860FB-C436-CE40-B7E3-02DFBF96897F}" type="pres">
+      <dgm:prSet presAssocID="{F23CF6B5-E958-4D02-9636-E5A84E4F1FB6}" presName="bgRect" presStyleLbl="alignNode1" presStyleIdx="1" presStyleCnt="4"/>
       <dgm:spPr/>
     </dgm:pt>
-    <dgm:pt modelId="{80AAA251-CD54-2E41-8A72-8AE7C40A9E2B}" type="pres">
-      <dgm:prSet presAssocID="{B3592C7D-020C-4A9A-A825-EFE623A9A7A0}" presName="sibTransNodeRect" presStyleLbl="alignNode1" presStyleIdx="1" presStyleCnt="3">
+    <dgm:pt modelId="{F5797E35-EA09-4B42-BCAE-3207987AFD2C}" type="pres">
+      <dgm:prSet presAssocID="{97FCBCD1-8D53-4A9A-91D2-A5EE27A1305E}" presName="sibTransNodeRect" presStyleLbl="alignNode1" presStyleIdx="1" presStyleCnt="4">
         <dgm:presLayoutVars>
           <dgm:chMax val="0"/>
           <dgm:bulletEnabled val="1"/>
@@ -1984,32 +2669,32 @@
       </dgm:prSet>
       <dgm:spPr/>
     </dgm:pt>
-    <dgm:pt modelId="{C3F168AE-5D87-8A4B-9BE9-BC6D1BAF2AF4}" type="pres">
-      <dgm:prSet presAssocID="{76135EA1-CF43-4EA7-9B2F-AA1E59EE6A50}" presName="nodeRect" presStyleLbl="alignNode1" presStyleIdx="1" presStyleCnt="3">
+    <dgm:pt modelId="{5B44E7ED-79D9-1F42-8E4C-13987FDECCA3}" type="pres">
+      <dgm:prSet presAssocID="{F23CF6B5-E958-4D02-9636-E5A84E4F1FB6}" presName="nodeRect" presStyleLbl="alignNode1" presStyleIdx="1" presStyleCnt="4">
         <dgm:presLayoutVars>
           <dgm:bulletEnabled val="1"/>
         </dgm:presLayoutVars>
       </dgm:prSet>
       <dgm:spPr/>
     </dgm:pt>
-    <dgm:pt modelId="{F1163637-86F1-DF48-87B6-F35D1829A7D2}" type="pres">
-      <dgm:prSet presAssocID="{B3592C7D-020C-4A9A-A825-EFE623A9A7A0}" presName="sibTrans" presStyleCnt="0"/>
+    <dgm:pt modelId="{21710445-D4F3-3D4B-AB96-872D36606A9C}" type="pres">
+      <dgm:prSet presAssocID="{97FCBCD1-8D53-4A9A-91D2-A5EE27A1305E}" presName="sibTrans" presStyleCnt="0"/>
       <dgm:spPr/>
     </dgm:pt>
-    <dgm:pt modelId="{9B0169C5-7751-754E-AA30-6001AEA00419}" type="pres">
-      <dgm:prSet presAssocID="{20FE9720-8AF5-49D8-A26D-AE0D32B9784F}" presName="compositeNode" presStyleCnt="0">
+    <dgm:pt modelId="{5584CB94-6FE3-824E-A92A-3D11060B7C02}" type="pres">
+      <dgm:prSet presAssocID="{4D232123-62A5-415A-9E8C-61570258A3F6}" presName="compositeNode" presStyleCnt="0">
         <dgm:presLayoutVars>
           <dgm:bulletEnabled val="1"/>
         </dgm:presLayoutVars>
       </dgm:prSet>
       <dgm:spPr/>
     </dgm:pt>
-    <dgm:pt modelId="{D7D85B4D-EFD8-0B47-95BD-334183E97DE6}" type="pres">
-      <dgm:prSet presAssocID="{20FE9720-8AF5-49D8-A26D-AE0D32B9784F}" presName="bgRect" presStyleLbl="alignNode1" presStyleIdx="2" presStyleCnt="3"/>
+    <dgm:pt modelId="{54B70924-3EFC-F945-B032-671609B9F3D3}" type="pres">
+      <dgm:prSet presAssocID="{4D232123-62A5-415A-9E8C-61570258A3F6}" presName="bgRect" presStyleLbl="alignNode1" presStyleIdx="2" presStyleCnt="4"/>
       <dgm:spPr/>
     </dgm:pt>
-    <dgm:pt modelId="{50F28923-A48B-B54C-AB6F-2194D0E5B1FE}" type="pres">
-      <dgm:prSet presAssocID="{09A675EB-981C-43DF-A474-37D83E60AAB9}" presName="sibTransNodeRect" presStyleLbl="alignNode1" presStyleIdx="2" presStyleCnt="3">
+    <dgm:pt modelId="{461930A2-5A01-254F-8003-C300C8D6F999}" type="pres">
+      <dgm:prSet presAssocID="{AE20E72D-849D-404A-B2AC-C67FC6118998}" presName="sibTransNodeRect" presStyleLbl="alignNode1" presStyleIdx="2" presStyleCnt="4">
         <dgm:presLayoutVars>
           <dgm:chMax val="0"/>
           <dgm:bulletEnabled val="1"/>
@@ -2017,8 +2702,41 @@
       </dgm:prSet>
       <dgm:spPr/>
     </dgm:pt>
-    <dgm:pt modelId="{16E6A7F6-1466-E445-AD64-D51BFBD7A969}" type="pres">
-      <dgm:prSet presAssocID="{20FE9720-8AF5-49D8-A26D-AE0D32B9784F}" presName="nodeRect" presStyleLbl="alignNode1" presStyleIdx="2" presStyleCnt="3">
+    <dgm:pt modelId="{88E99627-B96D-7A47-AF67-50554B104A86}" type="pres">
+      <dgm:prSet presAssocID="{4D232123-62A5-415A-9E8C-61570258A3F6}" presName="nodeRect" presStyleLbl="alignNode1" presStyleIdx="2" presStyleCnt="4">
+        <dgm:presLayoutVars>
+          <dgm:bulletEnabled val="1"/>
+        </dgm:presLayoutVars>
+      </dgm:prSet>
+      <dgm:spPr/>
+    </dgm:pt>
+    <dgm:pt modelId="{8EA7AA6E-DB4E-CB4B-91BF-0A79C6860008}" type="pres">
+      <dgm:prSet presAssocID="{AE20E72D-849D-404A-B2AC-C67FC6118998}" presName="sibTrans" presStyleCnt="0"/>
+      <dgm:spPr/>
+    </dgm:pt>
+    <dgm:pt modelId="{AB48250B-85CE-5044-934B-AE324F211FDD}" type="pres">
+      <dgm:prSet presAssocID="{5EED481F-0671-44D5-80E7-DCD7D381EF39}" presName="compositeNode" presStyleCnt="0">
+        <dgm:presLayoutVars>
+          <dgm:bulletEnabled val="1"/>
+        </dgm:presLayoutVars>
+      </dgm:prSet>
+      <dgm:spPr/>
+    </dgm:pt>
+    <dgm:pt modelId="{87B11D63-89BC-3C47-BCD0-032E33063F03}" type="pres">
+      <dgm:prSet presAssocID="{5EED481F-0671-44D5-80E7-DCD7D381EF39}" presName="bgRect" presStyleLbl="alignNode1" presStyleIdx="3" presStyleCnt="4"/>
+      <dgm:spPr/>
+    </dgm:pt>
+    <dgm:pt modelId="{1FE57A9D-4CBE-A94E-9F0F-7164B23AA57A}" type="pres">
+      <dgm:prSet presAssocID="{06B42726-AAC8-49EC-8686-9441AAF3AE21}" presName="sibTransNodeRect" presStyleLbl="alignNode1" presStyleIdx="3" presStyleCnt="4">
+        <dgm:presLayoutVars>
+          <dgm:chMax val="0"/>
+          <dgm:bulletEnabled val="1"/>
+        </dgm:presLayoutVars>
+      </dgm:prSet>
+      <dgm:spPr/>
+    </dgm:pt>
+    <dgm:pt modelId="{9038A3E0-E849-4142-84EA-A32E4A7134BC}" type="pres">
+      <dgm:prSet presAssocID="{5EED481F-0671-44D5-80E7-DCD7D381EF39}" presName="nodeRect" presStyleLbl="alignNode1" presStyleIdx="3" presStyleCnt="4">
         <dgm:presLayoutVars>
           <dgm:bulletEnabled val="1"/>
         </dgm:presLayoutVars>
@@ -2027,33 +2745,42 @@
     </dgm:pt>
   </dgm:ptLst>
   <dgm:cxnLst>
-    <dgm:cxn modelId="{B99EE30F-5029-1943-9B76-587840F69777}" type="presOf" srcId="{09A675EB-981C-43DF-A474-37D83E60AAB9}" destId="{50F28923-A48B-B54C-AB6F-2194D0E5B1FE}" srcOrd="0" destOrd="0" presId="urn:microsoft.com/office/officeart/2016/7/layout/LinearBlockProcessNumbered"/>
-    <dgm:cxn modelId="{41BA2F2D-DBA1-3744-BBE8-2FE34C1A1FF6}" type="presOf" srcId="{76135EA1-CF43-4EA7-9B2F-AA1E59EE6A50}" destId="{B56A911D-4F70-2043-9B39-5350BA3A381B}" srcOrd="0" destOrd="0" presId="urn:microsoft.com/office/officeart/2016/7/layout/LinearBlockProcessNumbered"/>
-    <dgm:cxn modelId="{8E5E0D3C-1E46-A944-A1B0-1F0D2E8591C1}" type="presOf" srcId="{20FE9720-8AF5-49D8-A26D-AE0D32B9784F}" destId="{D7D85B4D-EFD8-0B47-95BD-334183E97DE6}" srcOrd="0" destOrd="0" presId="urn:microsoft.com/office/officeart/2016/7/layout/LinearBlockProcessNumbered"/>
-    <dgm:cxn modelId="{C6AC813C-64DD-2146-98E4-88C897EB67FA}" type="presOf" srcId="{76135EA1-CF43-4EA7-9B2F-AA1E59EE6A50}" destId="{C3F168AE-5D87-8A4B-9BE9-BC6D1BAF2AF4}" srcOrd="1" destOrd="0" presId="urn:microsoft.com/office/officeart/2016/7/layout/LinearBlockProcessNumbered"/>
-    <dgm:cxn modelId="{54EFD763-E031-A743-9CA0-EA35F9608731}" type="presOf" srcId="{18A5D090-1208-4A5A-B0DD-D8F9EBC3BBAA}" destId="{91B1E859-ED6A-4E4E-8FF2-4DB35A43D711}" srcOrd="0" destOrd="0" presId="urn:microsoft.com/office/officeart/2016/7/layout/LinearBlockProcessNumbered"/>
-    <dgm:cxn modelId="{4F68E792-4438-DD40-9455-9FEC3AED5439}" type="presOf" srcId="{B3592C7D-020C-4A9A-A825-EFE623A9A7A0}" destId="{80AAA251-CD54-2E41-8A72-8AE7C40A9E2B}" srcOrd="0" destOrd="0" presId="urn:microsoft.com/office/officeart/2016/7/layout/LinearBlockProcessNumbered"/>
-    <dgm:cxn modelId="{48E02D9E-4FE9-484B-BA88-B79831176629}" type="presOf" srcId="{D93A1884-5EC4-4568-8272-82AC7C8EBFED}" destId="{362A8BD8-D2E9-2B4A-BD2C-F5A804CA48DA}" srcOrd="0" destOrd="0" presId="urn:microsoft.com/office/officeart/2016/7/layout/LinearBlockProcessNumbered"/>
-    <dgm:cxn modelId="{04E8F0A0-38B5-464F-A1B8-0A02F7D3547B}" type="presOf" srcId="{74A4E16F-D0C2-4A62-9BC0-72CC37E28B40}" destId="{782A22B8-083B-B545-B8A4-A00604A8FF38}" srcOrd="0" destOrd="0" presId="urn:microsoft.com/office/officeart/2016/7/layout/LinearBlockProcessNumbered"/>
-    <dgm:cxn modelId="{3BCC6DA6-79E6-490A-9BF0-D775F9C4E985}" srcId="{18A5D090-1208-4A5A-B0DD-D8F9EBC3BBAA}" destId="{D93A1884-5EC4-4568-8272-82AC7C8EBFED}" srcOrd="0" destOrd="0" parTransId="{DC467C63-A4B1-4170-9201-5E01432B53DA}" sibTransId="{74A4E16F-D0C2-4A62-9BC0-72CC37E28B40}"/>
-    <dgm:cxn modelId="{1EF02DAE-8B17-4DFC-8577-7382B5354C78}" srcId="{18A5D090-1208-4A5A-B0DD-D8F9EBC3BBAA}" destId="{76135EA1-CF43-4EA7-9B2F-AA1E59EE6A50}" srcOrd="1" destOrd="0" parTransId="{50A559E4-B4B8-4744-AC32-CC90989C1FA2}" sibTransId="{B3592C7D-020C-4A9A-A825-EFE623A9A7A0}"/>
-    <dgm:cxn modelId="{95DC45C3-E7B1-4273-B2A9-156660132BE3}" srcId="{18A5D090-1208-4A5A-B0DD-D8F9EBC3BBAA}" destId="{20FE9720-8AF5-49D8-A26D-AE0D32B9784F}" srcOrd="2" destOrd="0" parTransId="{5DB2581F-F7BF-41D1-BDEF-4CF891BA9D50}" sibTransId="{09A675EB-981C-43DF-A474-37D83E60AAB9}"/>
-    <dgm:cxn modelId="{5C8BEBE9-483C-F44E-A1BD-42D187149A0E}" type="presOf" srcId="{20FE9720-8AF5-49D8-A26D-AE0D32B9784F}" destId="{16E6A7F6-1466-E445-AD64-D51BFBD7A969}" srcOrd="1" destOrd="0" presId="urn:microsoft.com/office/officeart/2016/7/layout/LinearBlockProcessNumbered"/>
-    <dgm:cxn modelId="{BE885FED-061D-CA46-9D18-01D70FC036E5}" type="presOf" srcId="{D93A1884-5EC4-4568-8272-82AC7C8EBFED}" destId="{DEA31BE9-3185-4748-92F8-903DF1510B04}" srcOrd="1" destOrd="0" presId="urn:microsoft.com/office/officeart/2016/7/layout/LinearBlockProcessNumbered"/>
-    <dgm:cxn modelId="{21C434D6-16E8-D542-B6E2-78A483EE3B4E}" type="presParOf" srcId="{91B1E859-ED6A-4E4E-8FF2-4DB35A43D711}" destId="{A707A466-5032-FC47-A18B-A179E0A91004}" srcOrd="0" destOrd="0" presId="urn:microsoft.com/office/officeart/2016/7/layout/LinearBlockProcessNumbered"/>
-    <dgm:cxn modelId="{9BCAA3EB-7098-134D-B0A2-8975306EF35B}" type="presParOf" srcId="{A707A466-5032-FC47-A18B-A179E0A91004}" destId="{362A8BD8-D2E9-2B4A-BD2C-F5A804CA48DA}" srcOrd="0" destOrd="0" presId="urn:microsoft.com/office/officeart/2016/7/layout/LinearBlockProcessNumbered"/>
-    <dgm:cxn modelId="{5DC97C34-FB20-7F44-B4B5-DF51680527B9}" type="presParOf" srcId="{A707A466-5032-FC47-A18B-A179E0A91004}" destId="{782A22B8-083B-B545-B8A4-A00604A8FF38}" srcOrd="1" destOrd="0" presId="urn:microsoft.com/office/officeart/2016/7/layout/LinearBlockProcessNumbered"/>
-    <dgm:cxn modelId="{88339155-1A9C-854F-BBE8-8412429C9F12}" type="presParOf" srcId="{A707A466-5032-FC47-A18B-A179E0A91004}" destId="{DEA31BE9-3185-4748-92F8-903DF1510B04}" srcOrd="2" destOrd="0" presId="urn:microsoft.com/office/officeart/2016/7/layout/LinearBlockProcessNumbered"/>
-    <dgm:cxn modelId="{4CC91CB7-005D-8E4A-B03A-8A3D064B141D}" type="presParOf" srcId="{91B1E859-ED6A-4E4E-8FF2-4DB35A43D711}" destId="{0993F9AF-3AA9-A849-B9A5-B7EC03B4D7B5}" srcOrd="1" destOrd="0" presId="urn:microsoft.com/office/officeart/2016/7/layout/LinearBlockProcessNumbered"/>
-    <dgm:cxn modelId="{FC5BEAEC-D7F3-A64A-BC35-875ACC736F8D}" type="presParOf" srcId="{91B1E859-ED6A-4E4E-8FF2-4DB35A43D711}" destId="{6767C93F-6CD9-EA42-A061-175D2DCED719}" srcOrd="2" destOrd="0" presId="urn:microsoft.com/office/officeart/2016/7/layout/LinearBlockProcessNumbered"/>
-    <dgm:cxn modelId="{991CAE18-1DCF-5542-9E2D-33D6A0A573D0}" type="presParOf" srcId="{6767C93F-6CD9-EA42-A061-175D2DCED719}" destId="{B56A911D-4F70-2043-9B39-5350BA3A381B}" srcOrd="0" destOrd="0" presId="urn:microsoft.com/office/officeart/2016/7/layout/LinearBlockProcessNumbered"/>
-    <dgm:cxn modelId="{F3867B5C-1A0A-BE4F-B2D9-E048950F3277}" type="presParOf" srcId="{6767C93F-6CD9-EA42-A061-175D2DCED719}" destId="{80AAA251-CD54-2E41-8A72-8AE7C40A9E2B}" srcOrd="1" destOrd="0" presId="urn:microsoft.com/office/officeart/2016/7/layout/LinearBlockProcessNumbered"/>
-    <dgm:cxn modelId="{1E33FBDC-4F26-E74B-B14F-57D6A4B10F1A}" type="presParOf" srcId="{6767C93F-6CD9-EA42-A061-175D2DCED719}" destId="{C3F168AE-5D87-8A4B-9BE9-BC6D1BAF2AF4}" srcOrd="2" destOrd="0" presId="urn:microsoft.com/office/officeart/2016/7/layout/LinearBlockProcessNumbered"/>
-    <dgm:cxn modelId="{B22B93F1-6370-8545-9B12-0CCA233C22D6}" type="presParOf" srcId="{91B1E859-ED6A-4E4E-8FF2-4DB35A43D711}" destId="{F1163637-86F1-DF48-87B6-F35D1829A7D2}" srcOrd="3" destOrd="0" presId="urn:microsoft.com/office/officeart/2016/7/layout/LinearBlockProcessNumbered"/>
-    <dgm:cxn modelId="{7443E573-14FA-2D4D-8D30-02B25180EC4D}" type="presParOf" srcId="{91B1E859-ED6A-4E4E-8FF2-4DB35A43D711}" destId="{9B0169C5-7751-754E-AA30-6001AEA00419}" srcOrd="4" destOrd="0" presId="urn:microsoft.com/office/officeart/2016/7/layout/LinearBlockProcessNumbered"/>
-    <dgm:cxn modelId="{2556BC46-A372-BD44-B668-89C281ADE54B}" type="presParOf" srcId="{9B0169C5-7751-754E-AA30-6001AEA00419}" destId="{D7D85B4D-EFD8-0B47-95BD-334183E97DE6}" srcOrd="0" destOrd="0" presId="urn:microsoft.com/office/officeart/2016/7/layout/LinearBlockProcessNumbered"/>
-    <dgm:cxn modelId="{F53EB57B-3B2D-E141-A6FA-34C93427F072}" type="presParOf" srcId="{9B0169C5-7751-754E-AA30-6001AEA00419}" destId="{50F28923-A48B-B54C-AB6F-2194D0E5B1FE}" srcOrd="1" destOrd="0" presId="urn:microsoft.com/office/officeart/2016/7/layout/LinearBlockProcessNumbered"/>
-    <dgm:cxn modelId="{1AE021E4-FC41-9C41-9A38-F569438A80E0}" type="presParOf" srcId="{9B0169C5-7751-754E-AA30-6001AEA00419}" destId="{16E6A7F6-1466-E445-AD64-D51BFBD7A969}" srcOrd="2" destOrd="0" presId="urn:microsoft.com/office/officeart/2016/7/layout/LinearBlockProcessNumbered"/>
+    <dgm:cxn modelId="{F18F4407-B5E3-4767-8189-DD26415EC609}" srcId="{13633C42-E58B-4747-8BD2-58F3018B6BBD}" destId="{4D232123-62A5-415A-9E8C-61570258A3F6}" srcOrd="2" destOrd="0" parTransId="{AC417C2E-26FC-4B67-94F9-C503A5DF59CB}" sibTransId="{AE20E72D-849D-404A-B2AC-C67FC6118998}"/>
+    <dgm:cxn modelId="{6840AF0D-1012-284B-A4B1-7DBDEB46AE59}" type="presOf" srcId="{97FCBCD1-8D53-4A9A-91D2-A5EE27A1305E}" destId="{F5797E35-EA09-4B42-BCAE-3207987AFD2C}" srcOrd="0" destOrd="0" presId="urn:microsoft.com/office/officeart/2016/7/layout/LinearBlockProcessNumbered"/>
+    <dgm:cxn modelId="{D64F6111-7B07-C246-9E2C-E71EC56682DD}" type="presOf" srcId="{5EED481F-0671-44D5-80E7-DCD7D381EF39}" destId="{87B11D63-89BC-3C47-BCD0-032E33063F03}" srcOrd="0" destOrd="0" presId="urn:microsoft.com/office/officeart/2016/7/layout/LinearBlockProcessNumbered"/>
+    <dgm:cxn modelId="{8806F822-AFF8-4E03-A3AA-A7DF941554B8}" srcId="{13633C42-E58B-4747-8BD2-58F3018B6BBD}" destId="{F23CF6B5-E958-4D02-9636-E5A84E4F1FB6}" srcOrd="1" destOrd="0" parTransId="{F953E7B0-E01A-4E62-B025-203E5F7A56AF}" sibTransId="{97FCBCD1-8D53-4A9A-91D2-A5EE27A1305E}"/>
+    <dgm:cxn modelId="{99D5E52C-7D2B-284B-B98C-CC65C077452A}" type="presOf" srcId="{06B42726-AAC8-49EC-8686-9441AAF3AE21}" destId="{1FE57A9D-4CBE-A94E-9F0F-7164B23AA57A}" srcOrd="0" destOrd="0" presId="urn:microsoft.com/office/officeart/2016/7/layout/LinearBlockProcessNumbered"/>
+    <dgm:cxn modelId="{B327D73C-917D-8049-9F05-3490A6FAFD86}" type="presOf" srcId="{AE20E72D-849D-404A-B2AC-C67FC6118998}" destId="{461930A2-5A01-254F-8003-C300C8D6F999}" srcOrd="0" destOrd="0" presId="urn:microsoft.com/office/officeart/2016/7/layout/LinearBlockProcessNumbered"/>
+    <dgm:cxn modelId="{1DF4413F-D15D-074B-83B3-CC21D0DA9FE4}" type="presOf" srcId="{13633C42-E58B-4747-8BD2-58F3018B6BBD}" destId="{2DA98367-587A-EF4E-B1B1-EB62452A358D}" srcOrd="0" destOrd="0" presId="urn:microsoft.com/office/officeart/2016/7/layout/LinearBlockProcessNumbered"/>
+    <dgm:cxn modelId="{91339C3F-C51F-B440-8514-70B9BF6AAC47}" type="presOf" srcId="{5EED481F-0671-44D5-80E7-DCD7D381EF39}" destId="{9038A3E0-E849-4142-84EA-A32E4A7134BC}" srcOrd="1" destOrd="0" presId="urn:microsoft.com/office/officeart/2016/7/layout/LinearBlockProcessNumbered"/>
+    <dgm:cxn modelId="{EC0B1344-D23F-4884-8610-3B0D31FF65E3}" srcId="{13633C42-E58B-4747-8BD2-58F3018B6BBD}" destId="{D4A32B39-C976-41F2-B710-B8F9DB32993B}" srcOrd="0" destOrd="0" parTransId="{9091345E-F2F0-4972-8F2B-B6369C2ADD76}" sibTransId="{B03A89E4-7CDC-4D6B-BB57-06DB46A7BB6D}"/>
+    <dgm:cxn modelId="{FDD59E83-9FC7-A94E-87E8-16FFD45AF342}" type="presOf" srcId="{F23CF6B5-E958-4D02-9636-E5A84E4F1FB6}" destId="{64D860FB-C436-CE40-B7E3-02DFBF96897F}" srcOrd="0" destOrd="0" presId="urn:microsoft.com/office/officeart/2016/7/layout/LinearBlockProcessNumbered"/>
+    <dgm:cxn modelId="{E42169A2-4086-864C-9F3A-0CCC2E04D06D}" type="presOf" srcId="{4D232123-62A5-415A-9E8C-61570258A3F6}" destId="{88E99627-B96D-7A47-AF67-50554B104A86}" srcOrd="1" destOrd="0" presId="urn:microsoft.com/office/officeart/2016/7/layout/LinearBlockProcessNumbered"/>
+    <dgm:cxn modelId="{F6C945A9-534E-4721-97B7-4A6FCD607364}" srcId="{13633C42-E58B-4747-8BD2-58F3018B6BBD}" destId="{5EED481F-0671-44D5-80E7-DCD7D381EF39}" srcOrd="3" destOrd="0" parTransId="{F2BFFF99-C74F-4A14-9961-F166A5758487}" sibTransId="{06B42726-AAC8-49EC-8686-9441AAF3AE21}"/>
+    <dgm:cxn modelId="{405E88B5-D0AC-2F4F-8A6D-D66454DF3B2A}" type="presOf" srcId="{D4A32B39-C976-41F2-B710-B8F9DB32993B}" destId="{477B5A41-FDD1-394B-954C-3656DF05EACE}" srcOrd="1" destOrd="0" presId="urn:microsoft.com/office/officeart/2016/7/layout/LinearBlockProcessNumbered"/>
+    <dgm:cxn modelId="{290AF7C8-9B36-9B4D-9D47-C718E6E62DBB}" type="presOf" srcId="{4D232123-62A5-415A-9E8C-61570258A3F6}" destId="{54B70924-3EFC-F945-B032-671609B9F3D3}" srcOrd="0" destOrd="0" presId="urn:microsoft.com/office/officeart/2016/7/layout/LinearBlockProcessNumbered"/>
+    <dgm:cxn modelId="{79F769EA-4571-9548-9FF1-638BC4785FE6}" type="presOf" srcId="{D4A32B39-C976-41F2-B710-B8F9DB32993B}" destId="{EC1C8368-D48B-D24C-B02F-38198FEC03B7}" srcOrd="0" destOrd="0" presId="urn:microsoft.com/office/officeart/2016/7/layout/LinearBlockProcessNumbered"/>
+    <dgm:cxn modelId="{10796EEF-7D00-6E42-BB45-F1A400F8E254}" type="presOf" srcId="{B03A89E4-7CDC-4D6B-BB57-06DB46A7BB6D}" destId="{409F2D0E-DE2E-D546-BB41-E9E95EAC4DB5}" srcOrd="0" destOrd="0" presId="urn:microsoft.com/office/officeart/2016/7/layout/LinearBlockProcessNumbered"/>
+    <dgm:cxn modelId="{D65C59FA-8AAF-864D-8A51-E391E6EB8EFD}" type="presOf" srcId="{F23CF6B5-E958-4D02-9636-E5A84E4F1FB6}" destId="{5B44E7ED-79D9-1F42-8E4C-13987FDECCA3}" srcOrd="1" destOrd="0" presId="urn:microsoft.com/office/officeart/2016/7/layout/LinearBlockProcessNumbered"/>
+    <dgm:cxn modelId="{69F62D9D-591E-2446-863B-CF7F0B45CC8B}" type="presParOf" srcId="{2DA98367-587A-EF4E-B1B1-EB62452A358D}" destId="{95C9E568-0F2F-3349-902B-612189115906}" srcOrd="0" destOrd="0" presId="urn:microsoft.com/office/officeart/2016/7/layout/LinearBlockProcessNumbered"/>
+    <dgm:cxn modelId="{12971777-3A47-5E42-BE79-AFAF5EAF7073}" type="presParOf" srcId="{95C9E568-0F2F-3349-902B-612189115906}" destId="{EC1C8368-D48B-D24C-B02F-38198FEC03B7}" srcOrd="0" destOrd="0" presId="urn:microsoft.com/office/officeart/2016/7/layout/LinearBlockProcessNumbered"/>
+    <dgm:cxn modelId="{F15290C2-B183-6B41-A309-300336D28708}" type="presParOf" srcId="{95C9E568-0F2F-3349-902B-612189115906}" destId="{409F2D0E-DE2E-D546-BB41-E9E95EAC4DB5}" srcOrd="1" destOrd="0" presId="urn:microsoft.com/office/officeart/2016/7/layout/LinearBlockProcessNumbered"/>
+    <dgm:cxn modelId="{AD0F5953-417A-9D40-837D-CB0FCC68691C}" type="presParOf" srcId="{95C9E568-0F2F-3349-902B-612189115906}" destId="{477B5A41-FDD1-394B-954C-3656DF05EACE}" srcOrd="2" destOrd="0" presId="urn:microsoft.com/office/officeart/2016/7/layout/LinearBlockProcessNumbered"/>
+    <dgm:cxn modelId="{2F1A469A-2C56-2D43-B6E5-A4A816A23DDC}" type="presParOf" srcId="{2DA98367-587A-EF4E-B1B1-EB62452A358D}" destId="{C0A30DAA-2EDA-C149-8110-1A71940B93DA}" srcOrd="1" destOrd="0" presId="urn:microsoft.com/office/officeart/2016/7/layout/LinearBlockProcessNumbered"/>
+    <dgm:cxn modelId="{93CF9351-8B40-2E4C-B937-403173EA67C5}" type="presParOf" srcId="{2DA98367-587A-EF4E-B1B1-EB62452A358D}" destId="{59BDA8C6-3B71-F64E-9494-0816B603CDE9}" srcOrd="2" destOrd="0" presId="urn:microsoft.com/office/officeart/2016/7/layout/LinearBlockProcessNumbered"/>
+    <dgm:cxn modelId="{82ED376C-B6A8-D64E-945B-F2959DBD05AF}" type="presParOf" srcId="{59BDA8C6-3B71-F64E-9494-0816B603CDE9}" destId="{64D860FB-C436-CE40-B7E3-02DFBF96897F}" srcOrd="0" destOrd="0" presId="urn:microsoft.com/office/officeart/2016/7/layout/LinearBlockProcessNumbered"/>
+    <dgm:cxn modelId="{C23313C3-2209-D049-B08A-241F6C7BEC34}" type="presParOf" srcId="{59BDA8C6-3B71-F64E-9494-0816B603CDE9}" destId="{F5797E35-EA09-4B42-BCAE-3207987AFD2C}" srcOrd="1" destOrd="0" presId="urn:microsoft.com/office/officeart/2016/7/layout/LinearBlockProcessNumbered"/>
+    <dgm:cxn modelId="{1EE3D179-35B3-B140-831E-C74561EBC855}" type="presParOf" srcId="{59BDA8C6-3B71-F64E-9494-0816B603CDE9}" destId="{5B44E7ED-79D9-1F42-8E4C-13987FDECCA3}" srcOrd="2" destOrd="0" presId="urn:microsoft.com/office/officeart/2016/7/layout/LinearBlockProcessNumbered"/>
+    <dgm:cxn modelId="{114AC4C0-0330-444D-A54E-1A01C79D78CB}" type="presParOf" srcId="{2DA98367-587A-EF4E-B1B1-EB62452A358D}" destId="{21710445-D4F3-3D4B-AB96-872D36606A9C}" srcOrd="3" destOrd="0" presId="urn:microsoft.com/office/officeart/2016/7/layout/LinearBlockProcessNumbered"/>
+    <dgm:cxn modelId="{8A04B834-5393-CD48-BBCD-FB6AF7149B0E}" type="presParOf" srcId="{2DA98367-587A-EF4E-B1B1-EB62452A358D}" destId="{5584CB94-6FE3-824E-A92A-3D11060B7C02}" srcOrd="4" destOrd="0" presId="urn:microsoft.com/office/officeart/2016/7/layout/LinearBlockProcessNumbered"/>
+    <dgm:cxn modelId="{B3AF23CE-DB00-B04B-A6C6-E3EE320D0773}" type="presParOf" srcId="{5584CB94-6FE3-824E-A92A-3D11060B7C02}" destId="{54B70924-3EFC-F945-B032-671609B9F3D3}" srcOrd="0" destOrd="0" presId="urn:microsoft.com/office/officeart/2016/7/layout/LinearBlockProcessNumbered"/>
+    <dgm:cxn modelId="{D0356055-9E5D-BC4B-BC9D-372E18083C31}" type="presParOf" srcId="{5584CB94-6FE3-824E-A92A-3D11060B7C02}" destId="{461930A2-5A01-254F-8003-C300C8D6F999}" srcOrd="1" destOrd="0" presId="urn:microsoft.com/office/officeart/2016/7/layout/LinearBlockProcessNumbered"/>
+    <dgm:cxn modelId="{06C075A6-6461-FE47-B53E-EC9CA17DEA12}" type="presParOf" srcId="{5584CB94-6FE3-824E-A92A-3D11060B7C02}" destId="{88E99627-B96D-7A47-AF67-50554B104A86}" srcOrd="2" destOrd="0" presId="urn:microsoft.com/office/officeart/2016/7/layout/LinearBlockProcessNumbered"/>
+    <dgm:cxn modelId="{88203BCE-7540-BB44-8ADD-BC2DD9EB7A00}" type="presParOf" srcId="{2DA98367-587A-EF4E-B1B1-EB62452A358D}" destId="{8EA7AA6E-DB4E-CB4B-91BF-0A79C6860008}" srcOrd="5" destOrd="0" presId="urn:microsoft.com/office/officeart/2016/7/layout/LinearBlockProcessNumbered"/>
+    <dgm:cxn modelId="{5C0FFA76-1B5F-C640-AC15-6CA1BDFD0F7C}" type="presParOf" srcId="{2DA98367-587A-EF4E-B1B1-EB62452A358D}" destId="{AB48250B-85CE-5044-934B-AE324F211FDD}" srcOrd="6" destOrd="0" presId="urn:microsoft.com/office/officeart/2016/7/layout/LinearBlockProcessNumbered"/>
+    <dgm:cxn modelId="{462E3FB2-989F-B743-8E00-BEABA27AFF1D}" type="presParOf" srcId="{AB48250B-85CE-5044-934B-AE324F211FDD}" destId="{87B11D63-89BC-3C47-BCD0-032E33063F03}" srcOrd="0" destOrd="0" presId="urn:microsoft.com/office/officeart/2016/7/layout/LinearBlockProcessNumbered"/>
+    <dgm:cxn modelId="{8A42E329-EF79-8B47-B220-73086737DCB6}" type="presParOf" srcId="{AB48250B-85CE-5044-934B-AE324F211FDD}" destId="{1FE57A9D-4CBE-A94E-9F0F-7164B23AA57A}" srcOrd="1" destOrd="0" presId="urn:microsoft.com/office/officeart/2016/7/layout/LinearBlockProcessNumbered"/>
+    <dgm:cxn modelId="{BB993FE5-D6D8-AD42-B4B6-E2039A91B580}" type="presParOf" srcId="{AB48250B-85CE-5044-934B-AE324F211FDD}" destId="{9038A3E0-E849-4142-84EA-A32E4A7134BC}" srcOrd="2" destOrd="0" presId="urn:microsoft.com/office/officeart/2016/7/layout/LinearBlockProcessNumbered"/>
   </dgm:cxnLst>
   <dgm:bg/>
   <dgm:whole/>
@@ -2257,6 +2984,182 @@
 </dgm:dataModel>
 </file>
 
+<file path=ppt/diagrams/data3.xml><?xml version="1.0" encoding="utf-8"?>
+<dgm:dataModel xmlns:dgm="http://schemas.openxmlformats.org/drawingml/2006/diagram" xmlns:a="http://schemas.openxmlformats.org/drawingml/2006/main">
+  <dgm:ptLst>
+    <dgm:pt modelId="{5F9CFD5A-5DC9-4A62-8EC7-31AB341611B5}" type="doc">
+      <dgm:prSet loTypeId="urn:microsoft.com/office/officeart/2005/8/layout/hierarchy1" loCatId="hierarchy" qsTypeId="urn:microsoft.com/office/officeart/2005/8/quickstyle/simple4" qsCatId="simple" csTypeId="urn:microsoft.com/office/officeart/2005/8/colors/colorful2" csCatId="colorful"/>
+      <dgm:spPr/>
+      <dgm:t>
+        <a:bodyPr/>
+        <a:lstStyle/>
+        <a:p>
+          <a:endParaRPr lang="en-US"/>
+        </a:p>
+      </dgm:t>
+    </dgm:pt>
+    <dgm:pt modelId="{67A9400E-F662-45EB-B941-B3E87D022EB8}">
+      <dgm:prSet/>
+      <dgm:spPr/>
+      <dgm:t>
+        <a:bodyPr/>
+        <a:lstStyle/>
+        <a:p>
+          <a:r>
+            <a:rPr lang="fr-FR"/>
+            <a:t>Une quantité de travaille assez conséquente dans un temps assez court</a:t>
+          </a:r>
+          <a:endParaRPr lang="en-US"/>
+        </a:p>
+      </dgm:t>
+    </dgm:pt>
+    <dgm:pt modelId="{DF1161BF-E695-43EB-AED1-723E97032523}" type="parTrans" cxnId="{387421ED-6A1D-4F68-BCBE-B14CA5629C89}">
+      <dgm:prSet/>
+      <dgm:spPr/>
+      <dgm:t>
+        <a:bodyPr/>
+        <a:lstStyle/>
+        <a:p>
+          <a:endParaRPr lang="en-US"/>
+        </a:p>
+      </dgm:t>
+    </dgm:pt>
+    <dgm:pt modelId="{FD1E8835-86B3-47D1-BD20-70CBA7697768}" type="sibTrans" cxnId="{387421ED-6A1D-4F68-BCBE-B14CA5629C89}">
+      <dgm:prSet/>
+      <dgm:spPr/>
+      <dgm:t>
+        <a:bodyPr/>
+        <a:lstStyle/>
+        <a:p>
+          <a:endParaRPr lang="en-US"/>
+        </a:p>
+      </dgm:t>
+    </dgm:pt>
+    <dgm:pt modelId="{44351A2C-B6A4-4F48-8BBC-60DC80891C33}">
+      <dgm:prSet/>
+      <dgm:spPr/>
+      <dgm:t>
+        <a:bodyPr/>
+        <a:lstStyle/>
+        <a:p>
+          <a:r>
+            <a:rPr lang="fr-FR"/>
+            <a:t>L’utilisation de nouvelles bibliothèques et de nouveaux concepts (git et makefile)</a:t>
+          </a:r>
+          <a:endParaRPr lang="en-US"/>
+        </a:p>
+      </dgm:t>
+    </dgm:pt>
+    <dgm:pt modelId="{6DD45138-E8C1-4516-BC3D-7864B2C5979C}" type="parTrans" cxnId="{96CE348A-689F-4C4E-80E3-10B91E60F92D}">
+      <dgm:prSet/>
+      <dgm:spPr/>
+      <dgm:t>
+        <a:bodyPr/>
+        <a:lstStyle/>
+        <a:p>
+          <a:endParaRPr lang="en-US"/>
+        </a:p>
+      </dgm:t>
+    </dgm:pt>
+    <dgm:pt modelId="{FACBDB94-9922-4812-ABAB-ABA8342C809A}" type="sibTrans" cxnId="{96CE348A-689F-4C4E-80E3-10B91E60F92D}">
+      <dgm:prSet/>
+      <dgm:spPr/>
+      <dgm:t>
+        <a:bodyPr/>
+        <a:lstStyle/>
+        <a:p>
+          <a:endParaRPr lang="en-US"/>
+        </a:p>
+      </dgm:t>
+    </dgm:pt>
+    <dgm:pt modelId="{899474A4-1C04-F64C-9B1F-EF28212FE2FB}" type="pres">
+      <dgm:prSet presAssocID="{5F9CFD5A-5DC9-4A62-8EC7-31AB341611B5}" presName="hierChild1" presStyleCnt="0">
+        <dgm:presLayoutVars>
+          <dgm:chPref val="1"/>
+          <dgm:dir/>
+          <dgm:animOne val="branch"/>
+          <dgm:animLvl val="lvl"/>
+          <dgm:resizeHandles/>
+        </dgm:presLayoutVars>
+      </dgm:prSet>
+      <dgm:spPr/>
+    </dgm:pt>
+    <dgm:pt modelId="{F08A42CF-6500-1E47-BC5F-4E6E9238E9A0}" type="pres">
+      <dgm:prSet presAssocID="{67A9400E-F662-45EB-B941-B3E87D022EB8}" presName="hierRoot1" presStyleCnt="0"/>
+      <dgm:spPr/>
+    </dgm:pt>
+    <dgm:pt modelId="{9A6DF800-4D28-3640-892D-25DB559ED680}" type="pres">
+      <dgm:prSet presAssocID="{67A9400E-F662-45EB-B941-B3E87D022EB8}" presName="composite" presStyleCnt="0"/>
+      <dgm:spPr/>
+    </dgm:pt>
+    <dgm:pt modelId="{E0D1F2FB-166F-DF42-8670-D5BE76A1ECE8}" type="pres">
+      <dgm:prSet presAssocID="{67A9400E-F662-45EB-B941-B3E87D022EB8}" presName="background" presStyleLbl="node0" presStyleIdx="0" presStyleCnt="2"/>
+      <dgm:spPr/>
+    </dgm:pt>
+    <dgm:pt modelId="{76410312-8ECD-AE43-898E-15603E8FD08D}" type="pres">
+      <dgm:prSet presAssocID="{67A9400E-F662-45EB-B941-B3E87D022EB8}" presName="text" presStyleLbl="fgAcc0" presStyleIdx="0" presStyleCnt="2">
+        <dgm:presLayoutVars>
+          <dgm:chPref val="3"/>
+        </dgm:presLayoutVars>
+      </dgm:prSet>
+      <dgm:spPr/>
+    </dgm:pt>
+    <dgm:pt modelId="{192B2000-4B8B-9D4C-96C3-DBE00319E3E7}" type="pres">
+      <dgm:prSet presAssocID="{67A9400E-F662-45EB-B941-B3E87D022EB8}" presName="hierChild2" presStyleCnt="0"/>
+      <dgm:spPr/>
+    </dgm:pt>
+    <dgm:pt modelId="{5E1E80C6-5A16-5E40-9E33-9B7DB1C6C41B}" type="pres">
+      <dgm:prSet presAssocID="{44351A2C-B6A4-4F48-8BBC-60DC80891C33}" presName="hierRoot1" presStyleCnt="0"/>
+      <dgm:spPr/>
+    </dgm:pt>
+    <dgm:pt modelId="{8ED3E887-0B10-064E-8058-58F8889A65B7}" type="pres">
+      <dgm:prSet presAssocID="{44351A2C-B6A4-4F48-8BBC-60DC80891C33}" presName="composite" presStyleCnt="0"/>
+      <dgm:spPr/>
+    </dgm:pt>
+    <dgm:pt modelId="{19CDC89C-5870-8440-9606-0F00B95FCAA9}" type="pres">
+      <dgm:prSet presAssocID="{44351A2C-B6A4-4F48-8BBC-60DC80891C33}" presName="background" presStyleLbl="node0" presStyleIdx="1" presStyleCnt="2"/>
+      <dgm:spPr/>
+    </dgm:pt>
+    <dgm:pt modelId="{B4933C41-5B5B-A24F-BF0D-A1618413FB80}" type="pres">
+      <dgm:prSet presAssocID="{44351A2C-B6A4-4F48-8BBC-60DC80891C33}" presName="text" presStyleLbl="fgAcc0" presStyleIdx="1" presStyleCnt="2">
+        <dgm:presLayoutVars>
+          <dgm:chPref val="3"/>
+        </dgm:presLayoutVars>
+      </dgm:prSet>
+      <dgm:spPr/>
+    </dgm:pt>
+    <dgm:pt modelId="{9B69F57E-54BA-084C-BF33-89EA12D4842A}" type="pres">
+      <dgm:prSet presAssocID="{44351A2C-B6A4-4F48-8BBC-60DC80891C33}" presName="hierChild2" presStyleCnt="0"/>
+      <dgm:spPr/>
+    </dgm:pt>
+  </dgm:ptLst>
+  <dgm:cxnLst>
+    <dgm:cxn modelId="{F2C11206-471B-9541-A62E-1B3DAE0FDDF2}" type="presOf" srcId="{67A9400E-F662-45EB-B941-B3E87D022EB8}" destId="{76410312-8ECD-AE43-898E-15603E8FD08D}" srcOrd="0" destOrd="0" presId="urn:microsoft.com/office/officeart/2005/8/layout/hierarchy1"/>
+    <dgm:cxn modelId="{96CE348A-689F-4C4E-80E3-10B91E60F92D}" srcId="{5F9CFD5A-5DC9-4A62-8EC7-31AB341611B5}" destId="{44351A2C-B6A4-4F48-8BBC-60DC80891C33}" srcOrd="1" destOrd="0" parTransId="{6DD45138-E8C1-4516-BC3D-7864B2C5979C}" sibTransId="{FACBDB94-9922-4812-ABAB-ABA8342C809A}"/>
+    <dgm:cxn modelId="{A6D719A1-573D-5945-BC7A-15CC075AEB73}" type="presOf" srcId="{5F9CFD5A-5DC9-4A62-8EC7-31AB341611B5}" destId="{899474A4-1C04-F64C-9B1F-EF28212FE2FB}" srcOrd="0" destOrd="0" presId="urn:microsoft.com/office/officeart/2005/8/layout/hierarchy1"/>
+    <dgm:cxn modelId="{387421ED-6A1D-4F68-BCBE-B14CA5629C89}" srcId="{5F9CFD5A-5DC9-4A62-8EC7-31AB341611B5}" destId="{67A9400E-F662-45EB-B941-B3E87D022EB8}" srcOrd="0" destOrd="0" parTransId="{DF1161BF-E695-43EB-AED1-723E97032523}" sibTransId="{FD1E8835-86B3-47D1-BD20-70CBA7697768}"/>
+    <dgm:cxn modelId="{EE692CF2-8A2F-CB48-8B8A-549681F4482B}" type="presOf" srcId="{44351A2C-B6A4-4F48-8BBC-60DC80891C33}" destId="{B4933C41-5B5B-A24F-BF0D-A1618413FB80}" srcOrd="0" destOrd="0" presId="urn:microsoft.com/office/officeart/2005/8/layout/hierarchy1"/>
+    <dgm:cxn modelId="{F67FEA5D-31E3-9B45-A171-52CCFFDB1A7B}" type="presParOf" srcId="{899474A4-1C04-F64C-9B1F-EF28212FE2FB}" destId="{F08A42CF-6500-1E47-BC5F-4E6E9238E9A0}" srcOrd="0" destOrd="0" presId="urn:microsoft.com/office/officeart/2005/8/layout/hierarchy1"/>
+    <dgm:cxn modelId="{A1C4D05C-FC9D-A143-9615-F0A232650EA3}" type="presParOf" srcId="{F08A42CF-6500-1E47-BC5F-4E6E9238E9A0}" destId="{9A6DF800-4D28-3640-892D-25DB559ED680}" srcOrd="0" destOrd="0" presId="urn:microsoft.com/office/officeart/2005/8/layout/hierarchy1"/>
+    <dgm:cxn modelId="{551E8A7A-09F4-E843-B92B-9DE09875DB16}" type="presParOf" srcId="{9A6DF800-4D28-3640-892D-25DB559ED680}" destId="{E0D1F2FB-166F-DF42-8670-D5BE76A1ECE8}" srcOrd="0" destOrd="0" presId="urn:microsoft.com/office/officeart/2005/8/layout/hierarchy1"/>
+    <dgm:cxn modelId="{7D76149A-BFAC-6543-9B1C-EDB50070B596}" type="presParOf" srcId="{9A6DF800-4D28-3640-892D-25DB559ED680}" destId="{76410312-8ECD-AE43-898E-15603E8FD08D}" srcOrd="1" destOrd="0" presId="urn:microsoft.com/office/officeart/2005/8/layout/hierarchy1"/>
+    <dgm:cxn modelId="{76176BB0-C56B-9640-B116-F15BCCA6B5FB}" type="presParOf" srcId="{F08A42CF-6500-1E47-BC5F-4E6E9238E9A0}" destId="{192B2000-4B8B-9D4C-96C3-DBE00319E3E7}" srcOrd="1" destOrd="0" presId="urn:microsoft.com/office/officeart/2005/8/layout/hierarchy1"/>
+    <dgm:cxn modelId="{446DB94A-0E28-6744-B0D1-427381A5A0A7}" type="presParOf" srcId="{899474A4-1C04-F64C-9B1F-EF28212FE2FB}" destId="{5E1E80C6-5A16-5E40-9E33-9B7DB1C6C41B}" srcOrd="1" destOrd="0" presId="urn:microsoft.com/office/officeart/2005/8/layout/hierarchy1"/>
+    <dgm:cxn modelId="{312AC95F-685C-FD42-BF81-ACA568E2BE0B}" type="presParOf" srcId="{5E1E80C6-5A16-5E40-9E33-9B7DB1C6C41B}" destId="{8ED3E887-0B10-064E-8058-58F8889A65B7}" srcOrd="0" destOrd="0" presId="urn:microsoft.com/office/officeart/2005/8/layout/hierarchy1"/>
+    <dgm:cxn modelId="{26A809DB-7699-8546-BAB9-A52D347A6938}" type="presParOf" srcId="{8ED3E887-0B10-064E-8058-58F8889A65B7}" destId="{19CDC89C-5870-8440-9606-0F00B95FCAA9}" srcOrd="0" destOrd="0" presId="urn:microsoft.com/office/officeart/2005/8/layout/hierarchy1"/>
+    <dgm:cxn modelId="{2D42DDDB-AF36-974E-B26D-15993499CEF3}" type="presParOf" srcId="{8ED3E887-0B10-064E-8058-58F8889A65B7}" destId="{B4933C41-5B5B-A24F-BF0D-A1618413FB80}" srcOrd="1" destOrd="0" presId="urn:microsoft.com/office/officeart/2005/8/layout/hierarchy1"/>
+    <dgm:cxn modelId="{67981B69-AA4D-1941-8C2F-4E8235B54D9D}" type="presParOf" srcId="{5E1E80C6-5A16-5E40-9E33-9B7DB1C6C41B}" destId="{9B69F57E-54BA-084C-BF33-89EA12D4842A}" srcOrd="1" destOrd="0" presId="urn:microsoft.com/office/officeart/2005/8/layout/hierarchy1"/>
+  </dgm:cxnLst>
+  <dgm:bg/>
+  <dgm:whole/>
+  <dgm:extLst>
+    <a:ext uri="http://schemas.microsoft.com/office/drawing/2008/diagram">
+      <dsp:dataModelExt xmlns:dsp="http://schemas.microsoft.com/office/drawing/2008/diagram" relId="rId6" minVer="http://schemas.openxmlformats.org/drawingml/2006/diagram"/>
+    </a:ext>
+  </dgm:extLst>
+</dgm:dataModel>
+</file>
+
 <file path=ppt/diagrams/drawing1.xml><?xml version="1.0" encoding="utf-8"?>
 <dsp:drawing xmlns:dgm="http://schemas.openxmlformats.org/drawingml/2006/diagram" xmlns:dsp="http://schemas.microsoft.com/office/drawing/2008/diagram" xmlns:a="http://schemas.openxmlformats.org/drawingml/2006/main">
   <dsp:spTree>
@@ -2265,45 +3168,30 @@
       <dsp:cNvGrpSpPr/>
     </dsp:nvGrpSpPr>
     <dsp:grpSpPr/>
-    <dsp:sp modelId="{362A8BD8-D2E9-2B4A-BD2C-F5A804CA48DA}">
+    <dsp:sp modelId="{EC1C8368-D48B-D24C-B02F-38198FEC03B7}">
       <dsp:nvSpPr>
         <dsp:cNvPr id="0" name=""/>
         <dsp:cNvSpPr/>
       </dsp:nvSpPr>
       <dsp:spPr>
         <a:xfrm>
-          <a:off x="824" y="0"/>
-          <a:ext cx="3339256" cy="3364741"/>
+          <a:off x="206" y="162018"/>
+          <a:ext cx="2488982" cy="2986779"/>
         </a:xfrm>
         <a:prstGeom prst="rect">
           <a:avLst/>
         </a:prstGeom>
-        <a:blipFill rotWithShape="1">
-          <a:blip xmlns:r="http://schemas.openxmlformats.org/officeDocument/2006/relationships" r:embed="rId1">
-            <a:duotone>
-              <a:schemeClr val="accent2">
-                <a:hueOff val="0"/>
-                <a:satOff val="0"/>
-                <a:lumOff val="0"/>
-                <a:alphaOff val="0"/>
-                <a:tint val="98000"/>
-                <a:lumMod val="102000"/>
-              </a:schemeClr>
-              <a:schemeClr val="accent2">
-                <a:hueOff val="0"/>
-                <a:satOff val="0"/>
-                <a:lumOff val="0"/>
-                <a:alphaOff val="0"/>
-                <a:shade val="98000"/>
-                <a:lumMod val="98000"/>
-              </a:schemeClr>
-            </a:duotone>
-          </a:blip>
-          <a:tile tx="0" ty="0" sx="100000" sy="100000" flip="none" algn="tl"/>
-        </a:blipFill>
-        <a:ln w="9525" cap="rnd" cmpd="sng" algn="ctr">
+        <a:solidFill>
+          <a:schemeClr val="accent5">
+            <a:hueOff val="0"/>
+            <a:satOff val="0"/>
+            <a:lumOff val="0"/>
+            <a:alphaOff val="0"/>
+          </a:schemeClr>
+        </a:solidFill>
+        <a:ln w="15875" cap="rnd" cmpd="sng" algn="ctr">
           <a:solidFill>
-            <a:schemeClr val="accent2">
+            <a:schemeClr val="accent5">
               <a:hueOff val="0"/>
               <a:satOff val="0"/>
               <a:lumOff val="0"/>
@@ -2315,13 +3203,13 @@
         <a:effectLst/>
       </dsp:spPr>
       <dsp:style>
-        <a:lnRef idx="1">
+        <a:lnRef idx="2">
           <a:scrgbClr r="0" g="0" b="0"/>
         </a:lnRef>
-        <a:fillRef idx="3">
+        <a:fillRef idx="1">
           <a:scrgbClr r="0" g="0" b="0"/>
         </a:fillRef>
-        <a:effectRef idx="2">
+        <a:effectRef idx="1">
           <a:scrgbClr r="0" g="0" b="0"/>
         </a:effectRef>
         <a:fontRef idx="minor">
@@ -2329,12 +3217,12 @@
         </a:fontRef>
       </dsp:style>
       <dsp:txBody>
-        <a:bodyPr spcFirstLastPara="0" vert="horz" wrap="square" lIns="329844" tIns="0" rIns="329844" bIns="330200" numCol="1" spcCol="1270" anchor="t" anchorCtr="0">
+        <a:bodyPr spcFirstLastPara="0" vert="horz" wrap="square" lIns="245856" tIns="0" rIns="245856" bIns="330200" numCol="1" spcCol="1270" anchor="t" anchorCtr="0">
           <a:noAutofit/>
         </a:bodyPr>
         <a:lstStyle/>
         <a:p>
-          <a:pPr marL="0" lvl="0" indent="0" algn="l" defTabSz="1155700">
+          <a:pPr marL="0" lvl="0" indent="0" algn="l" defTabSz="977900">
             <a:lnSpc>
               <a:spcPct val="90000"/>
             </a:lnSpc>
@@ -2347,32 +3235,32 @@
             <a:buNone/>
           </a:pPr>
           <a:r>
-            <a:rPr lang="fr-FR" sz="2600" kern="1200"/>
-            <a:t>Niveau 0; présentation et démonstration</a:t>
+            <a:rPr lang="fr-FR" sz="2200" kern="1200" dirty="0"/>
+            <a:t>Niveau 0; présentation, démonstration </a:t>
           </a:r>
-          <a:endParaRPr lang="en-US" sz="2600" kern="1200"/>
+          <a:endParaRPr lang="en-US" sz="2200" kern="1200" dirty="0"/>
         </a:p>
       </dsp:txBody>
       <dsp:txXfrm>
-        <a:off x="824" y="1345896"/>
-        <a:ext cx="3339256" cy="2018844"/>
+        <a:off x="206" y="1356730"/>
+        <a:ext cx="2488982" cy="1792067"/>
       </dsp:txXfrm>
     </dsp:sp>
-    <dsp:sp modelId="{782A22B8-083B-B545-B8A4-A00604A8FF38}">
+    <dsp:sp modelId="{409F2D0E-DE2E-D546-BB41-E9E95EAC4DB5}">
       <dsp:nvSpPr>
         <dsp:cNvPr id="0" name=""/>
         <dsp:cNvSpPr/>
       </dsp:nvSpPr>
       <dsp:spPr>
         <a:xfrm>
-          <a:off x="824" y="0"/>
-          <a:ext cx="3339256" cy="1345896"/>
+          <a:off x="206" y="162018"/>
+          <a:ext cx="2488982" cy="1194711"/>
         </a:xfrm>
         <a:prstGeom prst="rect">
           <a:avLst/>
         </a:prstGeom>
         <a:noFill/>
-        <a:ln w="9525" cap="rnd" cmpd="sng" algn="ctr">
+        <a:ln w="15875" cap="rnd" cmpd="sng" algn="ctr">
           <a:noFill/>
           <a:prstDash val="solid"/>
         </a:ln>
@@ -2380,13 +3268,13 @@
         <a:sp3d/>
       </dsp:spPr>
       <dsp:style>
-        <a:lnRef idx="1">
+        <a:lnRef idx="2">
           <a:scrgbClr r="0" g="0" b="0"/>
         </a:lnRef>
-        <a:fillRef idx="3">
+        <a:fillRef idx="1">
           <a:scrgbClr r="0" g="0" b="0"/>
         </a:fillRef>
-        <a:effectRef idx="2">
+        <a:effectRef idx="1">
           <a:scrgbClr r="0" g="0" b="0"/>
         </a:effectRef>
         <a:fontRef idx="minor">
@@ -2394,12 +3282,12 @@
         </a:fontRef>
       </dsp:style>
       <dsp:txBody>
-        <a:bodyPr spcFirstLastPara="0" vert="horz" wrap="square" lIns="329844" tIns="165100" rIns="329844" bIns="165100" numCol="1" spcCol="1270" anchor="ctr" anchorCtr="0">
+        <a:bodyPr spcFirstLastPara="0" vert="horz" wrap="square" lIns="245856" tIns="165100" rIns="245856" bIns="165100" numCol="1" spcCol="1270" anchor="ctr" anchorCtr="0">
           <a:noAutofit/>
         </a:bodyPr>
         <a:lstStyle/>
         <a:p>
-          <a:pPr marL="0" lvl="0" indent="0" algn="l" defTabSz="2933700">
+          <a:pPr marL="0" lvl="0" indent="0" algn="l" defTabSz="2711450">
             <a:lnSpc>
               <a:spcPct val="90000"/>
             </a:lnSpc>
@@ -2412,58 +3300,43 @@
             <a:buNone/>
           </a:pPr>
           <a:r>
-            <a:rPr lang="en-US" sz="6600" kern="1200"/>
+            <a:rPr lang="en-US" sz="6100" kern="1200"/>
             <a:t>01</a:t>
           </a:r>
         </a:p>
       </dsp:txBody>
       <dsp:txXfrm>
-        <a:off x="824" y="0"/>
-        <a:ext cx="3339256" cy="1345896"/>
+        <a:off x="206" y="162018"/>
+        <a:ext cx="2488982" cy="1194711"/>
       </dsp:txXfrm>
     </dsp:sp>
-    <dsp:sp modelId="{B56A911D-4F70-2043-9B39-5350BA3A381B}">
+    <dsp:sp modelId="{64D860FB-C436-CE40-B7E3-02DFBF96897F}">
       <dsp:nvSpPr>
         <dsp:cNvPr id="0" name=""/>
         <dsp:cNvSpPr/>
       </dsp:nvSpPr>
       <dsp:spPr>
         <a:xfrm>
-          <a:off x="3607221" y="0"/>
-          <a:ext cx="3339256" cy="3364741"/>
+          <a:off x="2688307" y="162018"/>
+          <a:ext cx="2488982" cy="2986779"/>
         </a:xfrm>
         <a:prstGeom prst="rect">
           <a:avLst/>
         </a:prstGeom>
-        <a:blipFill rotWithShape="1">
-          <a:blip xmlns:r="http://schemas.openxmlformats.org/officeDocument/2006/relationships" r:embed="rId1">
-            <a:duotone>
-              <a:schemeClr val="accent3">
-                <a:hueOff val="0"/>
-                <a:satOff val="0"/>
-                <a:lumOff val="0"/>
-                <a:alphaOff val="0"/>
-                <a:tint val="98000"/>
-                <a:lumMod val="102000"/>
-              </a:schemeClr>
-              <a:schemeClr val="accent3">
-                <a:hueOff val="0"/>
-                <a:satOff val="0"/>
-                <a:lumOff val="0"/>
-                <a:alphaOff val="0"/>
-                <a:shade val="98000"/>
-                <a:lumMod val="98000"/>
-              </a:schemeClr>
-            </a:duotone>
-          </a:blip>
-          <a:tile tx="0" ty="0" sx="100000" sy="100000" flip="none" algn="tl"/>
-        </a:blipFill>
-        <a:ln w="9525" cap="rnd" cmpd="sng" algn="ctr">
+        <a:solidFill>
+          <a:schemeClr val="accent5">
+            <a:hueOff val="6932061"/>
+            <a:satOff val="-189"/>
+            <a:lumOff val="-1046"/>
+            <a:alphaOff val="0"/>
+          </a:schemeClr>
+        </a:solidFill>
+        <a:ln w="15875" cap="rnd" cmpd="sng" algn="ctr">
           <a:solidFill>
-            <a:schemeClr val="accent3">
-              <a:hueOff val="0"/>
-              <a:satOff val="0"/>
-              <a:lumOff val="0"/>
+            <a:schemeClr val="accent5">
+              <a:hueOff val="6932061"/>
+              <a:satOff val="-189"/>
+              <a:lumOff val="-1046"/>
               <a:alphaOff val="0"/>
             </a:schemeClr>
           </a:solidFill>
@@ -2472,13 +3345,13 @@
         <a:effectLst/>
       </dsp:spPr>
       <dsp:style>
-        <a:lnRef idx="1">
+        <a:lnRef idx="2">
           <a:scrgbClr r="0" g="0" b="0"/>
         </a:lnRef>
-        <a:fillRef idx="3">
+        <a:fillRef idx="1">
           <a:scrgbClr r="0" g="0" b="0"/>
         </a:fillRef>
-        <a:effectRef idx="2">
+        <a:effectRef idx="1">
           <a:scrgbClr r="0" g="0" b="0"/>
         </a:effectRef>
         <a:fontRef idx="minor">
@@ -2486,12 +3359,12 @@
         </a:fontRef>
       </dsp:style>
       <dsp:txBody>
-        <a:bodyPr spcFirstLastPara="0" vert="horz" wrap="square" lIns="329844" tIns="0" rIns="329844" bIns="330200" numCol="1" spcCol="1270" anchor="t" anchorCtr="0">
+        <a:bodyPr spcFirstLastPara="0" vert="horz" wrap="square" lIns="245856" tIns="0" rIns="245856" bIns="330200" numCol="1" spcCol="1270" anchor="t" anchorCtr="0">
           <a:noAutofit/>
         </a:bodyPr>
         <a:lstStyle/>
         <a:p>
-          <a:pPr marL="0" lvl="0" indent="0" algn="l" defTabSz="1155700">
+          <a:pPr marL="0" lvl="0" indent="0" algn="l" defTabSz="977900">
             <a:lnSpc>
               <a:spcPct val="90000"/>
             </a:lnSpc>
@@ -2504,32 +3377,32 @@
             <a:buNone/>
           </a:pPr>
           <a:r>
-            <a:rPr lang="fr-FR" sz="2600" kern="1200"/>
-            <a:t>Niveau 1; présentation et démonstration </a:t>
+            <a:rPr lang="fr-FR" sz="2200" kern="1200" dirty="0"/>
+            <a:t>Niveau 1; présentation, démonstration</a:t>
           </a:r>
-          <a:endParaRPr lang="en-US" sz="2600" kern="1200"/>
+          <a:endParaRPr lang="en-US" sz="2200" kern="1200" dirty="0"/>
         </a:p>
       </dsp:txBody>
       <dsp:txXfrm>
-        <a:off x="3607221" y="1345896"/>
-        <a:ext cx="3339256" cy="2018844"/>
+        <a:off x="2688307" y="1356730"/>
+        <a:ext cx="2488982" cy="1792067"/>
       </dsp:txXfrm>
     </dsp:sp>
-    <dsp:sp modelId="{80AAA251-CD54-2E41-8A72-8AE7C40A9E2B}">
+    <dsp:sp modelId="{F5797E35-EA09-4B42-BCAE-3207987AFD2C}">
       <dsp:nvSpPr>
         <dsp:cNvPr id="0" name=""/>
         <dsp:cNvSpPr/>
       </dsp:nvSpPr>
       <dsp:spPr>
         <a:xfrm>
-          <a:off x="3607221" y="0"/>
-          <a:ext cx="3339256" cy="1345896"/>
+          <a:off x="2688307" y="162018"/>
+          <a:ext cx="2488982" cy="1194711"/>
         </a:xfrm>
         <a:prstGeom prst="rect">
           <a:avLst/>
         </a:prstGeom>
         <a:noFill/>
-        <a:ln w="9525" cap="rnd" cmpd="sng" algn="ctr">
+        <a:ln w="15875" cap="rnd" cmpd="sng" algn="ctr">
           <a:noFill/>
           <a:prstDash val="solid"/>
         </a:ln>
@@ -2537,13 +3410,13 @@
         <a:sp3d/>
       </dsp:spPr>
       <dsp:style>
-        <a:lnRef idx="1">
+        <a:lnRef idx="2">
           <a:scrgbClr r="0" g="0" b="0"/>
         </a:lnRef>
-        <a:fillRef idx="3">
+        <a:fillRef idx="1">
           <a:scrgbClr r="0" g="0" b="0"/>
         </a:fillRef>
-        <a:effectRef idx="2">
+        <a:effectRef idx="1">
           <a:scrgbClr r="0" g="0" b="0"/>
         </a:effectRef>
         <a:fontRef idx="minor">
@@ -2551,12 +3424,12 @@
         </a:fontRef>
       </dsp:style>
       <dsp:txBody>
-        <a:bodyPr spcFirstLastPara="0" vert="horz" wrap="square" lIns="329844" tIns="165100" rIns="329844" bIns="165100" numCol="1" spcCol="1270" anchor="ctr" anchorCtr="0">
+        <a:bodyPr spcFirstLastPara="0" vert="horz" wrap="square" lIns="245856" tIns="165100" rIns="245856" bIns="165100" numCol="1" spcCol="1270" anchor="ctr" anchorCtr="0">
           <a:noAutofit/>
         </a:bodyPr>
         <a:lstStyle/>
         <a:p>
-          <a:pPr marL="0" lvl="0" indent="0" algn="l" defTabSz="2933700">
+          <a:pPr marL="0" lvl="0" indent="0" algn="l" defTabSz="2711450">
             <a:lnSpc>
               <a:spcPct val="90000"/>
             </a:lnSpc>
@@ -2569,58 +3442,43 @@
             <a:buNone/>
           </a:pPr>
           <a:r>
-            <a:rPr lang="en-US" sz="6600" kern="1200"/>
+            <a:rPr lang="en-US" sz="6100" kern="1200"/>
             <a:t>02</a:t>
           </a:r>
         </a:p>
       </dsp:txBody>
       <dsp:txXfrm>
-        <a:off x="3607221" y="0"/>
-        <a:ext cx="3339256" cy="1345896"/>
+        <a:off x="2688307" y="162018"/>
+        <a:ext cx="2488982" cy="1194711"/>
       </dsp:txXfrm>
     </dsp:sp>
-    <dsp:sp modelId="{D7D85B4D-EFD8-0B47-95BD-334183E97DE6}">
+    <dsp:sp modelId="{54B70924-3EFC-F945-B032-671609B9F3D3}">
       <dsp:nvSpPr>
         <dsp:cNvPr id="0" name=""/>
         <dsp:cNvSpPr/>
       </dsp:nvSpPr>
       <dsp:spPr>
         <a:xfrm>
-          <a:off x="7213618" y="0"/>
-          <a:ext cx="3339256" cy="3364741"/>
+          <a:off x="5376409" y="162018"/>
+          <a:ext cx="2488982" cy="2986779"/>
         </a:xfrm>
         <a:prstGeom prst="rect">
           <a:avLst/>
         </a:prstGeom>
-        <a:blipFill rotWithShape="1">
-          <a:blip xmlns:r="http://schemas.openxmlformats.org/officeDocument/2006/relationships" r:embed="rId1">
-            <a:duotone>
-              <a:schemeClr val="accent4">
-                <a:hueOff val="0"/>
-                <a:satOff val="0"/>
-                <a:lumOff val="0"/>
-                <a:alphaOff val="0"/>
-                <a:tint val="98000"/>
-                <a:lumMod val="102000"/>
-              </a:schemeClr>
-              <a:schemeClr val="accent4">
-                <a:hueOff val="0"/>
-                <a:satOff val="0"/>
-                <a:lumOff val="0"/>
-                <a:alphaOff val="0"/>
-                <a:shade val="98000"/>
-                <a:lumMod val="98000"/>
-              </a:schemeClr>
-            </a:duotone>
-          </a:blip>
-          <a:tile tx="0" ty="0" sx="100000" sy="100000" flip="none" algn="tl"/>
-        </a:blipFill>
-        <a:ln w="9525" cap="rnd" cmpd="sng" algn="ctr">
+        <a:solidFill>
+          <a:schemeClr val="accent5">
+            <a:hueOff val="13864123"/>
+            <a:satOff val="-379"/>
+            <a:lumOff val="-2092"/>
+            <a:alphaOff val="0"/>
+          </a:schemeClr>
+        </a:solidFill>
+        <a:ln w="15875" cap="rnd" cmpd="sng" algn="ctr">
           <a:solidFill>
-            <a:schemeClr val="accent4">
-              <a:hueOff val="0"/>
-              <a:satOff val="0"/>
-              <a:lumOff val="0"/>
+            <a:schemeClr val="accent5">
+              <a:hueOff val="13864123"/>
+              <a:satOff val="-379"/>
+              <a:lumOff val="-2092"/>
               <a:alphaOff val="0"/>
             </a:schemeClr>
           </a:solidFill>
@@ -2629,13 +3487,13 @@
         <a:effectLst/>
       </dsp:spPr>
       <dsp:style>
-        <a:lnRef idx="1">
+        <a:lnRef idx="2">
           <a:scrgbClr r="0" g="0" b="0"/>
         </a:lnRef>
-        <a:fillRef idx="3">
+        <a:fillRef idx="1">
           <a:scrgbClr r="0" g="0" b="0"/>
         </a:fillRef>
-        <a:effectRef idx="2">
+        <a:effectRef idx="1">
           <a:scrgbClr r="0" g="0" b="0"/>
         </a:effectRef>
         <a:fontRef idx="minor">
@@ -2643,12 +3501,12 @@
         </a:fontRef>
       </dsp:style>
       <dsp:txBody>
-        <a:bodyPr spcFirstLastPara="0" vert="horz" wrap="square" lIns="329844" tIns="0" rIns="329844" bIns="330200" numCol="1" spcCol="1270" anchor="t" anchorCtr="0">
+        <a:bodyPr spcFirstLastPara="0" vert="horz" wrap="square" lIns="245856" tIns="0" rIns="245856" bIns="330200" numCol="1" spcCol="1270" anchor="t" anchorCtr="0">
           <a:noAutofit/>
         </a:bodyPr>
         <a:lstStyle/>
         <a:p>
-          <a:pPr marL="0" lvl="0" indent="0" algn="l" defTabSz="1155700">
+          <a:pPr marL="0" lvl="0" indent="0" algn="l" defTabSz="977900">
             <a:lnSpc>
               <a:spcPct val="90000"/>
             </a:lnSpc>
@@ -2661,32 +3519,32 @@
             <a:buNone/>
           </a:pPr>
           <a:r>
-            <a:rPr lang="fr-FR" sz="2600" kern="1200"/>
-            <a:t>Niveau 2; présentation et démonstration </a:t>
+            <a:rPr lang="fr-FR" sz="2200" kern="1200"/>
+            <a:t>Niveau 2; présentation, démonstration </a:t>
           </a:r>
-          <a:endParaRPr lang="en-US" sz="2600" kern="1200"/>
+          <a:endParaRPr lang="en-US" sz="2200" kern="1200" dirty="0"/>
         </a:p>
       </dsp:txBody>
       <dsp:txXfrm>
-        <a:off x="7213618" y="1345896"/>
-        <a:ext cx="3339256" cy="2018844"/>
+        <a:off x="5376409" y="1356730"/>
+        <a:ext cx="2488982" cy="1792067"/>
       </dsp:txXfrm>
     </dsp:sp>
-    <dsp:sp modelId="{50F28923-A48B-B54C-AB6F-2194D0E5B1FE}">
+    <dsp:sp modelId="{461930A2-5A01-254F-8003-C300C8D6F999}">
       <dsp:nvSpPr>
         <dsp:cNvPr id="0" name=""/>
         <dsp:cNvSpPr/>
       </dsp:nvSpPr>
       <dsp:spPr>
         <a:xfrm>
-          <a:off x="7213618" y="0"/>
-          <a:ext cx="3339256" cy="1345896"/>
+          <a:off x="5376409" y="162018"/>
+          <a:ext cx="2488982" cy="1194711"/>
         </a:xfrm>
         <a:prstGeom prst="rect">
           <a:avLst/>
         </a:prstGeom>
         <a:noFill/>
-        <a:ln w="9525" cap="rnd" cmpd="sng" algn="ctr">
+        <a:ln w="15875" cap="rnd" cmpd="sng" algn="ctr">
           <a:noFill/>
           <a:prstDash val="solid"/>
         </a:ln>
@@ -2694,13 +3552,13 @@
         <a:sp3d/>
       </dsp:spPr>
       <dsp:style>
-        <a:lnRef idx="1">
+        <a:lnRef idx="2">
           <a:scrgbClr r="0" g="0" b="0"/>
         </a:lnRef>
-        <a:fillRef idx="3">
+        <a:fillRef idx="1">
           <a:scrgbClr r="0" g="0" b="0"/>
         </a:fillRef>
-        <a:effectRef idx="2">
+        <a:effectRef idx="1">
           <a:scrgbClr r="0" g="0" b="0"/>
         </a:effectRef>
         <a:fontRef idx="minor">
@@ -2708,12 +3566,12 @@
         </a:fontRef>
       </dsp:style>
       <dsp:txBody>
-        <a:bodyPr spcFirstLastPara="0" vert="horz" wrap="square" lIns="329844" tIns="165100" rIns="329844" bIns="165100" numCol="1" spcCol="1270" anchor="ctr" anchorCtr="0">
+        <a:bodyPr spcFirstLastPara="0" vert="horz" wrap="square" lIns="245856" tIns="165100" rIns="245856" bIns="165100" numCol="1" spcCol="1270" anchor="ctr" anchorCtr="0">
           <a:noAutofit/>
         </a:bodyPr>
         <a:lstStyle/>
         <a:p>
-          <a:pPr marL="0" lvl="0" indent="0" algn="l" defTabSz="2933700">
+          <a:pPr marL="0" lvl="0" indent="0" algn="l" defTabSz="2711450">
             <a:lnSpc>
               <a:spcPct val="90000"/>
             </a:lnSpc>
@@ -2726,14 +3584,156 @@
             <a:buNone/>
           </a:pPr>
           <a:r>
-            <a:rPr lang="en-US" sz="6600" kern="1200"/>
+            <a:rPr lang="en-US" sz="6100" kern="1200"/>
             <a:t>03</a:t>
           </a:r>
         </a:p>
       </dsp:txBody>
       <dsp:txXfrm>
-        <a:off x="7213618" y="0"/>
-        <a:ext cx="3339256" cy="1345896"/>
+        <a:off x="5376409" y="162018"/>
+        <a:ext cx="2488982" cy="1194711"/>
+      </dsp:txXfrm>
+    </dsp:sp>
+    <dsp:sp modelId="{87B11D63-89BC-3C47-BCD0-032E33063F03}">
+      <dsp:nvSpPr>
+        <dsp:cNvPr id="0" name=""/>
+        <dsp:cNvSpPr/>
+      </dsp:nvSpPr>
+      <dsp:spPr>
+        <a:xfrm>
+          <a:off x="8064510" y="162018"/>
+          <a:ext cx="2488982" cy="2986779"/>
+        </a:xfrm>
+        <a:prstGeom prst="rect">
+          <a:avLst/>
+        </a:prstGeom>
+        <a:solidFill>
+          <a:schemeClr val="accent5">
+            <a:hueOff val="20796183"/>
+            <a:satOff val="-568"/>
+            <a:lumOff val="-3138"/>
+            <a:alphaOff val="0"/>
+          </a:schemeClr>
+        </a:solidFill>
+        <a:ln w="15875" cap="rnd" cmpd="sng" algn="ctr">
+          <a:solidFill>
+            <a:schemeClr val="accent5">
+              <a:hueOff val="20796183"/>
+              <a:satOff val="-568"/>
+              <a:lumOff val="-3138"/>
+              <a:alphaOff val="0"/>
+            </a:schemeClr>
+          </a:solidFill>
+          <a:prstDash val="solid"/>
+        </a:ln>
+        <a:effectLst/>
+      </dsp:spPr>
+      <dsp:style>
+        <a:lnRef idx="2">
+          <a:scrgbClr r="0" g="0" b="0"/>
+        </a:lnRef>
+        <a:fillRef idx="1">
+          <a:scrgbClr r="0" g="0" b="0"/>
+        </a:fillRef>
+        <a:effectRef idx="1">
+          <a:scrgbClr r="0" g="0" b="0"/>
+        </a:effectRef>
+        <a:fontRef idx="minor">
+          <a:schemeClr val="lt1"/>
+        </a:fontRef>
+      </dsp:style>
+      <dsp:txBody>
+        <a:bodyPr spcFirstLastPara="0" vert="horz" wrap="square" lIns="245856" tIns="0" rIns="245856" bIns="330200" numCol="1" spcCol="1270" anchor="t" anchorCtr="0">
+          <a:noAutofit/>
+        </a:bodyPr>
+        <a:lstStyle/>
+        <a:p>
+          <a:pPr marL="0" lvl="0" indent="0" algn="l" defTabSz="977900">
+            <a:lnSpc>
+              <a:spcPct val="90000"/>
+            </a:lnSpc>
+            <a:spcBef>
+              <a:spcPct val="0"/>
+            </a:spcBef>
+            <a:spcAft>
+              <a:spcPct val="35000"/>
+            </a:spcAft>
+            <a:buNone/>
+          </a:pPr>
+          <a:r>
+            <a:rPr lang="fr-FR" sz="2200" kern="1200"/>
+            <a:t>Bilan des difficultées</a:t>
+          </a:r>
+          <a:endParaRPr lang="en-US" sz="2200" kern="1200"/>
+        </a:p>
+      </dsp:txBody>
+      <dsp:txXfrm>
+        <a:off x="8064510" y="1356730"/>
+        <a:ext cx="2488982" cy="1792067"/>
+      </dsp:txXfrm>
+    </dsp:sp>
+    <dsp:sp modelId="{1FE57A9D-4CBE-A94E-9F0F-7164B23AA57A}">
+      <dsp:nvSpPr>
+        <dsp:cNvPr id="0" name=""/>
+        <dsp:cNvSpPr/>
+      </dsp:nvSpPr>
+      <dsp:spPr>
+        <a:xfrm>
+          <a:off x="8064510" y="162018"/>
+          <a:ext cx="2488982" cy="1194711"/>
+        </a:xfrm>
+        <a:prstGeom prst="rect">
+          <a:avLst/>
+        </a:prstGeom>
+        <a:noFill/>
+        <a:ln w="15875" cap="rnd" cmpd="sng" algn="ctr">
+          <a:noFill/>
+          <a:prstDash val="solid"/>
+        </a:ln>
+        <a:effectLst/>
+        <a:sp3d/>
+      </dsp:spPr>
+      <dsp:style>
+        <a:lnRef idx="2">
+          <a:scrgbClr r="0" g="0" b="0"/>
+        </a:lnRef>
+        <a:fillRef idx="1">
+          <a:scrgbClr r="0" g="0" b="0"/>
+        </a:fillRef>
+        <a:effectRef idx="1">
+          <a:scrgbClr r="0" g="0" b="0"/>
+        </a:effectRef>
+        <a:fontRef idx="minor">
+          <a:schemeClr val="lt1"/>
+        </a:fontRef>
+      </dsp:style>
+      <dsp:txBody>
+        <a:bodyPr spcFirstLastPara="0" vert="horz" wrap="square" lIns="245856" tIns="165100" rIns="245856" bIns="165100" numCol="1" spcCol="1270" anchor="ctr" anchorCtr="0">
+          <a:noAutofit/>
+        </a:bodyPr>
+        <a:lstStyle/>
+        <a:p>
+          <a:pPr marL="0" lvl="0" indent="0" algn="l" defTabSz="2711450">
+            <a:lnSpc>
+              <a:spcPct val="90000"/>
+            </a:lnSpc>
+            <a:spcBef>
+              <a:spcPct val="0"/>
+            </a:spcBef>
+            <a:spcAft>
+              <a:spcPct val="35000"/>
+            </a:spcAft>
+            <a:buNone/>
+          </a:pPr>
+          <a:r>
+            <a:rPr lang="en-US" sz="6100" kern="1200"/>
+            <a:t>04</a:t>
+          </a:r>
+        </a:p>
+      </dsp:txBody>
+      <dsp:txXfrm>
+        <a:off x="8064510" y="162018"/>
+        <a:ext cx="2488982" cy="1194711"/>
       </dsp:txXfrm>
     </dsp:sp>
   </dsp:spTree>
@@ -3083,6 +4083,292 @@
       <dsp:txXfrm>
         <a:off x="3647894" y="2746506"/>
         <a:ext cx="1534771" cy="335486"/>
+      </dsp:txXfrm>
+    </dsp:sp>
+  </dsp:spTree>
+</dsp:drawing>
+</file>
+
+<file path=ppt/diagrams/drawing3.xml><?xml version="1.0" encoding="utf-8"?>
+<dsp:drawing xmlns:dgm="http://schemas.openxmlformats.org/drawingml/2006/diagram" xmlns:dsp="http://schemas.microsoft.com/office/drawing/2008/diagram" xmlns:a="http://schemas.openxmlformats.org/drawingml/2006/main">
+  <dsp:spTree>
+    <dsp:nvGrpSpPr>
+      <dsp:cNvPr id="0" name=""/>
+      <dsp:cNvGrpSpPr/>
+    </dsp:nvGrpSpPr>
+    <dsp:grpSpPr/>
+    <dsp:sp modelId="{E0D1F2FB-166F-DF42-8670-D5BE76A1ECE8}">
+      <dsp:nvSpPr>
+        <dsp:cNvPr id="0" name=""/>
+        <dsp:cNvSpPr/>
+      </dsp:nvSpPr>
+      <dsp:spPr>
+        <a:xfrm>
+          <a:off x="1288" y="8007"/>
+          <a:ext cx="4521910" cy="2871412"/>
+        </a:xfrm>
+        <a:prstGeom prst="roundRect">
+          <a:avLst>
+            <a:gd name="adj" fmla="val 10000"/>
+          </a:avLst>
+        </a:prstGeom>
+        <a:blipFill rotWithShape="1">
+          <a:blip xmlns:r="http://schemas.openxmlformats.org/officeDocument/2006/relationships" r:embed="rId1">
+            <a:duotone>
+              <a:schemeClr val="accent1">
+                <a:hueOff val="0"/>
+                <a:satOff val="0"/>
+                <a:lumOff val="0"/>
+                <a:alphaOff val="0"/>
+                <a:tint val="98000"/>
+                <a:lumMod val="102000"/>
+              </a:schemeClr>
+              <a:schemeClr val="accent1">
+                <a:hueOff val="0"/>
+                <a:satOff val="0"/>
+                <a:lumOff val="0"/>
+                <a:alphaOff val="0"/>
+                <a:shade val="98000"/>
+                <a:lumMod val="98000"/>
+              </a:schemeClr>
+            </a:duotone>
+          </a:blip>
+          <a:tile tx="0" ty="0" sx="100000" sy="100000" flip="none" algn="tl"/>
+        </a:blipFill>
+        <a:ln>
+          <a:noFill/>
+        </a:ln>
+        <a:effectLst/>
+      </dsp:spPr>
+      <dsp:style>
+        <a:lnRef idx="0">
+          <a:scrgbClr r="0" g="0" b="0"/>
+        </a:lnRef>
+        <a:fillRef idx="3">
+          <a:scrgbClr r="0" g="0" b="0"/>
+        </a:fillRef>
+        <a:effectRef idx="2">
+          <a:scrgbClr r="0" g="0" b="0"/>
+        </a:effectRef>
+        <a:fontRef idx="minor">
+          <a:schemeClr val="lt1"/>
+        </a:fontRef>
+      </dsp:style>
+    </dsp:sp>
+    <dsp:sp modelId="{76410312-8ECD-AE43-898E-15603E8FD08D}">
+      <dsp:nvSpPr>
+        <dsp:cNvPr id="0" name=""/>
+        <dsp:cNvSpPr/>
+      </dsp:nvSpPr>
+      <dsp:spPr>
+        <a:xfrm>
+          <a:off x="503722" y="485320"/>
+          <a:ext cx="4521910" cy="2871412"/>
+        </a:xfrm>
+        <a:prstGeom prst="roundRect">
+          <a:avLst>
+            <a:gd name="adj" fmla="val 10000"/>
+          </a:avLst>
+        </a:prstGeom>
+        <a:solidFill>
+          <a:schemeClr val="lt1">
+            <a:alpha val="90000"/>
+            <a:hueOff val="0"/>
+            <a:satOff val="0"/>
+            <a:lumOff val="0"/>
+            <a:alphaOff val="0"/>
+          </a:schemeClr>
+        </a:solidFill>
+        <a:ln w="9525" cap="rnd" cmpd="sng" algn="ctr">
+          <a:solidFill>
+            <a:schemeClr val="accent1">
+              <a:hueOff val="0"/>
+              <a:satOff val="0"/>
+              <a:lumOff val="0"/>
+              <a:alphaOff val="0"/>
+            </a:schemeClr>
+          </a:solidFill>
+          <a:prstDash val="solid"/>
+        </a:ln>
+        <a:effectLst/>
+      </dsp:spPr>
+      <dsp:style>
+        <a:lnRef idx="1">
+          <a:scrgbClr r="0" g="0" b="0"/>
+        </a:lnRef>
+        <a:fillRef idx="1">
+          <a:scrgbClr r="0" g="0" b="0"/>
+        </a:fillRef>
+        <a:effectRef idx="0">
+          <a:scrgbClr r="0" g="0" b="0"/>
+        </a:effectRef>
+        <a:fontRef idx="minor"/>
+      </dsp:style>
+      <dsp:txBody>
+        <a:bodyPr spcFirstLastPara="0" vert="horz" wrap="square" lIns="125730" tIns="125730" rIns="125730" bIns="125730" numCol="1" spcCol="1270" anchor="ctr" anchorCtr="0">
+          <a:noAutofit/>
+        </a:bodyPr>
+        <a:lstStyle/>
+        <a:p>
+          <a:pPr marL="0" lvl="0" indent="0" algn="ctr" defTabSz="1466850">
+            <a:lnSpc>
+              <a:spcPct val="90000"/>
+            </a:lnSpc>
+            <a:spcBef>
+              <a:spcPct val="0"/>
+            </a:spcBef>
+            <a:spcAft>
+              <a:spcPct val="35000"/>
+            </a:spcAft>
+            <a:buNone/>
+          </a:pPr>
+          <a:r>
+            <a:rPr lang="fr-FR" sz="3300" kern="1200"/>
+            <a:t>Une quantité de travaille assez conséquente dans un temps assez court</a:t>
+          </a:r>
+          <a:endParaRPr lang="en-US" sz="3300" kern="1200"/>
+        </a:p>
+      </dsp:txBody>
+      <dsp:txXfrm>
+        <a:off x="587823" y="569421"/>
+        <a:ext cx="4353708" cy="2703210"/>
+      </dsp:txXfrm>
+    </dsp:sp>
+    <dsp:sp modelId="{19CDC89C-5870-8440-9606-0F00B95FCAA9}">
+      <dsp:nvSpPr>
+        <dsp:cNvPr id="0" name=""/>
+        <dsp:cNvSpPr/>
+      </dsp:nvSpPr>
+      <dsp:spPr>
+        <a:xfrm>
+          <a:off x="5528067" y="8007"/>
+          <a:ext cx="4521910" cy="2871412"/>
+        </a:xfrm>
+        <a:prstGeom prst="roundRect">
+          <a:avLst>
+            <a:gd name="adj" fmla="val 10000"/>
+          </a:avLst>
+        </a:prstGeom>
+        <a:blipFill rotWithShape="1">
+          <a:blip xmlns:r="http://schemas.openxmlformats.org/officeDocument/2006/relationships" r:embed="rId1">
+            <a:duotone>
+              <a:schemeClr val="accent1">
+                <a:hueOff val="0"/>
+                <a:satOff val="0"/>
+                <a:lumOff val="0"/>
+                <a:alphaOff val="0"/>
+                <a:tint val="98000"/>
+                <a:lumMod val="102000"/>
+              </a:schemeClr>
+              <a:schemeClr val="accent1">
+                <a:hueOff val="0"/>
+                <a:satOff val="0"/>
+                <a:lumOff val="0"/>
+                <a:alphaOff val="0"/>
+                <a:shade val="98000"/>
+                <a:lumMod val="98000"/>
+              </a:schemeClr>
+            </a:duotone>
+          </a:blip>
+          <a:tile tx="0" ty="0" sx="100000" sy="100000" flip="none" algn="tl"/>
+        </a:blipFill>
+        <a:ln>
+          <a:noFill/>
+        </a:ln>
+        <a:effectLst/>
+      </dsp:spPr>
+      <dsp:style>
+        <a:lnRef idx="0">
+          <a:scrgbClr r="0" g="0" b="0"/>
+        </a:lnRef>
+        <a:fillRef idx="3">
+          <a:scrgbClr r="0" g="0" b="0"/>
+        </a:fillRef>
+        <a:effectRef idx="2">
+          <a:scrgbClr r="0" g="0" b="0"/>
+        </a:effectRef>
+        <a:fontRef idx="minor">
+          <a:schemeClr val="lt1"/>
+        </a:fontRef>
+      </dsp:style>
+    </dsp:sp>
+    <dsp:sp modelId="{B4933C41-5B5B-A24F-BF0D-A1618413FB80}">
+      <dsp:nvSpPr>
+        <dsp:cNvPr id="0" name=""/>
+        <dsp:cNvSpPr/>
+      </dsp:nvSpPr>
+      <dsp:spPr>
+        <a:xfrm>
+          <a:off x="6030501" y="485320"/>
+          <a:ext cx="4521910" cy="2871412"/>
+        </a:xfrm>
+        <a:prstGeom prst="roundRect">
+          <a:avLst>
+            <a:gd name="adj" fmla="val 10000"/>
+          </a:avLst>
+        </a:prstGeom>
+        <a:solidFill>
+          <a:schemeClr val="lt1">
+            <a:alpha val="90000"/>
+            <a:hueOff val="0"/>
+            <a:satOff val="0"/>
+            <a:lumOff val="0"/>
+            <a:alphaOff val="0"/>
+          </a:schemeClr>
+        </a:solidFill>
+        <a:ln w="9525" cap="rnd" cmpd="sng" algn="ctr">
+          <a:solidFill>
+            <a:schemeClr val="accent1">
+              <a:hueOff val="0"/>
+              <a:satOff val="0"/>
+              <a:lumOff val="0"/>
+              <a:alphaOff val="0"/>
+            </a:schemeClr>
+          </a:solidFill>
+          <a:prstDash val="solid"/>
+        </a:ln>
+        <a:effectLst/>
+      </dsp:spPr>
+      <dsp:style>
+        <a:lnRef idx="1">
+          <a:scrgbClr r="0" g="0" b="0"/>
+        </a:lnRef>
+        <a:fillRef idx="1">
+          <a:scrgbClr r="0" g="0" b="0"/>
+        </a:fillRef>
+        <a:effectRef idx="0">
+          <a:scrgbClr r="0" g="0" b="0"/>
+        </a:effectRef>
+        <a:fontRef idx="minor"/>
+      </dsp:style>
+      <dsp:txBody>
+        <a:bodyPr spcFirstLastPara="0" vert="horz" wrap="square" lIns="125730" tIns="125730" rIns="125730" bIns="125730" numCol="1" spcCol="1270" anchor="ctr" anchorCtr="0">
+          <a:noAutofit/>
+        </a:bodyPr>
+        <a:lstStyle/>
+        <a:p>
+          <a:pPr marL="0" lvl="0" indent="0" algn="ctr" defTabSz="1466850">
+            <a:lnSpc>
+              <a:spcPct val="90000"/>
+            </a:lnSpc>
+            <a:spcBef>
+              <a:spcPct val="0"/>
+            </a:spcBef>
+            <a:spcAft>
+              <a:spcPct val="35000"/>
+            </a:spcAft>
+            <a:buNone/>
+          </a:pPr>
+          <a:r>
+            <a:rPr lang="fr-FR" sz="3300" kern="1200"/>
+            <a:t>L’utilisation de nouvelles bibliothèques et de nouveaux concepts (git et makefile)</a:t>
+          </a:r>
+          <a:endParaRPr lang="en-US" sz="3300" kern="1200"/>
+        </a:p>
+      </dsp:txBody>
+      <dsp:txXfrm>
+        <a:off x="6114602" y="569421"/>
+        <a:ext cx="4353708" cy="2703210"/>
       </dsp:txXfrm>
     </dsp:sp>
   </dsp:spTree>
@@ -3595,12 +4881,575 @@
 </dgm:layoutDef>
 </file>
 
-<file path=ppt/diagrams/quickStyle1.xml><?xml version="1.0" encoding="utf-8"?>
-<dgm:styleDef xmlns:dgm="http://schemas.openxmlformats.org/drawingml/2006/diagram" xmlns:a="http://schemas.openxmlformats.org/drawingml/2006/main" uniqueId="urn:microsoft.com/office/officeart/2005/8/quickstyle/simple4">
+<file path=ppt/diagrams/layout3.xml><?xml version="1.0" encoding="utf-8"?>
+<dgm:layoutDef xmlns:dgm="http://schemas.openxmlformats.org/drawingml/2006/diagram" xmlns:a="http://schemas.openxmlformats.org/drawingml/2006/main" uniqueId="urn:microsoft.com/office/officeart/2005/8/layout/hierarchy1">
   <dgm:title val=""/>
   <dgm:desc val=""/>
   <dgm:catLst>
-    <dgm:cat type="simple" pri="10400"/>
+    <dgm:cat type="hierarchy" pri="2000"/>
+  </dgm:catLst>
+  <dgm:sampData>
+    <dgm:dataModel>
+      <dgm:ptLst>
+        <dgm:pt modelId="0" type="doc"/>
+        <dgm:pt modelId="1">
+          <dgm:prSet phldr="1"/>
+        </dgm:pt>
+        <dgm:pt modelId="2">
+          <dgm:prSet phldr="1"/>
+        </dgm:pt>
+        <dgm:pt modelId="21">
+          <dgm:prSet phldr="1"/>
+        </dgm:pt>
+        <dgm:pt modelId="22">
+          <dgm:prSet phldr="1"/>
+        </dgm:pt>
+        <dgm:pt modelId="3">
+          <dgm:prSet phldr="1"/>
+        </dgm:pt>
+        <dgm:pt modelId="31">
+          <dgm:prSet phldr="1"/>
+        </dgm:pt>
+      </dgm:ptLst>
+      <dgm:cxnLst>
+        <dgm:cxn modelId="4" srcId="0" destId="1" srcOrd="0" destOrd="0"/>
+        <dgm:cxn modelId="5" srcId="1" destId="2" srcOrd="0" destOrd="0"/>
+        <dgm:cxn modelId="6" srcId="1" destId="3" srcOrd="1" destOrd="0"/>
+        <dgm:cxn modelId="23" srcId="2" destId="21" srcOrd="0" destOrd="0"/>
+        <dgm:cxn modelId="24" srcId="2" destId="22" srcOrd="1" destOrd="0"/>
+        <dgm:cxn modelId="33" srcId="3" destId="31" srcOrd="0" destOrd="0"/>
+      </dgm:cxnLst>
+      <dgm:bg/>
+      <dgm:whole/>
+    </dgm:dataModel>
+  </dgm:sampData>
+  <dgm:styleData>
+    <dgm:dataModel>
+      <dgm:ptLst>
+        <dgm:pt modelId="0" type="doc"/>
+        <dgm:pt modelId="1"/>
+        <dgm:pt modelId="11"/>
+        <dgm:pt modelId="12"/>
+      </dgm:ptLst>
+      <dgm:cxnLst>
+        <dgm:cxn modelId="2" srcId="0" destId="1" srcOrd="0" destOrd="0"/>
+        <dgm:cxn modelId="13" srcId="1" destId="11" srcOrd="0" destOrd="0"/>
+        <dgm:cxn modelId="14" srcId="1" destId="12" srcOrd="1" destOrd="0"/>
+      </dgm:cxnLst>
+      <dgm:bg/>
+      <dgm:whole/>
+    </dgm:dataModel>
+  </dgm:styleData>
+  <dgm:clrData>
+    <dgm:dataModel>
+      <dgm:ptLst>
+        <dgm:pt modelId="0" type="doc"/>
+        <dgm:pt modelId="1"/>
+        <dgm:pt modelId="2"/>
+        <dgm:pt modelId="21"/>
+        <dgm:pt modelId="211"/>
+        <dgm:pt modelId="3"/>
+        <dgm:pt modelId="31"/>
+        <dgm:pt modelId="311"/>
+      </dgm:ptLst>
+      <dgm:cxnLst>
+        <dgm:cxn modelId="4" srcId="0" destId="1" srcOrd="0" destOrd="0"/>
+        <dgm:cxn modelId="5" srcId="1" destId="2" srcOrd="0" destOrd="0"/>
+        <dgm:cxn modelId="6" srcId="1" destId="3" srcOrd="1" destOrd="0"/>
+        <dgm:cxn modelId="23" srcId="2" destId="21" srcOrd="0" destOrd="0"/>
+        <dgm:cxn modelId="24" srcId="21" destId="211" srcOrd="0" destOrd="0"/>
+        <dgm:cxn modelId="33" srcId="3" destId="31" srcOrd="0" destOrd="0"/>
+        <dgm:cxn modelId="34" srcId="31" destId="311" srcOrd="0" destOrd="0"/>
+      </dgm:cxnLst>
+      <dgm:bg/>
+      <dgm:whole/>
+    </dgm:dataModel>
+  </dgm:clrData>
+  <dgm:layoutNode name="hierChild1">
+    <dgm:varLst>
+      <dgm:chPref val="1"/>
+      <dgm:dir/>
+      <dgm:animOne val="branch"/>
+      <dgm:animLvl val="lvl"/>
+      <dgm:resizeHandles/>
+    </dgm:varLst>
+    <dgm:choose name="Name0">
+      <dgm:if name="Name1" func="var" arg="dir" op="equ" val="norm">
+        <dgm:alg type="hierChild">
+          <dgm:param type="linDir" val="fromL"/>
+        </dgm:alg>
+      </dgm:if>
+      <dgm:else name="Name2">
+        <dgm:alg type="hierChild">
+          <dgm:param type="linDir" val="fromR"/>
+        </dgm:alg>
+      </dgm:else>
+    </dgm:choose>
+    <dgm:shape xmlns:r="http://schemas.openxmlformats.org/officeDocument/2006/relationships" r:blip="">
+      <dgm:adjLst/>
+    </dgm:shape>
+    <dgm:presOf/>
+    <dgm:constrLst>
+      <dgm:constr type="primFontSz" for="des" ptType="node" op="equ" val="65"/>
+      <dgm:constr type="w" for="des" forName="composite" refType="w"/>
+      <dgm:constr type="h" for="des" forName="composite" refType="w" refFor="des" refForName="composite" fact="0.667"/>
+      <dgm:constr type="w" for="des" forName="composite2" refType="w" refFor="des" refForName="composite"/>
+      <dgm:constr type="h" for="des" forName="composite2" refType="h" refFor="des" refForName="composite"/>
+      <dgm:constr type="w" for="des" forName="composite3" refType="w" refFor="des" refForName="composite"/>
+      <dgm:constr type="h" for="des" forName="composite3" refType="h" refFor="des" refForName="composite"/>
+      <dgm:constr type="w" for="des" forName="composite4" refType="w" refFor="des" refForName="composite"/>
+      <dgm:constr type="h" for="des" forName="composite4" refType="h" refFor="des" refForName="composite"/>
+      <dgm:constr type="w" for="des" forName="composite5" refType="w" refFor="des" refForName="composite"/>
+      <dgm:constr type="h" for="des" forName="composite5" refType="h" refFor="des" refForName="composite"/>
+      <dgm:constr type="sibSp" refType="w" refFor="des" refForName="composite" fact="0.1"/>
+      <dgm:constr type="sibSp" for="des" forName="hierChild2" refType="sibSp"/>
+      <dgm:constr type="sibSp" for="des" forName="hierChild3" refType="sibSp"/>
+      <dgm:constr type="sibSp" for="des" forName="hierChild4" refType="sibSp"/>
+      <dgm:constr type="sibSp" for="des" forName="hierChild5" refType="sibSp"/>
+      <dgm:constr type="sibSp" for="des" forName="hierChild6" refType="sibSp"/>
+      <dgm:constr type="sp" for="des" forName="hierRoot1" refType="h" refFor="des" refForName="composite" fact="0.25"/>
+      <dgm:constr type="sp" for="des" forName="hierRoot2" refType="sp" refFor="des" refForName="hierRoot1"/>
+      <dgm:constr type="sp" for="des" forName="hierRoot3" refType="sp" refFor="des" refForName="hierRoot1"/>
+      <dgm:constr type="sp" for="des" forName="hierRoot4" refType="sp" refFor="des" refForName="hierRoot1"/>
+      <dgm:constr type="sp" for="des" forName="hierRoot5" refType="sp" refFor="des" refForName="hierRoot1"/>
+    </dgm:constrLst>
+    <dgm:ruleLst/>
+    <dgm:forEach name="Name3" axis="ch">
+      <dgm:forEach name="Name4" axis="self" ptType="node">
+        <dgm:layoutNode name="hierRoot1">
+          <dgm:alg type="hierRoot"/>
+          <dgm:shape xmlns:r="http://schemas.openxmlformats.org/officeDocument/2006/relationships" r:blip="">
+            <dgm:adjLst/>
+          </dgm:shape>
+          <dgm:presOf/>
+          <dgm:constrLst>
+            <dgm:constr type="bendDist" for="des" ptType="parTrans" refType="sp" fact="0.5"/>
+          </dgm:constrLst>
+          <dgm:ruleLst/>
+          <dgm:layoutNode name="composite">
+            <dgm:alg type="composite"/>
+            <dgm:shape xmlns:r="http://schemas.openxmlformats.org/officeDocument/2006/relationships" r:blip="">
+              <dgm:adjLst/>
+            </dgm:shape>
+            <dgm:presOf/>
+            <dgm:constrLst>
+              <dgm:constr type="w" for="ch" forName="background" refType="w" fact="0.9"/>
+              <dgm:constr type="h" for="ch" forName="background" refType="w" refFor="ch" refForName="background" fact="0.635"/>
+              <dgm:constr type="t" for="ch" forName="background"/>
+              <dgm:constr type="l" for="ch" forName="background"/>
+              <dgm:constr type="w" for="ch" forName="text" refType="w" fact="0.9"/>
+              <dgm:constr type="h" for="ch" forName="text" refType="w" refFor="ch" refForName="text" fact="0.635"/>
+              <dgm:constr type="t" for="ch" forName="text" refType="w" fact="0.095"/>
+              <dgm:constr type="l" for="ch" forName="text" refType="w" fact="0.1"/>
+            </dgm:constrLst>
+            <dgm:ruleLst/>
+            <dgm:layoutNode name="background" styleLbl="node0" moveWith="text">
+              <dgm:alg type="sp"/>
+              <dgm:shape xmlns:r="http://schemas.openxmlformats.org/officeDocument/2006/relationships" type="roundRect" r:blip="">
+                <dgm:adjLst>
+                  <dgm:adj idx="1" val="0.1"/>
+                </dgm:adjLst>
+              </dgm:shape>
+              <dgm:presOf/>
+              <dgm:constrLst/>
+              <dgm:ruleLst/>
+            </dgm:layoutNode>
+            <dgm:layoutNode name="text" styleLbl="fgAcc0">
+              <dgm:varLst>
+                <dgm:chPref val="3"/>
+              </dgm:varLst>
+              <dgm:alg type="tx"/>
+              <dgm:shape xmlns:r="http://schemas.openxmlformats.org/officeDocument/2006/relationships" type="roundRect" r:blip="">
+                <dgm:adjLst>
+                  <dgm:adj idx="1" val="0.1"/>
+                </dgm:adjLst>
+              </dgm:shape>
+              <dgm:presOf axis="self"/>
+              <dgm:constrLst>
+                <dgm:constr type="tMarg" refType="primFontSz" fact="0.3"/>
+                <dgm:constr type="bMarg" refType="primFontSz" fact="0.3"/>
+                <dgm:constr type="lMarg" refType="primFontSz" fact="0.3"/>
+                <dgm:constr type="rMarg" refType="primFontSz" fact="0.3"/>
+              </dgm:constrLst>
+              <dgm:ruleLst>
+                <dgm:rule type="primFontSz" val="5" fact="NaN" max="NaN"/>
+              </dgm:ruleLst>
+            </dgm:layoutNode>
+          </dgm:layoutNode>
+          <dgm:layoutNode name="hierChild2">
+            <dgm:choose name="Name5">
+              <dgm:if name="Name6" func="var" arg="dir" op="equ" val="norm">
+                <dgm:alg type="hierChild">
+                  <dgm:param type="linDir" val="fromL"/>
+                </dgm:alg>
+              </dgm:if>
+              <dgm:else name="Name7">
+                <dgm:alg type="hierChild">
+                  <dgm:param type="linDir" val="fromR"/>
+                </dgm:alg>
+              </dgm:else>
+            </dgm:choose>
+            <dgm:shape xmlns:r="http://schemas.openxmlformats.org/officeDocument/2006/relationships" r:blip="">
+              <dgm:adjLst/>
+            </dgm:shape>
+            <dgm:presOf/>
+            <dgm:constrLst/>
+            <dgm:ruleLst/>
+            <dgm:forEach name="Name8" axis="ch">
+              <dgm:forEach name="Name9" axis="self" ptType="parTrans" cnt="1">
+                <dgm:layoutNode name="Name10">
+                  <dgm:alg type="conn">
+                    <dgm:param type="dim" val="1D"/>
+                    <dgm:param type="endSty" val="noArr"/>
+                    <dgm:param type="connRout" val="bend"/>
+                    <dgm:param type="bendPt" val="end"/>
+                    <dgm:param type="begPts" val="bCtr"/>
+                    <dgm:param type="endPts" val="tCtr"/>
+                    <dgm:param type="srcNode" val="background"/>
+                    <dgm:param type="dstNode" val="background2"/>
+                  </dgm:alg>
+                  <dgm:shape xmlns:r="http://schemas.openxmlformats.org/officeDocument/2006/relationships" type="conn" r:blip="" zOrderOff="-999">
+                    <dgm:adjLst/>
+                  </dgm:shape>
+                  <dgm:presOf axis="self"/>
+                  <dgm:constrLst>
+                    <dgm:constr type="begPad"/>
+                    <dgm:constr type="endPad"/>
+                  </dgm:constrLst>
+                  <dgm:ruleLst/>
+                </dgm:layoutNode>
+              </dgm:forEach>
+              <dgm:forEach name="Name11" axis="self" ptType="node">
+                <dgm:layoutNode name="hierRoot2">
+                  <dgm:alg type="hierRoot"/>
+                  <dgm:shape xmlns:r="http://schemas.openxmlformats.org/officeDocument/2006/relationships" r:blip="">
+                    <dgm:adjLst/>
+                  </dgm:shape>
+                  <dgm:presOf/>
+                  <dgm:constrLst>
+                    <dgm:constr type="bendDist" for="des" ptType="parTrans" refType="sp" fact="0.5"/>
+                  </dgm:constrLst>
+                  <dgm:ruleLst/>
+                  <dgm:layoutNode name="composite2">
+                    <dgm:alg type="composite"/>
+                    <dgm:shape xmlns:r="http://schemas.openxmlformats.org/officeDocument/2006/relationships" r:blip="">
+                      <dgm:adjLst/>
+                    </dgm:shape>
+                    <dgm:presOf/>
+                    <dgm:constrLst>
+                      <dgm:constr type="w" for="ch" forName="background2" refType="w" fact="0.9"/>
+                      <dgm:constr type="h" for="ch" forName="background2" refType="w" refFor="ch" refForName="background2" fact="0.635"/>
+                      <dgm:constr type="t" for="ch" forName="background2"/>
+                      <dgm:constr type="l" for="ch" forName="background2"/>
+                      <dgm:constr type="w" for="ch" forName="text2" refType="w" fact="0.9"/>
+                      <dgm:constr type="h" for="ch" forName="text2" refType="w" refFor="ch" refForName="text2" fact="0.635"/>
+                      <dgm:constr type="t" for="ch" forName="text2" refType="w" fact="0.095"/>
+                      <dgm:constr type="l" for="ch" forName="text2" refType="w" fact="0.1"/>
+                    </dgm:constrLst>
+                    <dgm:ruleLst/>
+                    <dgm:layoutNode name="background2" moveWith="text2">
+                      <dgm:alg type="sp"/>
+                      <dgm:shape xmlns:r="http://schemas.openxmlformats.org/officeDocument/2006/relationships" type="roundRect" r:blip="">
+                        <dgm:adjLst>
+                          <dgm:adj idx="1" val="0.1"/>
+                        </dgm:adjLst>
+                      </dgm:shape>
+                      <dgm:presOf/>
+                      <dgm:constrLst/>
+                      <dgm:ruleLst/>
+                    </dgm:layoutNode>
+                    <dgm:layoutNode name="text2" styleLbl="fgAcc2">
+                      <dgm:varLst>
+                        <dgm:chPref val="3"/>
+                      </dgm:varLst>
+                      <dgm:alg type="tx"/>
+                      <dgm:shape xmlns:r="http://schemas.openxmlformats.org/officeDocument/2006/relationships" type="roundRect" r:blip="">
+                        <dgm:adjLst>
+                          <dgm:adj idx="1" val="0.1"/>
+                        </dgm:adjLst>
+                      </dgm:shape>
+                      <dgm:presOf axis="self"/>
+                      <dgm:constrLst>
+                        <dgm:constr type="tMarg" refType="primFontSz" fact="0.3"/>
+                        <dgm:constr type="bMarg" refType="primFontSz" fact="0.3"/>
+                        <dgm:constr type="lMarg" refType="primFontSz" fact="0.3"/>
+                        <dgm:constr type="rMarg" refType="primFontSz" fact="0.3"/>
+                      </dgm:constrLst>
+                      <dgm:ruleLst>
+                        <dgm:rule type="primFontSz" val="5" fact="NaN" max="NaN"/>
+                      </dgm:ruleLst>
+                    </dgm:layoutNode>
+                  </dgm:layoutNode>
+                  <dgm:layoutNode name="hierChild3">
+                    <dgm:choose name="Name12">
+                      <dgm:if name="Name13" func="var" arg="dir" op="equ" val="norm">
+                        <dgm:alg type="hierChild">
+                          <dgm:param type="linDir" val="fromL"/>
+                        </dgm:alg>
+                      </dgm:if>
+                      <dgm:else name="Name14">
+                        <dgm:alg type="hierChild">
+                          <dgm:param type="linDir" val="fromR"/>
+                        </dgm:alg>
+                      </dgm:else>
+                    </dgm:choose>
+                    <dgm:shape xmlns:r="http://schemas.openxmlformats.org/officeDocument/2006/relationships" r:blip="">
+                      <dgm:adjLst/>
+                    </dgm:shape>
+                    <dgm:presOf/>
+                    <dgm:constrLst/>
+                    <dgm:ruleLst/>
+                    <dgm:forEach name="Name15" axis="ch">
+                      <dgm:forEach name="Name16" axis="self" ptType="parTrans" cnt="1">
+                        <dgm:layoutNode name="Name17">
+                          <dgm:alg type="conn">
+                            <dgm:param type="dim" val="1D"/>
+                            <dgm:param type="endSty" val="noArr"/>
+                            <dgm:param type="connRout" val="bend"/>
+                            <dgm:param type="bendPt" val="end"/>
+                            <dgm:param type="begPts" val="bCtr"/>
+                            <dgm:param type="endPts" val="tCtr"/>
+                            <dgm:param type="srcNode" val="background2"/>
+                            <dgm:param type="dstNode" val="background3"/>
+                          </dgm:alg>
+                          <dgm:shape xmlns:r="http://schemas.openxmlformats.org/officeDocument/2006/relationships" type="conn" r:blip="" zOrderOff="-999">
+                            <dgm:adjLst/>
+                          </dgm:shape>
+                          <dgm:presOf axis="self"/>
+                          <dgm:constrLst>
+                            <dgm:constr type="begPad"/>
+                            <dgm:constr type="endPad"/>
+                          </dgm:constrLst>
+                          <dgm:ruleLst/>
+                        </dgm:layoutNode>
+                      </dgm:forEach>
+                      <dgm:forEach name="Name18" axis="self" ptType="node">
+                        <dgm:layoutNode name="hierRoot3">
+                          <dgm:alg type="hierRoot"/>
+                          <dgm:shape xmlns:r="http://schemas.openxmlformats.org/officeDocument/2006/relationships" r:blip="">
+                            <dgm:adjLst/>
+                          </dgm:shape>
+                          <dgm:presOf/>
+                          <dgm:constrLst>
+                            <dgm:constr type="bendDist" for="des" ptType="parTrans" refType="sp" fact="0.5"/>
+                          </dgm:constrLst>
+                          <dgm:ruleLst/>
+                          <dgm:layoutNode name="composite3">
+                            <dgm:alg type="composite"/>
+                            <dgm:shape xmlns:r="http://schemas.openxmlformats.org/officeDocument/2006/relationships" r:blip="">
+                              <dgm:adjLst/>
+                            </dgm:shape>
+                            <dgm:presOf/>
+                            <dgm:constrLst>
+                              <dgm:constr type="w" for="ch" forName="background3" refType="w" fact="0.9"/>
+                              <dgm:constr type="h" for="ch" forName="background3" refType="w" refFor="ch" refForName="background3" fact="0.635"/>
+                              <dgm:constr type="t" for="ch" forName="background3"/>
+                              <dgm:constr type="l" for="ch" forName="background3"/>
+                              <dgm:constr type="w" for="ch" forName="text3" refType="w" fact="0.9"/>
+                              <dgm:constr type="h" for="ch" forName="text3" refType="w" refFor="ch" refForName="text3" fact="0.635"/>
+                              <dgm:constr type="t" for="ch" forName="text3" refType="w" fact="0.095"/>
+                              <dgm:constr type="l" for="ch" forName="text3" refType="w" fact="0.1"/>
+                            </dgm:constrLst>
+                            <dgm:ruleLst/>
+                            <dgm:layoutNode name="background3" moveWith="text3">
+                              <dgm:alg type="sp"/>
+                              <dgm:shape xmlns:r="http://schemas.openxmlformats.org/officeDocument/2006/relationships" type="roundRect" r:blip="">
+                                <dgm:adjLst>
+                                  <dgm:adj idx="1" val="0.1"/>
+                                </dgm:adjLst>
+                              </dgm:shape>
+                              <dgm:presOf/>
+                              <dgm:constrLst/>
+                              <dgm:ruleLst/>
+                            </dgm:layoutNode>
+                            <dgm:layoutNode name="text3" styleLbl="fgAcc3">
+                              <dgm:varLst>
+                                <dgm:chPref val="3"/>
+                              </dgm:varLst>
+                              <dgm:alg type="tx"/>
+                              <dgm:shape xmlns:r="http://schemas.openxmlformats.org/officeDocument/2006/relationships" type="roundRect" r:blip="">
+                                <dgm:adjLst>
+                                  <dgm:adj idx="1" val="0.1"/>
+                                </dgm:adjLst>
+                              </dgm:shape>
+                              <dgm:presOf axis="self"/>
+                              <dgm:constrLst>
+                                <dgm:constr type="tMarg" refType="primFontSz" fact="0.3"/>
+                                <dgm:constr type="bMarg" refType="primFontSz" fact="0.3"/>
+                                <dgm:constr type="lMarg" refType="primFontSz" fact="0.3"/>
+                                <dgm:constr type="rMarg" refType="primFontSz" fact="0.3"/>
+                              </dgm:constrLst>
+                              <dgm:ruleLst>
+                                <dgm:rule type="primFontSz" val="5" fact="NaN" max="NaN"/>
+                              </dgm:ruleLst>
+                            </dgm:layoutNode>
+                          </dgm:layoutNode>
+                          <dgm:layoutNode name="hierChild4">
+                            <dgm:choose name="Name19">
+                              <dgm:if name="Name20" func="var" arg="dir" op="equ" val="norm">
+                                <dgm:alg type="hierChild">
+                                  <dgm:param type="linDir" val="fromL"/>
+                                </dgm:alg>
+                              </dgm:if>
+                              <dgm:else name="Name21">
+                                <dgm:alg type="hierChild">
+                                  <dgm:param type="linDir" val="fromR"/>
+                                </dgm:alg>
+                              </dgm:else>
+                            </dgm:choose>
+                            <dgm:shape xmlns:r="http://schemas.openxmlformats.org/officeDocument/2006/relationships" r:blip="">
+                              <dgm:adjLst/>
+                            </dgm:shape>
+                            <dgm:presOf/>
+                            <dgm:constrLst/>
+                            <dgm:ruleLst/>
+                            <dgm:forEach name="repeat" axis="ch">
+                              <dgm:forEach name="Name22" axis="self" ptType="parTrans" cnt="1">
+                                <dgm:layoutNode name="Name23">
+                                  <dgm:choose name="Name24">
+                                    <dgm:if name="Name25" axis="self" func="depth" op="lte" val="4">
+                                      <dgm:alg type="conn">
+                                        <dgm:param type="dim" val="1D"/>
+                                        <dgm:param type="endSty" val="noArr"/>
+                                        <dgm:param type="connRout" val="bend"/>
+                                        <dgm:param type="bendPt" val="end"/>
+                                        <dgm:param type="begPts" val="bCtr"/>
+                                        <dgm:param type="endPts" val="tCtr"/>
+                                        <dgm:param type="srcNode" val="background3"/>
+                                        <dgm:param type="dstNode" val="background4"/>
+                                      </dgm:alg>
+                                    </dgm:if>
+                                    <dgm:else name="Name26">
+                                      <dgm:alg type="conn">
+                                        <dgm:param type="dim" val="1D"/>
+                                        <dgm:param type="endSty" val="noArr"/>
+                                        <dgm:param type="connRout" val="bend"/>
+                                        <dgm:param type="bendPt" val="end"/>
+                                        <dgm:param type="begPts" val="bCtr"/>
+                                        <dgm:param type="endPts" val="tCtr"/>
+                                        <dgm:param type="srcNode" val="background4"/>
+                                        <dgm:param type="dstNode" val="background4"/>
+                                      </dgm:alg>
+                                    </dgm:else>
+                                  </dgm:choose>
+                                  <dgm:shape xmlns:r="http://schemas.openxmlformats.org/officeDocument/2006/relationships" type="conn" r:blip="" zOrderOff="-999">
+                                    <dgm:adjLst/>
+                                  </dgm:shape>
+                                  <dgm:presOf axis="self"/>
+                                  <dgm:constrLst>
+                                    <dgm:constr type="begPad"/>
+                                    <dgm:constr type="endPad"/>
+                                  </dgm:constrLst>
+                                  <dgm:ruleLst/>
+                                </dgm:layoutNode>
+                              </dgm:forEach>
+                              <dgm:forEach name="Name27" axis="self" ptType="node">
+                                <dgm:layoutNode name="hierRoot4">
+                                  <dgm:alg type="hierRoot"/>
+                                  <dgm:shape xmlns:r="http://schemas.openxmlformats.org/officeDocument/2006/relationships" r:blip="">
+                                    <dgm:adjLst/>
+                                  </dgm:shape>
+                                  <dgm:presOf/>
+                                  <dgm:constrLst>
+                                    <dgm:constr type="bendDist" for="des" ptType="parTrans" refType="sp" fact="0.5"/>
+                                  </dgm:constrLst>
+                                  <dgm:ruleLst/>
+                                  <dgm:layoutNode name="composite4">
+                                    <dgm:alg type="composite"/>
+                                    <dgm:shape xmlns:r="http://schemas.openxmlformats.org/officeDocument/2006/relationships" r:blip="">
+                                      <dgm:adjLst/>
+                                    </dgm:shape>
+                                    <dgm:presOf/>
+                                    <dgm:constrLst>
+                                      <dgm:constr type="w" for="ch" forName="background4" refType="w" fact="0.9"/>
+                                      <dgm:constr type="h" for="ch" forName="background4" refType="w" refFor="ch" refForName="background4" fact="0.635"/>
+                                      <dgm:constr type="t" for="ch" forName="background4"/>
+                                      <dgm:constr type="l" for="ch" forName="background4"/>
+                                      <dgm:constr type="w" for="ch" forName="text4" refType="w" fact="0.9"/>
+                                      <dgm:constr type="h" for="ch" forName="text4" refType="w" refFor="ch" refForName="text4" fact="0.635"/>
+                                      <dgm:constr type="t" for="ch" forName="text4" refType="w" fact="0.095"/>
+                                      <dgm:constr type="l" for="ch" forName="text4" refType="w" fact="0.1"/>
+                                    </dgm:constrLst>
+                                    <dgm:ruleLst/>
+                                    <dgm:layoutNode name="background4" moveWith="text4">
+                                      <dgm:alg type="sp"/>
+                                      <dgm:shape xmlns:r="http://schemas.openxmlformats.org/officeDocument/2006/relationships" type="roundRect" r:blip="">
+                                        <dgm:adjLst>
+                                          <dgm:adj idx="1" val="0.1"/>
+                                        </dgm:adjLst>
+                                      </dgm:shape>
+                                      <dgm:presOf/>
+                                      <dgm:constrLst/>
+                                      <dgm:ruleLst/>
+                                    </dgm:layoutNode>
+                                    <dgm:layoutNode name="text4" styleLbl="fgAcc4">
+                                      <dgm:varLst>
+                                        <dgm:chPref val="3"/>
+                                      </dgm:varLst>
+                                      <dgm:alg type="tx"/>
+                                      <dgm:shape xmlns:r="http://schemas.openxmlformats.org/officeDocument/2006/relationships" type="roundRect" r:blip="">
+                                        <dgm:adjLst>
+                                          <dgm:adj idx="1" val="0.1"/>
+                                        </dgm:adjLst>
+                                      </dgm:shape>
+                                      <dgm:presOf axis="self"/>
+                                      <dgm:constrLst>
+                                        <dgm:constr type="tMarg" refType="primFontSz" fact="0.3"/>
+                                        <dgm:constr type="bMarg" refType="primFontSz" fact="0.3"/>
+                                        <dgm:constr type="lMarg" refType="primFontSz" fact="0.3"/>
+                                        <dgm:constr type="rMarg" refType="primFontSz" fact="0.3"/>
+                                      </dgm:constrLst>
+                                      <dgm:ruleLst>
+                                        <dgm:rule type="primFontSz" val="5" fact="NaN" max="NaN"/>
+                                      </dgm:ruleLst>
+                                    </dgm:layoutNode>
+                                  </dgm:layoutNode>
+                                  <dgm:layoutNode name="hierChild5">
+                                    <dgm:choose name="Name28">
+                                      <dgm:if name="Name29" func="var" arg="dir" op="equ" val="norm">
+                                        <dgm:alg type="hierChild">
+                                          <dgm:param type="linDir" val="fromL"/>
+                                        </dgm:alg>
+                                      </dgm:if>
+                                      <dgm:else name="Name30">
+                                        <dgm:alg type="hierChild">
+                                          <dgm:param type="linDir" val="fromR"/>
+                                        </dgm:alg>
+                                      </dgm:else>
+                                    </dgm:choose>
+                                    <dgm:shape xmlns:r="http://schemas.openxmlformats.org/officeDocument/2006/relationships" r:blip="">
+                                      <dgm:adjLst/>
+                                    </dgm:shape>
+                                    <dgm:presOf/>
+                                    <dgm:constrLst/>
+                                    <dgm:ruleLst/>
+                                    <dgm:forEach name="Name31" ref="repeat"/>
+                                  </dgm:layoutNode>
+                                </dgm:layoutNode>
+                              </dgm:forEach>
+                            </dgm:forEach>
+                          </dgm:layoutNode>
+                        </dgm:layoutNode>
+                      </dgm:forEach>
+                    </dgm:forEach>
+                  </dgm:layoutNode>
+                </dgm:layoutNode>
+              </dgm:forEach>
+            </dgm:forEach>
+          </dgm:layoutNode>
+        </dgm:layoutNode>
+      </dgm:forEach>
+    </dgm:forEach>
+  </dgm:layoutNode>
+</dgm:layoutDef>
+</file>
+
+<file path=ppt/diagrams/quickStyle1.xml><?xml version="1.0" encoding="utf-8"?>
+<dgm:styleDef xmlns:dgm="http://schemas.openxmlformats.org/drawingml/2006/diagram" xmlns:a="http://schemas.openxmlformats.org/drawingml/2006/main" uniqueId="urn:microsoft.com/office/officeart/2005/8/quickstyle/simple2">
+  <dgm:title val=""/>
+  <dgm:desc val=""/>
+  <dgm:catLst>
+    <dgm:cat type="simple" pri="10200"/>
   </dgm:catLst>
   <dgm:scene3d>
     <a:camera prst="orthographicFront"/>
@@ -3614,13 +5463,13 @@
     <dgm:sp3d/>
     <dgm:txPr/>
     <dgm:style>
-      <a:lnRef idx="0">
+      <a:lnRef idx="3">
         <a:scrgbClr r="0" g="0" b="0"/>
       </a:lnRef>
-      <a:fillRef idx="3">
+      <a:fillRef idx="1">
         <a:scrgbClr r="0" g="0" b="0"/>
       </a:fillRef>
-      <a:effectRef idx="2">
+      <a:effectRef idx="1">
         <a:scrgbClr r="0" g="0" b="0"/>
       </a:effectRef>
       <a:fontRef idx="minor">
@@ -3636,13 +5485,13 @@
     <dgm:sp3d/>
     <dgm:txPr/>
     <dgm:style>
-      <a:lnRef idx="1">
+      <a:lnRef idx="3">
         <a:scrgbClr r="0" g="0" b="0"/>
       </a:lnRef>
-      <a:fillRef idx="3">
+      <a:fillRef idx="1">
         <a:scrgbClr r="0" g="0" b="0"/>
       </a:fillRef>
-      <a:effectRef idx="2">
+      <a:effectRef idx="1">
         <a:scrgbClr r="0" g="0" b="0"/>
       </a:effectRef>
       <a:fontRef idx="minor">
@@ -3658,10 +5507,10 @@
     <dgm:sp3d/>
     <dgm:txPr/>
     <dgm:style>
-      <a:lnRef idx="0">
+      <a:lnRef idx="3">
         <a:scrgbClr r="0" g="0" b="0"/>
       </a:lnRef>
-      <a:fillRef idx="3">
+      <a:fillRef idx="1">
         <a:scrgbClr r="0" g="0" b="0"/>
       </a:fillRef>
       <a:effectRef idx="0">
@@ -3680,13 +5529,13 @@
     <dgm:sp3d/>
     <dgm:txPr/>
     <dgm:style>
-      <a:lnRef idx="1">
+      <a:lnRef idx="2">
         <a:scrgbClr r="0" g="0" b="0"/>
       </a:lnRef>
-      <a:fillRef idx="3">
+      <a:fillRef idx="1">
         <a:scrgbClr r="0" g="0" b="0"/>
       </a:fillRef>
-      <a:effectRef idx="2">
+      <a:effectRef idx="1">
         <a:scrgbClr r="0" g="0" b="0"/>
       </a:effectRef>
       <a:fontRef idx="minor">
@@ -3702,13 +5551,13 @@
     <dgm:sp3d/>
     <dgm:txPr/>
     <dgm:style>
-      <a:lnRef idx="0">
+      <a:lnRef idx="3">
         <a:scrgbClr r="0" g="0" b="0"/>
       </a:lnRef>
-      <a:fillRef idx="3">
+      <a:fillRef idx="1">
         <a:scrgbClr r="0" g="0" b="0"/>
       </a:fillRef>
-      <a:effectRef idx="2">
+      <a:effectRef idx="1">
         <a:scrgbClr r="0" g="0" b="0"/>
       </a:effectRef>
       <a:fontRef idx="minor">
@@ -3724,13 +5573,13 @@
     <dgm:sp3d/>
     <dgm:txPr/>
     <dgm:style>
-      <a:lnRef idx="0">
+      <a:lnRef idx="3">
         <a:scrgbClr r="0" g="0" b="0"/>
       </a:lnRef>
-      <a:fillRef idx="3">
+      <a:fillRef idx="1">
         <a:scrgbClr r="0" g="0" b="0"/>
       </a:fillRef>
-      <a:effectRef idx="2">
+      <a:effectRef idx="1">
         <a:scrgbClr r="0" g="0" b="0"/>
       </a:effectRef>
       <a:fontRef idx="minor">
@@ -3746,13 +5595,13 @@
     <dgm:sp3d/>
     <dgm:txPr/>
     <dgm:style>
-      <a:lnRef idx="0">
+      <a:lnRef idx="3">
         <a:scrgbClr r="0" g="0" b="0"/>
       </a:lnRef>
-      <a:fillRef idx="3">
+      <a:fillRef idx="1">
         <a:scrgbClr r="0" g="0" b="0"/>
       </a:fillRef>
-      <a:effectRef idx="2">
+      <a:effectRef idx="1">
         <a:scrgbClr r="0" g="0" b="0"/>
       </a:effectRef>
       <a:fontRef idx="minor">
@@ -3768,13 +5617,13 @@
     <dgm:sp3d/>
     <dgm:txPr/>
     <dgm:style>
-      <a:lnRef idx="0">
+      <a:lnRef idx="3">
         <a:scrgbClr r="0" g="0" b="0"/>
       </a:lnRef>
-      <a:fillRef idx="3">
+      <a:fillRef idx="1">
         <a:scrgbClr r="0" g="0" b="0"/>
       </a:fillRef>
-      <a:effectRef idx="2">
+      <a:effectRef idx="1">
         <a:scrgbClr r="0" g="0" b="0"/>
       </a:effectRef>
       <a:fontRef idx="minor">
@@ -3790,13 +5639,13 @@
     <dgm:sp3d/>
     <dgm:txPr/>
     <dgm:style>
-      <a:lnRef idx="0">
+      <a:lnRef idx="3">
         <a:scrgbClr r="0" g="0" b="0"/>
       </a:lnRef>
       <a:fillRef idx="1">
         <a:scrgbClr r="0" g="0" b="0"/>
       </a:fillRef>
-      <a:effectRef idx="2">
+      <a:effectRef idx="1">
         <a:scrgbClr r="0" g="0" b="0"/>
       </a:effectRef>
       <a:fontRef idx="minor"/>
@@ -3810,13 +5659,13 @@
     <dgm:sp3d/>
     <dgm:txPr/>
     <dgm:style>
-      <a:lnRef idx="0">
+      <a:lnRef idx="3">
         <a:scrgbClr r="0" g="0" b="0"/>
       </a:lnRef>
       <a:fillRef idx="1">
         <a:scrgbClr r="0" g="0" b="0"/>
       </a:fillRef>
-      <a:effectRef idx="2">
+      <a:effectRef idx="1">
         <a:scrgbClr r="0" g="0" b="0"/>
       </a:effectRef>
       <a:fontRef idx="minor"/>
@@ -3830,13 +5679,13 @@
     <dgm:sp3d/>
     <dgm:txPr/>
     <dgm:style>
-      <a:lnRef idx="0">
+      <a:lnRef idx="3">
         <a:scrgbClr r="0" g="0" b="0"/>
       </a:lnRef>
       <a:fillRef idx="1">
         <a:scrgbClr r="0" g="0" b="0"/>
       </a:fillRef>
-      <a:effectRef idx="2">
+      <a:effectRef idx="1">
         <a:scrgbClr r="0" g="0" b="0"/>
       </a:effectRef>
       <a:fontRef idx="minor"/>
@@ -3853,10 +5702,10 @@
       <a:lnRef idx="0">
         <a:scrgbClr r="0" g="0" b="0"/>
       </a:lnRef>
-      <a:fillRef idx="3">
+      <a:fillRef idx="1">
         <a:scrgbClr r="0" g="0" b="0"/>
       </a:fillRef>
-      <a:effectRef idx="2">
+      <a:effectRef idx="1">
         <a:scrgbClr r="0" g="0" b="0"/>
       </a:effectRef>
       <a:fontRef idx="minor">
@@ -3875,10 +5724,10 @@
       <a:lnRef idx="0">
         <a:scrgbClr r="0" g="0" b="0"/>
       </a:lnRef>
-      <a:fillRef idx="3">
+      <a:fillRef idx="1">
         <a:scrgbClr r="0" g="0" b="0"/>
       </a:fillRef>
-      <a:effectRef idx="2">
+      <a:effectRef idx="1">
         <a:scrgbClr r="0" g="0" b="0"/>
       </a:effectRef>
       <a:fontRef idx="minor">
@@ -3897,10 +5746,10 @@
       <a:lnRef idx="0">
         <a:scrgbClr r="0" g="0" b="0"/>
       </a:lnRef>
-      <a:fillRef idx="3">
+      <a:fillRef idx="1">
         <a:scrgbClr r="0" g="0" b="0"/>
       </a:fillRef>
-      <a:effectRef idx="2">
+      <a:effectRef idx="1">
         <a:scrgbClr r="0" g="0" b="0"/>
       </a:effectRef>
       <a:fontRef idx="minor">
@@ -3956,13 +5805,13 @@
     <dgm:sp3d/>
     <dgm:txPr/>
     <dgm:style>
-      <a:lnRef idx="0">
+      <a:lnRef idx="3">
         <a:scrgbClr r="0" g="0" b="0"/>
       </a:lnRef>
-      <a:fillRef idx="3">
+      <a:fillRef idx="1">
         <a:scrgbClr r="0" g="0" b="0"/>
       </a:fillRef>
-      <a:effectRef idx="2">
+      <a:effectRef idx="1">
         <a:scrgbClr r="0" g="0" b="0"/>
       </a:effectRef>
       <a:fontRef idx="minor">
@@ -3978,13 +5827,13 @@
     <dgm:sp3d/>
     <dgm:txPr/>
     <dgm:style>
-      <a:lnRef idx="0">
+      <a:lnRef idx="3">
         <a:scrgbClr r="0" g="0" b="0"/>
       </a:lnRef>
-      <a:fillRef idx="3">
+      <a:fillRef idx="1">
         <a:scrgbClr r="0" g="0" b="0"/>
       </a:fillRef>
-      <a:effectRef idx="2">
+      <a:effectRef idx="1">
         <a:scrgbClr r="0" g="0" b="0"/>
       </a:effectRef>
       <a:fontRef idx="minor">
@@ -4000,13 +5849,13 @@
     <dgm:sp3d/>
     <dgm:txPr/>
     <dgm:style>
-      <a:lnRef idx="0">
+      <a:lnRef idx="3">
         <a:scrgbClr r="0" g="0" b="0"/>
       </a:lnRef>
-      <a:fillRef idx="3">
+      <a:fillRef idx="1">
         <a:scrgbClr r="0" g="0" b="0"/>
       </a:fillRef>
-      <a:effectRef idx="2">
+      <a:effectRef idx="1">
         <a:scrgbClr r="0" g="0" b="0"/>
       </a:effectRef>
       <a:fontRef idx="minor">
@@ -4022,13 +5871,13 @@
     <dgm:sp3d/>
     <dgm:txPr/>
     <dgm:style>
-      <a:lnRef idx="0">
+      <a:lnRef idx="3">
         <a:scrgbClr r="0" g="0" b="0"/>
       </a:lnRef>
-      <a:fillRef idx="3">
+      <a:fillRef idx="1">
         <a:scrgbClr r="0" g="0" b="0"/>
       </a:fillRef>
-      <a:effectRef idx="2">
+      <a:effectRef idx="1">
         <a:scrgbClr r="0" g="0" b="0"/>
       </a:effectRef>
       <a:fontRef idx="minor">
@@ -4044,13 +5893,13 @@
     <dgm:sp3d/>
     <dgm:txPr/>
     <dgm:style>
-      <a:lnRef idx="0">
+      <a:lnRef idx="3">
         <a:scrgbClr r="0" g="0" b="0"/>
       </a:lnRef>
-      <a:fillRef idx="3">
+      <a:fillRef idx="1">
         <a:scrgbClr r="0" g="0" b="0"/>
       </a:fillRef>
-      <a:effectRef idx="2">
+      <a:effectRef idx="1">
         <a:scrgbClr r="0" g="0" b="0"/>
       </a:effectRef>
       <a:fontRef idx="minor">
@@ -4066,13 +5915,13 @@
     <dgm:sp3d/>
     <dgm:txPr/>
     <dgm:style>
-      <a:lnRef idx="0">
+      <a:lnRef idx="3">
         <a:scrgbClr r="0" g="0" b="0"/>
       </a:lnRef>
-      <a:fillRef idx="3">
+      <a:fillRef idx="1">
         <a:scrgbClr r="0" g="0" b="0"/>
       </a:fillRef>
-      <a:effectRef idx="2">
+      <a:effectRef idx="1">
         <a:scrgbClr r="0" g="0" b="0"/>
       </a:effectRef>
       <a:fontRef idx="minor">
@@ -4088,13 +5937,13 @@
     <dgm:sp3d/>
     <dgm:txPr/>
     <dgm:style>
-      <a:lnRef idx="0">
+      <a:lnRef idx="3">
         <a:scrgbClr r="0" g="0" b="0"/>
       </a:lnRef>
-      <a:fillRef idx="3">
+      <a:fillRef idx="1">
         <a:scrgbClr r="0" g="0" b="0"/>
       </a:fillRef>
-      <a:effectRef idx="2">
+      <a:effectRef idx="1">
         <a:scrgbClr r="0" g="0" b="0"/>
       </a:effectRef>
       <a:fontRef idx="minor">
@@ -4110,13 +5959,13 @@
     <dgm:sp3d/>
     <dgm:txPr/>
     <dgm:style>
-      <a:lnRef idx="1">
+      <a:lnRef idx="3">
         <a:scrgbClr r="0" g="0" b="0"/>
       </a:lnRef>
-      <a:fillRef idx="3">
+      <a:fillRef idx="1">
         <a:scrgbClr r="0" g="0" b="0"/>
       </a:fillRef>
-      <a:effectRef idx="2">
+      <a:effectRef idx="1">
         <a:scrgbClr r="0" g="0" b="0"/>
       </a:effectRef>
       <a:fontRef idx="minor">
@@ -4132,13 +5981,13 @@
     <dgm:sp3d/>
     <dgm:txPr/>
     <dgm:style>
-      <a:lnRef idx="1">
+      <a:lnRef idx="3">
         <a:scrgbClr r="0" g="0" b="0"/>
       </a:lnRef>
-      <a:fillRef idx="3">
+      <a:fillRef idx="1">
         <a:scrgbClr r="0" g="0" b="0"/>
       </a:fillRef>
-      <a:effectRef idx="2">
+      <a:effectRef idx="1">
         <a:scrgbClr r="0" g="0" b="0"/>
       </a:effectRef>
       <a:fontRef idx="minor">
@@ -4154,7 +6003,7 @@
     <dgm:sp3d/>
     <dgm:txPr/>
     <dgm:style>
-      <a:lnRef idx="1">
+      <a:lnRef idx="2">
         <a:scrgbClr r="0" g="0" b="0"/>
       </a:lnRef>
       <a:fillRef idx="0">
@@ -4174,7 +6023,7 @@
     <dgm:sp3d/>
     <dgm:txPr/>
     <dgm:style>
-      <a:lnRef idx="1">
+      <a:lnRef idx="2">
         <a:scrgbClr r="0" g="0" b="0"/>
       </a:lnRef>
       <a:fillRef idx="0">
@@ -4194,7 +6043,7 @@
     <dgm:sp3d/>
     <dgm:txPr/>
     <dgm:style>
-      <a:lnRef idx="1">
+      <a:lnRef idx="2">
         <a:scrgbClr r="0" g="0" b="0"/>
       </a:lnRef>
       <a:fillRef idx="0">
@@ -4214,7 +6063,7 @@
     <dgm:sp3d/>
     <dgm:txPr/>
     <dgm:style>
-      <a:lnRef idx="1">
+      <a:lnRef idx="2">
         <a:scrgbClr r="0" g="0" b="0"/>
       </a:lnRef>
       <a:fillRef idx="0">
@@ -4234,7 +6083,7 @@
     <dgm:sp3d/>
     <dgm:txPr/>
     <dgm:style>
-      <a:lnRef idx="1">
+      <a:lnRef idx="2">
         <a:scrgbClr r="0" g="0" b="0"/>
       </a:lnRef>
       <a:fillRef idx="1">
@@ -4254,7 +6103,7 @@
     <dgm:sp3d/>
     <dgm:txPr/>
     <dgm:style>
-      <a:lnRef idx="1">
+      <a:lnRef idx="2">
         <a:scrgbClr r="0" g="0" b="0"/>
       </a:lnRef>
       <a:fillRef idx="1">
@@ -4274,7 +6123,7 @@
     <dgm:sp3d/>
     <dgm:txPr/>
     <dgm:style>
-      <a:lnRef idx="1">
+      <a:lnRef idx="2">
         <a:scrgbClr r="0" g="0" b="0"/>
       </a:lnRef>
       <a:fillRef idx="1">
@@ -4314,7 +6163,7 @@
     <dgm:sp3d/>
     <dgm:txPr/>
     <dgm:style>
-      <a:lnRef idx="1">
+      <a:lnRef idx="2">
         <a:scrgbClr r="0" g="0" b="0"/>
       </a:lnRef>
       <a:fillRef idx="1">
@@ -4334,7 +6183,7 @@
     <dgm:sp3d/>
     <dgm:txPr/>
     <dgm:style>
-      <a:lnRef idx="1">
+      <a:lnRef idx="2">
         <a:scrgbClr r="0" g="0" b="0"/>
       </a:lnRef>
       <a:fillRef idx="1">
@@ -4354,7 +6203,7 @@
     <dgm:sp3d/>
     <dgm:txPr/>
     <dgm:style>
-      <a:lnRef idx="1">
+      <a:lnRef idx="2">
         <a:scrgbClr r="0" g="0" b="0"/>
       </a:lnRef>
       <a:fillRef idx="1">
@@ -4374,7 +6223,7 @@
     <dgm:sp3d/>
     <dgm:txPr/>
     <dgm:style>
-      <a:lnRef idx="1">
+      <a:lnRef idx="2">
         <a:scrgbClr r="0" g="0" b="0"/>
       </a:lnRef>
       <a:fillRef idx="1">
@@ -4394,7 +6243,7 @@
     <dgm:sp3d/>
     <dgm:txPr/>
     <dgm:style>
-      <a:lnRef idx="1">
+      <a:lnRef idx="2">
         <a:scrgbClr r="0" g="0" b="0"/>
       </a:lnRef>
       <a:fillRef idx="1">
@@ -4414,7 +6263,7 @@
     <dgm:sp3d/>
     <dgm:txPr/>
     <dgm:style>
-      <a:lnRef idx="1">
+      <a:lnRef idx="2">
         <a:scrgbClr r="0" g="0" b="0"/>
       </a:lnRef>
       <a:fillRef idx="1">
@@ -4434,7 +6283,7 @@
     <dgm:sp3d/>
     <dgm:txPr/>
     <dgm:style>
-      <a:lnRef idx="1">
+      <a:lnRef idx="2">
         <a:scrgbClr r="0" g="0" b="0"/>
       </a:lnRef>
       <a:fillRef idx="1">
@@ -4454,7 +6303,7 @@
     <dgm:sp3d/>
     <dgm:txPr/>
     <dgm:style>
-      <a:lnRef idx="1">
+      <a:lnRef idx="2">
         <a:scrgbClr r="0" g="0" b="0"/>
       </a:lnRef>
       <a:fillRef idx="1">
@@ -4474,7 +6323,7 @@
     <dgm:sp3d/>
     <dgm:txPr/>
     <dgm:style>
-      <a:lnRef idx="1">
+      <a:lnRef idx="2">
         <a:scrgbClr r="0" g="0" b="0"/>
       </a:lnRef>
       <a:fillRef idx="1">
@@ -4494,7 +6343,7 @@
     <dgm:sp3d/>
     <dgm:txPr/>
     <dgm:style>
-      <a:lnRef idx="1">
+      <a:lnRef idx="2">
         <a:scrgbClr r="0" g="0" b="0"/>
       </a:lnRef>
       <a:fillRef idx="1">
@@ -4514,7 +6363,7 @@
     <dgm:sp3d/>
     <dgm:txPr/>
     <dgm:style>
-      <a:lnRef idx="1">
+      <a:lnRef idx="2">
         <a:scrgbClr r="0" g="0" b="0"/>
       </a:lnRef>
       <a:fillRef idx="1">
@@ -4540,7 +6389,7 @@
       <a:fillRef idx="1">
         <a:scrgbClr r="0" g="0" b="0"/>
       </a:fillRef>
-      <a:effectRef idx="2">
+      <a:effectRef idx="0">
         <a:scrgbClr r="0" g="0" b="0"/>
       </a:effectRef>
       <a:fontRef idx="minor"/>
@@ -4560,7 +6409,7 @@
       <a:fillRef idx="1">
         <a:scrgbClr r="0" g="0" b="0"/>
       </a:fillRef>
-      <a:effectRef idx="2">
+      <a:effectRef idx="0">
         <a:scrgbClr r="0" g="0" b="0"/>
       </a:effectRef>
       <a:fontRef idx="minor"/>
@@ -4594,13 +6443,13 @@
     <dgm:sp3d/>
     <dgm:txPr/>
     <dgm:style>
-      <a:lnRef idx="0">
+      <a:lnRef idx="3">
         <a:scrgbClr r="0" g="0" b="0"/>
       </a:lnRef>
-      <a:fillRef idx="3">
+      <a:fillRef idx="1">
         <a:scrgbClr r="0" g="0" b="0"/>
       </a:fillRef>
-      <a:effectRef idx="2">
+      <a:effectRef idx="1">
         <a:scrgbClr r="0" g="0" b="0"/>
       </a:effectRef>
       <a:fontRef idx="minor"/>
@@ -5635,6 +7484,1040 @@
         <a:scrgbClr r="0" g="0" b="0"/>
       </a:fillRef>
       <a:effectRef idx="0">
+        <a:scrgbClr r="0" g="0" b="0"/>
+      </a:effectRef>
+      <a:fontRef idx="minor"/>
+    </dgm:style>
+  </dgm:styleLbl>
+  <dgm:styleLbl name="revTx">
+    <dgm:scene3d>
+      <a:camera prst="orthographicFront"/>
+      <a:lightRig rig="threePt" dir="t"/>
+    </dgm:scene3d>
+    <dgm:sp3d/>
+    <dgm:txPr/>
+    <dgm:style>
+      <a:lnRef idx="0">
+        <a:scrgbClr r="0" g="0" b="0"/>
+      </a:lnRef>
+      <a:fillRef idx="0">
+        <a:scrgbClr r="0" g="0" b="0"/>
+      </a:fillRef>
+      <a:effectRef idx="0">
+        <a:scrgbClr r="0" g="0" b="0"/>
+      </a:effectRef>
+      <a:fontRef idx="minor"/>
+    </dgm:style>
+  </dgm:styleLbl>
+</dgm:styleDef>
+</file>
+
+<file path=ppt/diagrams/quickStyle3.xml><?xml version="1.0" encoding="utf-8"?>
+<dgm:styleDef xmlns:dgm="http://schemas.openxmlformats.org/drawingml/2006/diagram" xmlns:a="http://schemas.openxmlformats.org/drawingml/2006/main" uniqueId="urn:microsoft.com/office/officeart/2005/8/quickstyle/simple4">
+  <dgm:title val=""/>
+  <dgm:desc val=""/>
+  <dgm:catLst>
+    <dgm:cat type="simple" pri="10400"/>
+  </dgm:catLst>
+  <dgm:scene3d>
+    <a:camera prst="orthographicFront"/>
+    <a:lightRig rig="threePt" dir="t"/>
+  </dgm:scene3d>
+  <dgm:styleLbl name="node0">
+    <dgm:scene3d>
+      <a:camera prst="orthographicFront"/>
+      <a:lightRig rig="threePt" dir="t"/>
+    </dgm:scene3d>
+    <dgm:sp3d/>
+    <dgm:txPr/>
+    <dgm:style>
+      <a:lnRef idx="0">
+        <a:scrgbClr r="0" g="0" b="0"/>
+      </a:lnRef>
+      <a:fillRef idx="3">
+        <a:scrgbClr r="0" g="0" b="0"/>
+      </a:fillRef>
+      <a:effectRef idx="2">
+        <a:scrgbClr r="0" g="0" b="0"/>
+      </a:effectRef>
+      <a:fontRef idx="minor">
+        <a:schemeClr val="lt1"/>
+      </a:fontRef>
+    </dgm:style>
+  </dgm:styleLbl>
+  <dgm:styleLbl name="lnNode1">
+    <dgm:scene3d>
+      <a:camera prst="orthographicFront"/>
+      <a:lightRig rig="threePt" dir="t"/>
+    </dgm:scene3d>
+    <dgm:sp3d/>
+    <dgm:txPr/>
+    <dgm:style>
+      <a:lnRef idx="1">
+        <a:scrgbClr r="0" g="0" b="0"/>
+      </a:lnRef>
+      <a:fillRef idx="3">
+        <a:scrgbClr r="0" g="0" b="0"/>
+      </a:fillRef>
+      <a:effectRef idx="2">
+        <a:scrgbClr r="0" g="0" b="0"/>
+      </a:effectRef>
+      <a:fontRef idx="minor">
+        <a:schemeClr val="lt1"/>
+      </a:fontRef>
+    </dgm:style>
+  </dgm:styleLbl>
+  <dgm:styleLbl name="vennNode1">
+    <dgm:scene3d>
+      <a:camera prst="orthographicFront"/>
+      <a:lightRig rig="threePt" dir="t"/>
+    </dgm:scene3d>
+    <dgm:sp3d/>
+    <dgm:txPr/>
+    <dgm:style>
+      <a:lnRef idx="0">
+        <a:scrgbClr r="0" g="0" b="0"/>
+      </a:lnRef>
+      <a:fillRef idx="3">
+        <a:scrgbClr r="0" g="0" b="0"/>
+      </a:fillRef>
+      <a:effectRef idx="0">
+        <a:scrgbClr r="0" g="0" b="0"/>
+      </a:effectRef>
+      <a:fontRef idx="minor">
+        <a:schemeClr val="tx1"/>
+      </a:fontRef>
+    </dgm:style>
+  </dgm:styleLbl>
+  <dgm:styleLbl name="alignNode1">
+    <dgm:scene3d>
+      <a:camera prst="orthographicFront"/>
+      <a:lightRig rig="threePt" dir="t"/>
+    </dgm:scene3d>
+    <dgm:sp3d/>
+    <dgm:txPr/>
+    <dgm:style>
+      <a:lnRef idx="1">
+        <a:scrgbClr r="0" g="0" b="0"/>
+      </a:lnRef>
+      <a:fillRef idx="3">
+        <a:scrgbClr r="0" g="0" b="0"/>
+      </a:fillRef>
+      <a:effectRef idx="2">
+        <a:scrgbClr r="0" g="0" b="0"/>
+      </a:effectRef>
+      <a:fontRef idx="minor">
+        <a:schemeClr val="lt1"/>
+      </a:fontRef>
+    </dgm:style>
+  </dgm:styleLbl>
+  <dgm:styleLbl name="node1">
+    <dgm:scene3d>
+      <a:camera prst="orthographicFront"/>
+      <a:lightRig rig="threePt" dir="t"/>
+    </dgm:scene3d>
+    <dgm:sp3d/>
+    <dgm:txPr/>
+    <dgm:style>
+      <a:lnRef idx="0">
+        <a:scrgbClr r="0" g="0" b="0"/>
+      </a:lnRef>
+      <a:fillRef idx="3">
+        <a:scrgbClr r="0" g="0" b="0"/>
+      </a:fillRef>
+      <a:effectRef idx="2">
+        <a:scrgbClr r="0" g="0" b="0"/>
+      </a:effectRef>
+      <a:fontRef idx="minor">
+        <a:schemeClr val="lt1"/>
+      </a:fontRef>
+    </dgm:style>
+  </dgm:styleLbl>
+  <dgm:styleLbl name="node2">
+    <dgm:scene3d>
+      <a:camera prst="orthographicFront"/>
+      <a:lightRig rig="threePt" dir="t"/>
+    </dgm:scene3d>
+    <dgm:sp3d/>
+    <dgm:txPr/>
+    <dgm:style>
+      <a:lnRef idx="0">
+        <a:scrgbClr r="0" g="0" b="0"/>
+      </a:lnRef>
+      <a:fillRef idx="3">
+        <a:scrgbClr r="0" g="0" b="0"/>
+      </a:fillRef>
+      <a:effectRef idx="2">
+        <a:scrgbClr r="0" g="0" b="0"/>
+      </a:effectRef>
+      <a:fontRef idx="minor">
+        <a:schemeClr val="lt1"/>
+      </a:fontRef>
+    </dgm:style>
+  </dgm:styleLbl>
+  <dgm:styleLbl name="node3">
+    <dgm:scene3d>
+      <a:camera prst="orthographicFront"/>
+      <a:lightRig rig="threePt" dir="t"/>
+    </dgm:scene3d>
+    <dgm:sp3d/>
+    <dgm:txPr/>
+    <dgm:style>
+      <a:lnRef idx="0">
+        <a:scrgbClr r="0" g="0" b="0"/>
+      </a:lnRef>
+      <a:fillRef idx="3">
+        <a:scrgbClr r="0" g="0" b="0"/>
+      </a:fillRef>
+      <a:effectRef idx="2">
+        <a:scrgbClr r="0" g="0" b="0"/>
+      </a:effectRef>
+      <a:fontRef idx="minor">
+        <a:schemeClr val="lt1"/>
+      </a:fontRef>
+    </dgm:style>
+  </dgm:styleLbl>
+  <dgm:styleLbl name="node4">
+    <dgm:scene3d>
+      <a:camera prst="orthographicFront"/>
+      <a:lightRig rig="threePt" dir="t"/>
+    </dgm:scene3d>
+    <dgm:sp3d/>
+    <dgm:txPr/>
+    <dgm:style>
+      <a:lnRef idx="0">
+        <a:scrgbClr r="0" g="0" b="0"/>
+      </a:lnRef>
+      <a:fillRef idx="3">
+        <a:scrgbClr r="0" g="0" b="0"/>
+      </a:fillRef>
+      <a:effectRef idx="2">
+        <a:scrgbClr r="0" g="0" b="0"/>
+      </a:effectRef>
+      <a:fontRef idx="minor">
+        <a:schemeClr val="lt1"/>
+      </a:fontRef>
+    </dgm:style>
+  </dgm:styleLbl>
+  <dgm:styleLbl name="fgImgPlace1">
+    <dgm:scene3d>
+      <a:camera prst="orthographicFront"/>
+      <a:lightRig rig="threePt" dir="t"/>
+    </dgm:scene3d>
+    <dgm:sp3d/>
+    <dgm:txPr/>
+    <dgm:style>
+      <a:lnRef idx="0">
+        <a:scrgbClr r="0" g="0" b="0"/>
+      </a:lnRef>
+      <a:fillRef idx="1">
+        <a:scrgbClr r="0" g="0" b="0"/>
+      </a:fillRef>
+      <a:effectRef idx="2">
+        <a:scrgbClr r="0" g="0" b="0"/>
+      </a:effectRef>
+      <a:fontRef idx="minor"/>
+    </dgm:style>
+  </dgm:styleLbl>
+  <dgm:styleLbl name="alignImgPlace1">
+    <dgm:scene3d>
+      <a:camera prst="orthographicFront"/>
+      <a:lightRig rig="threePt" dir="t"/>
+    </dgm:scene3d>
+    <dgm:sp3d/>
+    <dgm:txPr/>
+    <dgm:style>
+      <a:lnRef idx="0">
+        <a:scrgbClr r="0" g="0" b="0"/>
+      </a:lnRef>
+      <a:fillRef idx="1">
+        <a:scrgbClr r="0" g="0" b="0"/>
+      </a:fillRef>
+      <a:effectRef idx="2">
+        <a:scrgbClr r="0" g="0" b="0"/>
+      </a:effectRef>
+      <a:fontRef idx="minor"/>
+    </dgm:style>
+  </dgm:styleLbl>
+  <dgm:styleLbl name="bgImgPlace1">
+    <dgm:scene3d>
+      <a:camera prst="orthographicFront"/>
+      <a:lightRig rig="threePt" dir="t"/>
+    </dgm:scene3d>
+    <dgm:sp3d/>
+    <dgm:txPr/>
+    <dgm:style>
+      <a:lnRef idx="0">
+        <a:scrgbClr r="0" g="0" b="0"/>
+      </a:lnRef>
+      <a:fillRef idx="1">
+        <a:scrgbClr r="0" g="0" b="0"/>
+      </a:fillRef>
+      <a:effectRef idx="2">
+        <a:scrgbClr r="0" g="0" b="0"/>
+      </a:effectRef>
+      <a:fontRef idx="minor"/>
+    </dgm:style>
+  </dgm:styleLbl>
+  <dgm:styleLbl name="sibTrans2D1">
+    <dgm:scene3d>
+      <a:camera prst="orthographicFront"/>
+      <a:lightRig rig="threePt" dir="t"/>
+    </dgm:scene3d>
+    <dgm:sp3d/>
+    <dgm:txPr/>
+    <dgm:style>
+      <a:lnRef idx="0">
+        <a:scrgbClr r="0" g="0" b="0"/>
+      </a:lnRef>
+      <a:fillRef idx="3">
+        <a:scrgbClr r="0" g="0" b="0"/>
+      </a:fillRef>
+      <a:effectRef idx="2">
+        <a:scrgbClr r="0" g="0" b="0"/>
+      </a:effectRef>
+      <a:fontRef idx="minor">
+        <a:schemeClr val="lt1"/>
+      </a:fontRef>
+    </dgm:style>
+  </dgm:styleLbl>
+  <dgm:styleLbl name="fgSibTrans2D1">
+    <dgm:scene3d>
+      <a:camera prst="orthographicFront"/>
+      <a:lightRig rig="threePt" dir="t"/>
+    </dgm:scene3d>
+    <dgm:sp3d/>
+    <dgm:txPr/>
+    <dgm:style>
+      <a:lnRef idx="0">
+        <a:scrgbClr r="0" g="0" b="0"/>
+      </a:lnRef>
+      <a:fillRef idx="3">
+        <a:scrgbClr r="0" g="0" b="0"/>
+      </a:fillRef>
+      <a:effectRef idx="2">
+        <a:scrgbClr r="0" g="0" b="0"/>
+      </a:effectRef>
+      <a:fontRef idx="minor">
+        <a:schemeClr val="lt1"/>
+      </a:fontRef>
+    </dgm:style>
+  </dgm:styleLbl>
+  <dgm:styleLbl name="bgSibTrans2D1">
+    <dgm:scene3d>
+      <a:camera prst="orthographicFront"/>
+      <a:lightRig rig="threePt" dir="t"/>
+    </dgm:scene3d>
+    <dgm:sp3d/>
+    <dgm:txPr/>
+    <dgm:style>
+      <a:lnRef idx="0">
+        <a:scrgbClr r="0" g="0" b="0"/>
+      </a:lnRef>
+      <a:fillRef idx="3">
+        <a:scrgbClr r="0" g="0" b="0"/>
+      </a:fillRef>
+      <a:effectRef idx="2">
+        <a:scrgbClr r="0" g="0" b="0"/>
+      </a:effectRef>
+      <a:fontRef idx="minor">
+        <a:schemeClr val="lt1"/>
+      </a:fontRef>
+    </dgm:style>
+  </dgm:styleLbl>
+  <dgm:styleLbl name="sibTrans1D1">
+    <dgm:scene3d>
+      <a:camera prst="orthographicFront"/>
+      <a:lightRig rig="threePt" dir="t"/>
+    </dgm:scene3d>
+    <dgm:sp3d/>
+    <dgm:txPr/>
+    <dgm:style>
+      <a:lnRef idx="1">
+        <a:scrgbClr r="0" g="0" b="0"/>
+      </a:lnRef>
+      <a:fillRef idx="0">
+        <a:scrgbClr r="0" g="0" b="0"/>
+      </a:fillRef>
+      <a:effectRef idx="0">
+        <a:scrgbClr r="0" g="0" b="0"/>
+      </a:effectRef>
+      <a:fontRef idx="minor"/>
+    </dgm:style>
+  </dgm:styleLbl>
+  <dgm:styleLbl name="callout">
+    <dgm:scene3d>
+      <a:camera prst="orthographicFront"/>
+      <a:lightRig rig="threePt" dir="t"/>
+    </dgm:scene3d>
+    <dgm:sp3d/>
+    <dgm:txPr/>
+    <dgm:style>
+      <a:lnRef idx="2">
+        <a:scrgbClr r="0" g="0" b="0"/>
+      </a:lnRef>
+      <a:fillRef idx="1">
+        <a:scrgbClr r="0" g="0" b="0"/>
+      </a:fillRef>
+      <a:effectRef idx="1">
+        <a:scrgbClr r="0" g="0" b="0"/>
+      </a:effectRef>
+      <a:fontRef idx="minor"/>
+    </dgm:style>
+  </dgm:styleLbl>
+  <dgm:styleLbl name="asst0">
+    <dgm:scene3d>
+      <a:camera prst="orthographicFront"/>
+      <a:lightRig rig="threePt" dir="t"/>
+    </dgm:scene3d>
+    <dgm:sp3d/>
+    <dgm:txPr/>
+    <dgm:style>
+      <a:lnRef idx="0">
+        <a:scrgbClr r="0" g="0" b="0"/>
+      </a:lnRef>
+      <a:fillRef idx="3">
+        <a:scrgbClr r="0" g="0" b="0"/>
+      </a:fillRef>
+      <a:effectRef idx="2">
+        <a:scrgbClr r="0" g="0" b="0"/>
+      </a:effectRef>
+      <a:fontRef idx="minor">
+        <a:schemeClr val="lt1"/>
+      </a:fontRef>
+    </dgm:style>
+  </dgm:styleLbl>
+  <dgm:styleLbl name="asst1">
+    <dgm:scene3d>
+      <a:camera prst="orthographicFront"/>
+      <a:lightRig rig="threePt" dir="t"/>
+    </dgm:scene3d>
+    <dgm:sp3d/>
+    <dgm:txPr/>
+    <dgm:style>
+      <a:lnRef idx="0">
+        <a:scrgbClr r="0" g="0" b="0"/>
+      </a:lnRef>
+      <a:fillRef idx="3">
+        <a:scrgbClr r="0" g="0" b="0"/>
+      </a:fillRef>
+      <a:effectRef idx="2">
+        <a:scrgbClr r="0" g="0" b="0"/>
+      </a:effectRef>
+      <a:fontRef idx="minor">
+        <a:schemeClr val="lt1"/>
+      </a:fontRef>
+    </dgm:style>
+  </dgm:styleLbl>
+  <dgm:styleLbl name="asst2">
+    <dgm:scene3d>
+      <a:camera prst="orthographicFront"/>
+      <a:lightRig rig="threePt" dir="t"/>
+    </dgm:scene3d>
+    <dgm:sp3d/>
+    <dgm:txPr/>
+    <dgm:style>
+      <a:lnRef idx="0">
+        <a:scrgbClr r="0" g="0" b="0"/>
+      </a:lnRef>
+      <a:fillRef idx="3">
+        <a:scrgbClr r="0" g="0" b="0"/>
+      </a:fillRef>
+      <a:effectRef idx="2">
+        <a:scrgbClr r="0" g="0" b="0"/>
+      </a:effectRef>
+      <a:fontRef idx="minor">
+        <a:schemeClr val="lt1"/>
+      </a:fontRef>
+    </dgm:style>
+  </dgm:styleLbl>
+  <dgm:styleLbl name="asst3">
+    <dgm:scene3d>
+      <a:camera prst="orthographicFront"/>
+      <a:lightRig rig="threePt" dir="t"/>
+    </dgm:scene3d>
+    <dgm:sp3d/>
+    <dgm:txPr/>
+    <dgm:style>
+      <a:lnRef idx="0">
+        <a:scrgbClr r="0" g="0" b="0"/>
+      </a:lnRef>
+      <a:fillRef idx="3">
+        <a:scrgbClr r="0" g="0" b="0"/>
+      </a:fillRef>
+      <a:effectRef idx="2">
+        <a:scrgbClr r="0" g="0" b="0"/>
+      </a:effectRef>
+      <a:fontRef idx="minor">
+        <a:schemeClr val="lt1"/>
+      </a:fontRef>
+    </dgm:style>
+  </dgm:styleLbl>
+  <dgm:styleLbl name="asst4">
+    <dgm:scene3d>
+      <a:camera prst="orthographicFront"/>
+      <a:lightRig rig="threePt" dir="t"/>
+    </dgm:scene3d>
+    <dgm:sp3d/>
+    <dgm:txPr/>
+    <dgm:style>
+      <a:lnRef idx="0">
+        <a:scrgbClr r="0" g="0" b="0"/>
+      </a:lnRef>
+      <a:fillRef idx="3">
+        <a:scrgbClr r="0" g="0" b="0"/>
+      </a:fillRef>
+      <a:effectRef idx="2">
+        <a:scrgbClr r="0" g="0" b="0"/>
+      </a:effectRef>
+      <a:fontRef idx="minor">
+        <a:schemeClr val="lt1"/>
+      </a:fontRef>
+    </dgm:style>
+  </dgm:styleLbl>
+  <dgm:styleLbl name="parChTrans2D1">
+    <dgm:scene3d>
+      <a:camera prst="orthographicFront"/>
+      <a:lightRig rig="threePt" dir="t"/>
+    </dgm:scene3d>
+    <dgm:sp3d/>
+    <dgm:txPr/>
+    <dgm:style>
+      <a:lnRef idx="0">
+        <a:scrgbClr r="0" g="0" b="0"/>
+      </a:lnRef>
+      <a:fillRef idx="3">
+        <a:scrgbClr r="0" g="0" b="0"/>
+      </a:fillRef>
+      <a:effectRef idx="2">
+        <a:scrgbClr r="0" g="0" b="0"/>
+      </a:effectRef>
+      <a:fontRef idx="minor">
+        <a:schemeClr val="lt1"/>
+      </a:fontRef>
+    </dgm:style>
+  </dgm:styleLbl>
+  <dgm:styleLbl name="parChTrans2D2">
+    <dgm:scene3d>
+      <a:camera prst="orthographicFront"/>
+      <a:lightRig rig="threePt" dir="t"/>
+    </dgm:scene3d>
+    <dgm:sp3d/>
+    <dgm:txPr/>
+    <dgm:style>
+      <a:lnRef idx="0">
+        <a:scrgbClr r="0" g="0" b="0"/>
+      </a:lnRef>
+      <a:fillRef idx="3">
+        <a:scrgbClr r="0" g="0" b="0"/>
+      </a:fillRef>
+      <a:effectRef idx="2">
+        <a:scrgbClr r="0" g="0" b="0"/>
+      </a:effectRef>
+      <a:fontRef idx="minor">
+        <a:schemeClr val="lt1"/>
+      </a:fontRef>
+    </dgm:style>
+  </dgm:styleLbl>
+  <dgm:styleLbl name="parChTrans2D3">
+    <dgm:scene3d>
+      <a:camera prst="orthographicFront"/>
+      <a:lightRig rig="threePt" dir="t"/>
+    </dgm:scene3d>
+    <dgm:sp3d/>
+    <dgm:txPr/>
+    <dgm:style>
+      <a:lnRef idx="1">
+        <a:scrgbClr r="0" g="0" b="0"/>
+      </a:lnRef>
+      <a:fillRef idx="3">
+        <a:scrgbClr r="0" g="0" b="0"/>
+      </a:fillRef>
+      <a:effectRef idx="2">
+        <a:scrgbClr r="0" g="0" b="0"/>
+      </a:effectRef>
+      <a:fontRef idx="minor">
+        <a:schemeClr val="lt1"/>
+      </a:fontRef>
+    </dgm:style>
+  </dgm:styleLbl>
+  <dgm:styleLbl name="parChTrans2D4">
+    <dgm:scene3d>
+      <a:camera prst="orthographicFront"/>
+      <a:lightRig rig="threePt" dir="t"/>
+    </dgm:scene3d>
+    <dgm:sp3d/>
+    <dgm:txPr/>
+    <dgm:style>
+      <a:lnRef idx="1">
+        <a:scrgbClr r="0" g="0" b="0"/>
+      </a:lnRef>
+      <a:fillRef idx="3">
+        <a:scrgbClr r="0" g="0" b="0"/>
+      </a:fillRef>
+      <a:effectRef idx="2">
+        <a:scrgbClr r="0" g="0" b="0"/>
+      </a:effectRef>
+      <a:fontRef idx="minor">
+        <a:schemeClr val="lt1"/>
+      </a:fontRef>
+    </dgm:style>
+  </dgm:styleLbl>
+  <dgm:styleLbl name="parChTrans1D1">
+    <dgm:scene3d>
+      <a:camera prst="orthographicFront"/>
+      <a:lightRig rig="threePt" dir="t"/>
+    </dgm:scene3d>
+    <dgm:sp3d/>
+    <dgm:txPr/>
+    <dgm:style>
+      <a:lnRef idx="1">
+        <a:scrgbClr r="0" g="0" b="0"/>
+      </a:lnRef>
+      <a:fillRef idx="0">
+        <a:scrgbClr r="0" g="0" b="0"/>
+      </a:fillRef>
+      <a:effectRef idx="0">
+        <a:scrgbClr r="0" g="0" b="0"/>
+      </a:effectRef>
+      <a:fontRef idx="minor"/>
+    </dgm:style>
+  </dgm:styleLbl>
+  <dgm:styleLbl name="parChTrans1D2">
+    <dgm:scene3d>
+      <a:camera prst="orthographicFront"/>
+      <a:lightRig rig="threePt" dir="t"/>
+    </dgm:scene3d>
+    <dgm:sp3d/>
+    <dgm:txPr/>
+    <dgm:style>
+      <a:lnRef idx="1">
+        <a:scrgbClr r="0" g="0" b="0"/>
+      </a:lnRef>
+      <a:fillRef idx="0">
+        <a:scrgbClr r="0" g="0" b="0"/>
+      </a:fillRef>
+      <a:effectRef idx="0">
+        <a:scrgbClr r="0" g="0" b="0"/>
+      </a:effectRef>
+      <a:fontRef idx="minor"/>
+    </dgm:style>
+  </dgm:styleLbl>
+  <dgm:styleLbl name="parChTrans1D3">
+    <dgm:scene3d>
+      <a:camera prst="orthographicFront"/>
+      <a:lightRig rig="threePt" dir="t"/>
+    </dgm:scene3d>
+    <dgm:sp3d/>
+    <dgm:txPr/>
+    <dgm:style>
+      <a:lnRef idx="1">
+        <a:scrgbClr r="0" g="0" b="0"/>
+      </a:lnRef>
+      <a:fillRef idx="0">
+        <a:scrgbClr r="0" g="0" b="0"/>
+      </a:fillRef>
+      <a:effectRef idx="0">
+        <a:scrgbClr r="0" g="0" b="0"/>
+      </a:effectRef>
+      <a:fontRef idx="minor"/>
+    </dgm:style>
+  </dgm:styleLbl>
+  <dgm:styleLbl name="parChTrans1D4">
+    <dgm:scene3d>
+      <a:camera prst="orthographicFront"/>
+      <a:lightRig rig="threePt" dir="t"/>
+    </dgm:scene3d>
+    <dgm:sp3d/>
+    <dgm:txPr/>
+    <dgm:style>
+      <a:lnRef idx="1">
+        <a:scrgbClr r="0" g="0" b="0"/>
+      </a:lnRef>
+      <a:fillRef idx="0">
+        <a:scrgbClr r="0" g="0" b="0"/>
+      </a:fillRef>
+      <a:effectRef idx="0">
+        <a:scrgbClr r="0" g="0" b="0"/>
+      </a:effectRef>
+      <a:fontRef idx="minor"/>
+    </dgm:style>
+  </dgm:styleLbl>
+  <dgm:styleLbl name="fgAcc1">
+    <dgm:scene3d>
+      <a:camera prst="orthographicFront"/>
+      <a:lightRig rig="threePt" dir="t"/>
+    </dgm:scene3d>
+    <dgm:sp3d/>
+    <dgm:txPr/>
+    <dgm:style>
+      <a:lnRef idx="1">
+        <a:scrgbClr r="0" g="0" b="0"/>
+      </a:lnRef>
+      <a:fillRef idx="1">
+        <a:scrgbClr r="0" g="0" b="0"/>
+      </a:fillRef>
+      <a:effectRef idx="0">
+        <a:scrgbClr r="0" g="0" b="0"/>
+      </a:effectRef>
+      <a:fontRef idx="minor"/>
+    </dgm:style>
+  </dgm:styleLbl>
+  <dgm:styleLbl name="conFgAcc1">
+    <dgm:scene3d>
+      <a:camera prst="orthographicFront"/>
+      <a:lightRig rig="threePt" dir="t"/>
+    </dgm:scene3d>
+    <dgm:sp3d/>
+    <dgm:txPr/>
+    <dgm:style>
+      <a:lnRef idx="1">
+        <a:scrgbClr r="0" g="0" b="0"/>
+      </a:lnRef>
+      <a:fillRef idx="1">
+        <a:scrgbClr r="0" g="0" b="0"/>
+      </a:fillRef>
+      <a:effectRef idx="0">
+        <a:scrgbClr r="0" g="0" b="0"/>
+      </a:effectRef>
+      <a:fontRef idx="minor"/>
+    </dgm:style>
+  </dgm:styleLbl>
+  <dgm:styleLbl name="alignAcc1">
+    <dgm:scene3d>
+      <a:camera prst="orthographicFront"/>
+      <a:lightRig rig="threePt" dir="t"/>
+    </dgm:scene3d>
+    <dgm:sp3d/>
+    <dgm:txPr/>
+    <dgm:style>
+      <a:lnRef idx="1">
+        <a:scrgbClr r="0" g="0" b="0"/>
+      </a:lnRef>
+      <a:fillRef idx="1">
+        <a:scrgbClr r="0" g="0" b="0"/>
+      </a:fillRef>
+      <a:effectRef idx="0">
+        <a:scrgbClr r="0" g="0" b="0"/>
+      </a:effectRef>
+      <a:fontRef idx="minor"/>
+    </dgm:style>
+  </dgm:styleLbl>
+  <dgm:styleLbl name="trAlignAcc1">
+    <dgm:scene3d>
+      <a:camera prst="orthographicFront"/>
+      <a:lightRig rig="threePt" dir="t"/>
+    </dgm:scene3d>
+    <dgm:sp3d/>
+    <dgm:txPr/>
+    <dgm:style>
+      <a:lnRef idx="1">
+        <a:scrgbClr r="0" g="0" b="0"/>
+      </a:lnRef>
+      <a:fillRef idx="1">
+        <a:scrgbClr r="0" g="0" b="0"/>
+      </a:fillRef>
+      <a:effectRef idx="0">
+        <a:scrgbClr r="0" g="0" b="0"/>
+      </a:effectRef>
+      <a:fontRef idx="minor"/>
+    </dgm:style>
+  </dgm:styleLbl>
+  <dgm:styleLbl name="bgAcc1">
+    <dgm:scene3d>
+      <a:camera prst="orthographicFront"/>
+      <a:lightRig rig="threePt" dir="t"/>
+    </dgm:scene3d>
+    <dgm:sp3d/>
+    <dgm:txPr/>
+    <dgm:style>
+      <a:lnRef idx="1">
+        <a:scrgbClr r="0" g="0" b="0"/>
+      </a:lnRef>
+      <a:fillRef idx="1">
+        <a:scrgbClr r="0" g="0" b="0"/>
+      </a:fillRef>
+      <a:effectRef idx="0">
+        <a:scrgbClr r="0" g="0" b="0"/>
+      </a:effectRef>
+      <a:fontRef idx="minor"/>
+    </dgm:style>
+  </dgm:styleLbl>
+  <dgm:styleLbl name="solidFgAcc1">
+    <dgm:scene3d>
+      <a:camera prst="orthographicFront"/>
+      <a:lightRig rig="threePt" dir="t"/>
+    </dgm:scene3d>
+    <dgm:sp3d/>
+    <dgm:txPr/>
+    <dgm:style>
+      <a:lnRef idx="1">
+        <a:scrgbClr r="0" g="0" b="0"/>
+      </a:lnRef>
+      <a:fillRef idx="1">
+        <a:scrgbClr r="0" g="0" b="0"/>
+      </a:fillRef>
+      <a:effectRef idx="0">
+        <a:scrgbClr r="0" g="0" b="0"/>
+      </a:effectRef>
+      <a:fontRef idx="minor"/>
+    </dgm:style>
+  </dgm:styleLbl>
+  <dgm:styleLbl name="solidAlignAcc1">
+    <dgm:scene3d>
+      <a:camera prst="orthographicFront"/>
+      <a:lightRig rig="threePt" dir="t"/>
+    </dgm:scene3d>
+    <dgm:sp3d/>
+    <dgm:txPr/>
+    <dgm:style>
+      <a:lnRef idx="1">
+        <a:scrgbClr r="0" g="0" b="0"/>
+      </a:lnRef>
+      <a:fillRef idx="1">
+        <a:scrgbClr r="0" g="0" b="0"/>
+      </a:fillRef>
+      <a:effectRef idx="0">
+        <a:scrgbClr r="0" g="0" b="0"/>
+      </a:effectRef>
+      <a:fontRef idx="minor"/>
+    </dgm:style>
+  </dgm:styleLbl>
+  <dgm:styleLbl name="solidBgAcc1">
+    <dgm:scene3d>
+      <a:camera prst="orthographicFront"/>
+      <a:lightRig rig="threePt" dir="t"/>
+    </dgm:scene3d>
+    <dgm:sp3d/>
+    <dgm:txPr/>
+    <dgm:style>
+      <a:lnRef idx="1">
+        <a:scrgbClr r="0" g="0" b="0"/>
+      </a:lnRef>
+      <a:fillRef idx="1">
+        <a:scrgbClr r="0" g="0" b="0"/>
+      </a:fillRef>
+      <a:effectRef idx="0">
+        <a:scrgbClr r="0" g="0" b="0"/>
+      </a:effectRef>
+      <a:fontRef idx="minor"/>
+    </dgm:style>
+  </dgm:styleLbl>
+  <dgm:styleLbl name="fgAccFollowNode1">
+    <dgm:scene3d>
+      <a:camera prst="orthographicFront"/>
+      <a:lightRig rig="threePt" dir="t"/>
+    </dgm:scene3d>
+    <dgm:sp3d/>
+    <dgm:txPr/>
+    <dgm:style>
+      <a:lnRef idx="1">
+        <a:scrgbClr r="0" g="0" b="0"/>
+      </a:lnRef>
+      <a:fillRef idx="1">
+        <a:scrgbClr r="0" g="0" b="0"/>
+      </a:fillRef>
+      <a:effectRef idx="0">
+        <a:scrgbClr r="0" g="0" b="0"/>
+      </a:effectRef>
+      <a:fontRef idx="minor"/>
+    </dgm:style>
+  </dgm:styleLbl>
+  <dgm:styleLbl name="alignAccFollowNode1">
+    <dgm:scene3d>
+      <a:camera prst="orthographicFront"/>
+      <a:lightRig rig="threePt" dir="t"/>
+    </dgm:scene3d>
+    <dgm:sp3d/>
+    <dgm:txPr/>
+    <dgm:style>
+      <a:lnRef idx="1">
+        <a:scrgbClr r="0" g="0" b="0"/>
+      </a:lnRef>
+      <a:fillRef idx="1">
+        <a:scrgbClr r="0" g="0" b="0"/>
+      </a:fillRef>
+      <a:effectRef idx="0">
+        <a:scrgbClr r="0" g="0" b="0"/>
+      </a:effectRef>
+      <a:fontRef idx="minor"/>
+    </dgm:style>
+  </dgm:styleLbl>
+  <dgm:styleLbl name="bgAccFollowNode1">
+    <dgm:scene3d>
+      <a:camera prst="orthographicFront"/>
+      <a:lightRig rig="threePt" dir="t"/>
+    </dgm:scene3d>
+    <dgm:sp3d/>
+    <dgm:txPr/>
+    <dgm:style>
+      <a:lnRef idx="1">
+        <a:scrgbClr r="0" g="0" b="0"/>
+      </a:lnRef>
+      <a:fillRef idx="1">
+        <a:scrgbClr r="0" g="0" b="0"/>
+      </a:fillRef>
+      <a:effectRef idx="0">
+        <a:scrgbClr r="0" g="0" b="0"/>
+      </a:effectRef>
+      <a:fontRef idx="minor"/>
+    </dgm:style>
+  </dgm:styleLbl>
+  <dgm:styleLbl name="fgAcc0">
+    <dgm:scene3d>
+      <a:camera prst="orthographicFront"/>
+      <a:lightRig rig="threePt" dir="t"/>
+    </dgm:scene3d>
+    <dgm:sp3d/>
+    <dgm:txPr/>
+    <dgm:style>
+      <a:lnRef idx="1">
+        <a:scrgbClr r="0" g="0" b="0"/>
+      </a:lnRef>
+      <a:fillRef idx="1">
+        <a:scrgbClr r="0" g="0" b="0"/>
+      </a:fillRef>
+      <a:effectRef idx="0">
+        <a:scrgbClr r="0" g="0" b="0"/>
+      </a:effectRef>
+      <a:fontRef idx="minor"/>
+    </dgm:style>
+  </dgm:styleLbl>
+  <dgm:styleLbl name="fgAcc2">
+    <dgm:scene3d>
+      <a:camera prst="orthographicFront"/>
+      <a:lightRig rig="threePt" dir="t"/>
+    </dgm:scene3d>
+    <dgm:sp3d/>
+    <dgm:txPr/>
+    <dgm:style>
+      <a:lnRef idx="1">
+        <a:scrgbClr r="0" g="0" b="0"/>
+      </a:lnRef>
+      <a:fillRef idx="1">
+        <a:scrgbClr r="0" g="0" b="0"/>
+      </a:fillRef>
+      <a:effectRef idx="0">
+        <a:scrgbClr r="0" g="0" b="0"/>
+      </a:effectRef>
+      <a:fontRef idx="minor"/>
+    </dgm:style>
+  </dgm:styleLbl>
+  <dgm:styleLbl name="fgAcc3">
+    <dgm:scene3d>
+      <a:camera prst="orthographicFront"/>
+      <a:lightRig rig="threePt" dir="t"/>
+    </dgm:scene3d>
+    <dgm:sp3d/>
+    <dgm:txPr/>
+    <dgm:style>
+      <a:lnRef idx="1">
+        <a:scrgbClr r="0" g="0" b="0"/>
+      </a:lnRef>
+      <a:fillRef idx="1">
+        <a:scrgbClr r="0" g="0" b="0"/>
+      </a:fillRef>
+      <a:effectRef idx="0">
+        <a:scrgbClr r="0" g="0" b="0"/>
+      </a:effectRef>
+      <a:fontRef idx="minor"/>
+    </dgm:style>
+  </dgm:styleLbl>
+  <dgm:styleLbl name="fgAcc4">
+    <dgm:scene3d>
+      <a:camera prst="orthographicFront"/>
+      <a:lightRig rig="threePt" dir="t"/>
+    </dgm:scene3d>
+    <dgm:sp3d/>
+    <dgm:txPr/>
+    <dgm:style>
+      <a:lnRef idx="1">
+        <a:scrgbClr r="0" g="0" b="0"/>
+      </a:lnRef>
+      <a:fillRef idx="1">
+        <a:scrgbClr r="0" g="0" b="0"/>
+      </a:fillRef>
+      <a:effectRef idx="0">
+        <a:scrgbClr r="0" g="0" b="0"/>
+      </a:effectRef>
+      <a:fontRef idx="minor"/>
+    </dgm:style>
+  </dgm:styleLbl>
+  <dgm:styleLbl name="bgShp">
+    <dgm:scene3d>
+      <a:camera prst="orthographicFront"/>
+      <a:lightRig rig="threePt" dir="t"/>
+    </dgm:scene3d>
+    <dgm:sp3d/>
+    <dgm:txPr/>
+    <dgm:style>
+      <a:lnRef idx="0">
+        <a:scrgbClr r="0" g="0" b="0"/>
+      </a:lnRef>
+      <a:fillRef idx="1">
+        <a:scrgbClr r="0" g="0" b="0"/>
+      </a:fillRef>
+      <a:effectRef idx="2">
+        <a:scrgbClr r="0" g="0" b="0"/>
+      </a:effectRef>
+      <a:fontRef idx="minor"/>
+    </dgm:style>
+  </dgm:styleLbl>
+  <dgm:styleLbl name="dkBgShp">
+    <dgm:scene3d>
+      <a:camera prst="orthographicFront"/>
+      <a:lightRig rig="threePt" dir="t"/>
+    </dgm:scene3d>
+    <dgm:sp3d/>
+    <dgm:txPr/>
+    <dgm:style>
+      <a:lnRef idx="0">
+        <a:scrgbClr r="0" g="0" b="0"/>
+      </a:lnRef>
+      <a:fillRef idx="1">
+        <a:scrgbClr r="0" g="0" b="0"/>
+      </a:fillRef>
+      <a:effectRef idx="2">
+        <a:scrgbClr r="0" g="0" b="0"/>
+      </a:effectRef>
+      <a:fontRef idx="minor"/>
+    </dgm:style>
+  </dgm:styleLbl>
+  <dgm:styleLbl name="trBgShp">
+    <dgm:scene3d>
+      <a:camera prst="orthographicFront"/>
+      <a:lightRig rig="threePt" dir="t"/>
+    </dgm:scene3d>
+    <dgm:sp3d/>
+    <dgm:txPr/>
+    <dgm:style>
+      <a:lnRef idx="0">
+        <a:scrgbClr r="0" g="0" b="0"/>
+      </a:lnRef>
+      <a:fillRef idx="1">
+        <a:scrgbClr r="0" g="0" b="0"/>
+      </a:fillRef>
+      <a:effectRef idx="0">
+        <a:scrgbClr r="0" g="0" b="0"/>
+      </a:effectRef>
+      <a:fontRef idx="minor"/>
+    </dgm:style>
+  </dgm:styleLbl>
+  <dgm:styleLbl name="fgShp">
+    <dgm:scene3d>
+      <a:camera prst="orthographicFront"/>
+      <a:lightRig rig="threePt" dir="t"/>
+    </dgm:scene3d>
+    <dgm:sp3d/>
+    <dgm:txPr/>
+    <dgm:style>
+      <a:lnRef idx="0">
+        <a:scrgbClr r="0" g="0" b="0"/>
+      </a:lnRef>
+      <a:fillRef idx="3">
+        <a:scrgbClr r="0" g="0" b="0"/>
+      </a:fillRef>
+      <a:effectRef idx="2">
         <a:scrgbClr r="0" g="0" b="0"/>
       </a:effectRef>
       <a:fontRef idx="minor"/>
@@ -12996,6 +15879,14 @@
 <file path=ppt/slides/slide14.xml><?xml version="1.0" encoding="utf-8"?>
 <p:sld xmlns:a="http://schemas.openxmlformats.org/drawingml/2006/main" xmlns:r="http://schemas.openxmlformats.org/officeDocument/2006/relationships" xmlns:p="http://schemas.openxmlformats.org/presentationml/2006/main">
   <p:cSld>
+    <p:bg>
+      <p:bgPr>
+        <a:solidFill>
+          <a:schemeClr val="bg1"/>
+        </a:solidFill>
+        <a:effectLst/>
+      </p:bgPr>
+    </p:bg>
     <p:spTree>
       <p:nvGrpSpPr>
         <p:cNvPr id="1" name=""/>
@@ -13012,6 +15903,311 @@
       </p:grpSpPr>
       <p:sp>
         <p:nvSpPr>
+          <p:cNvPr id="9" name="Freeform 6">
+            <a:extLst>
+              <a:ext uri="{FF2B5EF4-FFF2-40B4-BE49-F238E27FC236}">
+                <a16:creationId xmlns:a16="http://schemas.microsoft.com/office/drawing/2014/main" id="{B9D93730-8C7D-423D-9137-597B5FA65701}"/>
+              </a:ext>
+              <a:ext uri="{C183D7F6-B498-43B3-948B-1728B52AA6E4}">
+                <adec:decorative xmlns:adec="http://schemas.microsoft.com/office/drawing/2017/decorative" val="1"/>
+              </a:ext>
+            </a:extLst>
+          </p:cNvPr>
+          <p:cNvSpPr>
+            <a:spLocks noGrp="1" noRot="1" noChangeAspect="1" noMove="1" noResize="1" noEditPoints="1" noAdjustHandles="1" noChangeArrowheads="1" noChangeShapeType="1" noTextEdit="1"/>
+          </p:cNvSpPr>
+          <p:nvPr>
+            <p:extLst>
+              <p:ext uri="{386F3935-93C4-4BCD-93E2-E3B085C9AB24}">
+                <p16:designElem xmlns:p16="http://schemas.microsoft.com/office/powerpoint/2015/main" val="1"/>
+              </p:ext>
+            </p:extLst>
+          </p:nvPr>
+        </p:nvSpPr>
+        <p:spPr bwMode="auto">
+          <a:xfrm>
+            <a:off x="0" y="0"/>
+            <a:ext cx="12192000" cy="2185988"/>
+          </a:xfrm>
+          <a:custGeom>
+            <a:avLst/>
+            <a:gdLst/>
+            <a:ahLst/>
+            <a:cxnLst/>
+            <a:rect l="0" t="0" r="r" b="b"/>
+            <a:pathLst>
+              <a:path w="5760" h="1377">
+                <a:moveTo>
+                  <a:pt x="5760" y="0"/>
+                </a:moveTo>
+                <a:lnTo>
+                  <a:pt x="0" y="0"/>
+                </a:lnTo>
+                <a:lnTo>
+                  <a:pt x="0" y="1189"/>
+                </a:lnTo>
+                <a:lnTo>
+                  <a:pt x="943" y="1189"/>
+                </a:lnTo>
+                <a:lnTo>
+                  <a:pt x="1123" y="1369"/>
+                </a:lnTo>
+                <a:lnTo>
+                  <a:pt x="1123" y="1369"/>
+                </a:lnTo>
+                <a:lnTo>
+                  <a:pt x="1127" y="1371"/>
+                </a:lnTo>
+                <a:lnTo>
+                  <a:pt x="1133" y="1374"/>
+                </a:lnTo>
+                <a:lnTo>
+                  <a:pt x="1139" y="1377"/>
+                </a:lnTo>
+                <a:lnTo>
+                  <a:pt x="1144" y="1377"/>
+                </a:lnTo>
+                <a:lnTo>
+                  <a:pt x="1150" y="1377"/>
+                </a:lnTo>
+                <a:lnTo>
+                  <a:pt x="1155" y="1374"/>
+                </a:lnTo>
+                <a:lnTo>
+                  <a:pt x="1161" y="1371"/>
+                </a:lnTo>
+                <a:lnTo>
+                  <a:pt x="1165" y="1369"/>
+                </a:lnTo>
+                <a:lnTo>
+                  <a:pt x="1345" y="1189"/>
+                </a:lnTo>
+                <a:lnTo>
+                  <a:pt x="5760" y="1189"/>
+                </a:lnTo>
+                <a:lnTo>
+                  <a:pt x="5760" y="0"/>
+                </a:lnTo>
+                <a:close/>
+              </a:path>
+            </a:pathLst>
+          </a:custGeom>
+          <a:ln/>
+          <a:extLst>
+            <a:ext uri="{91240B29-F687-4f45-9708-019B960494DF}">
+              <a14:hiddenLine xmlns="" xmlns:a16="http://schemas.microsoft.com/office/drawing/2014/main" xmlns:a14="http://schemas.microsoft.com/office/drawing/2010/main" w="9525">
+                <a:solidFill>
+                  <a:srgbClr val="000000"/>
+                </a:solidFill>
+                <a:round/>
+                <a:headEnd/>
+                <a:tailEnd/>
+              </a14:hiddenLine>
+            </a:ext>
+          </a:extLst>
+        </p:spPr>
+        <p:style>
+          <a:lnRef idx="1">
+            <a:schemeClr val="accent1"/>
+          </a:lnRef>
+          <a:fillRef idx="3">
+            <a:schemeClr val="accent1"/>
+          </a:fillRef>
+          <a:effectRef idx="2">
+            <a:schemeClr val="accent1"/>
+          </a:effectRef>
+          <a:fontRef idx="minor">
+            <a:schemeClr val="lt1"/>
+          </a:fontRef>
+        </p:style>
+      </p:sp>
+      <p:sp useBgFill="1">
+        <p:nvSpPr>
+          <p:cNvPr id="11" name="Rectangle 10">
+            <a:extLst>
+              <a:ext uri="{FF2B5EF4-FFF2-40B4-BE49-F238E27FC236}">
+                <a16:creationId xmlns:a16="http://schemas.microsoft.com/office/drawing/2014/main" id="{056824CE-083D-4ED5-94A5-655345BBE75E}"/>
+              </a:ext>
+              <a:ext uri="{C183D7F6-B498-43B3-948B-1728B52AA6E4}">
+                <adec:decorative xmlns:adec="http://schemas.microsoft.com/office/drawing/2017/decorative" val="1"/>
+              </a:ext>
+            </a:extLst>
+          </p:cNvPr>
+          <p:cNvSpPr>
+            <a:spLocks noGrp="1" noRot="1" noChangeAspect="1" noMove="1" noResize="1" noEditPoints="1" noAdjustHandles="1" noChangeArrowheads="1" noChangeShapeType="1" noTextEdit="1"/>
+          </p:cNvSpPr>
+          <p:nvPr>
+            <p:extLst>
+              <p:ext uri="{386F3935-93C4-4BCD-93E2-E3B085C9AB24}">
+                <p16:designElem xmlns:p16="http://schemas.microsoft.com/office/powerpoint/2015/main" val="1"/>
+              </p:ext>
+            </p:extLst>
+          </p:nvPr>
+        </p:nvSpPr>
+        <p:spPr>
+          <a:xfrm>
+            <a:off x="0" y="0"/>
+            <a:ext cx="12192000" cy="6858000"/>
+          </a:xfrm>
+          <a:prstGeom prst="rect">
+            <a:avLst/>
+          </a:prstGeom>
+          <a:ln>
+            <a:noFill/>
+          </a:ln>
+        </p:spPr>
+        <p:style>
+          <a:lnRef idx="2">
+            <a:schemeClr val="accent1">
+              <a:shade val="50000"/>
+            </a:schemeClr>
+          </a:lnRef>
+          <a:fillRef idx="1">
+            <a:schemeClr val="accent1"/>
+          </a:fillRef>
+          <a:effectRef idx="0">
+            <a:schemeClr val="accent1"/>
+          </a:effectRef>
+          <a:fontRef idx="minor">
+            <a:schemeClr val="lt1"/>
+          </a:fontRef>
+        </p:style>
+        <p:txBody>
+          <a:bodyPr rtlCol="0" anchor="ctr"/>
+          <a:lstStyle/>
+          <a:p>
+            <a:pPr algn="ctr"/>
+            <a:endParaRPr lang="en-US"/>
+          </a:p>
+        </p:txBody>
+      </p:sp>
+      <p:sp>
+        <p:nvSpPr>
+          <p:cNvPr id="13" name="Freeform 6">
+            <a:extLst>
+              <a:ext uri="{FF2B5EF4-FFF2-40B4-BE49-F238E27FC236}">
+                <a16:creationId xmlns:a16="http://schemas.microsoft.com/office/drawing/2014/main" id="{0785D83B-2124-40CD-9E29-811BC2B7CE64}"/>
+              </a:ext>
+              <a:ext uri="{C183D7F6-B498-43B3-948B-1728B52AA6E4}">
+                <adec:decorative xmlns:adec="http://schemas.microsoft.com/office/drawing/2017/decorative" val="1"/>
+              </a:ext>
+            </a:extLst>
+          </p:cNvPr>
+          <p:cNvSpPr>
+            <a:spLocks noGrp="1" noRot="1" noChangeAspect="1" noMove="1" noResize="1" noEditPoints="1" noAdjustHandles="1" noChangeArrowheads="1" noChangeShapeType="1" noTextEdit="1"/>
+          </p:cNvSpPr>
+          <p:nvPr>
+            <p:extLst>
+              <p:ext uri="{386F3935-93C4-4BCD-93E2-E3B085C9AB24}">
+                <p16:designElem xmlns:p16="http://schemas.microsoft.com/office/powerpoint/2015/main" val="1"/>
+              </p:ext>
+            </p:extLst>
+          </p:nvPr>
+        </p:nvSpPr>
+        <p:spPr bwMode="auto">
+          <a:xfrm>
+            <a:off x="0" y="0"/>
+            <a:ext cx="12192000" cy="2185988"/>
+          </a:xfrm>
+          <a:custGeom>
+            <a:avLst/>
+            <a:gdLst/>
+            <a:ahLst/>
+            <a:cxnLst/>
+            <a:rect l="0" t="0" r="r" b="b"/>
+            <a:pathLst>
+              <a:path w="5760" h="1377">
+                <a:moveTo>
+                  <a:pt x="5760" y="0"/>
+                </a:moveTo>
+                <a:lnTo>
+                  <a:pt x="0" y="0"/>
+                </a:lnTo>
+                <a:lnTo>
+                  <a:pt x="0" y="1189"/>
+                </a:lnTo>
+                <a:lnTo>
+                  <a:pt x="943" y="1189"/>
+                </a:lnTo>
+                <a:lnTo>
+                  <a:pt x="1123" y="1369"/>
+                </a:lnTo>
+                <a:lnTo>
+                  <a:pt x="1123" y="1369"/>
+                </a:lnTo>
+                <a:lnTo>
+                  <a:pt x="1127" y="1371"/>
+                </a:lnTo>
+                <a:lnTo>
+                  <a:pt x="1133" y="1374"/>
+                </a:lnTo>
+                <a:lnTo>
+                  <a:pt x="1139" y="1377"/>
+                </a:lnTo>
+                <a:lnTo>
+                  <a:pt x="1144" y="1377"/>
+                </a:lnTo>
+                <a:lnTo>
+                  <a:pt x="1150" y="1377"/>
+                </a:lnTo>
+                <a:lnTo>
+                  <a:pt x="1155" y="1374"/>
+                </a:lnTo>
+                <a:lnTo>
+                  <a:pt x="1161" y="1371"/>
+                </a:lnTo>
+                <a:lnTo>
+                  <a:pt x="1165" y="1369"/>
+                </a:lnTo>
+                <a:lnTo>
+                  <a:pt x="1345" y="1189"/>
+                </a:lnTo>
+                <a:lnTo>
+                  <a:pt x="5760" y="1189"/>
+                </a:lnTo>
+                <a:lnTo>
+                  <a:pt x="5760" y="0"/>
+                </a:lnTo>
+                <a:close/>
+              </a:path>
+            </a:pathLst>
+          </a:custGeom>
+          <a:solidFill>
+            <a:schemeClr val="tx1"/>
+          </a:solidFill>
+          <a:ln>
+            <a:noFill/>
+          </a:ln>
+          <a:extLst>
+            <a:ext uri="{91240B29-F687-4f45-9708-019B960494DF}">
+              <a14:hiddenLine xmlns="" xmlns:a16="http://schemas.microsoft.com/office/drawing/2014/main" xmlns:p14="http://schemas.microsoft.com/office/powerpoint/2010/main" xmlns:dgm="http://schemas.openxmlformats.org/drawingml/2006/diagram" xmlns:a14="http://schemas.microsoft.com/office/drawing/2010/main" w="9525">
+                <a:solidFill>
+                  <a:srgbClr val="000000"/>
+                </a:solidFill>
+                <a:round/>
+                <a:headEnd/>
+                <a:tailEnd/>
+              </a14:hiddenLine>
+            </a:ext>
+          </a:extLst>
+        </p:spPr>
+        <p:style>
+          <a:lnRef idx="1">
+            <a:schemeClr val="accent1"/>
+          </a:lnRef>
+          <a:fillRef idx="3">
+            <a:schemeClr val="accent1"/>
+          </a:fillRef>
+          <a:effectRef idx="2">
+            <a:schemeClr val="accent1"/>
+          </a:effectRef>
+          <a:fontRef idx="minor">
+            <a:schemeClr val="lt1"/>
+          </a:fontRef>
+        </p:style>
+      </p:sp>
+      <p:sp>
+        <p:nvSpPr>
           <p:cNvPr id="2" name="Title 1">
             <a:extLst>
               <a:ext uri="{FF2B5EF4-FFF2-40B4-BE49-F238E27FC236}">
@@ -13026,105 +16222,56 @@
             <p:ph type="title"/>
           </p:nvPr>
         </p:nvSpPr>
-        <p:spPr/>
+        <p:spPr>
+          <a:xfrm>
+            <a:off x="810000" y="447188"/>
+            <a:ext cx="10571998" cy="970450"/>
+          </a:xfrm>
+        </p:spPr>
         <p:txBody>
-          <a:bodyPr/>
+          <a:bodyPr vert="horz" lIns="91440" tIns="45720" rIns="91440" bIns="45720" rtlCol="0" anchor="b">
+            <a:normAutofit/>
+          </a:bodyPr>
           <a:lstStyle/>
           <a:p>
             <a:r>
-              <a:rPr lang="fr-FR" dirty="0"/>
+              <a:rPr lang="en-US"/>
               <a:t>Bilan des difficultés rencontrées;</a:t>
             </a:r>
           </a:p>
         </p:txBody>
       </p:sp>
-      <p:sp>
-        <p:nvSpPr>
-          <p:cNvPr id="3" name="Content Placeholder 2">
+      <p:graphicFrame>
+        <p:nvGraphicFramePr>
+          <p:cNvPr id="5" name="Content Placeholder 2">
             <a:extLst>
               <a:ext uri="{FF2B5EF4-FFF2-40B4-BE49-F238E27FC236}">
-                <a16:creationId xmlns:a16="http://schemas.microsoft.com/office/drawing/2014/main" id="{5DFE66CA-AC5A-7344-8B63-9BE1FC32C75B}"/>
+                <a16:creationId xmlns:a16="http://schemas.microsoft.com/office/drawing/2014/main" id="{347A2DB6-42CA-4770-8CA1-4FAF2F184B8B}"/>
               </a:ext>
             </a:extLst>
           </p:cNvPr>
-          <p:cNvSpPr>
-            <a:spLocks noGrp="1"/>
-          </p:cNvSpPr>
+          <p:cNvGraphicFramePr>
+            <a:graphicFrameLocks noGrp="1"/>
+          </p:cNvGraphicFramePr>
           <p:nvPr>
             <p:ph sz="half" idx="1"/>
+            <p:extLst>
+              <p:ext uri="{D42A27DB-BD31-4B8C-83A1-F6EECF244321}">
+                <p14:modId xmlns:p14="http://schemas.microsoft.com/office/powerpoint/2010/main" val="1959396812"/>
+              </p:ext>
+            </p:extLst>
           </p:nvPr>
-        </p:nvSpPr>
-        <p:spPr/>
-        <p:txBody>
-          <a:bodyPr/>
-          <a:lstStyle/>
-          <a:p>
-            <a:r>
-              <a:rPr lang="fr-FR" dirty="0"/>
-              <a:t>Une quantité de travaille assez conséquente dans un temps assez court</a:t>
-            </a:r>
-          </a:p>
-          <a:p>
-            <a:r>
-              <a:rPr lang="fr-FR" dirty="0"/>
-              <a:t>L’utilisation de nouvelles </a:t>
-            </a:r>
-            <a:r>
-              <a:rPr lang="fr-FR" dirty="0" err="1"/>
-              <a:t>biblioteques</a:t>
-            </a:r>
-            <a:r>
-              <a:rPr lang="fr-FR" dirty="0"/>
-              <a:t> et </a:t>
-            </a:r>
-            <a:r>
-              <a:rPr lang="fr-FR"/>
-              <a:t>de nouveaux </a:t>
-            </a:r>
-            <a:r>
-              <a:rPr lang="fr-FR" dirty="0" err="1"/>
-              <a:t>conceptes</a:t>
-            </a:r>
-            <a:r>
-              <a:rPr lang="fr-FR" dirty="0"/>
-              <a:t> (git et </a:t>
-            </a:r>
-            <a:r>
-              <a:rPr lang="fr-FR" dirty="0" err="1"/>
-              <a:t>makefile</a:t>
-            </a:r>
-            <a:r>
-              <a:rPr lang="fr-FR" dirty="0"/>
-              <a:t>)</a:t>
-            </a:r>
-          </a:p>
-        </p:txBody>
-      </p:sp>
-      <p:sp>
-        <p:nvSpPr>
-          <p:cNvPr id="4" name="Content Placeholder 3">
-            <a:extLst>
-              <a:ext uri="{FF2B5EF4-FFF2-40B4-BE49-F238E27FC236}">
-                <a16:creationId xmlns:a16="http://schemas.microsoft.com/office/drawing/2014/main" id="{F4A96F61-3CEC-5146-9734-5D4C3BAB3C85}"/>
-              </a:ext>
-            </a:extLst>
-          </p:cNvPr>
-          <p:cNvSpPr>
-            <a:spLocks noGrp="1"/>
-          </p:cNvSpPr>
-          <p:nvPr>
-            <p:ph sz="half" idx="2"/>
-          </p:nvPr>
-        </p:nvSpPr>
-        <p:spPr/>
-        <p:txBody>
-          <a:bodyPr/>
-          <a:lstStyle/>
-          <a:p>
-            <a:endParaRPr lang="fr-FR"/>
-          </a:p>
-        </p:txBody>
-      </p:sp>
+        </p:nvGraphicFramePr>
+        <p:xfrm>
+          <a:off x="819150" y="2494722"/>
+          <a:ext cx="10553700" cy="3364741"/>
+        </p:xfrm>
+        <a:graphic>
+          <a:graphicData uri="http://schemas.openxmlformats.org/drawingml/2006/diagram">
+            <dgm:relIds xmlns:dgm="http://schemas.openxmlformats.org/drawingml/2006/diagram" xmlns:r="http://schemas.openxmlformats.org/officeDocument/2006/relationships" r:dm="rId2" r:lo="rId3" r:qs="rId4" r:cs="rId5"/>
+          </a:graphicData>
+        </a:graphic>
+      </p:graphicFrame>
     </p:spTree>
     <p:extLst>
       <p:ext uri="{BB962C8B-B14F-4D97-AF65-F5344CB8AC3E}">
@@ -13133,7 +16280,7 @@
     </p:extLst>
   </p:cSld>
   <p:clrMapOvr>
-    <a:masterClrMapping/>
+    <a:overrideClrMapping bg1="lt1" tx1="dk1" bg2="lt2" tx2="dk2" accent1="accent1" accent2="accent2" accent3="accent3" accent4="accent4" accent5="accent5" accent6="accent6" hlink="hlink" folHlink="folHlink"/>
   </p:clrMapOvr>
 </p:sld>
 </file>
@@ -13567,7 +16714,7 @@
     <p:bg>
       <p:bgPr>
         <a:solidFill>
-          <a:schemeClr val="bg1"/>
+          <a:schemeClr val="bg2"/>
         </a:solidFill>
         <a:effectLst/>
       </p:bgPr>
@@ -13586,197 +16733,12 @@
           <a:chExt cx="0" cy="0"/>
         </a:xfrm>
       </p:grpSpPr>
-      <p:sp useBgFill="1">
-        <p:nvSpPr>
-          <p:cNvPr id="9" name="Rectangle 8">
-            <a:extLst>
-              <a:ext uri="{FF2B5EF4-FFF2-40B4-BE49-F238E27FC236}">
-                <a16:creationId xmlns:a16="http://schemas.microsoft.com/office/drawing/2014/main" id="{056824CE-083D-4ED5-94A5-655345BBE75E}"/>
-              </a:ext>
-              <a:ext uri="{C183D7F6-B498-43B3-948B-1728B52AA6E4}">
-                <adec:decorative xmlns:adec="http://schemas.microsoft.com/office/drawing/2017/decorative" val="1"/>
-              </a:ext>
-            </a:extLst>
-          </p:cNvPr>
-          <p:cNvSpPr>
-            <a:spLocks noGrp="1" noRot="1" noChangeAspect="1" noMove="1" noResize="1" noEditPoints="1" noAdjustHandles="1" noChangeArrowheads="1" noChangeShapeType="1" noTextEdit="1"/>
-          </p:cNvSpPr>
-          <p:nvPr>
-            <p:extLst>
-              <p:ext uri="{386F3935-93C4-4BCD-93E2-E3B085C9AB24}">
-                <p16:designElem xmlns:p16="http://schemas.microsoft.com/office/powerpoint/2015/main" val="1"/>
-              </p:ext>
-            </p:extLst>
-          </p:nvPr>
-        </p:nvSpPr>
-        <p:spPr>
-          <a:xfrm>
-            <a:off x="0" y="0"/>
-            <a:ext cx="12192000" cy="6858000"/>
-          </a:xfrm>
-          <a:prstGeom prst="rect">
-            <a:avLst/>
-          </a:prstGeom>
-          <a:ln>
-            <a:noFill/>
-          </a:ln>
-        </p:spPr>
-        <p:style>
-          <a:lnRef idx="2">
-            <a:schemeClr val="accent1">
-              <a:shade val="50000"/>
-            </a:schemeClr>
-          </a:lnRef>
-          <a:fillRef idx="1">
-            <a:schemeClr val="accent1"/>
-          </a:fillRef>
-          <a:effectRef idx="0">
-            <a:schemeClr val="accent1"/>
-          </a:effectRef>
-          <a:fontRef idx="minor">
-            <a:schemeClr val="lt1"/>
-          </a:fontRef>
-        </p:style>
-        <p:txBody>
-          <a:bodyPr rtlCol="0" anchor="ctr"/>
-          <a:lstStyle/>
-          <a:p>
-            <a:pPr algn="ctr"/>
-            <a:endParaRPr lang="en-US"/>
-          </a:p>
-        </p:txBody>
-      </p:sp>
-      <p:sp>
-        <p:nvSpPr>
-          <p:cNvPr id="11" name="Freeform 6">
-            <a:extLst>
-              <a:ext uri="{FF2B5EF4-FFF2-40B4-BE49-F238E27FC236}">
-                <a16:creationId xmlns:a16="http://schemas.microsoft.com/office/drawing/2014/main" id="{0785D83B-2124-40CD-9E29-811BC2B7CE64}"/>
-              </a:ext>
-              <a:ext uri="{C183D7F6-B498-43B3-948B-1728B52AA6E4}">
-                <adec:decorative xmlns:adec="http://schemas.microsoft.com/office/drawing/2017/decorative" val="1"/>
-              </a:ext>
-            </a:extLst>
-          </p:cNvPr>
-          <p:cNvSpPr>
-            <a:spLocks noGrp="1" noRot="1" noChangeAspect="1" noMove="1" noResize="1" noEditPoints="1" noAdjustHandles="1" noChangeArrowheads="1" noChangeShapeType="1" noTextEdit="1"/>
-          </p:cNvSpPr>
-          <p:nvPr>
-            <p:extLst>
-              <p:ext uri="{386F3935-93C4-4BCD-93E2-E3B085C9AB24}">
-                <p16:designElem xmlns:p16="http://schemas.microsoft.com/office/powerpoint/2015/main" val="1"/>
-              </p:ext>
-            </p:extLst>
-          </p:nvPr>
-        </p:nvSpPr>
-        <p:spPr bwMode="auto">
-          <a:xfrm>
-            <a:off x="0" y="0"/>
-            <a:ext cx="12192000" cy="2185988"/>
-          </a:xfrm>
-          <a:custGeom>
-            <a:avLst/>
-            <a:gdLst/>
-            <a:ahLst/>
-            <a:cxnLst/>
-            <a:rect l="0" t="0" r="r" b="b"/>
-            <a:pathLst>
-              <a:path w="5760" h="1377">
-                <a:moveTo>
-                  <a:pt x="5760" y="0"/>
-                </a:moveTo>
-                <a:lnTo>
-                  <a:pt x="0" y="0"/>
-                </a:lnTo>
-                <a:lnTo>
-                  <a:pt x="0" y="1189"/>
-                </a:lnTo>
-                <a:lnTo>
-                  <a:pt x="943" y="1189"/>
-                </a:lnTo>
-                <a:lnTo>
-                  <a:pt x="1123" y="1369"/>
-                </a:lnTo>
-                <a:lnTo>
-                  <a:pt x="1123" y="1369"/>
-                </a:lnTo>
-                <a:lnTo>
-                  <a:pt x="1127" y="1371"/>
-                </a:lnTo>
-                <a:lnTo>
-                  <a:pt x="1133" y="1374"/>
-                </a:lnTo>
-                <a:lnTo>
-                  <a:pt x="1139" y="1377"/>
-                </a:lnTo>
-                <a:lnTo>
-                  <a:pt x="1144" y="1377"/>
-                </a:lnTo>
-                <a:lnTo>
-                  <a:pt x="1150" y="1377"/>
-                </a:lnTo>
-                <a:lnTo>
-                  <a:pt x="1155" y="1374"/>
-                </a:lnTo>
-                <a:lnTo>
-                  <a:pt x="1161" y="1371"/>
-                </a:lnTo>
-                <a:lnTo>
-                  <a:pt x="1165" y="1369"/>
-                </a:lnTo>
-                <a:lnTo>
-                  <a:pt x="1345" y="1189"/>
-                </a:lnTo>
-                <a:lnTo>
-                  <a:pt x="5760" y="1189"/>
-                </a:lnTo>
-                <a:lnTo>
-                  <a:pt x="5760" y="0"/>
-                </a:lnTo>
-                <a:close/>
-              </a:path>
-            </a:pathLst>
-          </a:custGeom>
-          <a:solidFill>
-            <a:schemeClr val="tx1"/>
-          </a:solidFill>
-          <a:ln>
-            <a:noFill/>
-          </a:ln>
-          <a:extLst>
-            <a:ext uri="{91240B29-F687-4f45-9708-019B960494DF}">
-              <a14:hiddenLine xmlns="" xmlns:a16="http://schemas.microsoft.com/office/drawing/2014/main" xmlns:p14="http://schemas.microsoft.com/office/powerpoint/2010/main" xmlns:dgm="http://schemas.openxmlformats.org/drawingml/2006/diagram" xmlns:a14="http://schemas.microsoft.com/office/drawing/2010/main" w="9525">
-                <a:solidFill>
-                  <a:srgbClr val="000000"/>
-                </a:solidFill>
-                <a:round/>
-                <a:headEnd/>
-                <a:tailEnd/>
-              </a14:hiddenLine>
-            </a:ext>
-          </a:extLst>
-        </p:spPr>
-        <p:style>
-          <a:lnRef idx="1">
-            <a:schemeClr val="accent1"/>
-          </a:lnRef>
-          <a:fillRef idx="3">
-            <a:schemeClr val="accent1"/>
-          </a:fillRef>
-          <a:effectRef idx="2">
-            <a:schemeClr val="accent1"/>
-          </a:effectRef>
-          <a:fontRef idx="minor">
-            <a:schemeClr val="lt1"/>
-          </a:fontRef>
-        </p:style>
-      </p:sp>
       <p:sp>
         <p:nvSpPr>
           <p:cNvPr id="2" name="Title 1">
             <a:extLst>
               <a:ext uri="{FF2B5EF4-FFF2-40B4-BE49-F238E27FC236}">
-                <a16:creationId xmlns:a16="http://schemas.microsoft.com/office/drawing/2014/main" id="{48369A8F-0BF0-1C44-A231-130FF8240756}"/>
+                <a16:creationId xmlns:a16="http://schemas.microsoft.com/office/drawing/2014/main" id="{9CCFBB23-57F9-824C-8F94-2003ACACB159}"/>
               </a:ext>
             </a:extLst>
           </p:cNvPr>
@@ -13801,7 +16763,7 @@
           <a:p>
             <a:r>
               <a:rPr lang="fr-FR" dirty="0"/>
-              <a:t>Sommaire:</a:t>
+              <a:t>Sommaire</a:t>
             </a:r>
           </a:p>
         </p:txBody>
@@ -13811,7 +16773,7 @@
           <p:cNvPr id="5" name="Content Placeholder 2">
             <a:extLst>
               <a:ext uri="{FF2B5EF4-FFF2-40B4-BE49-F238E27FC236}">
-                <a16:creationId xmlns:a16="http://schemas.microsoft.com/office/drawing/2014/main" id="{E5656B03-4144-4CC4-A72D-E60EA3E152C3}"/>
+                <a16:creationId xmlns:a16="http://schemas.microsoft.com/office/drawing/2014/main" id="{CC4738C1-CC91-4976-B730-385C312D889F}"/>
               </a:ext>
             </a:extLst>
           </p:cNvPr>
@@ -13822,14 +16784,14 @@
             <p:ph idx="1"/>
             <p:extLst>
               <p:ext uri="{D42A27DB-BD31-4B8C-83A1-F6EECF244321}">
-                <p14:modId xmlns:p14="http://schemas.microsoft.com/office/powerpoint/2010/main" val="667418882"/>
+                <p14:modId xmlns:p14="http://schemas.microsoft.com/office/powerpoint/2010/main" val="693152108"/>
               </p:ext>
             </p:extLst>
           </p:nvPr>
         </p:nvGraphicFramePr>
         <p:xfrm>
-          <a:off x="819150" y="2494722"/>
-          <a:ext cx="10553700" cy="3364741"/>
+          <a:off x="819150" y="2548647"/>
+          <a:ext cx="10553700" cy="3310816"/>
         </p:xfrm>
         <a:graphic>
           <a:graphicData uri="http://schemas.openxmlformats.org/drawingml/2006/diagram">
@@ -13840,12 +16802,12 @@
     </p:spTree>
     <p:extLst>
       <p:ext uri="{BB962C8B-B14F-4D97-AF65-F5344CB8AC3E}">
-        <p14:creationId xmlns:p14="http://schemas.microsoft.com/office/powerpoint/2010/main" val="815788741"/>
+        <p14:creationId xmlns:p14="http://schemas.microsoft.com/office/powerpoint/2010/main" val="2526784840"/>
       </p:ext>
     </p:extLst>
   </p:cSld>
   <p:clrMapOvr>
-    <a:overrideClrMapping bg1="lt1" tx1="dk1" bg2="lt2" tx2="dk2" accent1="accent1" accent2="accent2" accent3="accent3" accent4="accent4" accent5="accent5" accent6="accent6" hlink="hlink" folHlink="folHlink"/>
+    <a:masterClrMapping/>
   </p:clrMapOvr>
 </p:sld>
 </file>
